--- a/images/pics.pptx
+++ b/images/pics.pptx
@@ -10,6 +10,7 @@
     <p:sldId id="258" r:id="rId4"/>
     <p:sldId id="259" r:id="rId5"/>
     <p:sldId id="260" r:id="rId6"/>
+    <p:sldId id="261" r:id="rId7"/>
   </p:sldIdLst>
   <p:sldSz cx="12192000" cy="6858000"/>
   <p:notesSz cx="6858000" cy="9144000"/>
@@ -5463,137 +5464,6 @@
       </p:sp>
       <p:sp>
         <p:nvSpPr>
-          <p:cNvPr id="10" name="Oval 9"/>
-          <p:cNvSpPr/>
-          <p:nvPr/>
-        </p:nvSpPr>
-        <p:spPr>
-          <a:xfrm>
-            <a:off x="7006590" y="4840287"/>
-            <a:ext cx="454025" cy="469265"/>
-          </a:xfrm>
-          <a:prstGeom prst="ellipse">
-            <a:avLst/>
-          </a:prstGeom>
-          <a:solidFill>
-            <a:schemeClr val="bg1"/>
-          </a:solidFill>
-          <a:ln w="19050">
-            <a:solidFill>
-              <a:schemeClr val="tx1"/>
-            </a:solidFill>
-          </a:ln>
-        </p:spPr>
-        <p:style>
-          <a:lnRef idx="2">
-            <a:schemeClr val="accent1">
-              <a:shade val="50000"/>
-            </a:schemeClr>
-          </a:lnRef>
-          <a:fillRef idx="1">
-            <a:schemeClr val="accent1"/>
-          </a:fillRef>
-          <a:effectRef idx="0">
-            <a:schemeClr val="accent1"/>
-          </a:effectRef>
-          <a:fontRef idx="minor">
-            <a:schemeClr val="lt1"/>
-          </a:fontRef>
-        </p:style>
-        <p:txBody>
-          <a:bodyPr rot="0" spcFirstLastPara="0" vert="horz" wrap="square" lIns="91440" tIns="45720" rIns="91440" bIns="45720" numCol="1" spcCol="0" rtlCol="0" fromWordArt="0" anchor="ctr" anchorCtr="0" forceAA="0" compatLnSpc="1">
-            <a:prstTxWarp prst="textNoShape">
-              <a:avLst/>
-            </a:prstTxWarp>
-            <a:noAutofit/>
-          </a:bodyPr>
-          <a:lstStyle/>
-          <a:p>
-            <a:pPr marL="0" marR="0">
-              <a:lnSpc>
-                <a:spcPct val="107000"/>
-              </a:lnSpc>
-              <a:spcBef>
-                <a:spcPts val="0"/>
-              </a:spcBef>
-              <a:spcAft>
-                <a:spcPts val="800"/>
-              </a:spcAft>
-            </a:pPr>
-            <a:endParaRPr lang="en-US" sz="1200" dirty="0" smtClean="0">
-              <a:solidFill>
-                <a:srgbClr val="000000"/>
-              </a:solidFill>
-              <a:effectLst/>
-              <a:latin typeface="Times New Roman" panose="02020603050405020304" pitchFamily="18" charset="0"/>
-              <a:ea typeface="Calibri" panose="020F0502020204030204" pitchFamily="34" charset="0"/>
-              <a:cs typeface="Times New Roman" panose="02020603050405020304" pitchFamily="18" charset="0"/>
-            </a:endParaRPr>
-          </a:p>
-          <a:p>
-            <a:pPr marL="0" marR="0">
-              <a:lnSpc>
-                <a:spcPct val="107000"/>
-              </a:lnSpc>
-              <a:spcBef>
-                <a:spcPts val="0"/>
-              </a:spcBef>
-              <a:spcAft>
-                <a:spcPts val="800"/>
-              </a:spcAft>
-            </a:pPr>
-            <a:r>
-              <a:rPr lang="en-US" sz="1200" dirty="0" smtClean="0">
-                <a:solidFill>
-                  <a:srgbClr val="000000"/>
-                </a:solidFill>
-                <a:effectLst/>
-                <a:latin typeface="Times New Roman" panose="02020603050405020304" pitchFamily="18" charset="0"/>
-                <a:ea typeface="Calibri" panose="020F0502020204030204" pitchFamily="34" charset="0"/>
-                <a:cs typeface="Times New Roman" panose="02020603050405020304" pitchFamily="18" charset="0"/>
-              </a:rPr>
-              <a:t>I</a:t>
-            </a:r>
-            <a:endParaRPr lang="en-US" sz="1100" dirty="0">
-              <a:effectLst/>
-              <a:ea typeface="Calibri" panose="020F0502020204030204" pitchFamily="34" charset="0"/>
-              <a:cs typeface="Times New Roman" panose="02020603050405020304" pitchFamily="18" charset="0"/>
-            </a:endParaRPr>
-          </a:p>
-          <a:p>
-            <a:pPr marL="0" marR="0">
-              <a:lnSpc>
-                <a:spcPct val="107000"/>
-              </a:lnSpc>
-              <a:spcBef>
-                <a:spcPts val="0"/>
-              </a:spcBef>
-              <a:spcAft>
-                <a:spcPts val="800"/>
-              </a:spcAft>
-            </a:pPr>
-            <a:r>
-              <a:rPr lang="en-US" sz="1200" dirty="0">
-                <a:solidFill>
-                  <a:srgbClr val="000000"/>
-                </a:solidFill>
-                <a:effectLst/>
-                <a:latin typeface="Times New Roman" panose="02020603050405020304" pitchFamily="18" charset="0"/>
-                <a:ea typeface="Calibri" panose="020F0502020204030204" pitchFamily="34" charset="0"/>
-                <a:cs typeface="Times New Roman" panose="02020603050405020304" pitchFamily="18" charset="0"/>
-              </a:rPr>
-              <a:t> </a:t>
-            </a:r>
-            <a:endParaRPr lang="en-US" sz="1100" dirty="0">
-              <a:effectLst/>
-              <a:ea typeface="Calibri" panose="020F0502020204030204" pitchFamily="34" charset="0"/>
-              <a:cs typeface="Times New Roman" panose="02020603050405020304" pitchFamily="18" charset="0"/>
-            </a:endParaRPr>
-          </a:p>
-        </p:txBody>
-      </p:sp>
-      <p:sp>
-        <p:nvSpPr>
           <p:cNvPr id="11" name="Isosceles Triangle 10"/>
           <p:cNvSpPr/>
           <p:nvPr/>
@@ -5925,14 +5795,14 @@
         <p:nvCxnSpPr>
           <p:cNvPr id="19" name="Straight Arrow Connector 18"/>
           <p:cNvCxnSpPr>
-            <a:stCxn id="10" idx="0"/>
+            <a:stCxn id="20" idx="0"/>
           </p:cNvCxnSpPr>
           <p:nvPr/>
         </p:nvCxnSpPr>
         <p:spPr>
           <a:xfrm flipH="1" flipV="1">
-            <a:off x="6774180" y="4376737"/>
-            <a:ext cx="459423" cy="463550"/>
+            <a:off x="6678295" y="4388802"/>
+            <a:ext cx="391378" cy="431800"/>
           </a:xfrm>
           <a:prstGeom prst="straightConnector1">
             <a:avLst/>
@@ -5959,10 +5829,1629 @@
           </a:fontRef>
         </p:style>
       </p:cxnSp>
+      <p:sp>
+        <p:nvSpPr>
+          <p:cNvPr id="20" name="Oval 19"/>
+          <p:cNvSpPr/>
+          <p:nvPr/>
+        </p:nvSpPr>
+        <p:spPr>
+          <a:xfrm>
+            <a:off x="6783070" y="4820602"/>
+            <a:ext cx="573206" cy="600502"/>
+          </a:xfrm>
+          <a:prstGeom prst="ellipse">
+            <a:avLst/>
+          </a:prstGeom>
+          <a:noFill/>
+          <a:ln w="28575">
+            <a:solidFill>
+              <a:schemeClr val="tx1"/>
+            </a:solidFill>
+          </a:ln>
+        </p:spPr>
+        <p:style>
+          <a:lnRef idx="2">
+            <a:schemeClr val="accent1">
+              <a:shade val="50000"/>
+            </a:schemeClr>
+          </a:lnRef>
+          <a:fillRef idx="1">
+            <a:schemeClr val="accent1"/>
+          </a:fillRef>
+          <a:effectRef idx="0">
+            <a:schemeClr val="accent1"/>
+          </a:effectRef>
+          <a:fontRef idx="minor">
+            <a:schemeClr val="lt1"/>
+          </a:fontRef>
+        </p:style>
+        <p:txBody>
+          <a:bodyPr rtlCol="0" anchor="ctr"/>
+          <a:lstStyle/>
+          <a:p>
+            <a:pPr algn="ctr"/>
+            <a:r>
+              <a:rPr lang="en-US" baseline="-25000" smtClean="0">
+                <a:solidFill>
+                  <a:schemeClr val="tx1"/>
+                </a:solidFill>
+              </a:rPr>
+              <a:t>I</a:t>
+            </a:r>
+            <a:endParaRPr lang="en-US" baseline="-25000" dirty="0">
+              <a:solidFill>
+                <a:schemeClr val="tx1"/>
+              </a:solidFill>
+            </a:endParaRPr>
+          </a:p>
+        </p:txBody>
+      </p:sp>
     </p:spTree>
     <p:extLst>
       <p:ext uri="{BB962C8B-B14F-4D97-AF65-F5344CB8AC3E}">
         <p14:creationId xmlns:p14="http://schemas.microsoft.com/office/powerpoint/2010/main" val="2921822747"/>
+      </p:ext>
+    </p:extLst>
+  </p:cSld>
+  <p:clrMapOvr>
+    <a:masterClrMapping/>
+  </p:clrMapOvr>
+  <p:timing>
+    <p:tnLst>
+      <p:par>
+        <p:cTn id="1" dur="indefinite" restart="never" nodeType="tmRoot"/>
+      </p:par>
+    </p:tnLst>
+  </p:timing>
+</p:sld>
+</file>
+
+<file path=ppt/slides/slide6.xml><?xml version="1.0" encoding="utf-8"?>
+<p:sld xmlns:a="http://schemas.openxmlformats.org/drawingml/2006/main" xmlns:r="http://schemas.openxmlformats.org/officeDocument/2006/relationships" xmlns:p="http://schemas.openxmlformats.org/presentationml/2006/main">
+  <p:cSld>
+    <p:spTree>
+      <p:nvGrpSpPr>
+        <p:cNvPr id="1" name=""/>
+        <p:cNvGrpSpPr/>
+        <p:nvPr/>
+      </p:nvGrpSpPr>
+      <p:grpSpPr>
+        <a:xfrm>
+          <a:off x="0" y="0"/>
+          <a:ext cx="0" cy="0"/>
+          <a:chOff x="0" y="0"/>
+          <a:chExt cx="0" cy="0"/>
+        </a:xfrm>
+      </p:grpSpPr>
+      <p:sp>
+        <p:nvSpPr>
+          <p:cNvPr id="2" name="Oval 1"/>
+          <p:cNvSpPr/>
+          <p:nvPr/>
+        </p:nvSpPr>
+        <p:spPr>
+          <a:xfrm>
+            <a:off x="2959734" y="3949065"/>
+            <a:ext cx="455930" cy="455295"/>
+          </a:xfrm>
+          <a:prstGeom prst="ellipse">
+            <a:avLst/>
+          </a:prstGeom>
+          <a:ln w="19050">
+            <a:solidFill>
+              <a:schemeClr val="tx1"/>
+            </a:solidFill>
+          </a:ln>
+        </p:spPr>
+        <p:style>
+          <a:lnRef idx="2">
+            <a:schemeClr val="accent1"/>
+          </a:lnRef>
+          <a:fillRef idx="1">
+            <a:schemeClr val="lt1"/>
+          </a:fillRef>
+          <a:effectRef idx="0">
+            <a:schemeClr val="accent1"/>
+          </a:effectRef>
+          <a:fontRef idx="minor">
+            <a:schemeClr val="dk1"/>
+          </a:fontRef>
+        </p:style>
+        <p:txBody>
+          <a:bodyPr rot="0" spcFirstLastPara="0" vert="horz" wrap="square" lIns="91440" tIns="45720" rIns="91440" bIns="45720" numCol="1" spcCol="0" rtlCol="0" fromWordArt="0" anchor="ctr" anchorCtr="0" forceAA="0" compatLnSpc="1">
+            <a:prstTxWarp prst="textNoShape">
+              <a:avLst/>
+            </a:prstTxWarp>
+            <a:noAutofit/>
+          </a:bodyPr>
+          <a:lstStyle/>
+          <a:p>
+            <a:pPr marL="0" marR="0" algn="ctr">
+              <a:lnSpc>
+                <a:spcPct val="107000"/>
+              </a:lnSpc>
+              <a:spcBef>
+                <a:spcPts val="0"/>
+              </a:spcBef>
+              <a:spcAft>
+                <a:spcPts val="800"/>
+              </a:spcAft>
+            </a:pPr>
+            <a:r>
+              <a:rPr lang="en-US" sz="900" b="1" i="1" dirty="0">
+                <a:effectLst/>
+                <a:latin typeface="Times New Roman" panose="02020603050405020304" pitchFamily="18" charset="0"/>
+                <a:ea typeface="Calibri" panose="020F0502020204030204" pitchFamily="34" charset="0"/>
+                <a:cs typeface="Times New Roman" panose="02020603050405020304" pitchFamily="18" charset="0"/>
+              </a:rPr>
+              <a:t>H</a:t>
+            </a:r>
+            <a:r>
+              <a:rPr lang="en-US" sz="900" b="1" i="1" baseline="-25000" dirty="0">
+                <a:effectLst/>
+                <a:latin typeface="Times New Roman" panose="02020603050405020304" pitchFamily="18" charset="0"/>
+                <a:ea typeface="Calibri" panose="020F0502020204030204" pitchFamily="34" charset="0"/>
+                <a:cs typeface="Times New Roman" panose="02020603050405020304" pitchFamily="18" charset="0"/>
+              </a:rPr>
+              <a:t>0</a:t>
+            </a:r>
+            <a:endParaRPr lang="en-US" sz="900" b="1" dirty="0">
+              <a:effectLst/>
+              <a:ea typeface="Calibri" panose="020F0502020204030204" pitchFamily="34" charset="0"/>
+              <a:cs typeface="Times New Roman" panose="02020603050405020304" pitchFamily="18" charset="0"/>
+            </a:endParaRPr>
+          </a:p>
+        </p:txBody>
+      </p:sp>
+      <p:sp>
+        <p:nvSpPr>
+          <p:cNvPr id="3" name="Oval 2"/>
+          <p:cNvSpPr/>
+          <p:nvPr/>
+        </p:nvSpPr>
+        <p:spPr>
+          <a:xfrm>
+            <a:off x="3643629" y="3949065"/>
+            <a:ext cx="457835" cy="455295"/>
+          </a:xfrm>
+          <a:prstGeom prst="ellipse">
+            <a:avLst/>
+          </a:prstGeom>
+          <a:ln w="19050">
+            <a:solidFill>
+              <a:schemeClr val="tx1"/>
+            </a:solidFill>
+          </a:ln>
+        </p:spPr>
+        <p:style>
+          <a:lnRef idx="2">
+            <a:schemeClr val="accent1"/>
+          </a:lnRef>
+          <a:fillRef idx="1">
+            <a:schemeClr val="lt1"/>
+          </a:fillRef>
+          <a:effectRef idx="0">
+            <a:schemeClr val="accent1"/>
+          </a:effectRef>
+          <a:fontRef idx="minor">
+            <a:schemeClr val="dk1"/>
+          </a:fontRef>
+        </p:style>
+        <p:txBody>
+          <a:bodyPr rot="0" spcFirstLastPara="0" vert="horz" wrap="square" lIns="91440" tIns="45720" rIns="91440" bIns="45720" numCol="1" spcCol="0" rtlCol="0" fromWordArt="0" anchor="ctr" anchorCtr="0" forceAA="0" compatLnSpc="1">
+            <a:prstTxWarp prst="textNoShape">
+              <a:avLst/>
+            </a:prstTxWarp>
+            <a:noAutofit/>
+          </a:bodyPr>
+          <a:lstStyle/>
+          <a:p>
+            <a:pPr marL="0" marR="0" algn="ctr">
+              <a:lnSpc>
+                <a:spcPct val="107000"/>
+              </a:lnSpc>
+              <a:spcBef>
+                <a:spcPts val="0"/>
+              </a:spcBef>
+              <a:spcAft>
+                <a:spcPts val="800"/>
+              </a:spcAft>
+            </a:pPr>
+            <a:r>
+              <a:rPr lang="en-US" sz="900" b="1" i="1" dirty="0">
+                <a:effectLst/>
+                <a:latin typeface="Times New Roman" panose="02020603050405020304" pitchFamily="18" charset="0"/>
+                <a:ea typeface="Calibri" panose="020F0502020204030204" pitchFamily="34" charset="0"/>
+                <a:cs typeface="Times New Roman" panose="02020603050405020304" pitchFamily="18" charset="0"/>
+              </a:rPr>
+              <a:t>I</a:t>
+            </a:r>
+            <a:r>
+              <a:rPr lang="en-US" sz="900" b="1" i="1" baseline="-25000" dirty="0">
+                <a:effectLst/>
+                <a:latin typeface="Times New Roman" panose="02020603050405020304" pitchFamily="18" charset="0"/>
+                <a:ea typeface="Calibri" panose="020F0502020204030204" pitchFamily="34" charset="0"/>
+                <a:cs typeface="Times New Roman" panose="02020603050405020304" pitchFamily="18" charset="0"/>
+              </a:rPr>
+              <a:t>0</a:t>
+            </a:r>
+            <a:endParaRPr lang="en-US" sz="900" b="1" dirty="0">
+              <a:effectLst/>
+              <a:ea typeface="Calibri" panose="020F0502020204030204" pitchFamily="34" charset="0"/>
+              <a:cs typeface="Times New Roman" panose="02020603050405020304" pitchFamily="18" charset="0"/>
+            </a:endParaRPr>
+          </a:p>
+        </p:txBody>
+      </p:sp>
+      <p:sp>
+        <p:nvSpPr>
+          <p:cNvPr id="4" name="Oval 3"/>
+          <p:cNvSpPr/>
+          <p:nvPr/>
+        </p:nvSpPr>
+        <p:spPr>
+          <a:xfrm>
+            <a:off x="3301364" y="3265805"/>
+            <a:ext cx="452755" cy="454025"/>
+          </a:xfrm>
+          <a:prstGeom prst="ellipse">
+            <a:avLst/>
+          </a:prstGeom>
+          <a:ln w="19050">
+            <a:solidFill>
+              <a:schemeClr val="tx1"/>
+            </a:solidFill>
+          </a:ln>
+        </p:spPr>
+        <p:style>
+          <a:lnRef idx="2">
+            <a:schemeClr val="accent1"/>
+          </a:lnRef>
+          <a:fillRef idx="1">
+            <a:schemeClr val="lt1"/>
+          </a:fillRef>
+          <a:effectRef idx="0">
+            <a:schemeClr val="accent1"/>
+          </a:effectRef>
+          <a:fontRef idx="minor">
+            <a:schemeClr val="dk1"/>
+          </a:fontRef>
+        </p:style>
+        <p:txBody>
+          <a:bodyPr rot="0" spcFirstLastPara="0" vert="horz" wrap="square" lIns="91440" tIns="45720" rIns="91440" bIns="45720" numCol="1" spcCol="0" rtlCol="0" fromWordArt="0" anchor="ctr" anchorCtr="0" forceAA="0" compatLnSpc="1">
+            <a:prstTxWarp prst="textNoShape">
+              <a:avLst/>
+            </a:prstTxWarp>
+            <a:noAutofit/>
+          </a:bodyPr>
+          <a:lstStyle/>
+          <a:p>
+            <a:pPr marL="0" marR="0" algn="ctr">
+              <a:lnSpc>
+                <a:spcPct val="107000"/>
+              </a:lnSpc>
+              <a:spcBef>
+                <a:spcPts val="0"/>
+              </a:spcBef>
+              <a:spcAft>
+                <a:spcPts val="800"/>
+              </a:spcAft>
+            </a:pPr>
+            <a:r>
+              <a:rPr lang="en-US" sz="900" b="1" i="1" dirty="0">
+                <a:effectLst/>
+                <a:latin typeface="Times New Roman" panose="02020603050405020304" pitchFamily="18" charset="0"/>
+                <a:ea typeface="Calibri" panose="020F0502020204030204" pitchFamily="34" charset="0"/>
+                <a:cs typeface="Times New Roman" panose="02020603050405020304" pitchFamily="18" charset="0"/>
+              </a:rPr>
+              <a:t>H</a:t>
+            </a:r>
+            <a:r>
+              <a:rPr lang="en-US" sz="900" b="1" i="1" baseline="-25000" dirty="0">
+                <a:effectLst/>
+                <a:latin typeface="Times New Roman" panose="02020603050405020304" pitchFamily="18" charset="0"/>
+                <a:ea typeface="Calibri" panose="020F0502020204030204" pitchFamily="34" charset="0"/>
+                <a:cs typeface="Times New Roman" panose="02020603050405020304" pitchFamily="18" charset="0"/>
+              </a:rPr>
+              <a:t>1</a:t>
+            </a:r>
+            <a:endParaRPr lang="en-US" sz="900" b="1" dirty="0">
+              <a:effectLst/>
+              <a:ea typeface="Calibri" panose="020F0502020204030204" pitchFamily="34" charset="0"/>
+              <a:cs typeface="Times New Roman" panose="02020603050405020304" pitchFamily="18" charset="0"/>
+            </a:endParaRPr>
+          </a:p>
+        </p:txBody>
+      </p:sp>
+      <p:cxnSp>
+        <p:nvCxnSpPr>
+          <p:cNvPr id="5" name="Straight Connector 4"/>
+          <p:cNvCxnSpPr/>
+          <p:nvPr/>
+        </p:nvCxnSpPr>
+        <p:spPr>
+          <a:xfrm flipV="1">
+            <a:off x="3188652" y="3715385"/>
+            <a:ext cx="342900" cy="224790"/>
+          </a:xfrm>
+          <a:prstGeom prst="line">
+            <a:avLst/>
+          </a:prstGeom>
+          <a:ln w="19050">
+            <a:solidFill>
+              <a:schemeClr val="tx1"/>
+            </a:solidFill>
+          </a:ln>
+        </p:spPr>
+        <p:style>
+          <a:lnRef idx="1">
+            <a:schemeClr val="accent1"/>
+          </a:lnRef>
+          <a:fillRef idx="0">
+            <a:schemeClr val="accent1"/>
+          </a:fillRef>
+          <a:effectRef idx="0">
+            <a:schemeClr val="accent1"/>
+          </a:effectRef>
+          <a:fontRef idx="minor">
+            <a:schemeClr val="tx1"/>
+          </a:fontRef>
+        </p:style>
+      </p:cxnSp>
+      <p:cxnSp>
+        <p:nvCxnSpPr>
+          <p:cNvPr id="6" name="Straight Connector 5"/>
+          <p:cNvCxnSpPr/>
+          <p:nvPr/>
+        </p:nvCxnSpPr>
+        <p:spPr>
+          <a:xfrm flipH="1" flipV="1">
+            <a:off x="3531552" y="3715385"/>
+            <a:ext cx="316865" cy="224790"/>
+          </a:xfrm>
+          <a:prstGeom prst="line">
+            <a:avLst/>
+          </a:prstGeom>
+          <a:ln w="19050">
+            <a:solidFill>
+              <a:schemeClr val="tx1"/>
+            </a:solidFill>
+          </a:ln>
+        </p:spPr>
+        <p:style>
+          <a:lnRef idx="1">
+            <a:schemeClr val="accent1"/>
+          </a:lnRef>
+          <a:fillRef idx="0">
+            <a:schemeClr val="accent1"/>
+          </a:fillRef>
+          <a:effectRef idx="0">
+            <a:schemeClr val="accent1"/>
+          </a:effectRef>
+          <a:fontRef idx="minor">
+            <a:schemeClr val="tx1"/>
+          </a:fontRef>
+        </p:style>
+      </p:cxnSp>
+      <p:sp>
+        <p:nvSpPr>
+          <p:cNvPr id="7" name="Oval 6"/>
+          <p:cNvSpPr/>
+          <p:nvPr/>
+        </p:nvSpPr>
+        <p:spPr>
+          <a:xfrm>
+            <a:off x="4336097" y="3941445"/>
+            <a:ext cx="450215" cy="455930"/>
+          </a:xfrm>
+          <a:prstGeom prst="ellipse">
+            <a:avLst/>
+          </a:prstGeom>
+          <a:ln w="19050">
+            <a:solidFill>
+              <a:schemeClr val="tx1"/>
+            </a:solidFill>
+          </a:ln>
+        </p:spPr>
+        <p:style>
+          <a:lnRef idx="2">
+            <a:schemeClr val="accent1"/>
+          </a:lnRef>
+          <a:fillRef idx="1">
+            <a:schemeClr val="lt1"/>
+          </a:fillRef>
+          <a:effectRef idx="0">
+            <a:schemeClr val="accent1"/>
+          </a:effectRef>
+          <a:fontRef idx="minor">
+            <a:schemeClr val="dk1"/>
+          </a:fontRef>
+        </p:style>
+        <p:txBody>
+          <a:bodyPr rot="0" spcFirstLastPara="0" vert="horz" wrap="square" lIns="91440" tIns="45720" rIns="91440" bIns="45720" numCol="1" spcCol="0" rtlCol="0" fromWordArt="0" anchor="ctr" anchorCtr="0" forceAA="0" compatLnSpc="1">
+            <a:prstTxWarp prst="textNoShape">
+              <a:avLst/>
+            </a:prstTxWarp>
+            <a:noAutofit/>
+          </a:bodyPr>
+          <a:lstStyle/>
+          <a:p>
+            <a:pPr marL="0" marR="0" algn="ctr">
+              <a:lnSpc>
+                <a:spcPct val="107000"/>
+              </a:lnSpc>
+              <a:spcBef>
+                <a:spcPts val="0"/>
+              </a:spcBef>
+              <a:spcAft>
+                <a:spcPts val="800"/>
+              </a:spcAft>
+            </a:pPr>
+            <a:r>
+              <a:rPr lang="en-US" sz="900" b="1" i="1" dirty="0">
+                <a:effectLst/>
+                <a:latin typeface="Times New Roman" panose="02020603050405020304" pitchFamily="18" charset="0"/>
+                <a:ea typeface="Calibri" panose="020F0502020204030204" pitchFamily="34" charset="0"/>
+                <a:cs typeface="Times New Roman" panose="02020603050405020304" pitchFamily="18" charset="0"/>
+              </a:rPr>
+              <a:t>C</a:t>
+            </a:r>
+            <a:r>
+              <a:rPr lang="en-US" sz="900" b="1" i="1" baseline="-25000" dirty="0">
+                <a:effectLst/>
+                <a:latin typeface="Times New Roman" panose="02020603050405020304" pitchFamily="18" charset="0"/>
+                <a:ea typeface="Calibri" panose="020F0502020204030204" pitchFamily="34" charset="0"/>
+                <a:cs typeface="Times New Roman" panose="02020603050405020304" pitchFamily="18" charset="0"/>
+              </a:rPr>
+              <a:t>0</a:t>
+            </a:r>
+            <a:endParaRPr lang="en-US" sz="900" b="1" dirty="0">
+              <a:effectLst/>
+              <a:ea typeface="Calibri" panose="020F0502020204030204" pitchFamily="34" charset="0"/>
+              <a:cs typeface="Times New Roman" panose="02020603050405020304" pitchFamily="18" charset="0"/>
+            </a:endParaRPr>
+          </a:p>
+        </p:txBody>
+      </p:sp>
+      <p:sp>
+        <p:nvSpPr>
+          <p:cNvPr id="8" name="Oval 7"/>
+          <p:cNvSpPr/>
+          <p:nvPr/>
+        </p:nvSpPr>
+        <p:spPr>
+          <a:xfrm>
+            <a:off x="4678362" y="3258185"/>
+            <a:ext cx="452755" cy="461645"/>
+          </a:xfrm>
+          <a:prstGeom prst="ellipse">
+            <a:avLst/>
+          </a:prstGeom>
+          <a:ln w="19050">
+            <a:solidFill>
+              <a:schemeClr val="tx1"/>
+            </a:solidFill>
+          </a:ln>
+        </p:spPr>
+        <p:style>
+          <a:lnRef idx="2">
+            <a:schemeClr val="accent1"/>
+          </a:lnRef>
+          <a:fillRef idx="1">
+            <a:schemeClr val="lt1"/>
+          </a:fillRef>
+          <a:effectRef idx="0">
+            <a:schemeClr val="accent1"/>
+          </a:effectRef>
+          <a:fontRef idx="minor">
+            <a:schemeClr val="dk1"/>
+          </a:fontRef>
+        </p:style>
+        <p:txBody>
+          <a:bodyPr rot="0" spcFirstLastPara="0" vert="horz" wrap="square" lIns="91440" tIns="45720" rIns="91440" bIns="45720" numCol="1" spcCol="0" rtlCol="0" fromWordArt="0" anchor="ctr" anchorCtr="0" forceAA="0" compatLnSpc="1">
+            <a:prstTxWarp prst="textNoShape">
+              <a:avLst/>
+            </a:prstTxWarp>
+            <a:noAutofit/>
+          </a:bodyPr>
+          <a:lstStyle/>
+          <a:p>
+            <a:pPr marL="0" marR="0" algn="ctr">
+              <a:lnSpc>
+                <a:spcPct val="107000"/>
+              </a:lnSpc>
+              <a:spcBef>
+                <a:spcPts val="0"/>
+              </a:spcBef>
+              <a:spcAft>
+                <a:spcPts val="800"/>
+              </a:spcAft>
+            </a:pPr>
+            <a:r>
+              <a:rPr lang="en-US" sz="900" b="1" i="1" dirty="0">
+                <a:effectLst/>
+                <a:latin typeface="Times New Roman" panose="02020603050405020304" pitchFamily="18" charset="0"/>
+                <a:ea typeface="Calibri" panose="020F0502020204030204" pitchFamily="34" charset="0"/>
+                <a:cs typeface="Times New Roman" panose="02020603050405020304" pitchFamily="18" charset="0"/>
+              </a:rPr>
+              <a:t>C</a:t>
+            </a:r>
+            <a:r>
+              <a:rPr lang="en-US" sz="900" b="1" i="1" baseline="-25000" dirty="0">
+                <a:effectLst/>
+                <a:latin typeface="Times New Roman" panose="02020603050405020304" pitchFamily="18" charset="0"/>
+                <a:ea typeface="Calibri" panose="020F0502020204030204" pitchFamily="34" charset="0"/>
+                <a:cs typeface="Times New Roman" panose="02020603050405020304" pitchFamily="18" charset="0"/>
+              </a:rPr>
+              <a:t>1</a:t>
+            </a:r>
+            <a:endParaRPr lang="en-US" sz="900" b="1" dirty="0">
+              <a:effectLst/>
+              <a:ea typeface="Calibri" panose="020F0502020204030204" pitchFamily="34" charset="0"/>
+              <a:cs typeface="Times New Roman" panose="02020603050405020304" pitchFamily="18" charset="0"/>
+            </a:endParaRPr>
+          </a:p>
+        </p:txBody>
+      </p:sp>
+      <p:cxnSp>
+        <p:nvCxnSpPr>
+          <p:cNvPr id="9" name="Straight Connector 8"/>
+          <p:cNvCxnSpPr/>
+          <p:nvPr/>
+        </p:nvCxnSpPr>
+        <p:spPr>
+          <a:xfrm flipV="1">
+            <a:off x="4566602" y="3716655"/>
+            <a:ext cx="342900" cy="224790"/>
+          </a:xfrm>
+          <a:prstGeom prst="line">
+            <a:avLst/>
+          </a:prstGeom>
+          <a:ln w="19050">
+            <a:solidFill>
+              <a:schemeClr val="tx1"/>
+            </a:solidFill>
+          </a:ln>
+        </p:spPr>
+        <p:style>
+          <a:lnRef idx="1">
+            <a:schemeClr val="accent1"/>
+          </a:lnRef>
+          <a:fillRef idx="0">
+            <a:schemeClr val="accent1"/>
+          </a:fillRef>
+          <a:effectRef idx="0">
+            <a:schemeClr val="accent1"/>
+          </a:effectRef>
+          <a:fontRef idx="minor">
+            <a:schemeClr val="tx1"/>
+          </a:fontRef>
+        </p:style>
+      </p:cxnSp>
+      <p:cxnSp>
+        <p:nvCxnSpPr>
+          <p:cNvPr id="10" name="Straight Connector 9"/>
+          <p:cNvCxnSpPr/>
+          <p:nvPr/>
+        </p:nvCxnSpPr>
+        <p:spPr>
+          <a:xfrm flipH="1" flipV="1">
+            <a:off x="4909502" y="3716655"/>
+            <a:ext cx="316865" cy="224790"/>
+          </a:xfrm>
+          <a:prstGeom prst="line">
+            <a:avLst/>
+          </a:prstGeom>
+          <a:ln w="19050">
+            <a:solidFill>
+              <a:schemeClr val="tx1"/>
+            </a:solidFill>
+          </a:ln>
+        </p:spPr>
+        <p:style>
+          <a:lnRef idx="1">
+            <a:schemeClr val="accent1"/>
+          </a:lnRef>
+          <a:fillRef idx="0">
+            <a:schemeClr val="accent1"/>
+          </a:fillRef>
+          <a:effectRef idx="0">
+            <a:schemeClr val="accent1"/>
+          </a:effectRef>
+          <a:fontRef idx="minor">
+            <a:schemeClr val="tx1"/>
+          </a:fontRef>
+        </p:style>
+      </p:cxnSp>
+      <p:cxnSp>
+        <p:nvCxnSpPr>
+          <p:cNvPr id="12" name="Straight Connector 11"/>
+          <p:cNvCxnSpPr/>
+          <p:nvPr/>
+        </p:nvCxnSpPr>
+        <p:spPr>
+          <a:xfrm flipV="1">
+            <a:off x="3534092" y="2915920"/>
+            <a:ext cx="680720" cy="341630"/>
+          </a:xfrm>
+          <a:prstGeom prst="line">
+            <a:avLst/>
+          </a:prstGeom>
+          <a:ln w="19050">
+            <a:solidFill>
+              <a:schemeClr val="tx1"/>
+            </a:solidFill>
+          </a:ln>
+        </p:spPr>
+        <p:style>
+          <a:lnRef idx="1">
+            <a:schemeClr val="accent1"/>
+          </a:lnRef>
+          <a:fillRef idx="0">
+            <a:schemeClr val="accent1"/>
+          </a:fillRef>
+          <a:effectRef idx="0">
+            <a:schemeClr val="accent1"/>
+          </a:effectRef>
+          <a:fontRef idx="minor">
+            <a:schemeClr val="tx1"/>
+          </a:fontRef>
+        </p:style>
+      </p:cxnSp>
+      <p:cxnSp>
+        <p:nvCxnSpPr>
+          <p:cNvPr id="13" name="Straight Connector 12"/>
+          <p:cNvCxnSpPr/>
+          <p:nvPr/>
+        </p:nvCxnSpPr>
+        <p:spPr>
+          <a:xfrm flipH="1" flipV="1">
+            <a:off x="4216717" y="2915920"/>
+            <a:ext cx="691515" cy="341630"/>
+          </a:xfrm>
+          <a:prstGeom prst="line">
+            <a:avLst/>
+          </a:prstGeom>
+          <a:ln w="19050">
+            <a:solidFill>
+              <a:schemeClr val="tx1"/>
+            </a:solidFill>
+          </a:ln>
+        </p:spPr>
+        <p:style>
+          <a:lnRef idx="1">
+            <a:schemeClr val="accent1"/>
+          </a:lnRef>
+          <a:fillRef idx="0">
+            <a:schemeClr val="accent1"/>
+          </a:fillRef>
+          <a:effectRef idx="0">
+            <a:schemeClr val="accent1"/>
+          </a:effectRef>
+          <a:fontRef idx="minor">
+            <a:schemeClr val="tx1"/>
+          </a:fontRef>
+        </p:style>
+      </p:cxnSp>
+      <p:sp>
+        <p:nvSpPr>
+          <p:cNvPr id="14" name="Rectangle 13"/>
+          <p:cNvSpPr/>
+          <p:nvPr/>
+        </p:nvSpPr>
+        <p:spPr>
+          <a:xfrm>
+            <a:off x="2834322" y="2343785"/>
+            <a:ext cx="2739390" cy="2170430"/>
+          </a:xfrm>
+          <a:prstGeom prst="rect">
+            <a:avLst/>
+          </a:prstGeom>
+          <a:noFill/>
+          <a:ln w="3175" cap="sq">
+            <a:solidFill>
+              <a:schemeClr val="tx1"/>
+            </a:solidFill>
+            <a:prstDash val="lgDashDotDot"/>
+          </a:ln>
+        </p:spPr>
+        <p:style>
+          <a:lnRef idx="2">
+            <a:schemeClr val="accent1">
+              <a:shade val="50000"/>
+            </a:schemeClr>
+          </a:lnRef>
+          <a:fillRef idx="1">
+            <a:schemeClr val="accent1"/>
+          </a:fillRef>
+          <a:effectRef idx="0">
+            <a:schemeClr val="accent1"/>
+          </a:effectRef>
+          <a:fontRef idx="minor">
+            <a:schemeClr val="lt1"/>
+          </a:fontRef>
+        </p:style>
+        <p:txBody>
+          <a:bodyPr rot="0" spcFirstLastPara="0" vert="horz" wrap="square" lIns="91440" tIns="45720" rIns="91440" bIns="45720" numCol="1" spcCol="0" rtlCol="0" fromWordArt="0" anchor="ctr" anchorCtr="0" forceAA="0" compatLnSpc="1">
+            <a:prstTxWarp prst="textNoShape">
+              <a:avLst/>
+            </a:prstTxWarp>
+            <a:noAutofit/>
+          </a:bodyPr>
+          <a:lstStyle/>
+          <a:p>
+            <a:endParaRPr lang="en-US"/>
+          </a:p>
+        </p:txBody>
+      </p:sp>
+      <p:sp>
+        <p:nvSpPr>
+          <p:cNvPr id="15" name="Oval 14"/>
+          <p:cNvSpPr/>
+          <p:nvPr/>
+        </p:nvSpPr>
+        <p:spPr>
+          <a:xfrm>
+            <a:off x="5823267" y="3943985"/>
+            <a:ext cx="450850" cy="451485"/>
+          </a:xfrm>
+          <a:prstGeom prst="ellipse">
+            <a:avLst/>
+          </a:prstGeom>
+          <a:ln w="19050">
+            <a:solidFill>
+              <a:schemeClr val="tx1"/>
+            </a:solidFill>
+          </a:ln>
+        </p:spPr>
+        <p:style>
+          <a:lnRef idx="2">
+            <a:schemeClr val="accent1"/>
+          </a:lnRef>
+          <a:fillRef idx="1">
+            <a:schemeClr val="lt1"/>
+          </a:fillRef>
+          <a:effectRef idx="0">
+            <a:schemeClr val="accent1"/>
+          </a:effectRef>
+          <a:fontRef idx="minor">
+            <a:schemeClr val="dk1"/>
+          </a:fontRef>
+        </p:style>
+        <p:txBody>
+          <a:bodyPr rot="0" spcFirstLastPara="0" vert="horz" wrap="square" lIns="91440" tIns="45720" rIns="91440" bIns="45720" numCol="1" spcCol="0" rtlCol="0" fromWordArt="0" anchor="ctr" anchorCtr="0" forceAA="0" compatLnSpc="1">
+            <a:prstTxWarp prst="textNoShape">
+              <a:avLst/>
+            </a:prstTxWarp>
+            <a:noAutofit/>
+          </a:bodyPr>
+          <a:lstStyle/>
+          <a:p>
+            <a:pPr marL="0" marR="0" algn="ctr">
+              <a:lnSpc>
+                <a:spcPct val="107000"/>
+              </a:lnSpc>
+              <a:spcBef>
+                <a:spcPts val="0"/>
+              </a:spcBef>
+              <a:spcAft>
+                <a:spcPts val="800"/>
+              </a:spcAft>
+            </a:pPr>
+            <a:r>
+              <a:rPr lang="en-US" sz="900" b="1" i="1" dirty="0">
+                <a:effectLst/>
+                <a:latin typeface="Times New Roman" panose="02020603050405020304" pitchFamily="18" charset="0"/>
+                <a:ea typeface="Calibri" panose="020F0502020204030204" pitchFamily="34" charset="0"/>
+                <a:cs typeface="Times New Roman" panose="02020603050405020304" pitchFamily="18" charset="0"/>
+              </a:rPr>
+              <a:t>E</a:t>
+            </a:r>
+            <a:r>
+              <a:rPr lang="en-US" sz="900" b="1" i="1" baseline="-25000" dirty="0">
+                <a:effectLst/>
+                <a:latin typeface="Times New Roman" panose="02020603050405020304" pitchFamily="18" charset="0"/>
+                <a:ea typeface="Calibri" panose="020F0502020204030204" pitchFamily="34" charset="0"/>
+                <a:cs typeface="Times New Roman" panose="02020603050405020304" pitchFamily="18" charset="0"/>
+              </a:rPr>
+              <a:t>0</a:t>
+            </a:r>
+            <a:endParaRPr lang="en-US" sz="900" b="1" dirty="0">
+              <a:effectLst/>
+              <a:ea typeface="Calibri" panose="020F0502020204030204" pitchFamily="34" charset="0"/>
+              <a:cs typeface="Times New Roman" panose="02020603050405020304" pitchFamily="18" charset="0"/>
+            </a:endParaRPr>
+          </a:p>
+        </p:txBody>
+      </p:sp>
+      <p:sp>
+        <p:nvSpPr>
+          <p:cNvPr id="16" name="Oval 15"/>
+          <p:cNvSpPr/>
+          <p:nvPr/>
+        </p:nvSpPr>
+        <p:spPr>
+          <a:xfrm>
+            <a:off x="6507162" y="3941445"/>
+            <a:ext cx="452755" cy="453390"/>
+          </a:xfrm>
+          <a:prstGeom prst="ellipse">
+            <a:avLst/>
+          </a:prstGeom>
+          <a:ln w="19050">
+            <a:solidFill>
+              <a:schemeClr val="tx1"/>
+            </a:solidFill>
+          </a:ln>
+        </p:spPr>
+        <p:style>
+          <a:lnRef idx="2">
+            <a:schemeClr val="accent1"/>
+          </a:lnRef>
+          <a:fillRef idx="1">
+            <a:schemeClr val="lt1"/>
+          </a:fillRef>
+          <a:effectRef idx="0">
+            <a:schemeClr val="accent1"/>
+          </a:effectRef>
+          <a:fontRef idx="minor">
+            <a:schemeClr val="dk1"/>
+          </a:fontRef>
+        </p:style>
+        <p:txBody>
+          <a:bodyPr rot="0" spcFirstLastPara="0" vert="horz" wrap="square" lIns="91440" tIns="45720" rIns="91440" bIns="45720" numCol="1" spcCol="0" rtlCol="0" fromWordArt="0" anchor="ctr" anchorCtr="0" forceAA="0" compatLnSpc="1">
+            <a:prstTxWarp prst="textNoShape">
+              <a:avLst/>
+            </a:prstTxWarp>
+            <a:noAutofit/>
+          </a:bodyPr>
+          <a:lstStyle/>
+          <a:p>
+            <a:pPr marL="0" marR="0" algn="ctr">
+              <a:lnSpc>
+                <a:spcPct val="107000"/>
+              </a:lnSpc>
+              <a:spcBef>
+                <a:spcPts val="0"/>
+              </a:spcBef>
+              <a:spcAft>
+                <a:spcPts val="800"/>
+              </a:spcAft>
+            </a:pPr>
+            <a:r>
+              <a:rPr lang="en-US" sz="900" b="1" i="1" dirty="0">
+                <a:effectLst/>
+                <a:latin typeface="Times New Roman" panose="02020603050405020304" pitchFamily="18" charset="0"/>
+                <a:ea typeface="Calibri" panose="020F0502020204030204" pitchFamily="34" charset="0"/>
+                <a:cs typeface="Times New Roman" panose="02020603050405020304" pitchFamily="18" charset="0"/>
+              </a:rPr>
+              <a:t>F</a:t>
+            </a:r>
+            <a:r>
+              <a:rPr lang="en-US" sz="900" b="1" i="1" baseline="-25000" dirty="0">
+                <a:effectLst/>
+                <a:latin typeface="Times New Roman" panose="02020603050405020304" pitchFamily="18" charset="0"/>
+                <a:ea typeface="Calibri" panose="020F0502020204030204" pitchFamily="34" charset="0"/>
+                <a:cs typeface="Times New Roman" panose="02020603050405020304" pitchFamily="18" charset="0"/>
+              </a:rPr>
+              <a:t>0</a:t>
+            </a:r>
+            <a:endParaRPr lang="en-US" sz="900" b="1" dirty="0">
+              <a:effectLst/>
+              <a:ea typeface="Calibri" panose="020F0502020204030204" pitchFamily="34" charset="0"/>
+              <a:cs typeface="Times New Roman" panose="02020603050405020304" pitchFamily="18" charset="0"/>
+            </a:endParaRPr>
+          </a:p>
+        </p:txBody>
+      </p:sp>
+      <p:sp>
+        <p:nvSpPr>
+          <p:cNvPr id="17" name="Oval 16"/>
+          <p:cNvSpPr/>
+          <p:nvPr/>
+        </p:nvSpPr>
+        <p:spPr>
+          <a:xfrm>
+            <a:off x="6157277" y="3274060"/>
+            <a:ext cx="459740" cy="445135"/>
+          </a:xfrm>
+          <a:prstGeom prst="ellipse">
+            <a:avLst/>
+          </a:prstGeom>
+          <a:ln w="19050">
+            <a:solidFill>
+              <a:schemeClr val="tx1"/>
+            </a:solidFill>
+          </a:ln>
+        </p:spPr>
+        <p:style>
+          <a:lnRef idx="2">
+            <a:schemeClr val="accent1"/>
+          </a:lnRef>
+          <a:fillRef idx="1">
+            <a:schemeClr val="lt1"/>
+          </a:fillRef>
+          <a:effectRef idx="0">
+            <a:schemeClr val="accent1"/>
+          </a:effectRef>
+          <a:fontRef idx="minor">
+            <a:schemeClr val="dk1"/>
+          </a:fontRef>
+        </p:style>
+        <p:txBody>
+          <a:bodyPr rot="0" spcFirstLastPara="0" vert="horz" wrap="square" lIns="91440" tIns="45720" rIns="91440" bIns="45720" numCol="1" spcCol="0" rtlCol="0" fromWordArt="0" anchor="ctr" anchorCtr="0" forceAA="0" compatLnSpc="1">
+            <a:prstTxWarp prst="textNoShape">
+              <a:avLst/>
+            </a:prstTxWarp>
+            <a:noAutofit/>
+          </a:bodyPr>
+          <a:lstStyle/>
+          <a:p>
+            <a:pPr marL="0" marR="0" algn="ctr">
+              <a:lnSpc>
+                <a:spcPct val="107000"/>
+              </a:lnSpc>
+              <a:spcBef>
+                <a:spcPts val="0"/>
+              </a:spcBef>
+              <a:spcAft>
+                <a:spcPts val="800"/>
+              </a:spcAft>
+            </a:pPr>
+            <a:r>
+              <a:rPr lang="en-US" sz="900" b="1" i="1" dirty="0">
+                <a:effectLst/>
+                <a:latin typeface="Times New Roman" panose="02020603050405020304" pitchFamily="18" charset="0"/>
+                <a:ea typeface="Calibri" panose="020F0502020204030204" pitchFamily="34" charset="0"/>
+                <a:cs typeface="Times New Roman" panose="02020603050405020304" pitchFamily="18" charset="0"/>
+              </a:rPr>
+              <a:t>B</a:t>
+            </a:r>
+            <a:r>
+              <a:rPr lang="en-US" sz="900" b="1" i="1" baseline="-25000" dirty="0">
+                <a:effectLst/>
+                <a:latin typeface="Times New Roman" panose="02020603050405020304" pitchFamily="18" charset="0"/>
+                <a:ea typeface="Calibri" panose="020F0502020204030204" pitchFamily="34" charset="0"/>
+                <a:cs typeface="Times New Roman" panose="02020603050405020304" pitchFamily="18" charset="0"/>
+              </a:rPr>
+              <a:t>1</a:t>
+            </a:r>
+            <a:endParaRPr lang="en-US" sz="900" b="1" dirty="0">
+              <a:effectLst/>
+              <a:ea typeface="Calibri" panose="020F0502020204030204" pitchFamily="34" charset="0"/>
+              <a:cs typeface="Times New Roman" panose="02020603050405020304" pitchFamily="18" charset="0"/>
+            </a:endParaRPr>
+          </a:p>
+        </p:txBody>
+      </p:sp>
+      <p:cxnSp>
+        <p:nvCxnSpPr>
+          <p:cNvPr id="18" name="Straight Connector 17"/>
+          <p:cNvCxnSpPr/>
+          <p:nvPr/>
+        </p:nvCxnSpPr>
+        <p:spPr>
+          <a:xfrm flipV="1">
+            <a:off x="6046152" y="3719195"/>
+            <a:ext cx="341630" cy="222250"/>
+          </a:xfrm>
+          <a:prstGeom prst="line">
+            <a:avLst/>
+          </a:prstGeom>
+          <a:ln w="19050">
+            <a:solidFill>
+              <a:schemeClr val="tx1"/>
+            </a:solidFill>
+          </a:ln>
+        </p:spPr>
+        <p:style>
+          <a:lnRef idx="1">
+            <a:schemeClr val="accent1"/>
+          </a:lnRef>
+          <a:fillRef idx="0">
+            <a:schemeClr val="accent1"/>
+          </a:fillRef>
+          <a:effectRef idx="0">
+            <a:schemeClr val="accent1"/>
+          </a:effectRef>
+          <a:fontRef idx="minor">
+            <a:schemeClr val="tx1"/>
+          </a:fontRef>
+        </p:style>
+      </p:cxnSp>
+      <p:cxnSp>
+        <p:nvCxnSpPr>
+          <p:cNvPr id="19" name="Straight Connector 18"/>
+          <p:cNvCxnSpPr/>
+          <p:nvPr/>
+        </p:nvCxnSpPr>
+        <p:spPr>
+          <a:xfrm flipH="1" flipV="1">
+            <a:off x="6387782" y="3719195"/>
+            <a:ext cx="343535" cy="222250"/>
+          </a:xfrm>
+          <a:prstGeom prst="line">
+            <a:avLst/>
+          </a:prstGeom>
+          <a:ln w="19050">
+            <a:solidFill>
+              <a:schemeClr val="tx1"/>
+            </a:solidFill>
+          </a:ln>
+        </p:spPr>
+        <p:style>
+          <a:lnRef idx="1">
+            <a:schemeClr val="accent1"/>
+          </a:lnRef>
+          <a:fillRef idx="0">
+            <a:schemeClr val="accent1"/>
+          </a:fillRef>
+          <a:effectRef idx="0">
+            <a:schemeClr val="accent1"/>
+          </a:effectRef>
+          <a:fontRef idx="minor">
+            <a:schemeClr val="tx1"/>
+          </a:fontRef>
+        </p:style>
+      </p:cxnSp>
+      <p:sp>
+        <p:nvSpPr>
+          <p:cNvPr id="20" name="Oval 19"/>
+          <p:cNvSpPr/>
+          <p:nvPr/>
+        </p:nvSpPr>
+        <p:spPr>
+          <a:xfrm>
+            <a:off x="7191057" y="3941445"/>
+            <a:ext cx="456565" cy="453390"/>
+          </a:xfrm>
+          <a:prstGeom prst="ellipse">
+            <a:avLst/>
+          </a:prstGeom>
+          <a:ln w="19050">
+            <a:solidFill>
+              <a:schemeClr val="tx1"/>
+            </a:solidFill>
+          </a:ln>
+        </p:spPr>
+        <p:style>
+          <a:lnRef idx="2">
+            <a:schemeClr val="accent1"/>
+          </a:lnRef>
+          <a:fillRef idx="1">
+            <a:schemeClr val="lt1"/>
+          </a:fillRef>
+          <a:effectRef idx="0">
+            <a:schemeClr val="accent1"/>
+          </a:effectRef>
+          <a:fontRef idx="minor">
+            <a:schemeClr val="dk1"/>
+          </a:fontRef>
+        </p:style>
+        <p:txBody>
+          <a:bodyPr rot="0" spcFirstLastPara="0" vert="horz" wrap="square" lIns="91440" tIns="45720" rIns="91440" bIns="45720" numCol="1" spcCol="0" rtlCol="0" fromWordArt="0" anchor="ctr" anchorCtr="0" forceAA="0" compatLnSpc="1">
+            <a:prstTxWarp prst="textNoShape">
+              <a:avLst/>
+            </a:prstTxWarp>
+            <a:noAutofit/>
+          </a:bodyPr>
+          <a:lstStyle/>
+          <a:p>
+            <a:pPr marL="0" marR="0" algn="ctr">
+              <a:lnSpc>
+                <a:spcPct val="107000"/>
+              </a:lnSpc>
+              <a:spcBef>
+                <a:spcPts val="0"/>
+              </a:spcBef>
+              <a:spcAft>
+                <a:spcPts val="800"/>
+              </a:spcAft>
+            </a:pPr>
+            <a:r>
+              <a:rPr lang="en-US" sz="900" b="1" i="1" dirty="0">
+                <a:effectLst/>
+                <a:latin typeface="Times New Roman" panose="02020603050405020304" pitchFamily="18" charset="0"/>
+                <a:ea typeface="Calibri" panose="020F0502020204030204" pitchFamily="34" charset="0"/>
+                <a:cs typeface="Times New Roman" panose="02020603050405020304" pitchFamily="18" charset="0"/>
+              </a:rPr>
+              <a:t>B</a:t>
+            </a:r>
+            <a:r>
+              <a:rPr lang="en-US" sz="900" b="1" i="1" baseline="-25000" dirty="0">
+                <a:effectLst/>
+                <a:latin typeface="Times New Roman" panose="02020603050405020304" pitchFamily="18" charset="0"/>
+                <a:ea typeface="Calibri" panose="020F0502020204030204" pitchFamily="34" charset="0"/>
+                <a:cs typeface="Times New Roman" panose="02020603050405020304" pitchFamily="18" charset="0"/>
+              </a:rPr>
+              <a:t>0</a:t>
+            </a:r>
+            <a:endParaRPr lang="en-US" sz="900" b="1" dirty="0">
+              <a:effectLst/>
+              <a:ea typeface="Calibri" panose="020F0502020204030204" pitchFamily="34" charset="0"/>
+              <a:cs typeface="Times New Roman" panose="02020603050405020304" pitchFamily="18" charset="0"/>
+            </a:endParaRPr>
+          </a:p>
+        </p:txBody>
+      </p:sp>
+      <p:sp>
+        <p:nvSpPr>
+          <p:cNvPr id="21" name="Rectangle 20"/>
+          <p:cNvSpPr/>
+          <p:nvPr/>
+        </p:nvSpPr>
+        <p:spPr>
+          <a:xfrm>
+            <a:off x="5703887" y="3146425"/>
+            <a:ext cx="2056765" cy="1367155"/>
+          </a:xfrm>
+          <a:prstGeom prst="rect">
+            <a:avLst/>
+          </a:prstGeom>
+          <a:noFill/>
+          <a:ln w="3175" cap="sq">
+            <a:solidFill>
+              <a:schemeClr val="tx1"/>
+            </a:solidFill>
+            <a:prstDash val="lgDashDotDot"/>
+          </a:ln>
+        </p:spPr>
+        <p:style>
+          <a:lnRef idx="2">
+            <a:schemeClr val="accent1">
+              <a:shade val="50000"/>
+            </a:schemeClr>
+          </a:lnRef>
+          <a:fillRef idx="1">
+            <a:schemeClr val="accent1"/>
+          </a:fillRef>
+          <a:effectRef idx="0">
+            <a:schemeClr val="accent1"/>
+          </a:effectRef>
+          <a:fontRef idx="minor">
+            <a:schemeClr val="lt1"/>
+          </a:fontRef>
+        </p:style>
+        <p:txBody>
+          <a:bodyPr rot="0" spcFirstLastPara="0" vert="horz" wrap="square" lIns="91440" tIns="45720" rIns="91440" bIns="45720" numCol="1" spcCol="0" rtlCol="0" fromWordArt="0" anchor="ctr" anchorCtr="0" forceAA="0" compatLnSpc="1">
+            <a:prstTxWarp prst="textNoShape">
+              <a:avLst/>
+            </a:prstTxWarp>
+            <a:noAutofit/>
+          </a:bodyPr>
+          <a:lstStyle/>
+          <a:p>
+            <a:endParaRPr lang="en-US"/>
+          </a:p>
+        </p:txBody>
+      </p:sp>
+      <p:sp>
+        <p:nvSpPr>
+          <p:cNvPr id="22" name="Oval 21"/>
+          <p:cNvSpPr/>
+          <p:nvPr/>
+        </p:nvSpPr>
+        <p:spPr>
+          <a:xfrm>
+            <a:off x="8789352" y="3941445"/>
+            <a:ext cx="457200" cy="453390"/>
+          </a:xfrm>
+          <a:prstGeom prst="ellipse">
+            <a:avLst/>
+          </a:prstGeom>
+          <a:ln w="19050">
+            <a:solidFill>
+              <a:schemeClr val="tx1"/>
+            </a:solidFill>
+          </a:ln>
+        </p:spPr>
+        <p:style>
+          <a:lnRef idx="2">
+            <a:schemeClr val="accent1"/>
+          </a:lnRef>
+          <a:fillRef idx="1">
+            <a:schemeClr val="lt1"/>
+          </a:fillRef>
+          <a:effectRef idx="0">
+            <a:schemeClr val="accent1"/>
+          </a:effectRef>
+          <a:fontRef idx="minor">
+            <a:schemeClr val="dk1"/>
+          </a:fontRef>
+        </p:style>
+        <p:txBody>
+          <a:bodyPr rot="0" spcFirstLastPara="0" vert="horz" wrap="square" lIns="91440" tIns="45720" rIns="91440" bIns="45720" numCol="1" spcCol="0" rtlCol="0" fromWordArt="0" anchor="ctr" anchorCtr="0" forceAA="0" compatLnSpc="1">
+            <a:prstTxWarp prst="textNoShape">
+              <a:avLst/>
+            </a:prstTxWarp>
+            <a:noAutofit/>
+          </a:bodyPr>
+          <a:lstStyle/>
+          <a:p>
+            <a:pPr marL="0" marR="0" algn="ctr">
+              <a:lnSpc>
+                <a:spcPct val="107000"/>
+              </a:lnSpc>
+              <a:spcBef>
+                <a:spcPts val="0"/>
+              </a:spcBef>
+              <a:spcAft>
+                <a:spcPts val="800"/>
+              </a:spcAft>
+            </a:pPr>
+            <a:r>
+              <a:rPr lang="en-US" sz="900" b="1" i="1" dirty="0">
+                <a:effectLst/>
+                <a:latin typeface="Times New Roman" panose="02020603050405020304" pitchFamily="18" charset="0"/>
+                <a:ea typeface="Calibri" panose="020F0502020204030204" pitchFamily="34" charset="0"/>
+                <a:cs typeface="Times New Roman" panose="02020603050405020304" pitchFamily="18" charset="0"/>
+              </a:rPr>
+              <a:t>A</a:t>
+            </a:r>
+            <a:r>
+              <a:rPr lang="en-US" sz="900" b="1" i="1" baseline="-25000" dirty="0">
+                <a:effectLst/>
+                <a:latin typeface="Times New Roman" panose="02020603050405020304" pitchFamily="18" charset="0"/>
+                <a:ea typeface="Calibri" panose="020F0502020204030204" pitchFamily="34" charset="0"/>
+                <a:cs typeface="Times New Roman" panose="02020603050405020304" pitchFamily="18" charset="0"/>
+              </a:rPr>
+              <a:t>0</a:t>
+            </a:r>
+            <a:endParaRPr lang="en-US" sz="900" b="1" dirty="0">
+              <a:effectLst/>
+              <a:ea typeface="Calibri" panose="020F0502020204030204" pitchFamily="34" charset="0"/>
+              <a:cs typeface="Times New Roman" panose="02020603050405020304" pitchFamily="18" charset="0"/>
+            </a:endParaRPr>
+          </a:p>
+        </p:txBody>
+      </p:sp>
+      <p:sp>
+        <p:nvSpPr>
+          <p:cNvPr id="23" name="Rectangle 22"/>
+          <p:cNvSpPr/>
+          <p:nvPr/>
+        </p:nvSpPr>
+        <p:spPr>
+          <a:xfrm>
+            <a:off x="8672512" y="3834765"/>
+            <a:ext cx="685165" cy="678815"/>
+          </a:xfrm>
+          <a:prstGeom prst="rect">
+            <a:avLst/>
+          </a:prstGeom>
+          <a:noFill/>
+          <a:ln w="3175" cap="sq">
+            <a:solidFill>
+              <a:schemeClr val="tx1"/>
+            </a:solidFill>
+            <a:prstDash val="lgDashDotDot"/>
+          </a:ln>
+        </p:spPr>
+        <p:style>
+          <a:lnRef idx="2">
+            <a:schemeClr val="accent1">
+              <a:shade val="50000"/>
+            </a:schemeClr>
+          </a:lnRef>
+          <a:fillRef idx="1">
+            <a:schemeClr val="accent1"/>
+          </a:fillRef>
+          <a:effectRef idx="0">
+            <a:schemeClr val="accent1"/>
+          </a:effectRef>
+          <a:fontRef idx="minor">
+            <a:schemeClr val="lt1"/>
+          </a:fontRef>
+        </p:style>
+        <p:txBody>
+          <a:bodyPr rot="0" spcFirstLastPara="0" vert="horz" wrap="square" lIns="91440" tIns="45720" rIns="91440" bIns="45720" numCol="1" spcCol="0" rtlCol="0" fromWordArt="0" anchor="ctr" anchorCtr="0" forceAA="0" compatLnSpc="1">
+            <a:prstTxWarp prst="textNoShape">
+              <a:avLst/>
+            </a:prstTxWarp>
+            <a:noAutofit/>
+          </a:bodyPr>
+          <a:lstStyle/>
+          <a:p>
+            <a:endParaRPr lang="en-US"/>
+          </a:p>
+        </p:txBody>
+      </p:sp>
+      <p:sp>
+        <p:nvSpPr>
+          <p:cNvPr id="24" name="Oval 23"/>
+          <p:cNvSpPr/>
+          <p:nvPr/>
+        </p:nvSpPr>
+        <p:spPr>
+          <a:xfrm>
+            <a:off x="7986077" y="3941445"/>
+            <a:ext cx="456565" cy="451485"/>
+          </a:xfrm>
+          <a:prstGeom prst="ellipse">
+            <a:avLst/>
+          </a:prstGeom>
+          <a:ln w="19050">
+            <a:solidFill>
+              <a:schemeClr val="tx1"/>
+            </a:solidFill>
+          </a:ln>
+        </p:spPr>
+        <p:style>
+          <a:lnRef idx="2">
+            <a:schemeClr val="accent1"/>
+          </a:lnRef>
+          <a:fillRef idx="1">
+            <a:schemeClr val="lt1"/>
+          </a:fillRef>
+          <a:effectRef idx="0">
+            <a:schemeClr val="accent1"/>
+          </a:effectRef>
+          <a:fontRef idx="minor">
+            <a:schemeClr val="dk1"/>
+          </a:fontRef>
+        </p:style>
+        <p:txBody>
+          <a:bodyPr rot="0" spcFirstLastPara="0" vert="horz" wrap="square" lIns="91440" tIns="45720" rIns="91440" bIns="45720" numCol="1" spcCol="0" rtlCol="0" fromWordArt="0" anchor="ctr" anchorCtr="0" forceAA="0" compatLnSpc="1">
+            <a:prstTxWarp prst="textNoShape">
+              <a:avLst/>
+            </a:prstTxWarp>
+            <a:noAutofit/>
+          </a:bodyPr>
+          <a:lstStyle/>
+          <a:p>
+            <a:pPr marL="0" marR="0" algn="ctr">
+              <a:lnSpc>
+                <a:spcPct val="107000"/>
+              </a:lnSpc>
+              <a:spcBef>
+                <a:spcPts val="0"/>
+              </a:spcBef>
+              <a:spcAft>
+                <a:spcPts val="800"/>
+              </a:spcAft>
+            </a:pPr>
+            <a:r>
+              <a:rPr lang="en-US" sz="900" b="1" i="1" dirty="0">
+                <a:effectLst/>
+                <a:latin typeface="Times New Roman" panose="02020603050405020304" pitchFamily="18" charset="0"/>
+                <a:ea typeface="Calibri" panose="020F0502020204030204" pitchFamily="34" charset="0"/>
+                <a:cs typeface="Times New Roman" panose="02020603050405020304" pitchFamily="18" charset="0"/>
+              </a:rPr>
+              <a:t>D</a:t>
+            </a:r>
+            <a:r>
+              <a:rPr lang="en-US" sz="900" b="1" i="1" baseline="-25000" dirty="0">
+                <a:effectLst/>
+                <a:latin typeface="Times New Roman" panose="02020603050405020304" pitchFamily="18" charset="0"/>
+                <a:ea typeface="Calibri" panose="020F0502020204030204" pitchFamily="34" charset="0"/>
+                <a:cs typeface="Times New Roman" panose="02020603050405020304" pitchFamily="18" charset="0"/>
+              </a:rPr>
+              <a:t>0</a:t>
+            </a:r>
+            <a:endParaRPr lang="en-US" sz="900" b="1" dirty="0">
+              <a:effectLst/>
+              <a:ea typeface="Calibri" panose="020F0502020204030204" pitchFamily="34" charset="0"/>
+              <a:cs typeface="Times New Roman" panose="02020603050405020304" pitchFamily="18" charset="0"/>
+            </a:endParaRPr>
+          </a:p>
+        </p:txBody>
+      </p:sp>
+      <p:sp>
+        <p:nvSpPr>
+          <p:cNvPr id="25" name="Rectangle 24"/>
+          <p:cNvSpPr/>
+          <p:nvPr/>
+        </p:nvSpPr>
+        <p:spPr>
+          <a:xfrm>
+            <a:off x="7870507" y="3831590"/>
+            <a:ext cx="685165" cy="678815"/>
+          </a:xfrm>
+          <a:prstGeom prst="rect">
+            <a:avLst/>
+          </a:prstGeom>
+          <a:noFill/>
+          <a:ln w="3175" cap="sq">
+            <a:solidFill>
+              <a:schemeClr val="tx1"/>
+            </a:solidFill>
+            <a:prstDash val="lgDashDotDot"/>
+          </a:ln>
+        </p:spPr>
+        <p:style>
+          <a:lnRef idx="2">
+            <a:schemeClr val="accent1">
+              <a:shade val="50000"/>
+            </a:schemeClr>
+          </a:lnRef>
+          <a:fillRef idx="1">
+            <a:schemeClr val="accent1"/>
+          </a:fillRef>
+          <a:effectRef idx="0">
+            <a:schemeClr val="accent1"/>
+          </a:effectRef>
+          <a:fontRef idx="minor">
+            <a:schemeClr val="lt1"/>
+          </a:fontRef>
+        </p:style>
+        <p:txBody>
+          <a:bodyPr rot="0" spcFirstLastPara="0" vert="horz" wrap="square" lIns="91440" tIns="45720" rIns="91440" bIns="45720" numCol="1" spcCol="0" rtlCol="0" fromWordArt="0" anchor="ctr" anchorCtr="0" forceAA="0" compatLnSpc="1">
+            <a:prstTxWarp prst="textNoShape">
+              <a:avLst/>
+            </a:prstTxWarp>
+            <a:noAutofit/>
+          </a:bodyPr>
+          <a:lstStyle/>
+          <a:p>
+            <a:endParaRPr lang="en-US"/>
+          </a:p>
+        </p:txBody>
+      </p:sp>
+      <p:sp>
+        <p:nvSpPr>
+          <p:cNvPr id="26" name="Oval 25"/>
+          <p:cNvSpPr/>
+          <p:nvPr/>
+        </p:nvSpPr>
+        <p:spPr>
+          <a:xfrm>
+            <a:off x="5018087" y="3942715"/>
+            <a:ext cx="452755" cy="461645"/>
+          </a:xfrm>
+          <a:prstGeom prst="ellipse">
+            <a:avLst/>
+          </a:prstGeom>
+          <a:ln w="19050">
+            <a:solidFill>
+              <a:schemeClr val="tx1"/>
+            </a:solidFill>
+          </a:ln>
+        </p:spPr>
+        <p:style>
+          <a:lnRef idx="2">
+            <a:schemeClr val="accent1"/>
+          </a:lnRef>
+          <a:fillRef idx="1">
+            <a:schemeClr val="lt1"/>
+          </a:fillRef>
+          <a:effectRef idx="0">
+            <a:schemeClr val="accent1"/>
+          </a:effectRef>
+          <a:fontRef idx="minor">
+            <a:schemeClr val="dk1"/>
+          </a:fontRef>
+        </p:style>
+        <p:txBody>
+          <a:bodyPr rot="0" spcFirstLastPara="0" vert="horz" wrap="square" lIns="91440" tIns="45720" rIns="91440" bIns="45720" numCol="1" spcCol="0" rtlCol="0" fromWordArt="0" anchor="ctr" anchorCtr="0" forceAA="0" compatLnSpc="1">
+            <a:prstTxWarp prst="textNoShape">
+              <a:avLst/>
+            </a:prstTxWarp>
+            <a:noAutofit/>
+          </a:bodyPr>
+          <a:lstStyle/>
+          <a:p>
+            <a:pPr marL="0" marR="0" algn="ctr">
+              <a:lnSpc>
+                <a:spcPct val="107000"/>
+              </a:lnSpc>
+              <a:spcBef>
+                <a:spcPts val="0"/>
+              </a:spcBef>
+              <a:spcAft>
+                <a:spcPts val="800"/>
+              </a:spcAft>
+            </a:pPr>
+            <a:r>
+              <a:rPr lang="en-US" sz="900" b="1" i="1" dirty="0">
+                <a:effectLst/>
+                <a:latin typeface="Times New Roman" panose="02020603050405020304" pitchFamily="18" charset="0"/>
+                <a:ea typeface="Calibri" panose="020F0502020204030204" pitchFamily="34" charset="0"/>
+                <a:cs typeface="Times New Roman" panose="02020603050405020304" pitchFamily="18" charset="0"/>
+              </a:rPr>
+              <a:t>G</a:t>
+            </a:r>
+            <a:r>
+              <a:rPr lang="en-US" sz="900" b="1" i="1" baseline="-25000" dirty="0">
+                <a:effectLst/>
+                <a:latin typeface="Times New Roman" panose="02020603050405020304" pitchFamily="18" charset="0"/>
+                <a:ea typeface="Calibri" panose="020F0502020204030204" pitchFamily="34" charset="0"/>
+                <a:cs typeface="Times New Roman" panose="02020603050405020304" pitchFamily="18" charset="0"/>
+              </a:rPr>
+              <a:t>0</a:t>
+            </a:r>
+            <a:endParaRPr lang="en-US" sz="900" b="1" dirty="0">
+              <a:effectLst/>
+              <a:ea typeface="Calibri" panose="020F0502020204030204" pitchFamily="34" charset="0"/>
+              <a:cs typeface="Times New Roman" panose="02020603050405020304" pitchFamily="18" charset="0"/>
+            </a:endParaRPr>
+          </a:p>
+        </p:txBody>
+      </p:sp>
+      <p:sp>
+        <p:nvSpPr>
+          <p:cNvPr id="27" name="Oval 26"/>
+          <p:cNvSpPr/>
+          <p:nvPr/>
+        </p:nvSpPr>
+        <p:spPr>
+          <a:xfrm>
+            <a:off x="3989387" y="2464118"/>
+            <a:ext cx="452755" cy="454025"/>
+          </a:xfrm>
+          <a:prstGeom prst="ellipse">
+            <a:avLst/>
+          </a:prstGeom>
+          <a:ln w="19050">
+            <a:solidFill>
+              <a:schemeClr val="tx1"/>
+            </a:solidFill>
+          </a:ln>
+        </p:spPr>
+        <p:style>
+          <a:lnRef idx="2">
+            <a:schemeClr val="accent1"/>
+          </a:lnRef>
+          <a:fillRef idx="1">
+            <a:schemeClr val="lt1"/>
+          </a:fillRef>
+          <a:effectRef idx="0">
+            <a:schemeClr val="accent1"/>
+          </a:effectRef>
+          <a:fontRef idx="minor">
+            <a:schemeClr val="dk1"/>
+          </a:fontRef>
+        </p:style>
+        <p:txBody>
+          <a:bodyPr rot="0" spcFirstLastPara="0" vert="horz" wrap="square" lIns="91440" tIns="45720" rIns="91440" bIns="45720" numCol="1" spcCol="0" rtlCol="0" fromWordArt="0" anchor="ctr" anchorCtr="0" forceAA="0" compatLnSpc="1">
+            <a:prstTxWarp prst="textNoShape">
+              <a:avLst/>
+            </a:prstTxWarp>
+            <a:noAutofit/>
+          </a:bodyPr>
+          <a:lstStyle/>
+          <a:p>
+            <a:pPr marL="0" marR="0" algn="ctr">
+              <a:lnSpc>
+                <a:spcPct val="107000"/>
+              </a:lnSpc>
+              <a:spcBef>
+                <a:spcPts val="0"/>
+              </a:spcBef>
+              <a:spcAft>
+                <a:spcPts val="800"/>
+              </a:spcAft>
+            </a:pPr>
+            <a:r>
+              <a:rPr lang="en-US" sz="900" b="1" i="1" dirty="0" smtClean="0">
+                <a:effectLst/>
+                <a:latin typeface="Times New Roman" panose="02020603050405020304" pitchFamily="18" charset="0"/>
+                <a:ea typeface="Calibri" panose="020F0502020204030204" pitchFamily="34" charset="0"/>
+                <a:cs typeface="Times New Roman" panose="02020603050405020304" pitchFamily="18" charset="0"/>
+              </a:rPr>
+              <a:t>C</a:t>
+            </a:r>
+            <a:r>
+              <a:rPr lang="en-US" sz="900" b="1" i="1" baseline="-25000" dirty="0" smtClean="0">
+                <a:effectLst/>
+                <a:latin typeface="Times New Roman" panose="02020603050405020304" pitchFamily="18" charset="0"/>
+                <a:ea typeface="Calibri" panose="020F0502020204030204" pitchFamily="34" charset="0"/>
+                <a:cs typeface="Times New Roman" panose="02020603050405020304" pitchFamily="18" charset="0"/>
+              </a:rPr>
+              <a:t>2</a:t>
+            </a:r>
+            <a:endParaRPr lang="en-US" sz="900" b="1" dirty="0">
+              <a:effectLst/>
+              <a:ea typeface="Calibri" panose="020F0502020204030204" pitchFamily="34" charset="0"/>
+              <a:cs typeface="Times New Roman" panose="02020603050405020304" pitchFamily="18" charset="0"/>
+            </a:endParaRPr>
+          </a:p>
+        </p:txBody>
+      </p:sp>
+    </p:spTree>
+    <p:extLst>
+      <p:ext uri="{BB962C8B-B14F-4D97-AF65-F5344CB8AC3E}">
+        <p14:creationId xmlns:p14="http://schemas.microsoft.com/office/powerpoint/2010/main" val="3603151408"/>
       </p:ext>
     </p:extLst>
   </p:cSld>

--- a/images/pics.pptx
+++ b/images/pics.pptx
@@ -4,6 +4,9 @@
   <p:sldMasterIdLst>
     <p:sldMasterId id="2147483648" r:id="rId1"/>
   </p:sldMasterIdLst>
+  <p:notesMasterIdLst>
+    <p:notesMasterId r:id="rId11"/>
+  </p:notesMasterIdLst>
   <p:sldIdLst>
     <p:sldId id="256" r:id="rId2"/>
     <p:sldId id="257" r:id="rId3"/>
@@ -11,6 +14,9 @@
     <p:sldId id="259" r:id="rId5"/>
     <p:sldId id="260" r:id="rId6"/>
     <p:sldId id="261" r:id="rId7"/>
+    <p:sldId id="262" r:id="rId8"/>
+    <p:sldId id="263" r:id="rId9"/>
+    <p:sldId id="264" r:id="rId10"/>
   </p:sldIdLst>
   <p:sldSz cx="12192000" cy="6858000"/>
   <p:notesSz cx="6858000" cy="9144000"/>
@@ -128,6 +134,440 @@
 </p:presentation>
 </file>
 
+<file path=ppt/notesMasters/notesMaster1.xml><?xml version="1.0" encoding="utf-8"?>
+<p:notesMaster xmlns:a="http://schemas.openxmlformats.org/drawingml/2006/main" xmlns:r="http://schemas.openxmlformats.org/officeDocument/2006/relationships" xmlns:p="http://schemas.openxmlformats.org/presentationml/2006/main">
+  <p:cSld>
+    <p:bg>
+      <p:bgRef idx="1001">
+        <a:schemeClr val="bg1"/>
+      </p:bgRef>
+    </p:bg>
+    <p:spTree>
+      <p:nvGrpSpPr>
+        <p:cNvPr id="1" name=""/>
+        <p:cNvGrpSpPr/>
+        <p:nvPr/>
+      </p:nvGrpSpPr>
+      <p:grpSpPr>
+        <a:xfrm>
+          <a:off x="0" y="0"/>
+          <a:ext cx="0" cy="0"/>
+          <a:chOff x="0" y="0"/>
+          <a:chExt cx="0" cy="0"/>
+        </a:xfrm>
+      </p:grpSpPr>
+      <p:sp>
+        <p:nvSpPr>
+          <p:cNvPr id="2" name="Header Placeholder 1"/>
+          <p:cNvSpPr>
+            <a:spLocks noGrp="1"/>
+          </p:cNvSpPr>
+          <p:nvPr>
+            <p:ph type="hdr" sz="quarter"/>
+          </p:nvPr>
+        </p:nvSpPr>
+        <p:spPr>
+          <a:xfrm>
+            <a:off x="0" y="0"/>
+            <a:ext cx="2971800" cy="458788"/>
+          </a:xfrm>
+          <a:prstGeom prst="rect">
+            <a:avLst/>
+          </a:prstGeom>
+        </p:spPr>
+        <p:txBody>
+          <a:bodyPr vert="horz" lIns="91440" tIns="45720" rIns="91440" bIns="45720" rtlCol="0"/>
+          <a:lstStyle>
+            <a:lvl1pPr algn="l">
+              <a:defRPr sz="1200"/>
+            </a:lvl1pPr>
+          </a:lstStyle>
+          <a:p>
+            <a:endParaRPr lang="en-US"/>
+          </a:p>
+        </p:txBody>
+      </p:sp>
+      <p:sp>
+        <p:nvSpPr>
+          <p:cNvPr id="3" name="Date Placeholder 2"/>
+          <p:cNvSpPr>
+            <a:spLocks noGrp="1"/>
+          </p:cNvSpPr>
+          <p:nvPr>
+            <p:ph type="dt" idx="1"/>
+          </p:nvPr>
+        </p:nvSpPr>
+        <p:spPr>
+          <a:xfrm>
+            <a:off x="3884613" y="0"/>
+            <a:ext cx="2971800" cy="458788"/>
+          </a:xfrm>
+          <a:prstGeom prst="rect">
+            <a:avLst/>
+          </a:prstGeom>
+        </p:spPr>
+        <p:txBody>
+          <a:bodyPr vert="horz" lIns="91440" tIns="45720" rIns="91440" bIns="45720" rtlCol="0"/>
+          <a:lstStyle>
+            <a:lvl1pPr algn="r">
+              <a:defRPr sz="1200"/>
+            </a:lvl1pPr>
+          </a:lstStyle>
+          <a:p>
+            <a:fld id="{4FF7AF54-2AD9-468C-807B-634631568B63}" type="datetimeFigureOut">
+              <a:rPr lang="en-US" smtClean="0"/>
+              <a:t>1/13/2015</a:t>
+            </a:fld>
+            <a:endParaRPr lang="en-US"/>
+          </a:p>
+        </p:txBody>
+      </p:sp>
+      <p:sp>
+        <p:nvSpPr>
+          <p:cNvPr id="4" name="Slide Image Placeholder 3"/>
+          <p:cNvSpPr>
+            <a:spLocks noGrp="1" noRot="1" noChangeAspect="1"/>
+          </p:cNvSpPr>
+          <p:nvPr>
+            <p:ph type="sldImg" idx="2"/>
+          </p:nvPr>
+        </p:nvSpPr>
+        <p:spPr>
+          <a:xfrm>
+            <a:off x="685800" y="1143000"/>
+            <a:ext cx="5486400" cy="3086100"/>
+          </a:xfrm>
+          <a:prstGeom prst="rect">
+            <a:avLst/>
+          </a:prstGeom>
+          <a:noFill/>
+          <a:ln w="12700">
+            <a:solidFill>
+              <a:prstClr val="black"/>
+            </a:solidFill>
+          </a:ln>
+        </p:spPr>
+        <p:txBody>
+          <a:bodyPr vert="horz" lIns="91440" tIns="45720" rIns="91440" bIns="45720" rtlCol="0" anchor="ctr"/>
+          <a:lstStyle/>
+          <a:p>
+            <a:endParaRPr lang="en-US"/>
+          </a:p>
+        </p:txBody>
+      </p:sp>
+      <p:sp>
+        <p:nvSpPr>
+          <p:cNvPr id="5" name="Notes Placeholder 4"/>
+          <p:cNvSpPr>
+            <a:spLocks noGrp="1"/>
+          </p:cNvSpPr>
+          <p:nvPr>
+            <p:ph type="body" sz="quarter" idx="3"/>
+          </p:nvPr>
+        </p:nvSpPr>
+        <p:spPr>
+          <a:xfrm>
+            <a:off x="685800" y="4400550"/>
+            <a:ext cx="5486400" cy="3600450"/>
+          </a:xfrm>
+          <a:prstGeom prst="rect">
+            <a:avLst/>
+          </a:prstGeom>
+        </p:spPr>
+        <p:txBody>
+          <a:bodyPr vert="horz" lIns="91440" tIns="45720" rIns="91440" bIns="45720" rtlCol="0"/>
+          <a:lstStyle/>
+          <a:p>
+            <a:pPr lvl="0"/>
+            <a:r>
+              <a:rPr lang="en-US" smtClean="0"/>
+              <a:t>Click to edit Master text styles</a:t>
+            </a:r>
+          </a:p>
+          <a:p>
+            <a:pPr lvl="1"/>
+            <a:r>
+              <a:rPr lang="en-US" smtClean="0"/>
+              <a:t>Second level</a:t>
+            </a:r>
+          </a:p>
+          <a:p>
+            <a:pPr lvl="2"/>
+            <a:r>
+              <a:rPr lang="en-US" smtClean="0"/>
+              <a:t>Third level</a:t>
+            </a:r>
+          </a:p>
+          <a:p>
+            <a:pPr lvl="3"/>
+            <a:r>
+              <a:rPr lang="en-US" smtClean="0"/>
+              <a:t>Fourth level</a:t>
+            </a:r>
+          </a:p>
+          <a:p>
+            <a:pPr lvl="4"/>
+            <a:r>
+              <a:rPr lang="en-US" smtClean="0"/>
+              <a:t>Fifth level</a:t>
+            </a:r>
+            <a:endParaRPr lang="en-US"/>
+          </a:p>
+        </p:txBody>
+      </p:sp>
+      <p:sp>
+        <p:nvSpPr>
+          <p:cNvPr id="6" name="Footer Placeholder 5"/>
+          <p:cNvSpPr>
+            <a:spLocks noGrp="1"/>
+          </p:cNvSpPr>
+          <p:nvPr>
+            <p:ph type="ftr" sz="quarter" idx="4"/>
+          </p:nvPr>
+        </p:nvSpPr>
+        <p:spPr>
+          <a:xfrm>
+            <a:off x="0" y="8685213"/>
+            <a:ext cx="2971800" cy="458787"/>
+          </a:xfrm>
+          <a:prstGeom prst="rect">
+            <a:avLst/>
+          </a:prstGeom>
+        </p:spPr>
+        <p:txBody>
+          <a:bodyPr vert="horz" lIns="91440" tIns="45720" rIns="91440" bIns="45720" rtlCol="0" anchor="b"/>
+          <a:lstStyle>
+            <a:lvl1pPr algn="l">
+              <a:defRPr sz="1200"/>
+            </a:lvl1pPr>
+          </a:lstStyle>
+          <a:p>
+            <a:endParaRPr lang="en-US"/>
+          </a:p>
+        </p:txBody>
+      </p:sp>
+      <p:sp>
+        <p:nvSpPr>
+          <p:cNvPr id="7" name="Slide Number Placeholder 6"/>
+          <p:cNvSpPr>
+            <a:spLocks noGrp="1"/>
+          </p:cNvSpPr>
+          <p:nvPr>
+            <p:ph type="sldNum" sz="quarter" idx="5"/>
+          </p:nvPr>
+        </p:nvSpPr>
+        <p:spPr>
+          <a:xfrm>
+            <a:off x="3884613" y="8685213"/>
+            <a:ext cx="2971800" cy="458787"/>
+          </a:xfrm>
+          <a:prstGeom prst="rect">
+            <a:avLst/>
+          </a:prstGeom>
+        </p:spPr>
+        <p:txBody>
+          <a:bodyPr vert="horz" lIns="91440" tIns="45720" rIns="91440" bIns="45720" rtlCol="0" anchor="b"/>
+          <a:lstStyle>
+            <a:lvl1pPr algn="r">
+              <a:defRPr sz="1200"/>
+            </a:lvl1pPr>
+          </a:lstStyle>
+          <a:p>
+            <a:fld id="{9681177D-50F7-4D66-BAB4-5279F6C0C84A}" type="slidenum">
+              <a:rPr lang="en-US" smtClean="0"/>
+              <a:t>‹#›</a:t>
+            </a:fld>
+            <a:endParaRPr lang="en-US"/>
+          </a:p>
+        </p:txBody>
+      </p:sp>
+    </p:spTree>
+    <p:extLst>
+      <p:ext uri="{BB962C8B-B14F-4D97-AF65-F5344CB8AC3E}">
+        <p14:creationId xmlns:p14="http://schemas.microsoft.com/office/powerpoint/2010/main" val="2003691921"/>
+      </p:ext>
+    </p:extLst>
+  </p:cSld>
+  <p:clrMap bg1="lt1" tx1="dk1" bg2="lt2" tx2="dk2" accent1="accent1" accent2="accent2" accent3="accent3" accent4="accent4" accent5="accent5" accent6="accent6" hlink="hlink" folHlink="folHlink"/>
+  <p:notesStyle>
+    <a:lvl1pPr marL="0" algn="l" defTabSz="914400" rtl="0" eaLnBrk="1" latinLnBrk="0" hangingPunct="1">
+      <a:defRPr sz="1200" kern="1200">
+        <a:solidFill>
+          <a:schemeClr val="tx1"/>
+        </a:solidFill>
+        <a:latin typeface="+mn-lt"/>
+        <a:ea typeface="+mn-ea"/>
+        <a:cs typeface="+mn-cs"/>
+      </a:defRPr>
+    </a:lvl1pPr>
+    <a:lvl2pPr marL="457200" algn="l" defTabSz="914400" rtl="0" eaLnBrk="1" latinLnBrk="0" hangingPunct="1">
+      <a:defRPr sz="1200" kern="1200">
+        <a:solidFill>
+          <a:schemeClr val="tx1"/>
+        </a:solidFill>
+        <a:latin typeface="+mn-lt"/>
+        <a:ea typeface="+mn-ea"/>
+        <a:cs typeface="+mn-cs"/>
+      </a:defRPr>
+    </a:lvl2pPr>
+    <a:lvl3pPr marL="914400" algn="l" defTabSz="914400" rtl="0" eaLnBrk="1" latinLnBrk="0" hangingPunct="1">
+      <a:defRPr sz="1200" kern="1200">
+        <a:solidFill>
+          <a:schemeClr val="tx1"/>
+        </a:solidFill>
+        <a:latin typeface="+mn-lt"/>
+        <a:ea typeface="+mn-ea"/>
+        <a:cs typeface="+mn-cs"/>
+      </a:defRPr>
+    </a:lvl3pPr>
+    <a:lvl4pPr marL="1371600" algn="l" defTabSz="914400" rtl="0" eaLnBrk="1" latinLnBrk="0" hangingPunct="1">
+      <a:defRPr sz="1200" kern="1200">
+        <a:solidFill>
+          <a:schemeClr val="tx1"/>
+        </a:solidFill>
+        <a:latin typeface="+mn-lt"/>
+        <a:ea typeface="+mn-ea"/>
+        <a:cs typeface="+mn-cs"/>
+      </a:defRPr>
+    </a:lvl4pPr>
+    <a:lvl5pPr marL="1828800" algn="l" defTabSz="914400" rtl="0" eaLnBrk="1" latinLnBrk="0" hangingPunct="1">
+      <a:defRPr sz="1200" kern="1200">
+        <a:solidFill>
+          <a:schemeClr val="tx1"/>
+        </a:solidFill>
+        <a:latin typeface="+mn-lt"/>
+        <a:ea typeface="+mn-ea"/>
+        <a:cs typeface="+mn-cs"/>
+      </a:defRPr>
+    </a:lvl5pPr>
+    <a:lvl6pPr marL="2286000" algn="l" defTabSz="914400" rtl="0" eaLnBrk="1" latinLnBrk="0" hangingPunct="1">
+      <a:defRPr sz="1200" kern="1200">
+        <a:solidFill>
+          <a:schemeClr val="tx1"/>
+        </a:solidFill>
+        <a:latin typeface="+mn-lt"/>
+        <a:ea typeface="+mn-ea"/>
+        <a:cs typeface="+mn-cs"/>
+      </a:defRPr>
+    </a:lvl6pPr>
+    <a:lvl7pPr marL="2743200" algn="l" defTabSz="914400" rtl="0" eaLnBrk="1" latinLnBrk="0" hangingPunct="1">
+      <a:defRPr sz="1200" kern="1200">
+        <a:solidFill>
+          <a:schemeClr val="tx1"/>
+        </a:solidFill>
+        <a:latin typeface="+mn-lt"/>
+        <a:ea typeface="+mn-ea"/>
+        <a:cs typeface="+mn-cs"/>
+      </a:defRPr>
+    </a:lvl7pPr>
+    <a:lvl8pPr marL="3200400" algn="l" defTabSz="914400" rtl="0" eaLnBrk="1" latinLnBrk="0" hangingPunct="1">
+      <a:defRPr sz="1200" kern="1200">
+        <a:solidFill>
+          <a:schemeClr val="tx1"/>
+        </a:solidFill>
+        <a:latin typeface="+mn-lt"/>
+        <a:ea typeface="+mn-ea"/>
+        <a:cs typeface="+mn-cs"/>
+      </a:defRPr>
+    </a:lvl8pPr>
+    <a:lvl9pPr marL="3657600" algn="l" defTabSz="914400" rtl="0" eaLnBrk="1" latinLnBrk="0" hangingPunct="1">
+      <a:defRPr sz="1200" kern="1200">
+        <a:solidFill>
+          <a:schemeClr val="tx1"/>
+        </a:solidFill>
+        <a:latin typeface="+mn-lt"/>
+        <a:ea typeface="+mn-ea"/>
+        <a:cs typeface="+mn-cs"/>
+      </a:defRPr>
+    </a:lvl9pPr>
+  </p:notesStyle>
+</p:notesMaster>
+</file>
+
+<file path=ppt/notesSlides/notesSlide1.xml><?xml version="1.0" encoding="utf-8"?>
+<p:notes xmlns:a="http://schemas.openxmlformats.org/drawingml/2006/main" xmlns:r="http://schemas.openxmlformats.org/officeDocument/2006/relationships" xmlns:p="http://schemas.openxmlformats.org/presentationml/2006/main">
+  <p:cSld>
+    <p:spTree>
+      <p:nvGrpSpPr>
+        <p:cNvPr id="1" name=""/>
+        <p:cNvGrpSpPr/>
+        <p:nvPr/>
+      </p:nvGrpSpPr>
+      <p:grpSpPr>
+        <a:xfrm>
+          <a:off x="0" y="0"/>
+          <a:ext cx="0" cy="0"/>
+          <a:chOff x="0" y="0"/>
+          <a:chExt cx="0" cy="0"/>
+        </a:xfrm>
+      </p:grpSpPr>
+      <p:sp>
+        <p:nvSpPr>
+          <p:cNvPr id="2" name="Slide Image Placeholder 1"/>
+          <p:cNvSpPr>
+            <a:spLocks noGrp="1" noRot="1" noChangeAspect="1"/>
+          </p:cNvSpPr>
+          <p:nvPr>
+            <p:ph type="sldImg"/>
+          </p:nvPr>
+        </p:nvSpPr>
+        <p:spPr/>
+      </p:sp>
+      <p:sp>
+        <p:nvSpPr>
+          <p:cNvPr id="3" name="Notes Placeholder 2"/>
+          <p:cNvSpPr>
+            <a:spLocks noGrp="1"/>
+          </p:cNvSpPr>
+          <p:nvPr>
+            <p:ph type="body" idx="1"/>
+          </p:nvPr>
+        </p:nvSpPr>
+        <p:spPr/>
+        <p:txBody>
+          <a:bodyPr/>
+          <a:lstStyle/>
+          <a:p>
+            <a:endParaRPr lang="en-US" dirty="0"/>
+          </a:p>
+        </p:txBody>
+      </p:sp>
+      <p:sp>
+        <p:nvSpPr>
+          <p:cNvPr id="4" name="Slide Number Placeholder 3"/>
+          <p:cNvSpPr>
+            <a:spLocks noGrp="1"/>
+          </p:cNvSpPr>
+          <p:nvPr>
+            <p:ph type="sldNum" sz="quarter" idx="10"/>
+          </p:nvPr>
+        </p:nvSpPr>
+        <p:spPr/>
+        <p:txBody>
+          <a:bodyPr/>
+          <a:lstStyle/>
+          <a:p>
+            <a:fld id="{9681177D-50F7-4D66-BAB4-5279F6C0C84A}" type="slidenum">
+              <a:rPr lang="en-US" smtClean="0"/>
+              <a:t>8</a:t>
+            </a:fld>
+            <a:endParaRPr lang="en-US"/>
+          </a:p>
+        </p:txBody>
+      </p:sp>
+    </p:spTree>
+    <p:extLst>
+      <p:ext uri="{BB962C8B-B14F-4D97-AF65-F5344CB8AC3E}">
+        <p14:creationId xmlns:p14="http://schemas.microsoft.com/office/powerpoint/2010/main" val="1690857853"/>
+      </p:ext>
+    </p:extLst>
+  </p:cSld>
+  <p:clrMapOvr>
+    <a:masterClrMapping/>
+  </p:clrMapOvr>
+</p:notes>
+</file>
+
 <file path=ppt/slideLayouts/slideLayout1.xml><?xml version="1.0" encoding="utf-8"?>
 <p:sldLayout xmlns:a="http://schemas.openxmlformats.org/drawingml/2006/main" xmlns:r="http://schemas.openxmlformats.org/officeDocument/2006/relationships" xmlns:p="http://schemas.openxmlformats.org/presentationml/2006/main" type="title" preserve="1">
   <p:cSld name="Title Slide">
@@ -259,7 +699,7 @@
           <a:p>
             <a:fld id="{844C98E4-C9EE-4E87-AFEC-1BE23205BC3C}" type="datetimeFigureOut">
               <a:rPr lang="en-US" smtClean="0"/>
-              <a:t>1/12/2015</a:t>
+              <a:t>1/13/2015</a:t>
             </a:fld>
             <a:endParaRPr lang="en-US"/>
           </a:p>
@@ -429,7 +869,7 @@
           <a:p>
             <a:fld id="{844C98E4-C9EE-4E87-AFEC-1BE23205BC3C}" type="datetimeFigureOut">
               <a:rPr lang="en-US" smtClean="0"/>
-              <a:t>1/12/2015</a:t>
+              <a:t>1/13/2015</a:t>
             </a:fld>
             <a:endParaRPr lang="en-US"/>
           </a:p>
@@ -609,7 +1049,7 @@
           <a:p>
             <a:fld id="{844C98E4-C9EE-4E87-AFEC-1BE23205BC3C}" type="datetimeFigureOut">
               <a:rPr lang="en-US" smtClean="0"/>
-              <a:t>1/12/2015</a:t>
+              <a:t>1/13/2015</a:t>
             </a:fld>
             <a:endParaRPr lang="en-US"/>
           </a:p>
@@ -779,7 +1219,7 @@
           <a:p>
             <a:fld id="{844C98E4-C9EE-4E87-AFEC-1BE23205BC3C}" type="datetimeFigureOut">
               <a:rPr lang="en-US" smtClean="0"/>
-              <a:t>1/12/2015</a:t>
+              <a:t>1/13/2015</a:t>
             </a:fld>
             <a:endParaRPr lang="en-US"/>
           </a:p>
@@ -1025,7 +1465,7 @@
           <a:p>
             <a:fld id="{844C98E4-C9EE-4E87-AFEC-1BE23205BC3C}" type="datetimeFigureOut">
               <a:rPr lang="en-US" smtClean="0"/>
-              <a:t>1/12/2015</a:t>
+              <a:t>1/13/2015</a:t>
             </a:fld>
             <a:endParaRPr lang="en-US"/>
           </a:p>
@@ -1257,7 +1697,7 @@
           <a:p>
             <a:fld id="{844C98E4-C9EE-4E87-AFEC-1BE23205BC3C}" type="datetimeFigureOut">
               <a:rPr lang="en-US" smtClean="0"/>
-              <a:t>1/12/2015</a:t>
+              <a:t>1/13/2015</a:t>
             </a:fld>
             <a:endParaRPr lang="en-US"/>
           </a:p>
@@ -1624,7 +2064,7 @@
           <a:p>
             <a:fld id="{844C98E4-C9EE-4E87-AFEC-1BE23205BC3C}" type="datetimeFigureOut">
               <a:rPr lang="en-US" smtClean="0"/>
-              <a:t>1/12/2015</a:t>
+              <a:t>1/13/2015</a:t>
             </a:fld>
             <a:endParaRPr lang="en-US"/>
           </a:p>
@@ -1742,7 +2182,7 @@
           <a:p>
             <a:fld id="{844C98E4-C9EE-4E87-AFEC-1BE23205BC3C}" type="datetimeFigureOut">
               <a:rPr lang="en-US" smtClean="0"/>
-              <a:t>1/12/2015</a:t>
+              <a:t>1/13/2015</a:t>
             </a:fld>
             <a:endParaRPr lang="en-US"/>
           </a:p>
@@ -1837,7 +2277,7 @@
           <a:p>
             <a:fld id="{844C98E4-C9EE-4E87-AFEC-1BE23205BC3C}" type="datetimeFigureOut">
               <a:rPr lang="en-US" smtClean="0"/>
-              <a:t>1/12/2015</a:t>
+              <a:t>1/13/2015</a:t>
             </a:fld>
             <a:endParaRPr lang="en-US"/>
           </a:p>
@@ -2114,7 +2554,7 @@
           <a:p>
             <a:fld id="{844C98E4-C9EE-4E87-AFEC-1BE23205BC3C}" type="datetimeFigureOut">
               <a:rPr lang="en-US" smtClean="0"/>
-              <a:t>1/12/2015</a:t>
+              <a:t>1/13/2015</a:t>
             </a:fld>
             <a:endParaRPr lang="en-US"/>
           </a:p>
@@ -2367,7 +2807,7 @@
           <a:p>
             <a:fld id="{844C98E4-C9EE-4E87-AFEC-1BE23205BC3C}" type="datetimeFigureOut">
               <a:rPr lang="en-US" smtClean="0"/>
-              <a:t>1/12/2015</a:t>
+              <a:t>1/13/2015</a:t>
             </a:fld>
             <a:endParaRPr lang="en-US"/>
           </a:p>
@@ -2580,7 +3020,7 @@
           <a:p>
             <a:fld id="{844C98E4-C9EE-4E87-AFEC-1BE23205BC3C}" type="datetimeFigureOut">
               <a:rPr lang="en-US" smtClean="0"/>
-              <a:t>1/12/2015</a:t>
+              <a:t>1/13/2015</a:t>
             </a:fld>
             <a:endParaRPr lang="en-US"/>
           </a:p>
@@ -7468,6 +7908,2508 @@
 </p:sld>
 </file>
 
+<file path=ppt/slides/slide7.xml><?xml version="1.0" encoding="utf-8"?>
+<p:sld xmlns:a="http://schemas.openxmlformats.org/drawingml/2006/main" xmlns:r="http://schemas.openxmlformats.org/officeDocument/2006/relationships" xmlns:p="http://schemas.openxmlformats.org/presentationml/2006/main">
+  <p:cSld>
+    <p:spTree>
+      <p:nvGrpSpPr>
+        <p:cNvPr id="1" name=""/>
+        <p:cNvGrpSpPr/>
+        <p:nvPr/>
+      </p:nvGrpSpPr>
+      <p:grpSpPr>
+        <a:xfrm>
+          <a:off x="0" y="0"/>
+          <a:ext cx="0" cy="0"/>
+          <a:chOff x="0" y="0"/>
+          <a:chExt cx="0" cy="0"/>
+        </a:xfrm>
+      </p:grpSpPr>
+      <p:sp>
+        <p:nvSpPr>
+          <p:cNvPr id="2" name="Oval 1"/>
+          <p:cNvSpPr/>
+          <p:nvPr/>
+        </p:nvSpPr>
+        <p:spPr>
+          <a:xfrm>
+            <a:off x="5867400" y="2000250"/>
+            <a:ext cx="457200" cy="457200"/>
+          </a:xfrm>
+          <a:prstGeom prst="ellipse">
+            <a:avLst/>
+          </a:prstGeom>
+          <a:noFill/>
+          <a:ln w="19050">
+            <a:solidFill>
+              <a:schemeClr val="tx1"/>
+            </a:solidFill>
+          </a:ln>
+        </p:spPr>
+        <p:style>
+          <a:lnRef idx="2">
+            <a:schemeClr val="accent1">
+              <a:shade val="50000"/>
+            </a:schemeClr>
+          </a:lnRef>
+          <a:fillRef idx="1">
+            <a:schemeClr val="accent1"/>
+          </a:fillRef>
+          <a:effectRef idx="0">
+            <a:schemeClr val="accent1"/>
+          </a:effectRef>
+          <a:fontRef idx="minor">
+            <a:schemeClr val="lt1"/>
+          </a:fontRef>
+        </p:style>
+        <p:txBody>
+          <a:bodyPr rot="0" spcFirstLastPara="0" vert="horz" wrap="square" lIns="91440" tIns="45720" rIns="91440" bIns="45720" numCol="1" spcCol="0" rtlCol="0" fromWordArt="0" anchor="ctr" anchorCtr="0" forceAA="0" compatLnSpc="1">
+            <a:prstTxWarp prst="textNoShape">
+              <a:avLst/>
+            </a:prstTxWarp>
+            <a:noAutofit/>
+          </a:bodyPr>
+          <a:lstStyle/>
+          <a:p>
+            <a:r>
+              <a:rPr lang="en-US" dirty="0" smtClean="0">
+                <a:solidFill>
+                  <a:schemeClr val="tx1"/>
+                </a:solidFill>
+                <a:latin typeface="Times New Roman" panose="02020603050405020304" pitchFamily="18" charset="0"/>
+                <a:cs typeface="Times New Roman" panose="02020603050405020304" pitchFamily="18" charset="0"/>
+              </a:rPr>
+              <a:t>A</a:t>
+            </a:r>
+            <a:endParaRPr lang="en-US" dirty="0">
+              <a:solidFill>
+                <a:schemeClr val="tx1"/>
+              </a:solidFill>
+              <a:latin typeface="Times New Roman" panose="02020603050405020304" pitchFamily="18" charset="0"/>
+              <a:cs typeface="Times New Roman" panose="02020603050405020304" pitchFamily="18" charset="0"/>
+            </a:endParaRPr>
+          </a:p>
+        </p:txBody>
+      </p:sp>
+      <p:sp>
+        <p:nvSpPr>
+          <p:cNvPr id="3" name="Oval 2"/>
+          <p:cNvSpPr/>
+          <p:nvPr/>
+        </p:nvSpPr>
+        <p:spPr>
+          <a:xfrm>
+            <a:off x="5867400" y="2800350"/>
+            <a:ext cx="457200" cy="457200"/>
+          </a:xfrm>
+          <a:prstGeom prst="ellipse">
+            <a:avLst/>
+          </a:prstGeom>
+          <a:noFill/>
+          <a:ln w="19050">
+            <a:solidFill>
+              <a:schemeClr val="tx1"/>
+            </a:solidFill>
+          </a:ln>
+        </p:spPr>
+        <p:style>
+          <a:lnRef idx="2">
+            <a:schemeClr val="accent1">
+              <a:shade val="50000"/>
+            </a:schemeClr>
+          </a:lnRef>
+          <a:fillRef idx="1">
+            <a:schemeClr val="accent1"/>
+          </a:fillRef>
+          <a:effectRef idx="0">
+            <a:schemeClr val="accent1"/>
+          </a:effectRef>
+          <a:fontRef idx="minor">
+            <a:schemeClr val="lt1"/>
+          </a:fontRef>
+        </p:style>
+        <p:txBody>
+          <a:bodyPr rot="0" spcFirstLastPara="0" vert="horz" wrap="square" lIns="91440" tIns="45720" rIns="91440" bIns="45720" numCol="1" spcCol="0" rtlCol="0" fromWordArt="0" anchor="ctr" anchorCtr="0" forceAA="0" compatLnSpc="1">
+            <a:prstTxWarp prst="textNoShape">
+              <a:avLst/>
+            </a:prstTxWarp>
+            <a:noAutofit/>
+          </a:bodyPr>
+          <a:lstStyle/>
+          <a:p>
+            <a:r>
+              <a:rPr lang="en-US" dirty="0" smtClean="0">
+                <a:solidFill>
+                  <a:schemeClr val="tx1"/>
+                </a:solidFill>
+                <a:latin typeface="Times New Roman" panose="02020603050405020304" pitchFamily="18" charset="0"/>
+                <a:cs typeface="Times New Roman" panose="02020603050405020304" pitchFamily="18" charset="0"/>
+              </a:rPr>
+              <a:t>B</a:t>
+            </a:r>
+            <a:endParaRPr lang="en-US" dirty="0">
+              <a:solidFill>
+                <a:schemeClr val="tx1"/>
+              </a:solidFill>
+              <a:latin typeface="Times New Roman" panose="02020603050405020304" pitchFamily="18" charset="0"/>
+              <a:cs typeface="Times New Roman" panose="02020603050405020304" pitchFamily="18" charset="0"/>
+            </a:endParaRPr>
+          </a:p>
+        </p:txBody>
+      </p:sp>
+      <p:sp>
+        <p:nvSpPr>
+          <p:cNvPr id="4" name="Oval 3"/>
+          <p:cNvSpPr/>
+          <p:nvPr/>
+        </p:nvSpPr>
+        <p:spPr>
+          <a:xfrm>
+            <a:off x="5857875" y="3600450"/>
+            <a:ext cx="457200" cy="457200"/>
+          </a:xfrm>
+          <a:prstGeom prst="ellipse">
+            <a:avLst/>
+          </a:prstGeom>
+          <a:noFill/>
+          <a:ln w="19050">
+            <a:solidFill>
+              <a:schemeClr val="tx1"/>
+            </a:solidFill>
+          </a:ln>
+        </p:spPr>
+        <p:style>
+          <a:lnRef idx="2">
+            <a:schemeClr val="accent1">
+              <a:shade val="50000"/>
+            </a:schemeClr>
+          </a:lnRef>
+          <a:fillRef idx="1">
+            <a:schemeClr val="accent1"/>
+          </a:fillRef>
+          <a:effectRef idx="0">
+            <a:schemeClr val="accent1"/>
+          </a:effectRef>
+          <a:fontRef idx="minor">
+            <a:schemeClr val="lt1"/>
+          </a:fontRef>
+        </p:style>
+        <p:txBody>
+          <a:bodyPr rot="0" spcFirstLastPara="0" vert="horz" wrap="square" lIns="91440" tIns="45720" rIns="91440" bIns="45720" numCol="1" spcCol="0" rtlCol="0" fromWordArt="0" anchor="ctr" anchorCtr="0" forceAA="0" compatLnSpc="1">
+            <a:prstTxWarp prst="textNoShape">
+              <a:avLst/>
+            </a:prstTxWarp>
+            <a:noAutofit/>
+          </a:bodyPr>
+          <a:lstStyle/>
+          <a:p>
+            <a:r>
+              <a:rPr lang="en-US" dirty="0" smtClean="0">
+                <a:solidFill>
+                  <a:schemeClr val="tx1"/>
+                </a:solidFill>
+                <a:latin typeface="Times New Roman" panose="02020603050405020304" pitchFamily="18" charset="0"/>
+                <a:cs typeface="Times New Roman" panose="02020603050405020304" pitchFamily="18" charset="0"/>
+              </a:rPr>
+              <a:t>C</a:t>
+            </a:r>
+            <a:endParaRPr lang="en-US" dirty="0">
+              <a:solidFill>
+                <a:schemeClr val="tx1"/>
+              </a:solidFill>
+              <a:latin typeface="Times New Roman" panose="02020603050405020304" pitchFamily="18" charset="0"/>
+              <a:cs typeface="Times New Roman" panose="02020603050405020304" pitchFamily="18" charset="0"/>
+            </a:endParaRPr>
+          </a:p>
+        </p:txBody>
+      </p:sp>
+      <p:cxnSp>
+        <p:nvCxnSpPr>
+          <p:cNvPr id="5" name="Straight Connector 4"/>
+          <p:cNvCxnSpPr/>
+          <p:nvPr/>
+        </p:nvCxnSpPr>
+        <p:spPr>
+          <a:xfrm flipV="1">
+            <a:off x="6096000" y="2457450"/>
+            <a:ext cx="0" cy="342900"/>
+          </a:xfrm>
+          <a:prstGeom prst="line">
+            <a:avLst/>
+          </a:prstGeom>
+          <a:ln w="19050">
+            <a:solidFill>
+              <a:schemeClr val="tx1"/>
+            </a:solidFill>
+          </a:ln>
+        </p:spPr>
+        <p:style>
+          <a:lnRef idx="1">
+            <a:schemeClr val="accent1"/>
+          </a:lnRef>
+          <a:fillRef idx="0">
+            <a:schemeClr val="accent1"/>
+          </a:fillRef>
+          <a:effectRef idx="0">
+            <a:schemeClr val="accent1"/>
+          </a:effectRef>
+          <a:fontRef idx="minor">
+            <a:schemeClr val="tx1"/>
+          </a:fontRef>
+        </p:style>
+      </p:cxnSp>
+      <p:cxnSp>
+        <p:nvCxnSpPr>
+          <p:cNvPr id="6" name="Straight Connector 5"/>
+          <p:cNvCxnSpPr/>
+          <p:nvPr/>
+        </p:nvCxnSpPr>
+        <p:spPr>
+          <a:xfrm flipV="1">
+            <a:off x="6096000" y="3257550"/>
+            <a:ext cx="0" cy="342900"/>
+          </a:xfrm>
+          <a:prstGeom prst="line">
+            <a:avLst/>
+          </a:prstGeom>
+          <a:ln w="19050">
+            <a:solidFill>
+              <a:schemeClr val="tx1"/>
+            </a:solidFill>
+          </a:ln>
+        </p:spPr>
+        <p:style>
+          <a:lnRef idx="1">
+            <a:schemeClr val="accent1"/>
+          </a:lnRef>
+          <a:fillRef idx="0">
+            <a:schemeClr val="accent1"/>
+          </a:fillRef>
+          <a:effectRef idx="0">
+            <a:schemeClr val="accent1"/>
+          </a:effectRef>
+          <a:fontRef idx="minor">
+            <a:schemeClr val="tx1"/>
+          </a:fontRef>
+        </p:style>
+      </p:cxnSp>
+      <p:sp>
+        <p:nvSpPr>
+          <p:cNvPr id="7" name="Oval 6"/>
+          <p:cNvSpPr/>
+          <p:nvPr/>
+        </p:nvSpPr>
+        <p:spPr>
+          <a:xfrm>
+            <a:off x="5876925" y="4400550"/>
+            <a:ext cx="457200" cy="457200"/>
+          </a:xfrm>
+          <a:prstGeom prst="ellipse">
+            <a:avLst/>
+          </a:prstGeom>
+          <a:noFill/>
+          <a:ln w="19050">
+            <a:solidFill>
+              <a:schemeClr val="tx1"/>
+            </a:solidFill>
+          </a:ln>
+        </p:spPr>
+        <p:style>
+          <a:lnRef idx="2">
+            <a:schemeClr val="accent1">
+              <a:shade val="50000"/>
+            </a:schemeClr>
+          </a:lnRef>
+          <a:fillRef idx="1">
+            <a:schemeClr val="accent1"/>
+          </a:fillRef>
+          <a:effectRef idx="0">
+            <a:schemeClr val="accent1"/>
+          </a:effectRef>
+          <a:fontRef idx="minor">
+            <a:schemeClr val="lt1"/>
+          </a:fontRef>
+        </p:style>
+        <p:txBody>
+          <a:bodyPr rot="0" spcFirstLastPara="0" vert="horz" wrap="square" lIns="91440" tIns="45720" rIns="91440" bIns="45720" numCol="1" spcCol="0" rtlCol="0" fromWordArt="0" anchor="ctr" anchorCtr="0" forceAA="0" compatLnSpc="1">
+            <a:prstTxWarp prst="textNoShape">
+              <a:avLst/>
+            </a:prstTxWarp>
+            <a:noAutofit/>
+          </a:bodyPr>
+          <a:lstStyle/>
+          <a:p>
+            <a:r>
+              <a:rPr lang="en-US" dirty="0" smtClean="0">
+                <a:solidFill>
+                  <a:schemeClr val="tx1"/>
+                </a:solidFill>
+                <a:latin typeface="Times New Roman" panose="02020603050405020304" pitchFamily="18" charset="0"/>
+                <a:cs typeface="Times New Roman" panose="02020603050405020304" pitchFamily="18" charset="0"/>
+              </a:rPr>
+              <a:t>D</a:t>
+            </a:r>
+            <a:endParaRPr lang="en-US" dirty="0">
+              <a:solidFill>
+                <a:schemeClr val="tx1"/>
+              </a:solidFill>
+              <a:latin typeface="Times New Roman" panose="02020603050405020304" pitchFamily="18" charset="0"/>
+              <a:cs typeface="Times New Roman" panose="02020603050405020304" pitchFamily="18" charset="0"/>
+            </a:endParaRPr>
+          </a:p>
+        </p:txBody>
+      </p:sp>
+      <p:cxnSp>
+        <p:nvCxnSpPr>
+          <p:cNvPr id="8" name="Straight Connector 7"/>
+          <p:cNvCxnSpPr/>
+          <p:nvPr/>
+        </p:nvCxnSpPr>
+        <p:spPr>
+          <a:xfrm flipV="1">
+            <a:off x="6086475" y="4057650"/>
+            <a:ext cx="0" cy="342900"/>
+          </a:xfrm>
+          <a:prstGeom prst="line">
+            <a:avLst/>
+          </a:prstGeom>
+          <a:ln w="19050">
+            <a:solidFill>
+              <a:schemeClr val="tx1"/>
+            </a:solidFill>
+          </a:ln>
+        </p:spPr>
+        <p:style>
+          <a:lnRef idx="1">
+            <a:schemeClr val="accent1"/>
+          </a:lnRef>
+          <a:fillRef idx="0">
+            <a:schemeClr val="accent1"/>
+          </a:fillRef>
+          <a:effectRef idx="0">
+            <a:schemeClr val="accent1"/>
+          </a:effectRef>
+          <a:fontRef idx="minor">
+            <a:schemeClr val="tx1"/>
+          </a:fontRef>
+        </p:style>
+      </p:cxnSp>
+    </p:spTree>
+    <p:extLst>
+      <p:ext uri="{BB962C8B-B14F-4D97-AF65-F5344CB8AC3E}">
+        <p14:creationId xmlns:p14="http://schemas.microsoft.com/office/powerpoint/2010/main" val="794999589"/>
+      </p:ext>
+    </p:extLst>
+  </p:cSld>
+  <p:clrMapOvr>
+    <a:masterClrMapping/>
+  </p:clrMapOvr>
+  <p:timing>
+    <p:tnLst>
+      <p:par>
+        <p:cTn id="1" dur="indefinite" restart="never" nodeType="tmRoot"/>
+      </p:par>
+    </p:tnLst>
+  </p:timing>
+</p:sld>
+</file>
+
+<file path=ppt/slides/slide8.xml><?xml version="1.0" encoding="utf-8"?>
+<p:sld xmlns:a="http://schemas.openxmlformats.org/drawingml/2006/main" xmlns:r="http://schemas.openxmlformats.org/officeDocument/2006/relationships" xmlns:p="http://schemas.openxmlformats.org/presentationml/2006/main">
+  <p:cSld>
+    <p:spTree>
+      <p:nvGrpSpPr>
+        <p:cNvPr id="1" name=""/>
+        <p:cNvGrpSpPr/>
+        <p:nvPr/>
+      </p:nvGrpSpPr>
+      <p:grpSpPr>
+        <a:xfrm>
+          <a:off x="0" y="0"/>
+          <a:ext cx="0" cy="0"/>
+          <a:chOff x="0" y="0"/>
+          <a:chExt cx="0" cy="0"/>
+        </a:xfrm>
+      </p:grpSpPr>
+      <p:sp>
+        <p:nvSpPr>
+          <p:cNvPr id="2" name="Oval 1"/>
+          <p:cNvSpPr/>
+          <p:nvPr/>
+        </p:nvSpPr>
+        <p:spPr>
+          <a:xfrm>
+            <a:off x="3586797" y="2000250"/>
+            <a:ext cx="457200" cy="457200"/>
+          </a:xfrm>
+          <a:prstGeom prst="ellipse">
+            <a:avLst/>
+          </a:prstGeom>
+          <a:noFill/>
+          <a:ln>
+            <a:solidFill>
+              <a:schemeClr val="tx1"/>
+            </a:solidFill>
+          </a:ln>
+        </p:spPr>
+        <p:style>
+          <a:lnRef idx="2">
+            <a:schemeClr val="accent1">
+              <a:shade val="50000"/>
+            </a:schemeClr>
+          </a:lnRef>
+          <a:fillRef idx="1">
+            <a:schemeClr val="accent1"/>
+          </a:fillRef>
+          <a:effectRef idx="0">
+            <a:schemeClr val="accent1"/>
+          </a:effectRef>
+          <a:fontRef idx="minor">
+            <a:schemeClr val="lt1"/>
+          </a:fontRef>
+        </p:style>
+        <p:txBody>
+          <a:bodyPr rot="0" spcFirstLastPara="0" vert="horz" wrap="square" lIns="91440" tIns="45720" rIns="91440" bIns="45720" numCol="1" spcCol="0" rtlCol="0" fromWordArt="0" anchor="ctr" anchorCtr="0" forceAA="0" compatLnSpc="1">
+            <a:prstTxWarp prst="textNoShape">
+              <a:avLst/>
+            </a:prstTxWarp>
+            <a:noAutofit/>
+          </a:bodyPr>
+          <a:lstStyle/>
+          <a:p>
+            <a:endParaRPr lang="en-US"/>
+          </a:p>
+        </p:txBody>
+      </p:sp>
+      <p:sp>
+        <p:nvSpPr>
+          <p:cNvPr id="3" name="Oval 2"/>
+          <p:cNvSpPr/>
+          <p:nvPr/>
+        </p:nvSpPr>
+        <p:spPr>
+          <a:xfrm>
+            <a:off x="3586797" y="2800350"/>
+            <a:ext cx="457200" cy="457200"/>
+          </a:xfrm>
+          <a:prstGeom prst="ellipse">
+            <a:avLst/>
+          </a:prstGeom>
+          <a:noFill/>
+          <a:ln>
+            <a:solidFill>
+              <a:schemeClr val="tx1"/>
+            </a:solidFill>
+          </a:ln>
+        </p:spPr>
+        <p:style>
+          <a:lnRef idx="2">
+            <a:schemeClr val="accent1">
+              <a:shade val="50000"/>
+            </a:schemeClr>
+          </a:lnRef>
+          <a:fillRef idx="1">
+            <a:schemeClr val="accent1"/>
+          </a:fillRef>
+          <a:effectRef idx="0">
+            <a:schemeClr val="accent1"/>
+          </a:effectRef>
+          <a:fontRef idx="minor">
+            <a:schemeClr val="lt1"/>
+          </a:fontRef>
+        </p:style>
+        <p:txBody>
+          <a:bodyPr rot="0" spcFirstLastPara="0" vert="horz" wrap="square" lIns="91440" tIns="45720" rIns="91440" bIns="45720" numCol="1" spcCol="0" rtlCol="0" fromWordArt="0" anchor="ctr" anchorCtr="0" forceAA="0" compatLnSpc="1">
+            <a:prstTxWarp prst="textNoShape">
+              <a:avLst/>
+            </a:prstTxWarp>
+            <a:noAutofit/>
+          </a:bodyPr>
+          <a:lstStyle/>
+          <a:p>
+            <a:endParaRPr lang="en-US"/>
+          </a:p>
+        </p:txBody>
+      </p:sp>
+      <p:sp>
+        <p:nvSpPr>
+          <p:cNvPr id="4" name="Oval 3"/>
+          <p:cNvSpPr/>
+          <p:nvPr/>
+        </p:nvSpPr>
+        <p:spPr>
+          <a:xfrm>
+            <a:off x="3577272" y="3600450"/>
+            <a:ext cx="457200" cy="457200"/>
+          </a:xfrm>
+          <a:prstGeom prst="ellipse">
+            <a:avLst/>
+          </a:prstGeom>
+          <a:noFill/>
+          <a:ln>
+            <a:solidFill>
+              <a:schemeClr val="tx1"/>
+            </a:solidFill>
+          </a:ln>
+        </p:spPr>
+        <p:style>
+          <a:lnRef idx="2">
+            <a:schemeClr val="accent1">
+              <a:shade val="50000"/>
+            </a:schemeClr>
+          </a:lnRef>
+          <a:fillRef idx="1">
+            <a:schemeClr val="accent1"/>
+          </a:fillRef>
+          <a:effectRef idx="0">
+            <a:schemeClr val="accent1"/>
+          </a:effectRef>
+          <a:fontRef idx="minor">
+            <a:schemeClr val="lt1"/>
+          </a:fontRef>
+        </p:style>
+        <p:txBody>
+          <a:bodyPr rot="0" spcFirstLastPara="0" vert="horz" wrap="square" lIns="91440" tIns="45720" rIns="91440" bIns="45720" numCol="1" spcCol="0" rtlCol="0" fromWordArt="0" anchor="ctr" anchorCtr="0" forceAA="0" compatLnSpc="1">
+            <a:prstTxWarp prst="textNoShape">
+              <a:avLst/>
+            </a:prstTxWarp>
+            <a:noAutofit/>
+          </a:bodyPr>
+          <a:lstStyle/>
+          <a:p>
+            <a:endParaRPr lang="en-US"/>
+          </a:p>
+        </p:txBody>
+      </p:sp>
+      <p:cxnSp>
+        <p:nvCxnSpPr>
+          <p:cNvPr id="5" name="Straight Connector 4"/>
+          <p:cNvCxnSpPr/>
+          <p:nvPr/>
+        </p:nvCxnSpPr>
+        <p:spPr>
+          <a:xfrm flipV="1">
+            <a:off x="3815397" y="2457450"/>
+            <a:ext cx="0" cy="342900"/>
+          </a:xfrm>
+          <a:prstGeom prst="line">
+            <a:avLst/>
+          </a:prstGeom>
+          <a:ln>
+            <a:solidFill>
+              <a:schemeClr val="tx1"/>
+            </a:solidFill>
+          </a:ln>
+        </p:spPr>
+        <p:style>
+          <a:lnRef idx="1">
+            <a:schemeClr val="accent1"/>
+          </a:lnRef>
+          <a:fillRef idx="0">
+            <a:schemeClr val="accent1"/>
+          </a:fillRef>
+          <a:effectRef idx="0">
+            <a:schemeClr val="accent1"/>
+          </a:effectRef>
+          <a:fontRef idx="minor">
+            <a:schemeClr val="tx1"/>
+          </a:fontRef>
+        </p:style>
+      </p:cxnSp>
+      <p:cxnSp>
+        <p:nvCxnSpPr>
+          <p:cNvPr id="6" name="Straight Connector 5"/>
+          <p:cNvCxnSpPr/>
+          <p:nvPr/>
+        </p:nvCxnSpPr>
+        <p:spPr>
+          <a:xfrm flipV="1">
+            <a:off x="3815397" y="3257550"/>
+            <a:ext cx="0" cy="342900"/>
+          </a:xfrm>
+          <a:prstGeom prst="line">
+            <a:avLst/>
+          </a:prstGeom>
+          <a:ln>
+            <a:solidFill>
+              <a:schemeClr val="tx1"/>
+            </a:solidFill>
+          </a:ln>
+        </p:spPr>
+        <p:style>
+          <a:lnRef idx="1">
+            <a:schemeClr val="accent1"/>
+          </a:lnRef>
+          <a:fillRef idx="0">
+            <a:schemeClr val="accent1"/>
+          </a:fillRef>
+          <a:effectRef idx="0">
+            <a:schemeClr val="accent1"/>
+          </a:effectRef>
+          <a:fontRef idx="minor">
+            <a:schemeClr val="tx1"/>
+          </a:fontRef>
+        </p:style>
+      </p:cxnSp>
+      <p:sp>
+        <p:nvSpPr>
+          <p:cNvPr id="7" name="Oval 6"/>
+          <p:cNvSpPr/>
+          <p:nvPr/>
+        </p:nvSpPr>
+        <p:spPr>
+          <a:xfrm>
+            <a:off x="3596322" y="4400550"/>
+            <a:ext cx="457200" cy="457200"/>
+          </a:xfrm>
+          <a:prstGeom prst="ellipse">
+            <a:avLst/>
+          </a:prstGeom>
+          <a:noFill/>
+          <a:ln>
+            <a:solidFill>
+              <a:schemeClr val="tx1"/>
+            </a:solidFill>
+          </a:ln>
+        </p:spPr>
+        <p:style>
+          <a:lnRef idx="2">
+            <a:schemeClr val="accent1">
+              <a:shade val="50000"/>
+            </a:schemeClr>
+          </a:lnRef>
+          <a:fillRef idx="1">
+            <a:schemeClr val="accent1"/>
+          </a:fillRef>
+          <a:effectRef idx="0">
+            <a:schemeClr val="accent1"/>
+          </a:effectRef>
+          <a:fontRef idx="minor">
+            <a:schemeClr val="lt1"/>
+          </a:fontRef>
+        </p:style>
+        <p:txBody>
+          <a:bodyPr rot="0" spcFirstLastPara="0" vert="horz" wrap="square" lIns="91440" tIns="45720" rIns="91440" bIns="45720" numCol="1" spcCol="0" rtlCol="0" fromWordArt="0" anchor="ctr" anchorCtr="0" forceAA="0" compatLnSpc="1">
+            <a:prstTxWarp prst="textNoShape">
+              <a:avLst/>
+            </a:prstTxWarp>
+            <a:noAutofit/>
+          </a:bodyPr>
+          <a:lstStyle/>
+          <a:p>
+            <a:endParaRPr lang="en-US"/>
+          </a:p>
+        </p:txBody>
+      </p:sp>
+      <p:cxnSp>
+        <p:nvCxnSpPr>
+          <p:cNvPr id="8" name="Straight Connector 7"/>
+          <p:cNvCxnSpPr/>
+          <p:nvPr/>
+        </p:nvCxnSpPr>
+        <p:spPr>
+          <a:xfrm flipV="1">
+            <a:off x="3805872" y="4057650"/>
+            <a:ext cx="0" cy="342900"/>
+          </a:xfrm>
+          <a:prstGeom prst="line">
+            <a:avLst/>
+          </a:prstGeom>
+          <a:ln>
+            <a:solidFill>
+              <a:schemeClr val="tx1"/>
+            </a:solidFill>
+          </a:ln>
+        </p:spPr>
+        <p:style>
+          <a:lnRef idx="1">
+            <a:schemeClr val="accent1"/>
+          </a:lnRef>
+          <a:fillRef idx="0">
+            <a:schemeClr val="accent1"/>
+          </a:fillRef>
+          <a:effectRef idx="0">
+            <a:schemeClr val="accent1"/>
+          </a:effectRef>
+          <a:fontRef idx="minor">
+            <a:schemeClr val="tx1"/>
+          </a:fontRef>
+        </p:style>
+      </p:cxnSp>
+      <p:sp>
+        <p:nvSpPr>
+          <p:cNvPr id="9" name="Oval 8"/>
+          <p:cNvSpPr/>
+          <p:nvPr/>
+        </p:nvSpPr>
+        <p:spPr>
+          <a:xfrm>
+            <a:off x="6349047" y="4400550"/>
+            <a:ext cx="457200" cy="457200"/>
+          </a:xfrm>
+          <a:prstGeom prst="ellipse">
+            <a:avLst/>
+          </a:prstGeom>
+          <a:noFill/>
+          <a:ln w="19050">
+            <a:solidFill>
+              <a:schemeClr val="tx1"/>
+            </a:solidFill>
+          </a:ln>
+        </p:spPr>
+        <p:style>
+          <a:lnRef idx="2">
+            <a:schemeClr val="accent1">
+              <a:shade val="50000"/>
+            </a:schemeClr>
+          </a:lnRef>
+          <a:fillRef idx="1">
+            <a:schemeClr val="accent1"/>
+          </a:fillRef>
+          <a:effectRef idx="0">
+            <a:schemeClr val="accent1"/>
+          </a:effectRef>
+          <a:fontRef idx="minor">
+            <a:schemeClr val="lt1"/>
+          </a:fontRef>
+        </p:style>
+        <p:txBody>
+          <a:bodyPr rot="0" spcFirstLastPara="0" vert="horz" wrap="square" lIns="91440" tIns="45720" rIns="91440" bIns="45720" numCol="1" spcCol="0" rtlCol="0" fromWordArt="0" anchor="ctr" anchorCtr="0" forceAA="0" compatLnSpc="1">
+            <a:prstTxWarp prst="textNoShape">
+              <a:avLst/>
+            </a:prstTxWarp>
+            <a:noAutofit/>
+          </a:bodyPr>
+          <a:lstStyle/>
+          <a:p>
+            <a:r>
+              <a:rPr lang="en-US" sz="1000" b="1" dirty="0" smtClean="0">
+                <a:solidFill>
+                  <a:prstClr val="black"/>
+                </a:solidFill>
+                <a:latin typeface="Times New Roman" panose="02020603050405020304" pitchFamily="18" charset="0"/>
+                <a:cs typeface="Times New Roman" panose="02020603050405020304" pitchFamily="18" charset="0"/>
+              </a:rPr>
+              <a:t>A</a:t>
+            </a:r>
+            <a:r>
+              <a:rPr lang="en-US" sz="1000" b="1" baseline="-25000" dirty="0" smtClean="0">
+                <a:solidFill>
+                  <a:prstClr val="black"/>
+                </a:solidFill>
+                <a:latin typeface="Times New Roman" panose="02020603050405020304" pitchFamily="18" charset="0"/>
+                <a:cs typeface="Times New Roman" panose="02020603050405020304" pitchFamily="18" charset="0"/>
+              </a:rPr>
+              <a:t>0</a:t>
+            </a:r>
+            <a:endParaRPr lang="en-US" b="1" dirty="0"/>
+          </a:p>
+        </p:txBody>
+      </p:sp>
+      <p:sp>
+        <p:nvSpPr>
+          <p:cNvPr id="10" name="Oval 9"/>
+          <p:cNvSpPr/>
+          <p:nvPr/>
+        </p:nvSpPr>
+        <p:spPr>
+          <a:xfrm>
+            <a:off x="7263447" y="4400550"/>
+            <a:ext cx="457200" cy="457200"/>
+          </a:xfrm>
+          <a:prstGeom prst="ellipse">
+            <a:avLst/>
+          </a:prstGeom>
+          <a:noFill/>
+          <a:ln w="19050">
+            <a:solidFill>
+              <a:schemeClr val="tx1"/>
+            </a:solidFill>
+          </a:ln>
+        </p:spPr>
+        <p:style>
+          <a:lnRef idx="2">
+            <a:schemeClr val="accent1">
+              <a:shade val="50000"/>
+            </a:schemeClr>
+          </a:lnRef>
+          <a:fillRef idx="1">
+            <a:schemeClr val="accent1"/>
+          </a:fillRef>
+          <a:effectRef idx="0">
+            <a:schemeClr val="accent1"/>
+          </a:effectRef>
+          <a:fontRef idx="minor">
+            <a:schemeClr val="lt1"/>
+          </a:fontRef>
+        </p:style>
+        <p:txBody>
+          <a:bodyPr rot="0" spcFirstLastPara="0" vert="horz" wrap="square" lIns="91440" tIns="45720" rIns="91440" bIns="45720" numCol="1" spcCol="0" rtlCol="0" fromWordArt="0" anchor="ctr" anchorCtr="0" forceAA="0" compatLnSpc="1">
+            <a:prstTxWarp prst="textNoShape">
+              <a:avLst/>
+            </a:prstTxWarp>
+            <a:noAutofit/>
+          </a:bodyPr>
+          <a:lstStyle/>
+          <a:p>
+            <a:r>
+              <a:rPr lang="en-US" sz="1000" b="1" dirty="0" smtClean="0">
+                <a:solidFill>
+                  <a:prstClr val="black"/>
+                </a:solidFill>
+                <a:latin typeface="Times New Roman" panose="02020603050405020304" pitchFamily="18" charset="0"/>
+                <a:cs typeface="Times New Roman" panose="02020603050405020304" pitchFamily="18" charset="0"/>
+              </a:rPr>
+              <a:t>B</a:t>
+            </a:r>
+            <a:r>
+              <a:rPr lang="en-US" sz="1000" b="1" baseline="-25000" dirty="0" smtClean="0">
+                <a:solidFill>
+                  <a:prstClr val="black"/>
+                </a:solidFill>
+                <a:latin typeface="Times New Roman" panose="02020603050405020304" pitchFamily="18" charset="0"/>
+                <a:cs typeface="Times New Roman" panose="02020603050405020304" pitchFamily="18" charset="0"/>
+              </a:rPr>
+              <a:t>0</a:t>
+            </a:r>
+            <a:endParaRPr lang="en-US" b="1" dirty="0"/>
+          </a:p>
+        </p:txBody>
+      </p:sp>
+      <p:sp>
+        <p:nvSpPr>
+          <p:cNvPr id="11" name="Oval 10"/>
+          <p:cNvSpPr/>
+          <p:nvPr/>
+        </p:nvSpPr>
+        <p:spPr>
+          <a:xfrm>
+            <a:off x="6804977" y="3484245"/>
+            <a:ext cx="457200" cy="457200"/>
+          </a:xfrm>
+          <a:prstGeom prst="ellipse">
+            <a:avLst/>
+          </a:prstGeom>
+          <a:noFill/>
+          <a:ln w="19050">
+            <a:solidFill>
+              <a:schemeClr val="tx1"/>
+            </a:solidFill>
+          </a:ln>
+        </p:spPr>
+        <p:style>
+          <a:lnRef idx="2">
+            <a:schemeClr val="accent1">
+              <a:shade val="50000"/>
+            </a:schemeClr>
+          </a:lnRef>
+          <a:fillRef idx="1">
+            <a:schemeClr val="accent1"/>
+          </a:fillRef>
+          <a:effectRef idx="0">
+            <a:schemeClr val="accent1"/>
+          </a:effectRef>
+          <a:fontRef idx="minor">
+            <a:schemeClr val="lt1"/>
+          </a:fontRef>
+        </p:style>
+        <p:txBody>
+          <a:bodyPr rot="0" spcFirstLastPara="0" vert="horz" wrap="square" lIns="91440" tIns="45720" rIns="91440" bIns="45720" numCol="1" spcCol="0" rtlCol="0" fromWordArt="0" anchor="ctr" anchorCtr="0" forceAA="0" compatLnSpc="1">
+            <a:prstTxWarp prst="textNoShape">
+              <a:avLst/>
+            </a:prstTxWarp>
+            <a:noAutofit/>
+          </a:bodyPr>
+          <a:lstStyle/>
+          <a:p>
+            <a:r>
+              <a:rPr lang="en-US" sz="1000" b="1" dirty="0" smtClean="0">
+                <a:solidFill>
+                  <a:schemeClr val="tx1"/>
+                </a:solidFill>
+                <a:latin typeface="Times New Roman" panose="02020603050405020304" pitchFamily="18" charset="0"/>
+                <a:cs typeface="Times New Roman" panose="02020603050405020304" pitchFamily="18" charset="0"/>
+              </a:rPr>
+              <a:t>B</a:t>
+            </a:r>
+            <a:r>
+              <a:rPr lang="en-US" sz="1000" b="1" baseline="-25000" dirty="0" smtClean="0">
+                <a:solidFill>
+                  <a:schemeClr val="tx1"/>
+                </a:solidFill>
+                <a:latin typeface="Times New Roman" panose="02020603050405020304" pitchFamily="18" charset="0"/>
+                <a:cs typeface="Times New Roman" panose="02020603050405020304" pitchFamily="18" charset="0"/>
+              </a:rPr>
+              <a:t>1</a:t>
+            </a:r>
+            <a:endParaRPr lang="en-US" sz="1000" b="1" baseline="-25000" dirty="0">
+              <a:solidFill>
+                <a:schemeClr val="tx1"/>
+              </a:solidFill>
+              <a:latin typeface="Times New Roman" panose="02020603050405020304" pitchFamily="18" charset="0"/>
+              <a:cs typeface="Times New Roman" panose="02020603050405020304" pitchFamily="18" charset="0"/>
+            </a:endParaRPr>
+          </a:p>
+        </p:txBody>
+      </p:sp>
+      <p:cxnSp>
+        <p:nvCxnSpPr>
+          <p:cNvPr id="12" name="Straight Connector 11"/>
+          <p:cNvCxnSpPr/>
+          <p:nvPr/>
+        </p:nvCxnSpPr>
+        <p:spPr>
+          <a:xfrm flipV="1">
+            <a:off x="6575742" y="3943985"/>
+            <a:ext cx="458470" cy="455930"/>
+          </a:xfrm>
+          <a:prstGeom prst="line">
+            <a:avLst/>
+          </a:prstGeom>
+          <a:ln w="19050">
+            <a:solidFill>
+              <a:schemeClr val="tx1"/>
+            </a:solidFill>
+          </a:ln>
+        </p:spPr>
+        <p:style>
+          <a:lnRef idx="1">
+            <a:schemeClr val="accent1"/>
+          </a:lnRef>
+          <a:fillRef idx="0">
+            <a:schemeClr val="accent1"/>
+          </a:fillRef>
+          <a:effectRef idx="0">
+            <a:schemeClr val="accent1"/>
+          </a:effectRef>
+          <a:fontRef idx="minor">
+            <a:schemeClr val="tx1"/>
+          </a:fontRef>
+        </p:style>
+      </p:cxnSp>
+      <p:cxnSp>
+        <p:nvCxnSpPr>
+          <p:cNvPr id="13" name="Straight Connector 12"/>
+          <p:cNvCxnSpPr>
+            <a:stCxn id="10" idx="0"/>
+          </p:cNvCxnSpPr>
+          <p:nvPr/>
+        </p:nvCxnSpPr>
+        <p:spPr>
+          <a:xfrm flipH="1" flipV="1">
+            <a:off x="7036118" y="3940175"/>
+            <a:ext cx="455929" cy="460375"/>
+          </a:xfrm>
+          <a:prstGeom prst="line">
+            <a:avLst/>
+          </a:prstGeom>
+          <a:ln w="19050">
+            <a:solidFill>
+              <a:schemeClr val="tx1"/>
+            </a:solidFill>
+          </a:ln>
+        </p:spPr>
+        <p:style>
+          <a:lnRef idx="1">
+            <a:schemeClr val="accent1"/>
+          </a:lnRef>
+          <a:fillRef idx="0">
+            <a:schemeClr val="accent1"/>
+          </a:fillRef>
+          <a:effectRef idx="0">
+            <a:schemeClr val="accent1"/>
+          </a:effectRef>
+          <a:fontRef idx="minor">
+            <a:schemeClr val="tx1"/>
+          </a:fontRef>
+        </p:style>
+      </p:cxnSp>
+      <p:sp>
+        <p:nvSpPr>
+          <p:cNvPr id="14" name="Oval 13"/>
+          <p:cNvSpPr/>
+          <p:nvPr/>
+        </p:nvSpPr>
+        <p:spPr>
+          <a:xfrm>
+            <a:off x="7948612" y="4392295"/>
+            <a:ext cx="457200" cy="457200"/>
+          </a:xfrm>
+          <a:prstGeom prst="ellipse">
+            <a:avLst/>
+          </a:prstGeom>
+          <a:noFill/>
+          <a:ln w="19050">
+            <a:solidFill>
+              <a:schemeClr val="tx1"/>
+            </a:solidFill>
+          </a:ln>
+        </p:spPr>
+        <p:style>
+          <a:lnRef idx="2">
+            <a:schemeClr val="accent1">
+              <a:shade val="50000"/>
+            </a:schemeClr>
+          </a:lnRef>
+          <a:fillRef idx="1">
+            <a:schemeClr val="accent1"/>
+          </a:fillRef>
+          <a:effectRef idx="0">
+            <a:schemeClr val="accent1"/>
+          </a:effectRef>
+          <a:fontRef idx="minor">
+            <a:schemeClr val="lt1"/>
+          </a:fontRef>
+        </p:style>
+        <p:txBody>
+          <a:bodyPr rot="0" spcFirstLastPara="0" vert="horz" wrap="square" lIns="91440" tIns="45720" rIns="91440" bIns="45720" numCol="1" spcCol="0" rtlCol="0" fromWordArt="0" anchor="ctr" anchorCtr="0" forceAA="0" compatLnSpc="1">
+            <a:prstTxWarp prst="textNoShape">
+              <a:avLst/>
+            </a:prstTxWarp>
+            <a:noAutofit/>
+          </a:bodyPr>
+          <a:lstStyle/>
+          <a:p>
+            <a:r>
+              <a:rPr lang="en-US" sz="1000" b="1" dirty="0" smtClean="0">
+                <a:solidFill>
+                  <a:prstClr val="black"/>
+                </a:solidFill>
+                <a:latin typeface="Times New Roman" panose="02020603050405020304" pitchFamily="18" charset="0"/>
+                <a:cs typeface="Times New Roman" panose="02020603050405020304" pitchFamily="18" charset="0"/>
+              </a:rPr>
+              <a:t>C</a:t>
+            </a:r>
+            <a:r>
+              <a:rPr lang="en-US" sz="1000" b="1" baseline="-25000" dirty="0" smtClean="0">
+                <a:solidFill>
+                  <a:prstClr val="black"/>
+                </a:solidFill>
+                <a:latin typeface="Times New Roman" panose="02020603050405020304" pitchFamily="18" charset="0"/>
+                <a:cs typeface="Times New Roman" panose="02020603050405020304" pitchFamily="18" charset="0"/>
+              </a:rPr>
+              <a:t>0</a:t>
+            </a:r>
+            <a:endParaRPr lang="en-US" b="1" dirty="0"/>
+          </a:p>
+        </p:txBody>
+      </p:sp>
+    </p:spTree>
+    <p:extLst>
+      <p:ext uri="{BB962C8B-B14F-4D97-AF65-F5344CB8AC3E}">
+        <p14:creationId xmlns:p14="http://schemas.microsoft.com/office/powerpoint/2010/main" val="1357663410"/>
+      </p:ext>
+    </p:extLst>
+  </p:cSld>
+  <p:clrMapOvr>
+    <a:masterClrMapping/>
+  </p:clrMapOvr>
+  <p:timing>
+    <p:tnLst>
+      <p:par>
+        <p:cTn id="1" dur="indefinite" restart="never" nodeType="tmRoot"/>
+      </p:par>
+    </p:tnLst>
+  </p:timing>
+</p:sld>
+</file>
+
+<file path=ppt/slides/slide9.xml><?xml version="1.0" encoding="utf-8"?>
+<p:sld xmlns:a="http://schemas.openxmlformats.org/drawingml/2006/main" xmlns:r="http://schemas.openxmlformats.org/officeDocument/2006/relationships" xmlns:p="http://schemas.openxmlformats.org/presentationml/2006/main">
+  <p:cSld>
+    <p:spTree>
+      <p:nvGrpSpPr>
+        <p:cNvPr id="1" name=""/>
+        <p:cNvGrpSpPr/>
+        <p:nvPr/>
+      </p:nvGrpSpPr>
+      <p:grpSpPr>
+        <a:xfrm>
+          <a:off x="0" y="0"/>
+          <a:ext cx="0" cy="0"/>
+          <a:chOff x="0" y="0"/>
+          <a:chExt cx="0" cy="0"/>
+        </a:xfrm>
+      </p:grpSpPr>
+      <p:sp>
+        <p:nvSpPr>
+          <p:cNvPr id="2" name="Oval 1"/>
+          <p:cNvSpPr/>
+          <p:nvPr/>
+        </p:nvSpPr>
+        <p:spPr>
+          <a:xfrm>
+            <a:off x="1201159" y="4619534"/>
+            <a:ext cx="457200" cy="457200"/>
+          </a:xfrm>
+          <a:prstGeom prst="ellipse">
+            <a:avLst/>
+          </a:prstGeom>
+          <a:noFill/>
+          <a:ln w="19050">
+            <a:solidFill>
+              <a:schemeClr val="tx1"/>
+            </a:solidFill>
+          </a:ln>
+        </p:spPr>
+        <p:style>
+          <a:lnRef idx="2">
+            <a:schemeClr val="accent1">
+              <a:shade val="50000"/>
+            </a:schemeClr>
+          </a:lnRef>
+          <a:fillRef idx="1">
+            <a:schemeClr val="accent1"/>
+          </a:fillRef>
+          <a:effectRef idx="0">
+            <a:schemeClr val="accent1"/>
+          </a:effectRef>
+          <a:fontRef idx="minor">
+            <a:schemeClr val="lt1"/>
+          </a:fontRef>
+        </p:style>
+        <p:txBody>
+          <a:bodyPr rot="0" spcFirstLastPara="0" vert="horz" wrap="square" lIns="91440" tIns="45720" rIns="91440" bIns="45720" numCol="1" spcCol="0" rtlCol="0" fromWordArt="0" anchor="ctr" anchorCtr="0" forceAA="0" compatLnSpc="1">
+            <a:prstTxWarp prst="textNoShape">
+              <a:avLst/>
+            </a:prstTxWarp>
+            <a:noAutofit/>
+          </a:bodyPr>
+          <a:lstStyle/>
+          <a:p>
+            <a:r>
+              <a:rPr lang="en-US" sz="1000" b="1" dirty="0" smtClean="0">
+                <a:solidFill>
+                  <a:prstClr val="black"/>
+                </a:solidFill>
+                <a:latin typeface="Times New Roman" panose="02020603050405020304" pitchFamily="18" charset="0"/>
+                <a:cs typeface="Times New Roman" panose="02020603050405020304" pitchFamily="18" charset="0"/>
+              </a:rPr>
+              <a:t>C</a:t>
+            </a:r>
+            <a:r>
+              <a:rPr lang="en-US" sz="1000" b="1" baseline="-25000" dirty="0" smtClean="0">
+                <a:solidFill>
+                  <a:prstClr val="black"/>
+                </a:solidFill>
+                <a:latin typeface="Times New Roman" panose="02020603050405020304" pitchFamily="18" charset="0"/>
+                <a:cs typeface="Times New Roman" panose="02020603050405020304" pitchFamily="18" charset="0"/>
+              </a:rPr>
+              <a:t>0</a:t>
+            </a:r>
+            <a:endParaRPr lang="en-US" b="1" dirty="0"/>
+          </a:p>
+        </p:txBody>
+      </p:sp>
+      <p:sp>
+        <p:nvSpPr>
+          <p:cNvPr id="3" name="Oval 2"/>
+          <p:cNvSpPr/>
+          <p:nvPr/>
+        </p:nvSpPr>
+        <p:spPr>
+          <a:xfrm>
+            <a:off x="1822722" y="4619534"/>
+            <a:ext cx="457200" cy="457200"/>
+          </a:xfrm>
+          <a:prstGeom prst="ellipse">
+            <a:avLst/>
+          </a:prstGeom>
+          <a:noFill/>
+          <a:ln w="19050">
+            <a:solidFill>
+              <a:schemeClr val="tx1"/>
+            </a:solidFill>
+          </a:ln>
+        </p:spPr>
+        <p:style>
+          <a:lnRef idx="2">
+            <a:schemeClr val="accent1">
+              <a:shade val="50000"/>
+            </a:schemeClr>
+          </a:lnRef>
+          <a:fillRef idx="1">
+            <a:schemeClr val="accent1"/>
+          </a:fillRef>
+          <a:effectRef idx="0">
+            <a:schemeClr val="accent1"/>
+          </a:effectRef>
+          <a:fontRef idx="minor">
+            <a:schemeClr val="lt1"/>
+          </a:fontRef>
+        </p:style>
+        <p:txBody>
+          <a:bodyPr rot="0" spcFirstLastPara="0" vert="horz" wrap="square" lIns="91440" tIns="45720" rIns="91440" bIns="45720" numCol="1" spcCol="0" rtlCol="0" fromWordArt="0" anchor="ctr" anchorCtr="0" forceAA="0" compatLnSpc="1">
+            <a:prstTxWarp prst="textNoShape">
+              <a:avLst/>
+            </a:prstTxWarp>
+            <a:noAutofit/>
+          </a:bodyPr>
+          <a:lstStyle/>
+          <a:p>
+            <a:r>
+              <a:rPr lang="en-US" sz="1000" b="1" dirty="0" smtClean="0">
+                <a:solidFill>
+                  <a:prstClr val="black"/>
+                </a:solidFill>
+                <a:latin typeface="Times New Roman" panose="02020603050405020304" pitchFamily="18" charset="0"/>
+                <a:cs typeface="Times New Roman" panose="02020603050405020304" pitchFamily="18" charset="0"/>
+              </a:rPr>
+              <a:t>B</a:t>
+            </a:r>
+            <a:r>
+              <a:rPr lang="en-US" sz="1000" b="1" baseline="-25000" dirty="0" smtClean="0">
+                <a:solidFill>
+                  <a:prstClr val="black"/>
+                </a:solidFill>
+                <a:latin typeface="Times New Roman" panose="02020603050405020304" pitchFamily="18" charset="0"/>
+                <a:cs typeface="Times New Roman" panose="02020603050405020304" pitchFamily="18" charset="0"/>
+              </a:rPr>
+              <a:t>0</a:t>
+            </a:r>
+            <a:endParaRPr lang="en-US" b="1" dirty="0"/>
+          </a:p>
+        </p:txBody>
+      </p:sp>
+      <p:sp>
+        <p:nvSpPr>
+          <p:cNvPr id="4" name="Oval 3"/>
+          <p:cNvSpPr/>
+          <p:nvPr/>
+        </p:nvSpPr>
+        <p:spPr>
+          <a:xfrm>
+            <a:off x="1528830" y="3808685"/>
+            <a:ext cx="457200" cy="457200"/>
+          </a:xfrm>
+          <a:prstGeom prst="ellipse">
+            <a:avLst/>
+          </a:prstGeom>
+          <a:noFill/>
+          <a:ln w="19050">
+            <a:solidFill>
+              <a:schemeClr val="tx1"/>
+            </a:solidFill>
+          </a:ln>
+        </p:spPr>
+        <p:style>
+          <a:lnRef idx="2">
+            <a:schemeClr val="accent1">
+              <a:shade val="50000"/>
+            </a:schemeClr>
+          </a:lnRef>
+          <a:fillRef idx="1">
+            <a:schemeClr val="accent1"/>
+          </a:fillRef>
+          <a:effectRef idx="0">
+            <a:schemeClr val="accent1"/>
+          </a:effectRef>
+          <a:fontRef idx="minor">
+            <a:schemeClr val="lt1"/>
+          </a:fontRef>
+        </p:style>
+        <p:txBody>
+          <a:bodyPr rot="0" spcFirstLastPara="0" vert="horz" wrap="square" lIns="91440" tIns="45720" rIns="91440" bIns="45720" numCol="1" spcCol="0" rtlCol="0" fromWordArt="0" anchor="ctr" anchorCtr="0" forceAA="0" compatLnSpc="1">
+            <a:prstTxWarp prst="textNoShape">
+              <a:avLst/>
+            </a:prstTxWarp>
+            <a:noAutofit/>
+          </a:bodyPr>
+          <a:lstStyle/>
+          <a:p>
+            <a:r>
+              <a:rPr lang="en-US" sz="1000" b="1" dirty="0" smtClean="0">
+                <a:solidFill>
+                  <a:schemeClr val="tx1"/>
+                </a:solidFill>
+                <a:latin typeface="Times New Roman" panose="02020603050405020304" pitchFamily="18" charset="0"/>
+                <a:cs typeface="Times New Roman" panose="02020603050405020304" pitchFamily="18" charset="0"/>
+              </a:rPr>
+              <a:t>B</a:t>
+            </a:r>
+            <a:r>
+              <a:rPr lang="en-US" sz="1000" b="1" baseline="-25000" dirty="0" smtClean="0">
+                <a:solidFill>
+                  <a:schemeClr val="tx1"/>
+                </a:solidFill>
+                <a:latin typeface="Times New Roman" panose="02020603050405020304" pitchFamily="18" charset="0"/>
+                <a:cs typeface="Times New Roman" panose="02020603050405020304" pitchFamily="18" charset="0"/>
+              </a:rPr>
+              <a:t>1</a:t>
+            </a:r>
+            <a:endParaRPr lang="en-US" sz="1000" b="1" baseline="-25000" dirty="0">
+              <a:solidFill>
+                <a:schemeClr val="tx1"/>
+              </a:solidFill>
+              <a:latin typeface="Times New Roman" panose="02020603050405020304" pitchFamily="18" charset="0"/>
+              <a:cs typeface="Times New Roman" panose="02020603050405020304" pitchFamily="18" charset="0"/>
+            </a:endParaRPr>
+          </a:p>
+        </p:txBody>
+      </p:sp>
+      <p:cxnSp>
+        <p:nvCxnSpPr>
+          <p:cNvPr id="5" name="Straight Connector 4"/>
+          <p:cNvCxnSpPr>
+            <a:endCxn id="4" idx="4"/>
+          </p:cNvCxnSpPr>
+          <p:nvPr/>
+        </p:nvCxnSpPr>
+        <p:spPr>
+          <a:xfrm flipV="1">
+            <a:off x="1427762" y="4265885"/>
+            <a:ext cx="329668" cy="352380"/>
+          </a:xfrm>
+          <a:prstGeom prst="line">
+            <a:avLst/>
+          </a:prstGeom>
+          <a:ln w="19050">
+            <a:solidFill>
+              <a:schemeClr val="tx1"/>
+            </a:solidFill>
+          </a:ln>
+        </p:spPr>
+        <p:style>
+          <a:lnRef idx="1">
+            <a:schemeClr val="accent1"/>
+          </a:lnRef>
+          <a:fillRef idx="0">
+            <a:schemeClr val="accent1"/>
+          </a:fillRef>
+          <a:effectRef idx="0">
+            <a:schemeClr val="accent1"/>
+          </a:effectRef>
+          <a:fontRef idx="minor">
+            <a:schemeClr val="tx1"/>
+          </a:fontRef>
+        </p:style>
+      </p:cxnSp>
+      <p:cxnSp>
+        <p:nvCxnSpPr>
+          <p:cNvPr id="6" name="Straight Connector 5"/>
+          <p:cNvCxnSpPr>
+            <a:stCxn id="3" idx="0"/>
+            <a:endCxn id="4" idx="4"/>
+          </p:cNvCxnSpPr>
+          <p:nvPr/>
+        </p:nvCxnSpPr>
+        <p:spPr>
+          <a:xfrm flipH="1" flipV="1">
+            <a:off x="1757430" y="4265885"/>
+            <a:ext cx="293892" cy="353649"/>
+          </a:xfrm>
+          <a:prstGeom prst="line">
+            <a:avLst/>
+          </a:prstGeom>
+          <a:ln w="19050">
+            <a:solidFill>
+              <a:schemeClr val="tx1"/>
+            </a:solidFill>
+          </a:ln>
+        </p:spPr>
+        <p:style>
+          <a:lnRef idx="1">
+            <a:schemeClr val="accent1"/>
+          </a:lnRef>
+          <a:fillRef idx="0">
+            <a:schemeClr val="accent1"/>
+          </a:fillRef>
+          <a:effectRef idx="0">
+            <a:schemeClr val="accent1"/>
+          </a:effectRef>
+          <a:fontRef idx="minor">
+            <a:schemeClr val="tx1"/>
+          </a:fontRef>
+        </p:style>
+      </p:cxnSp>
+      <p:sp>
+        <p:nvSpPr>
+          <p:cNvPr id="20" name="Oval 19"/>
+          <p:cNvSpPr/>
+          <p:nvPr/>
+        </p:nvSpPr>
+        <p:spPr>
+          <a:xfrm>
+            <a:off x="2365387" y="4619534"/>
+            <a:ext cx="457200" cy="457200"/>
+          </a:xfrm>
+          <a:prstGeom prst="ellipse">
+            <a:avLst/>
+          </a:prstGeom>
+          <a:noFill/>
+          <a:ln w="19050">
+            <a:solidFill>
+              <a:schemeClr val="tx1"/>
+            </a:solidFill>
+          </a:ln>
+        </p:spPr>
+        <p:style>
+          <a:lnRef idx="2">
+            <a:schemeClr val="accent1">
+              <a:shade val="50000"/>
+            </a:schemeClr>
+          </a:lnRef>
+          <a:fillRef idx="1">
+            <a:schemeClr val="accent1"/>
+          </a:fillRef>
+          <a:effectRef idx="0">
+            <a:schemeClr val="accent1"/>
+          </a:effectRef>
+          <a:fontRef idx="minor">
+            <a:schemeClr val="lt1"/>
+          </a:fontRef>
+        </p:style>
+        <p:txBody>
+          <a:bodyPr rot="0" spcFirstLastPara="0" vert="horz" wrap="square" lIns="91440" tIns="45720" rIns="91440" bIns="45720" numCol="1" spcCol="0" rtlCol="0" fromWordArt="0" anchor="ctr" anchorCtr="0" forceAA="0" compatLnSpc="1">
+            <a:prstTxWarp prst="textNoShape">
+              <a:avLst/>
+            </a:prstTxWarp>
+            <a:noAutofit/>
+          </a:bodyPr>
+          <a:lstStyle/>
+          <a:p>
+            <a:r>
+              <a:rPr lang="en-US" sz="1000" b="1" dirty="0" smtClean="0">
+                <a:solidFill>
+                  <a:prstClr val="black"/>
+                </a:solidFill>
+                <a:latin typeface="Times New Roman" panose="02020603050405020304" pitchFamily="18" charset="0"/>
+                <a:cs typeface="Times New Roman" panose="02020603050405020304" pitchFamily="18" charset="0"/>
+              </a:rPr>
+              <a:t>D</a:t>
+            </a:r>
+            <a:r>
+              <a:rPr lang="en-US" sz="1000" b="1" baseline="-25000" dirty="0" smtClean="0">
+                <a:solidFill>
+                  <a:prstClr val="black"/>
+                </a:solidFill>
+                <a:latin typeface="Times New Roman" panose="02020603050405020304" pitchFamily="18" charset="0"/>
+                <a:cs typeface="Times New Roman" panose="02020603050405020304" pitchFamily="18" charset="0"/>
+              </a:rPr>
+              <a:t>0</a:t>
+            </a:r>
+            <a:endParaRPr lang="en-US" b="1" dirty="0"/>
+          </a:p>
+        </p:txBody>
+      </p:sp>
+      <p:sp>
+        <p:nvSpPr>
+          <p:cNvPr id="21" name="Oval 20"/>
+          <p:cNvSpPr/>
+          <p:nvPr/>
+        </p:nvSpPr>
+        <p:spPr>
+          <a:xfrm>
+            <a:off x="2986950" y="4619534"/>
+            <a:ext cx="457200" cy="457200"/>
+          </a:xfrm>
+          <a:prstGeom prst="ellipse">
+            <a:avLst/>
+          </a:prstGeom>
+          <a:noFill/>
+          <a:ln w="19050">
+            <a:solidFill>
+              <a:schemeClr val="tx1"/>
+            </a:solidFill>
+          </a:ln>
+        </p:spPr>
+        <p:style>
+          <a:lnRef idx="2">
+            <a:schemeClr val="accent1">
+              <a:shade val="50000"/>
+            </a:schemeClr>
+          </a:lnRef>
+          <a:fillRef idx="1">
+            <a:schemeClr val="accent1"/>
+          </a:fillRef>
+          <a:effectRef idx="0">
+            <a:schemeClr val="accent1"/>
+          </a:effectRef>
+          <a:fontRef idx="minor">
+            <a:schemeClr val="lt1"/>
+          </a:fontRef>
+        </p:style>
+        <p:txBody>
+          <a:bodyPr rot="0" spcFirstLastPara="0" vert="horz" wrap="square" lIns="91440" tIns="45720" rIns="91440" bIns="45720" numCol="1" spcCol="0" rtlCol="0" fromWordArt="0" anchor="ctr" anchorCtr="0" forceAA="0" compatLnSpc="1">
+            <a:prstTxWarp prst="textNoShape">
+              <a:avLst/>
+            </a:prstTxWarp>
+            <a:noAutofit/>
+          </a:bodyPr>
+          <a:lstStyle/>
+          <a:p>
+            <a:r>
+              <a:rPr lang="en-US" sz="1000" b="1" dirty="0" smtClean="0">
+                <a:solidFill>
+                  <a:prstClr val="black"/>
+                </a:solidFill>
+                <a:latin typeface="Times New Roman" panose="02020603050405020304" pitchFamily="18" charset="0"/>
+                <a:cs typeface="Times New Roman" panose="02020603050405020304" pitchFamily="18" charset="0"/>
+              </a:rPr>
+              <a:t>E</a:t>
+            </a:r>
+            <a:r>
+              <a:rPr lang="en-US" sz="1000" b="1" baseline="-25000" dirty="0" smtClean="0">
+                <a:solidFill>
+                  <a:prstClr val="black"/>
+                </a:solidFill>
+                <a:latin typeface="Times New Roman" panose="02020603050405020304" pitchFamily="18" charset="0"/>
+                <a:cs typeface="Times New Roman" panose="02020603050405020304" pitchFamily="18" charset="0"/>
+              </a:rPr>
+              <a:t>0</a:t>
+            </a:r>
+            <a:endParaRPr lang="en-US" b="1" dirty="0"/>
+          </a:p>
+        </p:txBody>
+      </p:sp>
+      <p:sp>
+        <p:nvSpPr>
+          <p:cNvPr id="22" name="Oval 21"/>
+          <p:cNvSpPr/>
+          <p:nvPr/>
+        </p:nvSpPr>
+        <p:spPr>
+          <a:xfrm>
+            <a:off x="2693058" y="3808685"/>
+            <a:ext cx="457200" cy="457200"/>
+          </a:xfrm>
+          <a:prstGeom prst="ellipse">
+            <a:avLst/>
+          </a:prstGeom>
+          <a:noFill/>
+          <a:ln w="19050">
+            <a:solidFill>
+              <a:schemeClr val="tx1"/>
+            </a:solidFill>
+          </a:ln>
+        </p:spPr>
+        <p:style>
+          <a:lnRef idx="2">
+            <a:schemeClr val="accent1">
+              <a:shade val="50000"/>
+            </a:schemeClr>
+          </a:lnRef>
+          <a:fillRef idx="1">
+            <a:schemeClr val="accent1"/>
+          </a:fillRef>
+          <a:effectRef idx="0">
+            <a:schemeClr val="accent1"/>
+          </a:effectRef>
+          <a:fontRef idx="minor">
+            <a:schemeClr val="lt1"/>
+          </a:fontRef>
+        </p:style>
+        <p:txBody>
+          <a:bodyPr rot="0" spcFirstLastPara="0" vert="horz" wrap="square" lIns="91440" tIns="45720" rIns="91440" bIns="45720" numCol="1" spcCol="0" rtlCol="0" fromWordArt="0" anchor="ctr" anchorCtr="0" forceAA="0" compatLnSpc="1">
+            <a:prstTxWarp prst="textNoShape">
+              <a:avLst/>
+            </a:prstTxWarp>
+            <a:noAutofit/>
+          </a:bodyPr>
+          <a:lstStyle/>
+          <a:p>
+            <a:r>
+              <a:rPr lang="en-US" sz="1000" b="1" dirty="0" smtClean="0">
+                <a:solidFill>
+                  <a:schemeClr val="tx1"/>
+                </a:solidFill>
+                <a:latin typeface="Times New Roman" panose="02020603050405020304" pitchFamily="18" charset="0"/>
+                <a:cs typeface="Times New Roman" panose="02020603050405020304" pitchFamily="18" charset="0"/>
+              </a:rPr>
+              <a:t>D</a:t>
+            </a:r>
+            <a:r>
+              <a:rPr lang="en-US" sz="1000" b="1" baseline="-25000" dirty="0" smtClean="0">
+                <a:solidFill>
+                  <a:schemeClr val="tx1"/>
+                </a:solidFill>
+                <a:latin typeface="Times New Roman" panose="02020603050405020304" pitchFamily="18" charset="0"/>
+                <a:cs typeface="Times New Roman" panose="02020603050405020304" pitchFamily="18" charset="0"/>
+              </a:rPr>
+              <a:t>1</a:t>
+            </a:r>
+            <a:endParaRPr lang="en-US" sz="1000" b="1" baseline="-25000" dirty="0">
+              <a:solidFill>
+                <a:schemeClr val="tx1"/>
+              </a:solidFill>
+              <a:latin typeface="Times New Roman" panose="02020603050405020304" pitchFamily="18" charset="0"/>
+              <a:cs typeface="Times New Roman" panose="02020603050405020304" pitchFamily="18" charset="0"/>
+            </a:endParaRPr>
+          </a:p>
+        </p:txBody>
+      </p:sp>
+      <p:cxnSp>
+        <p:nvCxnSpPr>
+          <p:cNvPr id="23" name="Straight Connector 22"/>
+          <p:cNvCxnSpPr>
+            <a:endCxn id="22" idx="4"/>
+          </p:cNvCxnSpPr>
+          <p:nvPr/>
+        </p:nvCxnSpPr>
+        <p:spPr>
+          <a:xfrm flipV="1">
+            <a:off x="2591990" y="4265885"/>
+            <a:ext cx="329668" cy="352380"/>
+          </a:xfrm>
+          <a:prstGeom prst="line">
+            <a:avLst/>
+          </a:prstGeom>
+          <a:ln w="19050">
+            <a:solidFill>
+              <a:schemeClr val="tx1"/>
+            </a:solidFill>
+          </a:ln>
+        </p:spPr>
+        <p:style>
+          <a:lnRef idx="1">
+            <a:schemeClr val="accent1"/>
+          </a:lnRef>
+          <a:fillRef idx="0">
+            <a:schemeClr val="accent1"/>
+          </a:fillRef>
+          <a:effectRef idx="0">
+            <a:schemeClr val="accent1"/>
+          </a:effectRef>
+          <a:fontRef idx="minor">
+            <a:schemeClr val="tx1"/>
+          </a:fontRef>
+        </p:style>
+      </p:cxnSp>
+      <p:cxnSp>
+        <p:nvCxnSpPr>
+          <p:cNvPr id="24" name="Straight Connector 23"/>
+          <p:cNvCxnSpPr>
+            <a:stCxn id="21" idx="0"/>
+            <a:endCxn id="22" idx="4"/>
+          </p:cNvCxnSpPr>
+          <p:nvPr/>
+        </p:nvCxnSpPr>
+        <p:spPr>
+          <a:xfrm flipH="1" flipV="1">
+            <a:off x="2921658" y="4265885"/>
+            <a:ext cx="293892" cy="353649"/>
+          </a:xfrm>
+          <a:prstGeom prst="line">
+            <a:avLst/>
+          </a:prstGeom>
+          <a:ln w="19050">
+            <a:solidFill>
+              <a:schemeClr val="tx1"/>
+            </a:solidFill>
+          </a:ln>
+        </p:spPr>
+        <p:style>
+          <a:lnRef idx="1">
+            <a:schemeClr val="accent1"/>
+          </a:lnRef>
+          <a:fillRef idx="0">
+            <a:schemeClr val="accent1"/>
+          </a:fillRef>
+          <a:effectRef idx="0">
+            <a:schemeClr val="accent1"/>
+          </a:effectRef>
+          <a:fontRef idx="minor">
+            <a:schemeClr val="tx1"/>
+          </a:fontRef>
+        </p:style>
+      </p:cxnSp>
+      <p:sp>
+        <p:nvSpPr>
+          <p:cNvPr id="25" name="Right Arrow 24"/>
+          <p:cNvSpPr/>
+          <p:nvPr/>
+        </p:nvSpPr>
+        <p:spPr>
+          <a:xfrm>
+            <a:off x="3444150" y="3825830"/>
+            <a:ext cx="458470" cy="211455"/>
+          </a:xfrm>
+          <a:prstGeom prst="rightArrow">
+            <a:avLst/>
+          </a:prstGeom>
+        </p:spPr>
+        <p:style>
+          <a:lnRef idx="2">
+            <a:schemeClr val="dk1">
+              <a:shade val="50000"/>
+            </a:schemeClr>
+          </a:lnRef>
+          <a:fillRef idx="1">
+            <a:schemeClr val="dk1"/>
+          </a:fillRef>
+          <a:effectRef idx="0">
+            <a:schemeClr val="dk1"/>
+          </a:effectRef>
+          <a:fontRef idx="minor">
+            <a:schemeClr val="lt1"/>
+          </a:fontRef>
+        </p:style>
+        <p:txBody>
+          <a:bodyPr rot="0" spcFirstLastPara="0" vert="horz" wrap="square" lIns="91440" tIns="45720" rIns="91440" bIns="45720" numCol="1" spcCol="0" rtlCol="0" fromWordArt="0" anchor="ctr" anchorCtr="0" forceAA="0" compatLnSpc="1">
+            <a:prstTxWarp prst="textNoShape">
+              <a:avLst/>
+            </a:prstTxWarp>
+            <a:noAutofit/>
+          </a:bodyPr>
+          <a:lstStyle/>
+          <a:p>
+            <a:endParaRPr lang="en-US"/>
+          </a:p>
+        </p:txBody>
+      </p:sp>
+      <p:sp>
+        <p:nvSpPr>
+          <p:cNvPr id="26" name="Oval 25"/>
+          <p:cNvSpPr/>
+          <p:nvPr/>
+        </p:nvSpPr>
+        <p:spPr>
+          <a:xfrm>
+            <a:off x="3978594" y="4636679"/>
+            <a:ext cx="457200" cy="457200"/>
+          </a:xfrm>
+          <a:prstGeom prst="ellipse">
+            <a:avLst/>
+          </a:prstGeom>
+          <a:noFill/>
+          <a:ln w="19050">
+            <a:solidFill>
+              <a:schemeClr val="tx1"/>
+            </a:solidFill>
+          </a:ln>
+        </p:spPr>
+        <p:style>
+          <a:lnRef idx="2">
+            <a:schemeClr val="accent1">
+              <a:shade val="50000"/>
+            </a:schemeClr>
+          </a:lnRef>
+          <a:fillRef idx="1">
+            <a:schemeClr val="accent1"/>
+          </a:fillRef>
+          <a:effectRef idx="0">
+            <a:schemeClr val="accent1"/>
+          </a:effectRef>
+          <a:fontRef idx="minor">
+            <a:schemeClr val="lt1"/>
+          </a:fontRef>
+        </p:style>
+        <p:txBody>
+          <a:bodyPr rot="0" spcFirstLastPara="0" vert="horz" wrap="square" lIns="91440" tIns="45720" rIns="91440" bIns="45720" numCol="1" spcCol="0" rtlCol="0" fromWordArt="0" anchor="ctr" anchorCtr="0" forceAA="0" compatLnSpc="1">
+            <a:prstTxWarp prst="textNoShape">
+              <a:avLst/>
+            </a:prstTxWarp>
+            <a:noAutofit/>
+          </a:bodyPr>
+          <a:lstStyle/>
+          <a:p>
+            <a:r>
+              <a:rPr lang="en-US" sz="1000" b="1" dirty="0" smtClean="0">
+                <a:solidFill>
+                  <a:prstClr val="black"/>
+                </a:solidFill>
+                <a:latin typeface="Times New Roman" panose="02020603050405020304" pitchFamily="18" charset="0"/>
+                <a:cs typeface="Times New Roman" panose="02020603050405020304" pitchFamily="18" charset="0"/>
+              </a:rPr>
+              <a:t>C</a:t>
+            </a:r>
+            <a:r>
+              <a:rPr lang="en-US" sz="1000" b="1" baseline="-25000" dirty="0" smtClean="0">
+                <a:solidFill>
+                  <a:prstClr val="black"/>
+                </a:solidFill>
+                <a:latin typeface="Times New Roman" panose="02020603050405020304" pitchFamily="18" charset="0"/>
+                <a:cs typeface="Times New Roman" panose="02020603050405020304" pitchFamily="18" charset="0"/>
+              </a:rPr>
+              <a:t>0</a:t>
+            </a:r>
+            <a:endParaRPr lang="en-US" b="1" dirty="0"/>
+          </a:p>
+        </p:txBody>
+      </p:sp>
+      <p:sp>
+        <p:nvSpPr>
+          <p:cNvPr id="27" name="Oval 26"/>
+          <p:cNvSpPr/>
+          <p:nvPr/>
+        </p:nvSpPr>
+        <p:spPr>
+          <a:xfrm>
+            <a:off x="4600157" y="4636679"/>
+            <a:ext cx="457200" cy="457200"/>
+          </a:xfrm>
+          <a:prstGeom prst="ellipse">
+            <a:avLst/>
+          </a:prstGeom>
+          <a:noFill/>
+          <a:ln w="19050">
+            <a:solidFill>
+              <a:schemeClr val="tx1"/>
+            </a:solidFill>
+          </a:ln>
+        </p:spPr>
+        <p:style>
+          <a:lnRef idx="2">
+            <a:schemeClr val="accent1">
+              <a:shade val="50000"/>
+            </a:schemeClr>
+          </a:lnRef>
+          <a:fillRef idx="1">
+            <a:schemeClr val="accent1"/>
+          </a:fillRef>
+          <a:effectRef idx="0">
+            <a:schemeClr val="accent1"/>
+          </a:effectRef>
+          <a:fontRef idx="minor">
+            <a:schemeClr val="lt1"/>
+          </a:fontRef>
+        </p:style>
+        <p:txBody>
+          <a:bodyPr rot="0" spcFirstLastPara="0" vert="horz" wrap="square" lIns="91440" tIns="45720" rIns="91440" bIns="45720" numCol="1" spcCol="0" rtlCol="0" fromWordArt="0" anchor="ctr" anchorCtr="0" forceAA="0" compatLnSpc="1">
+            <a:prstTxWarp prst="textNoShape">
+              <a:avLst/>
+            </a:prstTxWarp>
+            <a:noAutofit/>
+          </a:bodyPr>
+          <a:lstStyle/>
+          <a:p>
+            <a:r>
+              <a:rPr lang="en-US" sz="1000" b="1" dirty="0" smtClean="0">
+                <a:solidFill>
+                  <a:prstClr val="black"/>
+                </a:solidFill>
+                <a:latin typeface="Times New Roman" panose="02020603050405020304" pitchFamily="18" charset="0"/>
+                <a:cs typeface="Times New Roman" panose="02020603050405020304" pitchFamily="18" charset="0"/>
+              </a:rPr>
+              <a:t>B</a:t>
+            </a:r>
+            <a:r>
+              <a:rPr lang="en-US" sz="1000" b="1" baseline="-25000" dirty="0" smtClean="0">
+                <a:solidFill>
+                  <a:prstClr val="black"/>
+                </a:solidFill>
+                <a:latin typeface="Times New Roman" panose="02020603050405020304" pitchFamily="18" charset="0"/>
+                <a:cs typeface="Times New Roman" panose="02020603050405020304" pitchFamily="18" charset="0"/>
+              </a:rPr>
+              <a:t>0</a:t>
+            </a:r>
+            <a:endParaRPr lang="en-US" b="1" dirty="0"/>
+          </a:p>
+        </p:txBody>
+      </p:sp>
+      <p:sp>
+        <p:nvSpPr>
+          <p:cNvPr id="28" name="Oval 27"/>
+          <p:cNvSpPr/>
+          <p:nvPr/>
+        </p:nvSpPr>
+        <p:spPr>
+          <a:xfrm>
+            <a:off x="4306265" y="3825830"/>
+            <a:ext cx="457200" cy="457200"/>
+          </a:xfrm>
+          <a:prstGeom prst="ellipse">
+            <a:avLst/>
+          </a:prstGeom>
+          <a:noFill/>
+          <a:ln w="19050">
+            <a:solidFill>
+              <a:schemeClr val="tx1"/>
+            </a:solidFill>
+          </a:ln>
+        </p:spPr>
+        <p:style>
+          <a:lnRef idx="2">
+            <a:schemeClr val="accent1">
+              <a:shade val="50000"/>
+            </a:schemeClr>
+          </a:lnRef>
+          <a:fillRef idx="1">
+            <a:schemeClr val="accent1"/>
+          </a:fillRef>
+          <a:effectRef idx="0">
+            <a:schemeClr val="accent1"/>
+          </a:effectRef>
+          <a:fontRef idx="minor">
+            <a:schemeClr val="lt1"/>
+          </a:fontRef>
+        </p:style>
+        <p:txBody>
+          <a:bodyPr rot="0" spcFirstLastPara="0" vert="horz" wrap="square" lIns="91440" tIns="45720" rIns="91440" bIns="45720" numCol="1" spcCol="0" rtlCol="0" fromWordArt="0" anchor="ctr" anchorCtr="0" forceAA="0" compatLnSpc="1">
+            <a:prstTxWarp prst="textNoShape">
+              <a:avLst/>
+            </a:prstTxWarp>
+            <a:noAutofit/>
+          </a:bodyPr>
+          <a:lstStyle/>
+          <a:p>
+            <a:r>
+              <a:rPr lang="en-US" sz="1000" b="1" dirty="0" smtClean="0">
+                <a:solidFill>
+                  <a:schemeClr val="tx1"/>
+                </a:solidFill>
+                <a:latin typeface="Times New Roman" panose="02020603050405020304" pitchFamily="18" charset="0"/>
+                <a:cs typeface="Times New Roman" panose="02020603050405020304" pitchFamily="18" charset="0"/>
+              </a:rPr>
+              <a:t>B</a:t>
+            </a:r>
+            <a:r>
+              <a:rPr lang="en-US" sz="1000" b="1" baseline="-25000" dirty="0" smtClean="0">
+                <a:solidFill>
+                  <a:schemeClr val="tx1"/>
+                </a:solidFill>
+                <a:latin typeface="Times New Roman" panose="02020603050405020304" pitchFamily="18" charset="0"/>
+                <a:cs typeface="Times New Roman" panose="02020603050405020304" pitchFamily="18" charset="0"/>
+              </a:rPr>
+              <a:t>1</a:t>
+            </a:r>
+            <a:endParaRPr lang="en-US" sz="1000" b="1" baseline="-25000" dirty="0">
+              <a:solidFill>
+                <a:schemeClr val="tx1"/>
+              </a:solidFill>
+              <a:latin typeface="Times New Roman" panose="02020603050405020304" pitchFamily="18" charset="0"/>
+              <a:cs typeface="Times New Roman" panose="02020603050405020304" pitchFamily="18" charset="0"/>
+            </a:endParaRPr>
+          </a:p>
+        </p:txBody>
+      </p:sp>
+      <p:cxnSp>
+        <p:nvCxnSpPr>
+          <p:cNvPr id="29" name="Straight Connector 28"/>
+          <p:cNvCxnSpPr>
+            <a:endCxn id="28" idx="4"/>
+          </p:cNvCxnSpPr>
+          <p:nvPr/>
+        </p:nvCxnSpPr>
+        <p:spPr>
+          <a:xfrm flipV="1">
+            <a:off x="4205197" y="4283030"/>
+            <a:ext cx="329668" cy="352380"/>
+          </a:xfrm>
+          <a:prstGeom prst="line">
+            <a:avLst/>
+          </a:prstGeom>
+          <a:ln w="19050">
+            <a:solidFill>
+              <a:schemeClr val="tx1"/>
+            </a:solidFill>
+          </a:ln>
+        </p:spPr>
+        <p:style>
+          <a:lnRef idx="1">
+            <a:schemeClr val="accent1"/>
+          </a:lnRef>
+          <a:fillRef idx="0">
+            <a:schemeClr val="accent1"/>
+          </a:fillRef>
+          <a:effectRef idx="0">
+            <a:schemeClr val="accent1"/>
+          </a:effectRef>
+          <a:fontRef idx="minor">
+            <a:schemeClr val="tx1"/>
+          </a:fontRef>
+        </p:style>
+      </p:cxnSp>
+      <p:cxnSp>
+        <p:nvCxnSpPr>
+          <p:cNvPr id="30" name="Straight Connector 29"/>
+          <p:cNvCxnSpPr>
+            <a:stCxn id="27" idx="0"/>
+            <a:endCxn id="28" idx="4"/>
+          </p:cNvCxnSpPr>
+          <p:nvPr/>
+        </p:nvCxnSpPr>
+        <p:spPr>
+          <a:xfrm flipH="1" flipV="1">
+            <a:off x="4534865" y="4283030"/>
+            <a:ext cx="293892" cy="353649"/>
+          </a:xfrm>
+          <a:prstGeom prst="line">
+            <a:avLst/>
+          </a:prstGeom>
+          <a:ln w="19050">
+            <a:solidFill>
+              <a:schemeClr val="tx1"/>
+            </a:solidFill>
+          </a:ln>
+        </p:spPr>
+        <p:style>
+          <a:lnRef idx="1">
+            <a:schemeClr val="accent1"/>
+          </a:lnRef>
+          <a:fillRef idx="0">
+            <a:schemeClr val="accent1"/>
+          </a:fillRef>
+          <a:effectRef idx="0">
+            <a:schemeClr val="accent1"/>
+          </a:effectRef>
+          <a:fontRef idx="minor">
+            <a:schemeClr val="tx1"/>
+          </a:fontRef>
+        </p:style>
+      </p:cxnSp>
+      <p:sp>
+        <p:nvSpPr>
+          <p:cNvPr id="31" name="Oval 30"/>
+          <p:cNvSpPr/>
+          <p:nvPr/>
+        </p:nvSpPr>
+        <p:spPr>
+          <a:xfrm>
+            <a:off x="5142822" y="4636679"/>
+            <a:ext cx="457200" cy="457200"/>
+          </a:xfrm>
+          <a:prstGeom prst="ellipse">
+            <a:avLst/>
+          </a:prstGeom>
+          <a:noFill/>
+          <a:ln w="19050">
+            <a:solidFill>
+              <a:schemeClr val="tx1"/>
+            </a:solidFill>
+          </a:ln>
+        </p:spPr>
+        <p:style>
+          <a:lnRef idx="2">
+            <a:schemeClr val="accent1">
+              <a:shade val="50000"/>
+            </a:schemeClr>
+          </a:lnRef>
+          <a:fillRef idx="1">
+            <a:schemeClr val="accent1"/>
+          </a:fillRef>
+          <a:effectRef idx="0">
+            <a:schemeClr val="accent1"/>
+          </a:effectRef>
+          <a:fontRef idx="minor">
+            <a:schemeClr val="lt1"/>
+          </a:fontRef>
+        </p:style>
+        <p:txBody>
+          <a:bodyPr rot="0" spcFirstLastPara="0" vert="horz" wrap="square" lIns="91440" tIns="45720" rIns="91440" bIns="45720" numCol="1" spcCol="0" rtlCol="0" fromWordArt="0" anchor="ctr" anchorCtr="0" forceAA="0" compatLnSpc="1">
+            <a:prstTxWarp prst="textNoShape">
+              <a:avLst/>
+            </a:prstTxWarp>
+            <a:noAutofit/>
+          </a:bodyPr>
+          <a:lstStyle/>
+          <a:p>
+            <a:r>
+              <a:rPr lang="en-US" sz="1000" b="1" dirty="0" smtClean="0">
+                <a:solidFill>
+                  <a:prstClr val="black"/>
+                </a:solidFill>
+                <a:latin typeface="Times New Roman" panose="02020603050405020304" pitchFamily="18" charset="0"/>
+                <a:cs typeface="Times New Roman" panose="02020603050405020304" pitchFamily="18" charset="0"/>
+              </a:rPr>
+              <a:t>D</a:t>
+            </a:r>
+            <a:r>
+              <a:rPr lang="en-US" sz="1000" b="1" baseline="-25000" dirty="0" smtClean="0">
+                <a:solidFill>
+                  <a:prstClr val="black"/>
+                </a:solidFill>
+                <a:latin typeface="Times New Roman" panose="02020603050405020304" pitchFamily="18" charset="0"/>
+                <a:cs typeface="Times New Roman" panose="02020603050405020304" pitchFamily="18" charset="0"/>
+              </a:rPr>
+              <a:t>0</a:t>
+            </a:r>
+            <a:endParaRPr lang="en-US" b="1" dirty="0"/>
+          </a:p>
+        </p:txBody>
+      </p:sp>
+      <p:sp>
+        <p:nvSpPr>
+          <p:cNvPr id="32" name="Oval 31"/>
+          <p:cNvSpPr/>
+          <p:nvPr/>
+        </p:nvSpPr>
+        <p:spPr>
+          <a:xfrm>
+            <a:off x="5764385" y="4636679"/>
+            <a:ext cx="457200" cy="457200"/>
+          </a:xfrm>
+          <a:prstGeom prst="ellipse">
+            <a:avLst/>
+          </a:prstGeom>
+          <a:noFill/>
+          <a:ln w="19050">
+            <a:solidFill>
+              <a:schemeClr val="tx1"/>
+            </a:solidFill>
+          </a:ln>
+        </p:spPr>
+        <p:style>
+          <a:lnRef idx="2">
+            <a:schemeClr val="accent1">
+              <a:shade val="50000"/>
+            </a:schemeClr>
+          </a:lnRef>
+          <a:fillRef idx="1">
+            <a:schemeClr val="accent1"/>
+          </a:fillRef>
+          <a:effectRef idx="0">
+            <a:schemeClr val="accent1"/>
+          </a:effectRef>
+          <a:fontRef idx="minor">
+            <a:schemeClr val="lt1"/>
+          </a:fontRef>
+        </p:style>
+        <p:txBody>
+          <a:bodyPr rot="0" spcFirstLastPara="0" vert="horz" wrap="square" lIns="91440" tIns="45720" rIns="91440" bIns="45720" numCol="1" spcCol="0" rtlCol="0" fromWordArt="0" anchor="ctr" anchorCtr="0" forceAA="0" compatLnSpc="1">
+            <a:prstTxWarp prst="textNoShape">
+              <a:avLst/>
+            </a:prstTxWarp>
+            <a:noAutofit/>
+          </a:bodyPr>
+          <a:lstStyle/>
+          <a:p>
+            <a:r>
+              <a:rPr lang="en-US" sz="1000" b="1" dirty="0" smtClean="0">
+                <a:solidFill>
+                  <a:prstClr val="black"/>
+                </a:solidFill>
+                <a:latin typeface="Times New Roman" panose="02020603050405020304" pitchFamily="18" charset="0"/>
+                <a:cs typeface="Times New Roman" panose="02020603050405020304" pitchFamily="18" charset="0"/>
+              </a:rPr>
+              <a:t>E</a:t>
+            </a:r>
+            <a:r>
+              <a:rPr lang="en-US" sz="1000" b="1" baseline="-25000" dirty="0" smtClean="0">
+                <a:solidFill>
+                  <a:prstClr val="black"/>
+                </a:solidFill>
+                <a:latin typeface="Times New Roman" panose="02020603050405020304" pitchFamily="18" charset="0"/>
+                <a:cs typeface="Times New Roman" panose="02020603050405020304" pitchFamily="18" charset="0"/>
+              </a:rPr>
+              <a:t>0</a:t>
+            </a:r>
+            <a:endParaRPr lang="en-US" b="1" dirty="0"/>
+          </a:p>
+        </p:txBody>
+      </p:sp>
+      <p:sp>
+        <p:nvSpPr>
+          <p:cNvPr id="33" name="Oval 32"/>
+          <p:cNvSpPr/>
+          <p:nvPr/>
+        </p:nvSpPr>
+        <p:spPr>
+          <a:xfrm>
+            <a:off x="5470493" y="3825830"/>
+            <a:ext cx="457200" cy="457200"/>
+          </a:xfrm>
+          <a:prstGeom prst="ellipse">
+            <a:avLst/>
+          </a:prstGeom>
+          <a:noFill/>
+          <a:ln w="19050">
+            <a:solidFill>
+              <a:schemeClr val="tx1"/>
+            </a:solidFill>
+          </a:ln>
+        </p:spPr>
+        <p:style>
+          <a:lnRef idx="2">
+            <a:schemeClr val="accent1">
+              <a:shade val="50000"/>
+            </a:schemeClr>
+          </a:lnRef>
+          <a:fillRef idx="1">
+            <a:schemeClr val="accent1"/>
+          </a:fillRef>
+          <a:effectRef idx="0">
+            <a:schemeClr val="accent1"/>
+          </a:effectRef>
+          <a:fontRef idx="minor">
+            <a:schemeClr val="lt1"/>
+          </a:fontRef>
+        </p:style>
+        <p:txBody>
+          <a:bodyPr rot="0" spcFirstLastPara="0" vert="horz" wrap="square" lIns="91440" tIns="45720" rIns="91440" bIns="45720" numCol="1" spcCol="0" rtlCol="0" fromWordArt="0" anchor="ctr" anchorCtr="0" forceAA="0" compatLnSpc="1">
+            <a:prstTxWarp prst="textNoShape">
+              <a:avLst/>
+            </a:prstTxWarp>
+            <a:noAutofit/>
+          </a:bodyPr>
+          <a:lstStyle/>
+          <a:p>
+            <a:r>
+              <a:rPr lang="en-US" sz="1000" b="1" dirty="0" smtClean="0">
+                <a:solidFill>
+                  <a:schemeClr val="tx1"/>
+                </a:solidFill>
+                <a:latin typeface="Times New Roman" panose="02020603050405020304" pitchFamily="18" charset="0"/>
+                <a:cs typeface="Times New Roman" panose="02020603050405020304" pitchFamily="18" charset="0"/>
+              </a:rPr>
+              <a:t>D</a:t>
+            </a:r>
+            <a:r>
+              <a:rPr lang="en-US" sz="1000" b="1" baseline="-25000" dirty="0" smtClean="0">
+                <a:solidFill>
+                  <a:schemeClr val="tx1"/>
+                </a:solidFill>
+                <a:latin typeface="Times New Roman" panose="02020603050405020304" pitchFamily="18" charset="0"/>
+                <a:cs typeface="Times New Roman" panose="02020603050405020304" pitchFamily="18" charset="0"/>
+              </a:rPr>
+              <a:t>1</a:t>
+            </a:r>
+            <a:endParaRPr lang="en-US" sz="1000" b="1" baseline="-25000" dirty="0">
+              <a:solidFill>
+                <a:schemeClr val="tx1"/>
+              </a:solidFill>
+              <a:latin typeface="Times New Roman" panose="02020603050405020304" pitchFamily="18" charset="0"/>
+              <a:cs typeface="Times New Roman" panose="02020603050405020304" pitchFamily="18" charset="0"/>
+            </a:endParaRPr>
+          </a:p>
+        </p:txBody>
+      </p:sp>
+      <p:cxnSp>
+        <p:nvCxnSpPr>
+          <p:cNvPr id="34" name="Straight Connector 33"/>
+          <p:cNvCxnSpPr>
+            <a:endCxn id="33" idx="4"/>
+          </p:cNvCxnSpPr>
+          <p:nvPr/>
+        </p:nvCxnSpPr>
+        <p:spPr>
+          <a:xfrm flipV="1">
+            <a:off x="5369425" y="4283030"/>
+            <a:ext cx="329668" cy="352380"/>
+          </a:xfrm>
+          <a:prstGeom prst="line">
+            <a:avLst/>
+          </a:prstGeom>
+          <a:ln w="19050">
+            <a:solidFill>
+              <a:schemeClr val="tx1"/>
+            </a:solidFill>
+          </a:ln>
+        </p:spPr>
+        <p:style>
+          <a:lnRef idx="1">
+            <a:schemeClr val="accent1"/>
+          </a:lnRef>
+          <a:fillRef idx="0">
+            <a:schemeClr val="accent1"/>
+          </a:fillRef>
+          <a:effectRef idx="0">
+            <a:schemeClr val="accent1"/>
+          </a:effectRef>
+          <a:fontRef idx="minor">
+            <a:schemeClr val="tx1"/>
+          </a:fontRef>
+        </p:style>
+      </p:cxnSp>
+      <p:cxnSp>
+        <p:nvCxnSpPr>
+          <p:cNvPr id="35" name="Straight Connector 34"/>
+          <p:cNvCxnSpPr>
+            <a:stCxn id="32" idx="0"/>
+            <a:endCxn id="33" idx="4"/>
+          </p:cNvCxnSpPr>
+          <p:nvPr/>
+        </p:nvCxnSpPr>
+        <p:spPr>
+          <a:xfrm flipH="1" flipV="1">
+            <a:off x="5699093" y="4283030"/>
+            <a:ext cx="293892" cy="353649"/>
+          </a:xfrm>
+          <a:prstGeom prst="line">
+            <a:avLst/>
+          </a:prstGeom>
+          <a:ln w="19050">
+            <a:solidFill>
+              <a:schemeClr val="tx1"/>
+            </a:solidFill>
+          </a:ln>
+        </p:spPr>
+        <p:style>
+          <a:lnRef idx="1">
+            <a:schemeClr val="accent1"/>
+          </a:lnRef>
+          <a:fillRef idx="0">
+            <a:schemeClr val="accent1"/>
+          </a:fillRef>
+          <a:effectRef idx="0">
+            <a:schemeClr val="accent1"/>
+          </a:effectRef>
+          <a:fontRef idx="minor">
+            <a:schemeClr val="tx1"/>
+          </a:fontRef>
+        </p:style>
+      </p:cxnSp>
+      <p:sp>
+        <p:nvSpPr>
+          <p:cNvPr id="36" name="Oval 35"/>
+          <p:cNvSpPr/>
+          <p:nvPr/>
+        </p:nvSpPr>
+        <p:spPr>
+          <a:xfrm>
+            <a:off x="4911807" y="2997155"/>
+            <a:ext cx="457200" cy="457200"/>
+          </a:xfrm>
+          <a:prstGeom prst="ellipse">
+            <a:avLst/>
+          </a:prstGeom>
+          <a:noFill/>
+          <a:ln w="19050">
+            <a:solidFill>
+              <a:schemeClr val="tx1"/>
+            </a:solidFill>
+          </a:ln>
+        </p:spPr>
+        <p:style>
+          <a:lnRef idx="2">
+            <a:schemeClr val="accent1">
+              <a:shade val="50000"/>
+            </a:schemeClr>
+          </a:lnRef>
+          <a:fillRef idx="1">
+            <a:schemeClr val="accent1"/>
+          </a:fillRef>
+          <a:effectRef idx="0">
+            <a:schemeClr val="accent1"/>
+          </a:effectRef>
+          <a:fontRef idx="minor">
+            <a:schemeClr val="lt1"/>
+          </a:fontRef>
+        </p:style>
+        <p:txBody>
+          <a:bodyPr rot="0" spcFirstLastPara="0" vert="horz" wrap="square" lIns="91440" tIns="45720" rIns="91440" bIns="45720" numCol="1" spcCol="0" rtlCol="0" fromWordArt="0" anchor="ctr" anchorCtr="0" forceAA="0" compatLnSpc="1">
+            <a:prstTxWarp prst="textNoShape">
+              <a:avLst/>
+            </a:prstTxWarp>
+            <a:noAutofit/>
+          </a:bodyPr>
+          <a:lstStyle/>
+          <a:p>
+            <a:r>
+              <a:rPr lang="en-US" sz="1000" b="1" dirty="0" smtClean="0">
+                <a:solidFill>
+                  <a:schemeClr val="tx1"/>
+                </a:solidFill>
+                <a:latin typeface="Times New Roman" panose="02020603050405020304" pitchFamily="18" charset="0"/>
+                <a:cs typeface="Times New Roman" panose="02020603050405020304" pitchFamily="18" charset="0"/>
+              </a:rPr>
+              <a:t>B</a:t>
+            </a:r>
+            <a:r>
+              <a:rPr lang="en-US" sz="1000" b="1" baseline="-25000" dirty="0" smtClean="0">
+                <a:solidFill>
+                  <a:schemeClr val="tx1"/>
+                </a:solidFill>
+                <a:latin typeface="Times New Roman" panose="02020603050405020304" pitchFamily="18" charset="0"/>
+                <a:cs typeface="Times New Roman" panose="02020603050405020304" pitchFamily="18" charset="0"/>
+              </a:rPr>
+              <a:t>1</a:t>
+            </a:r>
+            <a:endParaRPr lang="en-US" sz="1000" b="1" baseline="-25000" dirty="0">
+              <a:solidFill>
+                <a:schemeClr val="tx1"/>
+              </a:solidFill>
+              <a:latin typeface="Times New Roman" panose="02020603050405020304" pitchFamily="18" charset="0"/>
+              <a:cs typeface="Times New Roman" panose="02020603050405020304" pitchFamily="18" charset="0"/>
+            </a:endParaRPr>
+          </a:p>
+        </p:txBody>
+      </p:sp>
+      <p:cxnSp>
+        <p:nvCxnSpPr>
+          <p:cNvPr id="37" name="Straight Connector 36"/>
+          <p:cNvCxnSpPr>
+            <a:stCxn id="28" idx="0"/>
+            <a:endCxn id="36" idx="4"/>
+          </p:cNvCxnSpPr>
+          <p:nvPr/>
+        </p:nvCxnSpPr>
+        <p:spPr>
+          <a:xfrm flipV="1">
+            <a:off x="4534865" y="3454355"/>
+            <a:ext cx="605542" cy="371475"/>
+          </a:xfrm>
+          <a:prstGeom prst="line">
+            <a:avLst/>
+          </a:prstGeom>
+          <a:ln w="19050">
+            <a:solidFill>
+              <a:schemeClr val="tx1"/>
+            </a:solidFill>
+          </a:ln>
+        </p:spPr>
+        <p:style>
+          <a:lnRef idx="1">
+            <a:schemeClr val="accent1"/>
+          </a:lnRef>
+          <a:fillRef idx="0">
+            <a:schemeClr val="accent1"/>
+          </a:fillRef>
+          <a:effectRef idx="0">
+            <a:schemeClr val="accent1"/>
+          </a:effectRef>
+          <a:fontRef idx="minor">
+            <a:schemeClr val="tx1"/>
+          </a:fontRef>
+        </p:style>
+      </p:cxnSp>
+      <p:cxnSp>
+        <p:nvCxnSpPr>
+          <p:cNvPr id="40" name="Straight Connector 39"/>
+          <p:cNvCxnSpPr>
+            <a:stCxn id="33" idx="0"/>
+          </p:cNvCxnSpPr>
+          <p:nvPr/>
+        </p:nvCxnSpPr>
+        <p:spPr>
+          <a:xfrm flipH="1" flipV="1">
+            <a:off x="5140407" y="3455037"/>
+            <a:ext cx="558686" cy="370793"/>
+          </a:xfrm>
+          <a:prstGeom prst="line">
+            <a:avLst/>
+          </a:prstGeom>
+          <a:ln w="19050">
+            <a:solidFill>
+              <a:schemeClr val="tx1"/>
+            </a:solidFill>
+          </a:ln>
+        </p:spPr>
+        <p:style>
+          <a:lnRef idx="1">
+            <a:schemeClr val="accent1"/>
+          </a:lnRef>
+          <a:fillRef idx="0">
+            <a:schemeClr val="accent1"/>
+          </a:fillRef>
+          <a:effectRef idx="0">
+            <a:schemeClr val="accent1"/>
+          </a:effectRef>
+          <a:fontRef idx="minor">
+            <a:schemeClr val="tx1"/>
+          </a:fontRef>
+        </p:style>
+      </p:cxnSp>
+    </p:spTree>
+    <p:extLst>
+      <p:ext uri="{BB962C8B-B14F-4D97-AF65-F5344CB8AC3E}">
+        <p14:creationId xmlns:p14="http://schemas.microsoft.com/office/powerpoint/2010/main" val="323737039"/>
+      </p:ext>
+    </p:extLst>
+  </p:cSld>
+  <p:clrMapOvr>
+    <a:masterClrMapping/>
+  </p:clrMapOvr>
+  <p:timing>
+    <p:tnLst>
+      <p:par>
+        <p:cTn id="1" dur="indefinite" restart="never" nodeType="tmRoot"/>
+      </p:par>
+    </p:tnLst>
+  </p:timing>
+</p:sld>
+</file>
+
 <file path=ppt/theme/theme1.xml><?xml version="1.0" encoding="utf-8"?>
 <a:theme xmlns:a="http://schemas.openxmlformats.org/drawingml/2006/main" name="Office Theme">
   <a:themeElements>
@@ -7727,4 +10669,265 @@
     </a:ext>
   </a:extLst>
 </a:theme>
+</file>
+
+<file path=ppt/theme/theme2.xml><?xml version="1.0" encoding="utf-8"?>
+<a:theme xmlns:a="http://schemas.openxmlformats.org/drawingml/2006/main" name="Office Theme">
+  <a:themeElements>
+    <a:clrScheme name="Office">
+      <a:dk1>
+        <a:sysClr val="windowText" lastClr="000000"/>
+      </a:dk1>
+      <a:lt1>
+        <a:sysClr val="window" lastClr="FFFFFF"/>
+      </a:lt1>
+      <a:dk2>
+        <a:srgbClr val="44546A"/>
+      </a:dk2>
+      <a:lt2>
+        <a:srgbClr val="E7E6E6"/>
+      </a:lt2>
+      <a:accent1>
+        <a:srgbClr val="5B9BD5"/>
+      </a:accent1>
+      <a:accent2>
+        <a:srgbClr val="ED7D31"/>
+      </a:accent2>
+      <a:accent3>
+        <a:srgbClr val="A5A5A5"/>
+      </a:accent3>
+      <a:accent4>
+        <a:srgbClr val="FFC000"/>
+      </a:accent4>
+      <a:accent5>
+        <a:srgbClr val="4472C4"/>
+      </a:accent5>
+      <a:accent6>
+        <a:srgbClr val="70AD47"/>
+      </a:accent6>
+      <a:hlink>
+        <a:srgbClr val="0563C1"/>
+      </a:hlink>
+      <a:folHlink>
+        <a:srgbClr val="954F72"/>
+      </a:folHlink>
+    </a:clrScheme>
+    <a:fontScheme name="Office">
+      <a:majorFont>
+        <a:latin typeface="Calibri Light" panose="020F0302020204030204"/>
+        <a:ea typeface=""/>
+        <a:cs typeface=""/>
+        <a:font script="Jpan" typeface="ＭＳ Ｐゴシック"/>
+        <a:font script="Hang" typeface="맑은 고딕"/>
+        <a:font script="Hans" typeface="宋体"/>
+        <a:font script="Hant" typeface="新細明體"/>
+        <a:font script="Arab" typeface="Times New Roman"/>
+        <a:font script="Hebr" typeface="Times New Roman"/>
+        <a:font script="Thai" typeface="Angsana New"/>
+        <a:font script="Ethi" typeface="Nyala"/>
+        <a:font script="Beng" typeface="Vrinda"/>
+        <a:font script="Gujr" typeface="Shruti"/>
+        <a:font script="Khmr" typeface="MoolBoran"/>
+        <a:font script="Knda" typeface="Tunga"/>
+        <a:font script="Guru" typeface="Raavi"/>
+        <a:font script="Cans" typeface="Euphemia"/>
+        <a:font script="Cher" typeface="Plantagenet Cherokee"/>
+        <a:font script="Yiii" typeface="Microsoft Yi Baiti"/>
+        <a:font script="Tibt" typeface="Microsoft Himalaya"/>
+        <a:font script="Thaa" typeface="MV Boli"/>
+        <a:font script="Deva" typeface="Mangal"/>
+        <a:font script="Telu" typeface="Gautami"/>
+        <a:font script="Taml" typeface="Latha"/>
+        <a:font script="Syrc" typeface="Estrangelo Edessa"/>
+        <a:font script="Orya" typeface="Kalinga"/>
+        <a:font script="Mlym" typeface="Kartika"/>
+        <a:font script="Laoo" typeface="DokChampa"/>
+        <a:font script="Sinh" typeface="Iskoola Pota"/>
+        <a:font script="Mong" typeface="Mongolian Baiti"/>
+        <a:font script="Viet" typeface="Times New Roman"/>
+        <a:font script="Uigh" typeface="Microsoft Uighur"/>
+        <a:font script="Geor" typeface="Sylfaen"/>
+      </a:majorFont>
+      <a:minorFont>
+        <a:latin typeface="Calibri" panose="020F0502020204030204"/>
+        <a:ea typeface=""/>
+        <a:cs typeface=""/>
+        <a:font script="Jpan" typeface="ＭＳ Ｐゴシック"/>
+        <a:font script="Hang" typeface="맑은 고딕"/>
+        <a:font script="Hans" typeface="宋体"/>
+        <a:font script="Hant" typeface="新細明體"/>
+        <a:font script="Arab" typeface="Arial"/>
+        <a:font script="Hebr" typeface="Arial"/>
+        <a:font script="Thai" typeface="Cordia New"/>
+        <a:font script="Ethi" typeface="Nyala"/>
+        <a:font script="Beng" typeface="Vrinda"/>
+        <a:font script="Gujr" typeface="Shruti"/>
+        <a:font script="Khmr" typeface="DaunPenh"/>
+        <a:font script="Knda" typeface="Tunga"/>
+        <a:font script="Guru" typeface="Raavi"/>
+        <a:font script="Cans" typeface="Euphemia"/>
+        <a:font script="Cher" typeface="Plantagenet Cherokee"/>
+        <a:font script="Yiii" typeface="Microsoft Yi Baiti"/>
+        <a:font script="Tibt" typeface="Microsoft Himalaya"/>
+        <a:font script="Thaa" typeface="MV Boli"/>
+        <a:font script="Deva" typeface="Mangal"/>
+        <a:font script="Telu" typeface="Gautami"/>
+        <a:font script="Taml" typeface="Latha"/>
+        <a:font script="Syrc" typeface="Estrangelo Edessa"/>
+        <a:font script="Orya" typeface="Kalinga"/>
+        <a:font script="Mlym" typeface="Kartika"/>
+        <a:font script="Laoo" typeface="DokChampa"/>
+        <a:font script="Sinh" typeface="Iskoola Pota"/>
+        <a:font script="Mong" typeface="Mongolian Baiti"/>
+        <a:font script="Viet" typeface="Arial"/>
+        <a:font script="Uigh" typeface="Microsoft Uighur"/>
+        <a:font script="Geor" typeface="Sylfaen"/>
+      </a:minorFont>
+    </a:fontScheme>
+    <a:fmtScheme name="Office">
+      <a:fillStyleLst>
+        <a:solidFill>
+          <a:schemeClr val="phClr"/>
+        </a:solidFill>
+        <a:gradFill rotWithShape="1">
+          <a:gsLst>
+            <a:gs pos="0">
+              <a:schemeClr val="phClr">
+                <a:lumMod val="110000"/>
+                <a:satMod val="105000"/>
+                <a:tint val="67000"/>
+              </a:schemeClr>
+            </a:gs>
+            <a:gs pos="50000">
+              <a:schemeClr val="phClr">
+                <a:lumMod val="105000"/>
+                <a:satMod val="103000"/>
+                <a:tint val="73000"/>
+              </a:schemeClr>
+            </a:gs>
+            <a:gs pos="100000">
+              <a:schemeClr val="phClr">
+                <a:lumMod val="105000"/>
+                <a:satMod val="109000"/>
+                <a:tint val="81000"/>
+              </a:schemeClr>
+            </a:gs>
+          </a:gsLst>
+          <a:lin ang="5400000" scaled="0"/>
+        </a:gradFill>
+        <a:gradFill rotWithShape="1">
+          <a:gsLst>
+            <a:gs pos="0">
+              <a:schemeClr val="phClr">
+                <a:satMod val="103000"/>
+                <a:lumMod val="102000"/>
+                <a:tint val="94000"/>
+              </a:schemeClr>
+            </a:gs>
+            <a:gs pos="50000">
+              <a:schemeClr val="phClr">
+                <a:satMod val="110000"/>
+                <a:lumMod val="100000"/>
+                <a:shade val="100000"/>
+              </a:schemeClr>
+            </a:gs>
+            <a:gs pos="100000">
+              <a:schemeClr val="phClr">
+                <a:lumMod val="99000"/>
+                <a:satMod val="120000"/>
+                <a:shade val="78000"/>
+              </a:schemeClr>
+            </a:gs>
+          </a:gsLst>
+          <a:lin ang="5400000" scaled="0"/>
+        </a:gradFill>
+      </a:fillStyleLst>
+      <a:lnStyleLst>
+        <a:ln w="6350" cap="flat" cmpd="sng" algn="ctr">
+          <a:solidFill>
+            <a:schemeClr val="phClr"/>
+          </a:solidFill>
+          <a:prstDash val="solid"/>
+          <a:miter lim="800000"/>
+        </a:ln>
+        <a:ln w="12700" cap="flat" cmpd="sng" algn="ctr">
+          <a:solidFill>
+            <a:schemeClr val="phClr"/>
+          </a:solidFill>
+          <a:prstDash val="solid"/>
+          <a:miter lim="800000"/>
+        </a:ln>
+        <a:ln w="19050" cap="flat" cmpd="sng" algn="ctr">
+          <a:solidFill>
+            <a:schemeClr val="phClr"/>
+          </a:solidFill>
+          <a:prstDash val="solid"/>
+          <a:miter lim="800000"/>
+        </a:ln>
+      </a:lnStyleLst>
+      <a:effectStyleLst>
+        <a:effectStyle>
+          <a:effectLst/>
+        </a:effectStyle>
+        <a:effectStyle>
+          <a:effectLst/>
+        </a:effectStyle>
+        <a:effectStyle>
+          <a:effectLst>
+            <a:outerShdw blurRad="57150" dist="19050" dir="5400000" algn="ctr" rotWithShape="0">
+              <a:srgbClr val="000000">
+                <a:alpha val="63000"/>
+              </a:srgbClr>
+            </a:outerShdw>
+          </a:effectLst>
+        </a:effectStyle>
+      </a:effectStyleLst>
+      <a:bgFillStyleLst>
+        <a:solidFill>
+          <a:schemeClr val="phClr"/>
+        </a:solidFill>
+        <a:solidFill>
+          <a:schemeClr val="phClr">
+            <a:tint val="95000"/>
+            <a:satMod val="170000"/>
+          </a:schemeClr>
+        </a:solidFill>
+        <a:gradFill rotWithShape="1">
+          <a:gsLst>
+            <a:gs pos="0">
+              <a:schemeClr val="phClr">
+                <a:tint val="93000"/>
+                <a:satMod val="150000"/>
+                <a:shade val="98000"/>
+                <a:lumMod val="102000"/>
+              </a:schemeClr>
+            </a:gs>
+            <a:gs pos="50000">
+              <a:schemeClr val="phClr">
+                <a:tint val="98000"/>
+                <a:satMod val="130000"/>
+                <a:shade val="90000"/>
+                <a:lumMod val="103000"/>
+              </a:schemeClr>
+            </a:gs>
+            <a:gs pos="100000">
+              <a:schemeClr val="phClr">
+                <a:shade val="63000"/>
+                <a:satMod val="120000"/>
+              </a:schemeClr>
+            </a:gs>
+          </a:gsLst>
+          <a:lin ang="5400000" scaled="0"/>
+        </a:gradFill>
+      </a:bgFillStyleLst>
+    </a:fmtScheme>
+  </a:themeElements>
+  <a:objectDefaults/>
+  <a:extraClrSchemeLst/>
+  <a:extLst>
+    <a:ext uri="{05A4C25C-085E-4340-85A3-A5531E510DB2}">
+      <thm15:themeFamily xmlns:thm15="http://schemas.microsoft.com/office/thememl/2012/main" name="Office Theme" id="{62F939B6-93AF-4DB8-9C6B-D6C7DFDC589F}" vid="{4A3C46E8-61CC-4603-A589-7422A47A8E4A}"/>
+    </a:ext>
+  </a:extLst>
+</a:theme>
 </file>
--- a/images/pics.pptx
+++ b/images/pics.pptx
@@ -216,7 +216,7 @@
           <a:p>
             <a:fld id="{4FF7AF54-2AD9-468C-807B-634631568B63}" type="datetimeFigureOut">
               <a:rPr lang="en-US" smtClean="0"/>
-              <a:t>1/13/2015</a:t>
+              <a:t>1/16/2015</a:t>
             </a:fld>
             <a:endParaRPr lang="en-US"/>
           </a:p>
@@ -699,7 +699,7 @@
           <a:p>
             <a:fld id="{844C98E4-C9EE-4E87-AFEC-1BE23205BC3C}" type="datetimeFigureOut">
               <a:rPr lang="en-US" smtClean="0"/>
-              <a:t>1/13/2015</a:t>
+              <a:t>1/16/2015</a:t>
             </a:fld>
             <a:endParaRPr lang="en-US"/>
           </a:p>
@@ -869,7 +869,7 @@
           <a:p>
             <a:fld id="{844C98E4-C9EE-4E87-AFEC-1BE23205BC3C}" type="datetimeFigureOut">
               <a:rPr lang="en-US" smtClean="0"/>
-              <a:t>1/13/2015</a:t>
+              <a:t>1/16/2015</a:t>
             </a:fld>
             <a:endParaRPr lang="en-US"/>
           </a:p>
@@ -1049,7 +1049,7 @@
           <a:p>
             <a:fld id="{844C98E4-C9EE-4E87-AFEC-1BE23205BC3C}" type="datetimeFigureOut">
               <a:rPr lang="en-US" smtClean="0"/>
-              <a:t>1/13/2015</a:t>
+              <a:t>1/16/2015</a:t>
             </a:fld>
             <a:endParaRPr lang="en-US"/>
           </a:p>
@@ -1219,7 +1219,7 @@
           <a:p>
             <a:fld id="{844C98E4-C9EE-4E87-AFEC-1BE23205BC3C}" type="datetimeFigureOut">
               <a:rPr lang="en-US" smtClean="0"/>
-              <a:t>1/13/2015</a:t>
+              <a:t>1/16/2015</a:t>
             </a:fld>
             <a:endParaRPr lang="en-US"/>
           </a:p>
@@ -1465,7 +1465,7 @@
           <a:p>
             <a:fld id="{844C98E4-C9EE-4E87-AFEC-1BE23205BC3C}" type="datetimeFigureOut">
               <a:rPr lang="en-US" smtClean="0"/>
-              <a:t>1/13/2015</a:t>
+              <a:t>1/16/2015</a:t>
             </a:fld>
             <a:endParaRPr lang="en-US"/>
           </a:p>
@@ -1697,7 +1697,7 @@
           <a:p>
             <a:fld id="{844C98E4-C9EE-4E87-AFEC-1BE23205BC3C}" type="datetimeFigureOut">
               <a:rPr lang="en-US" smtClean="0"/>
-              <a:t>1/13/2015</a:t>
+              <a:t>1/16/2015</a:t>
             </a:fld>
             <a:endParaRPr lang="en-US"/>
           </a:p>
@@ -2064,7 +2064,7 @@
           <a:p>
             <a:fld id="{844C98E4-C9EE-4E87-AFEC-1BE23205BC3C}" type="datetimeFigureOut">
               <a:rPr lang="en-US" smtClean="0"/>
-              <a:t>1/13/2015</a:t>
+              <a:t>1/16/2015</a:t>
             </a:fld>
             <a:endParaRPr lang="en-US"/>
           </a:p>
@@ -2182,7 +2182,7 @@
           <a:p>
             <a:fld id="{844C98E4-C9EE-4E87-AFEC-1BE23205BC3C}" type="datetimeFigureOut">
               <a:rPr lang="en-US" smtClean="0"/>
-              <a:t>1/13/2015</a:t>
+              <a:t>1/16/2015</a:t>
             </a:fld>
             <a:endParaRPr lang="en-US"/>
           </a:p>
@@ -2277,7 +2277,7 @@
           <a:p>
             <a:fld id="{844C98E4-C9EE-4E87-AFEC-1BE23205BC3C}" type="datetimeFigureOut">
               <a:rPr lang="en-US" smtClean="0"/>
-              <a:t>1/13/2015</a:t>
+              <a:t>1/16/2015</a:t>
             </a:fld>
             <a:endParaRPr lang="en-US"/>
           </a:p>
@@ -2554,7 +2554,7 @@
           <a:p>
             <a:fld id="{844C98E4-C9EE-4E87-AFEC-1BE23205BC3C}" type="datetimeFigureOut">
               <a:rPr lang="en-US" smtClean="0"/>
-              <a:t>1/13/2015</a:t>
+              <a:t>1/16/2015</a:t>
             </a:fld>
             <a:endParaRPr lang="en-US"/>
           </a:p>
@@ -2807,7 +2807,7 @@
           <a:p>
             <a:fld id="{844C98E4-C9EE-4E87-AFEC-1BE23205BC3C}" type="datetimeFigureOut">
               <a:rPr lang="en-US" smtClean="0"/>
-              <a:t>1/13/2015</a:t>
+              <a:t>1/16/2015</a:t>
             </a:fld>
             <a:endParaRPr lang="en-US"/>
           </a:p>
@@ -3020,7 +3020,7 @@
           <a:p>
             <a:fld id="{844C98E4-C9EE-4E87-AFEC-1BE23205BC3C}" type="datetimeFigureOut">
               <a:rPr lang="en-US" smtClean="0"/>
-              <a:t>1/13/2015</a:t>
+              <a:t>1/16/2015</a:t>
             </a:fld>
             <a:endParaRPr lang="en-US"/>
           </a:p>
@@ -7979,7 +7979,7 @@
                 <a:latin typeface="Times New Roman" panose="02020603050405020304" pitchFamily="18" charset="0"/>
                 <a:cs typeface="Times New Roman" panose="02020603050405020304" pitchFamily="18" charset="0"/>
               </a:rPr>
-              <a:t>A</a:t>
+              <a:t>D</a:t>
             </a:r>
             <a:endParaRPr lang="en-US" dirty="0">
               <a:solidFill>
@@ -8000,6 +8000,72 @@
         <p:spPr>
           <a:xfrm>
             <a:off x="5867400" y="2800350"/>
+            <a:ext cx="457200" cy="457200"/>
+          </a:xfrm>
+          <a:prstGeom prst="ellipse">
+            <a:avLst/>
+          </a:prstGeom>
+          <a:noFill/>
+          <a:ln w="19050">
+            <a:solidFill>
+              <a:schemeClr val="tx1"/>
+            </a:solidFill>
+          </a:ln>
+        </p:spPr>
+        <p:style>
+          <a:lnRef idx="2">
+            <a:schemeClr val="accent1">
+              <a:shade val="50000"/>
+            </a:schemeClr>
+          </a:lnRef>
+          <a:fillRef idx="1">
+            <a:schemeClr val="accent1"/>
+          </a:fillRef>
+          <a:effectRef idx="0">
+            <a:schemeClr val="accent1"/>
+          </a:effectRef>
+          <a:fontRef idx="minor">
+            <a:schemeClr val="lt1"/>
+          </a:fontRef>
+        </p:style>
+        <p:txBody>
+          <a:bodyPr rot="0" spcFirstLastPara="0" vert="horz" wrap="square" lIns="91440" tIns="45720" rIns="91440" bIns="45720" numCol="1" spcCol="0" rtlCol="0" fromWordArt="0" anchor="ctr" anchorCtr="0" forceAA="0" compatLnSpc="1">
+            <a:prstTxWarp prst="textNoShape">
+              <a:avLst/>
+            </a:prstTxWarp>
+            <a:noAutofit/>
+          </a:bodyPr>
+          <a:lstStyle/>
+          <a:p>
+            <a:r>
+              <a:rPr lang="en-US" dirty="0" smtClean="0">
+                <a:solidFill>
+                  <a:schemeClr val="tx1"/>
+                </a:solidFill>
+                <a:latin typeface="Times New Roman" panose="02020603050405020304" pitchFamily="18" charset="0"/>
+                <a:cs typeface="Times New Roman" panose="02020603050405020304" pitchFamily="18" charset="0"/>
+              </a:rPr>
+              <a:t>C</a:t>
+            </a:r>
+            <a:endParaRPr lang="en-US" dirty="0">
+              <a:solidFill>
+                <a:schemeClr val="tx1"/>
+              </a:solidFill>
+              <a:latin typeface="Times New Roman" panose="02020603050405020304" pitchFamily="18" charset="0"/>
+              <a:cs typeface="Times New Roman" panose="02020603050405020304" pitchFamily="18" charset="0"/>
+            </a:endParaRPr>
+          </a:p>
+        </p:txBody>
+      </p:sp>
+      <p:sp>
+        <p:nvSpPr>
+          <p:cNvPr id="4" name="Oval 3"/>
+          <p:cNvSpPr/>
+          <p:nvPr/>
+        </p:nvSpPr>
+        <p:spPr>
+          <a:xfrm>
+            <a:off x="5857875" y="3600450"/>
             <a:ext cx="457200" cy="457200"/>
           </a:xfrm>
           <a:prstGeom prst="ellipse">
@@ -8057,15 +8123,85 @@
           </a:p>
         </p:txBody>
       </p:sp>
-      <p:sp>
-        <p:nvSpPr>
-          <p:cNvPr id="4" name="Oval 3"/>
+      <p:cxnSp>
+        <p:nvCxnSpPr>
+          <p:cNvPr id="5" name="Straight Connector 4"/>
+          <p:cNvCxnSpPr/>
+          <p:nvPr/>
+        </p:nvCxnSpPr>
+        <p:spPr>
+          <a:xfrm flipV="1">
+            <a:off x="6096000" y="2457450"/>
+            <a:ext cx="0" cy="342900"/>
+          </a:xfrm>
+          <a:prstGeom prst="line">
+            <a:avLst/>
+          </a:prstGeom>
+          <a:ln w="19050">
+            <a:solidFill>
+              <a:schemeClr val="tx1"/>
+            </a:solidFill>
+          </a:ln>
+        </p:spPr>
+        <p:style>
+          <a:lnRef idx="1">
+            <a:schemeClr val="accent1"/>
+          </a:lnRef>
+          <a:fillRef idx="0">
+            <a:schemeClr val="accent1"/>
+          </a:fillRef>
+          <a:effectRef idx="0">
+            <a:schemeClr val="accent1"/>
+          </a:effectRef>
+          <a:fontRef idx="minor">
+            <a:schemeClr val="tx1"/>
+          </a:fontRef>
+        </p:style>
+      </p:cxnSp>
+      <p:cxnSp>
+        <p:nvCxnSpPr>
+          <p:cNvPr id="6" name="Straight Connector 5"/>
+          <p:cNvCxnSpPr/>
+          <p:nvPr/>
+        </p:nvCxnSpPr>
+        <p:spPr>
+          <a:xfrm flipV="1">
+            <a:off x="6096000" y="3257550"/>
+            <a:ext cx="0" cy="342900"/>
+          </a:xfrm>
+          <a:prstGeom prst="line">
+            <a:avLst/>
+          </a:prstGeom>
+          <a:ln w="19050">
+            <a:solidFill>
+              <a:schemeClr val="tx1"/>
+            </a:solidFill>
+          </a:ln>
+        </p:spPr>
+        <p:style>
+          <a:lnRef idx="1">
+            <a:schemeClr val="accent1"/>
+          </a:lnRef>
+          <a:fillRef idx="0">
+            <a:schemeClr val="accent1"/>
+          </a:fillRef>
+          <a:effectRef idx="0">
+            <a:schemeClr val="accent1"/>
+          </a:effectRef>
+          <a:fontRef idx="minor">
+            <a:schemeClr val="tx1"/>
+          </a:fontRef>
+        </p:style>
+      </p:cxnSp>
+      <p:sp>
+        <p:nvSpPr>
+          <p:cNvPr id="7" name="Oval 6"/>
           <p:cNvSpPr/>
           <p:nvPr/>
         </p:nvSpPr>
         <p:spPr>
           <a:xfrm>
-            <a:off x="5857875" y="3600450"/>
+            <a:off x="5876925" y="4400550"/>
             <a:ext cx="457200" cy="457200"/>
           </a:xfrm>
           <a:prstGeom prst="ellipse">
@@ -8111,143 +8247,7 @@
                 <a:latin typeface="Times New Roman" panose="02020603050405020304" pitchFamily="18" charset="0"/>
                 <a:cs typeface="Times New Roman" panose="02020603050405020304" pitchFamily="18" charset="0"/>
               </a:rPr>
-              <a:t>C</a:t>
-            </a:r>
-            <a:endParaRPr lang="en-US" dirty="0">
-              <a:solidFill>
-                <a:schemeClr val="tx1"/>
-              </a:solidFill>
-              <a:latin typeface="Times New Roman" panose="02020603050405020304" pitchFamily="18" charset="0"/>
-              <a:cs typeface="Times New Roman" panose="02020603050405020304" pitchFamily="18" charset="0"/>
-            </a:endParaRPr>
-          </a:p>
-        </p:txBody>
-      </p:sp>
-      <p:cxnSp>
-        <p:nvCxnSpPr>
-          <p:cNvPr id="5" name="Straight Connector 4"/>
-          <p:cNvCxnSpPr/>
-          <p:nvPr/>
-        </p:nvCxnSpPr>
-        <p:spPr>
-          <a:xfrm flipV="1">
-            <a:off x="6096000" y="2457450"/>
-            <a:ext cx="0" cy="342900"/>
-          </a:xfrm>
-          <a:prstGeom prst="line">
-            <a:avLst/>
-          </a:prstGeom>
-          <a:ln w="19050">
-            <a:solidFill>
-              <a:schemeClr val="tx1"/>
-            </a:solidFill>
-          </a:ln>
-        </p:spPr>
-        <p:style>
-          <a:lnRef idx="1">
-            <a:schemeClr val="accent1"/>
-          </a:lnRef>
-          <a:fillRef idx="0">
-            <a:schemeClr val="accent1"/>
-          </a:fillRef>
-          <a:effectRef idx="0">
-            <a:schemeClr val="accent1"/>
-          </a:effectRef>
-          <a:fontRef idx="minor">
-            <a:schemeClr val="tx1"/>
-          </a:fontRef>
-        </p:style>
-      </p:cxnSp>
-      <p:cxnSp>
-        <p:nvCxnSpPr>
-          <p:cNvPr id="6" name="Straight Connector 5"/>
-          <p:cNvCxnSpPr/>
-          <p:nvPr/>
-        </p:nvCxnSpPr>
-        <p:spPr>
-          <a:xfrm flipV="1">
-            <a:off x="6096000" y="3257550"/>
-            <a:ext cx="0" cy="342900"/>
-          </a:xfrm>
-          <a:prstGeom prst="line">
-            <a:avLst/>
-          </a:prstGeom>
-          <a:ln w="19050">
-            <a:solidFill>
-              <a:schemeClr val="tx1"/>
-            </a:solidFill>
-          </a:ln>
-        </p:spPr>
-        <p:style>
-          <a:lnRef idx="1">
-            <a:schemeClr val="accent1"/>
-          </a:lnRef>
-          <a:fillRef idx="0">
-            <a:schemeClr val="accent1"/>
-          </a:fillRef>
-          <a:effectRef idx="0">
-            <a:schemeClr val="accent1"/>
-          </a:effectRef>
-          <a:fontRef idx="minor">
-            <a:schemeClr val="tx1"/>
-          </a:fontRef>
-        </p:style>
-      </p:cxnSp>
-      <p:sp>
-        <p:nvSpPr>
-          <p:cNvPr id="7" name="Oval 6"/>
-          <p:cNvSpPr/>
-          <p:nvPr/>
-        </p:nvSpPr>
-        <p:spPr>
-          <a:xfrm>
-            <a:off x="5876925" y="4400550"/>
-            <a:ext cx="457200" cy="457200"/>
-          </a:xfrm>
-          <a:prstGeom prst="ellipse">
-            <a:avLst/>
-          </a:prstGeom>
-          <a:noFill/>
-          <a:ln w="19050">
-            <a:solidFill>
-              <a:schemeClr val="tx1"/>
-            </a:solidFill>
-          </a:ln>
-        </p:spPr>
-        <p:style>
-          <a:lnRef idx="2">
-            <a:schemeClr val="accent1">
-              <a:shade val="50000"/>
-            </a:schemeClr>
-          </a:lnRef>
-          <a:fillRef idx="1">
-            <a:schemeClr val="accent1"/>
-          </a:fillRef>
-          <a:effectRef idx="0">
-            <a:schemeClr val="accent1"/>
-          </a:effectRef>
-          <a:fontRef idx="minor">
-            <a:schemeClr val="lt1"/>
-          </a:fontRef>
-        </p:style>
-        <p:txBody>
-          <a:bodyPr rot="0" spcFirstLastPara="0" vert="horz" wrap="square" lIns="91440" tIns="45720" rIns="91440" bIns="45720" numCol="1" spcCol="0" rtlCol="0" fromWordArt="0" anchor="ctr" anchorCtr="0" forceAA="0" compatLnSpc="1">
-            <a:prstTxWarp prst="textNoShape">
-              <a:avLst/>
-            </a:prstTxWarp>
-            <a:noAutofit/>
-          </a:bodyPr>
-          <a:lstStyle/>
-          <a:p>
-            <a:r>
-              <a:rPr lang="en-US" dirty="0" smtClean="0">
-                <a:solidFill>
-                  <a:schemeClr val="tx1"/>
-                </a:solidFill>
-                <a:latin typeface="Times New Roman" panose="02020603050405020304" pitchFamily="18" charset="0"/>
-                <a:cs typeface="Times New Roman" panose="02020603050405020304" pitchFamily="18" charset="0"/>
-              </a:rPr>
-              <a:t>D</a:t>
+              <a:t>A</a:t>
             </a:r>
             <a:endParaRPr lang="en-US" dirty="0">
               <a:solidFill>

--- a/images/pics.pptx
+++ b/images/pics.pptx
@@ -223,7 +223,7 @@
           <a:p>
             <a:fld id="{4FF7AF54-2AD9-468C-807B-634631568B63}" type="datetimeFigureOut">
               <a:rPr lang="en-US" smtClean="0"/>
-              <a:t>1/23/2015</a:t>
+              <a:t>1/26/2015</a:t>
             </a:fld>
             <a:endParaRPr lang="en-US"/>
           </a:p>
@@ -706,7 +706,7 @@
           <a:p>
             <a:fld id="{844C98E4-C9EE-4E87-AFEC-1BE23205BC3C}" type="datetimeFigureOut">
               <a:rPr lang="en-US" smtClean="0"/>
-              <a:t>1/23/2015</a:t>
+              <a:t>1/26/2015</a:t>
             </a:fld>
             <a:endParaRPr lang="en-US"/>
           </a:p>
@@ -876,7 +876,7 @@
           <a:p>
             <a:fld id="{844C98E4-C9EE-4E87-AFEC-1BE23205BC3C}" type="datetimeFigureOut">
               <a:rPr lang="en-US" smtClean="0"/>
-              <a:t>1/23/2015</a:t>
+              <a:t>1/26/2015</a:t>
             </a:fld>
             <a:endParaRPr lang="en-US"/>
           </a:p>
@@ -1056,7 +1056,7 @@
           <a:p>
             <a:fld id="{844C98E4-C9EE-4E87-AFEC-1BE23205BC3C}" type="datetimeFigureOut">
               <a:rPr lang="en-US" smtClean="0"/>
-              <a:t>1/23/2015</a:t>
+              <a:t>1/26/2015</a:t>
             </a:fld>
             <a:endParaRPr lang="en-US"/>
           </a:p>
@@ -1226,7 +1226,7 @@
           <a:p>
             <a:fld id="{844C98E4-C9EE-4E87-AFEC-1BE23205BC3C}" type="datetimeFigureOut">
               <a:rPr lang="en-US" smtClean="0"/>
-              <a:t>1/23/2015</a:t>
+              <a:t>1/26/2015</a:t>
             </a:fld>
             <a:endParaRPr lang="en-US"/>
           </a:p>
@@ -1472,7 +1472,7 @@
           <a:p>
             <a:fld id="{844C98E4-C9EE-4E87-AFEC-1BE23205BC3C}" type="datetimeFigureOut">
               <a:rPr lang="en-US" smtClean="0"/>
-              <a:t>1/23/2015</a:t>
+              <a:t>1/26/2015</a:t>
             </a:fld>
             <a:endParaRPr lang="en-US"/>
           </a:p>
@@ -1704,7 +1704,7 @@
           <a:p>
             <a:fld id="{844C98E4-C9EE-4E87-AFEC-1BE23205BC3C}" type="datetimeFigureOut">
               <a:rPr lang="en-US" smtClean="0"/>
-              <a:t>1/23/2015</a:t>
+              <a:t>1/26/2015</a:t>
             </a:fld>
             <a:endParaRPr lang="en-US"/>
           </a:p>
@@ -2071,7 +2071,7 @@
           <a:p>
             <a:fld id="{844C98E4-C9EE-4E87-AFEC-1BE23205BC3C}" type="datetimeFigureOut">
               <a:rPr lang="en-US" smtClean="0"/>
-              <a:t>1/23/2015</a:t>
+              <a:t>1/26/2015</a:t>
             </a:fld>
             <a:endParaRPr lang="en-US"/>
           </a:p>
@@ -2189,7 +2189,7 @@
           <a:p>
             <a:fld id="{844C98E4-C9EE-4E87-AFEC-1BE23205BC3C}" type="datetimeFigureOut">
               <a:rPr lang="en-US" smtClean="0"/>
-              <a:t>1/23/2015</a:t>
+              <a:t>1/26/2015</a:t>
             </a:fld>
             <a:endParaRPr lang="en-US"/>
           </a:p>
@@ -2284,7 +2284,7 @@
           <a:p>
             <a:fld id="{844C98E4-C9EE-4E87-AFEC-1BE23205BC3C}" type="datetimeFigureOut">
               <a:rPr lang="en-US" smtClean="0"/>
-              <a:t>1/23/2015</a:t>
+              <a:t>1/26/2015</a:t>
             </a:fld>
             <a:endParaRPr lang="en-US"/>
           </a:p>
@@ -2561,7 +2561,7 @@
           <a:p>
             <a:fld id="{844C98E4-C9EE-4E87-AFEC-1BE23205BC3C}" type="datetimeFigureOut">
               <a:rPr lang="en-US" smtClean="0"/>
-              <a:t>1/23/2015</a:t>
+              <a:t>1/26/2015</a:t>
             </a:fld>
             <a:endParaRPr lang="en-US"/>
           </a:p>
@@ -2814,7 +2814,7 @@
           <a:p>
             <a:fld id="{844C98E4-C9EE-4E87-AFEC-1BE23205BC3C}" type="datetimeFigureOut">
               <a:rPr lang="en-US" smtClean="0"/>
-              <a:t>1/23/2015</a:t>
+              <a:t>1/26/2015</a:t>
             </a:fld>
             <a:endParaRPr lang="en-US"/>
           </a:p>
@@ -3027,7 +3027,7 @@
           <a:p>
             <a:fld id="{844C98E4-C9EE-4E87-AFEC-1BE23205BC3C}" type="datetimeFigureOut">
               <a:rPr lang="en-US" smtClean="0"/>
-              <a:t>1/23/2015</a:t>
+              <a:t>1/26/2015</a:t>
             </a:fld>
             <a:endParaRPr lang="en-US"/>
           </a:p>
@@ -11720,10 +11720,11 @@
           </a:bodyPr>
           <a:lstStyle/>
           <a:p>
-            <a:r>
-              <a:rPr lang="en-US" sz="800" dirty="0" smtClean="0">
-                <a:solidFill>
-                  <a:schemeClr val="tx1"/>
+            <a:pPr lvl="0"/>
+            <a:r>
+              <a:rPr lang="en-US" sz="900" b="1" dirty="0" smtClean="0">
+                <a:solidFill>
+                  <a:prstClr val="black"/>
                 </a:solidFill>
                 <a:latin typeface="Times New Roman" panose="02020603050405020304" pitchFamily="18" charset="0"/>
                 <a:cs typeface="Times New Roman" panose="02020603050405020304" pitchFamily="18" charset="0"/>
@@ -11731,18 +11732,28 @@
               <a:t>A</a:t>
             </a:r>
             <a:r>
-              <a:rPr lang="en-US" sz="800" baseline="-25000" dirty="0" smtClean="0">
-                <a:solidFill>
-                  <a:schemeClr val="tx1"/>
-                </a:solidFill>
-                <a:latin typeface="Times New Roman" panose="02020603050405020304" pitchFamily="18" charset="0"/>
-                <a:cs typeface="Times New Roman" panose="02020603050405020304" pitchFamily="18" charset="0"/>
-              </a:rPr>
-              <a:t>10</a:t>
-            </a:r>
-            <a:endParaRPr lang="en-US" sz="800" baseline="-25000" dirty="0">
+              <a:rPr lang="en-US" sz="600" b="1" baseline="-25000" dirty="0">
+                <a:solidFill>
+                  <a:prstClr val="black"/>
+                </a:solidFill>
+                <a:latin typeface="Times New Roman" panose="02020603050405020304" pitchFamily="18" charset="0"/>
+                <a:cs typeface="Times New Roman" panose="02020603050405020304" pitchFamily="18" charset="0"/>
+              </a:rPr>
+              <a:t>1</a:t>
+            </a:r>
+            <a:r>
+              <a:rPr lang="en-US" sz="600" b="1" baseline="-25000" dirty="0" smtClean="0">
+                <a:solidFill>
+                  <a:prstClr val="black"/>
+                </a:solidFill>
+                <a:latin typeface="Times New Roman" panose="02020603050405020304" pitchFamily="18" charset="0"/>
+                <a:cs typeface="Times New Roman" panose="02020603050405020304" pitchFamily="18" charset="0"/>
+              </a:rPr>
+              <a:t>0</a:t>
+            </a:r>
+            <a:endParaRPr lang="en-US" sz="600" b="1" baseline="-25000" dirty="0">
               <a:solidFill>
-                <a:schemeClr val="tx1"/>
+                <a:prstClr val="black"/>
               </a:solidFill>
               <a:latin typeface="Times New Roman" panose="02020603050405020304" pitchFamily="18" charset="0"/>
               <a:cs typeface="Times New Roman" panose="02020603050405020304" pitchFamily="18" charset="0"/>
@@ -11796,10 +11807,21 @@
           </a:bodyPr>
           <a:lstStyle/>
           <a:p>
-            <a:r>
-              <a:rPr lang="en-US" sz="800" dirty="0" smtClean="0">
-                <a:solidFill>
-                  <a:schemeClr val="tx1"/>
+            <a:pPr lvl="0"/>
+            <a:endParaRPr lang="en-US" sz="900" b="1" dirty="0" smtClean="0">
+              <a:solidFill>
+                <a:prstClr val="black"/>
+              </a:solidFill>
+              <a:latin typeface="Times New Roman" panose="02020603050405020304" pitchFamily="18" charset="0"/>
+              <a:cs typeface="Times New Roman" panose="02020603050405020304" pitchFamily="18" charset="0"/>
+            </a:endParaRPr>
+          </a:p>
+          <a:p>
+            <a:pPr lvl="0"/>
+            <a:r>
+              <a:rPr lang="en-US" sz="900" b="1" dirty="0" smtClean="0">
+                <a:solidFill>
+                  <a:prstClr val="black"/>
                 </a:solidFill>
                 <a:latin typeface="Times New Roman" panose="02020603050405020304" pitchFamily="18" charset="0"/>
                 <a:cs typeface="Times New Roman" panose="02020603050405020304" pitchFamily="18" charset="0"/>
@@ -11807,18 +11829,28 @@
               <a:t>A</a:t>
             </a:r>
             <a:r>
-              <a:rPr lang="en-US" sz="800" baseline="-25000" dirty="0" smtClean="0">
-                <a:solidFill>
-                  <a:schemeClr val="tx1"/>
-                </a:solidFill>
-                <a:latin typeface="Times New Roman" panose="02020603050405020304" pitchFamily="18" charset="0"/>
-                <a:cs typeface="Times New Roman" panose="02020603050405020304" pitchFamily="18" charset="0"/>
-              </a:rPr>
-              <a:t>11</a:t>
-            </a:r>
-            <a:endParaRPr lang="en-US" sz="800" baseline="-25000" dirty="0">
+              <a:rPr lang="en-US" sz="600" b="1" baseline="-25000" dirty="0">
+                <a:solidFill>
+                  <a:prstClr val="black"/>
+                </a:solidFill>
+                <a:latin typeface="Times New Roman" panose="02020603050405020304" pitchFamily="18" charset="0"/>
+                <a:cs typeface="Times New Roman" panose="02020603050405020304" pitchFamily="18" charset="0"/>
+              </a:rPr>
+              <a:t>1</a:t>
+            </a:r>
+            <a:r>
+              <a:rPr lang="en-US" sz="600" b="1" baseline="-25000" dirty="0" smtClean="0">
+                <a:solidFill>
+                  <a:prstClr val="black"/>
+                </a:solidFill>
+                <a:latin typeface="Times New Roman" panose="02020603050405020304" pitchFamily="18" charset="0"/>
+                <a:cs typeface="Times New Roman" panose="02020603050405020304" pitchFamily="18" charset="0"/>
+              </a:rPr>
+              <a:t>1</a:t>
+            </a:r>
+            <a:endParaRPr lang="en-US" sz="600" b="1" baseline="-25000" dirty="0">
               <a:solidFill>
-                <a:schemeClr val="tx1"/>
+                <a:prstClr val="black"/>
               </a:solidFill>
               <a:latin typeface="Times New Roman" panose="02020603050405020304" pitchFamily="18" charset="0"/>
               <a:cs typeface="Times New Roman" panose="02020603050405020304" pitchFamily="18" charset="0"/>
@@ -11882,7 +11914,7 @@
           <a:lstStyle/>
           <a:p>
             <a:r>
-              <a:rPr lang="en-US" sz="800" dirty="0" smtClean="0">
+              <a:rPr lang="en-US" sz="900" b="1" dirty="0" smtClean="0">
                 <a:solidFill>
                   <a:schemeClr val="tx1"/>
                 </a:solidFill>
@@ -11892,7 +11924,7 @@
               <a:t>A</a:t>
             </a:r>
             <a:r>
-              <a:rPr lang="en-US" sz="800" baseline="-25000" dirty="0" smtClean="0">
+              <a:rPr lang="en-US" sz="600" b="1" baseline="-25000" dirty="0" smtClean="0">
                 <a:solidFill>
                   <a:schemeClr val="tx1"/>
                 </a:solidFill>
@@ -11901,7 +11933,7 @@
               </a:rPr>
               <a:t>20</a:t>
             </a:r>
-            <a:endParaRPr lang="en-US" sz="800" baseline="-25000" dirty="0">
+            <a:endParaRPr lang="en-US" sz="600" b="1" baseline="-25000" dirty="0">
               <a:solidFill>
                 <a:schemeClr val="tx1"/>
               </a:solidFill>
@@ -11966,10 +11998,11 @@
           </a:bodyPr>
           <a:lstStyle/>
           <a:p>
-            <a:r>
-              <a:rPr lang="en-US" sz="800" dirty="0" smtClean="0">
-                <a:solidFill>
-                  <a:schemeClr val="tx1"/>
+            <a:pPr lvl="0"/>
+            <a:r>
+              <a:rPr lang="en-US" sz="900" b="1" dirty="0" smtClean="0">
+                <a:solidFill>
+                  <a:prstClr val="black"/>
                 </a:solidFill>
                 <a:latin typeface="Times New Roman" panose="02020603050405020304" pitchFamily="18" charset="0"/>
                 <a:cs typeface="Times New Roman" panose="02020603050405020304" pitchFamily="18" charset="0"/>
@@ -11977,18 +12010,18 @@
               <a:t>A</a:t>
             </a:r>
             <a:r>
-              <a:rPr lang="en-US" sz="800" baseline="-25000" dirty="0" smtClean="0">
-                <a:solidFill>
-                  <a:schemeClr val="tx1"/>
+              <a:rPr lang="en-US" sz="600" b="1" baseline="-25000" dirty="0" smtClean="0">
+                <a:solidFill>
+                  <a:prstClr val="black"/>
                 </a:solidFill>
                 <a:latin typeface="Times New Roman" panose="02020603050405020304" pitchFamily="18" charset="0"/>
                 <a:cs typeface="Times New Roman" panose="02020603050405020304" pitchFamily="18" charset="0"/>
               </a:rPr>
               <a:t>21</a:t>
             </a:r>
-            <a:endParaRPr lang="en-US" sz="800" b="1" baseline="-25000" dirty="0">
+            <a:endParaRPr lang="en-US" sz="600" b="1" baseline="-25000" dirty="0">
               <a:solidFill>
-                <a:schemeClr val="tx1"/>
+                <a:prstClr val="black"/>
               </a:solidFill>
               <a:latin typeface="Times New Roman" panose="02020603050405020304" pitchFamily="18" charset="0"/>
               <a:cs typeface="Times New Roman" panose="02020603050405020304" pitchFamily="18" charset="0"/>

--- a/images/pics.pptx
+++ b/images/pics.pptx
@@ -5,7 +5,7 @@
     <p:sldMasterId id="2147483648" r:id="rId1"/>
   </p:sldMasterIdLst>
   <p:notesMasterIdLst>
-    <p:notesMasterId r:id="rId18"/>
+    <p:notesMasterId r:id="rId19"/>
   </p:notesMasterIdLst>
   <p:sldIdLst>
     <p:sldId id="256" r:id="rId2"/>
@@ -24,6 +24,7 @@
     <p:sldId id="269" r:id="rId15"/>
     <p:sldId id="270" r:id="rId16"/>
     <p:sldId id="271" r:id="rId17"/>
+    <p:sldId id="272" r:id="rId18"/>
   </p:sldIdLst>
   <p:sldSz cx="12192000" cy="6858000"/>
   <p:notesSz cx="6858000" cy="9144000"/>
@@ -223,7 +224,7 @@
           <a:p>
             <a:fld id="{4FF7AF54-2AD9-468C-807B-634631568B63}" type="datetimeFigureOut">
               <a:rPr lang="en-US" smtClean="0"/>
-              <a:t>1/26/2015</a:t>
+              <a:t>1/27/2015</a:t>
             </a:fld>
             <a:endParaRPr lang="en-US"/>
           </a:p>
@@ -706,7 +707,7 @@
           <a:p>
             <a:fld id="{844C98E4-C9EE-4E87-AFEC-1BE23205BC3C}" type="datetimeFigureOut">
               <a:rPr lang="en-US" smtClean="0"/>
-              <a:t>1/26/2015</a:t>
+              <a:t>1/27/2015</a:t>
             </a:fld>
             <a:endParaRPr lang="en-US"/>
           </a:p>
@@ -876,7 +877,7 @@
           <a:p>
             <a:fld id="{844C98E4-C9EE-4E87-AFEC-1BE23205BC3C}" type="datetimeFigureOut">
               <a:rPr lang="en-US" smtClean="0"/>
-              <a:t>1/26/2015</a:t>
+              <a:t>1/27/2015</a:t>
             </a:fld>
             <a:endParaRPr lang="en-US"/>
           </a:p>
@@ -1056,7 +1057,7 @@
           <a:p>
             <a:fld id="{844C98E4-C9EE-4E87-AFEC-1BE23205BC3C}" type="datetimeFigureOut">
               <a:rPr lang="en-US" smtClean="0"/>
-              <a:t>1/26/2015</a:t>
+              <a:t>1/27/2015</a:t>
             </a:fld>
             <a:endParaRPr lang="en-US"/>
           </a:p>
@@ -1226,7 +1227,7 @@
           <a:p>
             <a:fld id="{844C98E4-C9EE-4E87-AFEC-1BE23205BC3C}" type="datetimeFigureOut">
               <a:rPr lang="en-US" smtClean="0"/>
-              <a:t>1/26/2015</a:t>
+              <a:t>1/27/2015</a:t>
             </a:fld>
             <a:endParaRPr lang="en-US"/>
           </a:p>
@@ -1472,7 +1473,7 @@
           <a:p>
             <a:fld id="{844C98E4-C9EE-4E87-AFEC-1BE23205BC3C}" type="datetimeFigureOut">
               <a:rPr lang="en-US" smtClean="0"/>
-              <a:t>1/26/2015</a:t>
+              <a:t>1/27/2015</a:t>
             </a:fld>
             <a:endParaRPr lang="en-US"/>
           </a:p>
@@ -1704,7 +1705,7 @@
           <a:p>
             <a:fld id="{844C98E4-C9EE-4E87-AFEC-1BE23205BC3C}" type="datetimeFigureOut">
               <a:rPr lang="en-US" smtClean="0"/>
-              <a:t>1/26/2015</a:t>
+              <a:t>1/27/2015</a:t>
             </a:fld>
             <a:endParaRPr lang="en-US"/>
           </a:p>
@@ -2071,7 +2072,7 @@
           <a:p>
             <a:fld id="{844C98E4-C9EE-4E87-AFEC-1BE23205BC3C}" type="datetimeFigureOut">
               <a:rPr lang="en-US" smtClean="0"/>
-              <a:t>1/26/2015</a:t>
+              <a:t>1/27/2015</a:t>
             </a:fld>
             <a:endParaRPr lang="en-US"/>
           </a:p>
@@ -2189,7 +2190,7 @@
           <a:p>
             <a:fld id="{844C98E4-C9EE-4E87-AFEC-1BE23205BC3C}" type="datetimeFigureOut">
               <a:rPr lang="en-US" smtClean="0"/>
-              <a:t>1/26/2015</a:t>
+              <a:t>1/27/2015</a:t>
             </a:fld>
             <a:endParaRPr lang="en-US"/>
           </a:p>
@@ -2284,7 +2285,7 @@
           <a:p>
             <a:fld id="{844C98E4-C9EE-4E87-AFEC-1BE23205BC3C}" type="datetimeFigureOut">
               <a:rPr lang="en-US" smtClean="0"/>
-              <a:t>1/26/2015</a:t>
+              <a:t>1/27/2015</a:t>
             </a:fld>
             <a:endParaRPr lang="en-US"/>
           </a:p>
@@ -2561,7 +2562,7 @@
           <a:p>
             <a:fld id="{844C98E4-C9EE-4E87-AFEC-1BE23205BC3C}" type="datetimeFigureOut">
               <a:rPr lang="en-US" smtClean="0"/>
-              <a:t>1/26/2015</a:t>
+              <a:t>1/27/2015</a:t>
             </a:fld>
             <a:endParaRPr lang="en-US"/>
           </a:p>
@@ -2814,7 +2815,7 @@
           <a:p>
             <a:fld id="{844C98E4-C9EE-4E87-AFEC-1BE23205BC3C}" type="datetimeFigureOut">
               <a:rPr lang="en-US" smtClean="0"/>
-              <a:t>1/26/2015</a:t>
+              <a:t>1/27/2015</a:t>
             </a:fld>
             <a:endParaRPr lang="en-US"/>
           </a:p>
@@ -3027,7 +3028,7 @@
           <a:p>
             <a:fld id="{844C98E4-C9EE-4E87-AFEC-1BE23205BC3C}" type="datetimeFigureOut">
               <a:rPr lang="en-US" smtClean="0"/>
-              <a:t>1/26/2015</a:t>
+              <a:t>1/27/2015</a:t>
             </a:fld>
             <a:endParaRPr lang="en-US"/>
           </a:p>
@@ -12338,6 +12339,666 @@
     <p:extLst>
       <p:ext uri="{BB962C8B-B14F-4D97-AF65-F5344CB8AC3E}">
         <p14:creationId xmlns:p14="http://schemas.microsoft.com/office/powerpoint/2010/main" val="718796236"/>
+      </p:ext>
+    </p:extLst>
+  </p:cSld>
+  <p:clrMapOvr>
+    <a:masterClrMapping/>
+  </p:clrMapOvr>
+  <p:timing>
+    <p:tnLst>
+      <p:par>
+        <p:cTn id="1" dur="indefinite" restart="never" nodeType="tmRoot"/>
+      </p:par>
+    </p:tnLst>
+  </p:timing>
+</p:sld>
+</file>
+
+<file path=ppt/slides/slide17.xml><?xml version="1.0" encoding="utf-8"?>
+<p:sld xmlns:a="http://schemas.openxmlformats.org/drawingml/2006/main" xmlns:r="http://schemas.openxmlformats.org/officeDocument/2006/relationships" xmlns:p="http://schemas.openxmlformats.org/presentationml/2006/main">
+  <p:cSld>
+    <p:spTree>
+      <p:nvGrpSpPr>
+        <p:cNvPr id="1" name=""/>
+        <p:cNvGrpSpPr/>
+        <p:nvPr/>
+      </p:nvGrpSpPr>
+      <p:grpSpPr>
+        <a:xfrm>
+          <a:off x="0" y="0"/>
+          <a:ext cx="0" cy="0"/>
+          <a:chOff x="0" y="0"/>
+          <a:chExt cx="0" cy="0"/>
+        </a:xfrm>
+      </p:grpSpPr>
+      <p:sp>
+        <p:nvSpPr>
+          <p:cNvPr id="2" name="Rectangle 1"/>
+          <p:cNvSpPr/>
+          <p:nvPr/>
+        </p:nvSpPr>
+        <p:spPr>
+          <a:xfrm>
+            <a:off x="676274" y="3952875"/>
+            <a:ext cx="1190626" cy="466725"/>
+          </a:xfrm>
+          <a:prstGeom prst="rect">
+            <a:avLst/>
+          </a:prstGeom>
+          <a:noFill/>
+          <a:ln w="19050">
+            <a:solidFill>
+              <a:schemeClr val="tx1"/>
+            </a:solidFill>
+          </a:ln>
+        </p:spPr>
+        <p:style>
+          <a:lnRef idx="2">
+            <a:schemeClr val="accent1">
+              <a:shade val="50000"/>
+            </a:schemeClr>
+          </a:lnRef>
+          <a:fillRef idx="1">
+            <a:schemeClr val="accent1"/>
+          </a:fillRef>
+          <a:effectRef idx="0">
+            <a:schemeClr val="accent1"/>
+          </a:effectRef>
+          <a:fontRef idx="minor">
+            <a:schemeClr val="lt1"/>
+          </a:fontRef>
+        </p:style>
+        <p:txBody>
+          <a:bodyPr rtlCol="0" anchor="ctr"/>
+          <a:lstStyle/>
+          <a:p>
+            <a:pPr algn="ctr"/>
+            <a:r>
+              <a:rPr lang="en-US" sz="1100" b="1" dirty="0" smtClean="0">
+                <a:solidFill>
+                  <a:schemeClr val="tx1"/>
+                </a:solidFill>
+                <a:latin typeface="Times New Roman" panose="02020603050405020304" pitchFamily="18" charset="0"/>
+                <a:cs typeface="Times New Roman" panose="02020603050405020304" pitchFamily="18" charset="0"/>
+              </a:rPr>
+              <a:t>Communication </a:t>
+            </a:r>
+          </a:p>
+          <a:p>
+            <a:pPr algn="ctr"/>
+            <a:r>
+              <a:rPr lang="en-US" sz="1100" b="1" dirty="0" smtClean="0">
+                <a:solidFill>
+                  <a:schemeClr val="tx1"/>
+                </a:solidFill>
+                <a:latin typeface="Times New Roman" panose="02020603050405020304" pitchFamily="18" charset="0"/>
+                <a:cs typeface="Times New Roman" panose="02020603050405020304" pitchFamily="18" charset="0"/>
+              </a:rPr>
+              <a:t>device</a:t>
+            </a:r>
+            <a:endParaRPr lang="en-US" sz="1100" b="1" dirty="0">
+              <a:solidFill>
+                <a:schemeClr val="tx1"/>
+              </a:solidFill>
+              <a:latin typeface="Times New Roman" panose="02020603050405020304" pitchFamily="18" charset="0"/>
+              <a:cs typeface="Times New Roman" panose="02020603050405020304" pitchFamily="18" charset="0"/>
+            </a:endParaRPr>
+          </a:p>
+        </p:txBody>
+      </p:sp>
+      <p:sp>
+        <p:nvSpPr>
+          <p:cNvPr id="3" name="Rectangle 2"/>
+          <p:cNvSpPr/>
+          <p:nvPr/>
+        </p:nvSpPr>
+        <p:spPr>
+          <a:xfrm>
+            <a:off x="3486149" y="3952874"/>
+            <a:ext cx="1190626" cy="466725"/>
+          </a:xfrm>
+          <a:prstGeom prst="rect">
+            <a:avLst/>
+          </a:prstGeom>
+          <a:noFill/>
+          <a:ln w="19050">
+            <a:solidFill>
+              <a:schemeClr val="tx1"/>
+            </a:solidFill>
+          </a:ln>
+        </p:spPr>
+        <p:style>
+          <a:lnRef idx="2">
+            <a:schemeClr val="accent1">
+              <a:shade val="50000"/>
+            </a:schemeClr>
+          </a:lnRef>
+          <a:fillRef idx="1">
+            <a:schemeClr val="accent1"/>
+          </a:fillRef>
+          <a:effectRef idx="0">
+            <a:schemeClr val="accent1"/>
+          </a:effectRef>
+          <a:fontRef idx="minor">
+            <a:schemeClr val="lt1"/>
+          </a:fontRef>
+        </p:style>
+        <p:txBody>
+          <a:bodyPr rtlCol="0" anchor="ctr"/>
+          <a:lstStyle/>
+          <a:p>
+            <a:pPr algn="ctr"/>
+            <a:r>
+              <a:rPr lang="en-US" sz="1100" b="1" dirty="0" smtClean="0">
+                <a:solidFill>
+                  <a:schemeClr val="tx1"/>
+                </a:solidFill>
+                <a:latin typeface="Times New Roman" panose="02020603050405020304" pitchFamily="18" charset="0"/>
+                <a:cs typeface="Times New Roman" panose="02020603050405020304" pitchFamily="18" charset="0"/>
+              </a:rPr>
+              <a:t>Sensor(s</a:t>
+            </a:r>
+            <a:r>
+              <a:rPr lang="en-US" sz="1100" b="1" dirty="0" smtClean="0">
+                <a:solidFill>
+                  <a:schemeClr val="tx1"/>
+                </a:solidFill>
+                <a:latin typeface="Times New Roman" panose="02020603050405020304" pitchFamily="18" charset="0"/>
+                <a:cs typeface="Times New Roman" panose="02020603050405020304" pitchFamily="18" charset="0"/>
+              </a:rPr>
+              <a:t>)</a:t>
+            </a:r>
+            <a:endParaRPr lang="en-US" sz="1100" b="1" dirty="0" smtClean="0">
+              <a:solidFill>
+                <a:schemeClr val="tx1"/>
+              </a:solidFill>
+              <a:latin typeface="Times New Roman" panose="02020603050405020304" pitchFamily="18" charset="0"/>
+              <a:cs typeface="Times New Roman" panose="02020603050405020304" pitchFamily="18" charset="0"/>
+            </a:endParaRPr>
+          </a:p>
+        </p:txBody>
+      </p:sp>
+      <p:sp>
+        <p:nvSpPr>
+          <p:cNvPr id="4" name="Rectangle 3"/>
+          <p:cNvSpPr/>
+          <p:nvPr/>
+        </p:nvSpPr>
+        <p:spPr>
+          <a:xfrm>
+            <a:off x="2081211" y="3203898"/>
+            <a:ext cx="1190626" cy="333374"/>
+          </a:xfrm>
+          <a:prstGeom prst="rect">
+            <a:avLst/>
+          </a:prstGeom>
+          <a:noFill/>
+          <a:ln w="19050">
+            <a:solidFill>
+              <a:schemeClr val="tx1"/>
+            </a:solidFill>
+          </a:ln>
+        </p:spPr>
+        <p:style>
+          <a:lnRef idx="2">
+            <a:schemeClr val="accent1">
+              <a:shade val="50000"/>
+            </a:schemeClr>
+          </a:lnRef>
+          <a:fillRef idx="1">
+            <a:schemeClr val="accent1"/>
+          </a:fillRef>
+          <a:effectRef idx="0">
+            <a:schemeClr val="accent1"/>
+          </a:effectRef>
+          <a:fontRef idx="minor">
+            <a:schemeClr val="lt1"/>
+          </a:fontRef>
+        </p:style>
+        <p:txBody>
+          <a:bodyPr rtlCol="0" anchor="ctr"/>
+          <a:lstStyle/>
+          <a:p>
+            <a:pPr algn="ctr"/>
+            <a:r>
+              <a:rPr lang="en-US" sz="1100" b="1" dirty="0" smtClean="0">
+                <a:solidFill>
+                  <a:schemeClr val="tx1"/>
+                </a:solidFill>
+                <a:latin typeface="Times New Roman" panose="02020603050405020304" pitchFamily="18" charset="0"/>
+                <a:cs typeface="Times New Roman" panose="02020603050405020304" pitchFamily="18" charset="0"/>
+              </a:rPr>
+              <a:t>Memory</a:t>
+            </a:r>
+            <a:endParaRPr lang="en-US" sz="1100" b="1" dirty="0">
+              <a:solidFill>
+                <a:schemeClr val="tx1"/>
+              </a:solidFill>
+              <a:latin typeface="Times New Roman" panose="02020603050405020304" pitchFamily="18" charset="0"/>
+              <a:cs typeface="Times New Roman" panose="02020603050405020304" pitchFamily="18" charset="0"/>
+            </a:endParaRPr>
+          </a:p>
+        </p:txBody>
+      </p:sp>
+      <p:sp>
+        <p:nvSpPr>
+          <p:cNvPr id="5" name="Rectangle 4"/>
+          <p:cNvSpPr/>
+          <p:nvPr/>
+        </p:nvSpPr>
+        <p:spPr>
+          <a:xfrm>
+            <a:off x="2081211" y="3952874"/>
+            <a:ext cx="1190624" cy="466725"/>
+          </a:xfrm>
+          <a:prstGeom prst="rect">
+            <a:avLst/>
+          </a:prstGeom>
+          <a:noFill/>
+          <a:ln w="19050">
+            <a:solidFill>
+              <a:schemeClr val="tx1"/>
+            </a:solidFill>
+          </a:ln>
+        </p:spPr>
+        <p:style>
+          <a:lnRef idx="2">
+            <a:schemeClr val="accent1">
+              <a:shade val="50000"/>
+            </a:schemeClr>
+          </a:lnRef>
+          <a:fillRef idx="1">
+            <a:schemeClr val="accent1"/>
+          </a:fillRef>
+          <a:effectRef idx="0">
+            <a:schemeClr val="accent1"/>
+          </a:effectRef>
+          <a:fontRef idx="minor">
+            <a:schemeClr val="lt1"/>
+          </a:fontRef>
+        </p:style>
+        <p:txBody>
+          <a:bodyPr rtlCol="0" anchor="ctr"/>
+          <a:lstStyle/>
+          <a:p>
+            <a:pPr algn="ctr"/>
+            <a:r>
+              <a:rPr lang="en-US" sz="1100" b="1" dirty="0" smtClean="0">
+                <a:solidFill>
+                  <a:schemeClr val="tx1"/>
+                </a:solidFill>
+                <a:latin typeface="Times New Roman" panose="02020603050405020304" pitchFamily="18" charset="0"/>
+                <a:cs typeface="Times New Roman" panose="02020603050405020304" pitchFamily="18" charset="0"/>
+              </a:rPr>
+              <a:t>Controller</a:t>
+            </a:r>
+            <a:endParaRPr lang="en-US" sz="1100" b="1" dirty="0">
+              <a:solidFill>
+                <a:schemeClr val="tx1"/>
+              </a:solidFill>
+              <a:latin typeface="Times New Roman" panose="02020603050405020304" pitchFamily="18" charset="0"/>
+              <a:cs typeface="Times New Roman" panose="02020603050405020304" pitchFamily="18" charset="0"/>
+            </a:endParaRPr>
+          </a:p>
+        </p:txBody>
+      </p:sp>
+      <p:sp>
+        <p:nvSpPr>
+          <p:cNvPr id="6" name="Rectangle 5"/>
+          <p:cNvSpPr/>
+          <p:nvPr/>
+        </p:nvSpPr>
+        <p:spPr>
+          <a:xfrm>
+            <a:off x="2081211" y="4917426"/>
+            <a:ext cx="1190624" cy="311798"/>
+          </a:xfrm>
+          <a:prstGeom prst="rect">
+            <a:avLst/>
+          </a:prstGeom>
+          <a:noFill/>
+          <a:ln w="19050">
+            <a:solidFill>
+              <a:schemeClr val="tx1"/>
+            </a:solidFill>
+          </a:ln>
+        </p:spPr>
+        <p:style>
+          <a:lnRef idx="2">
+            <a:schemeClr val="accent1">
+              <a:shade val="50000"/>
+            </a:schemeClr>
+          </a:lnRef>
+          <a:fillRef idx="1">
+            <a:schemeClr val="accent1"/>
+          </a:fillRef>
+          <a:effectRef idx="0">
+            <a:schemeClr val="accent1"/>
+          </a:effectRef>
+          <a:fontRef idx="minor">
+            <a:schemeClr val="lt1"/>
+          </a:fontRef>
+        </p:style>
+        <p:txBody>
+          <a:bodyPr rtlCol="0" anchor="ctr"/>
+          <a:lstStyle/>
+          <a:p>
+            <a:pPr algn="ctr"/>
+            <a:r>
+              <a:rPr lang="en-US" sz="1100" b="1" dirty="0" smtClean="0">
+                <a:solidFill>
+                  <a:schemeClr val="tx1"/>
+                </a:solidFill>
+                <a:latin typeface="Times New Roman" panose="02020603050405020304" pitchFamily="18" charset="0"/>
+                <a:cs typeface="Times New Roman" panose="02020603050405020304" pitchFamily="18" charset="0"/>
+              </a:rPr>
+              <a:t>Power supply</a:t>
+            </a:r>
+            <a:endParaRPr lang="en-US" sz="1100" b="1" dirty="0">
+              <a:solidFill>
+                <a:schemeClr val="tx1"/>
+              </a:solidFill>
+              <a:latin typeface="Times New Roman" panose="02020603050405020304" pitchFamily="18" charset="0"/>
+              <a:cs typeface="Times New Roman" panose="02020603050405020304" pitchFamily="18" charset="0"/>
+            </a:endParaRPr>
+          </a:p>
+        </p:txBody>
+      </p:sp>
+      <p:cxnSp>
+        <p:nvCxnSpPr>
+          <p:cNvPr id="8" name="Straight Connector 7"/>
+          <p:cNvCxnSpPr>
+            <a:stCxn id="2" idx="2"/>
+          </p:cNvCxnSpPr>
+          <p:nvPr/>
+        </p:nvCxnSpPr>
+        <p:spPr>
+          <a:xfrm>
+            <a:off x="1271587" y="4419600"/>
+            <a:ext cx="0" cy="609600"/>
+          </a:xfrm>
+          <a:prstGeom prst="line">
+            <a:avLst/>
+          </a:prstGeom>
+          <a:ln w="19050">
+            <a:solidFill>
+              <a:schemeClr val="tx1"/>
+            </a:solidFill>
+          </a:ln>
+        </p:spPr>
+        <p:style>
+          <a:lnRef idx="1">
+            <a:schemeClr val="accent1"/>
+          </a:lnRef>
+          <a:fillRef idx="0">
+            <a:schemeClr val="accent1"/>
+          </a:fillRef>
+          <a:effectRef idx="0">
+            <a:schemeClr val="accent1"/>
+          </a:effectRef>
+          <a:fontRef idx="minor">
+            <a:schemeClr val="tx1"/>
+          </a:fontRef>
+        </p:style>
+      </p:cxnSp>
+      <p:cxnSp>
+        <p:nvCxnSpPr>
+          <p:cNvPr id="9" name="Straight Connector 8"/>
+          <p:cNvCxnSpPr/>
+          <p:nvPr/>
+        </p:nvCxnSpPr>
+        <p:spPr>
+          <a:xfrm flipH="1" flipV="1">
+            <a:off x="1271587" y="5029200"/>
+            <a:ext cx="809624" cy="2"/>
+          </a:xfrm>
+          <a:prstGeom prst="line">
+            <a:avLst/>
+          </a:prstGeom>
+          <a:ln w="19050">
+            <a:solidFill>
+              <a:schemeClr val="tx1"/>
+            </a:solidFill>
+          </a:ln>
+        </p:spPr>
+        <p:style>
+          <a:lnRef idx="1">
+            <a:schemeClr val="accent1"/>
+          </a:lnRef>
+          <a:fillRef idx="0">
+            <a:schemeClr val="accent1"/>
+          </a:fillRef>
+          <a:effectRef idx="0">
+            <a:schemeClr val="accent1"/>
+          </a:effectRef>
+          <a:fontRef idx="minor">
+            <a:schemeClr val="tx1"/>
+          </a:fontRef>
+        </p:style>
+      </p:cxnSp>
+      <p:cxnSp>
+        <p:nvCxnSpPr>
+          <p:cNvPr id="15" name="Straight Connector 14"/>
+          <p:cNvCxnSpPr>
+            <a:endCxn id="6" idx="0"/>
+          </p:cNvCxnSpPr>
+          <p:nvPr/>
+        </p:nvCxnSpPr>
+        <p:spPr>
+          <a:xfrm flipH="1">
+            <a:off x="2676523" y="4419599"/>
+            <a:ext cx="2" cy="497827"/>
+          </a:xfrm>
+          <a:prstGeom prst="line">
+            <a:avLst/>
+          </a:prstGeom>
+          <a:ln w="19050">
+            <a:solidFill>
+              <a:schemeClr val="tx1"/>
+            </a:solidFill>
+          </a:ln>
+        </p:spPr>
+        <p:style>
+          <a:lnRef idx="1">
+            <a:schemeClr val="accent1"/>
+          </a:lnRef>
+          <a:fillRef idx="0">
+            <a:schemeClr val="accent1"/>
+          </a:fillRef>
+          <a:effectRef idx="0">
+            <a:schemeClr val="accent1"/>
+          </a:effectRef>
+          <a:fontRef idx="minor">
+            <a:schemeClr val="tx1"/>
+          </a:fontRef>
+        </p:style>
+      </p:cxnSp>
+      <p:cxnSp>
+        <p:nvCxnSpPr>
+          <p:cNvPr id="17" name="Straight Connector 16"/>
+          <p:cNvCxnSpPr>
+            <a:stCxn id="4" idx="2"/>
+            <a:endCxn id="5" idx="0"/>
+          </p:cNvCxnSpPr>
+          <p:nvPr/>
+        </p:nvCxnSpPr>
+        <p:spPr>
+          <a:xfrm flipH="1">
+            <a:off x="2676523" y="3537272"/>
+            <a:ext cx="1" cy="415602"/>
+          </a:xfrm>
+          <a:prstGeom prst="line">
+            <a:avLst/>
+          </a:prstGeom>
+          <a:ln w="19050">
+            <a:solidFill>
+              <a:schemeClr val="tx1"/>
+            </a:solidFill>
+          </a:ln>
+        </p:spPr>
+        <p:style>
+          <a:lnRef idx="1">
+            <a:schemeClr val="accent1"/>
+          </a:lnRef>
+          <a:fillRef idx="0">
+            <a:schemeClr val="accent1"/>
+          </a:fillRef>
+          <a:effectRef idx="0">
+            <a:schemeClr val="accent1"/>
+          </a:effectRef>
+          <a:fontRef idx="minor">
+            <a:schemeClr val="tx1"/>
+          </a:fontRef>
+        </p:style>
+      </p:cxnSp>
+      <p:cxnSp>
+        <p:nvCxnSpPr>
+          <p:cNvPr id="19" name="Straight Connector 18"/>
+          <p:cNvCxnSpPr/>
+          <p:nvPr/>
+        </p:nvCxnSpPr>
+        <p:spPr>
+          <a:xfrm>
+            <a:off x="4081460" y="4419600"/>
+            <a:ext cx="0" cy="609600"/>
+          </a:xfrm>
+          <a:prstGeom prst="line">
+            <a:avLst/>
+          </a:prstGeom>
+          <a:ln w="19050">
+            <a:solidFill>
+              <a:schemeClr val="tx1"/>
+            </a:solidFill>
+          </a:ln>
+        </p:spPr>
+        <p:style>
+          <a:lnRef idx="1">
+            <a:schemeClr val="accent1"/>
+          </a:lnRef>
+          <a:fillRef idx="0">
+            <a:schemeClr val="accent1"/>
+          </a:fillRef>
+          <a:effectRef idx="0">
+            <a:schemeClr val="accent1"/>
+          </a:effectRef>
+          <a:fontRef idx="minor">
+            <a:schemeClr val="tx1"/>
+          </a:fontRef>
+        </p:style>
+      </p:cxnSp>
+      <p:cxnSp>
+        <p:nvCxnSpPr>
+          <p:cNvPr id="24" name="Straight Connector 23"/>
+          <p:cNvCxnSpPr/>
+          <p:nvPr/>
+        </p:nvCxnSpPr>
+        <p:spPr>
+          <a:xfrm flipH="1" flipV="1">
+            <a:off x="3271837" y="5029198"/>
+            <a:ext cx="809624" cy="2"/>
+          </a:xfrm>
+          <a:prstGeom prst="line">
+            <a:avLst/>
+          </a:prstGeom>
+          <a:ln w="19050">
+            <a:solidFill>
+              <a:schemeClr val="tx1"/>
+            </a:solidFill>
+          </a:ln>
+        </p:spPr>
+        <p:style>
+          <a:lnRef idx="1">
+            <a:schemeClr val="accent1"/>
+          </a:lnRef>
+          <a:fillRef idx="0">
+            <a:schemeClr val="accent1"/>
+          </a:fillRef>
+          <a:effectRef idx="0">
+            <a:schemeClr val="accent1"/>
+          </a:effectRef>
+          <a:fontRef idx="minor">
+            <a:schemeClr val="tx1"/>
+          </a:fontRef>
+        </p:style>
+      </p:cxnSp>
+      <p:cxnSp>
+        <p:nvCxnSpPr>
+          <p:cNvPr id="12" name="Straight Connector 11"/>
+          <p:cNvCxnSpPr>
+            <a:stCxn id="2" idx="3"/>
+            <a:endCxn id="5" idx="1"/>
+          </p:cNvCxnSpPr>
+          <p:nvPr/>
+        </p:nvCxnSpPr>
+        <p:spPr>
+          <a:xfrm flipV="1">
+            <a:off x="1866900" y="4186237"/>
+            <a:ext cx="214311" cy="1"/>
+          </a:xfrm>
+          <a:prstGeom prst="line">
+            <a:avLst/>
+          </a:prstGeom>
+          <a:ln w="19050">
+            <a:solidFill>
+              <a:schemeClr val="tx1"/>
+            </a:solidFill>
+          </a:ln>
+        </p:spPr>
+        <p:style>
+          <a:lnRef idx="1">
+            <a:schemeClr val="accent1"/>
+          </a:lnRef>
+          <a:fillRef idx="0">
+            <a:schemeClr val="accent1"/>
+          </a:fillRef>
+          <a:effectRef idx="0">
+            <a:schemeClr val="accent1"/>
+          </a:effectRef>
+          <a:fontRef idx="minor">
+            <a:schemeClr val="tx1"/>
+          </a:fontRef>
+        </p:style>
+      </p:cxnSp>
+      <p:cxnSp>
+        <p:nvCxnSpPr>
+          <p:cNvPr id="18" name="Straight Connector 17"/>
+          <p:cNvCxnSpPr/>
+          <p:nvPr/>
+        </p:nvCxnSpPr>
+        <p:spPr>
+          <a:xfrm flipV="1">
+            <a:off x="3271835" y="4198771"/>
+            <a:ext cx="214311" cy="1"/>
+          </a:xfrm>
+          <a:prstGeom prst="line">
+            <a:avLst/>
+          </a:prstGeom>
+          <a:ln w="19050">
+            <a:solidFill>
+              <a:schemeClr val="tx1"/>
+            </a:solidFill>
+          </a:ln>
+        </p:spPr>
+        <p:style>
+          <a:lnRef idx="1">
+            <a:schemeClr val="accent1"/>
+          </a:lnRef>
+          <a:fillRef idx="0">
+            <a:schemeClr val="accent1"/>
+          </a:fillRef>
+          <a:effectRef idx="0">
+            <a:schemeClr val="accent1"/>
+          </a:effectRef>
+          <a:fontRef idx="minor">
+            <a:schemeClr val="tx1"/>
+          </a:fontRef>
+        </p:style>
+      </p:cxnSp>
+    </p:spTree>
+    <p:extLst>
+      <p:ext uri="{BB962C8B-B14F-4D97-AF65-F5344CB8AC3E}">
+        <p14:creationId xmlns:p14="http://schemas.microsoft.com/office/powerpoint/2010/main" val="4152046690"/>
       </p:ext>
     </p:extLst>
   </p:cSld>

--- a/images/pics.pptx
+++ b/images/pics.pptx
@@ -5,7 +5,7 @@
     <p:sldMasterId id="2147483648" r:id="rId1"/>
   </p:sldMasterIdLst>
   <p:notesMasterIdLst>
-    <p:notesMasterId r:id="rId19"/>
+    <p:notesMasterId r:id="rId21"/>
   </p:notesMasterIdLst>
   <p:sldIdLst>
     <p:sldId id="256" r:id="rId2"/>
@@ -25,6 +25,8 @@
     <p:sldId id="270" r:id="rId16"/>
     <p:sldId id="271" r:id="rId17"/>
     <p:sldId id="272" r:id="rId18"/>
+    <p:sldId id="273" r:id="rId19"/>
+    <p:sldId id="274" r:id="rId20"/>
   </p:sldIdLst>
   <p:sldSz cx="12192000" cy="6858000"/>
   <p:notesSz cx="6858000" cy="9144000"/>
@@ -224,7 +226,7 @@
           <a:p>
             <a:fld id="{4FF7AF54-2AD9-468C-807B-634631568B63}" type="datetimeFigureOut">
               <a:rPr lang="en-US" smtClean="0"/>
-              <a:t>1/27/2015</a:t>
+              <a:t>1/29/2015</a:t>
             </a:fld>
             <a:endParaRPr lang="en-US"/>
           </a:p>
@@ -707,7 +709,7 @@
           <a:p>
             <a:fld id="{844C98E4-C9EE-4E87-AFEC-1BE23205BC3C}" type="datetimeFigureOut">
               <a:rPr lang="en-US" smtClean="0"/>
-              <a:t>1/27/2015</a:t>
+              <a:t>1/29/2015</a:t>
             </a:fld>
             <a:endParaRPr lang="en-US"/>
           </a:p>
@@ -877,7 +879,7 @@
           <a:p>
             <a:fld id="{844C98E4-C9EE-4E87-AFEC-1BE23205BC3C}" type="datetimeFigureOut">
               <a:rPr lang="en-US" smtClean="0"/>
-              <a:t>1/27/2015</a:t>
+              <a:t>1/29/2015</a:t>
             </a:fld>
             <a:endParaRPr lang="en-US"/>
           </a:p>
@@ -1057,7 +1059,7 @@
           <a:p>
             <a:fld id="{844C98E4-C9EE-4E87-AFEC-1BE23205BC3C}" type="datetimeFigureOut">
               <a:rPr lang="en-US" smtClean="0"/>
-              <a:t>1/27/2015</a:t>
+              <a:t>1/29/2015</a:t>
             </a:fld>
             <a:endParaRPr lang="en-US"/>
           </a:p>
@@ -1227,7 +1229,7 @@
           <a:p>
             <a:fld id="{844C98E4-C9EE-4E87-AFEC-1BE23205BC3C}" type="datetimeFigureOut">
               <a:rPr lang="en-US" smtClean="0"/>
-              <a:t>1/27/2015</a:t>
+              <a:t>1/29/2015</a:t>
             </a:fld>
             <a:endParaRPr lang="en-US"/>
           </a:p>
@@ -1473,7 +1475,7 @@
           <a:p>
             <a:fld id="{844C98E4-C9EE-4E87-AFEC-1BE23205BC3C}" type="datetimeFigureOut">
               <a:rPr lang="en-US" smtClean="0"/>
-              <a:t>1/27/2015</a:t>
+              <a:t>1/29/2015</a:t>
             </a:fld>
             <a:endParaRPr lang="en-US"/>
           </a:p>
@@ -1705,7 +1707,7 @@
           <a:p>
             <a:fld id="{844C98E4-C9EE-4E87-AFEC-1BE23205BC3C}" type="datetimeFigureOut">
               <a:rPr lang="en-US" smtClean="0"/>
-              <a:t>1/27/2015</a:t>
+              <a:t>1/29/2015</a:t>
             </a:fld>
             <a:endParaRPr lang="en-US"/>
           </a:p>
@@ -2072,7 +2074,7 @@
           <a:p>
             <a:fld id="{844C98E4-C9EE-4E87-AFEC-1BE23205BC3C}" type="datetimeFigureOut">
               <a:rPr lang="en-US" smtClean="0"/>
-              <a:t>1/27/2015</a:t>
+              <a:t>1/29/2015</a:t>
             </a:fld>
             <a:endParaRPr lang="en-US"/>
           </a:p>
@@ -2190,7 +2192,7 @@
           <a:p>
             <a:fld id="{844C98E4-C9EE-4E87-AFEC-1BE23205BC3C}" type="datetimeFigureOut">
               <a:rPr lang="en-US" smtClean="0"/>
-              <a:t>1/27/2015</a:t>
+              <a:t>1/29/2015</a:t>
             </a:fld>
             <a:endParaRPr lang="en-US"/>
           </a:p>
@@ -2285,7 +2287,7 @@
           <a:p>
             <a:fld id="{844C98E4-C9EE-4E87-AFEC-1BE23205BC3C}" type="datetimeFigureOut">
               <a:rPr lang="en-US" smtClean="0"/>
-              <a:t>1/27/2015</a:t>
+              <a:t>1/29/2015</a:t>
             </a:fld>
             <a:endParaRPr lang="en-US"/>
           </a:p>
@@ -2562,7 +2564,7 @@
           <a:p>
             <a:fld id="{844C98E4-C9EE-4E87-AFEC-1BE23205BC3C}" type="datetimeFigureOut">
               <a:rPr lang="en-US" smtClean="0"/>
-              <a:t>1/27/2015</a:t>
+              <a:t>1/29/2015</a:t>
             </a:fld>
             <a:endParaRPr lang="en-US"/>
           </a:p>
@@ -2815,7 +2817,7 @@
           <a:p>
             <a:fld id="{844C98E4-C9EE-4E87-AFEC-1BE23205BC3C}" type="datetimeFigureOut">
               <a:rPr lang="en-US" smtClean="0"/>
-              <a:t>1/27/2015</a:t>
+              <a:t>1/29/2015</a:t>
             </a:fld>
             <a:endParaRPr lang="en-US"/>
           </a:p>
@@ -3028,7 +3030,7 @@
           <a:p>
             <a:fld id="{844C98E4-C9EE-4E87-AFEC-1BE23205BC3C}" type="datetimeFigureOut">
               <a:rPr lang="en-US" smtClean="0"/>
-              <a:t>1/27/2015</a:t>
+              <a:t>1/29/2015</a:t>
             </a:fld>
             <a:endParaRPr lang="en-US"/>
           </a:p>
@@ -12497,25 +12499,8 @@
                 <a:latin typeface="Times New Roman" panose="02020603050405020304" pitchFamily="18" charset="0"/>
                 <a:cs typeface="Times New Roman" panose="02020603050405020304" pitchFamily="18" charset="0"/>
               </a:rPr>
-              <a:t>Sensor(s</a:t>
-            </a:r>
-            <a:r>
-              <a:rPr lang="en-US" sz="1100" b="1" dirty="0" smtClean="0">
-                <a:solidFill>
-                  <a:schemeClr val="tx1"/>
-                </a:solidFill>
-                <a:latin typeface="Times New Roman" panose="02020603050405020304" pitchFamily="18" charset="0"/>
-                <a:cs typeface="Times New Roman" panose="02020603050405020304" pitchFamily="18" charset="0"/>
-              </a:rPr>
-              <a:t>)</a:t>
-            </a:r>
-            <a:endParaRPr lang="en-US" sz="1100" b="1" dirty="0" smtClean="0">
-              <a:solidFill>
-                <a:schemeClr val="tx1"/>
-              </a:solidFill>
-              <a:latin typeface="Times New Roman" panose="02020603050405020304" pitchFamily="18" charset="0"/>
-              <a:cs typeface="Times New Roman" panose="02020603050405020304" pitchFamily="18" charset="0"/>
-            </a:endParaRPr>
+              <a:t>Sensor(s)</a:t>
+            </a:r>
           </a:p>
         </p:txBody>
       </p:sp>
@@ -12999,6 +12984,2307 @@
     <p:extLst>
       <p:ext uri="{BB962C8B-B14F-4D97-AF65-F5344CB8AC3E}">
         <p14:creationId xmlns:p14="http://schemas.microsoft.com/office/powerpoint/2010/main" val="4152046690"/>
+      </p:ext>
+    </p:extLst>
+  </p:cSld>
+  <p:clrMapOvr>
+    <a:masterClrMapping/>
+  </p:clrMapOvr>
+  <p:timing>
+    <p:tnLst>
+      <p:par>
+        <p:cTn id="1" dur="indefinite" restart="never" nodeType="tmRoot"/>
+      </p:par>
+    </p:tnLst>
+  </p:timing>
+</p:sld>
+</file>
+
+<file path=ppt/slides/slide18.xml><?xml version="1.0" encoding="utf-8"?>
+<p:sld xmlns:a="http://schemas.openxmlformats.org/drawingml/2006/main" xmlns:r="http://schemas.openxmlformats.org/officeDocument/2006/relationships" xmlns:p="http://schemas.openxmlformats.org/presentationml/2006/main">
+  <p:cSld>
+    <p:spTree>
+      <p:nvGrpSpPr>
+        <p:cNvPr id="1" name=""/>
+        <p:cNvGrpSpPr/>
+        <p:nvPr/>
+      </p:nvGrpSpPr>
+      <p:grpSpPr>
+        <a:xfrm>
+          <a:off x="0" y="0"/>
+          <a:ext cx="0" cy="0"/>
+          <a:chOff x="0" y="0"/>
+          <a:chExt cx="0" cy="0"/>
+        </a:xfrm>
+      </p:grpSpPr>
+      <p:sp>
+        <p:nvSpPr>
+          <p:cNvPr id="2" name="Rectangle 1"/>
+          <p:cNvSpPr/>
+          <p:nvPr/>
+        </p:nvSpPr>
+        <p:spPr>
+          <a:xfrm>
+            <a:off x="731520" y="5928958"/>
+            <a:ext cx="891028" cy="436728"/>
+          </a:xfrm>
+          <a:prstGeom prst="rect">
+            <a:avLst/>
+          </a:prstGeom>
+          <a:noFill/>
+          <a:ln w="12700">
+            <a:solidFill>
+              <a:schemeClr val="tx1"/>
+            </a:solidFill>
+          </a:ln>
+        </p:spPr>
+        <p:style>
+          <a:lnRef idx="2">
+            <a:schemeClr val="accent6"/>
+          </a:lnRef>
+          <a:fillRef idx="1">
+            <a:schemeClr val="lt1"/>
+          </a:fillRef>
+          <a:effectRef idx="0">
+            <a:schemeClr val="accent6"/>
+          </a:effectRef>
+          <a:fontRef idx="minor">
+            <a:schemeClr val="dk1"/>
+          </a:fontRef>
+        </p:style>
+        <p:txBody>
+          <a:bodyPr rtlCol="0" anchor="ctr"/>
+          <a:lstStyle/>
+          <a:p>
+            <a:pPr algn="ctr"/>
+            <a:r>
+              <a:rPr lang="en-US" sz="1000" dirty="0" smtClean="0">
+                <a:latin typeface="Times New Roman" panose="02020603050405020304" pitchFamily="18" charset="0"/>
+                <a:cs typeface="Times New Roman" panose="02020603050405020304" pitchFamily="18" charset="0"/>
+              </a:rPr>
+              <a:t>Plaintext</a:t>
+            </a:r>
+          </a:p>
+          <a:p>
+            <a:pPr algn="ctr"/>
+            <a:r>
+              <a:rPr lang="en-US" sz="1000" dirty="0" smtClean="0">
+                <a:latin typeface="Times New Roman" panose="02020603050405020304" pitchFamily="18" charset="0"/>
+                <a:cs typeface="Times New Roman" panose="02020603050405020304" pitchFamily="18" charset="0"/>
+              </a:rPr>
+              <a:t>source</a:t>
+            </a:r>
+            <a:endParaRPr lang="en-US" sz="1000" dirty="0">
+              <a:latin typeface="Times New Roman" panose="02020603050405020304" pitchFamily="18" charset="0"/>
+              <a:cs typeface="Times New Roman" panose="02020603050405020304" pitchFamily="18" charset="0"/>
+            </a:endParaRPr>
+          </a:p>
+        </p:txBody>
+      </p:sp>
+      <p:sp>
+        <p:nvSpPr>
+          <p:cNvPr id="3" name="Rectangle 2"/>
+          <p:cNvSpPr/>
+          <p:nvPr/>
+        </p:nvSpPr>
+        <p:spPr>
+          <a:xfrm>
+            <a:off x="731520" y="5205058"/>
+            <a:ext cx="891028" cy="436728"/>
+          </a:xfrm>
+          <a:prstGeom prst="rect">
+            <a:avLst/>
+          </a:prstGeom>
+          <a:noFill/>
+          <a:ln w="12700">
+            <a:solidFill>
+              <a:schemeClr val="tx1"/>
+            </a:solidFill>
+          </a:ln>
+        </p:spPr>
+        <p:style>
+          <a:lnRef idx="2">
+            <a:schemeClr val="accent6"/>
+          </a:lnRef>
+          <a:fillRef idx="1">
+            <a:schemeClr val="lt1"/>
+          </a:fillRef>
+          <a:effectRef idx="0">
+            <a:schemeClr val="accent6"/>
+          </a:effectRef>
+          <a:fontRef idx="minor">
+            <a:schemeClr val="dk1"/>
+          </a:fontRef>
+        </p:style>
+        <p:txBody>
+          <a:bodyPr rtlCol="0" anchor="ctr"/>
+          <a:lstStyle/>
+          <a:p>
+            <a:pPr algn="ctr"/>
+            <a:r>
+              <a:rPr lang="en-US" sz="1000" dirty="0" smtClean="0">
+                <a:latin typeface="Times New Roman" panose="02020603050405020304" pitchFamily="18" charset="0"/>
+                <a:cs typeface="Times New Roman" panose="02020603050405020304" pitchFamily="18" charset="0"/>
+              </a:rPr>
+              <a:t>Encryption</a:t>
+            </a:r>
+          </a:p>
+          <a:p>
+            <a:pPr algn="ctr"/>
+            <a:r>
+              <a:rPr lang="en-US" sz="1000" dirty="0" smtClean="0">
+                <a:latin typeface="Times New Roman" panose="02020603050405020304" pitchFamily="18" charset="0"/>
+                <a:cs typeface="Times New Roman" panose="02020603050405020304" pitchFamily="18" charset="0"/>
+              </a:rPr>
+              <a:t>E</a:t>
+            </a:r>
+            <a:r>
+              <a:rPr lang="en-US" sz="1000" baseline="-25000" dirty="0" smtClean="0">
+                <a:latin typeface="Times New Roman" panose="02020603050405020304" pitchFamily="18" charset="0"/>
+                <a:cs typeface="Times New Roman" panose="02020603050405020304" pitchFamily="18" charset="0"/>
+              </a:rPr>
+              <a:t>e </a:t>
+            </a:r>
+            <a:r>
+              <a:rPr lang="en-US" sz="1000" dirty="0">
+                <a:latin typeface="Times New Roman" panose="02020603050405020304" pitchFamily="18" charset="0"/>
+                <a:cs typeface="Times New Roman" panose="02020603050405020304" pitchFamily="18" charset="0"/>
+              </a:rPr>
+              <a:t>(m</a:t>
+            </a:r>
+            <a:r>
+              <a:rPr lang="en-US" sz="1000" dirty="0" smtClean="0">
+                <a:latin typeface="Times New Roman" panose="02020603050405020304" pitchFamily="18" charset="0"/>
+                <a:cs typeface="Times New Roman" panose="02020603050405020304" pitchFamily="18" charset="0"/>
+              </a:rPr>
+              <a:t>) = c </a:t>
+            </a:r>
+            <a:endParaRPr lang="en-US" sz="1000" baseline="-25000" dirty="0">
+              <a:latin typeface="Times New Roman" panose="02020603050405020304" pitchFamily="18" charset="0"/>
+              <a:cs typeface="Times New Roman" panose="02020603050405020304" pitchFamily="18" charset="0"/>
+            </a:endParaRPr>
+          </a:p>
+        </p:txBody>
+      </p:sp>
+      <p:sp>
+        <p:nvSpPr>
+          <p:cNvPr id="4" name="Rectangle 3"/>
+          <p:cNvSpPr/>
+          <p:nvPr/>
+        </p:nvSpPr>
+        <p:spPr>
+          <a:xfrm>
+            <a:off x="731520" y="4501632"/>
+            <a:ext cx="891028" cy="416253"/>
+          </a:xfrm>
+          <a:prstGeom prst="rect">
+            <a:avLst/>
+          </a:prstGeom>
+          <a:noFill/>
+          <a:ln w="12700">
+            <a:solidFill>
+              <a:schemeClr val="tx1"/>
+            </a:solidFill>
+          </a:ln>
+        </p:spPr>
+        <p:style>
+          <a:lnRef idx="2">
+            <a:schemeClr val="accent6"/>
+          </a:lnRef>
+          <a:fillRef idx="1">
+            <a:schemeClr val="lt1"/>
+          </a:fillRef>
+          <a:effectRef idx="0">
+            <a:schemeClr val="accent6"/>
+          </a:effectRef>
+          <a:fontRef idx="minor">
+            <a:schemeClr val="dk1"/>
+          </a:fontRef>
+        </p:style>
+        <p:txBody>
+          <a:bodyPr rtlCol="0" anchor="ctr"/>
+          <a:lstStyle/>
+          <a:p>
+            <a:pPr algn="ctr"/>
+            <a:endParaRPr lang="en-US" sz="1000" dirty="0" smtClean="0">
+              <a:latin typeface="Times New Roman" panose="02020603050405020304" pitchFamily="18" charset="0"/>
+              <a:cs typeface="Times New Roman" panose="02020603050405020304" pitchFamily="18" charset="0"/>
+            </a:endParaRPr>
+          </a:p>
+          <a:p>
+            <a:pPr algn="ctr"/>
+            <a:r>
+              <a:rPr lang="en-US" sz="1000" dirty="0" smtClean="0">
+                <a:latin typeface="Times New Roman" panose="02020603050405020304" pitchFamily="18" charset="0"/>
+                <a:cs typeface="Times New Roman" panose="02020603050405020304" pitchFamily="18" charset="0"/>
+              </a:rPr>
+              <a:t>Key </a:t>
+            </a:r>
+          </a:p>
+          <a:p>
+            <a:pPr algn="ctr"/>
+            <a:r>
+              <a:rPr lang="en-US" sz="1000" dirty="0" smtClean="0">
+                <a:latin typeface="Times New Roman" panose="02020603050405020304" pitchFamily="18" charset="0"/>
+                <a:cs typeface="Times New Roman" panose="02020603050405020304" pitchFamily="18" charset="0"/>
+              </a:rPr>
+              <a:t>source</a:t>
+            </a:r>
+          </a:p>
+          <a:p>
+            <a:pPr algn="ctr"/>
+            <a:endParaRPr lang="en-US" sz="1000" dirty="0">
+              <a:latin typeface="Times New Roman" panose="02020603050405020304" pitchFamily="18" charset="0"/>
+              <a:cs typeface="Times New Roman" panose="02020603050405020304" pitchFamily="18" charset="0"/>
+            </a:endParaRPr>
+          </a:p>
+        </p:txBody>
+      </p:sp>
+      <p:cxnSp>
+        <p:nvCxnSpPr>
+          <p:cNvPr id="7" name="Straight Arrow Connector 6"/>
+          <p:cNvCxnSpPr>
+            <a:stCxn id="4" idx="2"/>
+            <a:endCxn id="3" idx="0"/>
+          </p:cNvCxnSpPr>
+          <p:nvPr/>
+        </p:nvCxnSpPr>
+        <p:spPr>
+          <a:xfrm>
+            <a:off x="1177034" y="4917885"/>
+            <a:ext cx="0" cy="287173"/>
+          </a:xfrm>
+          <a:prstGeom prst="straightConnector1">
+            <a:avLst/>
+          </a:prstGeom>
+          <a:ln w="12700">
+            <a:solidFill>
+              <a:schemeClr val="tx1"/>
+            </a:solidFill>
+            <a:tailEnd type="triangle"/>
+          </a:ln>
+        </p:spPr>
+        <p:style>
+          <a:lnRef idx="1">
+            <a:schemeClr val="accent1"/>
+          </a:lnRef>
+          <a:fillRef idx="0">
+            <a:schemeClr val="accent1"/>
+          </a:fillRef>
+          <a:effectRef idx="0">
+            <a:schemeClr val="accent1"/>
+          </a:effectRef>
+          <a:fontRef idx="minor">
+            <a:schemeClr val="tx1"/>
+          </a:fontRef>
+        </p:style>
+      </p:cxnSp>
+      <p:cxnSp>
+        <p:nvCxnSpPr>
+          <p:cNvPr id="8" name="Straight Arrow Connector 7"/>
+          <p:cNvCxnSpPr/>
+          <p:nvPr/>
+        </p:nvCxnSpPr>
+        <p:spPr>
+          <a:xfrm flipH="1" flipV="1">
+            <a:off x="1177034" y="5638801"/>
+            <a:ext cx="3554" cy="293142"/>
+          </a:xfrm>
+          <a:prstGeom prst="straightConnector1">
+            <a:avLst/>
+          </a:prstGeom>
+          <a:ln w="12700">
+            <a:solidFill>
+              <a:schemeClr val="tx1"/>
+            </a:solidFill>
+            <a:tailEnd type="triangle"/>
+          </a:ln>
+        </p:spPr>
+        <p:style>
+          <a:lnRef idx="1">
+            <a:schemeClr val="accent1"/>
+          </a:lnRef>
+          <a:fillRef idx="0">
+            <a:schemeClr val="accent1"/>
+          </a:fillRef>
+          <a:effectRef idx="0">
+            <a:schemeClr val="accent1"/>
+          </a:effectRef>
+          <a:fontRef idx="minor">
+            <a:schemeClr val="tx1"/>
+          </a:fontRef>
+        </p:style>
+      </p:cxnSp>
+      <p:sp>
+        <p:nvSpPr>
+          <p:cNvPr id="10" name="TextBox 9"/>
+          <p:cNvSpPr txBox="1"/>
+          <p:nvPr/>
+        </p:nvSpPr>
+        <p:spPr>
+          <a:xfrm>
+            <a:off x="1205481" y="4938361"/>
+            <a:ext cx="129540" cy="246221"/>
+          </a:xfrm>
+          <a:prstGeom prst="rect">
+            <a:avLst/>
+          </a:prstGeom>
+          <a:noFill/>
+        </p:spPr>
+        <p:txBody>
+          <a:bodyPr wrap="square" rtlCol="0">
+            <a:spAutoFit/>
+          </a:bodyPr>
+          <a:lstStyle/>
+          <a:p>
+            <a:r>
+              <a:rPr lang="en-US" sz="1000" b="1" dirty="0" smtClean="0">
+                <a:latin typeface="Times New Roman" panose="02020603050405020304" pitchFamily="18" charset="0"/>
+                <a:cs typeface="Times New Roman" panose="02020603050405020304" pitchFamily="18" charset="0"/>
+              </a:rPr>
+              <a:t>e</a:t>
+            </a:r>
+            <a:endParaRPr lang="en-US" sz="1000" b="1" dirty="0">
+              <a:latin typeface="Times New Roman" panose="02020603050405020304" pitchFamily="18" charset="0"/>
+              <a:cs typeface="Times New Roman" panose="02020603050405020304" pitchFamily="18" charset="0"/>
+            </a:endParaRPr>
+          </a:p>
+        </p:txBody>
+      </p:sp>
+      <p:sp>
+        <p:nvSpPr>
+          <p:cNvPr id="11" name="TextBox 10"/>
+          <p:cNvSpPr txBox="1"/>
+          <p:nvPr/>
+        </p:nvSpPr>
+        <p:spPr>
+          <a:xfrm>
+            <a:off x="1224018" y="5682737"/>
+            <a:ext cx="129540" cy="246221"/>
+          </a:xfrm>
+          <a:prstGeom prst="rect">
+            <a:avLst/>
+          </a:prstGeom>
+          <a:noFill/>
+        </p:spPr>
+        <p:txBody>
+          <a:bodyPr wrap="square" rtlCol="0">
+            <a:spAutoFit/>
+          </a:bodyPr>
+          <a:lstStyle/>
+          <a:p>
+            <a:r>
+              <a:rPr lang="en-US" sz="1000" b="1" dirty="0" smtClean="0">
+                <a:latin typeface="Times New Roman" panose="02020603050405020304" pitchFamily="18" charset="0"/>
+                <a:cs typeface="Times New Roman" panose="02020603050405020304" pitchFamily="18" charset="0"/>
+              </a:rPr>
+              <a:t>m</a:t>
+            </a:r>
+            <a:endParaRPr lang="en-US" sz="1000" b="1" dirty="0">
+              <a:latin typeface="Times New Roman" panose="02020603050405020304" pitchFamily="18" charset="0"/>
+              <a:cs typeface="Times New Roman" panose="02020603050405020304" pitchFamily="18" charset="0"/>
+            </a:endParaRPr>
+          </a:p>
+        </p:txBody>
+      </p:sp>
+      <p:sp>
+        <p:nvSpPr>
+          <p:cNvPr id="12" name="Rectangle 11"/>
+          <p:cNvSpPr/>
+          <p:nvPr/>
+        </p:nvSpPr>
+        <p:spPr>
+          <a:xfrm>
+            <a:off x="678180" y="4434840"/>
+            <a:ext cx="1005840" cy="2019300"/>
+          </a:xfrm>
+          <a:prstGeom prst="rect">
+            <a:avLst/>
+          </a:prstGeom>
+          <a:noFill/>
+          <a:ln w="12700">
+            <a:solidFill>
+              <a:schemeClr val="tx1"/>
+            </a:solidFill>
+          </a:ln>
+        </p:spPr>
+        <p:style>
+          <a:lnRef idx="2">
+            <a:schemeClr val="accent6"/>
+          </a:lnRef>
+          <a:fillRef idx="1">
+            <a:schemeClr val="lt1"/>
+          </a:fillRef>
+          <a:effectRef idx="0">
+            <a:schemeClr val="accent6"/>
+          </a:effectRef>
+          <a:fontRef idx="minor">
+            <a:schemeClr val="dk1"/>
+          </a:fontRef>
+        </p:style>
+        <p:txBody>
+          <a:bodyPr rtlCol="0" anchor="ctr"/>
+          <a:lstStyle/>
+          <a:p>
+            <a:pPr algn="ctr"/>
+            <a:endParaRPr lang="en-US"/>
+          </a:p>
+        </p:txBody>
+      </p:sp>
+      <p:sp>
+        <p:nvSpPr>
+          <p:cNvPr id="13" name="TextBox 12"/>
+          <p:cNvSpPr txBox="1"/>
+          <p:nvPr/>
+        </p:nvSpPr>
+        <p:spPr>
+          <a:xfrm>
+            <a:off x="917187" y="6469680"/>
+            <a:ext cx="519694" cy="276999"/>
+          </a:xfrm>
+          <a:prstGeom prst="rect">
+            <a:avLst/>
+          </a:prstGeom>
+          <a:noFill/>
+        </p:spPr>
+        <p:txBody>
+          <a:bodyPr wrap="none" rtlCol="0">
+            <a:spAutoFit/>
+          </a:bodyPr>
+          <a:lstStyle/>
+          <a:p>
+            <a:r>
+              <a:rPr lang="en-US" sz="1200" dirty="0" smtClean="0">
+                <a:latin typeface="Times New Roman" panose="02020603050405020304" pitchFamily="18" charset="0"/>
+                <a:cs typeface="Times New Roman" panose="02020603050405020304" pitchFamily="18" charset="0"/>
+              </a:rPr>
+              <a:t>Alice</a:t>
+            </a:r>
+            <a:endParaRPr lang="en-US" sz="1200" dirty="0">
+              <a:latin typeface="Times New Roman" panose="02020603050405020304" pitchFamily="18" charset="0"/>
+              <a:cs typeface="Times New Roman" panose="02020603050405020304" pitchFamily="18" charset="0"/>
+            </a:endParaRPr>
+          </a:p>
+        </p:txBody>
+      </p:sp>
+      <p:sp>
+        <p:nvSpPr>
+          <p:cNvPr id="17" name="Rectangle 16"/>
+          <p:cNvSpPr/>
+          <p:nvPr/>
+        </p:nvSpPr>
+        <p:spPr>
+          <a:xfrm>
+            <a:off x="3032760" y="5928958"/>
+            <a:ext cx="891028" cy="436728"/>
+          </a:xfrm>
+          <a:prstGeom prst="rect">
+            <a:avLst/>
+          </a:prstGeom>
+          <a:noFill/>
+          <a:ln w="12700">
+            <a:solidFill>
+              <a:schemeClr val="tx1"/>
+            </a:solidFill>
+          </a:ln>
+        </p:spPr>
+        <p:style>
+          <a:lnRef idx="2">
+            <a:schemeClr val="accent6"/>
+          </a:lnRef>
+          <a:fillRef idx="1">
+            <a:schemeClr val="lt1"/>
+          </a:fillRef>
+          <a:effectRef idx="0">
+            <a:schemeClr val="accent6"/>
+          </a:effectRef>
+          <a:fontRef idx="minor">
+            <a:schemeClr val="dk1"/>
+          </a:fontRef>
+        </p:style>
+        <p:txBody>
+          <a:bodyPr rtlCol="0" anchor="ctr"/>
+          <a:lstStyle/>
+          <a:p>
+            <a:pPr algn="ctr"/>
+            <a:r>
+              <a:rPr lang="en-US" sz="1000" dirty="0" smtClean="0">
+                <a:latin typeface="Times New Roman" panose="02020603050405020304" pitchFamily="18" charset="0"/>
+                <a:cs typeface="Times New Roman" panose="02020603050405020304" pitchFamily="18" charset="0"/>
+              </a:rPr>
+              <a:t>Plaintext</a:t>
+            </a:r>
+          </a:p>
+          <a:p>
+            <a:pPr algn="ctr"/>
+            <a:r>
+              <a:rPr lang="en-US" sz="1000" dirty="0" smtClean="0">
+                <a:latin typeface="Times New Roman" panose="02020603050405020304" pitchFamily="18" charset="0"/>
+                <a:cs typeface="Times New Roman" panose="02020603050405020304" pitchFamily="18" charset="0"/>
+              </a:rPr>
+              <a:t>destination</a:t>
+            </a:r>
+            <a:endParaRPr lang="en-US" sz="1000" dirty="0">
+              <a:latin typeface="Times New Roman" panose="02020603050405020304" pitchFamily="18" charset="0"/>
+              <a:cs typeface="Times New Roman" panose="02020603050405020304" pitchFamily="18" charset="0"/>
+            </a:endParaRPr>
+          </a:p>
+        </p:txBody>
+      </p:sp>
+      <p:sp>
+        <p:nvSpPr>
+          <p:cNvPr id="18" name="Rectangle 17"/>
+          <p:cNvSpPr/>
+          <p:nvPr/>
+        </p:nvSpPr>
+        <p:spPr>
+          <a:xfrm>
+            <a:off x="3032760" y="5205058"/>
+            <a:ext cx="891028" cy="436728"/>
+          </a:xfrm>
+          <a:prstGeom prst="rect">
+            <a:avLst/>
+          </a:prstGeom>
+          <a:noFill/>
+          <a:ln w="12700">
+            <a:solidFill>
+              <a:schemeClr val="tx1"/>
+            </a:solidFill>
+          </a:ln>
+        </p:spPr>
+        <p:style>
+          <a:lnRef idx="2">
+            <a:schemeClr val="accent6"/>
+          </a:lnRef>
+          <a:fillRef idx="1">
+            <a:schemeClr val="lt1"/>
+          </a:fillRef>
+          <a:effectRef idx="0">
+            <a:schemeClr val="accent6"/>
+          </a:effectRef>
+          <a:fontRef idx="minor">
+            <a:schemeClr val="dk1"/>
+          </a:fontRef>
+        </p:style>
+        <p:txBody>
+          <a:bodyPr rtlCol="0" anchor="ctr"/>
+          <a:lstStyle/>
+          <a:p>
+            <a:pPr algn="ctr"/>
+            <a:r>
+              <a:rPr lang="en-US" sz="1000" dirty="0" smtClean="0">
+                <a:latin typeface="Times New Roman" panose="02020603050405020304" pitchFamily="18" charset="0"/>
+                <a:cs typeface="Times New Roman" panose="02020603050405020304" pitchFamily="18" charset="0"/>
+              </a:rPr>
+              <a:t>Decryption</a:t>
+            </a:r>
+          </a:p>
+          <a:p>
+            <a:pPr algn="ctr"/>
+            <a:r>
+              <a:rPr lang="en-US" sz="1000" dirty="0" smtClean="0">
+                <a:latin typeface="Times New Roman" panose="02020603050405020304" pitchFamily="18" charset="0"/>
+                <a:cs typeface="Times New Roman" panose="02020603050405020304" pitchFamily="18" charset="0"/>
+              </a:rPr>
+              <a:t>D</a:t>
+            </a:r>
+            <a:r>
+              <a:rPr lang="en-US" sz="1000" baseline="-25000" dirty="0" smtClean="0">
+                <a:latin typeface="Times New Roman" panose="02020603050405020304" pitchFamily="18" charset="0"/>
+                <a:cs typeface="Times New Roman" panose="02020603050405020304" pitchFamily="18" charset="0"/>
+              </a:rPr>
+              <a:t>d </a:t>
+            </a:r>
+            <a:r>
+              <a:rPr lang="en-US" sz="1000" dirty="0" smtClean="0">
+                <a:latin typeface="Times New Roman" panose="02020603050405020304" pitchFamily="18" charset="0"/>
+                <a:cs typeface="Times New Roman" panose="02020603050405020304" pitchFamily="18" charset="0"/>
+              </a:rPr>
+              <a:t>(c) = m </a:t>
+            </a:r>
+            <a:endParaRPr lang="en-US" sz="1000" baseline="-25000" dirty="0">
+              <a:latin typeface="Times New Roman" panose="02020603050405020304" pitchFamily="18" charset="0"/>
+              <a:cs typeface="Times New Roman" panose="02020603050405020304" pitchFamily="18" charset="0"/>
+            </a:endParaRPr>
+          </a:p>
+        </p:txBody>
+      </p:sp>
+      <p:sp>
+        <p:nvSpPr>
+          <p:cNvPr id="20" name="TextBox 19"/>
+          <p:cNvSpPr txBox="1"/>
+          <p:nvPr/>
+        </p:nvSpPr>
+        <p:spPr>
+          <a:xfrm>
+            <a:off x="3525258" y="5682737"/>
+            <a:ext cx="129540" cy="246221"/>
+          </a:xfrm>
+          <a:prstGeom prst="rect">
+            <a:avLst/>
+          </a:prstGeom>
+          <a:noFill/>
+        </p:spPr>
+        <p:txBody>
+          <a:bodyPr wrap="square" rtlCol="0">
+            <a:spAutoFit/>
+          </a:bodyPr>
+          <a:lstStyle/>
+          <a:p>
+            <a:r>
+              <a:rPr lang="en-US" sz="1000" b="1" dirty="0" smtClean="0">
+                <a:latin typeface="Times New Roman" panose="02020603050405020304" pitchFamily="18" charset="0"/>
+                <a:cs typeface="Times New Roman" panose="02020603050405020304" pitchFamily="18" charset="0"/>
+              </a:rPr>
+              <a:t>m</a:t>
+            </a:r>
+            <a:endParaRPr lang="en-US" sz="1000" b="1" dirty="0">
+              <a:latin typeface="Times New Roman" panose="02020603050405020304" pitchFamily="18" charset="0"/>
+              <a:cs typeface="Times New Roman" panose="02020603050405020304" pitchFamily="18" charset="0"/>
+            </a:endParaRPr>
+          </a:p>
+        </p:txBody>
+      </p:sp>
+      <p:sp>
+        <p:nvSpPr>
+          <p:cNvPr id="21" name="Rectangle 20"/>
+          <p:cNvSpPr/>
+          <p:nvPr/>
+        </p:nvSpPr>
+        <p:spPr>
+          <a:xfrm>
+            <a:off x="2979420" y="5120640"/>
+            <a:ext cx="998220" cy="1333500"/>
+          </a:xfrm>
+          <a:prstGeom prst="rect">
+            <a:avLst/>
+          </a:prstGeom>
+          <a:noFill/>
+          <a:ln w="12700">
+            <a:solidFill>
+              <a:schemeClr val="tx1"/>
+            </a:solidFill>
+          </a:ln>
+        </p:spPr>
+        <p:style>
+          <a:lnRef idx="2">
+            <a:schemeClr val="accent6"/>
+          </a:lnRef>
+          <a:fillRef idx="1">
+            <a:schemeClr val="lt1"/>
+          </a:fillRef>
+          <a:effectRef idx="0">
+            <a:schemeClr val="accent6"/>
+          </a:effectRef>
+          <a:fontRef idx="minor">
+            <a:schemeClr val="dk1"/>
+          </a:fontRef>
+        </p:style>
+        <p:txBody>
+          <a:bodyPr rtlCol="0" anchor="ctr"/>
+          <a:lstStyle/>
+          <a:p>
+            <a:pPr algn="ctr"/>
+            <a:endParaRPr lang="en-US"/>
+          </a:p>
+        </p:txBody>
+      </p:sp>
+      <p:sp>
+        <p:nvSpPr>
+          <p:cNvPr id="22" name="TextBox 21"/>
+          <p:cNvSpPr txBox="1"/>
+          <p:nvPr/>
+        </p:nvSpPr>
+        <p:spPr>
+          <a:xfrm>
+            <a:off x="3218427" y="6469680"/>
+            <a:ext cx="441146" cy="276999"/>
+          </a:xfrm>
+          <a:prstGeom prst="rect">
+            <a:avLst/>
+          </a:prstGeom>
+          <a:noFill/>
+        </p:spPr>
+        <p:txBody>
+          <a:bodyPr wrap="none" rtlCol="0">
+            <a:spAutoFit/>
+          </a:bodyPr>
+          <a:lstStyle/>
+          <a:p>
+            <a:r>
+              <a:rPr lang="en-US" sz="1200" dirty="0" smtClean="0">
+                <a:latin typeface="Times New Roman" panose="02020603050405020304" pitchFamily="18" charset="0"/>
+                <a:cs typeface="Times New Roman" panose="02020603050405020304" pitchFamily="18" charset="0"/>
+              </a:rPr>
+              <a:t>Bob</a:t>
+            </a:r>
+            <a:endParaRPr lang="en-US" sz="1200" dirty="0">
+              <a:latin typeface="Times New Roman" panose="02020603050405020304" pitchFamily="18" charset="0"/>
+              <a:cs typeface="Times New Roman" panose="02020603050405020304" pitchFamily="18" charset="0"/>
+            </a:endParaRPr>
+          </a:p>
+        </p:txBody>
+      </p:sp>
+      <p:cxnSp>
+        <p:nvCxnSpPr>
+          <p:cNvPr id="23" name="Straight Arrow Connector 22"/>
+          <p:cNvCxnSpPr/>
+          <p:nvPr/>
+        </p:nvCxnSpPr>
+        <p:spPr>
+          <a:xfrm>
+            <a:off x="3478274" y="5638801"/>
+            <a:ext cx="0" cy="287172"/>
+          </a:xfrm>
+          <a:prstGeom prst="straightConnector1">
+            <a:avLst/>
+          </a:prstGeom>
+          <a:ln w="12700">
+            <a:solidFill>
+              <a:schemeClr val="tx1"/>
+            </a:solidFill>
+            <a:tailEnd type="triangle"/>
+          </a:ln>
+        </p:spPr>
+        <p:style>
+          <a:lnRef idx="1">
+            <a:schemeClr val="accent1"/>
+          </a:lnRef>
+          <a:fillRef idx="0">
+            <a:schemeClr val="accent1"/>
+          </a:fillRef>
+          <a:effectRef idx="0">
+            <a:schemeClr val="accent1"/>
+          </a:effectRef>
+          <a:fontRef idx="minor">
+            <a:schemeClr val="tx1"/>
+          </a:fontRef>
+        </p:style>
+      </p:cxnSp>
+      <p:sp>
+        <p:nvSpPr>
+          <p:cNvPr id="25" name="Rectangle 24"/>
+          <p:cNvSpPr/>
+          <p:nvPr/>
+        </p:nvSpPr>
+        <p:spPr>
+          <a:xfrm>
+            <a:off x="2019300" y="3931920"/>
+            <a:ext cx="723900" cy="243840"/>
+          </a:xfrm>
+          <a:prstGeom prst="rect">
+            <a:avLst/>
+          </a:prstGeom>
+          <a:noFill/>
+          <a:ln w="12700">
+            <a:solidFill>
+              <a:schemeClr val="tx1"/>
+            </a:solidFill>
+          </a:ln>
+        </p:spPr>
+        <p:style>
+          <a:lnRef idx="2">
+            <a:schemeClr val="accent6"/>
+          </a:lnRef>
+          <a:fillRef idx="1">
+            <a:schemeClr val="lt1"/>
+          </a:fillRef>
+          <a:effectRef idx="0">
+            <a:schemeClr val="accent6"/>
+          </a:effectRef>
+          <a:fontRef idx="minor">
+            <a:schemeClr val="dk1"/>
+          </a:fontRef>
+        </p:style>
+        <p:txBody>
+          <a:bodyPr rtlCol="0" anchor="ctr"/>
+          <a:lstStyle/>
+          <a:p>
+            <a:pPr algn="ctr"/>
+            <a:r>
+              <a:rPr lang="en-US" sz="1000" dirty="0" smtClean="0">
+                <a:latin typeface="Times New Roman" panose="02020603050405020304" pitchFamily="18" charset="0"/>
+                <a:cs typeface="Times New Roman" panose="02020603050405020304" pitchFamily="18" charset="0"/>
+              </a:rPr>
+              <a:t>Adversary</a:t>
+            </a:r>
+            <a:endParaRPr lang="en-US" sz="1000" dirty="0">
+              <a:latin typeface="Times New Roman" panose="02020603050405020304" pitchFamily="18" charset="0"/>
+              <a:cs typeface="Times New Roman" panose="02020603050405020304" pitchFamily="18" charset="0"/>
+            </a:endParaRPr>
+          </a:p>
+        </p:txBody>
+      </p:sp>
+      <p:cxnSp>
+        <p:nvCxnSpPr>
+          <p:cNvPr id="28" name="Straight Connector 27"/>
+          <p:cNvCxnSpPr>
+            <a:stCxn id="4" idx="3"/>
+          </p:cNvCxnSpPr>
+          <p:nvPr/>
+        </p:nvCxnSpPr>
+        <p:spPr>
+          <a:xfrm flipV="1">
+            <a:off x="1622548" y="4701540"/>
+            <a:ext cx="1855726" cy="8219"/>
+          </a:xfrm>
+          <a:prstGeom prst="line">
+            <a:avLst/>
+          </a:prstGeom>
+          <a:ln w="12700">
+            <a:solidFill>
+              <a:schemeClr val="tx1"/>
+            </a:solidFill>
+          </a:ln>
+        </p:spPr>
+        <p:style>
+          <a:lnRef idx="1">
+            <a:schemeClr val="accent1"/>
+          </a:lnRef>
+          <a:fillRef idx="0">
+            <a:schemeClr val="accent1"/>
+          </a:fillRef>
+          <a:effectRef idx="0">
+            <a:schemeClr val="accent1"/>
+          </a:effectRef>
+          <a:fontRef idx="minor">
+            <a:schemeClr val="tx1"/>
+          </a:fontRef>
+        </p:style>
+      </p:cxnSp>
+      <p:cxnSp>
+        <p:nvCxnSpPr>
+          <p:cNvPr id="31" name="Straight Connector 30"/>
+          <p:cNvCxnSpPr>
+            <a:endCxn id="21" idx="0"/>
+          </p:cNvCxnSpPr>
+          <p:nvPr/>
+        </p:nvCxnSpPr>
+        <p:spPr>
+          <a:xfrm>
+            <a:off x="3478274" y="4701540"/>
+            <a:ext cx="256" cy="419100"/>
+          </a:xfrm>
+          <a:prstGeom prst="line">
+            <a:avLst/>
+          </a:prstGeom>
+          <a:ln w="12700">
+            <a:solidFill>
+              <a:schemeClr val="tx1"/>
+            </a:solidFill>
+            <a:tailEnd type="triangle"/>
+          </a:ln>
+        </p:spPr>
+        <p:style>
+          <a:lnRef idx="1">
+            <a:schemeClr val="accent1"/>
+          </a:lnRef>
+          <a:fillRef idx="0">
+            <a:schemeClr val="accent1"/>
+          </a:fillRef>
+          <a:effectRef idx="0">
+            <a:schemeClr val="accent1"/>
+          </a:effectRef>
+          <a:fontRef idx="minor">
+            <a:schemeClr val="tx1"/>
+          </a:fontRef>
+        </p:style>
+      </p:cxnSp>
+      <p:sp>
+        <p:nvSpPr>
+          <p:cNvPr id="32" name="TextBox 31"/>
+          <p:cNvSpPr txBox="1"/>
+          <p:nvPr/>
+        </p:nvSpPr>
+        <p:spPr>
+          <a:xfrm>
+            <a:off x="2545840" y="4491396"/>
+            <a:ext cx="1108958" cy="215444"/>
+          </a:xfrm>
+          <a:prstGeom prst="rect">
+            <a:avLst/>
+          </a:prstGeom>
+          <a:noFill/>
+        </p:spPr>
+        <p:txBody>
+          <a:bodyPr wrap="square" rtlCol="0">
+            <a:spAutoFit/>
+          </a:bodyPr>
+          <a:lstStyle/>
+          <a:p>
+            <a:r>
+              <a:rPr lang="en-US" sz="800" dirty="0" smtClean="0">
+                <a:latin typeface="Times New Roman" panose="02020603050405020304" pitchFamily="18" charset="0"/>
+                <a:cs typeface="Times New Roman" panose="02020603050405020304" pitchFamily="18" charset="0"/>
+              </a:rPr>
+              <a:t>SECURE CHANNEL</a:t>
+            </a:r>
+            <a:endParaRPr lang="en-US" sz="800" dirty="0">
+              <a:latin typeface="Times New Roman" panose="02020603050405020304" pitchFamily="18" charset="0"/>
+              <a:cs typeface="Times New Roman" panose="02020603050405020304" pitchFamily="18" charset="0"/>
+            </a:endParaRPr>
+          </a:p>
+        </p:txBody>
+      </p:sp>
+      <p:sp>
+        <p:nvSpPr>
+          <p:cNvPr id="33" name="TextBox 32"/>
+          <p:cNvSpPr txBox="1"/>
+          <p:nvPr/>
+        </p:nvSpPr>
+        <p:spPr>
+          <a:xfrm>
+            <a:off x="1734310" y="4444491"/>
+            <a:ext cx="129540" cy="246221"/>
+          </a:xfrm>
+          <a:prstGeom prst="rect">
+            <a:avLst/>
+          </a:prstGeom>
+          <a:noFill/>
+        </p:spPr>
+        <p:txBody>
+          <a:bodyPr wrap="square" rtlCol="0">
+            <a:spAutoFit/>
+          </a:bodyPr>
+          <a:lstStyle/>
+          <a:p>
+            <a:r>
+              <a:rPr lang="en-US" sz="1000" b="1" dirty="0" smtClean="0">
+                <a:latin typeface="Times New Roman" panose="02020603050405020304" pitchFamily="18" charset="0"/>
+                <a:cs typeface="Times New Roman" panose="02020603050405020304" pitchFamily="18" charset="0"/>
+              </a:rPr>
+              <a:t>e</a:t>
+            </a:r>
+            <a:endParaRPr lang="en-US" sz="1000" b="1" dirty="0">
+              <a:latin typeface="Times New Roman" panose="02020603050405020304" pitchFamily="18" charset="0"/>
+              <a:cs typeface="Times New Roman" panose="02020603050405020304" pitchFamily="18" charset="0"/>
+            </a:endParaRPr>
+          </a:p>
+        </p:txBody>
+      </p:sp>
+      <p:cxnSp>
+        <p:nvCxnSpPr>
+          <p:cNvPr id="35" name="Straight Connector 34"/>
+          <p:cNvCxnSpPr>
+            <a:stCxn id="3" idx="3"/>
+            <a:endCxn id="18" idx="1"/>
+          </p:cNvCxnSpPr>
+          <p:nvPr/>
+        </p:nvCxnSpPr>
+        <p:spPr>
+          <a:xfrm>
+            <a:off x="1622548" y="5423422"/>
+            <a:ext cx="1410212" cy="0"/>
+          </a:xfrm>
+          <a:prstGeom prst="line">
+            <a:avLst/>
+          </a:prstGeom>
+          <a:ln w="12700">
+            <a:solidFill>
+              <a:srgbClr val="FF0000"/>
+            </a:solidFill>
+            <a:prstDash val="sysDash"/>
+            <a:tailEnd type="triangle"/>
+          </a:ln>
+        </p:spPr>
+        <p:style>
+          <a:lnRef idx="1">
+            <a:schemeClr val="accent1"/>
+          </a:lnRef>
+          <a:fillRef idx="0">
+            <a:schemeClr val="accent1"/>
+          </a:fillRef>
+          <a:effectRef idx="0">
+            <a:schemeClr val="accent1"/>
+          </a:effectRef>
+          <a:fontRef idx="minor">
+            <a:schemeClr val="tx1"/>
+          </a:fontRef>
+        </p:style>
+      </p:cxnSp>
+      <p:sp>
+        <p:nvSpPr>
+          <p:cNvPr id="36" name="TextBox 35"/>
+          <p:cNvSpPr txBox="1"/>
+          <p:nvPr/>
+        </p:nvSpPr>
+        <p:spPr>
+          <a:xfrm>
+            <a:off x="1695450" y="5484684"/>
+            <a:ext cx="1459982" cy="215444"/>
+          </a:xfrm>
+          <a:prstGeom prst="rect">
+            <a:avLst/>
+          </a:prstGeom>
+          <a:noFill/>
+        </p:spPr>
+        <p:txBody>
+          <a:bodyPr wrap="square" rtlCol="0">
+            <a:spAutoFit/>
+          </a:bodyPr>
+          <a:lstStyle/>
+          <a:p>
+            <a:r>
+              <a:rPr lang="en-US" sz="800" dirty="0" smtClean="0">
+                <a:latin typeface="Times New Roman" panose="02020603050405020304" pitchFamily="18" charset="0"/>
+                <a:cs typeface="Times New Roman" panose="02020603050405020304" pitchFamily="18" charset="0"/>
+              </a:rPr>
+              <a:t>UNSECURED CHANNEL</a:t>
+            </a:r>
+            <a:endParaRPr lang="en-US" sz="800" dirty="0">
+              <a:latin typeface="Times New Roman" panose="02020603050405020304" pitchFamily="18" charset="0"/>
+              <a:cs typeface="Times New Roman" panose="02020603050405020304" pitchFamily="18" charset="0"/>
+            </a:endParaRPr>
+          </a:p>
+        </p:txBody>
+      </p:sp>
+      <p:sp>
+        <p:nvSpPr>
+          <p:cNvPr id="37" name="TextBox 36"/>
+          <p:cNvSpPr txBox="1"/>
+          <p:nvPr/>
+        </p:nvSpPr>
+        <p:spPr>
+          <a:xfrm>
+            <a:off x="1728979" y="5190896"/>
+            <a:ext cx="129540" cy="246221"/>
+          </a:xfrm>
+          <a:prstGeom prst="rect">
+            <a:avLst/>
+          </a:prstGeom>
+          <a:noFill/>
+        </p:spPr>
+        <p:txBody>
+          <a:bodyPr wrap="square" rtlCol="0">
+            <a:spAutoFit/>
+          </a:bodyPr>
+          <a:lstStyle/>
+          <a:p>
+            <a:r>
+              <a:rPr lang="en-US" sz="1000" b="1" dirty="0" smtClean="0">
+                <a:latin typeface="Times New Roman" panose="02020603050405020304" pitchFamily="18" charset="0"/>
+                <a:cs typeface="Times New Roman" panose="02020603050405020304" pitchFamily="18" charset="0"/>
+              </a:rPr>
+              <a:t>c</a:t>
+            </a:r>
+            <a:endParaRPr lang="en-US" sz="1000" b="1" dirty="0">
+              <a:latin typeface="Times New Roman" panose="02020603050405020304" pitchFamily="18" charset="0"/>
+              <a:cs typeface="Times New Roman" panose="02020603050405020304" pitchFamily="18" charset="0"/>
+            </a:endParaRPr>
+          </a:p>
+        </p:txBody>
+      </p:sp>
+      <p:cxnSp>
+        <p:nvCxnSpPr>
+          <p:cNvPr id="44" name="Straight Arrow Connector 43"/>
+          <p:cNvCxnSpPr>
+            <a:stCxn id="25" idx="2"/>
+          </p:cNvCxnSpPr>
+          <p:nvPr/>
+        </p:nvCxnSpPr>
+        <p:spPr>
+          <a:xfrm>
+            <a:off x="2381250" y="4175760"/>
+            <a:ext cx="3810" cy="1217031"/>
+          </a:xfrm>
+          <a:prstGeom prst="straightConnector1">
+            <a:avLst/>
+          </a:prstGeom>
+          <a:ln w="12700">
+            <a:solidFill>
+              <a:schemeClr val="tx1"/>
+            </a:solidFill>
+            <a:prstDash val="sysDash"/>
+            <a:headEnd type="triangle"/>
+            <a:tailEnd type="triangle"/>
+          </a:ln>
+        </p:spPr>
+        <p:style>
+          <a:lnRef idx="1">
+            <a:schemeClr val="accent1"/>
+          </a:lnRef>
+          <a:fillRef idx="0">
+            <a:schemeClr val="accent1"/>
+          </a:fillRef>
+          <a:effectRef idx="0">
+            <a:schemeClr val="accent1"/>
+          </a:effectRef>
+          <a:fontRef idx="minor">
+            <a:schemeClr val="tx1"/>
+          </a:fontRef>
+        </p:style>
+      </p:cxnSp>
+    </p:spTree>
+    <p:extLst>
+      <p:ext uri="{BB962C8B-B14F-4D97-AF65-F5344CB8AC3E}">
+        <p14:creationId xmlns:p14="http://schemas.microsoft.com/office/powerpoint/2010/main" val="372141126"/>
+      </p:ext>
+    </p:extLst>
+  </p:cSld>
+  <p:clrMapOvr>
+    <a:masterClrMapping/>
+  </p:clrMapOvr>
+  <p:timing>
+    <p:tnLst>
+      <p:par>
+        <p:cTn id="1" dur="indefinite" restart="never" nodeType="tmRoot"/>
+      </p:par>
+    </p:tnLst>
+  </p:timing>
+</p:sld>
+</file>
+
+<file path=ppt/slides/slide19.xml><?xml version="1.0" encoding="utf-8"?>
+<p:sld xmlns:a="http://schemas.openxmlformats.org/drawingml/2006/main" xmlns:r="http://schemas.openxmlformats.org/officeDocument/2006/relationships" xmlns:p="http://schemas.openxmlformats.org/presentationml/2006/main">
+  <p:cSld>
+    <p:spTree>
+      <p:nvGrpSpPr>
+        <p:cNvPr id="1" name=""/>
+        <p:cNvGrpSpPr/>
+        <p:nvPr/>
+      </p:nvGrpSpPr>
+      <p:grpSpPr>
+        <a:xfrm>
+          <a:off x="0" y="0"/>
+          <a:ext cx="0" cy="0"/>
+          <a:chOff x="0" y="0"/>
+          <a:chExt cx="0" cy="0"/>
+        </a:xfrm>
+      </p:grpSpPr>
+      <p:sp>
+        <p:nvSpPr>
+          <p:cNvPr id="25" name="Rectangle 24"/>
+          <p:cNvSpPr/>
+          <p:nvPr/>
+        </p:nvSpPr>
+        <p:spPr>
+          <a:xfrm>
+            <a:off x="2019300" y="3863340"/>
+            <a:ext cx="723900" cy="312420"/>
+          </a:xfrm>
+          <a:prstGeom prst="rect">
+            <a:avLst/>
+          </a:prstGeom>
+          <a:noFill/>
+          <a:ln w="12700">
+            <a:solidFill>
+              <a:schemeClr val="tx1"/>
+            </a:solidFill>
+          </a:ln>
+        </p:spPr>
+        <p:style>
+          <a:lnRef idx="2">
+            <a:schemeClr val="accent6"/>
+          </a:lnRef>
+          <a:fillRef idx="1">
+            <a:schemeClr val="lt1"/>
+          </a:fillRef>
+          <a:effectRef idx="0">
+            <a:schemeClr val="accent6"/>
+          </a:effectRef>
+          <a:fontRef idx="minor">
+            <a:schemeClr val="dk1"/>
+          </a:fontRef>
+        </p:style>
+        <p:txBody>
+          <a:bodyPr rtlCol="0" anchor="ctr"/>
+          <a:lstStyle/>
+          <a:p>
+            <a:pPr algn="ctr"/>
+            <a:r>
+              <a:rPr lang="en-US" sz="1000" dirty="0" smtClean="0">
+                <a:latin typeface="Times New Roman" panose="02020603050405020304" pitchFamily="18" charset="0"/>
+                <a:cs typeface="Times New Roman" panose="02020603050405020304" pitchFamily="18" charset="0"/>
+              </a:rPr>
+              <a:t>Passive</a:t>
+            </a:r>
+          </a:p>
+          <a:p>
+            <a:pPr algn="ctr"/>
+            <a:r>
+              <a:rPr lang="en-US" sz="1000" dirty="0" smtClean="0">
+                <a:latin typeface="Times New Roman" panose="02020603050405020304" pitchFamily="18" charset="0"/>
+                <a:cs typeface="Times New Roman" panose="02020603050405020304" pitchFamily="18" charset="0"/>
+              </a:rPr>
+              <a:t>Adversary</a:t>
+            </a:r>
+            <a:endParaRPr lang="en-US" sz="1000" dirty="0">
+              <a:latin typeface="Times New Roman" panose="02020603050405020304" pitchFamily="18" charset="0"/>
+              <a:cs typeface="Times New Roman" panose="02020603050405020304" pitchFamily="18" charset="0"/>
+            </a:endParaRPr>
+          </a:p>
+        </p:txBody>
+      </p:sp>
+      <p:cxnSp>
+        <p:nvCxnSpPr>
+          <p:cNvPr id="28" name="Straight Connector 27"/>
+          <p:cNvCxnSpPr/>
+          <p:nvPr/>
+        </p:nvCxnSpPr>
+        <p:spPr>
+          <a:xfrm flipV="1">
+            <a:off x="1166869" y="4761717"/>
+            <a:ext cx="1855726" cy="8219"/>
+          </a:xfrm>
+          <a:prstGeom prst="line">
+            <a:avLst/>
+          </a:prstGeom>
+          <a:ln w="12700">
+            <a:solidFill>
+              <a:srgbClr val="FF0000"/>
+            </a:solidFill>
+            <a:prstDash val="sysDash"/>
+          </a:ln>
+        </p:spPr>
+        <p:style>
+          <a:lnRef idx="1">
+            <a:schemeClr val="accent1"/>
+          </a:lnRef>
+          <a:fillRef idx="0">
+            <a:schemeClr val="accent1"/>
+          </a:fillRef>
+          <a:effectRef idx="0">
+            <a:schemeClr val="accent1"/>
+          </a:effectRef>
+          <a:fontRef idx="minor">
+            <a:schemeClr val="tx1"/>
+          </a:fontRef>
+        </p:style>
+      </p:cxnSp>
+      <p:cxnSp>
+        <p:nvCxnSpPr>
+          <p:cNvPr id="31" name="Straight Connector 30"/>
+          <p:cNvCxnSpPr>
+            <a:endCxn id="27" idx="0"/>
+          </p:cNvCxnSpPr>
+          <p:nvPr/>
+        </p:nvCxnSpPr>
+        <p:spPr>
+          <a:xfrm flipH="1">
+            <a:off x="1172463" y="4763532"/>
+            <a:ext cx="3294" cy="441526"/>
+          </a:xfrm>
+          <a:prstGeom prst="line">
+            <a:avLst/>
+          </a:prstGeom>
+          <a:ln w="12700">
+            <a:solidFill>
+              <a:srgbClr val="FF0000"/>
+            </a:solidFill>
+            <a:prstDash val="sysDash"/>
+            <a:tailEnd type="triangle"/>
+          </a:ln>
+        </p:spPr>
+        <p:style>
+          <a:lnRef idx="1">
+            <a:schemeClr val="accent1"/>
+          </a:lnRef>
+          <a:fillRef idx="0">
+            <a:schemeClr val="accent1"/>
+          </a:fillRef>
+          <a:effectRef idx="0">
+            <a:schemeClr val="accent1"/>
+          </a:effectRef>
+          <a:fontRef idx="minor">
+            <a:schemeClr val="tx1"/>
+          </a:fontRef>
+        </p:style>
+      </p:cxnSp>
+      <p:sp>
+        <p:nvSpPr>
+          <p:cNvPr id="33" name="TextBox 32"/>
+          <p:cNvSpPr txBox="1"/>
+          <p:nvPr/>
+        </p:nvSpPr>
+        <p:spPr>
+          <a:xfrm>
+            <a:off x="1734697" y="4536038"/>
+            <a:ext cx="129540" cy="246221"/>
+          </a:xfrm>
+          <a:prstGeom prst="rect">
+            <a:avLst/>
+          </a:prstGeom>
+          <a:noFill/>
+        </p:spPr>
+        <p:txBody>
+          <a:bodyPr wrap="square" rtlCol="0">
+            <a:spAutoFit/>
+          </a:bodyPr>
+          <a:lstStyle/>
+          <a:p>
+            <a:r>
+              <a:rPr lang="en-US" sz="1000" b="1" dirty="0" smtClean="0">
+                <a:latin typeface="Times New Roman" panose="02020603050405020304" pitchFamily="18" charset="0"/>
+                <a:cs typeface="Times New Roman" panose="02020603050405020304" pitchFamily="18" charset="0"/>
+              </a:rPr>
+              <a:t>e</a:t>
+            </a:r>
+            <a:endParaRPr lang="en-US" sz="1000" b="1" dirty="0">
+              <a:latin typeface="Times New Roman" panose="02020603050405020304" pitchFamily="18" charset="0"/>
+              <a:cs typeface="Times New Roman" panose="02020603050405020304" pitchFamily="18" charset="0"/>
+            </a:endParaRPr>
+          </a:p>
+        </p:txBody>
+      </p:sp>
+      <p:cxnSp>
+        <p:nvCxnSpPr>
+          <p:cNvPr id="35" name="Straight Connector 34"/>
+          <p:cNvCxnSpPr/>
+          <p:nvPr/>
+        </p:nvCxnSpPr>
+        <p:spPr>
+          <a:xfrm>
+            <a:off x="1622548" y="5423422"/>
+            <a:ext cx="1410212" cy="0"/>
+          </a:xfrm>
+          <a:prstGeom prst="line">
+            <a:avLst/>
+          </a:prstGeom>
+          <a:ln w="12700">
+            <a:solidFill>
+              <a:srgbClr val="FF0000"/>
+            </a:solidFill>
+            <a:prstDash val="sysDash"/>
+            <a:tailEnd type="triangle"/>
+          </a:ln>
+        </p:spPr>
+        <p:style>
+          <a:lnRef idx="1">
+            <a:schemeClr val="accent1"/>
+          </a:lnRef>
+          <a:fillRef idx="0">
+            <a:schemeClr val="accent1"/>
+          </a:fillRef>
+          <a:effectRef idx="0">
+            <a:schemeClr val="accent1"/>
+          </a:effectRef>
+          <a:fontRef idx="minor">
+            <a:schemeClr val="tx1"/>
+          </a:fontRef>
+        </p:style>
+      </p:cxnSp>
+      <p:sp>
+        <p:nvSpPr>
+          <p:cNvPr id="36" name="TextBox 35"/>
+          <p:cNvSpPr txBox="1"/>
+          <p:nvPr/>
+        </p:nvSpPr>
+        <p:spPr>
+          <a:xfrm>
+            <a:off x="1705615" y="5417690"/>
+            <a:ext cx="1327145" cy="215444"/>
+          </a:xfrm>
+          <a:prstGeom prst="rect">
+            <a:avLst/>
+          </a:prstGeom>
+          <a:noFill/>
+        </p:spPr>
+        <p:txBody>
+          <a:bodyPr wrap="square" rtlCol="0">
+            <a:spAutoFit/>
+          </a:bodyPr>
+          <a:lstStyle/>
+          <a:p>
+            <a:r>
+              <a:rPr lang="en-US" sz="800" dirty="0" smtClean="0">
+                <a:latin typeface="Times New Roman" panose="02020603050405020304" pitchFamily="18" charset="0"/>
+                <a:cs typeface="Times New Roman" panose="02020603050405020304" pitchFamily="18" charset="0"/>
+              </a:rPr>
+              <a:t>UNSECURED CHANNEL</a:t>
+            </a:r>
+            <a:endParaRPr lang="en-US" sz="800" dirty="0">
+              <a:latin typeface="Times New Roman" panose="02020603050405020304" pitchFamily="18" charset="0"/>
+              <a:cs typeface="Times New Roman" panose="02020603050405020304" pitchFamily="18" charset="0"/>
+            </a:endParaRPr>
+          </a:p>
+        </p:txBody>
+      </p:sp>
+      <p:sp>
+        <p:nvSpPr>
+          <p:cNvPr id="37" name="TextBox 36"/>
+          <p:cNvSpPr txBox="1"/>
+          <p:nvPr/>
+        </p:nvSpPr>
+        <p:spPr>
+          <a:xfrm>
+            <a:off x="1728979" y="5190896"/>
+            <a:ext cx="129540" cy="246221"/>
+          </a:xfrm>
+          <a:prstGeom prst="rect">
+            <a:avLst/>
+          </a:prstGeom>
+          <a:noFill/>
+        </p:spPr>
+        <p:txBody>
+          <a:bodyPr wrap="square" rtlCol="0">
+            <a:spAutoFit/>
+          </a:bodyPr>
+          <a:lstStyle/>
+          <a:p>
+            <a:r>
+              <a:rPr lang="en-US" sz="1000" b="1" dirty="0" smtClean="0">
+                <a:latin typeface="Times New Roman" panose="02020603050405020304" pitchFamily="18" charset="0"/>
+                <a:cs typeface="Times New Roman" panose="02020603050405020304" pitchFamily="18" charset="0"/>
+              </a:rPr>
+              <a:t>c</a:t>
+            </a:r>
+            <a:endParaRPr lang="en-US" sz="1000" b="1" dirty="0">
+              <a:latin typeface="Times New Roman" panose="02020603050405020304" pitchFamily="18" charset="0"/>
+              <a:cs typeface="Times New Roman" panose="02020603050405020304" pitchFamily="18" charset="0"/>
+            </a:endParaRPr>
+          </a:p>
+        </p:txBody>
+      </p:sp>
+      <p:cxnSp>
+        <p:nvCxnSpPr>
+          <p:cNvPr id="44" name="Straight Arrow Connector 43"/>
+          <p:cNvCxnSpPr/>
+          <p:nvPr/>
+        </p:nvCxnSpPr>
+        <p:spPr>
+          <a:xfrm>
+            <a:off x="2655570" y="4192697"/>
+            <a:ext cx="3810" cy="1217031"/>
+          </a:xfrm>
+          <a:prstGeom prst="straightConnector1">
+            <a:avLst/>
+          </a:prstGeom>
+          <a:ln w="12700">
+            <a:solidFill>
+              <a:schemeClr val="tx1"/>
+            </a:solidFill>
+            <a:prstDash val="sysDash"/>
+            <a:headEnd type="triangle"/>
+            <a:tailEnd type="triangle"/>
+          </a:ln>
+        </p:spPr>
+        <p:style>
+          <a:lnRef idx="1">
+            <a:schemeClr val="accent1"/>
+          </a:lnRef>
+          <a:fillRef idx="0">
+            <a:schemeClr val="accent1"/>
+          </a:fillRef>
+          <a:effectRef idx="0">
+            <a:schemeClr val="accent1"/>
+          </a:effectRef>
+          <a:fontRef idx="minor">
+            <a:schemeClr val="tx1"/>
+          </a:fontRef>
+        </p:style>
+      </p:cxnSp>
+      <p:sp>
+        <p:nvSpPr>
+          <p:cNvPr id="26" name="Rectangle 25"/>
+          <p:cNvSpPr/>
+          <p:nvPr/>
+        </p:nvSpPr>
+        <p:spPr>
+          <a:xfrm>
+            <a:off x="726949" y="5928958"/>
+            <a:ext cx="891028" cy="436728"/>
+          </a:xfrm>
+          <a:prstGeom prst="rect">
+            <a:avLst/>
+          </a:prstGeom>
+          <a:noFill/>
+          <a:ln w="12700">
+            <a:solidFill>
+              <a:schemeClr val="tx1"/>
+            </a:solidFill>
+          </a:ln>
+        </p:spPr>
+        <p:style>
+          <a:lnRef idx="2">
+            <a:schemeClr val="accent6"/>
+          </a:lnRef>
+          <a:fillRef idx="1">
+            <a:schemeClr val="lt1"/>
+          </a:fillRef>
+          <a:effectRef idx="0">
+            <a:schemeClr val="accent6"/>
+          </a:effectRef>
+          <a:fontRef idx="minor">
+            <a:schemeClr val="dk1"/>
+          </a:fontRef>
+        </p:style>
+        <p:txBody>
+          <a:bodyPr rtlCol="0" anchor="ctr"/>
+          <a:lstStyle/>
+          <a:p>
+            <a:pPr algn="ctr"/>
+            <a:r>
+              <a:rPr lang="en-US" sz="1000" dirty="0" smtClean="0">
+                <a:latin typeface="Times New Roman" panose="02020603050405020304" pitchFamily="18" charset="0"/>
+                <a:cs typeface="Times New Roman" panose="02020603050405020304" pitchFamily="18" charset="0"/>
+              </a:rPr>
+              <a:t>Plaintext</a:t>
+            </a:r>
+          </a:p>
+          <a:p>
+            <a:pPr algn="ctr"/>
+            <a:r>
+              <a:rPr lang="en-US" sz="1000" dirty="0" smtClean="0">
+                <a:latin typeface="Times New Roman" panose="02020603050405020304" pitchFamily="18" charset="0"/>
+                <a:cs typeface="Times New Roman" panose="02020603050405020304" pitchFamily="18" charset="0"/>
+              </a:rPr>
+              <a:t>source</a:t>
+            </a:r>
+            <a:endParaRPr lang="en-US" sz="1000" dirty="0">
+              <a:latin typeface="Times New Roman" panose="02020603050405020304" pitchFamily="18" charset="0"/>
+              <a:cs typeface="Times New Roman" panose="02020603050405020304" pitchFamily="18" charset="0"/>
+            </a:endParaRPr>
+          </a:p>
+        </p:txBody>
+      </p:sp>
+      <p:sp>
+        <p:nvSpPr>
+          <p:cNvPr id="27" name="Rectangle 26"/>
+          <p:cNvSpPr/>
+          <p:nvPr/>
+        </p:nvSpPr>
+        <p:spPr>
+          <a:xfrm>
+            <a:off x="726949" y="5205058"/>
+            <a:ext cx="891028" cy="436728"/>
+          </a:xfrm>
+          <a:prstGeom prst="rect">
+            <a:avLst/>
+          </a:prstGeom>
+          <a:noFill/>
+          <a:ln w="12700">
+            <a:solidFill>
+              <a:schemeClr val="tx1"/>
+            </a:solidFill>
+          </a:ln>
+        </p:spPr>
+        <p:style>
+          <a:lnRef idx="2">
+            <a:schemeClr val="accent6"/>
+          </a:lnRef>
+          <a:fillRef idx="1">
+            <a:schemeClr val="lt1"/>
+          </a:fillRef>
+          <a:effectRef idx="0">
+            <a:schemeClr val="accent6"/>
+          </a:effectRef>
+          <a:fontRef idx="minor">
+            <a:schemeClr val="dk1"/>
+          </a:fontRef>
+        </p:style>
+        <p:txBody>
+          <a:bodyPr rtlCol="0" anchor="ctr"/>
+          <a:lstStyle/>
+          <a:p>
+            <a:pPr algn="ctr"/>
+            <a:r>
+              <a:rPr lang="en-US" sz="1000" dirty="0" smtClean="0">
+                <a:latin typeface="Times New Roman" panose="02020603050405020304" pitchFamily="18" charset="0"/>
+                <a:cs typeface="Times New Roman" panose="02020603050405020304" pitchFamily="18" charset="0"/>
+              </a:rPr>
+              <a:t>Encryption</a:t>
+            </a:r>
+          </a:p>
+          <a:p>
+            <a:pPr algn="ctr"/>
+            <a:r>
+              <a:rPr lang="en-US" sz="1000" dirty="0" smtClean="0">
+                <a:latin typeface="Times New Roman" panose="02020603050405020304" pitchFamily="18" charset="0"/>
+                <a:cs typeface="Times New Roman" panose="02020603050405020304" pitchFamily="18" charset="0"/>
+              </a:rPr>
+              <a:t>E</a:t>
+            </a:r>
+            <a:r>
+              <a:rPr lang="en-US" sz="1000" baseline="-25000" dirty="0" smtClean="0">
+                <a:latin typeface="Times New Roman" panose="02020603050405020304" pitchFamily="18" charset="0"/>
+                <a:cs typeface="Times New Roman" panose="02020603050405020304" pitchFamily="18" charset="0"/>
+              </a:rPr>
+              <a:t>e </a:t>
+            </a:r>
+            <a:r>
+              <a:rPr lang="en-US" sz="1000" dirty="0" smtClean="0">
+                <a:latin typeface="Times New Roman" panose="02020603050405020304" pitchFamily="18" charset="0"/>
+                <a:cs typeface="Times New Roman" panose="02020603050405020304" pitchFamily="18" charset="0"/>
+              </a:rPr>
+              <a:t>(m) = c </a:t>
+            </a:r>
+            <a:endParaRPr lang="en-US" sz="1000" baseline="-25000" dirty="0">
+              <a:latin typeface="Times New Roman" panose="02020603050405020304" pitchFamily="18" charset="0"/>
+              <a:cs typeface="Times New Roman" panose="02020603050405020304" pitchFamily="18" charset="0"/>
+            </a:endParaRPr>
+          </a:p>
+        </p:txBody>
+      </p:sp>
+      <p:sp>
+        <p:nvSpPr>
+          <p:cNvPr id="29" name="TextBox 28"/>
+          <p:cNvSpPr txBox="1"/>
+          <p:nvPr/>
+        </p:nvSpPr>
+        <p:spPr>
+          <a:xfrm>
+            <a:off x="1219447" y="5682737"/>
+            <a:ext cx="129540" cy="246221"/>
+          </a:xfrm>
+          <a:prstGeom prst="rect">
+            <a:avLst/>
+          </a:prstGeom>
+          <a:noFill/>
+        </p:spPr>
+        <p:txBody>
+          <a:bodyPr wrap="square" rtlCol="0">
+            <a:spAutoFit/>
+          </a:bodyPr>
+          <a:lstStyle/>
+          <a:p>
+            <a:r>
+              <a:rPr lang="en-US" sz="1000" b="1" dirty="0" smtClean="0">
+                <a:latin typeface="Times New Roman" panose="02020603050405020304" pitchFamily="18" charset="0"/>
+                <a:cs typeface="Times New Roman" panose="02020603050405020304" pitchFamily="18" charset="0"/>
+              </a:rPr>
+              <a:t>m</a:t>
+            </a:r>
+            <a:endParaRPr lang="en-US" sz="1000" b="1" dirty="0">
+              <a:latin typeface="Times New Roman" panose="02020603050405020304" pitchFamily="18" charset="0"/>
+              <a:cs typeface="Times New Roman" panose="02020603050405020304" pitchFamily="18" charset="0"/>
+            </a:endParaRPr>
+          </a:p>
+        </p:txBody>
+      </p:sp>
+      <p:sp>
+        <p:nvSpPr>
+          <p:cNvPr id="30" name="Rectangle 29"/>
+          <p:cNvSpPr/>
+          <p:nvPr/>
+        </p:nvSpPr>
+        <p:spPr>
+          <a:xfrm>
+            <a:off x="673609" y="5120640"/>
+            <a:ext cx="998220" cy="1333500"/>
+          </a:xfrm>
+          <a:prstGeom prst="rect">
+            <a:avLst/>
+          </a:prstGeom>
+          <a:noFill/>
+          <a:ln w="12700">
+            <a:solidFill>
+              <a:schemeClr val="tx1"/>
+            </a:solidFill>
+          </a:ln>
+        </p:spPr>
+        <p:style>
+          <a:lnRef idx="2">
+            <a:schemeClr val="accent6"/>
+          </a:lnRef>
+          <a:fillRef idx="1">
+            <a:schemeClr val="lt1"/>
+          </a:fillRef>
+          <a:effectRef idx="0">
+            <a:schemeClr val="accent6"/>
+          </a:effectRef>
+          <a:fontRef idx="minor">
+            <a:schemeClr val="dk1"/>
+          </a:fontRef>
+        </p:style>
+        <p:txBody>
+          <a:bodyPr rtlCol="0" anchor="ctr"/>
+          <a:lstStyle/>
+          <a:p>
+            <a:pPr algn="ctr"/>
+            <a:endParaRPr lang="en-US"/>
+          </a:p>
+        </p:txBody>
+      </p:sp>
+      <p:sp>
+        <p:nvSpPr>
+          <p:cNvPr id="34" name="TextBox 33"/>
+          <p:cNvSpPr txBox="1"/>
+          <p:nvPr/>
+        </p:nvSpPr>
+        <p:spPr>
+          <a:xfrm>
+            <a:off x="907022" y="6514358"/>
+            <a:ext cx="519694" cy="276999"/>
+          </a:xfrm>
+          <a:prstGeom prst="rect">
+            <a:avLst/>
+          </a:prstGeom>
+          <a:noFill/>
+        </p:spPr>
+        <p:txBody>
+          <a:bodyPr wrap="none" rtlCol="0">
+            <a:spAutoFit/>
+          </a:bodyPr>
+          <a:lstStyle/>
+          <a:p>
+            <a:r>
+              <a:rPr lang="en-US" sz="1200" dirty="0" smtClean="0">
+                <a:latin typeface="Times New Roman" panose="02020603050405020304" pitchFamily="18" charset="0"/>
+                <a:cs typeface="Times New Roman" panose="02020603050405020304" pitchFamily="18" charset="0"/>
+              </a:rPr>
+              <a:t>Alice</a:t>
+            </a:r>
+            <a:endParaRPr lang="en-US" sz="1200" dirty="0">
+              <a:latin typeface="Times New Roman" panose="02020603050405020304" pitchFamily="18" charset="0"/>
+              <a:cs typeface="Times New Roman" panose="02020603050405020304" pitchFamily="18" charset="0"/>
+            </a:endParaRPr>
+          </a:p>
+        </p:txBody>
+      </p:sp>
+      <p:cxnSp>
+        <p:nvCxnSpPr>
+          <p:cNvPr id="38" name="Straight Arrow Connector 37"/>
+          <p:cNvCxnSpPr/>
+          <p:nvPr/>
+        </p:nvCxnSpPr>
+        <p:spPr>
+          <a:xfrm rot="10800000">
+            <a:off x="1172463" y="5638801"/>
+            <a:ext cx="0" cy="287172"/>
+          </a:xfrm>
+          <a:prstGeom prst="straightConnector1">
+            <a:avLst/>
+          </a:prstGeom>
+          <a:ln w="12700">
+            <a:solidFill>
+              <a:schemeClr val="tx1"/>
+            </a:solidFill>
+            <a:tailEnd type="triangle"/>
+          </a:ln>
+        </p:spPr>
+        <p:style>
+          <a:lnRef idx="1">
+            <a:schemeClr val="accent1"/>
+          </a:lnRef>
+          <a:fillRef idx="0">
+            <a:schemeClr val="accent1"/>
+          </a:fillRef>
+          <a:effectRef idx="0">
+            <a:schemeClr val="accent1"/>
+          </a:effectRef>
+          <a:fontRef idx="minor">
+            <a:schemeClr val="tx1"/>
+          </a:fontRef>
+        </p:style>
+      </p:cxnSp>
+      <p:sp>
+        <p:nvSpPr>
+          <p:cNvPr id="39" name="Rectangle 38"/>
+          <p:cNvSpPr/>
+          <p:nvPr/>
+        </p:nvSpPr>
+        <p:spPr>
+          <a:xfrm>
+            <a:off x="3028694" y="5999866"/>
+            <a:ext cx="891028" cy="436728"/>
+          </a:xfrm>
+          <a:prstGeom prst="rect">
+            <a:avLst/>
+          </a:prstGeom>
+          <a:noFill/>
+          <a:ln w="12700">
+            <a:solidFill>
+              <a:schemeClr val="tx1"/>
+            </a:solidFill>
+          </a:ln>
+        </p:spPr>
+        <p:style>
+          <a:lnRef idx="2">
+            <a:schemeClr val="accent6"/>
+          </a:lnRef>
+          <a:fillRef idx="1">
+            <a:schemeClr val="lt1"/>
+          </a:fillRef>
+          <a:effectRef idx="0">
+            <a:schemeClr val="accent6"/>
+          </a:effectRef>
+          <a:fontRef idx="minor">
+            <a:schemeClr val="dk1"/>
+          </a:fontRef>
+        </p:style>
+        <p:txBody>
+          <a:bodyPr rtlCol="0" anchor="ctr"/>
+          <a:lstStyle/>
+          <a:p>
+            <a:pPr algn="ctr"/>
+            <a:r>
+              <a:rPr lang="en-US" sz="1000" dirty="0" smtClean="0">
+                <a:latin typeface="Times New Roman" panose="02020603050405020304" pitchFamily="18" charset="0"/>
+                <a:cs typeface="Times New Roman" panose="02020603050405020304" pitchFamily="18" charset="0"/>
+              </a:rPr>
+              <a:t>Plaintext</a:t>
+            </a:r>
+          </a:p>
+          <a:p>
+            <a:pPr algn="ctr"/>
+            <a:r>
+              <a:rPr lang="en-US" sz="1000" dirty="0" smtClean="0">
+                <a:latin typeface="Times New Roman" panose="02020603050405020304" pitchFamily="18" charset="0"/>
+                <a:cs typeface="Times New Roman" panose="02020603050405020304" pitchFamily="18" charset="0"/>
+              </a:rPr>
+              <a:t>destination</a:t>
+            </a:r>
+            <a:endParaRPr lang="en-US" sz="1000" dirty="0">
+              <a:latin typeface="Times New Roman" panose="02020603050405020304" pitchFamily="18" charset="0"/>
+              <a:cs typeface="Times New Roman" panose="02020603050405020304" pitchFamily="18" charset="0"/>
+            </a:endParaRPr>
+          </a:p>
+        </p:txBody>
+      </p:sp>
+      <p:sp>
+        <p:nvSpPr>
+          <p:cNvPr id="40" name="Rectangle 39"/>
+          <p:cNvSpPr/>
+          <p:nvPr/>
+        </p:nvSpPr>
+        <p:spPr>
+          <a:xfrm>
+            <a:off x="3028694" y="5275966"/>
+            <a:ext cx="891028" cy="436728"/>
+          </a:xfrm>
+          <a:prstGeom prst="rect">
+            <a:avLst/>
+          </a:prstGeom>
+          <a:noFill/>
+          <a:ln w="12700">
+            <a:solidFill>
+              <a:schemeClr val="tx1"/>
+            </a:solidFill>
+          </a:ln>
+        </p:spPr>
+        <p:style>
+          <a:lnRef idx="2">
+            <a:schemeClr val="accent6"/>
+          </a:lnRef>
+          <a:fillRef idx="1">
+            <a:schemeClr val="lt1"/>
+          </a:fillRef>
+          <a:effectRef idx="0">
+            <a:schemeClr val="accent6"/>
+          </a:effectRef>
+          <a:fontRef idx="minor">
+            <a:schemeClr val="dk1"/>
+          </a:fontRef>
+        </p:style>
+        <p:txBody>
+          <a:bodyPr rtlCol="0" anchor="ctr"/>
+          <a:lstStyle/>
+          <a:p>
+            <a:pPr algn="ctr"/>
+            <a:r>
+              <a:rPr lang="en-US" sz="1000" dirty="0" smtClean="0">
+                <a:latin typeface="Times New Roman" panose="02020603050405020304" pitchFamily="18" charset="0"/>
+                <a:cs typeface="Times New Roman" panose="02020603050405020304" pitchFamily="18" charset="0"/>
+              </a:rPr>
+              <a:t>Decryption</a:t>
+            </a:r>
+          </a:p>
+          <a:p>
+            <a:pPr algn="ctr"/>
+            <a:r>
+              <a:rPr lang="en-US" sz="1000" dirty="0" smtClean="0">
+                <a:latin typeface="Times New Roman" panose="02020603050405020304" pitchFamily="18" charset="0"/>
+                <a:cs typeface="Times New Roman" panose="02020603050405020304" pitchFamily="18" charset="0"/>
+              </a:rPr>
+              <a:t>D</a:t>
+            </a:r>
+            <a:r>
+              <a:rPr lang="en-US" sz="1000" baseline="-25000" dirty="0" smtClean="0">
+                <a:latin typeface="Times New Roman" panose="02020603050405020304" pitchFamily="18" charset="0"/>
+                <a:cs typeface="Times New Roman" panose="02020603050405020304" pitchFamily="18" charset="0"/>
+              </a:rPr>
+              <a:t>d </a:t>
+            </a:r>
+            <a:r>
+              <a:rPr lang="en-US" sz="1000" dirty="0" smtClean="0">
+                <a:latin typeface="Times New Roman" panose="02020603050405020304" pitchFamily="18" charset="0"/>
+                <a:cs typeface="Times New Roman" panose="02020603050405020304" pitchFamily="18" charset="0"/>
+              </a:rPr>
+              <a:t>(c) = m </a:t>
+            </a:r>
+            <a:endParaRPr lang="en-US" sz="1000" baseline="-25000" dirty="0">
+              <a:latin typeface="Times New Roman" panose="02020603050405020304" pitchFamily="18" charset="0"/>
+              <a:cs typeface="Times New Roman" panose="02020603050405020304" pitchFamily="18" charset="0"/>
+            </a:endParaRPr>
+          </a:p>
+        </p:txBody>
+      </p:sp>
+      <p:sp>
+        <p:nvSpPr>
+          <p:cNvPr id="41" name="Rectangle 40"/>
+          <p:cNvSpPr/>
+          <p:nvPr/>
+        </p:nvSpPr>
+        <p:spPr>
+          <a:xfrm>
+            <a:off x="3028694" y="4572540"/>
+            <a:ext cx="891028" cy="416253"/>
+          </a:xfrm>
+          <a:prstGeom prst="rect">
+            <a:avLst/>
+          </a:prstGeom>
+          <a:noFill/>
+          <a:ln w="12700">
+            <a:solidFill>
+              <a:schemeClr val="tx1"/>
+            </a:solidFill>
+          </a:ln>
+        </p:spPr>
+        <p:style>
+          <a:lnRef idx="2">
+            <a:schemeClr val="accent6"/>
+          </a:lnRef>
+          <a:fillRef idx="1">
+            <a:schemeClr val="lt1"/>
+          </a:fillRef>
+          <a:effectRef idx="0">
+            <a:schemeClr val="accent6"/>
+          </a:effectRef>
+          <a:fontRef idx="minor">
+            <a:schemeClr val="dk1"/>
+          </a:fontRef>
+        </p:style>
+        <p:txBody>
+          <a:bodyPr rtlCol="0" anchor="ctr"/>
+          <a:lstStyle/>
+          <a:p>
+            <a:pPr algn="ctr"/>
+            <a:endParaRPr lang="en-US" sz="1000" dirty="0" smtClean="0">
+              <a:latin typeface="Times New Roman" panose="02020603050405020304" pitchFamily="18" charset="0"/>
+              <a:cs typeface="Times New Roman" panose="02020603050405020304" pitchFamily="18" charset="0"/>
+            </a:endParaRPr>
+          </a:p>
+          <a:p>
+            <a:pPr algn="ctr"/>
+            <a:r>
+              <a:rPr lang="en-US" sz="1000" dirty="0" smtClean="0">
+                <a:latin typeface="Times New Roman" panose="02020603050405020304" pitchFamily="18" charset="0"/>
+                <a:cs typeface="Times New Roman" panose="02020603050405020304" pitchFamily="18" charset="0"/>
+              </a:rPr>
+              <a:t>Key </a:t>
+            </a:r>
+          </a:p>
+          <a:p>
+            <a:pPr algn="ctr"/>
+            <a:r>
+              <a:rPr lang="en-US" sz="1000" dirty="0" smtClean="0">
+                <a:latin typeface="Times New Roman" panose="02020603050405020304" pitchFamily="18" charset="0"/>
+                <a:cs typeface="Times New Roman" panose="02020603050405020304" pitchFamily="18" charset="0"/>
+              </a:rPr>
+              <a:t>source</a:t>
+            </a:r>
+          </a:p>
+          <a:p>
+            <a:pPr algn="ctr"/>
+            <a:endParaRPr lang="en-US" sz="1000" dirty="0">
+              <a:latin typeface="Times New Roman" panose="02020603050405020304" pitchFamily="18" charset="0"/>
+              <a:cs typeface="Times New Roman" panose="02020603050405020304" pitchFamily="18" charset="0"/>
+            </a:endParaRPr>
+          </a:p>
+        </p:txBody>
+      </p:sp>
+      <p:sp>
+        <p:nvSpPr>
+          <p:cNvPr id="45" name="Rectangle 44"/>
+          <p:cNvSpPr/>
+          <p:nvPr/>
+        </p:nvSpPr>
+        <p:spPr>
+          <a:xfrm>
+            <a:off x="2975354" y="4505748"/>
+            <a:ext cx="1005840" cy="2019300"/>
+          </a:xfrm>
+          <a:prstGeom prst="rect">
+            <a:avLst/>
+          </a:prstGeom>
+          <a:noFill/>
+          <a:ln w="12700">
+            <a:solidFill>
+              <a:schemeClr val="tx1"/>
+            </a:solidFill>
+          </a:ln>
+        </p:spPr>
+        <p:style>
+          <a:lnRef idx="2">
+            <a:schemeClr val="accent6"/>
+          </a:lnRef>
+          <a:fillRef idx="1">
+            <a:schemeClr val="lt1"/>
+          </a:fillRef>
+          <a:effectRef idx="0">
+            <a:schemeClr val="accent6"/>
+          </a:effectRef>
+          <a:fontRef idx="minor">
+            <a:schemeClr val="dk1"/>
+          </a:fontRef>
+        </p:style>
+        <p:txBody>
+          <a:bodyPr rtlCol="0" anchor="ctr"/>
+          <a:lstStyle/>
+          <a:p>
+            <a:pPr algn="ctr"/>
+            <a:endParaRPr lang="en-US"/>
+          </a:p>
+        </p:txBody>
+      </p:sp>
+      <p:sp>
+        <p:nvSpPr>
+          <p:cNvPr id="46" name="TextBox 45"/>
+          <p:cNvSpPr txBox="1"/>
+          <p:nvPr/>
+        </p:nvSpPr>
+        <p:spPr>
+          <a:xfrm>
+            <a:off x="3214361" y="6540588"/>
+            <a:ext cx="441146" cy="276999"/>
+          </a:xfrm>
+          <a:prstGeom prst="rect">
+            <a:avLst/>
+          </a:prstGeom>
+          <a:noFill/>
+        </p:spPr>
+        <p:txBody>
+          <a:bodyPr wrap="none" rtlCol="0">
+            <a:spAutoFit/>
+          </a:bodyPr>
+          <a:lstStyle/>
+          <a:p>
+            <a:r>
+              <a:rPr lang="en-US" sz="1200" dirty="0" smtClean="0">
+                <a:latin typeface="Times New Roman" panose="02020603050405020304" pitchFamily="18" charset="0"/>
+                <a:cs typeface="Times New Roman" panose="02020603050405020304" pitchFamily="18" charset="0"/>
+              </a:rPr>
+              <a:t>Bob</a:t>
+            </a:r>
+            <a:endParaRPr lang="en-US" sz="1200" dirty="0">
+              <a:latin typeface="Times New Roman" panose="02020603050405020304" pitchFamily="18" charset="0"/>
+              <a:cs typeface="Times New Roman" panose="02020603050405020304" pitchFamily="18" charset="0"/>
+            </a:endParaRPr>
+          </a:p>
+        </p:txBody>
+      </p:sp>
+      <p:cxnSp>
+        <p:nvCxnSpPr>
+          <p:cNvPr id="47" name="Straight Arrow Connector 46"/>
+          <p:cNvCxnSpPr/>
+          <p:nvPr/>
+        </p:nvCxnSpPr>
+        <p:spPr>
+          <a:xfrm>
+            <a:off x="2463549" y="4195918"/>
+            <a:ext cx="0" cy="545261"/>
+          </a:xfrm>
+          <a:prstGeom prst="straightConnector1">
+            <a:avLst/>
+          </a:prstGeom>
+          <a:ln w="12700">
+            <a:solidFill>
+              <a:schemeClr val="tx1"/>
+            </a:solidFill>
+            <a:prstDash val="sysDash"/>
+            <a:headEnd type="triangle"/>
+            <a:tailEnd type="triangle"/>
+          </a:ln>
+        </p:spPr>
+        <p:style>
+          <a:lnRef idx="1">
+            <a:schemeClr val="accent1"/>
+          </a:lnRef>
+          <a:fillRef idx="0">
+            <a:schemeClr val="accent1"/>
+          </a:fillRef>
+          <a:effectRef idx="0">
+            <a:schemeClr val="accent1"/>
+          </a:effectRef>
+          <a:fontRef idx="minor">
+            <a:schemeClr val="tx1"/>
+          </a:fontRef>
+        </p:style>
+      </p:cxnSp>
+      <p:sp>
+        <p:nvSpPr>
+          <p:cNvPr id="48" name="TextBox 47"/>
+          <p:cNvSpPr txBox="1"/>
+          <p:nvPr/>
+        </p:nvSpPr>
+        <p:spPr>
+          <a:xfrm>
+            <a:off x="1178682" y="4768330"/>
+            <a:ext cx="1327145" cy="215444"/>
+          </a:xfrm>
+          <a:prstGeom prst="rect">
+            <a:avLst/>
+          </a:prstGeom>
+          <a:noFill/>
+        </p:spPr>
+        <p:txBody>
+          <a:bodyPr wrap="square" rtlCol="0">
+            <a:spAutoFit/>
+          </a:bodyPr>
+          <a:lstStyle/>
+          <a:p>
+            <a:r>
+              <a:rPr lang="en-US" sz="800" dirty="0" smtClean="0">
+                <a:latin typeface="Times New Roman" panose="02020603050405020304" pitchFamily="18" charset="0"/>
+                <a:cs typeface="Times New Roman" panose="02020603050405020304" pitchFamily="18" charset="0"/>
+              </a:rPr>
+              <a:t>UNSECURED CHANNEL</a:t>
+            </a:r>
+            <a:endParaRPr lang="en-US" sz="800" dirty="0">
+              <a:latin typeface="Times New Roman" panose="02020603050405020304" pitchFamily="18" charset="0"/>
+              <a:cs typeface="Times New Roman" panose="02020603050405020304" pitchFamily="18" charset="0"/>
+            </a:endParaRPr>
+          </a:p>
+        </p:txBody>
+      </p:sp>
+      <p:cxnSp>
+        <p:nvCxnSpPr>
+          <p:cNvPr id="49" name="Straight Arrow Connector 48"/>
+          <p:cNvCxnSpPr/>
+          <p:nvPr/>
+        </p:nvCxnSpPr>
+        <p:spPr>
+          <a:xfrm>
+            <a:off x="3474208" y="4988794"/>
+            <a:ext cx="0" cy="287172"/>
+          </a:xfrm>
+          <a:prstGeom prst="straightConnector1">
+            <a:avLst/>
+          </a:prstGeom>
+          <a:ln w="12700">
+            <a:solidFill>
+              <a:schemeClr val="tx1"/>
+            </a:solidFill>
+            <a:tailEnd type="triangle"/>
+          </a:ln>
+        </p:spPr>
+        <p:style>
+          <a:lnRef idx="1">
+            <a:schemeClr val="accent1"/>
+          </a:lnRef>
+          <a:fillRef idx="0">
+            <a:schemeClr val="accent1"/>
+          </a:fillRef>
+          <a:effectRef idx="0">
+            <a:schemeClr val="accent1"/>
+          </a:effectRef>
+          <a:fontRef idx="minor">
+            <a:schemeClr val="tx1"/>
+          </a:fontRef>
+        </p:style>
+      </p:cxnSp>
+      <p:cxnSp>
+        <p:nvCxnSpPr>
+          <p:cNvPr id="50" name="Straight Arrow Connector 49"/>
+          <p:cNvCxnSpPr/>
+          <p:nvPr/>
+        </p:nvCxnSpPr>
+        <p:spPr>
+          <a:xfrm>
+            <a:off x="3474208" y="5712694"/>
+            <a:ext cx="0" cy="287172"/>
+          </a:xfrm>
+          <a:prstGeom prst="straightConnector1">
+            <a:avLst/>
+          </a:prstGeom>
+          <a:ln w="12700">
+            <a:solidFill>
+              <a:schemeClr val="tx1"/>
+            </a:solidFill>
+            <a:tailEnd type="triangle"/>
+          </a:ln>
+        </p:spPr>
+        <p:style>
+          <a:lnRef idx="1">
+            <a:schemeClr val="accent1"/>
+          </a:lnRef>
+          <a:fillRef idx="0">
+            <a:schemeClr val="accent1"/>
+          </a:fillRef>
+          <a:effectRef idx="0">
+            <a:schemeClr val="accent1"/>
+          </a:effectRef>
+          <a:fontRef idx="minor">
+            <a:schemeClr val="tx1"/>
+          </a:fontRef>
+        </p:style>
+      </p:cxnSp>
+      <p:sp>
+        <p:nvSpPr>
+          <p:cNvPr id="52" name="TextBox 51"/>
+          <p:cNvSpPr txBox="1"/>
+          <p:nvPr/>
+        </p:nvSpPr>
+        <p:spPr>
+          <a:xfrm>
+            <a:off x="3489568" y="4983774"/>
+            <a:ext cx="177549" cy="246221"/>
+          </a:xfrm>
+          <a:prstGeom prst="rect">
+            <a:avLst/>
+          </a:prstGeom>
+          <a:noFill/>
+        </p:spPr>
+        <p:txBody>
+          <a:bodyPr wrap="square" rtlCol="0">
+            <a:spAutoFit/>
+          </a:bodyPr>
+          <a:lstStyle/>
+          <a:p>
+            <a:r>
+              <a:rPr lang="en-US" sz="1000" b="1" dirty="0" smtClean="0">
+                <a:latin typeface="Times New Roman" panose="02020603050405020304" pitchFamily="18" charset="0"/>
+                <a:cs typeface="Times New Roman" panose="02020603050405020304" pitchFamily="18" charset="0"/>
+              </a:rPr>
+              <a:t>d</a:t>
+            </a:r>
+            <a:endParaRPr lang="en-US" sz="1000" b="1" dirty="0">
+              <a:latin typeface="Times New Roman" panose="02020603050405020304" pitchFamily="18" charset="0"/>
+              <a:cs typeface="Times New Roman" panose="02020603050405020304" pitchFamily="18" charset="0"/>
+            </a:endParaRPr>
+          </a:p>
+        </p:txBody>
+      </p:sp>
+      <p:sp>
+        <p:nvSpPr>
+          <p:cNvPr id="53" name="TextBox 52"/>
+          <p:cNvSpPr txBox="1"/>
+          <p:nvPr/>
+        </p:nvSpPr>
+        <p:spPr>
+          <a:xfrm>
+            <a:off x="3519416" y="5728234"/>
+            <a:ext cx="177549" cy="246221"/>
+          </a:xfrm>
+          <a:prstGeom prst="rect">
+            <a:avLst/>
+          </a:prstGeom>
+          <a:noFill/>
+        </p:spPr>
+        <p:txBody>
+          <a:bodyPr wrap="square" rtlCol="0">
+            <a:spAutoFit/>
+          </a:bodyPr>
+          <a:lstStyle/>
+          <a:p>
+            <a:r>
+              <a:rPr lang="en-US" sz="1000" b="1" dirty="0" smtClean="0">
+                <a:latin typeface="Times New Roman" panose="02020603050405020304" pitchFamily="18" charset="0"/>
+                <a:cs typeface="Times New Roman" panose="02020603050405020304" pitchFamily="18" charset="0"/>
+              </a:rPr>
+              <a:t>m</a:t>
+            </a:r>
+            <a:endParaRPr lang="en-US" sz="1000" b="1" dirty="0">
+              <a:latin typeface="Times New Roman" panose="02020603050405020304" pitchFamily="18" charset="0"/>
+              <a:cs typeface="Times New Roman" panose="02020603050405020304" pitchFamily="18" charset="0"/>
+            </a:endParaRPr>
+          </a:p>
+        </p:txBody>
+      </p:sp>
+    </p:spTree>
+    <p:extLst>
+      <p:ext uri="{BB962C8B-B14F-4D97-AF65-F5344CB8AC3E}">
+        <p14:creationId xmlns:p14="http://schemas.microsoft.com/office/powerpoint/2010/main" val="3714645617"/>
       </p:ext>
     </p:extLst>
   </p:cSld>

--- a/images/pics.pptx
+++ b/images/pics.pptx
@@ -5,7 +5,7 @@
     <p:sldMasterId id="2147483648" r:id="rId1"/>
   </p:sldMasterIdLst>
   <p:notesMasterIdLst>
-    <p:notesMasterId r:id="rId23"/>
+    <p:notesMasterId r:id="rId24"/>
   </p:notesMasterIdLst>
   <p:sldIdLst>
     <p:sldId id="256" r:id="rId2"/>
@@ -29,6 +29,7 @@
     <p:sldId id="272" r:id="rId20"/>
     <p:sldId id="273" r:id="rId21"/>
     <p:sldId id="274" r:id="rId22"/>
+    <p:sldId id="279" r:id="rId23"/>
   </p:sldIdLst>
   <p:sldSz cx="12192000" cy="6858000"/>
   <p:notesSz cx="6858000" cy="9144000"/>
@@ -16704,6 +16705,43 @@
     <p:extLst>
       <p:ext uri="{BB962C8B-B14F-4D97-AF65-F5344CB8AC3E}">
         <p14:creationId xmlns:p14="http://schemas.microsoft.com/office/powerpoint/2010/main" val="3714645617"/>
+      </p:ext>
+    </p:extLst>
+  </p:cSld>
+  <p:clrMapOvr>
+    <a:masterClrMapping/>
+  </p:clrMapOvr>
+  <p:timing>
+    <p:tnLst>
+      <p:par>
+        <p:cTn id="1" dur="indefinite" restart="never" nodeType="tmRoot"/>
+      </p:par>
+    </p:tnLst>
+  </p:timing>
+</p:sld>
+</file>
+
+<file path=ppt/slides/slide22.xml><?xml version="1.0" encoding="utf-8"?>
+<p:sld xmlns:a="http://schemas.openxmlformats.org/drawingml/2006/main" xmlns:r="http://schemas.openxmlformats.org/officeDocument/2006/relationships" xmlns:p="http://schemas.openxmlformats.org/presentationml/2006/main">
+  <p:cSld>
+    <p:spTree>
+      <p:nvGrpSpPr>
+        <p:cNvPr id="1" name=""/>
+        <p:cNvGrpSpPr/>
+        <p:nvPr/>
+      </p:nvGrpSpPr>
+      <p:grpSpPr>
+        <a:xfrm>
+          <a:off x="0" y="0"/>
+          <a:ext cx="0" cy="0"/>
+          <a:chOff x="0" y="0"/>
+          <a:chExt cx="0" cy="0"/>
+        </a:xfrm>
+      </p:grpSpPr>
+    </p:spTree>
+    <p:extLst>
+      <p:ext uri="{BB962C8B-B14F-4D97-AF65-F5344CB8AC3E}">
+        <p14:creationId xmlns:p14="http://schemas.microsoft.com/office/powerpoint/2010/main" val="3679396074"/>
       </p:ext>
     </p:extLst>
   </p:cSld>

--- a/images/pics.pptx
+++ b/images/pics.pptx
@@ -231,7 +231,7 @@
           <a:p>
             <a:fld id="{4FF7AF54-2AD9-468C-807B-634631568B63}" type="datetimeFigureOut">
               <a:rPr lang="en-US" smtClean="0"/>
-              <a:t>2/4/2015</a:t>
+              <a:t>2/8/2015</a:t>
             </a:fld>
             <a:endParaRPr lang="en-US"/>
           </a:p>
@@ -714,7 +714,7 @@
           <a:p>
             <a:fld id="{844C98E4-C9EE-4E87-AFEC-1BE23205BC3C}" type="datetimeFigureOut">
               <a:rPr lang="en-US" smtClean="0"/>
-              <a:t>2/4/2015</a:t>
+              <a:t>2/8/2015</a:t>
             </a:fld>
             <a:endParaRPr lang="en-US"/>
           </a:p>
@@ -884,7 +884,7 @@
           <a:p>
             <a:fld id="{844C98E4-C9EE-4E87-AFEC-1BE23205BC3C}" type="datetimeFigureOut">
               <a:rPr lang="en-US" smtClean="0"/>
-              <a:t>2/4/2015</a:t>
+              <a:t>2/8/2015</a:t>
             </a:fld>
             <a:endParaRPr lang="en-US"/>
           </a:p>
@@ -1064,7 +1064,7 @@
           <a:p>
             <a:fld id="{844C98E4-C9EE-4E87-AFEC-1BE23205BC3C}" type="datetimeFigureOut">
               <a:rPr lang="en-US" smtClean="0"/>
-              <a:t>2/4/2015</a:t>
+              <a:t>2/8/2015</a:t>
             </a:fld>
             <a:endParaRPr lang="en-US"/>
           </a:p>
@@ -1234,7 +1234,7 @@
           <a:p>
             <a:fld id="{844C98E4-C9EE-4E87-AFEC-1BE23205BC3C}" type="datetimeFigureOut">
               <a:rPr lang="en-US" smtClean="0"/>
-              <a:t>2/4/2015</a:t>
+              <a:t>2/8/2015</a:t>
             </a:fld>
             <a:endParaRPr lang="en-US"/>
           </a:p>
@@ -1480,7 +1480,7 @@
           <a:p>
             <a:fld id="{844C98E4-C9EE-4E87-AFEC-1BE23205BC3C}" type="datetimeFigureOut">
               <a:rPr lang="en-US" smtClean="0"/>
-              <a:t>2/4/2015</a:t>
+              <a:t>2/8/2015</a:t>
             </a:fld>
             <a:endParaRPr lang="en-US"/>
           </a:p>
@@ -1712,7 +1712,7 @@
           <a:p>
             <a:fld id="{844C98E4-C9EE-4E87-AFEC-1BE23205BC3C}" type="datetimeFigureOut">
               <a:rPr lang="en-US" smtClean="0"/>
-              <a:t>2/4/2015</a:t>
+              <a:t>2/8/2015</a:t>
             </a:fld>
             <a:endParaRPr lang="en-US"/>
           </a:p>
@@ -2079,7 +2079,7 @@
           <a:p>
             <a:fld id="{844C98E4-C9EE-4E87-AFEC-1BE23205BC3C}" type="datetimeFigureOut">
               <a:rPr lang="en-US" smtClean="0"/>
-              <a:t>2/4/2015</a:t>
+              <a:t>2/8/2015</a:t>
             </a:fld>
             <a:endParaRPr lang="en-US"/>
           </a:p>
@@ -2197,7 +2197,7 @@
           <a:p>
             <a:fld id="{844C98E4-C9EE-4E87-AFEC-1BE23205BC3C}" type="datetimeFigureOut">
               <a:rPr lang="en-US" smtClean="0"/>
-              <a:t>2/4/2015</a:t>
+              <a:t>2/8/2015</a:t>
             </a:fld>
             <a:endParaRPr lang="en-US"/>
           </a:p>
@@ -2292,7 +2292,7 @@
           <a:p>
             <a:fld id="{844C98E4-C9EE-4E87-AFEC-1BE23205BC3C}" type="datetimeFigureOut">
               <a:rPr lang="en-US" smtClean="0"/>
-              <a:t>2/4/2015</a:t>
+              <a:t>2/8/2015</a:t>
             </a:fld>
             <a:endParaRPr lang="en-US"/>
           </a:p>
@@ -2569,7 +2569,7 @@
           <a:p>
             <a:fld id="{844C98E4-C9EE-4E87-AFEC-1BE23205BC3C}" type="datetimeFigureOut">
               <a:rPr lang="en-US" smtClean="0"/>
-              <a:t>2/4/2015</a:t>
+              <a:t>2/8/2015</a:t>
             </a:fld>
             <a:endParaRPr lang="en-US"/>
           </a:p>
@@ -2822,7 +2822,7 @@
           <a:p>
             <a:fld id="{844C98E4-C9EE-4E87-AFEC-1BE23205BC3C}" type="datetimeFigureOut">
               <a:rPr lang="en-US" smtClean="0"/>
-              <a:t>2/4/2015</a:t>
+              <a:t>2/8/2015</a:t>
             </a:fld>
             <a:endParaRPr lang="en-US"/>
           </a:p>
@@ -3035,7 +3035,7 @@
           <a:p>
             <a:fld id="{844C98E4-C9EE-4E87-AFEC-1BE23205BC3C}" type="datetimeFigureOut">
               <a:rPr lang="en-US" smtClean="0"/>
-              <a:t>2/4/2015</a:t>
+              <a:t>2/8/2015</a:t>
             </a:fld>
             <a:endParaRPr lang="en-US"/>
           </a:p>
@@ -5829,8 +5829,10 @@
           <a:prstGeom prst="ellipse">
             <a:avLst/>
           </a:prstGeom>
-          <a:noFill/>
-          <a:ln w="19050">
+          <a:solidFill>
+            <a:schemeClr val="bg2"/>
+          </a:solidFill>
+          <a:ln w="38100">
             <a:solidFill>
               <a:schemeClr val="tx1"/>
             </a:solidFill>

--- a/images/pics.pptx
+++ b/images/pics.pptx
@@ -5,7 +5,7 @@
     <p:sldMasterId id="2147483648" r:id="rId1"/>
   </p:sldMasterIdLst>
   <p:notesMasterIdLst>
-    <p:notesMasterId r:id="rId28"/>
+    <p:notesMasterId r:id="rId29"/>
   </p:notesMasterIdLst>
   <p:sldIdLst>
     <p:sldId id="257" r:id="rId2"/>
@@ -34,6 +34,7 @@
     <p:sldId id="274" r:id="rId25"/>
     <p:sldId id="279" r:id="rId26"/>
     <p:sldId id="283" r:id="rId27"/>
+    <p:sldId id="285" r:id="rId28"/>
   </p:sldIdLst>
   <p:sldSz cx="12192000" cy="6858000"/>
   <p:notesSz cx="6858000" cy="9144000"/>
@@ -233,7 +234,7 @@
           <a:p>
             <a:fld id="{4FF7AF54-2AD9-468C-807B-634631568B63}" type="datetimeFigureOut">
               <a:rPr lang="en-US" smtClean="0"/>
-              <a:t>2/9/2015</a:t>
+              <a:t>2/16/2015</a:t>
             </a:fld>
             <a:endParaRPr lang="en-US"/>
           </a:p>
@@ -716,7 +717,7 @@
           <a:p>
             <a:fld id="{844C98E4-C9EE-4E87-AFEC-1BE23205BC3C}" type="datetimeFigureOut">
               <a:rPr lang="en-US" smtClean="0"/>
-              <a:t>2/9/2015</a:t>
+              <a:t>2/16/2015</a:t>
             </a:fld>
             <a:endParaRPr lang="en-US"/>
           </a:p>
@@ -886,7 +887,7 @@
           <a:p>
             <a:fld id="{844C98E4-C9EE-4E87-AFEC-1BE23205BC3C}" type="datetimeFigureOut">
               <a:rPr lang="en-US" smtClean="0"/>
-              <a:t>2/9/2015</a:t>
+              <a:t>2/16/2015</a:t>
             </a:fld>
             <a:endParaRPr lang="en-US"/>
           </a:p>
@@ -1066,7 +1067,7 @@
           <a:p>
             <a:fld id="{844C98E4-C9EE-4E87-AFEC-1BE23205BC3C}" type="datetimeFigureOut">
               <a:rPr lang="en-US" smtClean="0"/>
-              <a:t>2/9/2015</a:t>
+              <a:t>2/16/2015</a:t>
             </a:fld>
             <a:endParaRPr lang="en-US"/>
           </a:p>
@@ -1236,7 +1237,7 @@
           <a:p>
             <a:fld id="{844C98E4-C9EE-4E87-AFEC-1BE23205BC3C}" type="datetimeFigureOut">
               <a:rPr lang="en-US" smtClean="0"/>
-              <a:t>2/9/2015</a:t>
+              <a:t>2/16/2015</a:t>
             </a:fld>
             <a:endParaRPr lang="en-US"/>
           </a:p>
@@ -1482,7 +1483,7 @@
           <a:p>
             <a:fld id="{844C98E4-C9EE-4E87-AFEC-1BE23205BC3C}" type="datetimeFigureOut">
               <a:rPr lang="en-US" smtClean="0"/>
-              <a:t>2/9/2015</a:t>
+              <a:t>2/16/2015</a:t>
             </a:fld>
             <a:endParaRPr lang="en-US"/>
           </a:p>
@@ -1714,7 +1715,7 @@
           <a:p>
             <a:fld id="{844C98E4-C9EE-4E87-AFEC-1BE23205BC3C}" type="datetimeFigureOut">
               <a:rPr lang="en-US" smtClean="0"/>
-              <a:t>2/9/2015</a:t>
+              <a:t>2/16/2015</a:t>
             </a:fld>
             <a:endParaRPr lang="en-US"/>
           </a:p>
@@ -2081,7 +2082,7 @@
           <a:p>
             <a:fld id="{844C98E4-C9EE-4E87-AFEC-1BE23205BC3C}" type="datetimeFigureOut">
               <a:rPr lang="en-US" smtClean="0"/>
-              <a:t>2/9/2015</a:t>
+              <a:t>2/16/2015</a:t>
             </a:fld>
             <a:endParaRPr lang="en-US"/>
           </a:p>
@@ -2199,7 +2200,7 @@
           <a:p>
             <a:fld id="{844C98E4-C9EE-4E87-AFEC-1BE23205BC3C}" type="datetimeFigureOut">
               <a:rPr lang="en-US" smtClean="0"/>
-              <a:t>2/9/2015</a:t>
+              <a:t>2/16/2015</a:t>
             </a:fld>
             <a:endParaRPr lang="en-US"/>
           </a:p>
@@ -2294,7 +2295,7 @@
           <a:p>
             <a:fld id="{844C98E4-C9EE-4E87-AFEC-1BE23205BC3C}" type="datetimeFigureOut">
               <a:rPr lang="en-US" smtClean="0"/>
-              <a:t>2/9/2015</a:t>
+              <a:t>2/16/2015</a:t>
             </a:fld>
             <a:endParaRPr lang="en-US"/>
           </a:p>
@@ -2571,7 +2572,7 @@
           <a:p>
             <a:fld id="{844C98E4-C9EE-4E87-AFEC-1BE23205BC3C}" type="datetimeFigureOut">
               <a:rPr lang="en-US" smtClean="0"/>
-              <a:t>2/9/2015</a:t>
+              <a:t>2/16/2015</a:t>
             </a:fld>
             <a:endParaRPr lang="en-US"/>
           </a:p>
@@ -2824,7 +2825,7 @@
           <a:p>
             <a:fld id="{844C98E4-C9EE-4E87-AFEC-1BE23205BC3C}" type="datetimeFigureOut">
               <a:rPr lang="en-US" smtClean="0"/>
-              <a:t>2/9/2015</a:t>
+              <a:t>2/16/2015</a:t>
             </a:fld>
             <a:endParaRPr lang="en-US"/>
           </a:p>
@@ -3037,7 +3038,7 @@
           <a:p>
             <a:fld id="{844C98E4-C9EE-4E87-AFEC-1BE23205BC3C}" type="datetimeFigureOut">
               <a:rPr lang="en-US" smtClean="0"/>
-              <a:t>2/9/2015</a:t>
+              <a:t>2/16/2015</a:t>
             </a:fld>
             <a:endParaRPr lang="en-US"/>
           </a:p>
@@ -26589,6 +26590,1670 @@
     <p:extLst>
       <p:ext uri="{BB962C8B-B14F-4D97-AF65-F5344CB8AC3E}">
         <p14:creationId xmlns:p14="http://schemas.microsoft.com/office/powerpoint/2010/main" val="1841215657"/>
+      </p:ext>
+    </p:extLst>
+  </p:cSld>
+  <p:clrMapOvr>
+    <a:masterClrMapping/>
+  </p:clrMapOvr>
+  <p:timing>
+    <p:tnLst>
+      <p:par>
+        <p:cTn id="1" dur="indefinite" restart="never" nodeType="tmRoot"/>
+      </p:par>
+    </p:tnLst>
+  </p:timing>
+</p:sld>
+</file>
+
+<file path=ppt/slides/slide27.xml><?xml version="1.0" encoding="utf-8"?>
+<p:sld xmlns:a="http://schemas.openxmlformats.org/drawingml/2006/main" xmlns:r="http://schemas.openxmlformats.org/officeDocument/2006/relationships" xmlns:p="http://schemas.openxmlformats.org/presentationml/2006/main">
+  <p:cSld>
+    <p:spTree>
+      <p:nvGrpSpPr>
+        <p:cNvPr id="1" name=""/>
+        <p:cNvGrpSpPr/>
+        <p:nvPr/>
+      </p:nvGrpSpPr>
+      <p:grpSpPr>
+        <a:xfrm>
+          <a:off x="0" y="0"/>
+          <a:ext cx="0" cy="0"/>
+          <a:chOff x="0" y="0"/>
+          <a:chExt cx="0" cy="0"/>
+        </a:xfrm>
+      </p:grpSpPr>
+      <p:sp>
+        <p:nvSpPr>
+          <p:cNvPr id="2" name="Oval 1"/>
+          <p:cNvSpPr/>
+          <p:nvPr/>
+        </p:nvSpPr>
+        <p:spPr>
+          <a:xfrm>
+            <a:off x="143884" y="6249670"/>
+            <a:ext cx="457200" cy="457200"/>
+          </a:xfrm>
+          <a:prstGeom prst="ellipse">
+            <a:avLst/>
+          </a:prstGeom>
+          <a:noFill/>
+          <a:ln w="19050">
+            <a:solidFill>
+              <a:schemeClr val="tx1"/>
+            </a:solidFill>
+          </a:ln>
+        </p:spPr>
+        <p:style>
+          <a:lnRef idx="2">
+            <a:schemeClr val="accent1">
+              <a:shade val="50000"/>
+            </a:schemeClr>
+          </a:lnRef>
+          <a:fillRef idx="1">
+            <a:schemeClr val="accent1"/>
+          </a:fillRef>
+          <a:effectRef idx="0">
+            <a:schemeClr val="accent1"/>
+          </a:effectRef>
+          <a:fontRef idx="minor">
+            <a:schemeClr val="lt1"/>
+          </a:fontRef>
+        </p:style>
+        <p:txBody>
+          <a:bodyPr rot="0" spcFirstLastPara="0" vert="horz" wrap="square" lIns="91440" tIns="45720" rIns="91440" bIns="45720" numCol="1" spcCol="0" rtlCol="0" fromWordArt="0" anchor="ctr" anchorCtr="0" forceAA="0" compatLnSpc="1">
+            <a:prstTxWarp prst="textNoShape">
+              <a:avLst/>
+            </a:prstTxWarp>
+            <a:noAutofit/>
+          </a:bodyPr>
+          <a:lstStyle/>
+          <a:p>
+            <a:r>
+              <a:rPr lang="en-US" sz="900" b="1" dirty="0" smtClean="0">
+                <a:solidFill>
+                  <a:prstClr val="black"/>
+                </a:solidFill>
+                <a:latin typeface="Times New Roman" panose="02020603050405020304" pitchFamily="18" charset="0"/>
+                <a:cs typeface="Times New Roman" panose="02020603050405020304" pitchFamily="18" charset="0"/>
+              </a:rPr>
+              <a:t>A</a:t>
+            </a:r>
+            <a:r>
+              <a:rPr lang="en-US" sz="900" b="1" baseline="-25000" dirty="0" smtClean="0">
+                <a:solidFill>
+                  <a:prstClr val="black"/>
+                </a:solidFill>
+                <a:latin typeface="Times New Roman" panose="02020603050405020304" pitchFamily="18" charset="0"/>
+                <a:cs typeface="Times New Roman" panose="02020603050405020304" pitchFamily="18" charset="0"/>
+              </a:rPr>
+              <a:t>0</a:t>
+            </a:r>
+            <a:endParaRPr lang="en-US" sz="900" b="1" dirty="0"/>
+          </a:p>
+        </p:txBody>
+      </p:sp>
+      <p:sp>
+        <p:nvSpPr>
+          <p:cNvPr id="3" name="Oval 2"/>
+          <p:cNvSpPr/>
+          <p:nvPr/>
+        </p:nvSpPr>
+        <p:spPr>
+          <a:xfrm>
+            <a:off x="765447" y="6249670"/>
+            <a:ext cx="457200" cy="457200"/>
+          </a:xfrm>
+          <a:prstGeom prst="ellipse">
+            <a:avLst/>
+          </a:prstGeom>
+          <a:noFill/>
+          <a:ln w="19050">
+            <a:solidFill>
+              <a:schemeClr val="tx1"/>
+            </a:solidFill>
+          </a:ln>
+        </p:spPr>
+        <p:style>
+          <a:lnRef idx="2">
+            <a:schemeClr val="accent1">
+              <a:shade val="50000"/>
+            </a:schemeClr>
+          </a:lnRef>
+          <a:fillRef idx="1">
+            <a:schemeClr val="accent1"/>
+          </a:fillRef>
+          <a:effectRef idx="0">
+            <a:schemeClr val="accent1"/>
+          </a:effectRef>
+          <a:fontRef idx="minor">
+            <a:schemeClr val="lt1"/>
+          </a:fontRef>
+        </p:style>
+        <p:txBody>
+          <a:bodyPr rot="0" spcFirstLastPara="0" vert="horz" wrap="square" lIns="91440" tIns="45720" rIns="91440" bIns="45720" numCol="1" spcCol="0" rtlCol="0" fromWordArt="0" anchor="ctr" anchorCtr="0" forceAA="0" compatLnSpc="1">
+            <a:prstTxWarp prst="textNoShape">
+              <a:avLst/>
+            </a:prstTxWarp>
+            <a:noAutofit/>
+          </a:bodyPr>
+          <a:lstStyle/>
+          <a:p>
+            <a:r>
+              <a:rPr lang="en-US" sz="900" b="1" dirty="0" smtClean="0">
+                <a:solidFill>
+                  <a:prstClr val="black"/>
+                </a:solidFill>
+                <a:latin typeface="Times New Roman" panose="02020603050405020304" pitchFamily="18" charset="0"/>
+                <a:cs typeface="Times New Roman" panose="02020603050405020304" pitchFamily="18" charset="0"/>
+              </a:rPr>
+              <a:t>B</a:t>
+            </a:r>
+            <a:r>
+              <a:rPr lang="en-US" sz="900" b="1" baseline="-25000" dirty="0" smtClean="0">
+                <a:solidFill>
+                  <a:prstClr val="black"/>
+                </a:solidFill>
+                <a:latin typeface="Times New Roman" panose="02020603050405020304" pitchFamily="18" charset="0"/>
+                <a:cs typeface="Times New Roman" panose="02020603050405020304" pitchFamily="18" charset="0"/>
+              </a:rPr>
+              <a:t>0</a:t>
+            </a:r>
+            <a:endParaRPr lang="en-US" sz="900" b="1" dirty="0"/>
+          </a:p>
+        </p:txBody>
+      </p:sp>
+      <p:sp>
+        <p:nvSpPr>
+          <p:cNvPr id="4" name="Oval 3"/>
+          <p:cNvSpPr/>
+          <p:nvPr/>
+        </p:nvSpPr>
+        <p:spPr>
+          <a:xfrm>
+            <a:off x="471555" y="5438821"/>
+            <a:ext cx="457200" cy="457200"/>
+          </a:xfrm>
+          <a:prstGeom prst="ellipse">
+            <a:avLst/>
+          </a:prstGeom>
+          <a:noFill/>
+          <a:ln w="19050">
+            <a:solidFill>
+              <a:schemeClr val="tx1"/>
+            </a:solidFill>
+          </a:ln>
+        </p:spPr>
+        <p:style>
+          <a:lnRef idx="2">
+            <a:schemeClr val="accent1">
+              <a:shade val="50000"/>
+            </a:schemeClr>
+          </a:lnRef>
+          <a:fillRef idx="1">
+            <a:schemeClr val="accent1"/>
+          </a:fillRef>
+          <a:effectRef idx="0">
+            <a:schemeClr val="accent1"/>
+          </a:effectRef>
+          <a:fontRef idx="minor">
+            <a:schemeClr val="lt1"/>
+          </a:fontRef>
+        </p:style>
+        <p:txBody>
+          <a:bodyPr rot="0" spcFirstLastPara="0" vert="horz" wrap="square" lIns="91440" tIns="45720" rIns="91440" bIns="45720" numCol="1" spcCol="0" rtlCol="0" fromWordArt="0" anchor="ctr" anchorCtr="0" forceAA="0" compatLnSpc="1">
+            <a:prstTxWarp prst="textNoShape">
+              <a:avLst/>
+            </a:prstTxWarp>
+            <a:noAutofit/>
+          </a:bodyPr>
+          <a:lstStyle/>
+          <a:p>
+            <a:r>
+              <a:rPr lang="en-US" sz="900" b="1" dirty="0" smtClean="0">
+                <a:solidFill>
+                  <a:schemeClr val="tx1"/>
+                </a:solidFill>
+                <a:latin typeface="Times New Roman" panose="02020603050405020304" pitchFamily="18" charset="0"/>
+                <a:cs typeface="Times New Roman" panose="02020603050405020304" pitchFamily="18" charset="0"/>
+              </a:rPr>
+              <a:t>I</a:t>
+            </a:r>
+            <a:r>
+              <a:rPr lang="en-US" sz="900" b="1" baseline="-25000" dirty="0" smtClean="0">
+                <a:solidFill>
+                  <a:schemeClr val="tx1"/>
+                </a:solidFill>
+                <a:latin typeface="Times New Roman" panose="02020603050405020304" pitchFamily="18" charset="0"/>
+                <a:cs typeface="Times New Roman" panose="02020603050405020304" pitchFamily="18" charset="0"/>
+              </a:rPr>
+              <a:t>1</a:t>
+            </a:r>
+            <a:endParaRPr lang="en-US" sz="900" b="1" baseline="-25000" dirty="0">
+              <a:solidFill>
+                <a:schemeClr val="tx1"/>
+              </a:solidFill>
+              <a:latin typeface="Times New Roman" panose="02020603050405020304" pitchFamily="18" charset="0"/>
+              <a:cs typeface="Times New Roman" panose="02020603050405020304" pitchFamily="18" charset="0"/>
+            </a:endParaRPr>
+          </a:p>
+        </p:txBody>
+      </p:sp>
+      <p:cxnSp>
+        <p:nvCxnSpPr>
+          <p:cNvPr id="5" name="Straight Connector 4"/>
+          <p:cNvCxnSpPr>
+            <a:endCxn id="4" idx="4"/>
+          </p:cNvCxnSpPr>
+          <p:nvPr/>
+        </p:nvCxnSpPr>
+        <p:spPr>
+          <a:xfrm flipV="1">
+            <a:off x="370487" y="5896021"/>
+            <a:ext cx="329668" cy="352380"/>
+          </a:xfrm>
+          <a:prstGeom prst="line">
+            <a:avLst/>
+          </a:prstGeom>
+          <a:ln w="19050">
+            <a:solidFill>
+              <a:schemeClr val="tx1"/>
+            </a:solidFill>
+          </a:ln>
+        </p:spPr>
+        <p:style>
+          <a:lnRef idx="1">
+            <a:schemeClr val="accent1"/>
+          </a:lnRef>
+          <a:fillRef idx="0">
+            <a:schemeClr val="accent1"/>
+          </a:fillRef>
+          <a:effectRef idx="0">
+            <a:schemeClr val="accent1"/>
+          </a:effectRef>
+          <a:fontRef idx="minor">
+            <a:schemeClr val="tx1"/>
+          </a:fontRef>
+        </p:style>
+      </p:cxnSp>
+      <p:cxnSp>
+        <p:nvCxnSpPr>
+          <p:cNvPr id="6" name="Straight Connector 5"/>
+          <p:cNvCxnSpPr>
+            <a:stCxn id="3" idx="0"/>
+            <a:endCxn id="4" idx="4"/>
+          </p:cNvCxnSpPr>
+          <p:nvPr/>
+        </p:nvCxnSpPr>
+        <p:spPr>
+          <a:xfrm flipH="1" flipV="1">
+            <a:off x="700155" y="5896021"/>
+            <a:ext cx="293892" cy="353649"/>
+          </a:xfrm>
+          <a:prstGeom prst="line">
+            <a:avLst/>
+          </a:prstGeom>
+          <a:ln w="19050">
+            <a:solidFill>
+              <a:schemeClr val="tx1"/>
+            </a:solidFill>
+          </a:ln>
+        </p:spPr>
+        <p:style>
+          <a:lnRef idx="1">
+            <a:schemeClr val="accent1"/>
+          </a:lnRef>
+          <a:fillRef idx="0">
+            <a:schemeClr val="accent1"/>
+          </a:fillRef>
+          <a:effectRef idx="0">
+            <a:schemeClr val="accent1"/>
+          </a:effectRef>
+          <a:fontRef idx="minor">
+            <a:schemeClr val="tx1"/>
+          </a:fontRef>
+        </p:style>
+      </p:cxnSp>
+      <p:sp>
+        <p:nvSpPr>
+          <p:cNvPr id="7" name="Oval 6"/>
+          <p:cNvSpPr/>
+          <p:nvPr/>
+        </p:nvSpPr>
+        <p:spPr>
+          <a:xfrm>
+            <a:off x="1303241" y="6249670"/>
+            <a:ext cx="457200" cy="457200"/>
+          </a:xfrm>
+          <a:prstGeom prst="ellipse">
+            <a:avLst/>
+          </a:prstGeom>
+          <a:noFill/>
+          <a:ln w="19050">
+            <a:solidFill>
+              <a:schemeClr val="tx1"/>
+            </a:solidFill>
+          </a:ln>
+        </p:spPr>
+        <p:style>
+          <a:lnRef idx="2">
+            <a:schemeClr val="accent1">
+              <a:shade val="50000"/>
+            </a:schemeClr>
+          </a:lnRef>
+          <a:fillRef idx="1">
+            <a:schemeClr val="accent1"/>
+          </a:fillRef>
+          <a:effectRef idx="0">
+            <a:schemeClr val="accent1"/>
+          </a:effectRef>
+          <a:fontRef idx="minor">
+            <a:schemeClr val="lt1"/>
+          </a:fontRef>
+        </p:style>
+        <p:txBody>
+          <a:bodyPr rot="0" spcFirstLastPara="0" vert="horz" wrap="square" lIns="91440" tIns="45720" rIns="91440" bIns="45720" numCol="1" spcCol="0" rtlCol="0" fromWordArt="0" anchor="ctr" anchorCtr="0" forceAA="0" compatLnSpc="1">
+            <a:prstTxWarp prst="textNoShape">
+              <a:avLst/>
+            </a:prstTxWarp>
+            <a:noAutofit/>
+          </a:bodyPr>
+          <a:lstStyle/>
+          <a:p>
+            <a:r>
+              <a:rPr lang="en-US" sz="900" b="1" dirty="0" smtClean="0">
+                <a:solidFill>
+                  <a:prstClr val="black"/>
+                </a:solidFill>
+                <a:latin typeface="Times New Roman" panose="02020603050405020304" pitchFamily="18" charset="0"/>
+                <a:cs typeface="Times New Roman" panose="02020603050405020304" pitchFamily="18" charset="0"/>
+              </a:rPr>
+              <a:t>C</a:t>
+            </a:r>
+            <a:r>
+              <a:rPr lang="en-US" sz="900" b="1" baseline="-25000" dirty="0" smtClean="0">
+                <a:solidFill>
+                  <a:prstClr val="black"/>
+                </a:solidFill>
+                <a:latin typeface="Times New Roman" panose="02020603050405020304" pitchFamily="18" charset="0"/>
+                <a:cs typeface="Times New Roman" panose="02020603050405020304" pitchFamily="18" charset="0"/>
+              </a:rPr>
+              <a:t>0</a:t>
+            </a:r>
+            <a:endParaRPr lang="en-US" sz="900" b="1" dirty="0"/>
+          </a:p>
+        </p:txBody>
+      </p:sp>
+      <p:sp>
+        <p:nvSpPr>
+          <p:cNvPr id="8" name="Oval 7"/>
+          <p:cNvSpPr/>
+          <p:nvPr/>
+        </p:nvSpPr>
+        <p:spPr>
+          <a:xfrm>
+            <a:off x="1924804" y="6249670"/>
+            <a:ext cx="457200" cy="457200"/>
+          </a:xfrm>
+          <a:prstGeom prst="ellipse">
+            <a:avLst/>
+          </a:prstGeom>
+          <a:noFill/>
+          <a:ln w="19050">
+            <a:solidFill>
+              <a:schemeClr val="tx1"/>
+            </a:solidFill>
+          </a:ln>
+        </p:spPr>
+        <p:style>
+          <a:lnRef idx="2">
+            <a:schemeClr val="accent1">
+              <a:shade val="50000"/>
+            </a:schemeClr>
+          </a:lnRef>
+          <a:fillRef idx="1">
+            <a:schemeClr val="accent1"/>
+          </a:fillRef>
+          <a:effectRef idx="0">
+            <a:schemeClr val="accent1"/>
+          </a:effectRef>
+          <a:fontRef idx="minor">
+            <a:schemeClr val="lt1"/>
+          </a:fontRef>
+        </p:style>
+        <p:txBody>
+          <a:bodyPr rot="0" spcFirstLastPara="0" vert="horz" wrap="square" lIns="91440" tIns="45720" rIns="91440" bIns="45720" numCol="1" spcCol="0" rtlCol="0" fromWordArt="0" anchor="ctr" anchorCtr="0" forceAA="0" compatLnSpc="1">
+            <a:prstTxWarp prst="textNoShape">
+              <a:avLst/>
+            </a:prstTxWarp>
+            <a:noAutofit/>
+          </a:bodyPr>
+          <a:lstStyle/>
+          <a:p>
+            <a:r>
+              <a:rPr lang="en-US" sz="900" b="1" dirty="0" smtClean="0">
+                <a:solidFill>
+                  <a:prstClr val="black"/>
+                </a:solidFill>
+                <a:latin typeface="Times New Roman" panose="02020603050405020304" pitchFamily="18" charset="0"/>
+                <a:cs typeface="Times New Roman" panose="02020603050405020304" pitchFamily="18" charset="0"/>
+              </a:rPr>
+              <a:t>D</a:t>
+            </a:r>
+            <a:r>
+              <a:rPr lang="en-US" sz="900" b="1" baseline="-25000" dirty="0" smtClean="0">
+                <a:solidFill>
+                  <a:prstClr val="black"/>
+                </a:solidFill>
+                <a:latin typeface="Times New Roman" panose="02020603050405020304" pitchFamily="18" charset="0"/>
+                <a:cs typeface="Times New Roman" panose="02020603050405020304" pitchFamily="18" charset="0"/>
+              </a:rPr>
+              <a:t>0</a:t>
+            </a:r>
+            <a:endParaRPr lang="en-US" sz="900" b="1" dirty="0"/>
+          </a:p>
+        </p:txBody>
+      </p:sp>
+      <p:sp>
+        <p:nvSpPr>
+          <p:cNvPr id="9" name="Oval 8"/>
+          <p:cNvSpPr/>
+          <p:nvPr/>
+        </p:nvSpPr>
+        <p:spPr>
+          <a:xfrm>
+            <a:off x="1630912" y="5438821"/>
+            <a:ext cx="457200" cy="457200"/>
+          </a:xfrm>
+          <a:prstGeom prst="ellipse">
+            <a:avLst/>
+          </a:prstGeom>
+          <a:noFill/>
+          <a:ln w="19050">
+            <a:solidFill>
+              <a:schemeClr val="tx1"/>
+            </a:solidFill>
+          </a:ln>
+        </p:spPr>
+        <p:style>
+          <a:lnRef idx="2">
+            <a:schemeClr val="accent1">
+              <a:shade val="50000"/>
+            </a:schemeClr>
+          </a:lnRef>
+          <a:fillRef idx="1">
+            <a:schemeClr val="accent1"/>
+          </a:fillRef>
+          <a:effectRef idx="0">
+            <a:schemeClr val="accent1"/>
+          </a:effectRef>
+          <a:fontRef idx="minor">
+            <a:schemeClr val="lt1"/>
+          </a:fontRef>
+        </p:style>
+        <p:txBody>
+          <a:bodyPr rot="0" spcFirstLastPara="0" vert="horz" wrap="square" lIns="91440" tIns="45720" rIns="91440" bIns="45720" numCol="1" spcCol="0" rtlCol="0" fromWordArt="0" anchor="ctr" anchorCtr="0" forceAA="0" compatLnSpc="1">
+            <a:prstTxWarp prst="textNoShape">
+              <a:avLst/>
+            </a:prstTxWarp>
+            <a:noAutofit/>
+          </a:bodyPr>
+          <a:lstStyle/>
+          <a:p>
+            <a:r>
+              <a:rPr lang="en-US" sz="900" b="1" dirty="0" smtClean="0">
+                <a:solidFill>
+                  <a:schemeClr val="tx1"/>
+                </a:solidFill>
+                <a:latin typeface="Times New Roman" panose="02020603050405020304" pitchFamily="18" charset="0"/>
+                <a:cs typeface="Times New Roman" panose="02020603050405020304" pitchFamily="18" charset="0"/>
+              </a:rPr>
+              <a:t>J</a:t>
+            </a:r>
+            <a:r>
+              <a:rPr lang="en-US" sz="900" b="1" baseline="-25000" dirty="0" smtClean="0">
+                <a:solidFill>
+                  <a:schemeClr val="tx1"/>
+                </a:solidFill>
+                <a:latin typeface="Times New Roman" panose="02020603050405020304" pitchFamily="18" charset="0"/>
+                <a:cs typeface="Times New Roman" panose="02020603050405020304" pitchFamily="18" charset="0"/>
+              </a:rPr>
+              <a:t>1</a:t>
+            </a:r>
+            <a:endParaRPr lang="en-US" sz="900" b="1" baseline="-25000" dirty="0">
+              <a:solidFill>
+                <a:schemeClr val="tx1"/>
+              </a:solidFill>
+              <a:latin typeface="Times New Roman" panose="02020603050405020304" pitchFamily="18" charset="0"/>
+              <a:cs typeface="Times New Roman" panose="02020603050405020304" pitchFamily="18" charset="0"/>
+            </a:endParaRPr>
+          </a:p>
+        </p:txBody>
+      </p:sp>
+      <p:cxnSp>
+        <p:nvCxnSpPr>
+          <p:cNvPr id="10" name="Straight Connector 9"/>
+          <p:cNvCxnSpPr/>
+          <p:nvPr/>
+        </p:nvCxnSpPr>
+        <p:spPr>
+          <a:xfrm flipV="1">
+            <a:off x="1529844" y="5896021"/>
+            <a:ext cx="329668" cy="352380"/>
+          </a:xfrm>
+          <a:prstGeom prst="line">
+            <a:avLst/>
+          </a:prstGeom>
+          <a:ln w="19050">
+            <a:solidFill>
+              <a:schemeClr val="tx1"/>
+            </a:solidFill>
+          </a:ln>
+        </p:spPr>
+        <p:style>
+          <a:lnRef idx="1">
+            <a:schemeClr val="accent1"/>
+          </a:lnRef>
+          <a:fillRef idx="0">
+            <a:schemeClr val="accent1"/>
+          </a:fillRef>
+          <a:effectRef idx="0">
+            <a:schemeClr val="accent1"/>
+          </a:effectRef>
+          <a:fontRef idx="minor">
+            <a:schemeClr val="tx1"/>
+          </a:fontRef>
+        </p:style>
+      </p:cxnSp>
+      <p:cxnSp>
+        <p:nvCxnSpPr>
+          <p:cNvPr id="11" name="Straight Connector 10"/>
+          <p:cNvCxnSpPr>
+            <a:stCxn id="8" idx="0"/>
+            <a:endCxn id="9" idx="4"/>
+          </p:cNvCxnSpPr>
+          <p:nvPr/>
+        </p:nvCxnSpPr>
+        <p:spPr>
+          <a:xfrm flipH="1" flipV="1">
+            <a:off x="1859512" y="5896021"/>
+            <a:ext cx="293892" cy="353649"/>
+          </a:xfrm>
+          <a:prstGeom prst="line">
+            <a:avLst/>
+          </a:prstGeom>
+          <a:ln w="19050">
+            <a:solidFill>
+              <a:schemeClr val="tx1"/>
+            </a:solidFill>
+          </a:ln>
+        </p:spPr>
+        <p:style>
+          <a:lnRef idx="1">
+            <a:schemeClr val="accent1"/>
+          </a:lnRef>
+          <a:fillRef idx="0">
+            <a:schemeClr val="accent1"/>
+          </a:fillRef>
+          <a:effectRef idx="0">
+            <a:schemeClr val="accent1"/>
+          </a:effectRef>
+          <a:fontRef idx="minor">
+            <a:schemeClr val="tx1"/>
+          </a:fontRef>
+        </p:style>
+      </p:cxnSp>
+      <p:sp>
+        <p:nvSpPr>
+          <p:cNvPr id="13" name="Oval 12"/>
+          <p:cNvSpPr/>
+          <p:nvPr/>
+        </p:nvSpPr>
+        <p:spPr>
+          <a:xfrm>
+            <a:off x="2488726" y="6249670"/>
+            <a:ext cx="457200" cy="457200"/>
+          </a:xfrm>
+          <a:prstGeom prst="ellipse">
+            <a:avLst/>
+          </a:prstGeom>
+          <a:noFill/>
+          <a:ln w="19050">
+            <a:solidFill>
+              <a:schemeClr val="tx1"/>
+            </a:solidFill>
+          </a:ln>
+        </p:spPr>
+        <p:style>
+          <a:lnRef idx="2">
+            <a:schemeClr val="accent1">
+              <a:shade val="50000"/>
+            </a:schemeClr>
+          </a:lnRef>
+          <a:fillRef idx="1">
+            <a:schemeClr val="accent1"/>
+          </a:fillRef>
+          <a:effectRef idx="0">
+            <a:schemeClr val="accent1"/>
+          </a:effectRef>
+          <a:fontRef idx="minor">
+            <a:schemeClr val="lt1"/>
+          </a:fontRef>
+        </p:style>
+        <p:txBody>
+          <a:bodyPr rot="0" spcFirstLastPara="0" vert="horz" wrap="square" lIns="91440" tIns="45720" rIns="91440" bIns="45720" numCol="1" spcCol="0" rtlCol="0" fromWordArt="0" anchor="ctr" anchorCtr="0" forceAA="0" compatLnSpc="1">
+            <a:prstTxWarp prst="textNoShape">
+              <a:avLst/>
+            </a:prstTxWarp>
+            <a:noAutofit/>
+          </a:bodyPr>
+          <a:lstStyle/>
+          <a:p>
+            <a:r>
+              <a:rPr lang="en-US" sz="900" b="1" dirty="0" smtClean="0">
+                <a:solidFill>
+                  <a:prstClr val="black"/>
+                </a:solidFill>
+                <a:latin typeface="Times New Roman" panose="02020603050405020304" pitchFamily="18" charset="0"/>
+                <a:cs typeface="Times New Roman" panose="02020603050405020304" pitchFamily="18" charset="0"/>
+              </a:rPr>
+              <a:t>E</a:t>
+            </a:r>
+            <a:r>
+              <a:rPr lang="en-US" sz="900" b="1" baseline="-25000" dirty="0" smtClean="0">
+                <a:solidFill>
+                  <a:prstClr val="black"/>
+                </a:solidFill>
+                <a:latin typeface="Times New Roman" panose="02020603050405020304" pitchFamily="18" charset="0"/>
+                <a:cs typeface="Times New Roman" panose="02020603050405020304" pitchFamily="18" charset="0"/>
+              </a:rPr>
+              <a:t>0</a:t>
+            </a:r>
+            <a:endParaRPr lang="en-US" sz="900" b="1" dirty="0"/>
+          </a:p>
+        </p:txBody>
+      </p:sp>
+      <p:sp>
+        <p:nvSpPr>
+          <p:cNvPr id="14" name="Oval 13"/>
+          <p:cNvSpPr/>
+          <p:nvPr/>
+        </p:nvSpPr>
+        <p:spPr>
+          <a:xfrm>
+            <a:off x="3035239" y="6248401"/>
+            <a:ext cx="457200" cy="457200"/>
+          </a:xfrm>
+          <a:prstGeom prst="ellipse">
+            <a:avLst/>
+          </a:prstGeom>
+          <a:noFill/>
+          <a:ln w="19050">
+            <a:solidFill>
+              <a:schemeClr val="tx1"/>
+            </a:solidFill>
+          </a:ln>
+        </p:spPr>
+        <p:style>
+          <a:lnRef idx="2">
+            <a:schemeClr val="accent1">
+              <a:shade val="50000"/>
+            </a:schemeClr>
+          </a:lnRef>
+          <a:fillRef idx="1">
+            <a:schemeClr val="accent1"/>
+          </a:fillRef>
+          <a:effectRef idx="0">
+            <a:schemeClr val="accent1"/>
+          </a:effectRef>
+          <a:fontRef idx="minor">
+            <a:schemeClr val="lt1"/>
+          </a:fontRef>
+        </p:style>
+        <p:txBody>
+          <a:bodyPr rot="0" spcFirstLastPara="0" vert="horz" wrap="square" lIns="91440" tIns="45720" rIns="91440" bIns="45720" numCol="1" spcCol="0" rtlCol="0" fromWordArt="0" anchor="ctr" anchorCtr="0" forceAA="0" compatLnSpc="1">
+            <a:prstTxWarp prst="textNoShape">
+              <a:avLst/>
+            </a:prstTxWarp>
+            <a:noAutofit/>
+          </a:bodyPr>
+          <a:lstStyle/>
+          <a:p>
+            <a:r>
+              <a:rPr lang="en-US" sz="900" b="1" dirty="0" smtClean="0">
+                <a:solidFill>
+                  <a:prstClr val="black"/>
+                </a:solidFill>
+                <a:latin typeface="Times New Roman" panose="02020603050405020304" pitchFamily="18" charset="0"/>
+                <a:cs typeface="Times New Roman" panose="02020603050405020304" pitchFamily="18" charset="0"/>
+              </a:rPr>
+              <a:t>F</a:t>
+            </a:r>
+            <a:r>
+              <a:rPr lang="en-US" sz="900" b="1" baseline="-25000" dirty="0" smtClean="0">
+                <a:solidFill>
+                  <a:prstClr val="black"/>
+                </a:solidFill>
+                <a:latin typeface="Times New Roman" panose="02020603050405020304" pitchFamily="18" charset="0"/>
+                <a:cs typeface="Times New Roman" panose="02020603050405020304" pitchFamily="18" charset="0"/>
+              </a:rPr>
+              <a:t>0</a:t>
+            </a:r>
+            <a:endParaRPr lang="en-US" sz="900" b="1" dirty="0"/>
+          </a:p>
+        </p:txBody>
+      </p:sp>
+      <p:sp>
+        <p:nvSpPr>
+          <p:cNvPr id="15" name="Oval 14"/>
+          <p:cNvSpPr/>
+          <p:nvPr/>
+        </p:nvSpPr>
+        <p:spPr>
+          <a:xfrm>
+            <a:off x="3569227" y="6248401"/>
+            <a:ext cx="457200" cy="457200"/>
+          </a:xfrm>
+          <a:prstGeom prst="ellipse">
+            <a:avLst/>
+          </a:prstGeom>
+          <a:noFill/>
+          <a:ln w="19050">
+            <a:solidFill>
+              <a:schemeClr val="tx1"/>
+            </a:solidFill>
+          </a:ln>
+        </p:spPr>
+        <p:style>
+          <a:lnRef idx="2">
+            <a:schemeClr val="accent1">
+              <a:shade val="50000"/>
+            </a:schemeClr>
+          </a:lnRef>
+          <a:fillRef idx="1">
+            <a:schemeClr val="accent1"/>
+          </a:fillRef>
+          <a:effectRef idx="0">
+            <a:schemeClr val="accent1"/>
+          </a:effectRef>
+          <a:fontRef idx="minor">
+            <a:schemeClr val="lt1"/>
+          </a:fontRef>
+        </p:style>
+        <p:txBody>
+          <a:bodyPr rot="0" spcFirstLastPara="0" vert="horz" wrap="square" lIns="91440" tIns="45720" rIns="91440" bIns="45720" numCol="1" spcCol="0" rtlCol="0" fromWordArt="0" anchor="ctr" anchorCtr="0" forceAA="0" compatLnSpc="1">
+            <a:prstTxWarp prst="textNoShape">
+              <a:avLst/>
+            </a:prstTxWarp>
+            <a:noAutofit/>
+          </a:bodyPr>
+          <a:lstStyle/>
+          <a:p>
+            <a:r>
+              <a:rPr lang="en-US" sz="900" b="1" dirty="0" smtClean="0">
+                <a:solidFill>
+                  <a:prstClr val="black"/>
+                </a:solidFill>
+                <a:latin typeface="Times New Roman" panose="02020603050405020304" pitchFamily="18" charset="0"/>
+                <a:cs typeface="Times New Roman" panose="02020603050405020304" pitchFamily="18" charset="0"/>
+              </a:rPr>
+              <a:t>G</a:t>
+            </a:r>
+            <a:r>
+              <a:rPr lang="en-US" sz="900" b="1" baseline="-25000" dirty="0" smtClean="0">
+                <a:solidFill>
+                  <a:prstClr val="black"/>
+                </a:solidFill>
+                <a:latin typeface="Times New Roman" panose="02020603050405020304" pitchFamily="18" charset="0"/>
+                <a:cs typeface="Times New Roman" panose="02020603050405020304" pitchFamily="18" charset="0"/>
+              </a:rPr>
+              <a:t>0</a:t>
+            </a:r>
+            <a:endParaRPr lang="en-US" sz="900" b="1" dirty="0"/>
+          </a:p>
+        </p:txBody>
+      </p:sp>
+      <p:sp>
+        <p:nvSpPr>
+          <p:cNvPr id="16" name="Oval 15"/>
+          <p:cNvSpPr/>
+          <p:nvPr/>
+        </p:nvSpPr>
+        <p:spPr>
+          <a:xfrm>
+            <a:off x="4132467" y="6248401"/>
+            <a:ext cx="457200" cy="457200"/>
+          </a:xfrm>
+          <a:prstGeom prst="ellipse">
+            <a:avLst/>
+          </a:prstGeom>
+          <a:noFill/>
+          <a:ln w="19050">
+            <a:solidFill>
+              <a:schemeClr val="tx1"/>
+            </a:solidFill>
+          </a:ln>
+        </p:spPr>
+        <p:style>
+          <a:lnRef idx="2">
+            <a:schemeClr val="accent1">
+              <a:shade val="50000"/>
+            </a:schemeClr>
+          </a:lnRef>
+          <a:fillRef idx="1">
+            <a:schemeClr val="accent1"/>
+          </a:fillRef>
+          <a:effectRef idx="0">
+            <a:schemeClr val="accent1"/>
+          </a:effectRef>
+          <a:fontRef idx="minor">
+            <a:schemeClr val="lt1"/>
+          </a:fontRef>
+        </p:style>
+        <p:txBody>
+          <a:bodyPr rot="0" spcFirstLastPara="0" vert="horz" wrap="square" lIns="91440" tIns="45720" rIns="91440" bIns="45720" numCol="1" spcCol="0" rtlCol="0" fromWordArt="0" anchor="ctr" anchorCtr="0" forceAA="0" compatLnSpc="1">
+            <a:prstTxWarp prst="textNoShape">
+              <a:avLst/>
+            </a:prstTxWarp>
+            <a:noAutofit/>
+          </a:bodyPr>
+          <a:lstStyle/>
+          <a:p>
+            <a:r>
+              <a:rPr lang="en-US" sz="900" b="1" dirty="0" smtClean="0">
+                <a:solidFill>
+                  <a:prstClr val="black"/>
+                </a:solidFill>
+                <a:latin typeface="Times New Roman" panose="02020603050405020304" pitchFamily="18" charset="0"/>
+                <a:cs typeface="Times New Roman" panose="02020603050405020304" pitchFamily="18" charset="0"/>
+              </a:rPr>
+              <a:t>H</a:t>
+            </a:r>
+            <a:r>
+              <a:rPr lang="en-US" sz="900" b="1" baseline="-25000" dirty="0" smtClean="0">
+                <a:solidFill>
+                  <a:prstClr val="black"/>
+                </a:solidFill>
+                <a:latin typeface="Times New Roman" panose="02020603050405020304" pitchFamily="18" charset="0"/>
+                <a:cs typeface="Times New Roman" panose="02020603050405020304" pitchFamily="18" charset="0"/>
+              </a:rPr>
+              <a:t>0</a:t>
+            </a:r>
+            <a:endParaRPr lang="en-US" sz="900" b="1" dirty="0"/>
+          </a:p>
+        </p:txBody>
+      </p:sp>
+      <p:cxnSp>
+        <p:nvCxnSpPr>
+          <p:cNvPr id="17" name="Straight Connector 16"/>
+          <p:cNvCxnSpPr/>
+          <p:nvPr/>
+        </p:nvCxnSpPr>
+        <p:spPr>
+          <a:xfrm flipV="1">
+            <a:off x="2675122" y="5894752"/>
+            <a:ext cx="329668" cy="352380"/>
+          </a:xfrm>
+          <a:prstGeom prst="line">
+            <a:avLst/>
+          </a:prstGeom>
+          <a:ln w="19050">
+            <a:solidFill>
+              <a:schemeClr val="tx1"/>
+            </a:solidFill>
+          </a:ln>
+        </p:spPr>
+        <p:style>
+          <a:lnRef idx="1">
+            <a:schemeClr val="accent1"/>
+          </a:lnRef>
+          <a:fillRef idx="0">
+            <a:schemeClr val="accent1"/>
+          </a:fillRef>
+          <a:effectRef idx="0">
+            <a:schemeClr val="accent1"/>
+          </a:effectRef>
+          <a:fontRef idx="minor">
+            <a:schemeClr val="tx1"/>
+          </a:fontRef>
+        </p:style>
+      </p:cxnSp>
+      <p:cxnSp>
+        <p:nvCxnSpPr>
+          <p:cNvPr id="18" name="Straight Connector 17"/>
+          <p:cNvCxnSpPr/>
+          <p:nvPr/>
+        </p:nvCxnSpPr>
+        <p:spPr>
+          <a:xfrm flipH="1" flipV="1">
+            <a:off x="3004790" y="5894752"/>
+            <a:ext cx="293892" cy="353649"/>
+          </a:xfrm>
+          <a:prstGeom prst="line">
+            <a:avLst/>
+          </a:prstGeom>
+          <a:ln w="19050">
+            <a:solidFill>
+              <a:schemeClr val="tx1"/>
+            </a:solidFill>
+          </a:ln>
+        </p:spPr>
+        <p:style>
+          <a:lnRef idx="1">
+            <a:schemeClr val="accent1"/>
+          </a:lnRef>
+          <a:fillRef idx="0">
+            <a:schemeClr val="accent1"/>
+          </a:fillRef>
+          <a:effectRef idx="0">
+            <a:schemeClr val="accent1"/>
+          </a:effectRef>
+          <a:fontRef idx="minor">
+            <a:schemeClr val="tx1"/>
+          </a:fontRef>
+        </p:style>
+      </p:cxnSp>
+      <p:cxnSp>
+        <p:nvCxnSpPr>
+          <p:cNvPr id="19" name="Straight Connector 18"/>
+          <p:cNvCxnSpPr/>
+          <p:nvPr/>
+        </p:nvCxnSpPr>
+        <p:spPr>
+          <a:xfrm flipV="1">
+            <a:off x="3772670" y="5894752"/>
+            <a:ext cx="329668" cy="352380"/>
+          </a:xfrm>
+          <a:prstGeom prst="line">
+            <a:avLst/>
+          </a:prstGeom>
+          <a:ln w="19050">
+            <a:solidFill>
+              <a:schemeClr val="tx1"/>
+            </a:solidFill>
+          </a:ln>
+        </p:spPr>
+        <p:style>
+          <a:lnRef idx="1">
+            <a:schemeClr val="accent1"/>
+          </a:lnRef>
+          <a:fillRef idx="0">
+            <a:schemeClr val="accent1"/>
+          </a:fillRef>
+          <a:effectRef idx="0">
+            <a:schemeClr val="accent1"/>
+          </a:effectRef>
+          <a:fontRef idx="minor">
+            <a:schemeClr val="tx1"/>
+          </a:fontRef>
+        </p:style>
+      </p:cxnSp>
+      <p:cxnSp>
+        <p:nvCxnSpPr>
+          <p:cNvPr id="20" name="Straight Connector 19"/>
+          <p:cNvCxnSpPr/>
+          <p:nvPr/>
+        </p:nvCxnSpPr>
+        <p:spPr>
+          <a:xfrm flipH="1" flipV="1">
+            <a:off x="4102338" y="5894752"/>
+            <a:ext cx="293892" cy="353649"/>
+          </a:xfrm>
+          <a:prstGeom prst="line">
+            <a:avLst/>
+          </a:prstGeom>
+          <a:ln w="19050">
+            <a:solidFill>
+              <a:schemeClr val="tx1"/>
+            </a:solidFill>
+          </a:ln>
+        </p:spPr>
+        <p:style>
+          <a:lnRef idx="1">
+            <a:schemeClr val="accent1"/>
+          </a:lnRef>
+          <a:fillRef idx="0">
+            <a:schemeClr val="accent1"/>
+          </a:fillRef>
+          <a:effectRef idx="0">
+            <a:schemeClr val="accent1"/>
+          </a:effectRef>
+          <a:fontRef idx="minor">
+            <a:schemeClr val="tx1"/>
+          </a:fontRef>
+        </p:style>
+      </p:cxnSp>
+      <p:sp>
+        <p:nvSpPr>
+          <p:cNvPr id="21" name="Oval 20"/>
+          <p:cNvSpPr/>
+          <p:nvPr/>
+        </p:nvSpPr>
+        <p:spPr>
+          <a:xfrm>
+            <a:off x="2781921" y="5437552"/>
+            <a:ext cx="457200" cy="457200"/>
+          </a:xfrm>
+          <a:prstGeom prst="ellipse">
+            <a:avLst/>
+          </a:prstGeom>
+          <a:noFill/>
+          <a:ln w="19050">
+            <a:solidFill>
+              <a:schemeClr val="tx1"/>
+            </a:solidFill>
+          </a:ln>
+        </p:spPr>
+        <p:style>
+          <a:lnRef idx="2">
+            <a:schemeClr val="accent1">
+              <a:shade val="50000"/>
+            </a:schemeClr>
+          </a:lnRef>
+          <a:fillRef idx="1">
+            <a:schemeClr val="accent1"/>
+          </a:fillRef>
+          <a:effectRef idx="0">
+            <a:schemeClr val="accent1"/>
+          </a:effectRef>
+          <a:fontRef idx="minor">
+            <a:schemeClr val="lt1"/>
+          </a:fontRef>
+        </p:style>
+        <p:txBody>
+          <a:bodyPr rot="0" spcFirstLastPara="0" vert="horz" wrap="square" lIns="91440" tIns="45720" rIns="91440" bIns="45720" numCol="1" spcCol="0" rtlCol="0" fromWordArt="0" anchor="ctr" anchorCtr="0" forceAA="0" compatLnSpc="1">
+            <a:prstTxWarp prst="textNoShape">
+              <a:avLst/>
+            </a:prstTxWarp>
+            <a:noAutofit/>
+          </a:bodyPr>
+          <a:lstStyle/>
+          <a:p>
+            <a:r>
+              <a:rPr lang="en-US" sz="900" b="1" dirty="0" smtClean="0">
+                <a:solidFill>
+                  <a:schemeClr val="tx1"/>
+                </a:solidFill>
+                <a:latin typeface="Times New Roman" panose="02020603050405020304" pitchFamily="18" charset="0"/>
+                <a:cs typeface="Times New Roman" panose="02020603050405020304" pitchFamily="18" charset="0"/>
+              </a:rPr>
+              <a:t>K</a:t>
+            </a:r>
+            <a:r>
+              <a:rPr lang="en-US" sz="900" b="1" baseline="-25000" dirty="0" smtClean="0">
+                <a:solidFill>
+                  <a:schemeClr val="tx1"/>
+                </a:solidFill>
+                <a:latin typeface="Times New Roman" panose="02020603050405020304" pitchFamily="18" charset="0"/>
+                <a:cs typeface="Times New Roman" panose="02020603050405020304" pitchFamily="18" charset="0"/>
+              </a:rPr>
+              <a:t>1</a:t>
+            </a:r>
+            <a:endParaRPr lang="en-US" sz="900" b="1" baseline="-25000" dirty="0">
+              <a:solidFill>
+                <a:schemeClr val="tx1"/>
+              </a:solidFill>
+              <a:latin typeface="Times New Roman" panose="02020603050405020304" pitchFamily="18" charset="0"/>
+              <a:cs typeface="Times New Roman" panose="02020603050405020304" pitchFamily="18" charset="0"/>
+            </a:endParaRPr>
+          </a:p>
+        </p:txBody>
+      </p:sp>
+      <p:sp>
+        <p:nvSpPr>
+          <p:cNvPr id="22" name="Oval 21"/>
+          <p:cNvSpPr/>
+          <p:nvPr/>
+        </p:nvSpPr>
+        <p:spPr>
+          <a:xfrm>
+            <a:off x="3889821" y="5437552"/>
+            <a:ext cx="456579" cy="457200"/>
+          </a:xfrm>
+          <a:prstGeom prst="ellipse">
+            <a:avLst/>
+          </a:prstGeom>
+          <a:noFill/>
+          <a:ln w="19050">
+            <a:solidFill>
+              <a:schemeClr val="tx1"/>
+            </a:solidFill>
+          </a:ln>
+        </p:spPr>
+        <p:style>
+          <a:lnRef idx="2">
+            <a:schemeClr val="accent1">
+              <a:shade val="50000"/>
+            </a:schemeClr>
+          </a:lnRef>
+          <a:fillRef idx="1">
+            <a:schemeClr val="accent1"/>
+          </a:fillRef>
+          <a:effectRef idx="0">
+            <a:schemeClr val="accent1"/>
+          </a:effectRef>
+          <a:fontRef idx="minor">
+            <a:schemeClr val="lt1"/>
+          </a:fontRef>
+        </p:style>
+        <p:txBody>
+          <a:bodyPr rot="0" spcFirstLastPara="0" vert="horz" wrap="square" lIns="91440" tIns="45720" rIns="91440" bIns="45720" numCol="1" spcCol="0" rtlCol="0" fromWordArt="0" anchor="ctr" anchorCtr="0" forceAA="0" compatLnSpc="1">
+            <a:prstTxWarp prst="textNoShape">
+              <a:avLst/>
+            </a:prstTxWarp>
+            <a:noAutofit/>
+          </a:bodyPr>
+          <a:lstStyle/>
+          <a:p>
+            <a:pPr lvl="0"/>
+            <a:endParaRPr lang="en-US" sz="900" b="1" dirty="0" smtClean="0">
+              <a:solidFill>
+                <a:prstClr val="black"/>
+              </a:solidFill>
+              <a:latin typeface="Times New Roman" panose="02020603050405020304" pitchFamily="18" charset="0"/>
+              <a:cs typeface="Times New Roman" panose="02020603050405020304" pitchFamily="18" charset="0"/>
+            </a:endParaRPr>
+          </a:p>
+          <a:p>
+            <a:r>
+              <a:rPr lang="en-US" sz="900" b="1" dirty="0" smtClean="0">
+                <a:solidFill>
+                  <a:schemeClr val="tx1"/>
+                </a:solidFill>
+                <a:latin typeface="Times New Roman" panose="02020603050405020304" pitchFamily="18" charset="0"/>
+                <a:cs typeface="Times New Roman" panose="02020603050405020304" pitchFamily="18" charset="0"/>
+              </a:rPr>
+              <a:t>L</a:t>
+            </a:r>
+            <a:r>
+              <a:rPr lang="en-US" sz="900" b="1" baseline="-25000" dirty="0" smtClean="0">
+                <a:solidFill>
+                  <a:schemeClr val="tx1"/>
+                </a:solidFill>
+                <a:latin typeface="Times New Roman" panose="02020603050405020304" pitchFamily="18" charset="0"/>
+                <a:cs typeface="Times New Roman" panose="02020603050405020304" pitchFamily="18" charset="0"/>
+              </a:rPr>
+              <a:t>1</a:t>
+            </a:r>
+            <a:endParaRPr lang="en-US" sz="900" b="1" baseline="-25000" dirty="0">
+              <a:solidFill>
+                <a:schemeClr val="tx1"/>
+              </a:solidFill>
+              <a:latin typeface="Times New Roman" panose="02020603050405020304" pitchFamily="18" charset="0"/>
+              <a:cs typeface="Times New Roman" panose="02020603050405020304" pitchFamily="18" charset="0"/>
+            </a:endParaRPr>
+          </a:p>
+          <a:p>
+            <a:endParaRPr lang="en-US" sz="1000" b="1" baseline="-25000" dirty="0">
+              <a:solidFill>
+                <a:schemeClr val="tx1"/>
+              </a:solidFill>
+              <a:latin typeface="Times New Roman" panose="02020603050405020304" pitchFamily="18" charset="0"/>
+              <a:cs typeface="Times New Roman" panose="02020603050405020304" pitchFamily="18" charset="0"/>
+            </a:endParaRPr>
+          </a:p>
+        </p:txBody>
+      </p:sp>
+      <p:sp>
+        <p:nvSpPr>
+          <p:cNvPr id="24" name="Oval 23"/>
+          <p:cNvSpPr/>
+          <p:nvPr/>
+        </p:nvSpPr>
+        <p:spPr>
+          <a:xfrm>
+            <a:off x="3365231" y="4568608"/>
+            <a:ext cx="457200" cy="457200"/>
+          </a:xfrm>
+          <a:prstGeom prst="ellipse">
+            <a:avLst/>
+          </a:prstGeom>
+          <a:noFill/>
+          <a:ln w="19050">
+            <a:solidFill>
+              <a:schemeClr val="tx1"/>
+            </a:solidFill>
+          </a:ln>
+        </p:spPr>
+        <p:style>
+          <a:lnRef idx="2">
+            <a:schemeClr val="accent1">
+              <a:shade val="50000"/>
+            </a:schemeClr>
+          </a:lnRef>
+          <a:fillRef idx="1">
+            <a:schemeClr val="accent1"/>
+          </a:fillRef>
+          <a:effectRef idx="0">
+            <a:schemeClr val="accent1"/>
+          </a:effectRef>
+          <a:fontRef idx="minor">
+            <a:schemeClr val="lt1"/>
+          </a:fontRef>
+        </p:style>
+        <p:txBody>
+          <a:bodyPr rot="0" spcFirstLastPara="0" vert="horz" wrap="square" lIns="91440" tIns="45720" rIns="91440" bIns="45720" numCol="1" spcCol="0" rtlCol="0" fromWordArt="0" anchor="ctr" anchorCtr="0" forceAA="0" compatLnSpc="1">
+            <a:prstTxWarp prst="textNoShape">
+              <a:avLst/>
+            </a:prstTxWarp>
+            <a:noAutofit/>
+          </a:bodyPr>
+          <a:lstStyle/>
+          <a:p>
+            <a:r>
+              <a:rPr lang="en-US" sz="900" b="1" dirty="0" smtClean="0">
+                <a:solidFill>
+                  <a:schemeClr val="tx1"/>
+                </a:solidFill>
+                <a:latin typeface="Times New Roman" panose="02020603050405020304" pitchFamily="18" charset="0"/>
+                <a:cs typeface="Times New Roman" panose="02020603050405020304" pitchFamily="18" charset="0"/>
+              </a:rPr>
+              <a:t>N</a:t>
+            </a:r>
+            <a:r>
+              <a:rPr lang="en-US" sz="900" b="1" baseline="-25000" dirty="0" smtClean="0">
+                <a:solidFill>
+                  <a:schemeClr val="tx1"/>
+                </a:solidFill>
+                <a:latin typeface="Times New Roman" panose="02020603050405020304" pitchFamily="18" charset="0"/>
+                <a:cs typeface="Times New Roman" panose="02020603050405020304" pitchFamily="18" charset="0"/>
+              </a:rPr>
+              <a:t>2</a:t>
+            </a:r>
+            <a:endParaRPr lang="en-US" sz="900" b="1" baseline="-25000" dirty="0">
+              <a:solidFill>
+                <a:schemeClr val="tx1"/>
+              </a:solidFill>
+              <a:latin typeface="Times New Roman" panose="02020603050405020304" pitchFamily="18" charset="0"/>
+              <a:cs typeface="Times New Roman" panose="02020603050405020304" pitchFamily="18" charset="0"/>
+            </a:endParaRPr>
+          </a:p>
+        </p:txBody>
+      </p:sp>
+      <p:cxnSp>
+        <p:nvCxnSpPr>
+          <p:cNvPr id="25" name="Straight Connector 24"/>
+          <p:cNvCxnSpPr>
+            <a:stCxn id="4" idx="0"/>
+          </p:cNvCxnSpPr>
+          <p:nvPr/>
+        </p:nvCxnSpPr>
+        <p:spPr>
+          <a:xfrm flipV="1">
+            <a:off x="700155" y="5025808"/>
+            <a:ext cx="621774" cy="413013"/>
+          </a:xfrm>
+          <a:prstGeom prst="line">
+            <a:avLst/>
+          </a:prstGeom>
+          <a:ln w="19050">
+            <a:solidFill>
+              <a:schemeClr val="tx1"/>
+            </a:solidFill>
+          </a:ln>
+        </p:spPr>
+        <p:style>
+          <a:lnRef idx="1">
+            <a:schemeClr val="accent1"/>
+          </a:lnRef>
+          <a:fillRef idx="0">
+            <a:schemeClr val="accent1"/>
+          </a:fillRef>
+          <a:effectRef idx="0">
+            <a:schemeClr val="accent1"/>
+          </a:effectRef>
+          <a:fontRef idx="minor">
+            <a:schemeClr val="tx1"/>
+          </a:fontRef>
+        </p:style>
+      </p:cxnSp>
+      <p:cxnSp>
+        <p:nvCxnSpPr>
+          <p:cNvPr id="26" name="Straight Connector 25"/>
+          <p:cNvCxnSpPr>
+            <a:stCxn id="9" idx="0"/>
+          </p:cNvCxnSpPr>
+          <p:nvPr/>
+        </p:nvCxnSpPr>
+        <p:spPr>
+          <a:xfrm flipH="1" flipV="1">
+            <a:off x="1321929" y="5025808"/>
+            <a:ext cx="537583" cy="413013"/>
+          </a:xfrm>
+          <a:prstGeom prst="line">
+            <a:avLst/>
+          </a:prstGeom>
+          <a:ln w="19050">
+            <a:solidFill>
+              <a:schemeClr val="tx1"/>
+            </a:solidFill>
+          </a:ln>
+        </p:spPr>
+        <p:style>
+          <a:lnRef idx="1">
+            <a:schemeClr val="accent1"/>
+          </a:lnRef>
+          <a:fillRef idx="0">
+            <a:schemeClr val="accent1"/>
+          </a:fillRef>
+          <a:effectRef idx="0">
+            <a:schemeClr val="accent1"/>
+          </a:effectRef>
+          <a:fontRef idx="minor">
+            <a:schemeClr val="tx1"/>
+          </a:fontRef>
+        </p:style>
+      </p:cxnSp>
+      <p:cxnSp>
+        <p:nvCxnSpPr>
+          <p:cNvPr id="27" name="Straight Connector 26"/>
+          <p:cNvCxnSpPr/>
+          <p:nvPr/>
+        </p:nvCxnSpPr>
+        <p:spPr>
+          <a:xfrm flipV="1">
+            <a:off x="2951371" y="5025808"/>
+            <a:ext cx="642460" cy="413013"/>
+          </a:xfrm>
+          <a:prstGeom prst="line">
+            <a:avLst/>
+          </a:prstGeom>
+          <a:ln w="19050">
+            <a:solidFill>
+              <a:schemeClr val="tx1"/>
+            </a:solidFill>
+          </a:ln>
+        </p:spPr>
+        <p:style>
+          <a:lnRef idx="1">
+            <a:schemeClr val="accent1"/>
+          </a:lnRef>
+          <a:fillRef idx="0">
+            <a:schemeClr val="accent1"/>
+          </a:fillRef>
+          <a:effectRef idx="0">
+            <a:schemeClr val="accent1"/>
+          </a:effectRef>
+          <a:fontRef idx="minor">
+            <a:schemeClr val="tx1"/>
+          </a:fontRef>
+        </p:style>
+      </p:cxnSp>
+      <p:cxnSp>
+        <p:nvCxnSpPr>
+          <p:cNvPr id="28" name="Straight Connector 27"/>
+          <p:cNvCxnSpPr/>
+          <p:nvPr/>
+        </p:nvCxnSpPr>
+        <p:spPr>
+          <a:xfrm flipH="1" flipV="1">
+            <a:off x="3593831" y="5025808"/>
+            <a:ext cx="516897" cy="413013"/>
+          </a:xfrm>
+          <a:prstGeom prst="line">
+            <a:avLst/>
+          </a:prstGeom>
+          <a:ln w="19050">
+            <a:solidFill>
+              <a:schemeClr val="tx1"/>
+            </a:solidFill>
+          </a:ln>
+        </p:spPr>
+        <p:style>
+          <a:lnRef idx="1">
+            <a:schemeClr val="accent1"/>
+          </a:lnRef>
+          <a:fillRef idx="0">
+            <a:schemeClr val="accent1"/>
+          </a:fillRef>
+          <a:effectRef idx="0">
+            <a:schemeClr val="accent1"/>
+          </a:effectRef>
+          <a:fontRef idx="minor">
+            <a:schemeClr val="tx1"/>
+          </a:fontRef>
+        </p:style>
+      </p:cxnSp>
+      <p:sp>
+        <p:nvSpPr>
+          <p:cNvPr id="29" name="Oval 28"/>
+          <p:cNvSpPr/>
+          <p:nvPr/>
+        </p:nvSpPr>
+        <p:spPr>
+          <a:xfrm>
+            <a:off x="2217922" y="3771900"/>
+            <a:ext cx="457200" cy="457200"/>
+          </a:xfrm>
+          <a:prstGeom prst="ellipse">
+            <a:avLst/>
+          </a:prstGeom>
+          <a:noFill/>
+          <a:ln w="19050">
+            <a:solidFill>
+              <a:schemeClr val="tx1"/>
+            </a:solidFill>
+          </a:ln>
+        </p:spPr>
+        <p:style>
+          <a:lnRef idx="2">
+            <a:schemeClr val="accent1">
+              <a:shade val="50000"/>
+            </a:schemeClr>
+          </a:lnRef>
+          <a:fillRef idx="1">
+            <a:schemeClr val="accent1"/>
+          </a:fillRef>
+          <a:effectRef idx="0">
+            <a:schemeClr val="accent1"/>
+          </a:effectRef>
+          <a:fontRef idx="minor">
+            <a:schemeClr val="lt1"/>
+          </a:fontRef>
+        </p:style>
+        <p:txBody>
+          <a:bodyPr rot="0" spcFirstLastPara="0" vert="horz" wrap="square" lIns="91440" tIns="45720" rIns="91440" bIns="45720" numCol="1" spcCol="0" rtlCol="0" fromWordArt="0" anchor="ctr" anchorCtr="0" forceAA="0" compatLnSpc="1">
+            <a:prstTxWarp prst="textNoShape">
+              <a:avLst/>
+            </a:prstTxWarp>
+            <a:noAutofit/>
+          </a:bodyPr>
+          <a:lstStyle/>
+          <a:p>
+            <a:r>
+              <a:rPr lang="en-US" sz="900" b="1" dirty="0" smtClean="0">
+                <a:solidFill>
+                  <a:schemeClr val="tx1"/>
+                </a:solidFill>
+                <a:latin typeface="Times New Roman" panose="02020603050405020304" pitchFamily="18" charset="0"/>
+                <a:cs typeface="Times New Roman" panose="02020603050405020304" pitchFamily="18" charset="0"/>
+              </a:rPr>
+              <a:t>O</a:t>
+            </a:r>
+            <a:r>
+              <a:rPr lang="en-US" sz="900" b="1" baseline="-25000" dirty="0" smtClean="0">
+                <a:solidFill>
+                  <a:schemeClr val="tx1"/>
+                </a:solidFill>
+                <a:latin typeface="Times New Roman" panose="02020603050405020304" pitchFamily="18" charset="0"/>
+                <a:cs typeface="Times New Roman" panose="02020603050405020304" pitchFamily="18" charset="0"/>
+              </a:rPr>
+              <a:t>3</a:t>
+            </a:r>
+            <a:endParaRPr lang="en-US" sz="900" b="1" baseline="-25000" dirty="0">
+              <a:solidFill>
+                <a:schemeClr val="tx1"/>
+              </a:solidFill>
+              <a:latin typeface="Times New Roman" panose="02020603050405020304" pitchFamily="18" charset="0"/>
+              <a:cs typeface="Times New Roman" panose="02020603050405020304" pitchFamily="18" charset="0"/>
+            </a:endParaRPr>
+          </a:p>
+          <a:p>
+            <a:endParaRPr lang="en-US" sz="900" b="1" baseline="-25000" dirty="0">
+              <a:solidFill>
+                <a:schemeClr val="tx1"/>
+              </a:solidFill>
+              <a:latin typeface="Times New Roman" panose="02020603050405020304" pitchFamily="18" charset="0"/>
+              <a:cs typeface="Times New Roman" panose="02020603050405020304" pitchFamily="18" charset="0"/>
+            </a:endParaRPr>
+          </a:p>
+        </p:txBody>
+      </p:sp>
+      <p:cxnSp>
+        <p:nvCxnSpPr>
+          <p:cNvPr id="30" name="Straight Connector 29"/>
+          <p:cNvCxnSpPr>
+            <a:endCxn id="29" idx="3"/>
+          </p:cNvCxnSpPr>
+          <p:nvPr/>
+        </p:nvCxnSpPr>
+        <p:spPr>
+          <a:xfrm flipV="1">
+            <a:off x="1309682" y="4162145"/>
+            <a:ext cx="975195" cy="406464"/>
+          </a:xfrm>
+          <a:prstGeom prst="line">
+            <a:avLst/>
+          </a:prstGeom>
+          <a:ln w="19050">
+            <a:solidFill>
+              <a:schemeClr val="tx1"/>
+            </a:solidFill>
+          </a:ln>
+        </p:spPr>
+        <p:style>
+          <a:lnRef idx="1">
+            <a:schemeClr val="accent1"/>
+          </a:lnRef>
+          <a:fillRef idx="0">
+            <a:schemeClr val="accent1"/>
+          </a:fillRef>
+          <a:effectRef idx="0">
+            <a:schemeClr val="accent1"/>
+          </a:effectRef>
+          <a:fontRef idx="minor">
+            <a:schemeClr val="tx1"/>
+          </a:fontRef>
+        </p:style>
+      </p:cxnSp>
+      <p:cxnSp>
+        <p:nvCxnSpPr>
+          <p:cNvPr id="32" name="Straight Connector 31"/>
+          <p:cNvCxnSpPr>
+            <a:stCxn id="24" idx="0"/>
+            <a:endCxn id="29" idx="5"/>
+          </p:cNvCxnSpPr>
+          <p:nvPr/>
+        </p:nvCxnSpPr>
+        <p:spPr>
+          <a:xfrm flipH="1" flipV="1">
+            <a:off x="2608167" y="4162145"/>
+            <a:ext cx="985664" cy="406463"/>
+          </a:xfrm>
+          <a:prstGeom prst="line">
+            <a:avLst/>
+          </a:prstGeom>
+          <a:ln w="19050">
+            <a:solidFill>
+              <a:schemeClr val="tx1"/>
+            </a:solidFill>
+          </a:ln>
+        </p:spPr>
+        <p:style>
+          <a:lnRef idx="1">
+            <a:schemeClr val="accent1"/>
+          </a:lnRef>
+          <a:fillRef idx="0">
+            <a:schemeClr val="accent1"/>
+          </a:fillRef>
+          <a:effectRef idx="0">
+            <a:schemeClr val="accent1"/>
+          </a:effectRef>
+          <a:fontRef idx="minor">
+            <a:schemeClr val="tx1"/>
+          </a:fontRef>
+        </p:style>
+      </p:cxnSp>
+      <p:sp>
+        <p:nvSpPr>
+          <p:cNvPr id="33" name="Oval 32"/>
+          <p:cNvSpPr/>
+          <p:nvPr/>
+        </p:nvSpPr>
+        <p:spPr>
+          <a:xfrm>
+            <a:off x="1081082" y="4568608"/>
+            <a:ext cx="457200" cy="457200"/>
+          </a:xfrm>
+          <a:prstGeom prst="ellipse">
+            <a:avLst/>
+          </a:prstGeom>
+          <a:noFill/>
+          <a:ln w="19050">
+            <a:solidFill>
+              <a:schemeClr val="tx1"/>
+            </a:solidFill>
+          </a:ln>
+        </p:spPr>
+        <p:style>
+          <a:lnRef idx="2">
+            <a:schemeClr val="accent1">
+              <a:shade val="50000"/>
+            </a:schemeClr>
+          </a:lnRef>
+          <a:fillRef idx="1">
+            <a:schemeClr val="accent1"/>
+          </a:fillRef>
+          <a:effectRef idx="0">
+            <a:schemeClr val="accent1"/>
+          </a:effectRef>
+          <a:fontRef idx="minor">
+            <a:schemeClr val="lt1"/>
+          </a:fontRef>
+        </p:style>
+        <p:txBody>
+          <a:bodyPr rot="0" spcFirstLastPara="0" vert="horz" wrap="square" lIns="91440" tIns="45720" rIns="91440" bIns="45720" numCol="1" spcCol="0" rtlCol="0" fromWordArt="0" anchor="ctr" anchorCtr="0" forceAA="0" compatLnSpc="1">
+            <a:prstTxWarp prst="textNoShape">
+              <a:avLst/>
+            </a:prstTxWarp>
+            <a:noAutofit/>
+          </a:bodyPr>
+          <a:lstStyle/>
+          <a:p>
+            <a:r>
+              <a:rPr lang="en-US" sz="850" b="1" dirty="0" smtClean="0">
+                <a:solidFill>
+                  <a:schemeClr val="tx1"/>
+                </a:solidFill>
+                <a:latin typeface="Times New Roman" panose="02020603050405020304" pitchFamily="18" charset="0"/>
+                <a:cs typeface="Times New Roman" panose="02020603050405020304" pitchFamily="18" charset="0"/>
+              </a:rPr>
+              <a:t>M</a:t>
+            </a:r>
+            <a:r>
+              <a:rPr lang="en-US" sz="850" b="1" baseline="-25000" dirty="0" smtClean="0">
+                <a:solidFill>
+                  <a:schemeClr val="tx1"/>
+                </a:solidFill>
+                <a:latin typeface="Times New Roman" panose="02020603050405020304" pitchFamily="18" charset="0"/>
+                <a:cs typeface="Times New Roman" panose="02020603050405020304" pitchFamily="18" charset="0"/>
+              </a:rPr>
+              <a:t>2</a:t>
+            </a:r>
+            <a:endParaRPr lang="en-US" sz="850" b="1" baseline="-25000" dirty="0">
+              <a:solidFill>
+                <a:schemeClr val="tx1"/>
+              </a:solidFill>
+              <a:latin typeface="Times New Roman" panose="02020603050405020304" pitchFamily="18" charset="0"/>
+              <a:cs typeface="Times New Roman" panose="02020603050405020304" pitchFamily="18" charset="0"/>
+            </a:endParaRPr>
+          </a:p>
+        </p:txBody>
+      </p:sp>
+    </p:spTree>
+    <p:extLst>
+      <p:ext uri="{BB962C8B-B14F-4D97-AF65-F5344CB8AC3E}">
+        <p14:creationId xmlns:p14="http://schemas.microsoft.com/office/powerpoint/2010/main" val="4205240897"/>
       </p:ext>
     </p:extLst>
   </p:cSld>

--- a/images/pics.pptx
+++ b/images/pics.pptx
@@ -5,7 +5,7 @@
     <p:sldMasterId id="2147483648" r:id="rId1"/>
   </p:sldMasterIdLst>
   <p:notesMasterIdLst>
-    <p:notesMasterId r:id="rId29"/>
+    <p:notesMasterId r:id="rId30"/>
   </p:notesMasterIdLst>
   <p:sldIdLst>
     <p:sldId id="257" r:id="rId2"/>
@@ -35,6 +35,7 @@
     <p:sldId id="279" r:id="rId26"/>
     <p:sldId id="283" r:id="rId27"/>
     <p:sldId id="285" r:id="rId28"/>
+    <p:sldId id="286" r:id="rId29"/>
   </p:sldIdLst>
   <p:sldSz cx="12192000" cy="6858000"/>
   <p:notesSz cx="6858000" cy="9144000"/>
@@ -234,7 +235,7 @@
           <a:p>
             <a:fld id="{4FF7AF54-2AD9-468C-807B-634631568B63}" type="datetimeFigureOut">
               <a:rPr lang="en-US" smtClean="0"/>
-              <a:t>2/16/2015</a:t>
+              <a:t>2/17/2015</a:t>
             </a:fld>
             <a:endParaRPr lang="en-US"/>
           </a:p>
@@ -717,7 +718,7 @@
           <a:p>
             <a:fld id="{844C98E4-C9EE-4E87-AFEC-1BE23205BC3C}" type="datetimeFigureOut">
               <a:rPr lang="en-US" smtClean="0"/>
-              <a:t>2/16/2015</a:t>
+              <a:t>2/17/2015</a:t>
             </a:fld>
             <a:endParaRPr lang="en-US"/>
           </a:p>
@@ -887,7 +888,7 @@
           <a:p>
             <a:fld id="{844C98E4-C9EE-4E87-AFEC-1BE23205BC3C}" type="datetimeFigureOut">
               <a:rPr lang="en-US" smtClean="0"/>
-              <a:t>2/16/2015</a:t>
+              <a:t>2/17/2015</a:t>
             </a:fld>
             <a:endParaRPr lang="en-US"/>
           </a:p>
@@ -1067,7 +1068,7 @@
           <a:p>
             <a:fld id="{844C98E4-C9EE-4E87-AFEC-1BE23205BC3C}" type="datetimeFigureOut">
               <a:rPr lang="en-US" smtClean="0"/>
-              <a:t>2/16/2015</a:t>
+              <a:t>2/17/2015</a:t>
             </a:fld>
             <a:endParaRPr lang="en-US"/>
           </a:p>
@@ -1237,7 +1238,7 @@
           <a:p>
             <a:fld id="{844C98E4-C9EE-4E87-AFEC-1BE23205BC3C}" type="datetimeFigureOut">
               <a:rPr lang="en-US" smtClean="0"/>
-              <a:t>2/16/2015</a:t>
+              <a:t>2/17/2015</a:t>
             </a:fld>
             <a:endParaRPr lang="en-US"/>
           </a:p>
@@ -1483,7 +1484,7 @@
           <a:p>
             <a:fld id="{844C98E4-C9EE-4E87-AFEC-1BE23205BC3C}" type="datetimeFigureOut">
               <a:rPr lang="en-US" smtClean="0"/>
-              <a:t>2/16/2015</a:t>
+              <a:t>2/17/2015</a:t>
             </a:fld>
             <a:endParaRPr lang="en-US"/>
           </a:p>
@@ -1715,7 +1716,7 @@
           <a:p>
             <a:fld id="{844C98E4-C9EE-4E87-AFEC-1BE23205BC3C}" type="datetimeFigureOut">
               <a:rPr lang="en-US" smtClean="0"/>
-              <a:t>2/16/2015</a:t>
+              <a:t>2/17/2015</a:t>
             </a:fld>
             <a:endParaRPr lang="en-US"/>
           </a:p>
@@ -2082,7 +2083,7 @@
           <a:p>
             <a:fld id="{844C98E4-C9EE-4E87-AFEC-1BE23205BC3C}" type="datetimeFigureOut">
               <a:rPr lang="en-US" smtClean="0"/>
-              <a:t>2/16/2015</a:t>
+              <a:t>2/17/2015</a:t>
             </a:fld>
             <a:endParaRPr lang="en-US"/>
           </a:p>
@@ -2200,7 +2201,7 @@
           <a:p>
             <a:fld id="{844C98E4-C9EE-4E87-AFEC-1BE23205BC3C}" type="datetimeFigureOut">
               <a:rPr lang="en-US" smtClean="0"/>
-              <a:t>2/16/2015</a:t>
+              <a:t>2/17/2015</a:t>
             </a:fld>
             <a:endParaRPr lang="en-US"/>
           </a:p>
@@ -2295,7 +2296,7 @@
           <a:p>
             <a:fld id="{844C98E4-C9EE-4E87-AFEC-1BE23205BC3C}" type="datetimeFigureOut">
               <a:rPr lang="en-US" smtClean="0"/>
-              <a:t>2/16/2015</a:t>
+              <a:t>2/17/2015</a:t>
             </a:fld>
             <a:endParaRPr lang="en-US"/>
           </a:p>
@@ -2572,7 +2573,7 @@
           <a:p>
             <a:fld id="{844C98E4-C9EE-4E87-AFEC-1BE23205BC3C}" type="datetimeFigureOut">
               <a:rPr lang="en-US" smtClean="0"/>
-              <a:t>2/16/2015</a:t>
+              <a:t>2/17/2015</a:t>
             </a:fld>
             <a:endParaRPr lang="en-US"/>
           </a:p>
@@ -2825,7 +2826,7 @@
           <a:p>
             <a:fld id="{844C98E4-C9EE-4E87-AFEC-1BE23205BC3C}" type="datetimeFigureOut">
               <a:rPr lang="en-US" smtClean="0"/>
-              <a:t>2/16/2015</a:t>
+              <a:t>2/17/2015</a:t>
             </a:fld>
             <a:endParaRPr lang="en-US"/>
           </a:p>
@@ -3038,7 +3039,7 @@
           <a:p>
             <a:fld id="{844C98E4-C9EE-4E87-AFEC-1BE23205BC3C}" type="datetimeFigureOut">
               <a:rPr lang="en-US" smtClean="0"/>
-              <a:t>2/16/2015</a:t>
+              <a:t>2/17/2015</a:t>
             </a:fld>
             <a:endParaRPr lang="en-US"/>
           </a:p>
@@ -28254,6 +28255,1352 @@
     <p:extLst>
       <p:ext uri="{BB962C8B-B14F-4D97-AF65-F5344CB8AC3E}">
         <p14:creationId xmlns:p14="http://schemas.microsoft.com/office/powerpoint/2010/main" val="4205240897"/>
+      </p:ext>
+    </p:extLst>
+  </p:cSld>
+  <p:clrMapOvr>
+    <a:masterClrMapping/>
+  </p:clrMapOvr>
+  <p:timing>
+    <p:tnLst>
+      <p:par>
+        <p:cTn id="1" dur="indefinite" restart="never" nodeType="tmRoot"/>
+      </p:par>
+    </p:tnLst>
+  </p:timing>
+</p:sld>
+</file>
+
+<file path=ppt/slides/slide28.xml><?xml version="1.0" encoding="utf-8"?>
+<p:sld xmlns:a="http://schemas.openxmlformats.org/drawingml/2006/main" xmlns:r="http://schemas.openxmlformats.org/officeDocument/2006/relationships" xmlns:p="http://schemas.openxmlformats.org/presentationml/2006/main">
+  <p:cSld>
+    <p:spTree>
+      <p:nvGrpSpPr>
+        <p:cNvPr id="1" name=""/>
+        <p:cNvGrpSpPr/>
+        <p:nvPr/>
+      </p:nvGrpSpPr>
+      <p:grpSpPr>
+        <a:xfrm>
+          <a:off x="0" y="0"/>
+          <a:ext cx="0" cy="0"/>
+          <a:chOff x="0" y="0"/>
+          <a:chExt cx="0" cy="0"/>
+        </a:xfrm>
+      </p:grpSpPr>
+      <p:sp>
+        <p:nvSpPr>
+          <p:cNvPr id="2" name="Oval 1"/>
+          <p:cNvSpPr/>
+          <p:nvPr/>
+        </p:nvSpPr>
+        <p:spPr>
+          <a:xfrm>
+            <a:off x="143884" y="6249670"/>
+            <a:ext cx="457200" cy="457200"/>
+          </a:xfrm>
+          <a:prstGeom prst="ellipse">
+            <a:avLst/>
+          </a:prstGeom>
+          <a:noFill/>
+          <a:ln w="19050">
+            <a:solidFill>
+              <a:schemeClr val="tx1"/>
+            </a:solidFill>
+          </a:ln>
+        </p:spPr>
+        <p:style>
+          <a:lnRef idx="2">
+            <a:schemeClr val="accent1">
+              <a:shade val="50000"/>
+            </a:schemeClr>
+          </a:lnRef>
+          <a:fillRef idx="1">
+            <a:schemeClr val="accent1"/>
+          </a:fillRef>
+          <a:effectRef idx="0">
+            <a:schemeClr val="accent1"/>
+          </a:effectRef>
+          <a:fontRef idx="minor">
+            <a:schemeClr val="lt1"/>
+          </a:fontRef>
+        </p:style>
+        <p:txBody>
+          <a:bodyPr rot="0" spcFirstLastPara="0" vert="horz" wrap="square" lIns="91440" tIns="45720" rIns="91440" bIns="45720" numCol="1" spcCol="0" rtlCol="0" fromWordArt="0" anchor="ctr" anchorCtr="0" forceAA="0" compatLnSpc="1">
+            <a:prstTxWarp prst="textNoShape">
+              <a:avLst/>
+            </a:prstTxWarp>
+            <a:noAutofit/>
+          </a:bodyPr>
+          <a:lstStyle/>
+          <a:p>
+            <a:endParaRPr lang="en-US" b="1" dirty="0"/>
+          </a:p>
+        </p:txBody>
+      </p:sp>
+      <p:sp>
+        <p:nvSpPr>
+          <p:cNvPr id="3" name="Oval 2"/>
+          <p:cNvSpPr/>
+          <p:nvPr/>
+        </p:nvSpPr>
+        <p:spPr>
+          <a:xfrm>
+            <a:off x="765447" y="6249670"/>
+            <a:ext cx="457200" cy="457200"/>
+          </a:xfrm>
+          <a:prstGeom prst="ellipse">
+            <a:avLst/>
+          </a:prstGeom>
+          <a:noFill/>
+          <a:ln w="19050">
+            <a:solidFill>
+              <a:schemeClr val="tx1"/>
+            </a:solidFill>
+          </a:ln>
+        </p:spPr>
+        <p:style>
+          <a:lnRef idx="2">
+            <a:schemeClr val="accent1">
+              <a:shade val="50000"/>
+            </a:schemeClr>
+          </a:lnRef>
+          <a:fillRef idx="1">
+            <a:schemeClr val="accent1"/>
+          </a:fillRef>
+          <a:effectRef idx="0">
+            <a:schemeClr val="accent1"/>
+          </a:effectRef>
+          <a:fontRef idx="minor">
+            <a:schemeClr val="lt1"/>
+          </a:fontRef>
+        </p:style>
+        <p:txBody>
+          <a:bodyPr rot="0" spcFirstLastPara="0" vert="horz" wrap="square" lIns="91440" tIns="45720" rIns="91440" bIns="45720" numCol="1" spcCol="0" rtlCol="0" fromWordArt="0" anchor="ctr" anchorCtr="0" forceAA="0" compatLnSpc="1">
+            <a:prstTxWarp prst="textNoShape">
+              <a:avLst/>
+            </a:prstTxWarp>
+            <a:noAutofit/>
+          </a:bodyPr>
+          <a:lstStyle/>
+          <a:p>
+            <a:endParaRPr lang="en-US" b="1" dirty="0"/>
+          </a:p>
+        </p:txBody>
+      </p:sp>
+      <p:sp>
+        <p:nvSpPr>
+          <p:cNvPr id="4" name="Oval 3"/>
+          <p:cNvSpPr/>
+          <p:nvPr/>
+        </p:nvSpPr>
+        <p:spPr>
+          <a:xfrm>
+            <a:off x="471555" y="5438821"/>
+            <a:ext cx="457200" cy="457200"/>
+          </a:xfrm>
+          <a:prstGeom prst="ellipse">
+            <a:avLst/>
+          </a:prstGeom>
+          <a:noFill/>
+          <a:ln w="9525">
+            <a:solidFill>
+              <a:schemeClr val="tx1"/>
+            </a:solidFill>
+          </a:ln>
+        </p:spPr>
+        <p:style>
+          <a:lnRef idx="2">
+            <a:schemeClr val="accent1">
+              <a:shade val="50000"/>
+            </a:schemeClr>
+          </a:lnRef>
+          <a:fillRef idx="1">
+            <a:schemeClr val="accent1"/>
+          </a:fillRef>
+          <a:effectRef idx="0">
+            <a:schemeClr val="accent1"/>
+          </a:effectRef>
+          <a:fontRef idx="minor">
+            <a:schemeClr val="lt1"/>
+          </a:fontRef>
+        </p:style>
+        <p:txBody>
+          <a:bodyPr rot="0" spcFirstLastPara="0" vert="horz" wrap="square" lIns="91440" tIns="45720" rIns="91440" bIns="45720" numCol="1" spcCol="0" rtlCol="0" fromWordArt="0" anchor="ctr" anchorCtr="0" forceAA="0" compatLnSpc="1">
+            <a:prstTxWarp prst="textNoShape">
+              <a:avLst/>
+            </a:prstTxWarp>
+            <a:noAutofit/>
+          </a:bodyPr>
+          <a:lstStyle/>
+          <a:p>
+            <a:endParaRPr lang="en-US" sz="1000" b="1" baseline="-25000" dirty="0">
+              <a:solidFill>
+                <a:schemeClr val="tx1"/>
+              </a:solidFill>
+              <a:latin typeface="Times New Roman" panose="02020603050405020304" pitchFamily="18" charset="0"/>
+              <a:cs typeface="Times New Roman" panose="02020603050405020304" pitchFamily="18" charset="0"/>
+            </a:endParaRPr>
+          </a:p>
+        </p:txBody>
+      </p:sp>
+      <p:cxnSp>
+        <p:nvCxnSpPr>
+          <p:cNvPr id="5" name="Straight Connector 4"/>
+          <p:cNvCxnSpPr>
+            <a:endCxn id="4" idx="4"/>
+          </p:cNvCxnSpPr>
+          <p:nvPr/>
+        </p:nvCxnSpPr>
+        <p:spPr>
+          <a:xfrm flipV="1">
+            <a:off x="370487" y="5896021"/>
+            <a:ext cx="329668" cy="352380"/>
+          </a:xfrm>
+          <a:prstGeom prst="line">
+            <a:avLst/>
+          </a:prstGeom>
+          <a:ln w="19050">
+            <a:solidFill>
+              <a:schemeClr val="tx1"/>
+            </a:solidFill>
+          </a:ln>
+        </p:spPr>
+        <p:style>
+          <a:lnRef idx="1">
+            <a:schemeClr val="accent1"/>
+          </a:lnRef>
+          <a:fillRef idx="0">
+            <a:schemeClr val="accent1"/>
+          </a:fillRef>
+          <a:effectRef idx="0">
+            <a:schemeClr val="accent1"/>
+          </a:effectRef>
+          <a:fontRef idx="minor">
+            <a:schemeClr val="tx1"/>
+          </a:fontRef>
+        </p:style>
+      </p:cxnSp>
+      <p:cxnSp>
+        <p:nvCxnSpPr>
+          <p:cNvPr id="6" name="Straight Connector 5"/>
+          <p:cNvCxnSpPr>
+            <a:stCxn id="3" idx="0"/>
+            <a:endCxn id="4" idx="4"/>
+          </p:cNvCxnSpPr>
+          <p:nvPr/>
+        </p:nvCxnSpPr>
+        <p:spPr>
+          <a:xfrm flipH="1" flipV="1">
+            <a:off x="700155" y="5896021"/>
+            <a:ext cx="293892" cy="353649"/>
+          </a:xfrm>
+          <a:prstGeom prst="line">
+            <a:avLst/>
+          </a:prstGeom>
+          <a:ln w="19050">
+            <a:solidFill>
+              <a:schemeClr val="tx1"/>
+            </a:solidFill>
+          </a:ln>
+        </p:spPr>
+        <p:style>
+          <a:lnRef idx="1">
+            <a:schemeClr val="accent1"/>
+          </a:lnRef>
+          <a:fillRef idx="0">
+            <a:schemeClr val="accent1"/>
+          </a:fillRef>
+          <a:effectRef idx="0">
+            <a:schemeClr val="accent1"/>
+          </a:effectRef>
+          <a:fontRef idx="minor">
+            <a:schemeClr val="tx1"/>
+          </a:fontRef>
+        </p:style>
+      </p:cxnSp>
+      <p:sp>
+        <p:nvSpPr>
+          <p:cNvPr id="7" name="Oval 6"/>
+          <p:cNvSpPr/>
+          <p:nvPr/>
+        </p:nvSpPr>
+        <p:spPr>
+          <a:xfrm>
+            <a:off x="1303241" y="6249670"/>
+            <a:ext cx="457200" cy="457200"/>
+          </a:xfrm>
+          <a:prstGeom prst="ellipse">
+            <a:avLst/>
+          </a:prstGeom>
+          <a:noFill/>
+          <a:ln w="9525">
+            <a:solidFill>
+              <a:schemeClr val="tx1"/>
+            </a:solidFill>
+          </a:ln>
+        </p:spPr>
+        <p:style>
+          <a:lnRef idx="2">
+            <a:schemeClr val="accent1">
+              <a:shade val="50000"/>
+            </a:schemeClr>
+          </a:lnRef>
+          <a:fillRef idx="1">
+            <a:schemeClr val="accent1"/>
+          </a:fillRef>
+          <a:effectRef idx="0">
+            <a:schemeClr val="accent1"/>
+          </a:effectRef>
+          <a:fontRef idx="minor">
+            <a:schemeClr val="lt1"/>
+          </a:fontRef>
+        </p:style>
+        <p:txBody>
+          <a:bodyPr rot="0" spcFirstLastPara="0" vert="horz" wrap="square" lIns="91440" tIns="45720" rIns="91440" bIns="45720" numCol="1" spcCol="0" rtlCol="0" fromWordArt="0" anchor="ctr" anchorCtr="0" forceAA="0" compatLnSpc="1">
+            <a:prstTxWarp prst="textNoShape">
+              <a:avLst/>
+            </a:prstTxWarp>
+            <a:noAutofit/>
+          </a:bodyPr>
+          <a:lstStyle/>
+          <a:p>
+            <a:endParaRPr lang="en-US" b="1" dirty="0"/>
+          </a:p>
+        </p:txBody>
+      </p:sp>
+      <p:sp>
+        <p:nvSpPr>
+          <p:cNvPr id="8" name="Oval 7"/>
+          <p:cNvSpPr/>
+          <p:nvPr/>
+        </p:nvSpPr>
+        <p:spPr>
+          <a:xfrm>
+            <a:off x="1924804" y="6249670"/>
+            <a:ext cx="457200" cy="457200"/>
+          </a:xfrm>
+          <a:prstGeom prst="ellipse">
+            <a:avLst/>
+          </a:prstGeom>
+          <a:noFill/>
+          <a:ln w="19050">
+            <a:solidFill>
+              <a:schemeClr val="tx1"/>
+            </a:solidFill>
+          </a:ln>
+        </p:spPr>
+        <p:style>
+          <a:lnRef idx="2">
+            <a:schemeClr val="accent1">
+              <a:shade val="50000"/>
+            </a:schemeClr>
+          </a:lnRef>
+          <a:fillRef idx="1">
+            <a:schemeClr val="accent1"/>
+          </a:fillRef>
+          <a:effectRef idx="0">
+            <a:schemeClr val="accent1"/>
+          </a:effectRef>
+          <a:fontRef idx="minor">
+            <a:schemeClr val="lt1"/>
+          </a:fontRef>
+        </p:style>
+        <p:txBody>
+          <a:bodyPr rot="0" spcFirstLastPara="0" vert="horz" wrap="square" lIns="91440" tIns="45720" rIns="91440" bIns="45720" numCol="1" spcCol="0" rtlCol="0" fromWordArt="0" anchor="ctr" anchorCtr="0" forceAA="0" compatLnSpc="1">
+            <a:prstTxWarp prst="textNoShape">
+              <a:avLst/>
+            </a:prstTxWarp>
+            <a:noAutofit/>
+          </a:bodyPr>
+          <a:lstStyle/>
+          <a:p>
+            <a:endParaRPr lang="en-US" b="1" dirty="0">
+              <a:solidFill>
+                <a:schemeClr val="tx1"/>
+              </a:solidFill>
+              <a:latin typeface="Times New Roman" panose="02020603050405020304" pitchFamily="18" charset="0"/>
+              <a:cs typeface="Times New Roman" panose="02020603050405020304" pitchFamily="18" charset="0"/>
+            </a:endParaRPr>
+          </a:p>
+        </p:txBody>
+      </p:sp>
+      <p:sp>
+        <p:nvSpPr>
+          <p:cNvPr id="9" name="Oval 8"/>
+          <p:cNvSpPr/>
+          <p:nvPr/>
+        </p:nvSpPr>
+        <p:spPr>
+          <a:xfrm>
+            <a:off x="1630912" y="5438821"/>
+            <a:ext cx="457200" cy="457200"/>
+          </a:xfrm>
+          <a:prstGeom prst="ellipse">
+            <a:avLst/>
+          </a:prstGeom>
+          <a:noFill/>
+          <a:ln w="19050">
+            <a:solidFill>
+              <a:schemeClr val="tx1"/>
+            </a:solidFill>
+          </a:ln>
+        </p:spPr>
+        <p:style>
+          <a:lnRef idx="2">
+            <a:schemeClr val="accent1">
+              <a:shade val="50000"/>
+            </a:schemeClr>
+          </a:lnRef>
+          <a:fillRef idx="1">
+            <a:schemeClr val="accent1"/>
+          </a:fillRef>
+          <a:effectRef idx="0">
+            <a:schemeClr val="accent1"/>
+          </a:effectRef>
+          <a:fontRef idx="minor">
+            <a:schemeClr val="lt1"/>
+          </a:fontRef>
+        </p:style>
+        <p:txBody>
+          <a:bodyPr rot="0" spcFirstLastPara="0" vert="horz" wrap="square" lIns="91440" tIns="45720" rIns="91440" bIns="45720" numCol="1" spcCol="0" rtlCol="0" fromWordArt="0" anchor="ctr" anchorCtr="0" forceAA="0" compatLnSpc="1">
+            <a:prstTxWarp prst="textNoShape">
+              <a:avLst/>
+            </a:prstTxWarp>
+            <a:noAutofit/>
+          </a:bodyPr>
+          <a:lstStyle/>
+          <a:p>
+            <a:endParaRPr lang="en-US" sz="1000" b="1" baseline="-25000" dirty="0">
+              <a:solidFill>
+                <a:schemeClr val="tx1"/>
+              </a:solidFill>
+              <a:latin typeface="Times New Roman" panose="02020603050405020304" pitchFamily="18" charset="0"/>
+              <a:cs typeface="Times New Roman" panose="02020603050405020304" pitchFamily="18" charset="0"/>
+            </a:endParaRPr>
+          </a:p>
+        </p:txBody>
+      </p:sp>
+      <p:cxnSp>
+        <p:nvCxnSpPr>
+          <p:cNvPr id="10" name="Straight Connector 9"/>
+          <p:cNvCxnSpPr/>
+          <p:nvPr/>
+        </p:nvCxnSpPr>
+        <p:spPr>
+          <a:xfrm flipV="1">
+            <a:off x="1529844" y="5896021"/>
+            <a:ext cx="329668" cy="352380"/>
+          </a:xfrm>
+          <a:prstGeom prst="line">
+            <a:avLst/>
+          </a:prstGeom>
+          <a:ln w="19050">
+            <a:solidFill>
+              <a:schemeClr val="tx1"/>
+            </a:solidFill>
+          </a:ln>
+        </p:spPr>
+        <p:style>
+          <a:lnRef idx="1">
+            <a:schemeClr val="accent1"/>
+          </a:lnRef>
+          <a:fillRef idx="0">
+            <a:schemeClr val="accent1"/>
+          </a:fillRef>
+          <a:effectRef idx="0">
+            <a:schemeClr val="accent1"/>
+          </a:effectRef>
+          <a:fontRef idx="minor">
+            <a:schemeClr val="tx1"/>
+          </a:fontRef>
+        </p:style>
+      </p:cxnSp>
+      <p:cxnSp>
+        <p:nvCxnSpPr>
+          <p:cNvPr id="11" name="Straight Connector 10"/>
+          <p:cNvCxnSpPr>
+            <a:stCxn id="8" idx="0"/>
+            <a:endCxn id="9" idx="4"/>
+          </p:cNvCxnSpPr>
+          <p:nvPr/>
+        </p:nvCxnSpPr>
+        <p:spPr>
+          <a:xfrm flipH="1" flipV="1">
+            <a:off x="1859512" y="5896021"/>
+            <a:ext cx="293892" cy="353649"/>
+          </a:xfrm>
+          <a:prstGeom prst="line">
+            <a:avLst/>
+          </a:prstGeom>
+          <a:ln w="19050">
+            <a:solidFill>
+              <a:schemeClr val="tx1"/>
+            </a:solidFill>
+          </a:ln>
+        </p:spPr>
+        <p:style>
+          <a:lnRef idx="1">
+            <a:schemeClr val="accent1"/>
+          </a:lnRef>
+          <a:fillRef idx="0">
+            <a:schemeClr val="accent1"/>
+          </a:fillRef>
+          <a:effectRef idx="0">
+            <a:schemeClr val="accent1"/>
+          </a:effectRef>
+          <a:fontRef idx="minor">
+            <a:schemeClr val="tx1"/>
+          </a:fontRef>
+        </p:style>
+      </p:cxnSp>
+      <p:sp>
+        <p:nvSpPr>
+          <p:cNvPr id="13" name="Oval 12"/>
+          <p:cNvSpPr/>
+          <p:nvPr/>
+        </p:nvSpPr>
+        <p:spPr>
+          <a:xfrm>
+            <a:off x="2488726" y="6249670"/>
+            <a:ext cx="457200" cy="457200"/>
+          </a:xfrm>
+          <a:prstGeom prst="ellipse">
+            <a:avLst/>
+          </a:prstGeom>
+          <a:noFill/>
+          <a:ln w="19050">
+            <a:solidFill>
+              <a:schemeClr val="tx1"/>
+            </a:solidFill>
+          </a:ln>
+        </p:spPr>
+        <p:style>
+          <a:lnRef idx="2">
+            <a:schemeClr val="accent1">
+              <a:shade val="50000"/>
+            </a:schemeClr>
+          </a:lnRef>
+          <a:fillRef idx="1">
+            <a:schemeClr val="accent1"/>
+          </a:fillRef>
+          <a:effectRef idx="0">
+            <a:schemeClr val="accent1"/>
+          </a:effectRef>
+          <a:fontRef idx="minor">
+            <a:schemeClr val="lt1"/>
+          </a:fontRef>
+        </p:style>
+        <p:txBody>
+          <a:bodyPr rot="0" spcFirstLastPara="0" vert="horz" wrap="square" lIns="91440" tIns="45720" rIns="91440" bIns="45720" numCol="1" spcCol="0" rtlCol="0" fromWordArt="0" anchor="ctr" anchorCtr="0" forceAA="0" compatLnSpc="1">
+            <a:prstTxWarp prst="textNoShape">
+              <a:avLst/>
+            </a:prstTxWarp>
+            <a:noAutofit/>
+          </a:bodyPr>
+          <a:lstStyle/>
+          <a:p>
+            <a:endParaRPr lang="en-US" b="1" dirty="0"/>
+          </a:p>
+        </p:txBody>
+      </p:sp>
+      <p:sp>
+        <p:nvSpPr>
+          <p:cNvPr id="14" name="Oval 13"/>
+          <p:cNvSpPr/>
+          <p:nvPr/>
+        </p:nvSpPr>
+        <p:spPr>
+          <a:xfrm>
+            <a:off x="3035239" y="6248401"/>
+            <a:ext cx="457200" cy="457200"/>
+          </a:xfrm>
+          <a:prstGeom prst="ellipse">
+            <a:avLst/>
+          </a:prstGeom>
+          <a:noFill/>
+          <a:ln w="19050">
+            <a:solidFill>
+              <a:schemeClr val="tx1"/>
+            </a:solidFill>
+          </a:ln>
+        </p:spPr>
+        <p:style>
+          <a:lnRef idx="2">
+            <a:schemeClr val="accent1">
+              <a:shade val="50000"/>
+            </a:schemeClr>
+          </a:lnRef>
+          <a:fillRef idx="1">
+            <a:schemeClr val="accent1"/>
+          </a:fillRef>
+          <a:effectRef idx="0">
+            <a:schemeClr val="accent1"/>
+          </a:effectRef>
+          <a:fontRef idx="minor">
+            <a:schemeClr val="lt1"/>
+          </a:fontRef>
+        </p:style>
+        <p:txBody>
+          <a:bodyPr rot="0" spcFirstLastPara="0" vert="horz" wrap="square" lIns="91440" tIns="45720" rIns="91440" bIns="45720" numCol="1" spcCol="0" rtlCol="0" fromWordArt="0" anchor="ctr" anchorCtr="0" forceAA="0" compatLnSpc="1">
+            <a:prstTxWarp prst="textNoShape">
+              <a:avLst/>
+            </a:prstTxWarp>
+            <a:noAutofit/>
+          </a:bodyPr>
+          <a:lstStyle/>
+          <a:p>
+            <a:endParaRPr lang="en-US" b="1" dirty="0"/>
+          </a:p>
+        </p:txBody>
+      </p:sp>
+      <p:sp>
+        <p:nvSpPr>
+          <p:cNvPr id="15" name="Oval 14"/>
+          <p:cNvSpPr/>
+          <p:nvPr/>
+        </p:nvSpPr>
+        <p:spPr>
+          <a:xfrm>
+            <a:off x="3569227" y="6248401"/>
+            <a:ext cx="457200" cy="457200"/>
+          </a:xfrm>
+          <a:prstGeom prst="ellipse">
+            <a:avLst/>
+          </a:prstGeom>
+          <a:noFill/>
+          <a:ln w="19050">
+            <a:solidFill>
+              <a:schemeClr val="tx1"/>
+            </a:solidFill>
+          </a:ln>
+        </p:spPr>
+        <p:style>
+          <a:lnRef idx="2">
+            <a:schemeClr val="accent1">
+              <a:shade val="50000"/>
+            </a:schemeClr>
+          </a:lnRef>
+          <a:fillRef idx="1">
+            <a:schemeClr val="accent1"/>
+          </a:fillRef>
+          <a:effectRef idx="0">
+            <a:schemeClr val="accent1"/>
+          </a:effectRef>
+          <a:fontRef idx="minor">
+            <a:schemeClr val="lt1"/>
+          </a:fontRef>
+        </p:style>
+        <p:txBody>
+          <a:bodyPr rot="0" spcFirstLastPara="0" vert="horz" wrap="square" lIns="91440" tIns="45720" rIns="91440" bIns="45720" numCol="1" spcCol="0" rtlCol="0" fromWordArt="0" anchor="ctr" anchorCtr="0" forceAA="0" compatLnSpc="1">
+            <a:prstTxWarp prst="textNoShape">
+              <a:avLst/>
+            </a:prstTxWarp>
+            <a:noAutofit/>
+          </a:bodyPr>
+          <a:lstStyle/>
+          <a:p>
+            <a:endParaRPr lang="en-US" b="1" dirty="0"/>
+          </a:p>
+        </p:txBody>
+      </p:sp>
+      <p:sp>
+        <p:nvSpPr>
+          <p:cNvPr id="16" name="Oval 15"/>
+          <p:cNvSpPr/>
+          <p:nvPr/>
+        </p:nvSpPr>
+        <p:spPr>
+          <a:xfrm>
+            <a:off x="4132467" y="6248401"/>
+            <a:ext cx="457200" cy="457200"/>
+          </a:xfrm>
+          <a:prstGeom prst="ellipse">
+            <a:avLst/>
+          </a:prstGeom>
+          <a:noFill/>
+          <a:ln w="19050">
+            <a:solidFill>
+              <a:schemeClr val="tx1"/>
+            </a:solidFill>
+          </a:ln>
+        </p:spPr>
+        <p:style>
+          <a:lnRef idx="2">
+            <a:schemeClr val="accent1">
+              <a:shade val="50000"/>
+            </a:schemeClr>
+          </a:lnRef>
+          <a:fillRef idx="1">
+            <a:schemeClr val="accent1"/>
+          </a:fillRef>
+          <a:effectRef idx="0">
+            <a:schemeClr val="accent1"/>
+          </a:effectRef>
+          <a:fontRef idx="minor">
+            <a:schemeClr val="lt1"/>
+          </a:fontRef>
+        </p:style>
+        <p:txBody>
+          <a:bodyPr rot="0" spcFirstLastPara="0" vert="horz" wrap="square" lIns="91440" tIns="45720" rIns="91440" bIns="45720" numCol="1" spcCol="0" rtlCol="0" fromWordArt="0" anchor="ctr" anchorCtr="0" forceAA="0" compatLnSpc="1">
+            <a:prstTxWarp prst="textNoShape">
+              <a:avLst/>
+            </a:prstTxWarp>
+            <a:noAutofit/>
+          </a:bodyPr>
+          <a:lstStyle/>
+          <a:p>
+            <a:endParaRPr lang="en-US" b="1" dirty="0"/>
+          </a:p>
+        </p:txBody>
+      </p:sp>
+      <p:cxnSp>
+        <p:nvCxnSpPr>
+          <p:cNvPr id="17" name="Straight Connector 16"/>
+          <p:cNvCxnSpPr/>
+          <p:nvPr/>
+        </p:nvCxnSpPr>
+        <p:spPr>
+          <a:xfrm flipV="1">
+            <a:off x="2675122" y="5894752"/>
+            <a:ext cx="329668" cy="352380"/>
+          </a:xfrm>
+          <a:prstGeom prst="line">
+            <a:avLst/>
+          </a:prstGeom>
+          <a:ln w="19050">
+            <a:solidFill>
+              <a:schemeClr val="tx1"/>
+            </a:solidFill>
+          </a:ln>
+        </p:spPr>
+        <p:style>
+          <a:lnRef idx="1">
+            <a:schemeClr val="accent1"/>
+          </a:lnRef>
+          <a:fillRef idx="0">
+            <a:schemeClr val="accent1"/>
+          </a:fillRef>
+          <a:effectRef idx="0">
+            <a:schemeClr val="accent1"/>
+          </a:effectRef>
+          <a:fontRef idx="minor">
+            <a:schemeClr val="tx1"/>
+          </a:fontRef>
+        </p:style>
+      </p:cxnSp>
+      <p:cxnSp>
+        <p:nvCxnSpPr>
+          <p:cNvPr id="18" name="Straight Connector 17"/>
+          <p:cNvCxnSpPr/>
+          <p:nvPr/>
+        </p:nvCxnSpPr>
+        <p:spPr>
+          <a:xfrm flipH="1" flipV="1">
+            <a:off x="3004790" y="5894752"/>
+            <a:ext cx="293892" cy="353649"/>
+          </a:xfrm>
+          <a:prstGeom prst="line">
+            <a:avLst/>
+          </a:prstGeom>
+          <a:ln w="19050">
+            <a:solidFill>
+              <a:schemeClr val="tx1"/>
+            </a:solidFill>
+          </a:ln>
+        </p:spPr>
+        <p:style>
+          <a:lnRef idx="1">
+            <a:schemeClr val="accent1"/>
+          </a:lnRef>
+          <a:fillRef idx="0">
+            <a:schemeClr val="accent1"/>
+          </a:fillRef>
+          <a:effectRef idx="0">
+            <a:schemeClr val="accent1"/>
+          </a:effectRef>
+          <a:fontRef idx="minor">
+            <a:schemeClr val="tx1"/>
+          </a:fontRef>
+        </p:style>
+      </p:cxnSp>
+      <p:cxnSp>
+        <p:nvCxnSpPr>
+          <p:cNvPr id="19" name="Straight Connector 18"/>
+          <p:cNvCxnSpPr/>
+          <p:nvPr/>
+        </p:nvCxnSpPr>
+        <p:spPr>
+          <a:xfrm flipV="1">
+            <a:off x="3772670" y="5894752"/>
+            <a:ext cx="329668" cy="352380"/>
+          </a:xfrm>
+          <a:prstGeom prst="line">
+            <a:avLst/>
+          </a:prstGeom>
+          <a:ln w="19050">
+            <a:solidFill>
+              <a:schemeClr val="tx1"/>
+            </a:solidFill>
+          </a:ln>
+        </p:spPr>
+        <p:style>
+          <a:lnRef idx="1">
+            <a:schemeClr val="accent1"/>
+          </a:lnRef>
+          <a:fillRef idx="0">
+            <a:schemeClr val="accent1"/>
+          </a:fillRef>
+          <a:effectRef idx="0">
+            <a:schemeClr val="accent1"/>
+          </a:effectRef>
+          <a:fontRef idx="minor">
+            <a:schemeClr val="tx1"/>
+          </a:fontRef>
+        </p:style>
+      </p:cxnSp>
+      <p:cxnSp>
+        <p:nvCxnSpPr>
+          <p:cNvPr id="20" name="Straight Connector 19"/>
+          <p:cNvCxnSpPr/>
+          <p:nvPr/>
+        </p:nvCxnSpPr>
+        <p:spPr>
+          <a:xfrm flipH="1" flipV="1">
+            <a:off x="4102338" y="5894752"/>
+            <a:ext cx="293892" cy="353649"/>
+          </a:xfrm>
+          <a:prstGeom prst="line">
+            <a:avLst/>
+          </a:prstGeom>
+          <a:ln w="19050">
+            <a:solidFill>
+              <a:schemeClr val="tx1"/>
+            </a:solidFill>
+          </a:ln>
+        </p:spPr>
+        <p:style>
+          <a:lnRef idx="1">
+            <a:schemeClr val="accent1"/>
+          </a:lnRef>
+          <a:fillRef idx="0">
+            <a:schemeClr val="accent1"/>
+          </a:fillRef>
+          <a:effectRef idx="0">
+            <a:schemeClr val="accent1"/>
+          </a:effectRef>
+          <a:fontRef idx="minor">
+            <a:schemeClr val="tx1"/>
+          </a:fontRef>
+        </p:style>
+      </p:cxnSp>
+      <p:sp>
+        <p:nvSpPr>
+          <p:cNvPr id="21" name="Oval 20"/>
+          <p:cNvSpPr/>
+          <p:nvPr/>
+        </p:nvSpPr>
+        <p:spPr>
+          <a:xfrm>
+            <a:off x="2781921" y="5437552"/>
+            <a:ext cx="457200" cy="457200"/>
+          </a:xfrm>
+          <a:prstGeom prst="ellipse">
+            <a:avLst/>
+          </a:prstGeom>
+          <a:noFill/>
+          <a:ln w="19050">
+            <a:solidFill>
+              <a:schemeClr val="tx1"/>
+            </a:solidFill>
+          </a:ln>
+        </p:spPr>
+        <p:style>
+          <a:lnRef idx="2">
+            <a:schemeClr val="accent1">
+              <a:shade val="50000"/>
+            </a:schemeClr>
+          </a:lnRef>
+          <a:fillRef idx="1">
+            <a:schemeClr val="accent1"/>
+          </a:fillRef>
+          <a:effectRef idx="0">
+            <a:schemeClr val="accent1"/>
+          </a:effectRef>
+          <a:fontRef idx="minor">
+            <a:schemeClr val="lt1"/>
+          </a:fontRef>
+        </p:style>
+        <p:txBody>
+          <a:bodyPr rot="0" spcFirstLastPara="0" vert="horz" wrap="square" lIns="91440" tIns="45720" rIns="91440" bIns="45720" numCol="1" spcCol="0" rtlCol="0" fromWordArt="0" anchor="ctr" anchorCtr="0" forceAA="0" compatLnSpc="1">
+            <a:prstTxWarp prst="textNoShape">
+              <a:avLst/>
+            </a:prstTxWarp>
+            <a:noAutofit/>
+          </a:bodyPr>
+          <a:lstStyle/>
+          <a:p>
+            <a:pPr lvl="0"/>
+            <a:endParaRPr lang="en-US" sz="600" b="1" baseline="-25000" dirty="0">
+              <a:solidFill>
+                <a:prstClr val="black"/>
+              </a:solidFill>
+              <a:latin typeface="Times New Roman" panose="02020603050405020304" pitchFamily="18" charset="0"/>
+              <a:cs typeface="Times New Roman" panose="02020603050405020304" pitchFamily="18" charset="0"/>
+            </a:endParaRPr>
+          </a:p>
+        </p:txBody>
+      </p:sp>
+      <p:sp>
+        <p:nvSpPr>
+          <p:cNvPr id="22" name="Oval 21"/>
+          <p:cNvSpPr/>
+          <p:nvPr/>
+        </p:nvSpPr>
+        <p:spPr>
+          <a:xfrm>
+            <a:off x="3889821" y="5437552"/>
+            <a:ext cx="456579" cy="457200"/>
+          </a:xfrm>
+          <a:prstGeom prst="ellipse">
+            <a:avLst/>
+          </a:prstGeom>
+          <a:noFill/>
+          <a:ln w="19050">
+            <a:solidFill>
+              <a:schemeClr val="tx1"/>
+            </a:solidFill>
+          </a:ln>
+        </p:spPr>
+        <p:style>
+          <a:lnRef idx="2">
+            <a:schemeClr val="accent1">
+              <a:shade val="50000"/>
+            </a:schemeClr>
+          </a:lnRef>
+          <a:fillRef idx="1">
+            <a:schemeClr val="accent1"/>
+          </a:fillRef>
+          <a:effectRef idx="0">
+            <a:schemeClr val="accent1"/>
+          </a:effectRef>
+          <a:fontRef idx="minor">
+            <a:schemeClr val="lt1"/>
+          </a:fontRef>
+        </p:style>
+        <p:txBody>
+          <a:bodyPr rot="0" spcFirstLastPara="0" vert="horz" wrap="square" lIns="91440" tIns="45720" rIns="91440" bIns="45720" numCol="1" spcCol="0" rtlCol="0" fromWordArt="0" anchor="ctr" anchorCtr="0" forceAA="0" compatLnSpc="1">
+            <a:prstTxWarp prst="textNoShape">
+              <a:avLst/>
+            </a:prstTxWarp>
+            <a:noAutofit/>
+          </a:bodyPr>
+          <a:lstStyle/>
+          <a:p>
+            <a:endParaRPr lang="en-US" sz="1000" b="1" baseline="-25000" dirty="0">
+              <a:solidFill>
+                <a:schemeClr val="tx1"/>
+              </a:solidFill>
+              <a:latin typeface="Times New Roman" panose="02020603050405020304" pitchFamily="18" charset="0"/>
+              <a:cs typeface="Times New Roman" panose="02020603050405020304" pitchFamily="18" charset="0"/>
+            </a:endParaRPr>
+          </a:p>
+        </p:txBody>
+      </p:sp>
+      <p:sp>
+        <p:nvSpPr>
+          <p:cNvPr id="23" name="Oval 22"/>
+          <p:cNvSpPr/>
+          <p:nvPr/>
+        </p:nvSpPr>
+        <p:spPr>
+          <a:xfrm>
+            <a:off x="1114015" y="4568608"/>
+            <a:ext cx="457200" cy="457200"/>
+          </a:xfrm>
+          <a:prstGeom prst="ellipse">
+            <a:avLst/>
+          </a:prstGeom>
+          <a:noFill/>
+          <a:ln w="19050">
+            <a:solidFill>
+              <a:schemeClr val="tx1"/>
+            </a:solidFill>
+          </a:ln>
+        </p:spPr>
+        <p:style>
+          <a:lnRef idx="2">
+            <a:schemeClr val="accent1">
+              <a:shade val="50000"/>
+            </a:schemeClr>
+          </a:lnRef>
+          <a:fillRef idx="1">
+            <a:schemeClr val="accent1"/>
+          </a:fillRef>
+          <a:effectRef idx="0">
+            <a:schemeClr val="accent1"/>
+          </a:effectRef>
+          <a:fontRef idx="minor">
+            <a:schemeClr val="lt1"/>
+          </a:fontRef>
+        </p:style>
+        <p:txBody>
+          <a:bodyPr rot="0" spcFirstLastPara="0" vert="horz" wrap="square" lIns="91440" tIns="45720" rIns="91440" bIns="45720" numCol="1" spcCol="0" rtlCol="0" fromWordArt="0" anchor="ctr" anchorCtr="0" forceAA="0" compatLnSpc="1">
+            <a:prstTxWarp prst="textNoShape">
+              <a:avLst/>
+            </a:prstTxWarp>
+            <a:noAutofit/>
+          </a:bodyPr>
+          <a:lstStyle/>
+          <a:p>
+            <a:endParaRPr lang="en-US" sz="1000" b="1" baseline="-25000" dirty="0">
+              <a:solidFill>
+                <a:schemeClr val="tx1"/>
+              </a:solidFill>
+              <a:latin typeface="Times New Roman" panose="02020603050405020304" pitchFamily="18" charset="0"/>
+              <a:cs typeface="Times New Roman" panose="02020603050405020304" pitchFamily="18" charset="0"/>
+            </a:endParaRPr>
+          </a:p>
+        </p:txBody>
+      </p:sp>
+      <p:sp>
+        <p:nvSpPr>
+          <p:cNvPr id="24" name="Oval 23"/>
+          <p:cNvSpPr/>
+          <p:nvPr/>
+        </p:nvSpPr>
+        <p:spPr>
+          <a:xfrm>
+            <a:off x="3365231" y="4568608"/>
+            <a:ext cx="457200" cy="457200"/>
+          </a:xfrm>
+          <a:prstGeom prst="ellipse">
+            <a:avLst/>
+          </a:prstGeom>
+          <a:noFill/>
+          <a:ln w="9525">
+            <a:solidFill>
+              <a:schemeClr val="tx1"/>
+            </a:solidFill>
+          </a:ln>
+        </p:spPr>
+        <p:style>
+          <a:lnRef idx="2">
+            <a:schemeClr val="accent1">
+              <a:shade val="50000"/>
+            </a:schemeClr>
+          </a:lnRef>
+          <a:fillRef idx="1">
+            <a:schemeClr val="accent1"/>
+          </a:fillRef>
+          <a:effectRef idx="0">
+            <a:schemeClr val="accent1"/>
+          </a:effectRef>
+          <a:fontRef idx="minor">
+            <a:schemeClr val="lt1"/>
+          </a:fontRef>
+        </p:style>
+        <p:txBody>
+          <a:bodyPr rot="0" spcFirstLastPara="0" vert="horz" wrap="square" lIns="91440" tIns="45720" rIns="91440" bIns="45720" numCol="1" spcCol="0" rtlCol="0" fromWordArt="0" anchor="ctr" anchorCtr="0" forceAA="0" compatLnSpc="1">
+            <a:prstTxWarp prst="textNoShape">
+              <a:avLst/>
+            </a:prstTxWarp>
+            <a:noAutofit/>
+          </a:bodyPr>
+          <a:lstStyle/>
+          <a:p>
+            <a:pPr lvl="0"/>
+            <a:endParaRPr lang="en-US" sz="600" b="1" baseline="-25000" dirty="0">
+              <a:solidFill>
+                <a:prstClr val="black"/>
+              </a:solidFill>
+              <a:latin typeface="Times New Roman" panose="02020603050405020304" pitchFamily="18" charset="0"/>
+              <a:cs typeface="Times New Roman" panose="02020603050405020304" pitchFamily="18" charset="0"/>
+            </a:endParaRPr>
+          </a:p>
+        </p:txBody>
+      </p:sp>
+      <p:cxnSp>
+        <p:nvCxnSpPr>
+          <p:cNvPr id="25" name="Straight Connector 24"/>
+          <p:cNvCxnSpPr>
+            <a:stCxn id="4" idx="0"/>
+            <a:endCxn id="23" idx="4"/>
+          </p:cNvCxnSpPr>
+          <p:nvPr/>
+        </p:nvCxnSpPr>
+        <p:spPr>
+          <a:xfrm flipV="1">
+            <a:off x="700155" y="5025808"/>
+            <a:ext cx="642460" cy="413013"/>
+          </a:xfrm>
+          <a:prstGeom prst="line">
+            <a:avLst/>
+          </a:prstGeom>
+          <a:ln w="19050">
+            <a:solidFill>
+              <a:schemeClr val="tx1"/>
+            </a:solidFill>
+          </a:ln>
+        </p:spPr>
+        <p:style>
+          <a:lnRef idx="1">
+            <a:schemeClr val="accent1"/>
+          </a:lnRef>
+          <a:fillRef idx="0">
+            <a:schemeClr val="accent1"/>
+          </a:fillRef>
+          <a:effectRef idx="0">
+            <a:schemeClr val="accent1"/>
+          </a:effectRef>
+          <a:fontRef idx="minor">
+            <a:schemeClr val="tx1"/>
+          </a:fontRef>
+        </p:style>
+      </p:cxnSp>
+      <p:cxnSp>
+        <p:nvCxnSpPr>
+          <p:cNvPr id="26" name="Straight Connector 25"/>
+          <p:cNvCxnSpPr>
+            <a:stCxn id="9" idx="0"/>
+            <a:endCxn id="23" idx="4"/>
+          </p:cNvCxnSpPr>
+          <p:nvPr/>
+        </p:nvCxnSpPr>
+        <p:spPr>
+          <a:xfrm flipH="1" flipV="1">
+            <a:off x="1342615" y="5025808"/>
+            <a:ext cx="516897" cy="413013"/>
+          </a:xfrm>
+          <a:prstGeom prst="line">
+            <a:avLst/>
+          </a:prstGeom>
+          <a:ln w="19050">
+            <a:solidFill>
+              <a:schemeClr val="tx1"/>
+            </a:solidFill>
+          </a:ln>
+        </p:spPr>
+        <p:style>
+          <a:lnRef idx="1">
+            <a:schemeClr val="accent1"/>
+          </a:lnRef>
+          <a:fillRef idx="0">
+            <a:schemeClr val="accent1"/>
+          </a:fillRef>
+          <a:effectRef idx="0">
+            <a:schemeClr val="accent1"/>
+          </a:effectRef>
+          <a:fontRef idx="minor">
+            <a:schemeClr val="tx1"/>
+          </a:fontRef>
+        </p:style>
+      </p:cxnSp>
+      <p:cxnSp>
+        <p:nvCxnSpPr>
+          <p:cNvPr id="27" name="Straight Connector 26"/>
+          <p:cNvCxnSpPr/>
+          <p:nvPr/>
+        </p:nvCxnSpPr>
+        <p:spPr>
+          <a:xfrm flipV="1">
+            <a:off x="2951371" y="5025808"/>
+            <a:ext cx="642460" cy="413013"/>
+          </a:xfrm>
+          <a:prstGeom prst="line">
+            <a:avLst/>
+          </a:prstGeom>
+          <a:ln w="19050">
+            <a:solidFill>
+              <a:schemeClr val="tx1"/>
+            </a:solidFill>
+          </a:ln>
+        </p:spPr>
+        <p:style>
+          <a:lnRef idx="1">
+            <a:schemeClr val="accent1"/>
+          </a:lnRef>
+          <a:fillRef idx="0">
+            <a:schemeClr val="accent1"/>
+          </a:fillRef>
+          <a:effectRef idx="0">
+            <a:schemeClr val="accent1"/>
+          </a:effectRef>
+          <a:fontRef idx="minor">
+            <a:schemeClr val="tx1"/>
+          </a:fontRef>
+        </p:style>
+      </p:cxnSp>
+      <p:cxnSp>
+        <p:nvCxnSpPr>
+          <p:cNvPr id="28" name="Straight Connector 27"/>
+          <p:cNvCxnSpPr/>
+          <p:nvPr/>
+        </p:nvCxnSpPr>
+        <p:spPr>
+          <a:xfrm flipH="1" flipV="1">
+            <a:off x="3593831" y="5025808"/>
+            <a:ext cx="516897" cy="413013"/>
+          </a:xfrm>
+          <a:prstGeom prst="line">
+            <a:avLst/>
+          </a:prstGeom>
+          <a:ln w="19050">
+            <a:solidFill>
+              <a:schemeClr val="tx1"/>
+            </a:solidFill>
+          </a:ln>
+        </p:spPr>
+        <p:style>
+          <a:lnRef idx="1">
+            <a:schemeClr val="accent1"/>
+          </a:lnRef>
+          <a:fillRef idx="0">
+            <a:schemeClr val="accent1"/>
+          </a:fillRef>
+          <a:effectRef idx="0">
+            <a:schemeClr val="accent1"/>
+          </a:effectRef>
+          <a:fontRef idx="minor">
+            <a:schemeClr val="tx1"/>
+          </a:fontRef>
+        </p:style>
+      </p:cxnSp>
+      <p:sp>
+        <p:nvSpPr>
+          <p:cNvPr id="29" name="Oval 28"/>
+          <p:cNvSpPr/>
+          <p:nvPr/>
+        </p:nvSpPr>
+        <p:spPr>
+          <a:xfrm>
+            <a:off x="2217922" y="3771900"/>
+            <a:ext cx="457200" cy="457200"/>
+          </a:xfrm>
+          <a:prstGeom prst="ellipse">
+            <a:avLst/>
+          </a:prstGeom>
+          <a:noFill/>
+          <a:ln w="19050">
+            <a:solidFill>
+              <a:schemeClr val="tx1"/>
+            </a:solidFill>
+          </a:ln>
+        </p:spPr>
+        <p:style>
+          <a:lnRef idx="2">
+            <a:schemeClr val="accent1">
+              <a:shade val="50000"/>
+            </a:schemeClr>
+          </a:lnRef>
+          <a:fillRef idx="1">
+            <a:schemeClr val="accent1"/>
+          </a:fillRef>
+          <a:effectRef idx="0">
+            <a:schemeClr val="accent1"/>
+          </a:effectRef>
+          <a:fontRef idx="minor">
+            <a:schemeClr val="lt1"/>
+          </a:fontRef>
+        </p:style>
+        <p:txBody>
+          <a:bodyPr rot="0" spcFirstLastPara="0" vert="horz" wrap="square" lIns="91440" tIns="45720" rIns="91440" bIns="45720" numCol="1" spcCol="0" rtlCol="0" fromWordArt="0" anchor="ctr" anchorCtr="0" forceAA="0" compatLnSpc="1">
+            <a:prstTxWarp prst="textNoShape">
+              <a:avLst/>
+            </a:prstTxWarp>
+            <a:noAutofit/>
+          </a:bodyPr>
+          <a:lstStyle/>
+          <a:p>
+            <a:endParaRPr lang="en-US" sz="1000" b="1" baseline="-25000" dirty="0">
+              <a:solidFill>
+                <a:schemeClr val="tx1"/>
+              </a:solidFill>
+              <a:latin typeface="Times New Roman" panose="02020603050405020304" pitchFamily="18" charset="0"/>
+              <a:cs typeface="Times New Roman" panose="02020603050405020304" pitchFamily="18" charset="0"/>
+            </a:endParaRPr>
+          </a:p>
+        </p:txBody>
+      </p:sp>
+      <p:cxnSp>
+        <p:nvCxnSpPr>
+          <p:cNvPr id="30" name="Straight Connector 29"/>
+          <p:cNvCxnSpPr>
+            <a:endCxn id="29" idx="3"/>
+          </p:cNvCxnSpPr>
+          <p:nvPr/>
+        </p:nvCxnSpPr>
+        <p:spPr>
+          <a:xfrm flipV="1">
+            <a:off x="1309682" y="4162145"/>
+            <a:ext cx="975195" cy="406464"/>
+          </a:xfrm>
+          <a:prstGeom prst="line">
+            <a:avLst/>
+          </a:prstGeom>
+          <a:ln w="19050">
+            <a:solidFill>
+              <a:schemeClr val="tx1"/>
+            </a:solidFill>
+          </a:ln>
+        </p:spPr>
+        <p:style>
+          <a:lnRef idx="1">
+            <a:schemeClr val="accent1"/>
+          </a:lnRef>
+          <a:fillRef idx="0">
+            <a:schemeClr val="accent1"/>
+          </a:fillRef>
+          <a:effectRef idx="0">
+            <a:schemeClr val="accent1"/>
+          </a:effectRef>
+          <a:fontRef idx="minor">
+            <a:schemeClr val="tx1"/>
+          </a:fontRef>
+        </p:style>
+      </p:cxnSp>
+      <p:cxnSp>
+        <p:nvCxnSpPr>
+          <p:cNvPr id="32" name="Straight Connector 31"/>
+          <p:cNvCxnSpPr>
+            <a:stCxn id="24" idx="0"/>
+            <a:endCxn id="29" idx="5"/>
+          </p:cNvCxnSpPr>
+          <p:nvPr/>
+        </p:nvCxnSpPr>
+        <p:spPr>
+          <a:xfrm flipH="1" flipV="1">
+            <a:off x="2608167" y="4162145"/>
+            <a:ext cx="985664" cy="406463"/>
+          </a:xfrm>
+          <a:prstGeom prst="line">
+            <a:avLst/>
+          </a:prstGeom>
+          <a:ln w="19050">
+            <a:solidFill>
+              <a:schemeClr val="tx1"/>
+            </a:solidFill>
+          </a:ln>
+        </p:spPr>
+        <p:style>
+          <a:lnRef idx="1">
+            <a:schemeClr val="accent1"/>
+          </a:lnRef>
+          <a:fillRef idx="0">
+            <a:schemeClr val="accent1"/>
+          </a:fillRef>
+          <a:effectRef idx="0">
+            <a:schemeClr val="accent1"/>
+          </a:effectRef>
+          <a:fontRef idx="minor">
+            <a:schemeClr val="tx1"/>
+          </a:fontRef>
+        </p:style>
+      </p:cxnSp>
+    </p:spTree>
+    <p:extLst>
+      <p:ext uri="{BB962C8B-B14F-4D97-AF65-F5344CB8AC3E}">
+        <p14:creationId xmlns:p14="http://schemas.microsoft.com/office/powerpoint/2010/main" val="3349502364"/>
       </p:ext>
     </p:extLst>
   </p:cSld>

--- a/images/pics.pptx
+++ b/images/pics.pptx
@@ -5,7 +5,7 @@
     <p:sldMasterId id="2147483648" r:id="rId1"/>
   </p:sldMasterIdLst>
   <p:notesMasterIdLst>
-    <p:notesMasterId r:id="rId30"/>
+    <p:notesMasterId r:id="rId31"/>
   </p:notesMasterIdLst>
   <p:sldIdLst>
     <p:sldId id="257" r:id="rId2"/>
@@ -36,6 +36,7 @@
     <p:sldId id="283" r:id="rId27"/>
     <p:sldId id="285" r:id="rId28"/>
     <p:sldId id="286" r:id="rId29"/>
+    <p:sldId id="287" r:id="rId30"/>
   </p:sldIdLst>
   <p:sldSz cx="12192000" cy="6858000"/>
   <p:notesSz cx="6858000" cy="9144000"/>
@@ -153,6 +154,2679 @@
 </p:presentation>
 </file>
 
+<file path=ppt/diagrams/colors1.xml><?xml version="1.0" encoding="utf-8"?>
+<dgm:colorsDef xmlns:dgm="http://schemas.openxmlformats.org/drawingml/2006/diagram" xmlns:a="http://schemas.openxmlformats.org/drawingml/2006/main" uniqueId="urn:microsoft.com/office/officeart/2005/8/colors/accent1_2">
+  <dgm:title val=""/>
+  <dgm:desc val=""/>
+  <dgm:catLst>
+    <dgm:cat type="accent1" pri="11200"/>
+  </dgm:catLst>
+  <dgm:styleLbl name="node0">
+    <dgm:fillClrLst meth="repeat">
+      <a:schemeClr val="accent1"/>
+    </dgm:fillClrLst>
+    <dgm:linClrLst meth="repeat">
+      <a:schemeClr val="lt1"/>
+    </dgm:linClrLst>
+    <dgm:effectClrLst/>
+    <dgm:txLinClrLst/>
+    <dgm:txFillClrLst/>
+    <dgm:txEffectClrLst/>
+  </dgm:styleLbl>
+  <dgm:styleLbl name="alignNode1">
+    <dgm:fillClrLst meth="repeat">
+      <a:schemeClr val="accent1"/>
+    </dgm:fillClrLst>
+    <dgm:linClrLst meth="repeat">
+      <a:schemeClr val="accent1"/>
+    </dgm:linClrLst>
+    <dgm:effectClrLst/>
+    <dgm:txLinClrLst/>
+    <dgm:txFillClrLst/>
+    <dgm:txEffectClrLst/>
+  </dgm:styleLbl>
+  <dgm:styleLbl name="node1">
+    <dgm:fillClrLst meth="repeat">
+      <a:schemeClr val="accent1"/>
+    </dgm:fillClrLst>
+    <dgm:linClrLst meth="repeat">
+      <a:schemeClr val="lt1"/>
+    </dgm:linClrLst>
+    <dgm:effectClrLst/>
+    <dgm:txLinClrLst/>
+    <dgm:txFillClrLst/>
+    <dgm:txEffectClrLst/>
+  </dgm:styleLbl>
+  <dgm:styleLbl name="lnNode1">
+    <dgm:fillClrLst meth="repeat">
+      <a:schemeClr val="accent1"/>
+    </dgm:fillClrLst>
+    <dgm:linClrLst meth="repeat">
+      <a:schemeClr val="lt1"/>
+    </dgm:linClrLst>
+    <dgm:effectClrLst/>
+    <dgm:txLinClrLst/>
+    <dgm:txFillClrLst/>
+    <dgm:txEffectClrLst/>
+  </dgm:styleLbl>
+  <dgm:styleLbl name="vennNode1">
+    <dgm:fillClrLst meth="repeat">
+      <a:schemeClr val="accent1">
+        <a:alpha val="50000"/>
+      </a:schemeClr>
+    </dgm:fillClrLst>
+    <dgm:linClrLst meth="repeat">
+      <a:schemeClr val="lt1"/>
+    </dgm:linClrLst>
+    <dgm:effectClrLst/>
+    <dgm:txLinClrLst/>
+    <dgm:txFillClrLst/>
+    <dgm:txEffectClrLst/>
+  </dgm:styleLbl>
+  <dgm:styleLbl name="node2">
+    <dgm:fillClrLst meth="repeat">
+      <a:schemeClr val="accent1"/>
+    </dgm:fillClrLst>
+    <dgm:linClrLst meth="repeat">
+      <a:schemeClr val="lt1"/>
+    </dgm:linClrLst>
+    <dgm:effectClrLst/>
+    <dgm:txLinClrLst/>
+    <dgm:txFillClrLst/>
+    <dgm:txEffectClrLst/>
+  </dgm:styleLbl>
+  <dgm:styleLbl name="node3">
+    <dgm:fillClrLst meth="repeat">
+      <a:schemeClr val="accent1"/>
+    </dgm:fillClrLst>
+    <dgm:linClrLst meth="repeat">
+      <a:schemeClr val="lt1"/>
+    </dgm:linClrLst>
+    <dgm:effectClrLst/>
+    <dgm:txLinClrLst/>
+    <dgm:txFillClrLst/>
+    <dgm:txEffectClrLst/>
+  </dgm:styleLbl>
+  <dgm:styleLbl name="node4">
+    <dgm:fillClrLst meth="repeat">
+      <a:schemeClr val="accent1"/>
+    </dgm:fillClrLst>
+    <dgm:linClrLst meth="repeat">
+      <a:schemeClr val="lt1"/>
+    </dgm:linClrLst>
+    <dgm:effectClrLst/>
+    <dgm:txLinClrLst/>
+    <dgm:txFillClrLst/>
+    <dgm:txEffectClrLst/>
+  </dgm:styleLbl>
+  <dgm:styleLbl name="fgImgPlace1">
+    <dgm:fillClrLst meth="repeat">
+      <a:schemeClr val="accent1">
+        <a:tint val="50000"/>
+      </a:schemeClr>
+    </dgm:fillClrLst>
+    <dgm:linClrLst meth="repeat">
+      <a:schemeClr val="lt1"/>
+    </dgm:linClrLst>
+    <dgm:effectClrLst/>
+    <dgm:txLinClrLst/>
+    <dgm:txFillClrLst meth="repeat">
+      <a:schemeClr val="lt1"/>
+    </dgm:txFillClrLst>
+    <dgm:txEffectClrLst/>
+  </dgm:styleLbl>
+  <dgm:styleLbl name="alignImgPlace1">
+    <dgm:fillClrLst meth="repeat">
+      <a:schemeClr val="accent1">
+        <a:tint val="50000"/>
+      </a:schemeClr>
+    </dgm:fillClrLst>
+    <dgm:linClrLst meth="repeat">
+      <a:schemeClr val="lt1"/>
+    </dgm:linClrLst>
+    <dgm:effectClrLst/>
+    <dgm:txLinClrLst/>
+    <dgm:txFillClrLst meth="repeat">
+      <a:schemeClr val="lt1"/>
+    </dgm:txFillClrLst>
+    <dgm:txEffectClrLst/>
+  </dgm:styleLbl>
+  <dgm:styleLbl name="bgImgPlace1">
+    <dgm:fillClrLst meth="repeat">
+      <a:schemeClr val="accent1">
+        <a:tint val="50000"/>
+      </a:schemeClr>
+    </dgm:fillClrLst>
+    <dgm:linClrLst meth="repeat">
+      <a:schemeClr val="lt1"/>
+    </dgm:linClrLst>
+    <dgm:effectClrLst/>
+    <dgm:txLinClrLst/>
+    <dgm:txFillClrLst meth="repeat">
+      <a:schemeClr val="lt1"/>
+    </dgm:txFillClrLst>
+    <dgm:txEffectClrLst/>
+  </dgm:styleLbl>
+  <dgm:styleLbl name="sibTrans2D1">
+    <dgm:fillClrLst meth="repeat">
+      <a:schemeClr val="accent1">
+        <a:tint val="60000"/>
+      </a:schemeClr>
+    </dgm:fillClrLst>
+    <dgm:linClrLst meth="repeat">
+      <a:schemeClr val="accent1">
+        <a:tint val="60000"/>
+      </a:schemeClr>
+    </dgm:linClrLst>
+    <dgm:effectClrLst/>
+    <dgm:txLinClrLst/>
+    <dgm:txFillClrLst/>
+    <dgm:txEffectClrLst/>
+  </dgm:styleLbl>
+  <dgm:styleLbl name="fgSibTrans2D1">
+    <dgm:fillClrLst meth="repeat">
+      <a:schemeClr val="accent1">
+        <a:tint val="60000"/>
+      </a:schemeClr>
+    </dgm:fillClrLst>
+    <dgm:linClrLst meth="repeat">
+      <a:schemeClr val="accent1">
+        <a:tint val="60000"/>
+      </a:schemeClr>
+    </dgm:linClrLst>
+    <dgm:effectClrLst/>
+    <dgm:txLinClrLst/>
+    <dgm:txFillClrLst/>
+    <dgm:txEffectClrLst/>
+  </dgm:styleLbl>
+  <dgm:styleLbl name="bgSibTrans2D1">
+    <dgm:fillClrLst meth="repeat">
+      <a:schemeClr val="accent1">
+        <a:tint val="60000"/>
+      </a:schemeClr>
+    </dgm:fillClrLst>
+    <dgm:linClrLst meth="repeat">
+      <a:schemeClr val="accent1">
+        <a:tint val="60000"/>
+      </a:schemeClr>
+    </dgm:linClrLst>
+    <dgm:effectClrLst/>
+    <dgm:txLinClrLst/>
+    <dgm:txFillClrLst/>
+    <dgm:txEffectClrLst/>
+  </dgm:styleLbl>
+  <dgm:styleLbl name="sibTrans1D1">
+    <dgm:fillClrLst meth="repeat">
+      <a:schemeClr val="accent1"/>
+    </dgm:fillClrLst>
+    <dgm:linClrLst meth="repeat">
+      <a:schemeClr val="accent1"/>
+    </dgm:linClrLst>
+    <dgm:effectClrLst/>
+    <dgm:txLinClrLst/>
+    <dgm:txFillClrLst meth="repeat">
+      <a:schemeClr val="tx1"/>
+    </dgm:txFillClrLst>
+    <dgm:txEffectClrLst/>
+  </dgm:styleLbl>
+  <dgm:styleLbl name="callout">
+    <dgm:fillClrLst meth="repeat">
+      <a:schemeClr val="accent1"/>
+    </dgm:fillClrLst>
+    <dgm:linClrLst meth="repeat">
+      <a:schemeClr val="accent1">
+        <a:tint val="50000"/>
+      </a:schemeClr>
+    </dgm:linClrLst>
+    <dgm:effectClrLst/>
+    <dgm:txLinClrLst/>
+    <dgm:txFillClrLst meth="repeat">
+      <a:schemeClr val="tx1"/>
+    </dgm:txFillClrLst>
+    <dgm:txEffectClrLst/>
+  </dgm:styleLbl>
+  <dgm:styleLbl name="asst0">
+    <dgm:fillClrLst meth="repeat">
+      <a:schemeClr val="accent1"/>
+    </dgm:fillClrLst>
+    <dgm:linClrLst meth="repeat">
+      <a:schemeClr val="lt1"/>
+    </dgm:linClrLst>
+    <dgm:effectClrLst/>
+    <dgm:txLinClrLst/>
+    <dgm:txFillClrLst/>
+    <dgm:txEffectClrLst/>
+  </dgm:styleLbl>
+  <dgm:styleLbl name="asst1">
+    <dgm:fillClrLst meth="repeat">
+      <a:schemeClr val="accent1"/>
+    </dgm:fillClrLst>
+    <dgm:linClrLst meth="repeat">
+      <a:schemeClr val="lt1"/>
+    </dgm:linClrLst>
+    <dgm:effectClrLst/>
+    <dgm:txLinClrLst/>
+    <dgm:txFillClrLst/>
+    <dgm:txEffectClrLst/>
+  </dgm:styleLbl>
+  <dgm:styleLbl name="asst2">
+    <dgm:fillClrLst meth="repeat">
+      <a:schemeClr val="accent1"/>
+    </dgm:fillClrLst>
+    <dgm:linClrLst meth="repeat">
+      <a:schemeClr val="lt1"/>
+    </dgm:linClrLst>
+    <dgm:effectClrLst/>
+    <dgm:txLinClrLst/>
+    <dgm:txFillClrLst/>
+    <dgm:txEffectClrLst/>
+  </dgm:styleLbl>
+  <dgm:styleLbl name="asst3">
+    <dgm:fillClrLst meth="repeat">
+      <a:schemeClr val="accent1"/>
+    </dgm:fillClrLst>
+    <dgm:linClrLst meth="repeat">
+      <a:schemeClr val="lt1"/>
+    </dgm:linClrLst>
+    <dgm:effectClrLst/>
+    <dgm:txLinClrLst/>
+    <dgm:txFillClrLst/>
+    <dgm:txEffectClrLst/>
+  </dgm:styleLbl>
+  <dgm:styleLbl name="asst4">
+    <dgm:fillClrLst meth="repeat">
+      <a:schemeClr val="accent1"/>
+    </dgm:fillClrLst>
+    <dgm:linClrLst meth="repeat">
+      <a:schemeClr val="lt1"/>
+    </dgm:linClrLst>
+    <dgm:effectClrLst/>
+    <dgm:txLinClrLst/>
+    <dgm:txFillClrLst/>
+    <dgm:txEffectClrLst/>
+  </dgm:styleLbl>
+  <dgm:styleLbl name="parChTrans2D1">
+    <dgm:fillClrLst meth="repeat">
+      <a:schemeClr val="accent1">
+        <a:tint val="60000"/>
+      </a:schemeClr>
+    </dgm:fillClrLst>
+    <dgm:linClrLst meth="repeat">
+      <a:schemeClr val="accent1">
+        <a:tint val="60000"/>
+      </a:schemeClr>
+    </dgm:linClrLst>
+    <dgm:effectClrLst/>
+    <dgm:txLinClrLst/>
+    <dgm:txFillClrLst meth="repeat">
+      <a:schemeClr val="lt1"/>
+    </dgm:txFillClrLst>
+    <dgm:txEffectClrLst/>
+  </dgm:styleLbl>
+  <dgm:styleLbl name="parChTrans2D2">
+    <dgm:fillClrLst meth="repeat">
+      <a:schemeClr val="accent1"/>
+    </dgm:fillClrLst>
+    <dgm:linClrLst meth="repeat">
+      <a:schemeClr val="accent1"/>
+    </dgm:linClrLst>
+    <dgm:effectClrLst/>
+    <dgm:txLinClrLst/>
+    <dgm:txFillClrLst meth="repeat">
+      <a:schemeClr val="lt1"/>
+    </dgm:txFillClrLst>
+    <dgm:txEffectClrLst/>
+  </dgm:styleLbl>
+  <dgm:styleLbl name="parChTrans2D3">
+    <dgm:fillClrLst meth="repeat">
+      <a:schemeClr val="accent1"/>
+    </dgm:fillClrLst>
+    <dgm:linClrLst meth="repeat">
+      <a:schemeClr val="accent1"/>
+    </dgm:linClrLst>
+    <dgm:effectClrLst/>
+    <dgm:txLinClrLst/>
+    <dgm:txFillClrLst meth="repeat">
+      <a:schemeClr val="lt1"/>
+    </dgm:txFillClrLst>
+    <dgm:txEffectClrLst/>
+  </dgm:styleLbl>
+  <dgm:styleLbl name="parChTrans2D4">
+    <dgm:fillClrLst meth="repeat">
+      <a:schemeClr val="accent1"/>
+    </dgm:fillClrLst>
+    <dgm:linClrLst meth="repeat">
+      <a:schemeClr val="accent1"/>
+    </dgm:linClrLst>
+    <dgm:effectClrLst/>
+    <dgm:txLinClrLst/>
+    <dgm:txFillClrLst meth="repeat">
+      <a:schemeClr val="lt1"/>
+    </dgm:txFillClrLst>
+    <dgm:txEffectClrLst/>
+  </dgm:styleLbl>
+  <dgm:styleLbl name="parChTrans1D1">
+    <dgm:fillClrLst meth="repeat">
+      <a:schemeClr val="accent1"/>
+    </dgm:fillClrLst>
+    <dgm:linClrLst meth="repeat">
+      <a:schemeClr val="accent1">
+        <a:shade val="60000"/>
+      </a:schemeClr>
+    </dgm:linClrLst>
+    <dgm:effectClrLst/>
+    <dgm:txLinClrLst/>
+    <dgm:txFillClrLst meth="repeat">
+      <a:schemeClr val="tx1"/>
+    </dgm:txFillClrLst>
+    <dgm:txEffectClrLst/>
+  </dgm:styleLbl>
+  <dgm:styleLbl name="parChTrans1D2">
+    <dgm:fillClrLst meth="repeat">
+      <a:schemeClr val="accent1"/>
+    </dgm:fillClrLst>
+    <dgm:linClrLst meth="repeat">
+      <a:schemeClr val="accent1">
+        <a:shade val="60000"/>
+      </a:schemeClr>
+    </dgm:linClrLst>
+    <dgm:effectClrLst/>
+    <dgm:txLinClrLst/>
+    <dgm:txFillClrLst meth="repeat">
+      <a:schemeClr val="tx1"/>
+    </dgm:txFillClrLst>
+    <dgm:txEffectClrLst/>
+  </dgm:styleLbl>
+  <dgm:styleLbl name="parChTrans1D3">
+    <dgm:fillClrLst meth="repeat">
+      <a:schemeClr val="accent1"/>
+    </dgm:fillClrLst>
+    <dgm:linClrLst meth="repeat">
+      <a:schemeClr val="accent1">
+        <a:shade val="80000"/>
+      </a:schemeClr>
+    </dgm:linClrLst>
+    <dgm:effectClrLst/>
+    <dgm:txLinClrLst/>
+    <dgm:txFillClrLst meth="repeat">
+      <a:schemeClr val="tx1"/>
+    </dgm:txFillClrLst>
+    <dgm:txEffectClrLst/>
+  </dgm:styleLbl>
+  <dgm:styleLbl name="parChTrans1D4">
+    <dgm:fillClrLst meth="repeat">
+      <a:schemeClr val="accent1"/>
+    </dgm:fillClrLst>
+    <dgm:linClrLst meth="repeat">
+      <a:schemeClr val="accent1">
+        <a:shade val="80000"/>
+      </a:schemeClr>
+    </dgm:linClrLst>
+    <dgm:effectClrLst/>
+    <dgm:txLinClrLst/>
+    <dgm:txFillClrLst meth="repeat">
+      <a:schemeClr val="tx1"/>
+    </dgm:txFillClrLst>
+    <dgm:txEffectClrLst/>
+  </dgm:styleLbl>
+  <dgm:styleLbl name="fgAcc1">
+    <dgm:fillClrLst meth="repeat">
+      <a:schemeClr val="lt1">
+        <a:alpha val="90000"/>
+      </a:schemeClr>
+    </dgm:fillClrLst>
+    <dgm:linClrLst meth="repeat">
+      <a:schemeClr val="accent1"/>
+    </dgm:linClrLst>
+    <dgm:effectClrLst/>
+    <dgm:txLinClrLst/>
+    <dgm:txFillClrLst meth="repeat">
+      <a:schemeClr val="dk1"/>
+    </dgm:txFillClrLst>
+    <dgm:txEffectClrLst/>
+  </dgm:styleLbl>
+  <dgm:styleLbl name="conFgAcc1">
+    <dgm:fillClrLst meth="repeat">
+      <a:schemeClr val="lt1">
+        <a:alpha val="90000"/>
+      </a:schemeClr>
+    </dgm:fillClrLst>
+    <dgm:linClrLst meth="repeat">
+      <a:schemeClr val="accent1"/>
+    </dgm:linClrLst>
+    <dgm:effectClrLst/>
+    <dgm:txLinClrLst/>
+    <dgm:txFillClrLst meth="repeat">
+      <a:schemeClr val="dk1"/>
+    </dgm:txFillClrLst>
+    <dgm:txEffectClrLst/>
+  </dgm:styleLbl>
+  <dgm:styleLbl name="alignAcc1">
+    <dgm:fillClrLst meth="repeat">
+      <a:schemeClr val="lt1">
+        <a:alpha val="90000"/>
+      </a:schemeClr>
+    </dgm:fillClrLst>
+    <dgm:linClrLst meth="repeat">
+      <a:schemeClr val="accent1"/>
+    </dgm:linClrLst>
+    <dgm:effectClrLst/>
+    <dgm:txLinClrLst/>
+    <dgm:txFillClrLst meth="repeat">
+      <a:schemeClr val="dk1"/>
+    </dgm:txFillClrLst>
+    <dgm:txEffectClrLst/>
+  </dgm:styleLbl>
+  <dgm:styleLbl name="trAlignAcc1">
+    <dgm:fillClrLst meth="repeat">
+      <a:schemeClr val="lt1">
+        <a:alpha val="40000"/>
+      </a:schemeClr>
+    </dgm:fillClrLst>
+    <dgm:linClrLst meth="repeat">
+      <a:schemeClr val="accent1"/>
+    </dgm:linClrLst>
+    <dgm:effectClrLst/>
+    <dgm:txLinClrLst/>
+    <dgm:txFillClrLst meth="repeat">
+      <a:schemeClr val="dk1"/>
+    </dgm:txFillClrLst>
+    <dgm:txEffectClrLst/>
+  </dgm:styleLbl>
+  <dgm:styleLbl name="bgAcc1">
+    <dgm:fillClrLst meth="repeat">
+      <a:schemeClr val="lt1">
+        <a:alpha val="90000"/>
+      </a:schemeClr>
+    </dgm:fillClrLst>
+    <dgm:linClrLst meth="repeat">
+      <a:schemeClr val="accent1"/>
+    </dgm:linClrLst>
+    <dgm:effectClrLst/>
+    <dgm:txLinClrLst/>
+    <dgm:txFillClrLst meth="repeat">
+      <a:schemeClr val="dk1"/>
+    </dgm:txFillClrLst>
+    <dgm:txEffectClrLst/>
+  </dgm:styleLbl>
+  <dgm:styleLbl name="solidFgAcc1">
+    <dgm:fillClrLst meth="repeat">
+      <a:schemeClr val="lt1"/>
+    </dgm:fillClrLst>
+    <dgm:linClrLst meth="repeat">
+      <a:schemeClr val="accent1"/>
+    </dgm:linClrLst>
+    <dgm:effectClrLst/>
+    <dgm:txLinClrLst/>
+    <dgm:txFillClrLst meth="repeat">
+      <a:schemeClr val="dk1"/>
+    </dgm:txFillClrLst>
+    <dgm:txEffectClrLst/>
+  </dgm:styleLbl>
+  <dgm:styleLbl name="solidAlignAcc1">
+    <dgm:fillClrLst meth="repeat">
+      <a:schemeClr val="lt1"/>
+    </dgm:fillClrLst>
+    <dgm:linClrLst meth="repeat">
+      <a:schemeClr val="accent1"/>
+    </dgm:linClrLst>
+    <dgm:effectClrLst/>
+    <dgm:txLinClrLst/>
+    <dgm:txFillClrLst meth="repeat">
+      <a:schemeClr val="dk1"/>
+    </dgm:txFillClrLst>
+    <dgm:txEffectClrLst/>
+  </dgm:styleLbl>
+  <dgm:styleLbl name="solidBgAcc1">
+    <dgm:fillClrLst meth="repeat">
+      <a:schemeClr val="lt1"/>
+    </dgm:fillClrLst>
+    <dgm:linClrLst meth="repeat">
+      <a:schemeClr val="accent1"/>
+    </dgm:linClrLst>
+    <dgm:effectClrLst/>
+    <dgm:txLinClrLst/>
+    <dgm:txFillClrLst meth="repeat">
+      <a:schemeClr val="dk1"/>
+    </dgm:txFillClrLst>
+    <dgm:txEffectClrLst/>
+  </dgm:styleLbl>
+  <dgm:styleLbl name="fgAccFollowNode1">
+    <dgm:fillClrLst meth="repeat">
+      <a:schemeClr val="accent1">
+        <a:alpha val="90000"/>
+        <a:tint val="40000"/>
+      </a:schemeClr>
+    </dgm:fillClrLst>
+    <dgm:linClrLst meth="repeat">
+      <a:schemeClr val="accent1">
+        <a:alpha val="90000"/>
+        <a:tint val="40000"/>
+      </a:schemeClr>
+    </dgm:linClrLst>
+    <dgm:effectClrLst/>
+    <dgm:txLinClrLst/>
+    <dgm:txFillClrLst meth="repeat">
+      <a:schemeClr val="dk1"/>
+    </dgm:txFillClrLst>
+    <dgm:txEffectClrLst/>
+  </dgm:styleLbl>
+  <dgm:styleLbl name="alignAccFollowNode1">
+    <dgm:fillClrLst meth="repeat">
+      <a:schemeClr val="accent1">
+        <a:alpha val="90000"/>
+        <a:tint val="40000"/>
+      </a:schemeClr>
+    </dgm:fillClrLst>
+    <dgm:linClrLst meth="repeat">
+      <a:schemeClr val="accent1">
+        <a:alpha val="90000"/>
+        <a:tint val="40000"/>
+      </a:schemeClr>
+    </dgm:linClrLst>
+    <dgm:effectClrLst/>
+    <dgm:txLinClrLst/>
+    <dgm:txFillClrLst meth="repeat">
+      <a:schemeClr val="dk1"/>
+    </dgm:txFillClrLst>
+    <dgm:txEffectClrLst/>
+  </dgm:styleLbl>
+  <dgm:styleLbl name="bgAccFollowNode1">
+    <dgm:fillClrLst meth="repeat">
+      <a:schemeClr val="accent1">
+        <a:alpha val="90000"/>
+        <a:tint val="40000"/>
+      </a:schemeClr>
+    </dgm:fillClrLst>
+    <dgm:linClrLst meth="repeat">
+      <a:schemeClr val="accent1">
+        <a:alpha val="90000"/>
+        <a:tint val="40000"/>
+      </a:schemeClr>
+    </dgm:linClrLst>
+    <dgm:effectClrLst/>
+    <dgm:txLinClrLst/>
+    <dgm:txFillClrLst meth="repeat">
+      <a:schemeClr val="dk1"/>
+    </dgm:txFillClrLst>
+    <dgm:txEffectClrLst/>
+  </dgm:styleLbl>
+  <dgm:styleLbl name="fgAcc0">
+    <dgm:fillClrLst meth="repeat">
+      <a:schemeClr val="lt1">
+        <a:alpha val="90000"/>
+      </a:schemeClr>
+    </dgm:fillClrLst>
+    <dgm:linClrLst meth="repeat">
+      <a:schemeClr val="accent1"/>
+    </dgm:linClrLst>
+    <dgm:effectClrLst/>
+    <dgm:txLinClrLst/>
+    <dgm:txFillClrLst meth="repeat">
+      <a:schemeClr val="dk1"/>
+    </dgm:txFillClrLst>
+    <dgm:txEffectClrLst/>
+  </dgm:styleLbl>
+  <dgm:styleLbl name="fgAcc2">
+    <dgm:fillClrLst meth="repeat">
+      <a:schemeClr val="lt1">
+        <a:alpha val="90000"/>
+      </a:schemeClr>
+    </dgm:fillClrLst>
+    <dgm:linClrLst meth="repeat">
+      <a:schemeClr val="accent1"/>
+    </dgm:linClrLst>
+    <dgm:effectClrLst/>
+    <dgm:txLinClrLst/>
+    <dgm:txFillClrLst meth="repeat">
+      <a:schemeClr val="dk1"/>
+    </dgm:txFillClrLst>
+    <dgm:txEffectClrLst/>
+  </dgm:styleLbl>
+  <dgm:styleLbl name="fgAcc3">
+    <dgm:fillClrLst meth="repeat">
+      <a:schemeClr val="lt1">
+        <a:alpha val="90000"/>
+      </a:schemeClr>
+    </dgm:fillClrLst>
+    <dgm:linClrLst meth="repeat">
+      <a:schemeClr val="accent1"/>
+    </dgm:linClrLst>
+    <dgm:effectClrLst/>
+    <dgm:txLinClrLst/>
+    <dgm:txFillClrLst meth="repeat">
+      <a:schemeClr val="dk1"/>
+    </dgm:txFillClrLst>
+    <dgm:txEffectClrLst/>
+  </dgm:styleLbl>
+  <dgm:styleLbl name="fgAcc4">
+    <dgm:fillClrLst meth="repeat">
+      <a:schemeClr val="lt1">
+        <a:alpha val="90000"/>
+      </a:schemeClr>
+    </dgm:fillClrLst>
+    <dgm:linClrLst meth="repeat">
+      <a:schemeClr val="accent1"/>
+    </dgm:linClrLst>
+    <dgm:effectClrLst/>
+    <dgm:txLinClrLst/>
+    <dgm:txFillClrLst meth="repeat">
+      <a:schemeClr val="dk1"/>
+    </dgm:txFillClrLst>
+    <dgm:txEffectClrLst/>
+  </dgm:styleLbl>
+  <dgm:styleLbl name="bgShp">
+    <dgm:fillClrLst meth="repeat">
+      <a:schemeClr val="accent1">
+        <a:tint val="40000"/>
+      </a:schemeClr>
+    </dgm:fillClrLst>
+    <dgm:linClrLst meth="repeat">
+      <a:schemeClr val="accent1"/>
+    </dgm:linClrLst>
+    <dgm:effectClrLst/>
+    <dgm:txLinClrLst/>
+    <dgm:txFillClrLst meth="repeat">
+      <a:schemeClr val="dk1"/>
+    </dgm:txFillClrLst>
+    <dgm:txEffectClrLst/>
+  </dgm:styleLbl>
+  <dgm:styleLbl name="dkBgShp">
+    <dgm:fillClrLst meth="repeat">
+      <a:schemeClr val="accent1">
+        <a:shade val="80000"/>
+      </a:schemeClr>
+    </dgm:fillClrLst>
+    <dgm:linClrLst meth="repeat">
+      <a:schemeClr val="accent1"/>
+    </dgm:linClrLst>
+    <dgm:effectClrLst/>
+    <dgm:txLinClrLst/>
+    <dgm:txFillClrLst meth="repeat">
+      <a:schemeClr val="lt1"/>
+    </dgm:txFillClrLst>
+    <dgm:txEffectClrLst/>
+  </dgm:styleLbl>
+  <dgm:styleLbl name="trBgShp">
+    <dgm:fillClrLst meth="repeat">
+      <a:schemeClr val="accent1">
+        <a:tint val="50000"/>
+        <a:alpha val="40000"/>
+      </a:schemeClr>
+    </dgm:fillClrLst>
+    <dgm:linClrLst meth="repeat">
+      <a:schemeClr val="accent1"/>
+    </dgm:linClrLst>
+    <dgm:effectClrLst/>
+    <dgm:txLinClrLst/>
+    <dgm:txFillClrLst meth="repeat">
+      <a:schemeClr val="lt1"/>
+    </dgm:txFillClrLst>
+    <dgm:txEffectClrLst/>
+  </dgm:styleLbl>
+  <dgm:styleLbl name="fgShp">
+    <dgm:fillClrLst meth="repeat">
+      <a:schemeClr val="accent1">
+        <a:tint val="60000"/>
+      </a:schemeClr>
+    </dgm:fillClrLst>
+    <dgm:linClrLst meth="repeat">
+      <a:schemeClr val="lt1"/>
+    </dgm:linClrLst>
+    <dgm:effectClrLst/>
+    <dgm:txLinClrLst/>
+    <dgm:txFillClrLst meth="repeat">
+      <a:schemeClr val="dk1"/>
+    </dgm:txFillClrLst>
+    <dgm:txEffectClrLst/>
+  </dgm:styleLbl>
+  <dgm:styleLbl name="revTx">
+    <dgm:fillClrLst meth="repeat">
+      <a:schemeClr val="lt1">
+        <a:alpha val="0"/>
+      </a:schemeClr>
+    </dgm:fillClrLst>
+    <dgm:linClrLst meth="repeat">
+      <a:schemeClr val="dk1">
+        <a:alpha val="0"/>
+      </a:schemeClr>
+    </dgm:linClrLst>
+    <dgm:effectClrLst/>
+    <dgm:txLinClrLst/>
+    <dgm:txFillClrLst meth="repeat">
+      <a:schemeClr val="tx1"/>
+    </dgm:txFillClrLst>
+    <dgm:txEffectClrLst/>
+  </dgm:styleLbl>
+</dgm:colorsDef>
+</file>
+
+<file path=ppt/diagrams/data1.xml><?xml version="1.0" encoding="utf-8"?>
+<dgm:dataModel xmlns:dgm="http://schemas.openxmlformats.org/drawingml/2006/diagram" xmlns:a="http://schemas.openxmlformats.org/drawingml/2006/main">
+  <dgm:ptLst>
+    <dgm:pt modelId="{2F4E8E45-F33B-4999-89F6-206ECA13D16C}" type="doc">
+      <dgm:prSet loTypeId="urn:microsoft.com/office/officeart/2005/8/layout/chevron1" loCatId="process" qsTypeId="urn:microsoft.com/office/officeart/2005/8/quickstyle/simple1" qsCatId="simple" csTypeId="urn:microsoft.com/office/officeart/2005/8/colors/accent1_2" csCatId="accent1" phldr="1"/>
+      <dgm:spPr/>
+    </dgm:pt>
+    <dgm:pt modelId="{9A828C95-D0DF-47C7-837E-AD1B02D8BD52}">
+      <dgm:prSet phldrT="[Text]"/>
+      <dgm:spPr/>
+      <dgm:t>
+        <a:bodyPr/>
+        <a:lstStyle/>
+        <a:p>
+          <a:r>
+            <a:rPr lang="en-US" b="1" dirty="0" smtClean="0">
+              <a:latin typeface="Times New Roman" panose="02020603050405020304" pitchFamily="18" charset="0"/>
+              <a:cs typeface="Times New Roman" panose="02020603050405020304" pitchFamily="18" charset="0"/>
+            </a:rPr>
+            <a:t>Manufacturer in Africa</a:t>
+          </a:r>
+          <a:endParaRPr lang="en-US" b="1" dirty="0">
+            <a:latin typeface="Times New Roman" panose="02020603050405020304" pitchFamily="18" charset="0"/>
+            <a:cs typeface="Times New Roman" panose="02020603050405020304" pitchFamily="18" charset="0"/>
+          </a:endParaRPr>
+        </a:p>
+      </dgm:t>
+    </dgm:pt>
+    <dgm:pt modelId="{94AD7D99-A653-4CE3-95A2-7CEF7A9EAC07}" type="parTrans" cxnId="{9C46D140-13B9-4EDF-9B36-3F66B58F23CE}">
+      <dgm:prSet/>
+      <dgm:spPr/>
+      <dgm:t>
+        <a:bodyPr/>
+        <a:lstStyle/>
+        <a:p>
+          <a:endParaRPr lang="en-US"/>
+        </a:p>
+      </dgm:t>
+    </dgm:pt>
+    <dgm:pt modelId="{B0A82B6A-8E98-49BB-B9AC-7E4E2A55031B}" type="sibTrans" cxnId="{9C46D140-13B9-4EDF-9B36-3F66B58F23CE}">
+      <dgm:prSet/>
+      <dgm:spPr/>
+      <dgm:t>
+        <a:bodyPr/>
+        <a:lstStyle/>
+        <a:p>
+          <a:endParaRPr lang="en-US"/>
+        </a:p>
+      </dgm:t>
+    </dgm:pt>
+    <dgm:pt modelId="{68E176AA-4E63-4F05-A963-AACE3BF067DC}">
+      <dgm:prSet phldrT="[Text]"/>
+      <dgm:spPr/>
+      <dgm:t>
+        <a:bodyPr/>
+        <a:lstStyle/>
+        <a:p>
+          <a:r>
+            <a:rPr lang="en-US" b="1" dirty="0" smtClean="0">
+              <a:latin typeface="Times New Roman" panose="02020603050405020304" pitchFamily="18" charset="0"/>
+              <a:cs typeface="Times New Roman" panose="02020603050405020304" pitchFamily="18" charset="0"/>
+            </a:rPr>
+            <a:t>Wholesaler in USA</a:t>
+          </a:r>
+          <a:endParaRPr lang="en-US" b="1" dirty="0">
+            <a:latin typeface="Times New Roman" panose="02020603050405020304" pitchFamily="18" charset="0"/>
+            <a:cs typeface="Times New Roman" panose="02020603050405020304" pitchFamily="18" charset="0"/>
+          </a:endParaRPr>
+        </a:p>
+      </dgm:t>
+    </dgm:pt>
+    <dgm:pt modelId="{A29B2076-AA07-4207-856A-C0D63A92146A}" type="parTrans" cxnId="{048B8236-2E3E-42CD-94F4-24725ED76EFC}">
+      <dgm:prSet/>
+      <dgm:spPr/>
+      <dgm:t>
+        <a:bodyPr/>
+        <a:lstStyle/>
+        <a:p>
+          <a:endParaRPr lang="en-US"/>
+        </a:p>
+      </dgm:t>
+    </dgm:pt>
+    <dgm:pt modelId="{79BCC628-7C16-47E6-9FCC-A5D8EF52060F}" type="sibTrans" cxnId="{048B8236-2E3E-42CD-94F4-24725ED76EFC}">
+      <dgm:prSet/>
+      <dgm:spPr/>
+      <dgm:t>
+        <a:bodyPr/>
+        <a:lstStyle/>
+        <a:p>
+          <a:endParaRPr lang="en-US"/>
+        </a:p>
+      </dgm:t>
+    </dgm:pt>
+    <dgm:pt modelId="{A6F21AED-6401-49E7-819D-CCB8BF135561}">
+      <dgm:prSet phldrT="[Text]"/>
+      <dgm:spPr/>
+      <dgm:t>
+        <a:bodyPr/>
+        <a:lstStyle/>
+        <a:p>
+          <a:r>
+            <a:rPr lang="en-US" b="1" dirty="0" smtClean="0">
+              <a:latin typeface="Times New Roman" panose="02020603050405020304" pitchFamily="18" charset="0"/>
+              <a:cs typeface="Times New Roman" panose="02020603050405020304" pitchFamily="18" charset="0"/>
+            </a:rPr>
+            <a:t>State Level  Reseller</a:t>
+          </a:r>
+        </a:p>
+      </dgm:t>
+    </dgm:pt>
+    <dgm:pt modelId="{ED1A830C-D5A6-4B8A-BDC2-00AE495FF15F}" type="parTrans" cxnId="{7C3A96B0-76C8-41B6-8620-6CB2046A812F}">
+      <dgm:prSet/>
+      <dgm:spPr/>
+      <dgm:t>
+        <a:bodyPr/>
+        <a:lstStyle/>
+        <a:p>
+          <a:endParaRPr lang="en-US"/>
+        </a:p>
+      </dgm:t>
+    </dgm:pt>
+    <dgm:pt modelId="{2E52D958-38D0-4979-84EA-04969CA072DC}" type="sibTrans" cxnId="{7C3A96B0-76C8-41B6-8620-6CB2046A812F}">
+      <dgm:prSet/>
+      <dgm:spPr/>
+      <dgm:t>
+        <a:bodyPr/>
+        <a:lstStyle/>
+        <a:p>
+          <a:endParaRPr lang="en-US"/>
+        </a:p>
+      </dgm:t>
+    </dgm:pt>
+    <dgm:pt modelId="{F981FAC2-E917-4D11-9A50-FAC05494209E}">
+      <dgm:prSet phldrT="[Text]"/>
+      <dgm:spPr/>
+      <dgm:t>
+        <a:bodyPr/>
+        <a:lstStyle/>
+        <a:p>
+          <a:r>
+            <a:rPr lang="en-US" b="1" dirty="0" smtClean="0">
+              <a:latin typeface="Times New Roman" panose="02020603050405020304" pitchFamily="18" charset="0"/>
+              <a:cs typeface="Times New Roman" panose="02020603050405020304" pitchFamily="18" charset="0"/>
+            </a:rPr>
+            <a:t>Local Retailer</a:t>
+          </a:r>
+        </a:p>
+      </dgm:t>
+    </dgm:pt>
+    <dgm:pt modelId="{53FD0A06-E8BA-42E3-B8C5-58C93155242C}" type="parTrans" cxnId="{DF99B51E-5DCC-4EFD-BEB2-88013717F334}">
+      <dgm:prSet/>
+      <dgm:spPr/>
+      <dgm:t>
+        <a:bodyPr/>
+        <a:lstStyle/>
+        <a:p>
+          <a:endParaRPr lang="en-US"/>
+        </a:p>
+      </dgm:t>
+    </dgm:pt>
+    <dgm:pt modelId="{F342A3F0-8BA5-44CE-8AC2-E7E927981205}" type="sibTrans" cxnId="{DF99B51E-5DCC-4EFD-BEB2-88013717F334}">
+      <dgm:prSet/>
+      <dgm:spPr/>
+      <dgm:t>
+        <a:bodyPr/>
+        <a:lstStyle/>
+        <a:p>
+          <a:endParaRPr lang="en-US"/>
+        </a:p>
+      </dgm:t>
+    </dgm:pt>
+    <dgm:pt modelId="{2A4C2355-BBA5-4677-8ED4-17B0D6C35EF0}" type="pres">
+      <dgm:prSet presAssocID="{2F4E8E45-F33B-4999-89F6-206ECA13D16C}" presName="Name0" presStyleCnt="0">
+        <dgm:presLayoutVars>
+          <dgm:dir/>
+          <dgm:animLvl val="lvl"/>
+          <dgm:resizeHandles val="exact"/>
+        </dgm:presLayoutVars>
+      </dgm:prSet>
+      <dgm:spPr/>
+    </dgm:pt>
+    <dgm:pt modelId="{ADF5692A-4D2C-42A4-83A4-DC71563B8445}" type="pres">
+      <dgm:prSet presAssocID="{9A828C95-D0DF-47C7-837E-AD1B02D8BD52}" presName="parTxOnly" presStyleLbl="node1" presStyleIdx="0" presStyleCnt="4">
+        <dgm:presLayoutVars>
+          <dgm:chMax val="0"/>
+          <dgm:chPref val="0"/>
+          <dgm:bulletEnabled val="1"/>
+        </dgm:presLayoutVars>
+      </dgm:prSet>
+      <dgm:spPr/>
+    </dgm:pt>
+    <dgm:pt modelId="{60C8FFE1-2E88-4AF5-A25E-51D16C5337C1}" type="pres">
+      <dgm:prSet presAssocID="{B0A82B6A-8E98-49BB-B9AC-7E4E2A55031B}" presName="parTxOnlySpace" presStyleCnt="0"/>
+      <dgm:spPr/>
+    </dgm:pt>
+    <dgm:pt modelId="{1A67A697-D7DA-400F-80C8-23F1A9CB1907}" type="pres">
+      <dgm:prSet presAssocID="{68E176AA-4E63-4F05-A963-AACE3BF067DC}" presName="parTxOnly" presStyleLbl="node1" presStyleIdx="1" presStyleCnt="4">
+        <dgm:presLayoutVars>
+          <dgm:chMax val="0"/>
+          <dgm:chPref val="0"/>
+          <dgm:bulletEnabled val="1"/>
+        </dgm:presLayoutVars>
+      </dgm:prSet>
+      <dgm:spPr/>
+    </dgm:pt>
+    <dgm:pt modelId="{3624B00A-1D20-4582-8F7D-D5C78C784DE0}" type="pres">
+      <dgm:prSet presAssocID="{79BCC628-7C16-47E6-9FCC-A5D8EF52060F}" presName="parTxOnlySpace" presStyleCnt="0"/>
+      <dgm:spPr/>
+    </dgm:pt>
+    <dgm:pt modelId="{23FDF8E8-A23F-4826-BCF6-73105C8D520C}" type="pres">
+      <dgm:prSet presAssocID="{A6F21AED-6401-49E7-819D-CCB8BF135561}" presName="parTxOnly" presStyleLbl="node1" presStyleIdx="2" presStyleCnt="4">
+        <dgm:presLayoutVars>
+          <dgm:chMax val="0"/>
+          <dgm:chPref val="0"/>
+          <dgm:bulletEnabled val="1"/>
+        </dgm:presLayoutVars>
+      </dgm:prSet>
+      <dgm:spPr/>
+      <dgm:t>
+        <a:bodyPr/>
+        <a:lstStyle/>
+        <a:p>
+          <a:endParaRPr lang="en-US"/>
+        </a:p>
+      </dgm:t>
+    </dgm:pt>
+    <dgm:pt modelId="{635D70AC-143A-4433-ADD8-8A519473A3C4}" type="pres">
+      <dgm:prSet presAssocID="{2E52D958-38D0-4979-84EA-04969CA072DC}" presName="parTxOnlySpace" presStyleCnt="0"/>
+      <dgm:spPr/>
+    </dgm:pt>
+    <dgm:pt modelId="{AC56B3BC-F934-468F-883D-ABF19597738C}" type="pres">
+      <dgm:prSet presAssocID="{F981FAC2-E917-4D11-9A50-FAC05494209E}" presName="parTxOnly" presStyleLbl="node1" presStyleIdx="3" presStyleCnt="4">
+        <dgm:presLayoutVars>
+          <dgm:chMax val="0"/>
+          <dgm:chPref val="0"/>
+          <dgm:bulletEnabled val="1"/>
+        </dgm:presLayoutVars>
+      </dgm:prSet>
+      <dgm:spPr/>
+    </dgm:pt>
+  </dgm:ptLst>
+  <dgm:cxnLst>
+    <dgm:cxn modelId="{048B8236-2E3E-42CD-94F4-24725ED76EFC}" srcId="{2F4E8E45-F33B-4999-89F6-206ECA13D16C}" destId="{68E176AA-4E63-4F05-A963-AACE3BF067DC}" srcOrd="1" destOrd="0" parTransId="{A29B2076-AA07-4207-856A-C0D63A92146A}" sibTransId="{79BCC628-7C16-47E6-9FCC-A5D8EF52060F}"/>
+    <dgm:cxn modelId="{9C46D140-13B9-4EDF-9B36-3F66B58F23CE}" srcId="{2F4E8E45-F33B-4999-89F6-206ECA13D16C}" destId="{9A828C95-D0DF-47C7-837E-AD1B02D8BD52}" srcOrd="0" destOrd="0" parTransId="{94AD7D99-A653-4CE3-95A2-7CEF7A9EAC07}" sibTransId="{B0A82B6A-8E98-49BB-B9AC-7E4E2A55031B}"/>
+    <dgm:cxn modelId="{FC193E67-3433-4598-B719-2C600DAA0307}" type="presOf" srcId="{A6F21AED-6401-49E7-819D-CCB8BF135561}" destId="{23FDF8E8-A23F-4826-BCF6-73105C8D520C}" srcOrd="0" destOrd="0" presId="urn:microsoft.com/office/officeart/2005/8/layout/chevron1"/>
+    <dgm:cxn modelId="{7F379911-4AC6-4B31-A8B8-91D50E3A677A}" type="presOf" srcId="{F981FAC2-E917-4D11-9A50-FAC05494209E}" destId="{AC56B3BC-F934-468F-883D-ABF19597738C}" srcOrd="0" destOrd="0" presId="urn:microsoft.com/office/officeart/2005/8/layout/chevron1"/>
+    <dgm:cxn modelId="{48ED5E67-4E70-45C9-AD49-79CA0EBFB7DC}" type="presOf" srcId="{68E176AA-4E63-4F05-A963-AACE3BF067DC}" destId="{1A67A697-D7DA-400F-80C8-23F1A9CB1907}" srcOrd="0" destOrd="0" presId="urn:microsoft.com/office/officeart/2005/8/layout/chevron1"/>
+    <dgm:cxn modelId="{74EF965E-104C-4381-B277-D16A1E194839}" type="presOf" srcId="{9A828C95-D0DF-47C7-837E-AD1B02D8BD52}" destId="{ADF5692A-4D2C-42A4-83A4-DC71563B8445}" srcOrd="0" destOrd="0" presId="urn:microsoft.com/office/officeart/2005/8/layout/chevron1"/>
+    <dgm:cxn modelId="{DF99B51E-5DCC-4EFD-BEB2-88013717F334}" srcId="{2F4E8E45-F33B-4999-89F6-206ECA13D16C}" destId="{F981FAC2-E917-4D11-9A50-FAC05494209E}" srcOrd="3" destOrd="0" parTransId="{53FD0A06-E8BA-42E3-B8C5-58C93155242C}" sibTransId="{F342A3F0-8BA5-44CE-8AC2-E7E927981205}"/>
+    <dgm:cxn modelId="{7C3A96B0-76C8-41B6-8620-6CB2046A812F}" srcId="{2F4E8E45-F33B-4999-89F6-206ECA13D16C}" destId="{A6F21AED-6401-49E7-819D-CCB8BF135561}" srcOrd="2" destOrd="0" parTransId="{ED1A830C-D5A6-4B8A-BDC2-00AE495FF15F}" sibTransId="{2E52D958-38D0-4979-84EA-04969CA072DC}"/>
+    <dgm:cxn modelId="{99CA30F2-A9AB-4289-A626-BF292F481200}" type="presOf" srcId="{2F4E8E45-F33B-4999-89F6-206ECA13D16C}" destId="{2A4C2355-BBA5-4677-8ED4-17B0D6C35EF0}" srcOrd="0" destOrd="0" presId="urn:microsoft.com/office/officeart/2005/8/layout/chevron1"/>
+    <dgm:cxn modelId="{0E81C117-63A1-4A9F-B671-7AD3A387C96D}" type="presParOf" srcId="{2A4C2355-BBA5-4677-8ED4-17B0D6C35EF0}" destId="{ADF5692A-4D2C-42A4-83A4-DC71563B8445}" srcOrd="0" destOrd="0" presId="urn:microsoft.com/office/officeart/2005/8/layout/chevron1"/>
+    <dgm:cxn modelId="{9F78596E-DA23-4EB2-8FDE-127936FEE35D}" type="presParOf" srcId="{2A4C2355-BBA5-4677-8ED4-17B0D6C35EF0}" destId="{60C8FFE1-2E88-4AF5-A25E-51D16C5337C1}" srcOrd="1" destOrd="0" presId="urn:microsoft.com/office/officeart/2005/8/layout/chevron1"/>
+    <dgm:cxn modelId="{7CDA1F23-8C09-4CA5-839D-A1D3FD434646}" type="presParOf" srcId="{2A4C2355-BBA5-4677-8ED4-17B0D6C35EF0}" destId="{1A67A697-D7DA-400F-80C8-23F1A9CB1907}" srcOrd="2" destOrd="0" presId="urn:microsoft.com/office/officeart/2005/8/layout/chevron1"/>
+    <dgm:cxn modelId="{6D228C48-9201-4D23-AF92-C9DD0869E392}" type="presParOf" srcId="{2A4C2355-BBA5-4677-8ED4-17B0D6C35EF0}" destId="{3624B00A-1D20-4582-8F7D-D5C78C784DE0}" srcOrd="3" destOrd="0" presId="urn:microsoft.com/office/officeart/2005/8/layout/chevron1"/>
+    <dgm:cxn modelId="{DE8E5FE7-A7B8-458C-BE49-58536757E16E}" type="presParOf" srcId="{2A4C2355-BBA5-4677-8ED4-17B0D6C35EF0}" destId="{23FDF8E8-A23F-4826-BCF6-73105C8D520C}" srcOrd="4" destOrd="0" presId="urn:microsoft.com/office/officeart/2005/8/layout/chevron1"/>
+    <dgm:cxn modelId="{2B3305BC-3556-468A-B380-BF3ADBB10EA4}" type="presParOf" srcId="{2A4C2355-BBA5-4677-8ED4-17B0D6C35EF0}" destId="{635D70AC-143A-4433-ADD8-8A519473A3C4}" srcOrd="5" destOrd="0" presId="urn:microsoft.com/office/officeart/2005/8/layout/chevron1"/>
+    <dgm:cxn modelId="{56C230C6-3A9E-47C4-BFFD-E55A7E57AC0B}" type="presParOf" srcId="{2A4C2355-BBA5-4677-8ED4-17B0D6C35EF0}" destId="{AC56B3BC-F934-468F-883D-ABF19597738C}" srcOrd="6" destOrd="0" presId="urn:microsoft.com/office/officeart/2005/8/layout/chevron1"/>
+  </dgm:cxnLst>
+  <dgm:bg/>
+  <dgm:whole/>
+  <dgm:extLst>
+    <a:ext uri="http://schemas.microsoft.com/office/drawing/2008/diagram">
+      <dsp:dataModelExt xmlns:dsp="http://schemas.microsoft.com/office/drawing/2008/diagram" relId="rId6" minVer="http://schemas.openxmlformats.org/drawingml/2006/diagram"/>
+    </a:ext>
+  </dgm:extLst>
+</dgm:dataModel>
+</file>
+
+<file path=ppt/diagrams/drawing1.xml><?xml version="1.0" encoding="utf-8"?>
+<dsp:drawing xmlns:dgm="http://schemas.openxmlformats.org/drawingml/2006/diagram" xmlns:dsp="http://schemas.microsoft.com/office/drawing/2008/diagram" xmlns:a="http://schemas.openxmlformats.org/drawingml/2006/main">
+  <dsp:spTree>
+    <dsp:nvGrpSpPr>
+      <dsp:cNvPr id="0" name=""/>
+      <dsp:cNvGrpSpPr/>
+    </dsp:nvGrpSpPr>
+    <dsp:grpSpPr/>
+    <dsp:sp modelId="{ADF5692A-4D2C-42A4-83A4-DC71563B8445}">
+      <dsp:nvSpPr>
+        <dsp:cNvPr id="0" name=""/>
+        <dsp:cNvSpPr/>
+      </dsp:nvSpPr>
+      <dsp:spPr>
+        <a:xfrm>
+          <a:off x="3770" y="2270389"/>
+          <a:ext cx="2194718" cy="877887"/>
+        </a:xfrm>
+        <a:prstGeom prst="chevron">
+          <a:avLst/>
+        </a:prstGeom>
+        <a:solidFill>
+          <a:schemeClr val="accent1">
+            <a:hueOff val="0"/>
+            <a:satOff val="0"/>
+            <a:lumOff val="0"/>
+            <a:alphaOff val="0"/>
+          </a:schemeClr>
+        </a:solidFill>
+        <a:ln w="12700" cap="flat" cmpd="sng" algn="ctr">
+          <a:solidFill>
+            <a:schemeClr val="lt1">
+              <a:hueOff val="0"/>
+              <a:satOff val="0"/>
+              <a:lumOff val="0"/>
+              <a:alphaOff val="0"/>
+            </a:schemeClr>
+          </a:solidFill>
+          <a:prstDash val="solid"/>
+          <a:miter lim="800000"/>
+        </a:ln>
+        <a:effectLst/>
+      </dsp:spPr>
+      <dsp:style>
+        <a:lnRef idx="2">
+          <a:scrgbClr r="0" g="0" b="0"/>
+        </a:lnRef>
+        <a:fillRef idx="1">
+          <a:scrgbClr r="0" g="0" b="0"/>
+        </a:fillRef>
+        <a:effectRef idx="0">
+          <a:scrgbClr r="0" g="0" b="0"/>
+        </a:effectRef>
+        <a:fontRef idx="minor">
+          <a:schemeClr val="lt1"/>
+        </a:fontRef>
+      </dsp:style>
+      <dsp:txBody>
+        <a:bodyPr spcFirstLastPara="0" vert="horz" wrap="square" lIns="64008" tIns="21336" rIns="21336" bIns="21336" numCol="1" spcCol="1270" anchor="ctr" anchorCtr="0">
+          <a:noAutofit/>
+        </a:bodyPr>
+        <a:lstStyle/>
+        <a:p>
+          <a:pPr lvl="0" algn="ctr" defTabSz="711200">
+            <a:lnSpc>
+              <a:spcPct val="90000"/>
+            </a:lnSpc>
+            <a:spcBef>
+              <a:spcPct val="0"/>
+            </a:spcBef>
+            <a:spcAft>
+              <a:spcPct val="35000"/>
+            </a:spcAft>
+          </a:pPr>
+          <a:r>
+            <a:rPr lang="en-US" sz="1600" b="1" kern="1200" dirty="0" smtClean="0">
+              <a:latin typeface="Times New Roman" panose="02020603050405020304" pitchFamily="18" charset="0"/>
+              <a:cs typeface="Times New Roman" panose="02020603050405020304" pitchFamily="18" charset="0"/>
+            </a:rPr>
+            <a:t>Manufacturer in Africa</a:t>
+          </a:r>
+          <a:endParaRPr lang="en-US" sz="1600" b="1" kern="1200" dirty="0">
+            <a:latin typeface="Times New Roman" panose="02020603050405020304" pitchFamily="18" charset="0"/>
+            <a:cs typeface="Times New Roman" panose="02020603050405020304" pitchFamily="18" charset="0"/>
+          </a:endParaRPr>
+        </a:p>
+      </dsp:txBody>
+      <dsp:txXfrm>
+        <a:off x="442714" y="2270389"/>
+        <a:ext cx="1316831" cy="877887"/>
+      </dsp:txXfrm>
+    </dsp:sp>
+    <dsp:sp modelId="{1A67A697-D7DA-400F-80C8-23F1A9CB1907}">
+      <dsp:nvSpPr>
+        <dsp:cNvPr id="0" name=""/>
+        <dsp:cNvSpPr/>
+      </dsp:nvSpPr>
+      <dsp:spPr>
+        <a:xfrm>
+          <a:off x="1979017" y="2270389"/>
+          <a:ext cx="2194718" cy="877887"/>
+        </a:xfrm>
+        <a:prstGeom prst="chevron">
+          <a:avLst/>
+        </a:prstGeom>
+        <a:solidFill>
+          <a:schemeClr val="accent1">
+            <a:hueOff val="0"/>
+            <a:satOff val="0"/>
+            <a:lumOff val="0"/>
+            <a:alphaOff val="0"/>
+          </a:schemeClr>
+        </a:solidFill>
+        <a:ln w="12700" cap="flat" cmpd="sng" algn="ctr">
+          <a:solidFill>
+            <a:schemeClr val="lt1">
+              <a:hueOff val="0"/>
+              <a:satOff val="0"/>
+              <a:lumOff val="0"/>
+              <a:alphaOff val="0"/>
+            </a:schemeClr>
+          </a:solidFill>
+          <a:prstDash val="solid"/>
+          <a:miter lim="800000"/>
+        </a:ln>
+        <a:effectLst/>
+      </dsp:spPr>
+      <dsp:style>
+        <a:lnRef idx="2">
+          <a:scrgbClr r="0" g="0" b="0"/>
+        </a:lnRef>
+        <a:fillRef idx="1">
+          <a:scrgbClr r="0" g="0" b="0"/>
+        </a:fillRef>
+        <a:effectRef idx="0">
+          <a:scrgbClr r="0" g="0" b="0"/>
+        </a:effectRef>
+        <a:fontRef idx="minor">
+          <a:schemeClr val="lt1"/>
+        </a:fontRef>
+      </dsp:style>
+      <dsp:txBody>
+        <a:bodyPr spcFirstLastPara="0" vert="horz" wrap="square" lIns="64008" tIns="21336" rIns="21336" bIns="21336" numCol="1" spcCol="1270" anchor="ctr" anchorCtr="0">
+          <a:noAutofit/>
+        </a:bodyPr>
+        <a:lstStyle/>
+        <a:p>
+          <a:pPr lvl="0" algn="ctr" defTabSz="711200">
+            <a:lnSpc>
+              <a:spcPct val="90000"/>
+            </a:lnSpc>
+            <a:spcBef>
+              <a:spcPct val="0"/>
+            </a:spcBef>
+            <a:spcAft>
+              <a:spcPct val="35000"/>
+            </a:spcAft>
+          </a:pPr>
+          <a:r>
+            <a:rPr lang="en-US" sz="1600" b="1" kern="1200" dirty="0" smtClean="0">
+              <a:latin typeface="Times New Roman" panose="02020603050405020304" pitchFamily="18" charset="0"/>
+              <a:cs typeface="Times New Roman" panose="02020603050405020304" pitchFamily="18" charset="0"/>
+            </a:rPr>
+            <a:t>Wholesaler in USA</a:t>
+          </a:r>
+          <a:endParaRPr lang="en-US" sz="1600" b="1" kern="1200" dirty="0">
+            <a:latin typeface="Times New Roman" panose="02020603050405020304" pitchFamily="18" charset="0"/>
+            <a:cs typeface="Times New Roman" panose="02020603050405020304" pitchFamily="18" charset="0"/>
+          </a:endParaRPr>
+        </a:p>
+      </dsp:txBody>
+      <dsp:txXfrm>
+        <a:off x="2417961" y="2270389"/>
+        <a:ext cx="1316831" cy="877887"/>
+      </dsp:txXfrm>
+    </dsp:sp>
+    <dsp:sp modelId="{23FDF8E8-A23F-4826-BCF6-73105C8D520C}">
+      <dsp:nvSpPr>
+        <dsp:cNvPr id="0" name=""/>
+        <dsp:cNvSpPr/>
+      </dsp:nvSpPr>
+      <dsp:spPr>
+        <a:xfrm>
+          <a:off x="3954264" y="2270389"/>
+          <a:ext cx="2194718" cy="877887"/>
+        </a:xfrm>
+        <a:prstGeom prst="chevron">
+          <a:avLst/>
+        </a:prstGeom>
+        <a:solidFill>
+          <a:schemeClr val="accent1">
+            <a:hueOff val="0"/>
+            <a:satOff val="0"/>
+            <a:lumOff val="0"/>
+            <a:alphaOff val="0"/>
+          </a:schemeClr>
+        </a:solidFill>
+        <a:ln w="12700" cap="flat" cmpd="sng" algn="ctr">
+          <a:solidFill>
+            <a:schemeClr val="lt1">
+              <a:hueOff val="0"/>
+              <a:satOff val="0"/>
+              <a:lumOff val="0"/>
+              <a:alphaOff val="0"/>
+            </a:schemeClr>
+          </a:solidFill>
+          <a:prstDash val="solid"/>
+          <a:miter lim="800000"/>
+        </a:ln>
+        <a:effectLst/>
+      </dsp:spPr>
+      <dsp:style>
+        <a:lnRef idx="2">
+          <a:scrgbClr r="0" g="0" b="0"/>
+        </a:lnRef>
+        <a:fillRef idx="1">
+          <a:scrgbClr r="0" g="0" b="0"/>
+        </a:fillRef>
+        <a:effectRef idx="0">
+          <a:scrgbClr r="0" g="0" b="0"/>
+        </a:effectRef>
+        <a:fontRef idx="minor">
+          <a:schemeClr val="lt1"/>
+        </a:fontRef>
+      </dsp:style>
+      <dsp:txBody>
+        <a:bodyPr spcFirstLastPara="0" vert="horz" wrap="square" lIns="64008" tIns="21336" rIns="21336" bIns="21336" numCol="1" spcCol="1270" anchor="ctr" anchorCtr="0">
+          <a:noAutofit/>
+        </a:bodyPr>
+        <a:lstStyle/>
+        <a:p>
+          <a:pPr lvl="0" algn="ctr" defTabSz="711200">
+            <a:lnSpc>
+              <a:spcPct val="90000"/>
+            </a:lnSpc>
+            <a:spcBef>
+              <a:spcPct val="0"/>
+            </a:spcBef>
+            <a:spcAft>
+              <a:spcPct val="35000"/>
+            </a:spcAft>
+          </a:pPr>
+          <a:r>
+            <a:rPr lang="en-US" sz="1600" b="1" kern="1200" dirty="0" smtClean="0">
+              <a:latin typeface="Times New Roman" panose="02020603050405020304" pitchFamily="18" charset="0"/>
+              <a:cs typeface="Times New Roman" panose="02020603050405020304" pitchFamily="18" charset="0"/>
+            </a:rPr>
+            <a:t>State Level  Reseller</a:t>
+          </a:r>
+        </a:p>
+      </dsp:txBody>
+      <dsp:txXfrm>
+        <a:off x="4393208" y="2270389"/>
+        <a:ext cx="1316831" cy="877887"/>
+      </dsp:txXfrm>
+    </dsp:sp>
+    <dsp:sp modelId="{AC56B3BC-F934-468F-883D-ABF19597738C}">
+      <dsp:nvSpPr>
+        <dsp:cNvPr id="0" name=""/>
+        <dsp:cNvSpPr/>
+      </dsp:nvSpPr>
+      <dsp:spPr>
+        <a:xfrm>
+          <a:off x="5929510" y="2270389"/>
+          <a:ext cx="2194718" cy="877887"/>
+        </a:xfrm>
+        <a:prstGeom prst="chevron">
+          <a:avLst/>
+        </a:prstGeom>
+        <a:solidFill>
+          <a:schemeClr val="accent1">
+            <a:hueOff val="0"/>
+            <a:satOff val="0"/>
+            <a:lumOff val="0"/>
+            <a:alphaOff val="0"/>
+          </a:schemeClr>
+        </a:solidFill>
+        <a:ln w="12700" cap="flat" cmpd="sng" algn="ctr">
+          <a:solidFill>
+            <a:schemeClr val="lt1">
+              <a:hueOff val="0"/>
+              <a:satOff val="0"/>
+              <a:lumOff val="0"/>
+              <a:alphaOff val="0"/>
+            </a:schemeClr>
+          </a:solidFill>
+          <a:prstDash val="solid"/>
+          <a:miter lim="800000"/>
+        </a:ln>
+        <a:effectLst/>
+      </dsp:spPr>
+      <dsp:style>
+        <a:lnRef idx="2">
+          <a:scrgbClr r="0" g="0" b="0"/>
+        </a:lnRef>
+        <a:fillRef idx="1">
+          <a:scrgbClr r="0" g="0" b="0"/>
+        </a:fillRef>
+        <a:effectRef idx="0">
+          <a:scrgbClr r="0" g="0" b="0"/>
+        </a:effectRef>
+        <a:fontRef idx="minor">
+          <a:schemeClr val="lt1"/>
+        </a:fontRef>
+      </dsp:style>
+      <dsp:txBody>
+        <a:bodyPr spcFirstLastPara="0" vert="horz" wrap="square" lIns="64008" tIns="21336" rIns="21336" bIns="21336" numCol="1" spcCol="1270" anchor="ctr" anchorCtr="0">
+          <a:noAutofit/>
+        </a:bodyPr>
+        <a:lstStyle/>
+        <a:p>
+          <a:pPr lvl="0" algn="ctr" defTabSz="711200">
+            <a:lnSpc>
+              <a:spcPct val="90000"/>
+            </a:lnSpc>
+            <a:spcBef>
+              <a:spcPct val="0"/>
+            </a:spcBef>
+            <a:spcAft>
+              <a:spcPct val="35000"/>
+            </a:spcAft>
+          </a:pPr>
+          <a:r>
+            <a:rPr lang="en-US" sz="1600" b="1" kern="1200" dirty="0" smtClean="0">
+              <a:latin typeface="Times New Roman" panose="02020603050405020304" pitchFamily="18" charset="0"/>
+              <a:cs typeface="Times New Roman" panose="02020603050405020304" pitchFamily="18" charset="0"/>
+            </a:rPr>
+            <a:t>Local Retailer</a:t>
+          </a:r>
+        </a:p>
+      </dsp:txBody>
+      <dsp:txXfrm>
+        <a:off x="6368454" y="2270389"/>
+        <a:ext cx="1316831" cy="877887"/>
+      </dsp:txXfrm>
+    </dsp:sp>
+  </dsp:spTree>
+</dsp:drawing>
+</file>
+
+<file path=ppt/diagrams/layout1.xml><?xml version="1.0" encoding="utf-8"?>
+<dgm:layoutDef xmlns:dgm="http://schemas.openxmlformats.org/drawingml/2006/diagram" xmlns:a="http://schemas.openxmlformats.org/drawingml/2006/main" uniqueId="urn:microsoft.com/office/officeart/2005/8/layout/chevron1">
+  <dgm:title val=""/>
+  <dgm:desc val=""/>
+  <dgm:catLst>
+    <dgm:cat type="process" pri="9000"/>
+  </dgm:catLst>
+  <dgm:sampData useDef="1">
+    <dgm:dataModel>
+      <dgm:ptLst/>
+      <dgm:bg/>
+      <dgm:whole/>
+    </dgm:dataModel>
+  </dgm:sampData>
+  <dgm:styleData>
+    <dgm:dataModel>
+      <dgm:ptLst>
+        <dgm:pt modelId="0" type="doc"/>
+        <dgm:pt modelId="1"/>
+        <dgm:pt modelId="2"/>
+      </dgm:ptLst>
+      <dgm:cxnLst>
+        <dgm:cxn modelId="3" srcId="0" destId="1" srcOrd="0" destOrd="0"/>
+        <dgm:cxn modelId="4" srcId="0" destId="2" srcOrd="1" destOrd="0"/>
+      </dgm:cxnLst>
+      <dgm:bg/>
+      <dgm:whole/>
+    </dgm:dataModel>
+  </dgm:styleData>
+  <dgm:clrData>
+    <dgm:dataModel>
+      <dgm:ptLst>
+        <dgm:pt modelId="0" type="doc"/>
+        <dgm:pt modelId="1"/>
+        <dgm:pt modelId="2"/>
+        <dgm:pt modelId="3"/>
+        <dgm:pt modelId="4"/>
+      </dgm:ptLst>
+      <dgm:cxnLst>
+        <dgm:cxn modelId="5" srcId="0" destId="1" srcOrd="0" destOrd="0"/>
+        <dgm:cxn modelId="6" srcId="0" destId="2" srcOrd="1" destOrd="0"/>
+        <dgm:cxn modelId="7" srcId="0" destId="3" srcOrd="2" destOrd="0"/>
+        <dgm:cxn modelId="8" srcId="0" destId="4" srcOrd="3" destOrd="0"/>
+      </dgm:cxnLst>
+      <dgm:bg/>
+      <dgm:whole/>
+    </dgm:dataModel>
+  </dgm:clrData>
+  <dgm:layoutNode name="Name0">
+    <dgm:varLst>
+      <dgm:dir/>
+      <dgm:animLvl val="lvl"/>
+      <dgm:resizeHandles val="exact"/>
+    </dgm:varLst>
+    <dgm:choose name="Name1">
+      <dgm:if name="Name2" func="var" arg="dir" op="equ" val="norm">
+        <dgm:alg type="lin"/>
+      </dgm:if>
+      <dgm:else name="Name3">
+        <dgm:alg type="lin">
+          <dgm:param type="linDir" val="fromR"/>
+        </dgm:alg>
+      </dgm:else>
+    </dgm:choose>
+    <dgm:shape xmlns:r="http://schemas.openxmlformats.org/officeDocument/2006/relationships" r:blip="">
+      <dgm:adjLst/>
+    </dgm:shape>
+    <dgm:presOf/>
+    <dgm:choose name="Name4">
+      <dgm:if name="Name5" axis="des" func="maxDepth" op="gte" val="2">
+        <dgm:constrLst>
+          <dgm:constr type="h" for="ch" forName="composite" refType="h"/>
+          <dgm:constr type="w" for="ch" forName="composite" refType="w"/>
+          <dgm:constr type="w" for="des" forName="parTx"/>
+          <dgm:constr type="h" for="des" forName="parTx" op="equ"/>
+          <dgm:constr type="w" for="des" forName="desTx"/>
+          <dgm:constr type="h" for="des" forName="desTx" op="equ"/>
+          <dgm:constr type="primFontSz" for="des" forName="parTx" val="65"/>
+          <dgm:constr type="secFontSz" for="des" forName="desTx" refType="primFontSz" refFor="des" refForName="parTx" op="equ"/>
+          <dgm:constr type="h" for="des" forName="parTx" refType="primFontSz" refFor="des" refForName="parTx" fact="1.5"/>
+          <dgm:constr type="h" for="des" forName="desTx" refType="primFontSz" refFor="des" refForName="parTx" fact="0.5"/>
+          <dgm:constr type="w" for="ch" forName="space" op="equ" val="-6"/>
+        </dgm:constrLst>
+        <dgm:ruleLst>
+          <dgm:rule type="w" for="ch" forName="composite" val="0" fact="NaN" max="NaN"/>
+          <dgm:rule type="primFontSz" for="des" forName="parTx" val="5" fact="NaN" max="NaN"/>
+        </dgm:ruleLst>
+        <dgm:forEach name="Name6" axis="ch" ptType="node">
+          <dgm:layoutNode name="composite">
+            <dgm:alg type="composite"/>
+            <dgm:shape xmlns:r="http://schemas.openxmlformats.org/officeDocument/2006/relationships" r:blip="">
+              <dgm:adjLst/>
+            </dgm:shape>
+            <dgm:presOf/>
+            <dgm:choose name="Name7">
+              <dgm:if name="Name8" func="var" arg="dir" op="equ" val="norm">
+                <dgm:constrLst>
+                  <dgm:constr type="l" for="ch" forName="parTx"/>
+                  <dgm:constr type="w" for="ch" forName="parTx" refType="w"/>
+                  <dgm:constr type="t" for="ch" forName="parTx"/>
+                  <dgm:constr type="l" for="ch" forName="desTx"/>
+                  <dgm:constr type="w" for="ch" forName="desTx" refType="w" refFor="ch" refForName="parTx" fact="0.8"/>
+                  <dgm:constr type="t" for="ch" forName="desTx" refType="h" refFor="ch" refForName="parTx" fact="1.125"/>
+                </dgm:constrLst>
+              </dgm:if>
+              <dgm:else name="Name9">
+                <dgm:constrLst>
+                  <dgm:constr type="l" for="ch" forName="parTx"/>
+                  <dgm:constr type="w" for="ch" forName="parTx" refType="w"/>
+                  <dgm:constr type="t" for="ch" forName="parTx"/>
+                  <dgm:constr type="l" for="ch" forName="desTx" refType="w" fact="0.2"/>
+                  <dgm:constr type="w" for="ch" forName="desTx" refType="w" refFor="ch" refForName="parTx" fact="0.8"/>
+                  <dgm:constr type="t" for="ch" forName="desTx" refType="h" refFor="ch" refForName="parTx" fact="1.125"/>
+                </dgm:constrLst>
+              </dgm:else>
+            </dgm:choose>
+            <dgm:ruleLst>
+              <dgm:rule type="h" val="INF" fact="NaN" max="NaN"/>
+            </dgm:ruleLst>
+            <dgm:layoutNode name="parTx">
+              <dgm:varLst>
+                <dgm:chMax val="0"/>
+                <dgm:chPref val="0"/>
+                <dgm:bulletEnabled val="1"/>
+              </dgm:varLst>
+              <dgm:alg type="tx"/>
+              <dgm:choose name="Name10">
+                <dgm:if name="Name11" func="var" arg="dir" op="equ" val="norm">
+                  <dgm:shape xmlns:r="http://schemas.openxmlformats.org/officeDocument/2006/relationships" type="chevron" r:blip="">
+                    <dgm:adjLst/>
+                  </dgm:shape>
+                </dgm:if>
+                <dgm:else name="Name12">
+                  <dgm:shape xmlns:r="http://schemas.openxmlformats.org/officeDocument/2006/relationships" rot="180" type="chevron" r:blip="">
+                    <dgm:adjLst/>
+                  </dgm:shape>
+                </dgm:else>
+              </dgm:choose>
+              <dgm:presOf axis="self" ptType="node"/>
+              <dgm:choose name="Name13">
+                <dgm:if name="Name14" func="var" arg="dir" op="equ" val="norm">
+                  <dgm:constrLst>
+                    <dgm:constr type="h" refType="w" op="lte" fact="0.4"/>
+                    <dgm:constr type="h"/>
+                    <dgm:constr type="tMarg" refType="primFontSz" fact="0.105"/>
+                    <dgm:constr type="bMarg" refType="primFontSz" fact="0.105"/>
+                    <dgm:constr type="lMarg" refType="primFontSz" fact="0.315"/>
+                    <dgm:constr type="rMarg" refType="primFontSz" fact="0.105"/>
+                  </dgm:constrLst>
+                </dgm:if>
+                <dgm:else name="Name15">
+                  <dgm:constrLst>
+                    <dgm:constr type="h" refType="w" op="lte" fact="0.4"/>
+                    <dgm:constr type="h"/>
+                    <dgm:constr type="tMarg" refType="primFontSz" fact="0.105"/>
+                    <dgm:constr type="bMarg" refType="primFontSz" fact="0.105"/>
+                    <dgm:constr type="lMarg" refType="primFontSz" fact="0.105"/>
+                    <dgm:constr type="rMarg" refType="primFontSz" fact="0.315"/>
+                  </dgm:constrLst>
+                </dgm:else>
+              </dgm:choose>
+              <dgm:ruleLst>
+                <dgm:rule type="h" val="INF" fact="NaN" max="NaN"/>
+              </dgm:ruleLst>
+            </dgm:layoutNode>
+            <dgm:layoutNode name="desTx" styleLbl="revTx">
+              <dgm:varLst>
+                <dgm:bulletEnabled val="1"/>
+              </dgm:varLst>
+              <dgm:alg type="tx">
+                <dgm:param type="stBulletLvl" val="1"/>
+              </dgm:alg>
+              <dgm:choose name="Name16">
+                <dgm:if name="Name17" axis="ch" ptType="node" func="cnt" op="gte" val="1">
+                  <dgm:shape xmlns:r="http://schemas.openxmlformats.org/officeDocument/2006/relationships" type="rect" r:blip="">
+                    <dgm:adjLst/>
+                  </dgm:shape>
+                </dgm:if>
+                <dgm:else name="Name18">
+                  <dgm:shape xmlns:r="http://schemas.openxmlformats.org/officeDocument/2006/relationships" type="rect" r:blip="" hideGeom="1">
+                    <dgm:adjLst/>
+                  </dgm:shape>
+                </dgm:else>
+              </dgm:choose>
+              <dgm:presOf axis="des" ptType="node"/>
+              <dgm:constrLst>
+                <dgm:constr type="secFontSz" val="65"/>
+                <dgm:constr type="primFontSz" refType="secFontSz"/>
+                <dgm:constr type="h"/>
+                <dgm:constr type="tMarg"/>
+                <dgm:constr type="bMarg"/>
+                <dgm:constr type="rMarg"/>
+                <dgm:constr type="lMarg"/>
+              </dgm:constrLst>
+              <dgm:ruleLst>
+                <dgm:rule type="h" val="INF" fact="NaN" max="NaN"/>
+              </dgm:ruleLst>
+            </dgm:layoutNode>
+          </dgm:layoutNode>
+          <dgm:forEach name="Name19" axis="followSib" ptType="sibTrans" cnt="1">
+            <dgm:layoutNode name="space">
+              <dgm:alg type="sp"/>
+              <dgm:shape xmlns:r="http://schemas.openxmlformats.org/officeDocument/2006/relationships" r:blip="">
+                <dgm:adjLst/>
+              </dgm:shape>
+              <dgm:presOf/>
+              <dgm:constrLst/>
+              <dgm:ruleLst/>
+            </dgm:layoutNode>
+          </dgm:forEach>
+        </dgm:forEach>
+      </dgm:if>
+      <dgm:else name="Name20">
+        <dgm:constrLst>
+          <dgm:constr type="w" for="ch" forName="parTxOnly" refType="w"/>
+          <dgm:constr type="h" for="des" forName="parTxOnly" op="equ"/>
+          <dgm:constr type="primFontSz" for="des" forName="parTxOnly" op="equ" val="65"/>
+          <dgm:constr type="w" for="ch" forName="parTxOnlySpace" refType="w" refFor="ch" refForName="parTxOnly" fact="-0.1"/>
+        </dgm:constrLst>
+        <dgm:ruleLst/>
+        <dgm:forEach name="Name21" axis="ch" ptType="node">
+          <dgm:layoutNode name="parTxOnly">
+            <dgm:varLst>
+              <dgm:chMax val="0"/>
+              <dgm:chPref val="0"/>
+              <dgm:bulletEnabled val="1"/>
+            </dgm:varLst>
+            <dgm:alg type="tx"/>
+            <dgm:choose name="Name22">
+              <dgm:if name="Name23" func="var" arg="dir" op="equ" val="norm">
+                <dgm:shape xmlns:r="http://schemas.openxmlformats.org/officeDocument/2006/relationships" type="chevron" r:blip="">
+                  <dgm:adjLst/>
+                </dgm:shape>
+              </dgm:if>
+              <dgm:else name="Name24">
+                <dgm:shape xmlns:r="http://schemas.openxmlformats.org/officeDocument/2006/relationships" rot="180" type="chevron" r:blip="">
+                  <dgm:adjLst/>
+                </dgm:shape>
+              </dgm:else>
+            </dgm:choose>
+            <dgm:presOf axis="self" ptType="node"/>
+            <dgm:choose name="Name25">
+              <dgm:if name="Name26" func="var" arg="dir" op="equ" val="norm">
+                <dgm:constrLst>
+                  <dgm:constr type="h" refType="w" op="equ" fact="0.4"/>
+                  <dgm:constr type="tMarg" refType="primFontSz" fact="0.105"/>
+                  <dgm:constr type="bMarg" refType="primFontSz" fact="0.105"/>
+                  <dgm:constr type="lMarg" refType="primFontSz" fact="0.315"/>
+                  <dgm:constr type="rMarg" refType="primFontSz" fact="0.105"/>
+                </dgm:constrLst>
+              </dgm:if>
+              <dgm:else name="Name27">
+                <dgm:constrLst>
+                  <dgm:constr type="h" refType="w" op="equ" fact="0.4"/>
+                  <dgm:constr type="tMarg" refType="primFontSz" fact="0.105"/>
+                  <dgm:constr type="bMarg" refType="primFontSz" fact="0.105"/>
+                  <dgm:constr type="lMarg" refType="primFontSz" fact="0.105"/>
+                  <dgm:constr type="rMarg" refType="primFontSz" fact="0.315"/>
+                </dgm:constrLst>
+              </dgm:else>
+            </dgm:choose>
+            <dgm:ruleLst>
+              <dgm:rule type="primFontSz" val="5" fact="NaN" max="NaN"/>
+            </dgm:ruleLst>
+          </dgm:layoutNode>
+          <dgm:forEach name="Name28" axis="followSib" ptType="sibTrans" cnt="1">
+            <dgm:layoutNode name="parTxOnlySpace">
+              <dgm:alg type="sp"/>
+              <dgm:shape xmlns:r="http://schemas.openxmlformats.org/officeDocument/2006/relationships" r:blip="">
+                <dgm:adjLst/>
+              </dgm:shape>
+              <dgm:presOf/>
+              <dgm:constrLst/>
+              <dgm:ruleLst/>
+            </dgm:layoutNode>
+          </dgm:forEach>
+        </dgm:forEach>
+      </dgm:else>
+    </dgm:choose>
+  </dgm:layoutNode>
+</dgm:layoutDef>
+</file>
+
+<file path=ppt/diagrams/quickStyle1.xml><?xml version="1.0" encoding="utf-8"?>
+<dgm:styleDef xmlns:dgm="http://schemas.openxmlformats.org/drawingml/2006/diagram" xmlns:a="http://schemas.openxmlformats.org/drawingml/2006/main" uniqueId="urn:microsoft.com/office/officeart/2005/8/quickstyle/simple1">
+  <dgm:title val=""/>
+  <dgm:desc val=""/>
+  <dgm:catLst>
+    <dgm:cat type="simple" pri="10100"/>
+  </dgm:catLst>
+  <dgm:scene3d>
+    <a:camera prst="orthographicFront"/>
+    <a:lightRig rig="threePt" dir="t"/>
+  </dgm:scene3d>
+  <dgm:styleLbl name="node0">
+    <dgm:scene3d>
+      <a:camera prst="orthographicFront"/>
+      <a:lightRig rig="threePt" dir="t"/>
+    </dgm:scene3d>
+    <dgm:sp3d/>
+    <dgm:txPr/>
+    <dgm:style>
+      <a:lnRef idx="2">
+        <a:scrgbClr r="0" g="0" b="0"/>
+      </a:lnRef>
+      <a:fillRef idx="1">
+        <a:scrgbClr r="0" g="0" b="0"/>
+      </a:fillRef>
+      <a:effectRef idx="0">
+        <a:scrgbClr r="0" g="0" b="0"/>
+      </a:effectRef>
+      <a:fontRef idx="minor">
+        <a:schemeClr val="lt1"/>
+      </a:fontRef>
+    </dgm:style>
+  </dgm:styleLbl>
+  <dgm:styleLbl name="lnNode1">
+    <dgm:scene3d>
+      <a:camera prst="orthographicFront"/>
+      <a:lightRig rig="threePt" dir="t"/>
+    </dgm:scene3d>
+    <dgm:sp3d/>
+    <dgm:txPr/>
+    <dgm:style>
+      <a:lnRef idx="2">
+        <a:scrgbClr r="0" g="0" b="0"/>
+      </a:lnRef>
+      <a:fillRef idx="1">
+        <a:scrgbClr r="0" g="0" b="0"/>
+      </a:fillRef>
+      <a:effectRef idx="0">
+        <a:scrgbClr r="0" g="0" b="0"/>
+      </a:effectRef>
+      <a:fontRef idx="minor">
+        <a:schemeClr val="lt1"/>
+      </a:fontRef>
+    </dgm:style>
+  </dgm:styleLbl>
+  <dgm:styleLbl name="vennNode1">
+    <dgm:scene3d>
+      <a:camera prst="orthographicFront"/>
+      <a:lightRig rig="threePt" dir="t"/>
+    </dgm:scene3d>
+    <dgm:sp3d/>
+    <dgm:txPr/>
+    <dgm:style>
+      <a:lnRef idx="2">
+        <a:scrgbClr r="0" g="0" b="0"/>
+      </a:lnRef>
+      <a:fillRef idx="1">
+        <a:scrgbClr r="0" g="0" b="0"/>
+      </a:fillRef>
+      <a:effectRef idx="0">
+        <a:scrgbClr r="0" g="0" b="0"/>
+      </a:effectRef>
+      <a:fontRef idx="minor">
+        <a:schemeClr val="tx1"/>
+      </a:fontRef>
+    </dgm:style>
+  </dgm:styleLbl>
+  <dgm:styleLbl name="alignNode1">
+    <dgm:scene3d>
+      <a:camera prst="orthographicFront"/>
+      <a:lightRig rig="threePt" dir="t"/>
+    </dgm:scene3d>
+    <dgm:sp3d/>
+    <dgm:txPr/>
+    <dgm:style>
+      <a:lnRef idx="2">
+        <a:scrgbClr r="0" g="0" b="0"/>
+      </a:lnRef>
+      <a:fillRef idx="1">
+        <a:scrgbClr r="0" g="0" b="0"/>
+      </a:fillRef>
+      <a:effectRef idx="0">
+        <a:scrgbClr r="0" g="0" b="0"/>
+      </a:effectRef>
+      <a:fontRef idx="minor">
+        <a:schemeClr val="lt1"/>
+      </a:fontRef>
+    </dgm:style>
+  </dgm:styleLbl>
+  <dgm:styleLbl name="node1">
+    <dgm:scene3d>
+      <a:camera prst="orthographicFront"/>
+      <a:lightRig rig="threePt" dir="t"/>
+    </dgm:scene3d>
+    <dgm:sp3d/>
+    <dgm:txPr/>
+    <dgm:style>
+      <a:lnRef idx="2">
+        <a:scrgbClr r="0" g="0" b="0"/>
+      </a:lnRef>
+      <a:fillRef idx="1">
+        <a:scrgbClr r="0" g="0" b="0"/>
+      </a:fillRef>
+      <a:effectRef idx="0">
+        <a:scrgbClr r="0" g="0" b="0"/>
+      </a:effectRef>
+      <a:fontRef idx="minor">
+        <a:schemeClr val="lt1"/>
+      </a:fontRef>
+    </dgm:style>
+  </dgm:styleLbl>
+  <dgm:styleLbl name="node2">
+    <dgm:scene3d>
+      <a:camera prst="orthographicFront"/>
+      <a:lightRig rig="threePt" dir="t"/>
+    </dgm:scene3d>
+    <dgm:sp3d/>
+    <dgm:txPr/>
+    <dgm:style>
+      <a:lnRef idx="2">
+        <a:scrgbClr r="0" g="0" b="0"/>
+      </a:lnRef>
+      <a:fillRef idx="1">
+        <a:scrgbClr r="0" g="0" b="0"/>
+      </a:fillRef>
+      <a:effectRef idx="0">
+        <a:scrgbClr r="0" g="0" b="0"/>
+      </a:effectRef>
+      <a:fontRef idx="minor">
+        <a:schemeClr val="lt1"/>
+      </a:fontRef>
+    </dgm:style>
+  </dgm:styleLbl>
+  <dgm:styleLbl name="node3">
+    <dgm:scene3d>
+      <a:camera prst="orthographicFront"/>
+      <a:lightRig rig="threePt" dir="t"/>
+    </dgm:scene3d>
+    <dgm:sp3d/>
+    <dgm:txPr/>
+    <dgm:style>
+      <a:lnRef idx="2">
+        <a:scrgbClr r="0" g="0" b="0"/>
+      </a:lnRef>
+      <a:fillRef idx="1">
+        <a:scrgbClr r="0" g="0" b="0"/>
+      </a:fillRef>
+      <a:effectRef idx="0">
+        <a:scrgbClr r="0" g="0" b="0"/>
+      </a:effectRef>
+      <a:fontRef idx="minor">
+        <a:schemeClr val="lt1"/>
+      </a:fontRef>
+    </dgm:style>
+  </dgm:styleLbl>
+  <dgm:styleLbl name="node4">
+    <dgm:scene3d>
+      <a:camera prst="orthographicFront"/>
+      <a:lightRig rig="threePt" dir="t"/>
+    </dgm:scene3d>
+    <dgm:sp3d/>
+    <dgm:txPr/>
+    <dgm:style>
+      <a:lnRef idx="2">
+        <a:scrgbClr r="0" g="0" b="0"/>
+      </a:lnRef>
+      <a:fillRef idx="1">
+        <a:scrgbClr r="0" g="0" b="0"/>
+      </a:fillRef>
+      <a:effectRef idx="0">
+        <a:scrgbClr r="0" g="0" b="0"/>
+      </a:effectRef>
+      <a:fontRef idx="minor">
+        <a:schemeClr val="lt1"/>
+      </a:fontRef>
+    </dgm:style>
+  </dgm:styleLbl>
+  <dgm:styleLbl name="fgImgPlace1">
+    <dgm:scene3d>
+      <a:camera prst="orthographicFront"/>
+      <a:lightRig rig="threePt" dir="t"/>
+    </dgm:scene3d>
+    <dgm:sp3d/>
+    <dgm:txPr/>
+    <dgm:style>
+      <a:lnRef idx="2">
+        <a:scrgbClr r="0" g="0" b="0"/>
+      </a:lnRef>
+      <a:fillRef idx="1">
+        <a:scrgbClr r="0" g="0" b="0"/>
+      </a:fillRef>
+      <a:effectRef idx="0">
+        <a:scrgbClr r="0" g="0" b="0"/>
+      </a:effectRef>
+      <a:fontRef idx="minor"/>
+    </dgm:style>
+  </dgm:styleLbl>
+  <dgm:styleLbl name="alignImgPlace1">
+    <dgm:scene3d>
+      <a:camera prst="orthographicFront"/>
+      <a:lightRig rig="threePt" dir="t"/>
+    </dgm:scene3d>
+    <dgm:sp3d/>
+    <dgm:txPr/>
+    <dgm:style>
+      <a:lnRef idx="2">
+        <a:scrgbClr r="0" g="0" b="0"/>
+      </a:lnRef>
+      <a:fillRef idx="1">
+        <a:scrgbClr r="0" g="0" b="0"/>
+      </a:fillRef>
+      <a:effectRef idx="0">
+        <a:scrgbClr r="0" g="0" b="0"/>
+      </a:effectRef>
+      <a:fontRef idx="minor"/>
+    </dgm:style>
+  </dgm:styleLbl>
+  <dgm:styleLbl name="bgImgPlace1">
+    <dgm:scene3d>
+      <a:camera prst="orthographicFront"/>
+      <a:lightRig rig="threePt" dir="t"/>
+    </dgm:scene3d>
+    <dgm:sp3d/>
+    <dgm:txPr/>
+    <dgm:style>
+      <a:lnRef idx="2">
+        <a:scrgbClr r="0" g="0" b="0"/>
+      </a:lnRef>
+      <a:fillRef idx="1">
+        <a:scrgbClr r="0" g="0" b="0"/>
+      </a:fillRef>
+      <a:effectRef idx="0">
+        <a:scrgbClr r="0" g="0" b="0"/>
+      </a:effectRef>
+      <a:fontRef idx="minor"/>
+    </dgm:style>
+  </dgm:styleLbl>
+  <dgm:styleLbl name="sibTrans2D1">
+    <dgm:scene3d>
+      <a:camera prst="orthographicFront"/>
+      <a:lightRig rig="threePt" dir="t"/>
+    </dgm:scene3d>
+    <dgm:sp3d/>
+    <dgm:txPr/>
+    <dgm:style>
+      <a:lnRef idx="0">
+        <a:scrgbClr r="0" g="0" b="0"/>
+      </a:lnRef>
+      <a:fillRef idx="1">
+        <a:scrgbClr r="0" g="0" b="0"/>
+      </a:fillRef>
+      <a:effectRef idx="0">
+        <a:scrgbClr r="0" g="0" b="0"/>
+      </a:effectRef>
+      <a:fontRef idx="minor">
+        <a:schemeClr val="lt1"/>
+      </a:fontRef>
+    </dgm:style>
+  </dgm:styleLbl>
+  <dgm:styleLbl name="fgSibTrans2D1">
+    <dgm:scene3d>
+      <a:camera prst="orthographicFront"/>
+      <a:lightRig rig="threePt" dir="t"/>
+    </dgm:scene3d>
+    <dgm:sp3d/>
+    <dgm:txPr/>
+    <dgm:style>
+      <a:lnRef idx="0">
+        <a:scrgbClr r="0" g="0" b="0"/>
+      </a:lnRef>
+      <a:fillRef idx="1">
+        <a:scrgbClr r="0" g="0" b="0"/>
+      </a:fillRef>
+      <a:effectRef idx="0">
+        <a:scrgbClr r="0" g="0" b="0"/>
+      </a:effectRef>
+      <a:fontRef idx="minor">
+        <a:schemeClr val="lt1"/>
+      </a:fontRef>
+    </dgm:style>
+  </dgm:styleLbl>
+  <dgm:styleLbl name="bgSibTrans2D1">
+    <dgm:scene3d>
+      <a:camera prst="orthographicFront"/>
+      <a:lightRig rig="threePt" dir="t"/>
+    </dgm:scene3d>
+    <dgm:sp3d/>
+    <dgm:txPr/>
+    <dgm:style>
+      <a:lnRef idx="0">
+        <a:scrgbClr r="0" g="0" b="0"/>
+      </a:lnRef>
+      <a:fillRef idx="1">
+        <a:scrgbClr r="0" g="0" b="0"/>
+      </a:fillRef>
+      <a:effectRef idx="0">
+        <a:scrgbClr r="0" g="0" b="0"/>
+      </a:effectRef>
+      <a:fontRef idx="minor">
+        <a:schemeClr val="lt1"/>
+      </a:fontRef>
+    </dgm:style>
+  </dgm:styleLbl>
+  <dgm:styleLbl name="sibTrans1D1">
+    <dgm:scene3d>
+      <a:camera prst="orthographicFront"/>
+      <a:lightRig rig="threePt" dir="t"/>
+    </dgm:scene3d>
+    <dgm:sp3d/>
+    <dgm:txPr/>
+    <dgm:style>
+      <a:lnRef idx="1">
+        <a:scrgbClr r="0" g="0" b="0"/>
+      </a:lnRef>
+      <a:fillRef idx="0">
+        <a:scrgbClr r="0" g="0" b="0"/>
+      </a:fillRef>
+      <a:effectRef idx="0">
+        <a:scrgbClr r="0" g="0" b="0"/>
+      </a:effectRef>
+      <a:fontRef idx="minor"/>
+    </dgm:style>
+  </dgm:styleLbl>
+  <dgm:styleLbl name="callout">
+    <dgm:scene3d>
+      <a:camera prst="orthographicFront"/>
+      <a:lightRig rig="threePt" dir="t"/>
+    </dgm:scene3d>
+    <dgm:sp3d/>
+    <dgm:txPr/>
+    <dgm:style>
+      <a:lnRef idx="2">
+        <a:scrgbClr r="0" g="0" b="0"/>
+      </a:lnRef>
+      <a:fillRef idx="1">
+        <a:scrgbClr r="0" g="0" b="0"/>
+      </a:fillRef>
+      <a:effectRef idx="0">
+        <a:scrgbClr r="0" g="0" b="0"/>
+      </a:effectRef>
+      <a:fontRef idx="minor"/>
+    </dgm:style>
+  </dgm:styleLbl>
+  <dgm:styleLbl name="asst0">
+    <dgm:scene3d>
+      <a:camera prst="orthographicFront"/>
+      <a:lightRig rig="threePt" dir="t"/>
+    </dgm:scene3d>
+    <dgm:sp3d/>
+    <dgm:txPr/>
+    <dgm:style>
+      <a:lnRef idx="2">
+        <a:scrgbClr r="0" g="0" b="0"/>
+      </a:lnRef>
+      <a:fillRef idx="1">
+        <a:scrgbClr r="0" g="0" b="0"/>
+      </a:fillRef>
+      <a:effectRef idx="0">
+        <a:scrgbClr r="0" g="0" b="0"/>
+      </a:effectRef>
+      <a:fontRef idx="minor">
+        <a:schemeClr val="lt1"/>
+      </a:fontRef>
+    </dgm:style>
+  </dgm:styleLbl>
+  <dgm:styleLbl name="asst1">
+    <dgm:scene3d>
+      <a:camera prst="orthographicFront"/>
+      <a:lightRig rig="threePt" dir="t"/>
+    </dgm:scene3d>
+    <dgm:sp3d/>
+    <dgm:txPr/>
+    <dgm:style>
+      <a:lnRef idx="2">
+        <a:scrgbClr r="0" g="0" b="0"/>
+      </a:lnRef>
+      <a:fillRef idx="1">
+        <a:scrgbClr r="0" g="0" b="0"/>
+      </a:fillRef>
+      <a:effectRef idx="0">
+        <a:scrgbClr r="0" g="0" b="0"/>
+      </a:effectRef>
+      <a:fontRef idx="minor">
+        <a:schemeClr val="lt1"/>
+      </a:fontRef>
+    </dgm:style>
+  </dgm:styleLbl>
+  <dgm:styleLbl name="asst2">
+    <dgm:scene3d>
+      <a:camera prst="orthographicFront"/>
+      <a:lightRig rig="threePt" dir="t"/>
+    </dgm:scene3d>
+    <dgm:sp3d/>
+    <dgm:txPr/>
+    <dgm:style>
+      <a:lnRef idx="2">
+        <a:scrgbClr r="0" g="0" b="0"/>
+      </a:lnRef>
+      <a:fillRef idx="1">
+        <a:scrgbClr r="0" g="0" b="0"/>
+      </a:fillRef>
+      <a:effectRef idx="0">
+        <a:scrgbClr r="0" g="0" b="0"/>
+      </a:effectRef>
+      <a:fontRef idx="minor">
+        <a:schemeClr val="lt1"/>
+      </a:fontRef>
+    </dgm:style>
+  </dgm:styleLbl>
+  <dgm:styleLbl name="asst3">
+    <dgm:scene3d>
+      <a:camera prst="orthographicFront"/>
+      <a:lightRig rig="threePt" dir="t"/>
+    </dgm:scene3d>
+    <dgm:sp3d/>
+    <dgm:txPr/>
+    <dgm:style>
+      <a:lnRef idx="2">
+        <a:scrgbClr r="0" g="0" b="0"/>
+      </a:lnRef>
+      <a:fillRef idx="1">
+        <a:scrgbClr r="0" g="0" b="0"/>
+      </a:fillRef>
+      <a:effectRef idx="0">
+        <a:scrgbClr r="0" g="0" b="0"/>
+      </a:effectRef>
+      <a:fontRef idx="minor">
+        <a:schemeClr val="lt1"/>
+      </a:fontRef>
+    </dgm:style>
+  </dgm:styleLbl>
+  <dgm:styleLbl name="asst4">
+    <dgm:scene3d>
+      <a:camera prst="orthographicFront"/>
+      <a:lightRig rig="threePt" dir="t"/>
+    </dgm:scene3d>
+    <dgm:sp3d/>
+    <dgm:txPr/>
+    <dgm:style>
+      <a:lnRef idx="2">
+        <a:scrgbClr r="0" g="0" b="0"/>
+      </a:lnRef>
+      <a:fillRef idx="1">
+        <a:scrgbClr r="0" g="0" b="0"/>
+      </a:fillRef>
+      <a:effectRef idx="0">
+        <a:scrgbClr r="0" g="0" b="0"/>
+      </a:effectRef>
+      <a:fontRef idx="minor">
+        <a:schemeClr val="lt1"/>
+      </a:fontRef>
+    </dgm:style>
+  </dgm:styleLbl>
+  <dgm:styleLbl name="parChTrans2D1">
+    <dgm:scene3d>
+      <a:camera prst="orthographicFront"/>
+      <a:lightRig rig="threePt" dir="t"/>
+    </dgm:scene3d>
+    <dgm:sp3d/>
+    <dgm:txPr/>
+    <dgm:style>
+      <a:lnRef idx="2">
+        <a:scrgbClr r="0" g="0" b="0"/>
+      </a:lnRef>
+      <a:fillRef idx="1">
+        <a:scrgbClr r="0" g="0" b="0"/>
+      </a:fillRef>
+      <a:effectRef idx="0">
+        <a:scrgbClr r="0" g="0" b="0"/>
+      </a:effectRef>
+      <a:fontRef idx="minor">
+        <a:schemeClr val="lt1"/>
+      </a:fontRef>
+    </dgm:style>
+  </dgm:styleLbl>
+  <dgm:styleLbl name="parChTrans2D2">
+    <dgm:scene3d>
+      <a:camera prst="orthographicFront"/>
+      <a:lightRig rig="threePt" dir="t"/>
+    </dgm:scene3d>
+    <dgm:sp3d/>
+    <dgm:txPr/>
+    <dgm:style>
+      <a:lnRef idx="2">
+        <a:scrgbClr r="0" g="0" b="0"/>
+      </a:lnRef>
+      <a:fillRef idx="1">
+        <a:scrgbClr r="0" g="0" b="0"/>
+      </a:fillRef>
+      <a:effectRef idx="0">
+        <a:scrgbClr r="0" g="0" b="0"/>
+      </a:effectRef>
+      <a:fontRef idx="minor">
+        <a:schemeClr val="lt1"/>
+      </a:fontRef>
+    </dgm:style>
+  </dgm:styleLbl>
+  <dgm:styleLbl name="parChTrans2D3">
+    <dgm:scene3d>
+      <a:camera prst="orthographicFront"/>
+      <a:lightRig rig="threePt" dir="t"/>
+    </dgm:scene3d>
+    <dgm:sp3d/>
+    <dgm:txPr/>
+    <dgm:style>
+      <a:lnRef idx="2">
+        <a:scrgbClr r="0" g="0" b="0"/>
+      </a:lnRef>
+      <a:fillRef idx="1">
+        <a:scrgbClr r="0" g="0" b="0"/>
+      </a:fillRef>
+      <a:effectRef idx="0">
+        <a:scrgbClr r="0" g="0" b="0"/>
+      </a:effectRef>
+      <a:fontRef idx="minor">
+        <a:schemeClr val="lt1"/>
+      </a:fontRef>
+    </dgm:style>
+  </dgm:styleLbl>
+  <dgm:styleLbl name="parChTrans2D4">
+    <dgm:scene3d>
+      <a:camera prst="orthographicFront"/>
+      <a:lightRig rig="threePt" dir="t"/>
+    </dgm:scene3d>
+    <dgm:sp3d/>
+    <dgm:txPr/>
+    <dgm:style>
+      <a:lnRef idx="2">
+        <a:scrgbClr r="0" g="0" b="0"/>
+      </a:lnRef>
+      <a:fillRef idx="1">
+        <a:scrgbClr r="0" g="0" b="0"/>
+      </a:fillRef>
+      <a:effectRef idx="0">
+        <a:scrgbClr r="0" g="0" b="0"/>
+      </a:effectRef>
+      <a:fontRef idx="minor">
+        <a:schemeClr val="lt1"/>
+      </a:fontRef>
+    </dgm:style>
+  </dgm:styleLbl>
+  <dgm:styleLbl name="parChTrans1D1">
+    <dgm:scene3d>
+      <a:camera prst="orthographicFront"/>
+      <a:lightRig rig="threePt" dir="t"/>
+    </dgm:scene3d>
+    <dgm:sp3d/>
+    <dgm:txPr/>
+    <dgm:style>
+      <a:lnRef idx="2">
+        <a:scrgbClr r="0" g="0" b="0"/>
+      </a:lnRef>
+      <a:fillRef idx="0">
+        <a:scrgbClr r="0" g="0" b="0"/>
+      </a:fillRef>
+      <a:effectRef idx="0">
+        <a:scrgbClr r="0" g="0" b="0"/>
+      </a:effectRef>
+      <a:fontRef idx="minor"/>
+    </dgm:style>
+  </dgm:styleLbl>
+  <dgm:styleLbl name="parChTrans1D2">
+    <dgm:scene3d>
+      <a:camera prst="orthographicFront"/>
+      <a:lightRig rig="threePt" dir="t"/>
+    </dgm:scene3d>
+    <dgm:sp3d/>
+    <dgm:txPr/>
+    <dgm:style>
+      <a:lnRef idx="2">
+        <a:scrgbClr r="0" g="0" b="0"/>
+      </a:lnRef>
+      <a:fillRef idx="0">
+        <a:scrgbClr r="0" g="0" b="0"/>
+      </a:fillRef>
+      <a:effectRef idx="0">
+        <a:scrgbClr r="0" g="0" b="0"/>
+      </a:effectRef>
+      <a:fontRef idx="minor"/>
+    </dgm:style>
+  </dgm:styleLbl>
+  <dgm:styleLbl name="parChTrans1D3">
+    <dgm:scene3d>
+      <a:camera prst="orthographicFront"/>
+      <a:lightRig rig="threePt" dir="t"/>
+    </dgm:scene3d>
+    <dgm:sp3d/>
+    <dgm:txPr/>
+    <dgm:style>
+      <a:lnRef idx="2">
+        <a:scrgbClr r="0" g="0" b="0"/>
+      </a:lnRef>
+      <a:fillRef idx="0">
+        <a:scrgbClr r="0" g="0" b="0"/>
+      </a:fillRef>
+      <a:effectRef idx="0">
+        <a:scrgbClr r="0" g="0" b="0"/>
+      </a:effectRef>
+      <a:fontRef idx="minor"/>
+    </dgm:style>
+  </dgm:styleLbl>
+  <dgm:styleLbl name="parChTrans1D4">
+    <dgm:scene3d>
+      <a:camera prst="orthographicFront"/>
+      <a:lightRig rig="threePt" dir="t"/>
+    </dgm:scene3d>
+    <dgm:sp3d/>
+    <dgm:txPr/>
+    <dgm:style>
+      <a:lnRef idx="2">
+        <a:scrgbClr r="0" g="0" b="0"/>
+      </a:lnRef>
+      <a:fillRef idx="0">
+        <a:scrgbClr r="0" g="0" b="0"/>
+      </a:fillRef>
+      <a:effectRef idx="0">
+        <a:scrgbClr r="0" g="0" b="0"/>
+      </a:effectRef>
+      <a:fontRef idx="minor"/>
+    </dgm:style>
+  </dgm:styleLbl>
+  <dgm:styleLbl name="fgAcc1">
+    <dgm:scene3d>
+      <a:camera prst="orthographicFront"/>
+      <a:lightRig rig="threePt" dir="t"/>
+    </dgm:scene3d>
+    <dgm:sp3d/>
+    <dgm:txPr/>
+    <dgm:style>
+      <a:lnRef idx="2">
+        <a:scrgbClr r="0" g="0" b="0"/>
+      </a:lnRef>
+      <a:fillRef idx="1">
+        <a:scrgbClr r="0" g="0" b="0"/>
+      </a:fillRef>
+      <a:effectRef idx="0">
+        <a:scrgbClr r="0" g="0" b="0"/>
+      </a:effectRef>
+      <a:fontRef idx="minor"/>
+    </dgm:style>
+  </dgm:styleLbl>
+  <dgm:styleLbl name="conFgAcc1">
+    <dgm:scene3d>
+      <a:camera prst="orthographicFront"/>
+      <a:lightRig rig="threePt" dir="t"/>
+    </dgm:scene3d>
+    <dgm:sp3d/>
+    <dgm:txPr/>
+    <dgm:style>
+      <a:lnRef idx="2">
+        <a:scrgbClr r="0" g="0" b="0"/>
+      </a:lnRef>
+      <a:fillRef idx="1">
+        <a:scrgbClr r="0" g="0" b="0"/>
+      </a:fillRef>
+      <a:effectRef idx="0">
+        <a:scrgbClr r="0" g="0" b="0"/>
+      </a:effectRef>
+      <a:fontRef idx="minor"/>
+    </dgm:style>
+  </dgm:styleLbl>
+  <dgm:styleLbl name="alignAcc1">
+    <dgm:scene3d>
+      <a:camera prst="orthographicFront"/>
+      <a:lightRig rig="threePt" dir="t"/>
+    </dgm:scene3d>
+    <dgm:sp3d/>
+    <dgm:txPr/>
+    <dgm:style>
+      <a:lnRef idx="2">
+        <a:scrgbClr r="0" g="0" b="0"/>
+      </a:lnRef>
+      <a:fillRef idx="1">
+        <a:scrgbClr r="0" g="0" b="0"/>
+      </a:fillRef>
+      <a:effectRef idx="0">
+        <a:scrgbClr r="0" g="0" b="0"/>
+      </a:effectRef>
+      <a:fontRef idx="minor"/>
+    </dgm:style>
+  </dgm:styleLbl>
+  <dgm:styleLbl name="trAlignAcc1">
+    <dgm:scene3d>
+      <a:camera prst="orthographicFront"/>
+      <a:lightRig rig="threePt" dir="t"/>
+    </dgm:scene3d>
+    <dgm:sp3d/>
+    <dgm:txPr/>
+    <dgm:style>
+      <a:lnRef idx="1">
+        <a:scrgbClr r="0" g="0" b="0"/>
+      </a:lnRef>
+      <a:fillRef idx="1">
+        <a:scrgbClr r="0" g="0" b="0"/>
+      </a:fillRef>
+      <a:effectRef idx="0">
+        <a:scrgbClr r="0" g="0" b="0"/>
+      </a:effectRef>
+      <a:fontRef idx="minor"/>
+    </dgm:style>
+  </dgm:styleLbl>
+  <dgm:styleLbl name="bgAcc1">
+    <dgm:scene3d>
+      <a:camera prst="orthographicFront"/>
+      <a:lightRig rig="threePt" dir="t"/>
+    </dgm:scene3d>
+    <dgm:sp3d/>
+    <dgm:txPr/>
+    <dgm:style>
+      <a:lnRef idx="2">
+        <a:scrgbClr r="0" g="0" b="0"/>
+      </a:lnRef>
+      <a:fillRef idx="1">
+        <a:scrgbClr r="0" g="0" b="0"/>
+      </a:fillRef>
+      <a:effectRef idx="0">
+        <a:scrgbClr r="0" g="0" b="0"/>
+      </a:effectRef>
+      <a:fontRef idx="minor"/>
+    </dgm:style>
+  </dgm:styleLbl>
+  <dgm:styleLbl name="solidFgAcc1">
+    <dgm:scene3d>
+      <a:camera prst="orthographicFront"/>
+      <a:lightRig rig="threePt" dir="t"/>
+    </dgm:scene3d>
+    <dgm:sp3d/>
+    <dgm:txPr/>
+    <dgm:style>
+      <a:lnRef idx="2">
+        <a:scrgbClr r="0" g="0" b="0"/>
+      </a:lnRef>
+      <a:fillRef idx="1">
+        <a:scrgbClr r="0" g="0" b="0"/>
+      </a:fillRef>
+      <a:effectRef idx="0">
+        <a:scrgbClr r="0" g="0" b="0"/>
+      </a:effectRef>
+      <a:fontRef idx="minor"/>
+    </dgm:style>
+  </dgm:styleLbl>
+  <dgm:styleLbl name="solidAlignAcc1">
+    <dgm:scene3d>
+      <a:camera prst="orthographicFront"/>
+      <a:lightRig rig="threePt" dir="t"/>
+    </dgm:scene3d>
+    <dgm:sp3d/>
+    <dgm:txPr/>
+    <dgm:style>
+      <a:lnRef idx="2">
+        <a:scrgbClr r="0" g="0" b="0"/>
+      </a:lnRef>
+      <a:fillRef idx="1">
+        <a:scrgbClr r="0" g="0" b="0"/>
+      </a:fillRef>
+      <a:effectRef idx="0">
+        <a:scrgbClr r="0" g="0" b="0"/>
+      </a:effectRef>
+      <a:fontRef idx="minor"/>
+    </dgm:style>
+  </dgm:styleLbl>
+  <dgm:styleLbl name="solidBgAcc1">
+    <dgm:scene3d>
+      <a:camera prst="orthographicFront"/>
+      <a:lightRig rig="threePt" dir="t"/>
+    </dgm:scene3d>
+    <dgm:sp3d/>
+    <dgm:txPr/>
+    <dgm:style>
+      <a:lnRef idx="2">
+        <a:scrgbClr r="0" g="0" b="0"/>
+      </a:lnRef>
+      <a:fillRef idx="1">
+        <a:scrgbClr r="0" g="0" b="0"/>
+      </a:fillRef>
+      <a:effectRef idx="0">
+        <a:scrgbClr r="0" g="0" b="0"/>
+      </a:effectRef>
+      <a:fontRef idx="minor"/>
+    </dgm:style>
+  </dgm:styleLbl>
+  <dgm:styleLbl name="fgAccFollowNode1">
+    <dgm:scene3d>
+      <a:camera prst="orthographicFront"/>
+      <a:lightRig rig="threePt" dir="t"/>
+    </dgm:scene3d>
+    <dgm:sp3d/>
+    <dgm:txPr/>
+    <dgm:style>
+      <a:lnRef idx="2">
+        <a:scrgbClr r="0" g="0" b="0"/>
+      </a:lnRef>
+      <a:fillRef idx="1">
+        <a:scrgbClr r="0" g="0" b="0"/>
+      </a:fillRef>
+      <a:effectRef idx="0">
+        <a:scrgbClr r="0" g="0" b="0"/>
+      </a:effectRef>
+      <a:fontRef idx="minor"/>
+    </dgm:style>
+  </dgm:styleLbl>
+  <dgm:styleLbl name="alignAccFollowNode1">
+    <dgm:scene3d>
+      <a:camera prst="orthographicFront"/>
+      <a:lightRig rig="threePt" dir="t"/>
+    </dgm:scene3d>
+    <dgm:sp3d/>
+    <dgm:txPr/>
+    <dgm:style>
+      <a:lnRef idx="2">
+        <a:scrgbClr r="0" g="0" b="0"/>
+      </a:lnRef>
+      <a:fillRef idx="1">
+        <a:scrgbClr r="0" g="0" b="0"/>
+      </a:fillRef>
+      <a:effectRef idx="0">
+        <a:scrgbClr r="0" g="0" b="0"/>
+      </a:effectRef>
+      <a:fontRef idx="minor"/>
+    </dgm:style>
+  </dgm:styleLbl>
+  <dgm:styleLbl name="bgAccFollowNode1">
+    <dgm:scene3d>
+      <a:camera prst="orthographicFront"/>
+      <a:lightRig rig="threePt" dir="t"/>
+    </dgm:scene3d>
+    <dgm:sp3d/>
+    <dgm:txPr/>
+    <dgm:style>
+      <a:lnRef idx="2">
+        <a:scrgbClr r="0" g="0" b="0"/>
+      </a:lnRef>
+      <a:fillRef idx="1">
+        <a:scrgbClr r="0" g="0" b="0"/>
+      </a:fillRef>
+      <a:effectRef idx="0">
+        <a:scrgbClr r="0" g="0" b="0"/>
+      </a:effectRef>
+      <a:fontRef idx="minor"/>
+    </dgm:style>
+  </dgm:styleLbl>
+  <dgm:styleLbl name="fgAcc0">
+    <dgm:scene3d>
+      <a:camera prst="orthographicFront"/>
+      <a:lightRig rig="threePt" dir="t"/>
+    </dgm:scene3d>
+    <dgm:sp3d/>
+    <dgm:txPr/>
+    <dgm:style>
+      <a:lnRef idx="2">
+        <a:scrgbClr r="0" g="0" b="0"/>
+      </a:lnRef>
+      <a:fillRef idx="1">
+        <a:scrgbClr r="0" g="0" b="0"/>
+      </a:fillRef>
+      <a:effectRef idx="0">
+        <a:scrgbClr r="0" g="0" b="0"/>
+      </a:effectRef>
+      <a:fontRef idx="minor"/>
+    </dgm:style>
+  </dgm:styleLbl>
+  <dgm:styleLbl name="fgAcc2">
+    <dgm:scene3d>
+      <a:camera prst="orthographicFront"/>
+      <a:lightRig rig="threePt" dir="t"/>
+    </dgm:scene3d>
+    <dgm:sp3d/>
+    <dgm:txPr/>
+    <dgm:style>
+      <a:lnRef idx="2">
+        <a:scrgbClr r="0" g="0" b="0"/>
+      </a:lnRef>
+      <a:fillRef idx="1">
+        <a:scrgbClr r="0" g="0" b="0"/>
+      </a:fillRef>
+      <a:effectRef idx="0">
+        <a:scrgbClr r="0" g="0" b="0"/>
+      </a:effectRef>
+      <a:fontRef idx="minor"/>
+    </dgm:style>
+  </dgm:styleLbl>
+  <dgm:styleLbl name="fgAcc3">
+    <dgm:scene3d>
+      <a:camera prst="orthographicFront"/>
+      <a:lightRig rig="threePt" dir="t"/>
+    </dgm:scene3d>
+    <dgm:sp3d/>
+    <dgm:txPr/>
+    <dgm:style>
+      <a:lnRef idx="2">
+        <a:scrgbClr r="0" g="0" b="0"/>
+      </a:lnRef>
+      <a:fillRef idx="1">
+        <a:scrgbClr r="0" g="0" b="0"/>
+      </a:fillRef>
+      <a:effectRef idx="0">
+        <a:scrgbClr r="0" g="0" b="0"/>
+      </a:effectRef>
+      <a:fontRef idx="minor"/>
+    </dgm:style>
+  </dgm:styleLbl>
+  <dgm:styleLbl name="fgAcc4">
+    <dgm:scene3d>
+      <a:camera prst="orthographicFront"/>
+      <a:lightRig rig="threePt" dir="t"/>
+    </dgm:scene3d>
+    <dgm:sp3d/>
+    <dgm:txPr/>
+    <dgm:style>
+      <a:lnRef idx="2">
+        <a:scrgbClr r="0" g="0" b="0"/>
+      </a:lnRef>
+      <a:fillRef idx="1">
+        <a:scrgbClr r="0" g="0" b="0"/>
+      </a:fillRef>
+      <a:effectRef idx="0">
+        <a:scrgbClr r="0" g="0" b="0"/>
+      </a:effectRef>
+      <a:fontRef idx="minor"/>
+    </dgm:style>
+  </dgm:styleLbl>
+  <dgm:styleLbl name="bgShp">
+    <dgm:scene3d>
+      <a:camera prst="orthographicFront"/>
+      <a:lightRig rig="threePt" dir="t"/>
+    </dgm:scene3d>
+    <dgm:sp3d/>
+    <dgm:txPr/>
+    <dgm:style>
+      <a:lnRef idx="0">
+        <a:scrgbClr r="0" g="0" b="0"/>
+      </a:lnRef>
+      <a:fillRef idx="1">
+        <a:scrgbClr r="0" g="0" b="0"/>
+      </a:fillRef>
+      <a:effectRef idx="0">
+        <a:scrgbClr r="0" g="0" b="0"/>
+      </a:effectRef>
+      <a:fontRef idx="minor"/>
+    </dgm:style>
+  </dgm:styleLbl>
+  <dgm:styleLbl name="dkBgShp">
+    <dgm:scene3d>
+      <a:camera prst="orthographicFront"/>
+      <a:lightRig rig="threePt" dir="t"/>
+    </dgm:scene3d>
+    <dgm:sp3d/>
+    <dgm:txPr/>
+    <dgm:style>
+      <a:lnRef idx="0">
+        <a:scrgbClr r="0" g="0" b="0"/>
+      </a:lnRef>
+      <a:fillRef idx="1">
+        <a:scrgbClr r="0" g="0" b="0"/>
+      </a:fillRef>
+      <a:effectRef idx="0">
+        <a:scrgbClr r="0" g="0" b="0"/>
+      </a:effectRef>
+      <a:fontRef idx="minor"/>
+    </dgm:style>
+  </dgm:styleLbl>
+  <dgm:styleLbl name="trBgShp">
+    <dgm:scene3d>
+      <a:camera prst="orthographicFront"/>
+      <a:lightRig rig="threePt" dir="t"/>
+    </dgm:scene3d>
+    <dgm:sp3d/>
+    <dgm:txPr/>
+    <dgm:style>
+      <a:lnRef idx="0">
+        <a:scrgbClr r="0" g="0" b="0"/>
+      </a:lnRef>
+      <a:fillRef idx="1">
+        <a:scrgbClr r="0" g="0" b="0"/>
+      </a:fillRef>
+      <a:effectRef idx="0">
+        <a:scrgbClr r="0" g="0" b="0"/>
+      </a:effectRef>
+      <a:fontRef idx="minor"/>
+    </dgm:style>
+  </dgm:styleLbl>
+  <dgm:styleLbl name="fgShp">
+    <dgm:scene3d>
+      <a:camera prst="orthographicFront"/>
+      <a:lightRig rig="threePt" dir="t"/>
+    </dgm:scene3d>
+    <dgm:sp3d/>
+    <dgm:txPr/>
+    <dgm:style>
+      <a:lnRef idx="2">
+        <a:scrgbClr r="0" g="0" b="0"/>
+      </a:lnRef>
+      <a:fillRef idx="1">
+        <a:scrgbClr r="0" g="0" b="0"/>
+      </a:fillRef>
+      <a:effectRef idx="0">
+        <a:scrgbClr r="0" g="0" b="0"/>
+      </a:effectRef>
+      <a:fontRef idx="minor"/>
+    </dgm:style>
+  </dgm:styleLbl>
+  <dgm:styleLbl name="revTx">
+    <dgm:scene3d>
+      <a:camera prst="orthographicFront"/>
+      <a:lightRig rig="threePt" dir="t"/>
+    </dgm:scene3d>
+    <dgm:sp3d/>
+    <dgm:txPr/>
+    <dgm:style>
+      <a:lnRef idx="0">
+        <a:scrgbClr r="0" g="0" b="0"/>
+      </a:lnRef>
+      <a:fillRef idx="0">
+        <a:scrgbClr r="0" g="0" b="0"/>
+      </a:fillRef>
+      <a:effectRef idx="0">
+        <a:scrgbClr r="0" g="0" b="0"/>
+      </a:effectRef>
+      <a:fontRef idx="minor"/>
+    </dgm:style>
+  </dgm:styleLbl>
+</dgm:styleDef>
+</file>
+
 <file path=ppt/notesMasters/notesMaster1.xml><?xml version="1.0" encoding="utf-8"?>
 <p:notesMaster xmlns:a="http://schemas.openxmlformats.org/drawingml/2006/main" xmlns:r="http://schemas.openxmlformats.org/officeDocument/2006/relationships" xmlns:p="http://schemas.openxmlformats.org/presentationml/2006/main">
   <p:cSld>
@@ -235,7 +2909,7 @@
           <a:p>
             <a:fld id="{4FF7AF54-2AD9-468C-807B-634631568B63}" type="datetimeFigureOut">
               <a:rPr lang="en-US" smtClean="0"/>
-              <a:t>2/17/2015</a:t>
+              <a:t>2/18/2015</a:t>
             </a:fld>
             <a:endParaRPr lang="en-US"/>
           </a:p>
@@ -718,7 +3392,7 @@
           <a:p>
             <a:fld id="{844C98E4-C9EE-4E87-AFEC-1BE23205BC3C}" type="datetimeFigureOut">
               <a:rPr lang="en-US" smtClean="0"/>
-              <a:t>2/17/2015</a:t>
+              <a:t>2/18/2015</a:t>
             </a:fld>
             <a:endParaRPr lang="en-US"/>
           </a:p>
@@ -888,7 +3562,7 @@
           <a:p>
             <a:fld id="{844C98E4-C9EE-4E87-AFEC-1BE23205BC3C}" type="datetimeFigureOut">
               <a:rPr lang="en-US" smtClean="0"/>
-              <a:t>2/17/2015</a:t>
+              <a:t>2/18/2015</a:t>
             </a:fld>
             <a:endParaRPr lang="en-US"/>
           </a:p>
@@ -1068,7 +3742,7 @@
           <a:p>
             <a:fld id="{844C98E4-C9EE-4E87-AFEC-1BE23205BC3C}" type="datetimeFigureOut">
               <a:rPr lang="en-US" smtClean="0"/>
-              <a:t>2/17/2015</a:t>
+              <a:t>2/18/2015</a:t>
             </a:fld>
             <a:endParaRPr lang="en-US"/>
           </a:p>
@@ -1238,7 +3912,7 @@
           <a:p>
             <a:fld id="{844C98E4-C9EE-4E87-AFEC-1BE23205BC3C}" type="datetimeFigureOut">
               <a:rPr lang="en-US" smtClean="0"/>
-              <a:t>2/17/2015</a:t>
+              <a:t>2/18/2015</a:t>
             </a:fld>
             <a:endParaRPr lang="en-US"/>
           </a:p>
@@ -1484,7 +4158,7 @@
           <a:p>
             <a:fld id="{844C98E4-C9EE-4E87-AFEC-1BE23205BC3C}" type="datetimeFigureOut">
               <a:rPr lang="en-US" smtClean="0"/>
-              <a:t>2/17/2015</a:t>
+              <a:t>2/18/2015</a:t>
             </a:fld>
             <a:endParaRPr lang="en-US"/>
           </a:p>
@@ -1716,7 +4390,7 @@
           <a:p>
             <a:fld id="{844C98E4-C9EE-4E87-AFEC-1BE23205BC3C}" type="datetimeFigureOut">
               <a:rPr lang="en-US" smtClean="0"/>
-              <a:t>2/17/2015</a:t>
+              <a:t>2/18/2015</a:t>
             </a:fld>
             <a:endParaRPr lang="en-US"/>
           </a:p>
@@ -2083,7 +4757,7 @@
           <a:p>
             <a:fld id="{844C98E4-C9EE-4E87-AFEC-1BE23205BC3C}" type="datetimeFigureOut">
               <a:rPr lang="en-US" smtClean="0"/>
-              <a:t>2/17/2015</a:t>
+              <a:t>2/18/2015</a:t>
             </a:fld>
             <a:endParaRPr lang="en-US"/>
           </a:p>
@@ -2201,7 +4875,7 @@
           <a:p>
             <a:fld id="{844C98E4-C9EE-4E87-AFEC-1BE23205BC3C}" type="datetimeFigureOut">
               <a:rPr lang="en-US" smtClean="0"/>
-              <a:t>2/17/2015</a:t>
+              <a:t>2/18/2015</a:t>
             </a:fld>
             <a:endParaRPr lang="en-US"/>
           </a:p>
@@ -2296,7 +4970,7 @@
           <a:p>
             <a:fld id="{844C98E4-C9EE-4E87-AFEC-1BE23205BC3C}" type="datetimeFigureOut">
               <a:rPr lang="en-US" smtClean="0"/>
-              <a:t>2/17/2015</a:t>
+              <a:t>2/18/2015</a:t>
             </a:fld>
             <a:endParaRPr lang="en-US"/>
           </a:p>
@@ -2573,7 +5247,7 @@
           <a:p>
             <a:fld id="{844C98E4-C9EE-4E87-AFEC-1BE23205BC3C}" type="datetimeFigureOut">
               <a:rPr lang="en-US" smtClean="0"/>
-              <a:t>2/17/2015</a:t>
+              <a:t>2/18/2015</a:t>
             </a:fld>
             <a:endParaRPr lang="en-US"/>
           </a:p>
@@ -2826,7 +5500,7 @@
           <a:p>
             <a:fld id="{844C98E4-C9EE-4E87-AFEC-1BE23205BC3C}" type="datetimeFigureOut">
               <a:rPr lang="en-US" smtClean="0"/>
-              <a:t>2/17/2015</a:t>
+              <a:t>2/18/2015</a:t>
             </a:fld>
             <a:endParaRPr lang="en-US"/>
           </a:p>
@@ -3039,7 +5713,7 @@
           <a:p>
             <a:fld id="{844C98E4-C9EE-4E87-AFEC-1BE23205BC3C}" type="datetimeFigureOut">
               <a:rPr lang="en-US" smtClean="0"/>
-              <a:t>2/17/2015</a:t>
+              <a:t>2/18/2015</a:t>
             </a:fld>
             <a:endParaRPr lang="en-US"/>
           </a:p>
@@ -29601,6 +32275,65 @@
     <p:extLst>
       <p:ext uri="{BB962C8B-B14F-4D97-AF65-F5344CB8AC3E}">
         <p14:creationId xmlns:p14="http://schemas.microsoft.com/office/powerpoint/2010/main" val="3349502364"/>
+      </p:ext>
+    </p:extLst>
+  </p:cSld>
+  <p:clrMapOvr>
+    <a:masterClrMapping/>
+  </p:clrMapOvr>
+  <p:timing>
+    <p:tnLst>
+      <p:par>
+        <p:cTn id="1" dur="indefinite" restart="never" nodeType="tmRoot"/>
+      </p:par>
+    </p:tnLst>
+  </p:timing>
+</p:sld>
+</file>
+
+<file path=ppt/slides/slide29.xml><?xml version="1.0" encoding="utf-8"?>
+<p:sld xmlns:a="http://schemas.openxmlformats.org/drawingml/2006/main" xmlns:r="http://schemas.openxmlformats.org/officeDocument/2006/relationships" xmlns:p="http://schemas.openxmlformats.org/presentationml/2006/main">
+  <p:cSld>
+    <p:spTree>
+      <p:nvGrpSpPr>
+        <p:cNvPr id="1" name=""/>
+        <p:cNvGrpSpPr/>
+        <p:nvPr/>
+      </p:nvGrpSpPr>
+      <p:grpSpPr>
+        <a:xfrm>
+          <a:off x="0" y="0"/>
+          <a:ext cx="0" cy="0"/>
+          <a:chOff x="0" y="0"/>
+          <a:chExt cx="0" cy="0"/>
+        </a:xfrm>
+      </p:grpSpPr>
+      <p:graphicFrame>
+        <p:nvGraphicFramePr>
+          <p:cNvPr id="2" name="Diagram 1"/>
+          <p:cNvGraphicFramePr/>
+          <p:nvPr>
+            <p:extLst>
+              <p:ext uri="{D42A27DB-BD31-4B8C-83A1-F6EECF244321}">
+                <p14:modId xmlns:p14="http://schemas.microsoft.com/office/powerpoint/2010/main" val="2666312435"/>
+              </p:ext>
+            </p:extLst>
+          </p:nvPr>
+        </p:nvGraphicFramePr>
+        <p:xfrm>
+          <a:off x="1730663" y="823575"/>
+          <a:ext cx="8128000" cy="5418667"/>
+        </p:xfrm>
+        <a:graphic>
+          <a:graphicData uri="http://schemas.openxmlformats.org/drawingml/2006/diagram">
+            <dgm:relIds xmlns:dgm="http://schemas.openxmlformats.org/drawingml/2006/diagram" xmlns:r="http://schemas.openxmlformats.org/officeDocument/2006/relationships" r:dm="rId2" r:lo="rId3" r:qs="rId4" r:cs="rId5"/>
+          </a:graphicData>
+        </a:graphic>
+      </p:graphicFrame>
+    </p:spTree>
+    <p:extLst>
+      <p:ext uri="{BB962C8B-B14F-4D97-AF65-F5344CB8AC3E}">
+        <p14:creationId xmlns:p14="http://schemas.microsoft.com/office/powerpoint/2010/main" val="1902492572"/>
       </p:ext>
     </p:extLst>
   </p:cSld>

--- a/images/pics.pptx
+++ b/images/pics.pptx
@@ -5,7 +5,7 @@
     <p:sldMasterId id="2147483648" r:id="rId1"/>
   </p:sldMasterIdLst>
   <p:notesMasterIdLst>
-    <p:notesMasterId r:id="rId33"/>
+    <p:notesMasterId r:id="rId37"/>
   </p:notesMasterIdLst>
   <p:sldIdLst>
     <p:sldId id="257" r:id="rId2"/>
@@ -39,6 +39,10 @@
     <p:sldId id="286" r:id="rId30"/>
     <p:sldId id="287" r:id="rId31"/>
     <p:sldId id="290" r:id="rId32"/>
+    <p:sldId id="291" r:id="rId33"/>
+    <p:sldId id="292" r:id="rId34"/>
+    <p:sldId id="293" r:id="rId35"/>
+    <p:sldId id="295" r:id="rId36"/>
   </p:sldIdLst>
   <p:sldSz cx="12192000" cy="6858000"/>
   <p:notesSz cx="6858000" cy="9144000"/>
@@ -2129,10 +2133,6 @@
             </a:rPr>
             <a:t> )</a:t>
           </a:r>
-          <a:endParaRPr lang="en-US" b="1" dirty="0" smtClean="0">
-            <a:latin typeface="Times New Roman" panose="02020603050405020304" pitchFamily="18" charset="0"/>
-            <a:cs typeface="Times New Roman" panose="02020603050405020304" pitchFamily="18" charset="0"/>
-          </a:endParaRPr>
         </a:p>
       </dgm:t>
     </dgm:pt>
@@ -2172,10 +2172,6 @@
             </a:rPr>
             <a:t>. . .</a:t>
           </a:r>
-          <a:endParaRPr lang="en-US" b="1" dirty="0" smtClean="0">
-            <a:latin typeface="Times New Roman" panose="02020603050405020304" pitchFamily="18" charset="0"/>
-            <a:cs typeface="Times New Roman" panose="02020603050405020304" pitchFamily="18" charset="0"/>
-          </a:endParaRPr>
         </a:p>
       </dgm:t>
     </dgm:pt>
@@ -2243,10 +2239,6 @@
             </a:rPr>
             <a:t> )</a:t>
           </a:r>
-          <a:endParaRPr lang="en-US" b="1" dirty="0" smtClean="0">
-            <a:latin typeface="Times New Roman" panose="02020603050405020304" pitchFamily="18" charset="0"/>
-            <a:cs typeface="Times New Roman" panose="02020603050405020304" pitchFamily="18" charset="0"/>
-          </a:endParaRPr>
         </a:p>
       </dgm:t>
     </dgm:pt>
@@ -2314,10 +2306,6 @@
             </a:rPr>
             <a:t> )</a:t>
           </a:r>
-          <a:endParaRPr lang="en-US" b="1" dirty="0" smtClean="0">
-            <a:latin typeface="Times New Roman" panose="02020603050405020304" pitchFamily="18" charset="0"/>
-            <a:cs typeface="Times New Roman" panose="02020603050405020304" pitchFamily="18" charset="0"/>
-          </a:endParaRPr>
         </a:p>
       </dgm:t>
     </dgm:pt>
@@ -2385,10 +2373,6 @@
             </a:rPr>
             <a:t> )</a:t>
           </a:r>
-          <a:endParaRPr lang="en-US" b="1" dirty="0" smtClean="0">
-            <a:latin typeface="Times New Roman" panose="02020603050405020304" pitchFamily="18" charset="0"/>
-            <a:cs typeface="Times New Roman" panose="02020603050405020304" pitchFamily="18" charset="0"/>
-          </a:endParaRPr>
         </a:p>
       </dgm:t>
     </dgm:pt>
@@ -2569,21 +2553,21 @@
     </dgm:pt>
   </dgm:ptLst>
   <dgm:cxnLst>
+    <dgm:cxn modelId="{DF99B51E-5DCC-4EFD-BEB2-88013717F334}" srcId="{2F4E8E45-F33B-4999-89F6-206ECA13D16C}" destId="{F981FAC2-E917-4D11-9A50-FAC05494209E}" srcOrd="4" destOrd="0" parTransId="{53FD0A06-E8BA-42E3-B8C5-58C93155242C}" sibTransId="{F342A3F0-8BA5-44CE-8AC2-E7E927981205}"/>
+    <dgm:cxn modelId="{1DEB28EA-D5EF-42F8-BF74-D5B7454A9A14}" type="presOf" srcId="{0846C0D7-5E65-453A-82FA-988525268C71}" destId="{E60632FE-AA36-46B3-9E35-204FFBE81B83}" srcOrd="0" destOrd="0" presId="urn:microsoft.com/office/officeart/2005/8/layout/chevron1"/>
+    <dgm:cxn modelId="{8A08CC99-01C9-4663-BCF8-3DA3E4711360}" srcId="{2F4E8E45-F33B-4999-89F6-206ECA13D16C}" destId="{B35E9602-9670-4B60-9F89-28AADCEFEFDF}" srcOrd="5" destOrd="0" parTransId="{74F373A7-D87D-465E-88AB-3EB150B2D9B5}" sibTransId="{8CB22106-22DF-49E8-AD21-FD8D417B8477}"/>
+    <dgm:cxn modelId="{BCEC568A-E1D1-4ED7-944F-18FEAC01F11E}" type="presOf" srcId="{9A828C95-D0DF-47C7-837E-AD1B02D8BD52}" destId="{ADF5692A-4D2C-42A4-83A4-DC71563B8445}" srcOrd="0" destOrd="0" presId="urn:microsoft.com/office/officeart/2005/8/layout/chevron1"/>
+    <dgm:cxn modelId="{9C46D140-13B9-4EDF-9B36-3F66B58F23CE}" srcId="{2F4E8E45-F33B-4999-89F6-206ECA13D16C}" destId="{9A828C95-D0DF-47C7-837E-AD1B02D8BD52}" srcOrd="0" destOrd="0" parTransId="{94AD7D99-A653-4CE3-95A2-7CEF7A9EAC07}" sibTransId="{B0A82B6A-8E98-49BB-B9AC-7E4E2A55031B}"/>
+    <dgm:cxn modelId="{9C1ED66A-AE0F-4C85-8199-C71F7C9F0B76}" type="presOf" srcId="{F981FAC2-E917-4D11-9A50-FAC05494209E}" destId="{AC56B3BC-F934-468F-883D-ABF19597738C}" srcOrd="0" destOrd="0" presId="urn:microsoft.com/office/officeart/2005/8/layout/chevron1"/>
+    <dgm:cxn modelId="{048B8236-2E3E-42CD-94F4-24725ED76EFC}" srcId="{2F4E8E45-F33B-4999-89F6-206ECA13D16C}" destId="{68E176AA-4E63-4F05-A963-AACE3BF067DC}" srcOrd="1" destOrd="0" parTransId="{A29B2076-AA07-4207-856A-C0D63A92146A}" sibTransId="{79BCC628-7C16-47E6-9FCC-A5D8EF52060F}"/>
+    <dgm:cxn modelId="{7C3A96B0-76C8-41B6-8620-6CB2046A812F}" srcId="{2F4E8E45-F33B-4999-89F6-206ECA13D16C}" destId="{A6F21AED-6401-49E7-819D-CCB8BF135561}" srcOrd="2" destOrd="0" parTransId="{ED1A830C-D5A6-4B8A-BDC2-00AE495FF15F}" sibTransId="{2E52D958-38D0-4979-84EA-04969CA072DC}"/>
+    <dgm:cxn modelId="{0CBDDF6B-7C5D-466B-8102-7E4A170DA883}" type="presOf" srcId="{8EE7846B-F54E-4A64-B07C-F5C78C626DB0}" destId="{43A33610-81DE-4E87-8FF5-8688A1F08252}" srcOrd="0" destOrd="0" presId="urn:microsoft.com/office/officeart/2005/8/layout/chevron1"/>
     <dgm:cxn modelId="{B90BAA28-7D78-4CDF-BC68-493AF91349D6}" type="presOf" srcId="{A6F21AED-6401-49E7-819D-CCB8BF135561}" destId="{23FDF8E8-A23F-4826-BCF6-73105C8D520C}" srcOrd="0" destOrd="0" presId="urn:microsoft.com/office/officeart/2005/8/layout/chevron1"/>
+    <dgm:cxn modelId="{8EB8386D-871F-4CAD-8000-BCAA07F17F4F}" type="presOf" srcId="{B35E9602-9670-4B60-9F89-28AADCEFEFDF}" destId="{3CA5C6B4-E4FD-4117-B5DE-EB48B1E337E0}" srcOrd="0" destOrd="0" presId="urn:microsoft.com/office/officeart/2005/8/layout/chevron1"/>
+    <dgm:cxn modelId="{A6DDD1D2-52FC-4F5A-B6D0-6E059D416ACD}" type="presOf" srcId="{68E176AA-4E63-4F05-A963-AACE3BF067DC}" destId="{1A67A697-D7DA-400F-80C8-23F1A9CB1907}" srcOrd="0" destOrd="0" presId="urn:microsoft.com/office/officeart/2005/8/layout/chevron1"/>
+    <dgm:cxn modelId="{CC81CF94-D579-437D-8A30-E7F97269D3F4}" srcId="{2F4E8E45-F33B-4999-89F6-206ECA13D16C}" destId="{8EE7846B-F54E-4A64-B07C-F5C78C626DB0}" srcOrd="6" destOrd="0" parTransId="{C9DE199A-A3E1-4CCA-A238-24BB3CB5D289}" sibTransId="{A4542A65-5275-45EB-ABEA-4546AE07D883}"/>
+    <dgm:cxn modelId="{633E8E8A-7BA7-4F04-BD97-46BBCC05A314}" type="presOf" srcId="{2F4E8E45-F33B-4999-89F6-206ECA13D16C}" destId="{2A4C2355-BBA5-4677-8ED4-17B0D6C35EF0}" srcOrd="0" destOrd="0" presId="urn:microsoft.com/office/officeart/2005/8/layout/chevron1"/>
     <dgm:cxn modelId="{954136B3-DEA2-4271-90B0-3925A82B79B8}" srcId="{2F4E8E45-F33B-4999-89F6-206ECA13D16C}" destId="{0846C0D7-5E65-453A-82FA-988525268C71}" srcOrd="3" destOrd="0" parTransId="{8CB8D591-96EA-4C10-95B4-B564F2366FDA}" sibTransId="{1F96C16A-9CC7-4FED-9789-F57332C017CD}"/>
-    <dgm:cxn modelId="{8A08CC99-01C9-4663-BCF8-3DA3E4711360}" srcId="{2F4E8E45-F33B-4999-89F6-206ECA13D16C}" destId="{B35E9602-9670-4B60-9F89-28AADCEFEFDF}" srcOrd="5" destOrd="0" parTransId="{74F373A7-D87D-465E-88AB-3EB150B2D9B5}" sibTransId="{8CB22106-22DF-49E8-AD21-FD8D417B8477}"/>
-    <dgm:cxn modelId="{048B8236-2E3E-42CD-94F4-24725ED76EFC}" srcId="{2F4E8E45-F33B-4999-89F6-206ECA13D16C}" destId="{68E176AA-4E63-4F05-A963-AACE3BF067DC}" srcOrd="1" destOrd="0" parTransId="{A29B2076-AA07-4207-856A-C0D63A92146A}" sibTransId="{79BCC628-7C16-47E6-9FCC-A5D8EF52060F}"/>
-    <dgm:cxn modelId="{DF99B51E-5DCC-4EFD-BEB2-88013717F334}" srcId="{2F4E8E45-F33B-4999-89F6-206ECA13D16C}" destId="{F981FAC2-E917-4D11-9A50-FAC05494209E}" srcOrd="4" destOrd="0" parTransId="{53FD0A06-E8BA-42E3-B8C5-58C93155242C}" sibTransId="{F342A3F0-8BA5-44CE-8AC2-E7E927981205}"/>
-    <dgm:cxn modelId="{633E8E8A-7BA7-4F04-BD97-46BBCC05A314}" type="presOf" srcId="{2F4E8E45-F33B-4999-89F6-206ECA13D16C}" destId="{2A4C2355-BBA5-4677-8ED4-17B0D6C35EF0}" srcOrd="0" destOrd="0" presId="urn:microsoft.com/office/officeart/2005/8/layout/chevron1"/>
-    <dgm:cxn modelId="{8EB8386D-871F-4CAD-8000-BCAA07F17F4F}" type="presOf" srcId="{B35E9602-9670-4B60-9F89-28AADCEFEFDF}" destId="{3CA5C6B4-E4FD-4117-B5DE-EB48B1E337E0}" srcOrd="0" destOrd="0" presId="urn:microsoft.com/office/officeart/2005/8/layout/chevron1"/>
-    <dgm:cxn modelId="{9C1ED66A-AE0F-4C85-8199-C71F7C9F0B76}" type="presOf" srcId="{F981FAC2-E917-4D11-9A50-FAC05494209E}" destId="{AC56B3BC-F934-468F-883D-ABF19597738C}" srcOrd="0" destOrd="0" presId="urn:microsoft.com/office/officeart/2005/8/layout/chevron1"/>
-    <dgm:cxn modelId="{BCEC568A-E1D1-4ED7-944F-18FEAC01F11E}" type="presOf" srcId="{9A828C95-D0DF-47C7-837E-AD1B02D8BD52}" destId="{ADF5692A-4D2C-42A4-83A4-DC71563B8445}" srcOrd="0" destOrd="0" presId="urn:microsoft.com/office/officeart/2005/8/layout/chevron1"/>
-    <dgm:cxn modelId="{CC81CF94-D579-437D-8A30-E7F97269D3F4}" srcId="{2F4E8E45-F33B-4999-89F6-206ECA13D16C}" destId="{8EE7846B-F54E-4A64-B07C-F5C78C626DB0}" srcOrd="6" destOrd="0" parTransId="{C9DE199A-A3E1-4CCA-A238-24BB3CB5D289}" sibTransId="{A4542A65-5275-45EB-ABEA-4546AE07D883}"/>
-    <dgm:cxn modelId="{1DEB28EA-D5EF-42F8-BF74-D5B7454A9A14}" type="presOf" srcId="{0846C0D7-5E65-453A-82FA-988525268C71}" destId="{E60632FE-AA36-46B3-9E35-204FFBE81B83}" srcOrd="0" destOrd="0" presId="urn:microsoft.com/office/officeart/2005/8/layout/chevron1"/>
-    <dgm:cxn modelId="{7C3A96B0-76C8-41B6-8620-6CB2046A812F}" srcId="{2F4E8E45-F33B-4999-89F6-206ECA13D16C}" destId="{A6F21AED-6401-49E7-819D-CCB8BF135561}" srcOrd="2" destOrd="0" parTransId="{ED1A830C-D5A6-4B8A-BDC2-00AE495FF15F}" sibTransId="{2E52D958-38D0-4979-84EA-04969CA072DC}"/>
-    <dgm:cxn modelId="{A6DDD1D2-52FC-4F5A-B6D0-6E059D416ACD}" type="presOf" srcId="{68E176AA-4E63-4F05-A963-AACE3BF067DC}" destId="{1A67A697-D7DA-400F-80C8-23F1A9CB1907}" srcOrd="0" destOrd="0" presId="urn:microsoft.com/office/officeart/2005/8/layout/chevron1"/>
-    <dgm:cxn modelId="{0CBDDF6B-7C5D-466B-8102-7E4A170DA883}" type="presOf" srcId="{8EE7846B-F54E-4A64-B07C-F5C78C626DB0}" destId="{43A33610-81DE-4E87-8FF5-8688A1F08252}" srcOrd="0" destOrd="0" presId="urn:microsoft.com/office/officeart/2005/8/layout/chevron1"/>
-    <dgm:cxn modelId="{9C46D140-13B9-4EDF-9B36-3F66B58F23CE}" srcId="{2F4E8E45-F33B-4999-89F6-206ECA13D16C}" destId="{9A828C95-D0DF-47C7-837E-AD1B02D8BD52}" srcOrd="0" destOrd="0" parTransId="{94AD7D99-A653-4CE3-95A2-7CEF7A9EAC07}" sibTransId="{B0A82B6A-8E98-49BB-B9AC-7E4E2A55031B}"/>
     <dgm:cxn modelId="{04CC3BE1-02A2-4C3B-92C3-FB2D1BD677FD}" type="presParOf" srcId="{2A4C2355-BBA5-4677-8ED4-17B0D6C35EF0}" destId="{ADF5692A-4D2C-42A4-83A4-DC71563B8445}" srcOrd="0" destOrd="0" presId="urn:microsoft.com/office/officeart/2005/8/layout/chevron1"/>
     <dgm:cxn modelId="{245CCAFD-DD80-4F25-97E8-7A597B75540D}" type="presParOf" srcId="{2A4C2355-BBA5-4677-8ED4-17B0D6C35EF0}" destId="{60C8FFE1-2E88-4AF5-A25E-51D16C5337C1}" srcOrd="1" destOrd="0" presId="urn:microsoft.com/office/officeart/2005/8/layout/chevron1"/>
     <dgm:cxn modelId="{4209DE89-6999-4903-9D20-98DBC0F16B88}" type="presParOf" srcId="{2A4C2355-BBA5-4677-8ED4-17B0D6C35EF0}" destId="{1A67A697-D7DA-400F-80C8-23F1A9CB1907}" srcOrd="2" destOrd="0" presId="urn:microsoft.com/office/officeart/2005/8/layout/chevron1"/>
@@ -2616,334 +2600,6 @@
       <dsp:cNvGrpSpPr/>
     </dsp:nvGrpSpPr>
     <dsp:grpSpPr/>
-    <dsp:sp modelId="{ADF5692A-4D2C-42A4-83A4-DC71563B8445}">
-      <dsp:nvSpPr>
-        <dsp:cNvPr id="0" name=""/>
-        <dsp:cNvSpPr/>
-      </dsp:nvSpPr>
-      <dsp:spPr>
-        <a:xfrm>
-          <a:off x="3770" y="2270389"/>
-          <a:ext cx="2194718" cy="877887"/>
-        </a:xfrm>
-        <a:prstGeom prst="chevron">
-          <a:avLst/>
-        </a:prstGeom>
-        <a:solidFill>
-          <a:schemeClr val="accent1">
-            <a:hueOff val="0"/>
-            <a:satOff val="0"/>
-            <a:lumOff val="0"/>
-            <a:alphaOff val="0"/>
-          </a:schemeClr>
-        </a:solidFill>
-        <a:ln w="12700" cap="flat" cmpd="sng" algn="ctr">
-          <a:solidFill>
-            <a:schemeClr val="lt1">
-              <a:hueOff val="0"/>
-              <a:satOff val="0"/>
-              <a:lumOff val="0"/>
-              <a:alphaOff val="0"/>
-            </a:schemeClr>
-          </a:solidFill>
-          <a:prstDash val="solid"/>
-          <a:miter lim="800000"/>
-        </a:ln>
-        <a:effectLst/>
-      </dsp:spPr>
-      <dsp:style>
-        <a:lnRef idx="2">
-          <a:scrgbClr r="0" g="0" b="0"/>
-        </a:lnRef>
-        <a:fillRef idx="1">
-          <a:scrgbClr r="0" g="0" b="0"/>
-        </a:fillRef>
-        <a:effectRef idx="0">
-          <a:scrgbClr r="0" g="0" b="0"/>
-        </a:effectRef>
-        <a:fontRef idx="minor">
-          <a:schemeClr val="lt1"/>
-        </a:fontRef>
-      </dsp:style>
-      <dsp:txBody>
-        <a:bodyPr spcFirstLastPara="0" vert="horz" wrap="square" lIns="64008" tIns="21336" rIns="21336" bIns="21336" numCol="1" spcCol="1270" anchor="ctr" anchorCtr="0">
-          <a:noAutofit/>
-        </a:bodyPr>
-        <a:lstStyle/>
-        <a:p>
-          <a:pPr lvl="0" algn="ctr" defTabSz="711200">
-            <a:lnSpc>
-              <a:spcPct val="90000"/>
-            </a:lnSpc>
-            <a:spcBef>
-              <a:spcPct val="0"/>
-            </a:spcBef>
-            <a:spcAft>
-              <a:spcPct val="35000"/>
-            </a:spcAft>
-          </a:pPr>
-          <a:r>
-            <a:rPr lang="en-US" sz="1600" b="1" kern="1200" dirty="0" smtClean="0">
-              <a:latin typeface="Times New Roman" panose="02020603050405020304" pitchFamily="18" charset="0"/>
-              <a:cs typeface="Times New Roman" panose="02020603050405020304" pitchFamily="18" charset="0"/>
-            </a:rPr>
-            <a:t>Manufacturer in Africa</a:t>
-          </a:r>
-          <a:endParaRPr lang="en-US" sz="1600" b="1" kern="1200" dirty="0">
-            <a:latin typeface="Times New Roman" panose="02020603050405020304" pitchFamily="18" charset="0"/>
-            <a:cs typeface="Times New Roman" panose="02020603050405020304" pitchFamily="18" charset="0"/>
-          </a:endParaRPr>
-        </a:p>
-      </dsp:txBody>
-      <dsp:txXfrm>
-        <a:off x="442714" y="2270389"/>
-        <a:ext cx="1316831" cy="877887"/>
-      </dsp:txXfrm>
-    </dsp:sp>
-    <dsp:sp modelId="{1A67A697-D7DA-400F-80C8-23F1A9CB1907}">
-      <dsp:nvSpPr>
-        <dsp:cNvPr id="0" name=""/>
-        <dsp:cNvSpPr/>
-      </dsp:nvSpPr>
-      <dsp:spPr>
-        <a:xfrm>
-          <a:off x="1979017" y="2270389"/>
-          <a:ext cx="2194718" cy="877887"/>
-        </a:xfrm>
-        <a:prstGeom prst="chevron">
-          <a:avLst/>
-        </a:prstGeom>
-        <a:solidFill>
-          <a:schemeClr val="accent1">
-            <a:hueOff val="0"/>
-            <a:satOff val="0"/>
-            <a:lumOff val="0"/>
-            <a:alphaOff val="0"/>
-          </a:schemeClr>
-        </a:solidFill>
-        <a:ln w="12700" cap="flat" cmpd="sng" algn="ctr">
-          <a:solidFill>
-            <a:schemeClr val="lt1">
-              <a:hueOff val="0"/>
-              <a:satOff val="0"/>
-              <a:lumOff val="0"/>
-              <a:alphaOff val="0"/>
-            </a:schemeClr>
-          </a:solidFill>
-          <a:prstDash val="solid"/>
-          <a:miter lim="800000"/>
-        </a:ln>
-        <a:effectLst/>
-      </dsp:spPr>
-      <dsp:style>
-        <a:lnRef idx="2">
-          <a:scrgbClr r="0" g="0" b="0"/>
-        </a:lnRef>
-        <a:fillRef idx="1">
-          <a:scrgbClr r="0" g="0" b="0"/>
-        </a:fillRef>
-        <a:effectRef idx="0">
-          <a:scrgbClr r="0" g="0" b="0"/>
-        </a:effectRef>
-        <a:fontRef idx="minor">
-          <a:schemeClr val="lt1"/>
-        </a:fontRef>
-      </dsp:style>
-      <dsp:txBody>
-        <a:bodyPr spcFirstLastPara="0" vert="horz" wrap="square" lIns="64008" tIns="21336" rIns="21336" bIns="21336" numCol="1" spcCol="1270" anchor="ctr" anchorCtr="0">
-          <a:noAutofit/>
-        </a:bodyPr>
-        <a:lstStyle/>
-        <a:p>
-          <a:pPr lvl="0" algn="ctr" defTabSz="711200">
-            <a:lnSpc>
-              <a:spcPct val="90000"/>
-            </a:lnSpc>
-            <a:spcBef>
-              <a:spcPct val="0"/>
-            </a:spcBef>
-            <a:spcAft>
-              <a:spcPct val="35000"/>
-            </a:spcAft>
-          </a:pPr>
-          <a:r>
-            <a:rPr lang="en-US" sz="1600" b="1" kern="1200" dirty="0" smtClean="0">
-              <a:latin typeface="Times New Roman" panose="02020603050405020304" pitchFamily="18" charset="0"/>
-              <a:cs typeface="Times New Roman" panose="02020603050405020304" pitchFamily="18" charset="0"/>
-            </a:rPr>
-            <a:t>Wholesaler in USA</a:t>
-          </a:r>
-          <a:endParaRPr lang="en-US" sz="1600" b="1" kern="1200" dirty="0">
-            <a:latin typeface="Times New Roman" panose="02020603050405020304" pitchFamily="18" charset="0"/>
-            <a:cs typeface="Times New Roman" panose="02020603050405020304" pitchFamily="18" charset="0"/>
-          </a:endParaRPr>
-        </a:p>
-      </dsp:txBody>
-      <dsp:txXfrm>
-        <a:off x="2417961" y="2270389"/>
-        <a:ext cx="1316831" cy="877887"/>
-      </dsp:txXfrm>
-    </dsp:sp>
-    <dsp:sp modelId="{23FDF8E8-A23F-4826-BCF6-73105C8D520C}">
-      <dsp:nvSpPr>
-        <dsp:cNvPr id="0" name=""/>
-        <dsp:cNvSpPr/>
-      </dsp:nvSpPr>
-      <dsp:spPr>
-        <a:xfrm>
-          <a:off x="3954264" y="2270389"/>
-          <a:ext cx="2194718" cy="877887"/>
-        </a:xfrm>
-        <a:prstGeom prst="chevron">
-          <a:avLst/>
-        </a:prstGeom>
-        <a:solidFill>
-          <a:schemeClr val="accent1">
-            <a:hueOff val="0"/>
-            <a:satOff val="0"/>
-            <a:lumOff val="0"/>
-            <a:alphaOff val="0"/>
-          </a:schemeClr>
-        </a:solidFill>
-        <a:ln w="12700" cap="flat" cmpd="sng" algn="ctr">
-          <a:solidFill>
-            <a:schemeClr val="lt1">
-              <a:hueOff val="0"/>
-              <a:satOff val="0"/>
-              <a:lumOff val="0"/>
-              <a:alphaOff val="0"/>
-            </a:schemeClr>
-          </a:solidFill>
-          <a:prstDash val="solid"/>
-          <a:miter lim="800000"/>
-        </a:ln>
-        <a:effectLst/>
-      </dsp:spPr>
-      <dsp:style>
-        <a:lnRef idx="2">
-          <a:scrgbClr r="0" g="0" b="0"/>
-        </a:lnRef>
-        <a:fillRef idx="1">
-          <a:scrgbClr r="0" g="0" b="0"/>
-        </a:fillRef>
-        <a:effectRef idx="0">
-          <a:scrgbClr r="0" g="0" b="0"/>
-        </a:effectRef>
-        <a:fontRef idx="minor">
-          <a:schemeClr val="lt1"/>
-        </a:fontRef>
-      </dsp:style>
-      <dsp:txBody>
-        <a:bodyPr spcFirstLastPara="0" vert="horz" wrap="square" lIns="64008" tIns="21336" rIns="21336" bIns="21336" numCol="1" spcCol="1270" anchor="ctr" anchorCtr="0">
-          <a:noAutofit/>
-        </a:bodyPr>
-        <a:lstStyle/>
-        <a:p>
-          <a:pPr lvl="0" algn="ctr" defTabSz="711200">
-            <a:lnSpc>
-              <a:spcPct val="90000"/>
-            </a:lnSpc>
-            <a:spcBef>
-              <a:spcPct val="0"/>
-            </a:spcBef>
-            <a:spcAft>
-              <a:spcPct val="35000"/>
-            </a:spcAft>
-          </a:pPr>
-          <a:r>
-            <a:rPr lang="en-US" sz="1600" b="1" kern="1200" dirty="0" smtClean="0">
-              <a:latin typeface="Times New Roman" panose="02020603050405020304" pitchFamily="18" charset="0"/>
-              <a:cs typeface="Times New Roman" panose="02020603050405020304" pitchFamily="18" charset="0"/>
-            </a:rPr>
-            <a:t>State Level  Reseller</a:t>
-          </a:r>
-        </a:p>
-      </dsp:txBody>
-      <dsp:txXfrm>
-        <a:off x="4393208" y="2270389"/>
-        <a:ext cx="1316831" cy="877887"/>
-      </dsp:txXfrm>
-    </dsp:sp>
-    <dsp:sp modelId="{AC56B3BC-F934-468F-883D-ABF19597738C}">
-      <dsp:nvSpPr>
-        <dsp:cNvPr id="0" name=""/>
-        <dsp:cNvSpPr/>
-      </dsp:nvSpPr>
-      <dsp:spPr>
-        <a:xfrm>
-          <a:off x="5929510" y="2270389"/>
-          <a:ext cx="2194718" cy="877887"/>
-        </a:xfrm>
-        <a:prstGeom prst="chevron">
-          <a:avLst/>
-        </a:prstGeom>
-        <a:solidFill>
-          <a:schemeClr val="accent1">
-            <a:hueOff val="0"/>
-            <a:satOff val="0"/>
-            <a:lumOff val="0"/>
-            <a:alphaOff val="0"/>
-          </a:schemeClr>
-        </a:solidFill>
-        <a:ln w="12700" cap="flat" cmpd="sng" algn="ctr">
-          <a:solidFill>
-            <a:schemeClr val="lt1">
-              <a:hueOff val="0"/>
-              <a:satOff val="0"/>
-              <a:lumOff val="0"/>
-              <a:alphaOff val="0"/>
-            </a:schemeClr>
-          </a:solidFill>
-          <a:prstDash val="solid"/>
-          <a:miter lim="800000"/>
-        </a:ln>
-        <a:effectLst/>
-      </dsp:spPr>
-      <dsp:style>
-        <a:lnRef idx="2">
-          <a:scrgbClr r="0" g="0" b="0"/>
-        </a:lnRef>
-        <a:fillRef idx="1">
-          <a:scrgbClr r="0" g="0" b="0"/>
-        </a:fillRef>
-        <a:effectRef idx="0">
-          <a:scrgbClr r="0" g="0" b="0"/>
-        </a:effectRef>
-        <a:fontRef idx="minor">
-          <a:schemeClr val="lt1"/>
-        </a:fontRef>
-      </dsp:style>
-      <dsp:txBody>
-        <a:bodyPr spcFirstLastPara="0" vert="horz" wrap="square" lIns="64008" tIns="21336" rIns="21336" bIns="21336" numCol="1" spcCol="1270" anchor="ctr" anchorCtr="0">
-          <a:noAutofit/>
-        </a:bodyPr>
-        <a:lstStyle/>
-        <a:p>
-          <a:pPr lvl="0" algn="ctr" defTabSz="711200">
-            <a:lnSpc>
-              <a:spcPct val="90000"/>
-            </a:lnSpc>
-            <a:spcBef>
-              <a:spcPct val="0"/>
-            </a:spcBef>
-            <a:spcAft>
-              <a:spcPct val="35000"/>
-            </a:spcAft>
-          </a:pPr>
-          <a:r>
-            <a:rPr lang="en-US" sz="1600" b="1" kern="1200" dirty="0" smtClean="0">
-              <a:latin typeface="Times New Roman" panose="02020603050405020304" pitchFamily="18" charset="0"/>
-              <a:cs typeface="Times New Roman" panose="02020603050405020304" pitchFamily="18" charset="0"/>
-            </a:rPr>
-            <a:t>Local Retailer</a:t>
-          </a:r>
-        </a:p>
-      </dsp:txBody>
-      <dsp:txXfrm>
-        <a:off x="6368454" y="2270389"/>
-        <a:ext cx="1316831" cy="877887"/>
-      </dsp:txXfrm>
-    </dsp:sp>
   </dsp:spTree>
 </dsp:drawing>
 </file>
@@ -3301,10 +2957,6 @@
             </a:rPr>
             <a:t> )</a:t>
           </a:r>
-          <a:endParaRPr lang="en-US" sz="1200" b="1" kern="1200" dirty="0" smtClean="0">
-            <a:latin typeface="Times New Roman" panose="02020603050405020304" pitchFamily="18" charset="0"/>
-            <a:cs typeface="Times New Roman" panose="02020603050405020304" pitchFamily="18" charset="0"/>
-          </a:endParaRPr>
         </a:p>
       </dsp:txBody>
       <dsp:txXfrm>
@@ -3413,10 +3065,6 @@
             </a:rPr>
             <a:t> )</a:t>
           </a:r>
-          <a:endParaRPr lang="en-US" sz="1200" b="1" kern="1200" dirty="0" smtClean="0">
-            <a:latin typeface="Times New Roman" panose="02020603050405020304" pitchFamily="18" charset="0"/>
-            <a:cs typeface="Times New Roman" panose="02020603050405020304" pitchFamily="18" charset="0"/>
-          </a:endParaRPr>
         </a:p>
       </dsp:txBody>
       <dsp:txXfrm>
@@ -3497,10 +3145,6 @@
             </a:rPr>
             <a:t>. . .</a:t>
           </a:r>
-          <a:endParaRPr lang="en-US" sz="1200" b="1" kern="1200" dirty="0" smtClean="0">
-            <a:latin typeface="Times New Roman" panose="02020603050405020304" pitchFamily="18" charset="0"/>
-            <a:cs typeface="Times New Roman" panose="02020603050405020304" pitchFamily="18" charset="0"/>
-          </a:endParaRPr>
         </a:p>
       </dsp:txBody>
       <dsp:txXfrm>
@@ -3609,10 +3253,6 @@
             </a:rPr>
             <a:t> )</a:t>
           </a:r>
-          <a:endParaRPr lang="en-US" sz="1200" b="1" kern="1200" dirty="0" smtClean="0">
-            <a:latin typeface="Times New Roman" panose="02020603050405020304" pitchFamily="18" charset="0"/>
-            <a:cs typeface="Times New Roman" panose="02020603050405020304" pitchFamily="18" charset="0"/>
-          </a:endParaRPr>
         </a:p>
       </dsp:txBody>
       <dsp:txXfrm>
@@ -3721,10 +3361,6 @@
             </a:rPr>
             <a:t> )</a:t>
           </a:r>
-          <a:endParaRPr lang="en-US" sz="1200" b="1" kern="1200" dirty="0" smtClean="0">
-            <a:latin typeface="Times New Roman" panose="02020603050405020304" pitchFamily="18" charset="0"/>
-            <a:cs typeface="Times New Roman" panose="02020603050405020304" pitchFamily="18" charset="0"/>
-          </a:endParaRPr>
         </a:p>
       </dsp:txBody>
       <dsp:txXfrm>
@@ -6452,7 +6088,7 @@
           <a:p>
             <a:fld id="{4FF7AF54-2AD9-468C-807B-634631568B63}" type="datetimeFigureOut">
               <a:rPr lang="en-US" smtClean="0"/>
-              <a:t>2/18/2015</a:t>
+              <a:t>2/19/2015</a:t>
             </a:fld>
             <a:endParaRPr lang="en-US"/>
           </a:p>
@@ -6935,7 +6571,7 @@
           <a:p>
             <a:fld id="{844C98E4-C9EE-4E87-AFEC-1BE23205BC3C}" type="datetimeFigureOut">
               <a:rPr lang="en-US" smtClean="0"/>
-              <a:t>2/18/2015</a:t>
+              <a:t>2/19/2015</a:t>
             </a:fld>
             <a:endParaRPr lang="en-US"/>
           </a:p>
@@ -7105,7 +6741,7 @@
           <a:p>
             <a:fld id="{844C98E4-C9EE-4E87-AFEC-1BE23205BC3C}" type="datetimeFigureOut">
               <a:rPr lang="en-US" smtClean="0"/>
-              <a:t>2/18/2015</a:t>
+              <a:t>2/19/2015</a:t>
             </a:fld>
             <a:endParaRPr lang="en-US"/>
           </a:p>
@@ -7285,7 +6921,7 @@
           <a:p>
             <a:fld id="{844C98E4-C9EE-4E87-AFEC-1BE23205BC3C}" type="datetimeFigureOut">
               <a:rPr lang="en-US" smtClean="0"/>
-              <a:t>2/18/2015</a:t>
+              <a:t>2/19/2015</a:t>
             </a:fld>
             <a:endParaRPr lang="en-US"/>
           </a:p>
@@ -7455,7 +7091,7 @@
           <a:p>
             <a:fld id="{844C98E4-C9EE-4E87-AFEC-1BE23205BC3C}" type="datetimeFigureOut">
               <a:rPr lang="en-US" smtClean="0"/>
-              <a:t>2/18/2015</a:t>
+              <a:t>2/19/2015</a:t>
             </a:fld>
             <a:endParaRPr lang="en-US"/>
           </a:p>
@@ -7701,7 +7337,7 @@
           <a:p>
             <a:fld id="{844C98E4-C9EE-4E87-AFEC-1BE23205BC3C}" type="datetimeFigureOut">
               <a:rPr lang="en-US" smtClean="0"/>
-              <a:t>2/18/2015</a:t>
+              <a:t>2/19/2015</a:t>
             </a:fld>
             <a:endParaRPr lang="en-US"/>
           </a:p>
@@ -7933,7 +7569,7 @@
           <a:p>
             <a:fld id="{844C98E4-C9EE-4E87-AFEC-1BE23205BC3C}" type="datetimeFigureOut">
               <a:rPr lang="en-US" smtClean="0"/>
-              <a:t>2/18/2015</a:t>
+              <a:t>2/19/2015</a:t>
             </a:fld>
             <a:endParaRPr lang="en-US"/>
           </a:p>
@@ -8300,7 +7936,7 @@
           <a:p>
             <a:fld id="{844C98E4-C9EE-4E87-AFEC-1BE23205BC3C}" type="datetimeFigureOut">
               <a:rPr lang="en-US" smtClean="0"/>
-              <a:t>2/18/2015</a:t>
+              <a:t>2/19/2015</a:t>
             </a:fld>
             <a:endParaRPr lang="en-US"/>
           </a:p>
@@ -8418,7 +8054,7 @@
           <a:p>
             <a:fld id="{844C98E4-C9EE-4E87-AFEC-1BE23205BC3C}" type="datetimeFigureOut">
               <a:rPr lang="en-US" smtClean="0"/>
-              <a:t>2/18/2015</a:t>
+              <a:t>2/19/2015</a:t>
             </a:fld>
             <a:endParaRPr lang="en-US"/>
           </a:p>
@@ -8513,7 +8149,7 @@
           <a:p>
             <a:fld id="{844C98E4-C9EE-4E87-AFEC-1BE23205BC3C}" type="datetimeFigureOut">
               <a:rPr lang="en-US" smtClean="0"/>
-              <a:t>2/18/2015</a:t>
+              <a:t>2/19/2015</a:t>
             </a:fld>
             <a:endParaRPr lang="en-US"/>
           </a:p>
@@ -8790,7 +8426,7 @@
           <a:p>
             <a:fld id="{844C98E4-C9EE-4E87-AFEC-1BE23205BC3C}" type="datetimeFigureOut">
               <a:rPr lang="en-US" smtClean="0"/>
-              <a:t>2/18/2015</a:t>
+              <a:t>2/19/2015</a:t>
             </a:fld>
             <a:endParaRPr lang="en-US"/>
           </a:p>
@@ -9043,7 +8679,7 @@
           <a:p>
             <a:fld id="{844C98E4-C9EE-4E87-AFEC-1BE23205BC3C}" type="datetimeFigureOut">
               <a:rPr lang="en-US" smtClean="0"/>
-              <a:t>2/18/2015</a:t>
+              <a:t>2/19/2015</a:t>
             </a:fld>
             <a:endParaRPr lang="en-US"/>
           </a:p>
@@ -9256,7 +8892,7 @@
           <a:p>
             <a:fld id="{844C98E4-C9EE-4E87-AFEC-1BE23205BC3C}" type="datetimeFigureOut">
               <a:rPr lang="en-US" smtClean="0"/>
-              <a:t>2/18/2015</a:t>
+              <a:t>2/19/2015</a:t>
             </a:fld>
             <a:endParaRPr lang="en-US"/>
           </a:p>
@@ -36874,6 +36510,5820 @@
     <p:extLst>
       <p:ext uri="{BB962C8B-B14F-4D97-AF65-F5344CB8AC3E}">
         <p14:creationId xmlns:p14="http://schemas.microsoft.com/office/powerpoint/2010/main" val="473412266"/>
+      </p:ext>
+    </p:extLst>
+  </p:cSld>
+  <p:clrMapOvr>
+    <a:masterClrMapping/>
+  </p:clrMapOvr>
+  <p:timing>
+    <p:tnLst>
+      <p:par>
+        <p:cTn id="1" dur="indefinite" restart="never" nodeType="tmRoot"/>
+      </p:par>
+    </p:tnLst>
+  </p:timing>
+</p:sld>
+</file>
+
+<file path=ppt/slides/slide32.xml><?xml version="1.0" encoding="utf-8"?>
+<p:sld xmlns:a="http://schemas.openxmlformats.org/drawingml/2006/main" xmlns:r="http://schemas.openxmlformats.org/officeDocument/2006/relationships" xmlns:p="http://schemas.openxmlformats.org/presentationml/2006/main">
+  <p:cSld>
+    <p:spTree>
+      <p:nvGrpSpPr>
+        <p:cNvPr id="1" name=""/>
+        <p:cNvGrpSpPr/>
+        <p:nvPr/>
+      </p:nvGrpSpPr>
+      <p:grpSpPr>
+        <a:xfrm>
+          <a:off x="0" y="0"/>
+          <a:ext cx="0" cy="0"/>
+          <a:chOff x="0" y="0"/>
+          <a:chExt cx="0" cy="0"/>
+        </a:xfrm>
+      </p:grpSpPr>
+      <p:sp>
+        <p:nvSpPr>
+          <p:cNvPr id="2" name="Oval 1"/>
+          <p:cNvSpPr/>
+          <p:nvPr/>
+        </p:nvSpPr>
+        <p:spPr>
+          <a:xfrm>
+            <a:off x="248659" y="6116320"/>
+            <a:ext cx="457200" cy="457200"/>
+          </a:xfrm>
+          <a:prstGeom prst="ellipse">
+            <a:avLst/>
+          </a:prstGeom>
+          <a:noFill/>
+          <a:ln w="19050">
+            <a:solidFill>
+              <a:schemeClr val="tx1"/>
+            </a:solidFill>
+          </a:ln>
+        </p:spPr>
+        <p:style>
+          <a:lnRef idx="2">
+            <a:schemeClr val="accent1">
+              <a:shade val="50000"/>
+            </a:schemeClr>
+          </a:lnRef>
+          <a:fillRef idx="1">
+            <a:schemeClr val="accent1"/>
+          </a:fillRef>
+          <a:effectRef idx="0">
+            <a:schemeClr val="accent1"/>
+          </a:effectRef>
+          <a:fontRef idx="minor">
+            <a:schemeClr val="lt1"/>
+          </a:fontRef>
+        </p:style>
+        <p:txBody>
+          <a:bodyPr rot="0" spcFirstLastPara="0" vert="horz" wrap="square" lIns="91440" tIns="45720" rIns="91440" bIns="45720" numCol="1" spcCol="0" rtlCol="0" fromWordArt="0" anchor="ctr" anchorCtr="0" forceAA="0" compatLnSpc="1">
+            <a:prstTxWarp prst="textNoShape">
+              <a:avLst/>
+            </a:prstTxWarp>
+            <a:noAutofit/>
+          </a:bodyPr>
+          <a:lstStyle/>
+          <a:p>
+            <a:r>
+              <a:rPr lang="en-US" sz="1000" dirty="0" smtClean="0">
+                <a:solidFill>
+                  <a:prstClr val="black"/>
+                </a:solidFill>
+                <a:latin typeface="Times New Roman" panose="02020603050405020304" pitchFamily="18" charset="0"/>
+                <a:cs typeface="Times New Roman" panose="02020603050405020304" pitchFamily="18" charset="0"/>
+              </a:rPr>
+              <a:t>G</a:t>
+            </a:r>
+            <a:r>
+              <a:rPr lang="en-US" sz="1000" b="1" baseline="-25000" dirty="0" smtClean="0">
+                <a:solidFill>
+                  <a:prstClr val="black"/>
+                </a:solidFill>
+                <a:latin typeface="Times New Roman" panose="02020603050405020304" pitchFamily="18" charset="0"/>
+                <a:cs typeface="Times New Roman" panose="02020603050405020304" pitchFamily="18" charset="0"/>
+              </a:rPr>
+              <a:t>0</a:t>
+            </a:r>
+            <a:endParaRPr lang="en-US" b="1" dirty="0"/>
+          </a:p>
+        </p:txBody>
+      </p:sp>
+      <p:sp>
+        <p:nvSpPr>
+          <p:cNvPr id="3" name="Oval 2"/>
+          <p:cNvSpPr/>
+          <p:nvPr/>
+        </p:nvSpPr>
+        <p:spPr>
+          <a:xfrm>
+            <a:off x="870222" y="6116320"/>
+            <a:ext cx="457200" cy="457200"/>
+          </a:xfrm>
+          <a:prstGeom prst="ellipse">
+            <a:avLst/>
+          </a:prstGeom>
+          <a:noFill/>
+          <a:ln w="19050">
+            <a:solidFill>
+              <a:schemeClr val="tx1"/>
+            </a:solidFill>
+          </a:ln>
+        </p:spPr>
+        <p:style>
+          <a:lnRef idx="2">
+            <a:schemeClr val="accent1">
+              <a:shade val="50000"/>
+            </a:schemeClr>
+          </a:lnRef>
+          <a:fillRef idx="1">
+            <a:schemeClr val="accent1"/>
+          </a:fillRef>
+          <a:effectRef idx="0">
+            <a:schemeClr val="accent1"/>
+          </a:effectRef>
+          <a:fontRef idx="minor">
+            <a:schemeClr val="lt1"/>
+          </a:fontRef>
+        </p:style>
+        <p:txBody>
+          <a:bodyPr rot="0" spcFirstLastPara="0" vert="horz" wrap="square" lIns="91440" tIns="45720" rIns="91440" bIns="45720" numCol="1" spcCol="0" rtlCol="0" fromWordArt="0" anchor="ctr" anchorCtr="0" forceAA="0" compatLnSpc="1">
+            <a:prstTxWarp prst="textNoShape">
+              <a:avLst/>
+            </a:prstTxWarp>
+            <a:noAutofit/>
+          </a:bodyPr>
+          <a:lstStyle/>
+          <a:p>
+            <a:r>
+              <a:rPr lang="en-US" sz="1000" dirty="0" smtClean="0">
+                <a:solidFill>
+                  <a:prstClr val="black"/>
+                </a:solidFill>
+                <a:latin typeface="Times New Roman" panose="02020603050405020304" pitchFamily="18" charset="0"/>
+                <a:cs typeface="Times New Roman" panose="02020603050405020304" pitchFamily="18" charset="0"/>
+              </a:rPr>
+              <a:t>H</a:t>
+            </a:r>
+            <a:r>
+              <a:rPr lang="en-US" sz="1000" b="1" baseline="-25000" dirty="0" smtClean="0">
+                <a:solidFill>
+                  <a:prstClr val="black"/>
+                </a:solidFill>
+                <a:latin typeface="Times New Roman" panose="02020603050405020304" pitchFamily="18" charset="0"/>
+                <a:cs typeface="Times New Roman" panose="02020603050405020304" pitchFamily="18" charset="0"/>
+              </a:rPr>
+              <a:t>0</a:t>
+            </a:r>
+            <a:endParaRPr lang="en-US" b="1" dirty="0"/>
+          </a:p>
+        </p:txBody>
+      </p:sp>
+      <p:sp>
+        <p:nvSpPr>
+          <p:cNvPr id="4" name="Oval 3"/>
+          <p:cNvSpPr/>
+          <p:nvPr/>
+        </p:nvSpPr>
+        <p:spPr>
+          <a:xfrm>
+            <a:off x="576330" y="5305471"/>
+            <a:ext cx="457200" cy="457200"/>
+          </a:xfrm>
+          <a:prstGeom prst="ellipse">
+            <a:avLst/>
+          </a:prstGeom>
+          <a:noFill/>
+          <a:ln w="19050">
+            <a:solidFill>
+              <a:schemeClr val="tx1"/>
+            </a:solidFill>
+          </a:ln>
+        </p:spPr>
+        <p:style>
+          <a:lnRef idx="2">
+            <a:schemeClr val="accent1">
+              <a:shade val="50000"/>
+            </a:schemeClr>
+          </a:lnRef>
+          <a:fillRef idx="1">
+            <a:schemeClr val="accent1"/>
+          </a:fillRef>
+          <a:effectRef idx="0">
+            <a:schemeClr val="accent1"/>
+          </a:effectRef>
+          <a:fontRef idx="minor">
+            <a:schemeClr val="lt1"/>
+          </a:fontRef>
+        </p:style>
+        <p:txBody>
+          <a:bodyPr rot="0" spcFirstLastPara="0" vert="horz" wrap="square" lIns="91440" tIns="45720" rIns="91440" bIns="45720" numCol="1" spcCol="0" rtlCol="0" fromWordArt="0" anchor="ctr" anchorCtr="0" forceAA="0" compatLnSpc="1">
+            <a:prstTxWarp prst="textNoShape">
+              <a:avLst/>
+            </a:prstTxWarp>
+            <a:noAutofit/>
+          </a:bodyPr>
+          <a:lstStyle/>
+          <a:p>
+            <a:r>
+              <a:rPr lang="en-US" sz="1000" dirty="0" smtClean="0">
+                <a:solidFill>
+                  <a:schemeClr val="tx1"/>
+                </a:solidFill>
+                <a:latin typeface="Times New Roman" panose="02020603050405020304" pitchFamily="18" charset="0"/>
+                <a:cs typeface="Times New Roman" panose="02020603050405020304" pitchFamily="18" charset="0"/>
+              </a:rPr>
+              <a:t>G</a:t>
+            </a:r>
+            <a:r>
+              <a:rPr lang="en-US" sz="1000" b="1" baseline="-25000" dirty="0" smtClean="0">
+                <a:solidFill>
+                  <a:schemeClr val="tx1"/>
+                </a:solidFill>
+                <a:latin typeface="Times New Roman" panose="02020603050405020304" pitchFamily="18" charset="0"/>
+                <a:cs typeface="Times New Roman" panose="02020603050405020304" pitchFamily="18" charset="0"/>
+              </a:rPr>
+              <a:t>1</a:t>
+            </a:r>
+            <a:endParaRPr lang="en-US" sz="1000" b="1" baseline="-25000" dirty="0">
+              <a:solidFill>
+                <a:schemeClr val="tx1"/>
+              </a:solidFill>
+              <a:latin typeface="Times New Roman" panose="02020603050405020304" pitchFamily="18" charset="0"/>
+              <a:cs typeface="Times New Roman" panose="02020603050405020304" pitchFamily="18" charset="0"/>
+            </a:endParaRPr>
+          </a:p>
+        </p:txBody>
+      </p:sp>
+      <p:cxnSp>
+        <p:nvCxnSpPr>
+          <p:cNvPr id="5" name="Straight Connector 4"/>
+          <p:cNvCxnSpPr>
+            <a:endCxn id="4" idx="4"/>
+          </p:cNvCxnSpPr>
+          <p:nvPr/>
+        </p:nvCxnSpPr>
+        <p:spPr>
+          <a:xfrm flipV="1">
+            <a:off x="475262" y="5762671"/>
+            <a:ext cx="329668" cy="352380"/>
+          </a:xfrm>
+          <a:prstGeom prst="line">
+            <a:avLst/>
+          </a:prstGeom>
+          <a:ln w="19050">
+            <a:solidFill>
+              <a:schemeClr val="tx1"/>
+            </a:solidFill>
+          </a:ln>
+        </p:spPr>
+        <p:style>
+          <a:lnRef idx="1">
+            <a:schemeClr val="accent1"/>
+          </a:lnRef>
+          <a:fillRef idx="0">
+            <a:schemeClr val="accent1"/>
+          </a:fillRef>
+          <a:effectRef idx="0">
+            <a:schemeClr val="accent1"/>
+          </a:effectRef>
+          <a:fontRef idx="minor">
+            <a:schemeClr val="tx1"/>
+          </a:fontRef>
+        </p:style>
+      </p:cxnSp>
+      <p:cxnSp>
+        <p:nvCxnSpPr>
+          <p:cNvPr id="6" name="Straight Connector 5"/>
+          <p:cNvCxnSpPr>
+            <a:stCxn id="3" idx="0"/>
+            <a:endCxn id="4" idx="4"/>
+          </p:cNvCxnSpPr>
+          <p:nvPr/>
+        </p:nvCxnSpPr>
+        <p:spPr>
+          <a:xfrm flipH="1" flipV="1">
+            <a:off x="804930" y="5762671"/>
+            <a:ext cx="293892" cy="353649"/>
+          </a:xfrm>
+          <a:prstGeom prst="line">
+            <a:avLst/>
+          </a:prstGeom>
+          <a:ln w="19050">
+            <a:solidFill>
+              <a:schemeClr val="tx1"/>
+            </a:solidFill>
+          </a:ln>
+        </p:spPr>
+        <p:style>
+          <a:lnRef idx="1">
+            <a:schemeClr val="accent1"/>
+          </a:lnRef>
+          <a:fillRef idx="0">
+            <a:schemeClr val="accent1"/>
+          </a:fillRef>
+          <a:effectRef idx="0">
+            <a:schemeClr val="accent1"/>
+          </a:effectRef>
+          <a:fontRef idx="minor">
+            <a:schemeClr val="tx1"/>
+          </a:fontRef>
+        </p:style>
+      </p:cxnSp>
+      <p:sp>
+        <p:nvSpPr>
+          <p:cNvPr id="7" name="Oval 6"/>
+          <p:cNvSpPr/>
+          <p:nvPr/>
+        </p:nvSpPr>
+        <p:spPr>
+          <a:xfrm>
+            <a:off x="1374355" y="6115051"/>
+            <a:ext cx="457200" cy="457200"/>
+          </a:xfrm>
+          <a:prstGeom prst="ellipse">
+            <a:avLst/>
+          </a:prstGeom>
+          <a:noFill/>
+          <a:ln w="19050">
+            <a:solidFill>
+              <a:schemeClr val="tx1"/>
+            </a:solidFill>
+          </a:ln>
+        </p:spPr>
+        <p:style>
+          <a:lnRef idx="2">
+            <a:schemeClr val="accent1">
+              <a:shade val="50000"/>
+            </a:schemeClr>
+          </a:lnRef>
+          <a:fillRef idx="1">
+            <a:schemeClr val="accent1"/>
+          </a:fillRef>
+          <a:effectRef idx="0">
+            <a:schemeClr val="accent1"/>
+          </a:effectRef>
+          <a:fontRef idx="minor">
+            <a:schemeClr val="lt1"/>
+          </a:fontRef>
+        </p:style>
+        <p:txBody>
+          <a:bodyPr rot="0" spcFirstLastPara="0" vert="horz" wrap="square" lIns="91440" tIns="45720" rIns="91440" bIns="45720" numCol="1" spcCol="0" rtlCol="0" fromWordArt="0" anchor="ctr" anchorCtr="0" forceAA="0" compatLnSpc="1">
+            <a:prstTxWarp prst="textNoShape">
+              <a:avLst/>
+            </a:prstTxWarp>
+            <a:noAutofit/>
+          </a:bodyPr>
+          <a:lstStyle/>
+          <a:p>
+            <a:r>
+              <a:rPr lang="en-US" sz="1000" b="1" dirty="0" smtClean="0">
+                <a:solidFill>
+                  <a:prstClr val="black"/>
+                </a:solidFill>
+                <a:latin typeface="Times New Roman" panose="02020603050405020304" pitchFamily="18" charset="0"/>
+                <a:cs typeface="Times New Roman" panose="02020603050405020304" pitchFamily="18" charset="0"/>
+              </a:rPr>
+              <a:t>C</a:t>
+            </a:r>
+            <a:r>
+              <a:rPr lang="en-US" sz="1000" b="1" baseline="-25000" dirty="0" smtClean="0">
+                <a:solidFill>
+                  <a:prstClr val="black"/>
+                </a:solidFill>
+                <a:latin typeface="Times New Roman" panose="02020603050405020304" pitchFamily="18" charset="0"/>
+                <a:cs typeface="Times New Roman" panose="02020603050405020304" pitchFamily="18" charset="0"/>
+              </a:rPr>
+              <a:t>0</a:t>
+            </a:r>
+            <a:endParaRPr lang="en-US" b="1" dirty="0"/>
+          </a:p>
+        </p:txBody>
+      </p:sp>
+      <p:sp>
+        <p:nvSpPr>
+          <p:cNvPr id="9" name="Oval 8"/>
+          <p:cNvSpPr/>
+          <p:nvPr/>
+        </p:nvSpPr>
+        <p:spPr>
+          <a:xfrm>
+            <a:off x="2062674" y="6115051"/>
+            <a:ext cx="457200" cy="457200"/>
+          </a:xfrm>
+          <a:prstGeom prst="ellipse">
+            <a:avLst/>
+          </a:prstGeom>
+          <a:noFill/>
+          <a:ln w="19050">
+            <a:solidFill>
+              <a:schemeClr val="tx1"/>
+            </a:solidFill>
+          </a:ln>
+        </p:spPr>
+        <p:style>
+          <a:lnRef idx="2">
+            <a:schemeClr val="accent1">
+              <a:shade val="50000"/>
+            </a:schemeClr>
+          </a:lnRef>
+          <a:fillRef idx="1">
+            <a:schemeClr val="accent1"/>
+          </a:fillRef>
+          <a:effectRef idx="0">
+            <a:schemeClr val="accent1"/>
+          </a:effectRef>
+          <a:fontRef idx="minor">
+            <a:schemeClr val="lt1"/>
+          </a:fontRef>
+        </p:style>
+        <p:txBody>
+          <a:bodyPr rot="0" spcFirstLastPara="0" vert="horz" wrap="square" lIns="91440" tIns="45720" rIns="91440" bIns="45720" numCol="1" spcCol="0" rtlCol="0" fromWordArt="0" anchor="ctr" anchorCtr="0" forceAA="0" compatLnSpc="1">
+            <a:prstTxWarp prst="textNoShape">
+              <a:avLst/>
+            </a:prstTxWarp>
+            <a:noAutofit/>
+          </a:bodyPr>
+          <a:lstStyle/>
+          <a:p>
+            <a:r>
+              <a:rPr lang="en-US" sz="1000" b="1" dirty="0" smtClean="0">
+                <a:solidFill>
+                  <a:prstClr val="black"/>
+                </a:solidFill>
+                <a:latin typeface="Times New Roman" panose="02020603050405020304" pitchFamily="18" charset="0"/>
+                <a:cs typeface="Times New Roman" panose="02020603050405020304" pitchFamily="18" charset="0"/>
+              </a:rPr>
+              <a:t>B</a:t>
+            </a:r>
+            <a:r>
+              <a:rPr lang="en-US" sz="1000" b="1" baseline="-25000" dirty="0" smtClean="0">
+                <a:solidFill>
+                  <a:prstClr val="black"/>
+                </a:solidFill>
+                <a:latin typeface="Times New Roman" panose="02020603050405020304" pitchFamily="18" charset="0"/>
+                <a:cs typeface="Times New Roman" panose="02020603050405020304" pitchFamily="18" charset="0"/>
+              </a:rPr>
+              <a:t>0</a:t>
+            </a:r>
+            <a:endParaRPr lang="en-US" b="1" dirty="0"/>
+          </a:p>
+        </p:txBody>
+      </p:sp>
+      <p:sp>
+        <p:nvSpPr>
+          <p:cNvPr id="10" name="Oval 9"/>
+          <p:cNvSpPr/>
+          <p:nvPr/>
+        </p:nvSpPr>
+        <p:spPr>
+          <a:xfrm>
+            <a:off x="2627010" y="6116320"/>
+            <a:ext cx="457200" cy="457200"/>
+          </a:xfrm>
+          <a:prstGeom prst="ellipse">
+            <a:avLst/>
+          </a:prstGeom>
+          <a:noFill/>
+          <a:ln w="19050">
+            <a:solidFill>
+              <a:schemeClr val="tx1"/>
+            </a:solidFill>
+          </a:ln>
+        </p:spPr>
+        <p:style>
+          <a:lnRef idx="2">
+            <a:schemeClr val="accent1">
+              <a:shade val="50000"/>
+            </a:schemeClr>
+          </a:lnRef>
+          <a:fillRef idx="1">
+            <a:schemeClr val="accent1"/>
+          </a:fillRef>
+          <a:effectRef idx="0">
+            <a:schemeClr val="accent1"/>
+          </a:effectRef>
+          <a:fontRef idx="minor">
+            <a:schemeClr val="lt1"/>
+          </a:fontRef>
+        </p:style>
+        <p:txBody>
+          <a:bodyPr rot="0" spcFirstLastPara="0" vert="horz" wrap="square" lIns="91440" tIns="45720" rIns="91440" bIns="45720" numCol="1" spcCol="0" rtlCol="0" fromWordArt="0" anchor="ctr" anchorCtr="0" forceAA="0" compatLnSpc="1">
+            <a:prstTxWarp prst="textNoShape">
+              <a:avLst/>
+            </a:prstTxWarp>
+            <a:noAutofit/>
+          </a:bodyPr>
+          <a:lstStyle/>
+          <a:p>
+            <a:r>
+              <a:rPr lang="en-US" sz="1000" b="1" dirty="0" smtClean="0">
+                <a:solidFill>
+                  <a:prstClr val="black"/>
+                </a:solidFill>
+                <a:latin typeface="Times New Roman" panose="02020603050405020304" pitchFamily="18" charset="0"/>
+                <a:cs typeface="Times New Roman" panose="02020603050405020304" pitchFamily="18" charset="0"/>
+              </a:rPr>
+              <a:t>E</a:t>
+            </a:r>
+            <a:r>
+              <a:rPr lang="en-US" sz="1000" b="1" baseline="-25000" dirty="0" smtClean="0">
+                <a:solidFill>
+                  <a:prstClr val="black"/>
+                </a:solidFill>
+                <a:latin typeface="Times New Roman" panose="02020603050405020304" pitchFamily="18" charset="0"/>
+                <a:cs typeface="Times New Roman" panose="02020603050405020304" pitchFamily="18" charset="0"/>
+              </a:rPr>
+              <a:t>0</a:t>
+            </a:r>
+            <a:endParaRPr lang="en-US" b="1" dirty="0"/>
+          </a:p>
+        </p:txBody>
+      </p:sp>
+      <p:sp>
+        <p:nvSpPr>
+          <p:cNvPr id="11" name="Oval 10"/>
+          <p:cNvSpPr/>
+          <p:nvPr/>
+        </p:nvSpPr>
+        <p:spPr>
+          <a:xfrm>
+            <a:off x="2333118" y="5305471"/>
+            <a:ext cx="457200" cy="457200"/>
+          </a:xfrm>
+          <a:prstGeom prst="ellipse">
+            <a:avLst/>
+          </a:prstGeom>
+          <a:noFill/>
+          <a:ln w="19050">
+            <a:solidFill>
+              <a:schemeClr val="tx1"/>
+            </a:solidFill>
+          </a:ln>
+        </p:spPr>
+        <p:style>
+          <a:lnRef idx="2">
+            <a:schemeClr val="accent1">
+              <a:shade val="50000"/>
+            </a:schemeClr>
+          </a:lnRef>
+          <a:fillRef idx="1">
+            <a:schemeClr val="accent1"/>
+          </a:fillRef>
+          <a:effectRef idx="0">
+            <a:schemeClr val="accent1"/>
+          </a:effectRef>
+          <a:fontRef idx="minor">
+            <a:schemeClr val="lt1"/>
+          </a:fontRef>
+        </p:style>
+        <p:txBody>
+          <a:bodyPr rot="0" spcFirstLastPara="0" vert="horz" wrap="square" lIns="91440" tIns="45720" rIns="91440" bIns="45720" numCol="1" spcCol="0" rtlCol="0" fromWordArt="0" anchor="ctr" anchorCtr="0" forceAA="0" compatLnSpc="1">
+            <a:prstTxWarp prst="textNoShape">
+              <a:avLst/>
+            </a:prstTxWarp>
+            <a:noAutofit/>
+          </a:bodyPr>
+          <a:lstStyle/>
+          <a:p>
+            <a:r>
+              <a:rPr lang="en-US" sz="1000" b="1" dirty="0" smtClean="0">
+                <a:solidFill>
+                  <a:schemeClr val="tx1"/>
+                </a:solidFill>
+                <a:latin typeface="Times New Roman" panose="02020603050405020304" pitchFamily="18" charset="0"/>
+                <a:cs typeface="Times New Roman" panose="02020603050405020304" pitchFamily="18" charset="0"/>
+              </a:rPr>
+              <a:t>B</a:t>
+            </a:r>
+            <a:r>
+              <a:rPr lang="en-US" sz="1000" b="1" baseline="-25000" dirty="0" smtClean="0">
+                <a:solidFill>
+                  <a:schemeClr val="tx1"/>
+                </a:solidFill>
+                <a:latin typeface="Times New Roman" panose="02020603050405020304" pitchFamily="18" charset="0"/>
+                <a:cs typeface="Times New Roman" panose="02020603050405020304" pitchFamily="18" charset="0"/>
+              </a:rPr>
+              <a:t>1</a:t>
+            </a:r>
+            <a:endParaRPr lang="en-US" sz="1000" b="1" baseline="-25000" dirty="0">
+              <a:solidFill>
+                <a:schemeClr val="tx1"/>
+              </a:solidFill>
+              <a:latin typeface="Times New Roman" panose="02020603050405020304" pitchFamily="18" charset="0"/>
+              <a:cs typeface="Times New Roman" panose="02020603050405020304" pitchFamily="18" charset="0"/>
+            </a:endParaRPr>
+          </a:p>
+        </p:txBody>
+      </p:sp>
+      <p:cxnSp>
+        <p:nvCxnSpPr>
+          <p:cNvPr id="12" name="Straight Connector 11"/>
+          <p:cNvCxnSpPr>
+            <a:endCxn id="11" idx="4"/>
+          </p:cNvCxnSpPr>
+          <p:nvPr/>
+        </p:nvCxnSpPr>
+        <p:spPr>
+          <a:xfrm flipV="1">
+            <a:off x="2232050" y="5762671"/>
+            <a:ext cx="329668" cy="352380"/>
+          </a:xfrm>
+          <a:prstGeom prst="line">
+            <a:avLst/>
+          </a:prstGeom>
+          <a:ln w="19050">
+            <a:solidFill>
+              <a:schemeClr val="tx1"/>
+            </a:solidFill>
+          </a:ln>
+        </p:spPr>
+        <p:style>
+          <a:lnRef idx="1">
+            <a:schemeClr val="accent1"/>
+          </a:lnRef>
+          <a:fillRef idx="0">
+            <a:schemeClr val="accent1"/>
+          </a:fillRef>
+          <a:effectRef idx="0">
+            <a:schemeClr val="accent1"/>
+          </a:effectRef>
+          <a:fontRef idx="minor">
+            <a:schemeClr val="tx1"/>
+          </a:fontRef>
+        </p:style>
+      </p:cxnSp>
+      <p:cxnSp>
+        <p:nvCxnSpPr>
+          <p:cNvPr id="13" name="Straight Connector 12"/>
+          <p:cNvCxnSpPr>
+            <a:stCxn id="10" idx="0"/>
+            <a:endCxn id="11" idx="4"/>
+          </p:cNvCxnSpPr>
+          <p:nvPr/>
+        </p:nvCxnSpPr>
+        <p:spPr>
+          <a:xfrm flipH="1" flipV="1">
+            <a:off x="2561718" y="5762671"/>
+            <a:ext cx="293892" cy="353649"/>
+          </a:xfrm>
+          <a:prstGeom prst="line">
+            <a:avLst/>
+          </a:prstGeom>
+          <a:ln w="19050">
+            <a:solidFill>
+              <a:schemeClr val="tx1"/>
+            </a:solidFill>
+          </a:ln>
+        </p:spPr>
+        <p:style>
+          <a:lnRef idx="1">
+            <a:schemeClr val="accent1"/>
+          </a:lnRef>
+          <a:fillRef idx="0">
+            <a:schemeClr val="accent1"/>
+          </a:fillRef>
+          <a:effectRef idx="0">
+            <a:schemeClr val="accent1"/>
+          </a:effectRef>
+          <a:fontRef idx="minor">
+            <a:schemeClr val="tx1"/>
+          </a:fontRef>
+        </p:style>
+      </p:cxnSp>
+      <p:sp>
+        <p:nvSpPr>
+          <p:cNvPr id="14" name="Oval 13"/>
+          <p:cNvSpPr/>
+          <p:nvPr/>
+        </p:nvSpPr>
+        <p:spPr>
+          <a:xfrm>
+            <a:off x="3139629" y="6115051"/>
+            <a:ext cx="457200" cy="457200"/>
+          </a:xfrm>
+          <a:prstGeom prst="ellipse">
+            <a:avLst/>
+          </a:prstGeom>
+          <a:noFill/>
+          <a:ln w="19050">
+            <a:solidFill>
+              <a:schemeClr val="tx1"/>
+            </a:solidFill>
+          </a:ln>
+        </p:spPr>
+        <p:style>
+          <a:lnRef idx="2">
+            <a:schemeClr val="accent1">
+              <a:shade val="50000"/>
+            </a:schemeClr>
+          </a:lnRef>
+          <a:fillRef idx="1">
+            <a:schemeClr val="accent1"/>
+          </a:fillRef>
+          <a:effectRef idx="0">
+            <a:schemeClr val="accent1"/>
+          </a:effectRef>
+          <a:fontRef idx="minor">
+            <a:schemeClr val="lt1"/>
+          </a:fontRef>
+        </p:style>
+        <p:txBody>
+          <a:bodyPr rot="0" spcFirstLastPara="0" vert="horz" wrap="square" lIns="91440" tIns="45720" rIns="91440" bIns="45720" numCol="1" spcCol="0" rtlCol="0" fromWordArt="0" anchor="ctr" anchorCtr="0" forceAA="0" compatLnSpc="1">
+            <a:prstTxWarp prst="textNoShape">
+              <a:avLst/>
+            </a:prstTxWarp>
+            <a:noAutofit/>
+          </a:bodyPr>
+          <a:lstStyle/>
+          <a:p>
+            <a:r>
+              <a:rPr lang="en-US" sz="1000" b="1" dirty="0" smtClean="0">
+                <a:solidFill>
+                  <a:prstClr val="black"/>
+                </a:solidFill>
+                <a:latin typeface="Times New Roman" panose="02020603050405020304" pitchFamily="18" charset="0"/>
+                <a:cs typeface="Times New Roman" panose="02020603050405020304" pitchFamily="18" charset="0"/>
+              </a:rPr>
+              <a:t>F</a:t>
+            </a:r>
+            <a:r>
+              <a:rPr lang="en-US" sz="1000" b="1" baseline="-25000" dirty="0" smtClean="0">
+                <a:solidFill>
+                  <a:prstClr val="black"/>
+                </a:solidFill>
+                <a:latin typeface="Times New Roman" panose="02020603050405020304" pitchFamily="18" charset="0"/>
+                <a:cs typeface="Times New Roman" panose="02020603050405020304" pitchFamily="18" charset="0"/>
+              </a:rPr>
+              <a:t>0</a:t>
+            </a:r>
+            <a:endParaRPr lang="en-US" b="1" dirty="0"/>
+          </a:p>
+        </p:txBody>
+      </p:sp>
+      <p:sp>
+        <p:nvSpPr>
+          <p:cNvPr id="16" name="Oval 15"/>
+          <p:cNvSpPr/>
+          <p:nvPr/>
+        </p:nvSpPr>
+        <p:spPr>
+          <a:xfrm>
+            <a:off x="3807727" y="6115051"/>
+            <a:ext cx="457200" cy="457200"/>
+          </a:xfrm>
+          <a:prstGeom prst="ellipse">
+            <a:avLst/>
+          </a:prstGeom>
+          <a:noFill/>
+          <a:ln w="19050">
+            <a:solidFill>
+              <a:schemeClr val="tx1"/>
+            </a:solidFill>
+          </a:ln>
+        </p:spPr>
+        <p:style>
+          <a:lnRef idx="2">
+            <a:schemeClr val="accent1">
+              <a:shade val="50000"/>
+            </a:schemeClr>
+          </a:lnRef>
+          <a:fillRef idx="1">
+            <a:schemeClr val="accent1"/>
+          </a:fillRef>
+          <a:effectRef idx="0">
+            <a:schemeClr val="accent1"/>
+          </a:effectRef>
+          <a:fontRef idx="minor">
+            <a:schemeClr val="lt1"/>
+          </a:fontRef>
+        </p:style>
+        <p:txBody>
+          <a:bodyPr rot="0" spcFirstLastPara="0" vert="horz" wrap="square" lIns="91440" tIns="45720" rIns="91440" bIns="45720" numCol="1" spcCol="0" rtlCol="0" fromWordArt="0" anchor="ctr" anchorCtr="0" forceAA="0" compatLnSpc="1">
+            <a:prstTxWarp prst="textNoShape">
+              <a:avLst/>
+            </a:prstTxWarp>
+            <a:noAutofit/>
+          </a:bodyPr>
+          <a:lstStyle/>
+          <a:p>
+            <a:r>
+              <a:rPr lang="en-US" sz="1000" b="1" dirty="0" smtClean="0">
+                <a:solidFill>
+                  <a:prstClr val="black"/>
+                </a:solidFill>
+                <a:latin typeface="Times New Roman" panose="02020603050405020304" pitchFamily="18" charset="0"/>
+                <a:cs typeface="Times New Roman" panose="02020603050405020304" pitchFamily="18" charset="0"/>
+              </a:rPr>
+              <a:t>D</a:t>
+            </a:r>
+            <a:r>
+              <a:rPr lang="en-US" sz="1000" b="1" baseline="-25000" dirty="0" smtClean="0">
+                <a:solidFill>
+                  <a:prstClr val="black"/>
+                </a:solidFill>
+                <a:latin typeface="Times New Roman" panose="02020603050405020304" pitchFamily="18" charset="0"/>
+                <a:cs typeface="Times New Roman" panose="02020603050405020304" pitchFamily="18" charset="0"/>
+              </a:rPr>
+              <a:t>0</a:t>
+            </a:r>
+            <a:endParaRPr lang="en-US" b="1" dirty="0"/>
+          </a:p>
+        </p:txBody>
+      </p:sp>
+      <p:sp>
+        <p:nvSpPr>
+          <p:cNvPr id="17" name="Oval 16"/>
+          <p:cNvSpPr/>
+          <p:nvPr/>
+        </p:nvSpPr>
+        <p:spPr>
+          <a:xfrm>
+            <a:off x="4523841" y="6115051"/>
+            <a:ext cx="457200" cy="457200"/>
+          </a:xfrm>
+          <a:prstGeom prst="ellipse">
+            <a:avLst/>
+          </a:prstGeom>
+          <a:noFill/>
+          <a:ln w="19050">
+            <a:solidFill>
+              <a:schemeClr val="tx1"/>
+            </a:solidFill>
+          </a:ln>
+        </p:spPr>
+        <p:style>
+          <a:lnRef idx="2">
+            <a:schemeClr val="accent1">
+              <a:shade val="50000"/>
+            </a:schemeClr>
+          </a:lnRef>
+          <a:fillRef idx="1">
+            <a:schemeClr val="accent1"/>
+          </a:fillRef>
+          <a:effectRef idx="0">
+            <a:schemeClr val="accent1"/>
+          </a:effectRef>
+          <a:fontRef idx="minor">
+            <a:schemeClr val="lt1"/>
+          </a:fontRef>
+        </p:style>
+        <p:txBody>
+          <a:bodyPr rot="0" spcFirstLastPara="0" vert="horz" wrap="square" lIns="91440" tIns="45720" rIns="91440" bIns="45720" numCol="1" spcCol="0" rtlCol="0" fromWordArt="0" anchor="ctr" anchorCtr="0" forceAA="0" compatLnSpc="1">
+            <a:prstTxWarp prst="textNoShape">
+              <a:avLst/>
+            </a:prstTxWarp>
+            <a:noAutofit/>
+          </a:bodyPr>
+          <a:lstStyle/>
+          <a:p>
+            <a:r>
+              <a:rPr lang="en-US" sz="1000" b="1" dirty="0" smtClean="0">
+                <a:solidFill>
+                  <a:prstClr val="black"/>
+                </a:solidFill>
+                <a:latin typeface="Times New Roman" panose="02020603050405020304" pitchFamily="18" charset="0"/>
+                <a:cs typeface="Times New Roman" panose="02020603050405020304" pitchFamily="18" charset="0"/>
+              </a:rPr>
+              <a:t>A</a:t>
+            </a:r>
+            <a:r>
+              <a:rPr lang="en-US" sz="1000" b="1" baseline="-25000" dirty="0" smtClean="0">
+                <a:solidFill>
+                  <a:prstClr val="black"/>
+                </a:solidFill>
+                <a:latin typeface="Times New Roman" panose="02020603050405020304" pitchFamily="18" charset="0"/>
+                <a:cs typeface="Times New Roman" panose="02020603050405020304" pitchFamily="18" charset="0"/>
+              </a:rPr>
+              <a:t>0</a:t>
+            </a:r>
+            <a:endParaRPr lang="en-US" b="1" dirty="0"/>
+          </a:p>
+        </p:txBody>
+      </p:sp>
+      <p:sp>
+        <p:nvSpPr>
+          <p:cNvPr id="18" name="Rectangle 17"/>
+          <p:cNvSpPr/>
+          <p:nvPr/>
+        </p:nvSpPr>
+        <p:spPr>
+          <a:xfrm>
+            <a:off x="180975" y="5238749"/>
+            <a:ext cx="1699588" cy="1409701"/>
+          </a:xfrm>
+          <a:prstGeom prst="rect">
+            <a:avLst/>
+          </a:prstGeom>
+          <a:noFill/>
+          <a:ln w="3175" cap="sq">
+            <a:solidFill>
+              <a:schemeClr val="tx1"/>
+            </a:solidFill>
+            <a:prstDash val="dash"/>
+          </a:ln>
+        </p:spPr>
+        <p:style>
+          <a:lnRef idx="2">
+            <a:schemeClr val="accent1">
+              <a:shade val="50000"/>
+            </a:schemeClr>
+          </a:lnRef>
+          <a:fillRef idx="1">
+            <a:schemeClr val="accent1"/>
+          </a:fillRef>
+          <a:effectRef idx="0">
+            <a:schemeClr val="accent1"/>
+          </a:effectRef>
+          <a:fontRef idx="minor">
+            <a:schemeClr val="lt1"/>
+          </a:fontRef>
+        </p:style>
+        <p:txBody>
+          <a:bodyPr rot="0" spcFirstLastPara="0" vert="horz" wrap="square" lIns="91440" tIns="45720" rIns="91440" bIns="45720" numCol="1" spcCol="0" rtlCol="0" fromWordArt="0" anchor="ctr" anchorCtr="0" forceAA="0" compatLnSpc="1">
+            <a:prstTxWarp prst="textNoShape">
+              <a:avLst/>
+            </a:prstTxWarp>
+            <a:noAutofit/>
+          </a:bodyPr>
+          <a:lstStyle/>
+          <a:p>
+            <a:endParaRPr lang="en-US"/>
+          </a:p>
+        </p:txBody>
+      </p:sp>
+      <p:sp>
+        <p:nvSpPr>
+          <p:cNvPr id="20" name="Rectangle 19"/>
+          <p:cNvSpPr/>
+          <p:nvPr/>
+        </p:nvSpPr>
+        <p:spPr>
+          <a:xfrm>
+            <a:off x="2014849" y="5238749"/>
+            <a:ext cx="1618388" cy="1409701"/>
+          </a:xfrm>
+          <a:prstGeom prst="rect">
+            <a:avLst/>
+          </a:prstGeom>
+          <a:noFill/>
+          <a:ln w="3175" cap="sq">
+            <a:solidFill>
+              <a:schemeClr val="tx1"/>
+            </a:solidFill>
+            <a:prstDash val="dash"/>
+          </a:ln>
+        </p:spPr>
+        <p:style>
+          <a:lnRef idx="2">
+            <a:schemeClr val="accent1">
+              <a:shade val="50000"/>
+            </a:schemeClr>
+          </a:lnRef>
+          <a:fillRef idx="1">
+            <a:schemeClr val="accent1"/>
+          </a:fillRef>
+          <a:effectRef idx="0">
+            <a:schemeClr val="accent1"/>
+          </a:effectRef>
+          <a:fontRef idx="minor">
+            <a:schemeClr val="lt1"/>
+          </a:fontRef>
+        </p:style>
+        <p:txBody>
+          <a:bodyPr rot="0" spcFirstLastPara="0" vert="horz" wrap="square" lIns="91440" tIns="45720" rIns="91440" bIns="45720" numCol="1" spcCol="0" rtlCol="0" fromWordArt="0" anchor="ctr" anchorCtr="0" forceAA="0" compatLnSpc="1">
+            <a:prstTxWarp prst="textNoShape">
+              <a:avLst/>
+            </a:prstTxWarp>
+            <a:noAutofit/>
+          </a:bodyPr>
+          <a:lstStyle/>
+          <a:p>
+            <a:endParaRPr lang="en-US"/>
+          </a:p>
+        </p:txBody>
+      </p:sp>
+      <p:sp>
+        <p:nvSpPr>
+          <p:cNvPr id="21" name="Rectangle 20"/>
+          <p:cNvSpPr/>
+          <p:nvPr/>
+        </p:nvSpPr>
+        <p:spPr>
+          <a:xfrm>
+            <a:off x="3744691" y="6038850"/>
+            <a:ext cx="618175" cy="609600"/>
+          </a:xfrm>
+          <a:prstGeom prst="rect">
+            <a:avLst/>
+          </a:prstGeom>
+          <a:noFill/>
+          <a:ln w="3175" cap="sq">
+            <a:solidFill>
+              <a:schemeClr val="tx1"/>
+            </a:solidFill>
+            <a:prstDash val="dash"/>
+          </a:ln>
+        </p:spPr>
+        <p:style>
+          <a:lnRef idx="2">
+            <a:schemeClr val="accent1">
+              <a:shade val="50000"/>
+            </a:schemeClr>
+          </a:lnRef>
+          <a:fillRef idx="1">
+            <a:schemeClr val="accent1"/>
+          </a:fillRef>
+          <a:effectRef idx="0">
+            <a:schemeClr val="accent1"/>
+          </a:effectRef>
+          <a:fontRef idx="minor">
+            <a:schemeClr val="lt1"/>
+          </a:fontRef>
+        </p:style>
+        <p:txBody>
+          <a:bodyPr rot="0" spcFirstLastPara="0" vert="horz" wrap="square" lIns="91440" tIns="45720" rIns="91440" bIns="45720" numCol="1" spcCol="0" rtlCol="0" fromWordArt="0" anchor="ctr" anchorCtr="0" forceAA="0" compatLnSpc="1">
+            <a:prstTxWarp prst="textNoShape">
+              <a:avLst/>
+            </a:prstTxWarp>
+            <a:noAutofit/>
+          </a:bodyPr>
+          <a:lstStyle/>
+          <a:p>
+            <a:endParaRPr lang="en-US"/>
+          </a:p>
+        </p:txBody>
+      </p:sp>
+      <p:sp>
+        <p:nvSpPr>
+          <p:cNvPr id="22" name="Rectangle 21"/>
+          <p:cNvSpPr/>
+          <p:nvPr/>
+        </p:nvSpPr>
+        <p:spPr>
+          <a:xfrm>
+            <a:off x="4443353" y="6038850"/>
+            <a:ext cx="618175" cy="609600"/>
+          </a:xfrm>
+          <a:prstGeom prst="rect">
+            <a:avLst/>
+          </a:prstGeom>
+          <a:noFill/>
+          <a:ln w="3175" cap="sq">
+            <a:solidFill>
+              <a:schemeClr val="tx1"/>
+            </a:solidFill>
+            <a:prstDash val="dash"/>
+          </a:ln>
+        </p:spPr>
+        <p:style>
+          <a:lnRef idx="2">
+            <a:schemeClr val="accent1">
+              <a:shade val="50000"/>
+            </a:schemeClr>
+          </a:lnRef>
+          <a:fillRef idx="1">
+            <a:schemeClr val="accent1"/>
+          </a:fillRef>
+          <a:effectRef idx="0">
+            <a:schemeClr val="accent1"/>
+          </a:effectRef>
+          <a:fontRef idx="minor">
+            <a:schemeClr val="lt1"/>
+          </a:fontRef>
+        </p:style>
+        <p:txBody>
+          <a:bodyPr rot="0" spcFirstLastPara="0" vert="horz" wrap="square" lIns="91440" tIns="45720" rIns="91440" bIns="45720" numCol="1" spcCol="0" rtlCol="0" fromWordArt="0" anchor="ctr" anchorCtr="0" forceAA="0" compatLnSpc="1">
+            <a:prstTxWarp prst="textNoShape">
+              <a:avLst/>
+            </a:prstTxWarp>
+            <a:noAutofit/>
+          </a:bodyPr>
+          <a:lstStyle/>
+          <a:p>
+            <a:endParaRPr lang="en-US"/>
+          </a:p>
+        </p:txBody>
+      </p:sp>
+    </p:spTree>
+    <p:extLst>
+      <p:ext uri="{BB962C8B-B14F-4D97-AF65-F5344CB8AC3E}">
+        <p14:creationId xmlns:p14="http://schemas.microsoft.com/office/powerpoint/2010/main" val="2661847700"/>
+      </p:ext>
+    </p:extLst>
+  </p:cSld>
+  <p:clrMapOvr>
+    <a:masterClrMapping/>
+  </p:clrMapOvr>
+  <p:timing>
+    <p:tnLst>
+      <p:par>
+        <p:cTn id="1" dur="indefinite" restart="never" nodeType="tmRoot"/>
+      </p:par>
+    </p:tnLst>
+  </p:timing>
+</p:sld>
+</file>
+
+<file path=ppt/slides/slide33.xml><?xml version="1.0" encoding="utf-8"?>
+<p:sld xmlns:a="http://schemas.openxmlformats.org/drawingml/2006/main" xmlns:r="http://schemas.openxmlformats.org/officeDocument/2006/relationships" xmlns:p="http://schemas.openxmlformats.org/presentationml/2006/main">
+  <p:cSld>
+    <p:spTree>
+      <p:nvGrpSpPr>
+        <p:cNvPr id="1" name=""/>
+        <p:cNvGrpSpPr/>
+        <p:nvPr/>
+      </p:nvGrpSpPr>
+      <p:grpSpPr>
+        <a:xfrm>
+          <a:off x="0" y="0"/>
+          <a:ext cx="0" cy="0"/>
+          <a:chOff x="0" y="0"/>
+          <a:chExt cx="0" cy="0"/>
+        </a:xfrm>
+      </p:grpSpPr>
+      <p:sp>
+        <p:nvSpPr>
+          <p:cNvPr id="2" name="Oval 1"/>
+          <p:cNvSpPr/>
+          <p:nvPr/>
+        </p:nvSpPr>
+        <p:spPr>
+          <a:xfrm>
+            <a:off x="143884" y="6249670"/>
+            <a:ext cx="457200" cy="457200"/>
+          </a:xfrm>
+          <a:prstGeom prst="ellipse">
+            <a:avLst/>
+          </a:prstGeom>
+          <a:noFill/>
+          <a:ln w="19050">
+            <a:solidFill>
+              <a:schemeClr val="tx1"/>
+            </a:solidFill>
+          </a:ln>
+        </p:spPr>
+        <p:style>
+          <a:lnRef idx="2">
+            <a:schemeClr val="accent1">
+              <a:shade val="50000"/>
+            </a:schemeClr>
+          </a:lnRef>
+          <a:fillRef idx="1">
+            <a:schemeClr val="accent1"/>
+          </a:fillRef>
+          <a:effectRef idx="0">
+            <a:schemeClr val="accent1"/>
+          </a:effectRef>
+          <a:fontRef idx="minor">
+            <a:schemeClr val="lt1"/>
+          </a:fontRef>
+        </p:style>
+        <p:txBody>
+          <a:bodyPr rot="0" spcFirstLastPara="0" vert="horz" wrap="square" lIns="91440" tIns="45720" rIns="91440" bIns="45720" numCol="1" spcCol="0" rtlCol="0" fromWordArt="0" anchor="ctr" anchorCtr="0" forceAA="0" compatLnSpc="1">
+            <a:prstTxWarp prst="textNoShape">
+              <a:avLst/>
+            </a:prstTxWarp>
+            <a:noAutofit/>
+          </a:bodyPr>
+          <a:lstStyle/>
+          <a:p>
+            <a:r>
+              <a:rPr lang="en-US" sz="1000" dirty="0" smtClean="0">
+                <a:solidFill>
+                  <a:prstClr val="black"/>
+                </a:solidFill>
+                <a:latin typeface="Times New Roman" panose="02020603050405020304" pitchFamily="18" charset="0"/>
+                <a:cs typeface="Times New Roman" panose="02020603050405020304" pitchFamily="18" charset="0"/>
+              </a:rPr>
+              <a:t>G</a:t>
+            </a:r>
+            <a:r>
+              <a:rPr lang="en-US" sz="1000" b="1" baseline="-25000" dirty="0" smtClean="0">
+                <a:solidFill>
+                  <a:prstClr val="black"/>
+                </a:solidFill>
+                <a:latin typeface="Times New Roman" panose="02020603050405020304" pitchFamily="18" charset="0"/>
+                <a:cs typeface="Times New Roman" panose="02020603050405020304" pitchFamily="18" charset="0"/>
+              </a:rPr>
+              <a:t>0</a:t>
+            </a:r>
+            <a:endParaRPr lang="en-US" b="1" dirty="0"/>
+          </a:p>
+        </p:txBody>
+      </p:sp>
+      <p:sp>
+        <p:nvSpPr>
+          <p:cNvPr id="3" name="Oval 2"/>
+          <p:cNvSpPr/>
+          <p:nvPr/>
+        </p:nvSpPr>
+        <p:spPr>
+          <a:xfrm>
+            <a:off x="765447" y="6249670"/>
+            <a:ext cx="457200" cy="457200"/>
+          </a:xfrm>
+          <a:prstGeom prst="ellipse">
+            <a:avLst/>
+          </a:prstGeom>
+          <a:noFill/>
+          <a:ln w="19050">
+            <a:solidFill>
+              <a:schemeClr val="tx1"/>
+            </a:solidFill>
+          </a:ln>
+        </p:spPr>
+        <p:style>
+          <a:lnRef idx="2">
+            <a:schemeClr val="accent1">
+              <a:shade val="50000"/>
+            </a:schemeClr>
+          </a:lnRef>
+          <a:fillRef idx="1">
+            <a:schemeClr val="accent1"/>
+          </a:fillRef>
+          <a:effectRef idx="0">
+            <a:schemeClr val="accent1"/>
+          </a:effectRef>
+          <a:fontRef idx="minor">
+            <a:schemeClr val="lt1"/>
+          </a:fontRef>
+        </p:style>
+        <p:txBody>
+          <a:bodyPr rot="0" spcFirstLastPara="0" vert="horz" wrap="square" lIns="91440" tIns="45720" rIns="91440" bIns="45720" numCol="1" spcCol="0" rtlCol="0" fromWordArt="0" anchor="ctr" anchorCtr="0" forceAA="0" compatLnSpc="1">
+            <a:prstTxWarp prst="textNoShape">
+              <a:avLst/>
+            </a:prstTxWarp>
+            <a:noAutofit/>
+          </a:bodyPr>
+          <a:lstStyle/>
+          <a:p>
+            <a:r>
+              <a:rPr lang="en-US" sz="1000" dirty="0" smtClean="0">
+                <a:solidFill>
+                  <a:prstClr val="black"/>
+                </a:solidFill>
+                <a:latin typeface="Times New Roman" panose="02020603050405020304" pitchFamily="18" charset="0"/>
+                <a:cs typeface="Times New Roman" panose="02020603050405020304" pitchFamily="18" charset="0"/>
+              </a:rPr>
+              <a:t>H</a:t>
+            </a:r>
+            <a:r>
+              <a:rPr lang="en-US" sz="1000" b="1" baseline="-25000" dirty="0" smtClean="0">
+                <a:solidFill>
+                  <a:prstClr val="black"/>
+                </a:solidFill>
+                <a:latin typeface="Times New Roman" panose="02020603050405020304" pitchFamily="18" charset="0"/>
+                <a:cs typeface="Times New Roman" panose="02020603050405020304" pitchFamily="18" charset="0"/>
+              </a:rPr>
+              <a:t>0</a:t>
+            </a:r>
+            <a:endParaRPr lang="en-US" b="1" dirty="0"/>
+          </a:p>
+        </p:txBody>
+      </p:sp>
+      <p:sp>
+        <p:nvSpPr>
+          <p:cNvPr id="4" name="Oval 3"/>
+          <p:cNvSpPr/>
+          <p:nvPr/>
+        </p:nvSpPr>
+        <p:spPr>
+          <a:xfrm>
+            <a:off x="471555" y="5438821"/>
+            <a:ext cx="457200" cy="457200"/>
+          </a:xfrm>
+          <a:prstGeom prst="ellipse">
+            <a:avLst/>
+          </a:prstGeom>
+          <a:noFill/>
+          <a:ln w="19050">
+            <a:solidFill>
+              <a:schemeClr val="tx1"/>
+            </a:solidFill>
+          </a:ln>
+        </p:spPr>
+        <p:style>
+          <a:lnRef idx="2">
+            <a:schemeClr val="accent1">
+              <a:shade val="50000"/>
+            </a:schemeClr>
+          </a:lnRef>
+          <a:fillRef idx="1">
+            <a:schemeClr val="accent1"/>
+          </a:fillRef>
+          <a:effectRef idx="0">
+            <a:schemeClr val="accent1"/>
+          </a:effectRef>
+          <a:fontRef idx="minor">
+            <a:schemeClr val="lt1"/>
+          </a:fontRef>
+        </p:style>
+        <p:txBody>
+          <a:bodyPr rot="0" spcFirstLastPara="0" vert="horz" wrap="square" lIns="91440" tIns="45720" rIns="91440" bIns="45720" numCol="1" spcCol="0" rtlCol="0" fromWordArt="0" anchor="ctr" anchorCtr="0" forceAA="0" compatLnSpc="1">
+            <a:prstTxWarp prst="textNoShape">
+              <a:avLst/>
+            </a:prstTxWarp>
+            <a:noAutofit/>
+          </a:bodyPr>
+          <a:lstStyle/>
+          <a:p>
+            <a:r>
+              <a:rPr lang="en-US" sz="1000" dirty="0" smtClean="0">
+                <a:solidFill>
+                  <a:schemeClr val="tx1"/>
+                </a:solidFill>
+                <a:latin typeface="Times New Roman" panose="02020603050405020304" pitchFamily="18" charset="0"/>
+                <a:cs typeface="Times New Roman" panose="02020603050405020304" pitchFamily="18" charset="0"/>
+              </a:rPr>
+              <a:t>G</a:t>
+            </a:r>
+            <a:r>
+              <a:rPr lang="en-US" sz="1000" b="1" baseline="-25000" dirty="0" smtClean="0">
+                <a:solidFill>
+                  <a:schemeClr val="tx1"/>
+                </a:solidFill>
+                <a:latin typeface="Times New Roman" panose="02020603050405020304" pitchFamily="18" charset="0"/>
+                <a:cs typeface="Times New Roman" panose="02020603050405020304" pitchFamily="18" charset="0"/>
+              </a:rPr>
+              <a:t>1</a:t>
+            </a:r>
+            <a:endParaRPr lang="en-US" sz="1000" b="1" baseline="-25000" dirty="0">
+              <a:solidFill>
+                <a:schemeClr val="tx1"/>
+              </a:solidFill>
+              <a:latin typeface="Times New Roman" panose="02020603050405020304" pitchFamily="18" charset="0"/>
+              <a:cs typeface="Times New Roman" panose="02020603050405020304" pitchFamily="18" charset="0"/>
+            </a:endParaRPr>
+          </a:p>
+        </p:txBody>
+      </p:sp>
+      <p:cxnSp>
+        <p:nvCxnSpPr>
+          <p:cNvPr id="5" name="Straight Connector 4"/>
+          <p:cNvCxnSpPr>
+            <a:endCxn id="4" idx="4"/>
+          </p:cNvCxnSpPr>
+          <p:nvPr/>
+        </p:nvCxnSpPr>
+        <p:spPr>
+          <a:xfrm flipV="1">
+            <a:off x="370487" y="5896021"/>
+            <a:ext cx="329668" cy="352380"/>
+          </a:xfrm>
+          <a:prstGeom prst="line">
+            <a:avLst/>
+          </a:prstGeom>
+          <a:ln w="19050">
+            <a:solidFill>
+              <a:schemeClr val="tx1"/>
+            </a:solidFill>
+          </a:ln>
+        </p:spPr>
+        <p:style>
+          <a:lnRef idx="1">
+            <a:schemeClr val="accent1"/>
+          </a:lnRef>
+          <a:fillRef idx="0">
+            <a:schemeClr val="accent1"/>
+          </a:fillRef>
+          <a:effectRef idx="0">
+            <a:schemeClr val="accent1"/>
+          </a:effectRef>
+          <a:fontRef idx="minor">
+            <a:schemeClr val="tx1"/>
+          </a:fontRef>
+        </p:style>
+      </p:cxnSp>
+      <p:cxnSp>
+        <p:nvCxnSpPr>
+          <p:cNvPr id="6" name="Straight Connector 5"/>
+          <p:cNvCxnSpPr>
+            <a:stCxn id="3" idx="0"/>
+            <a:endCxn id="4" idx="4"/>
+          </p:cNvCxnSpPr>
+          <p:nvPr/>
+        </p:nvCxnSpPr>
+        <p:spPr>
+          <a:xfrm flipH="1" flipV="1">
+            <a:off x="700155" y="5896021"/>
+            <a:ext cx="293892" cy="353649"/>
+          </a:xfrm>
+          <a:prstGeom prst="line">
+            <a:avLst/>
+          </a:prstGeom>
+          <a:ln w="19050">
+            <a:solidFill>
+              <a:schemeClr val="tx1"/>
+            </a:solidFill>
+          </a:ln>
+        </p:spPr>
+        <p:style>
+          <a:lnRef idx="1">
+            <a:schemeClr val="accent1"/>
+          </a:lnRef>
+          <a:fillRef idx="0">
+            <a:schemeClr val="accent1"/>
+          </a:fillRef>
+          <a:effectRef idx="0">
+            <a:schemeClr val="accent1"/>
+          </a:effectRef>
+          <a:fontRef idx="minor">
+            <a:schemeClr val="tx1"/>
+          </a:fontRef>
+        </p:style>
+      </p:cxnSp>
+      <p:sp>
+        <p:nvSpPr>
+          <p:cNvPr id="7" name="Oval 6"/>
+          <p:cNvSpPr/>
+          <p:nvPr/>
+        </p:nvSpPr>
+        <p:spPr>
+          <a:xfrm>
+            <a:off x="1303241" y="6249670"/>
+            <a:ext cx="457200" cy="457200"/>
+          </a:xfrm>
+          <a:prstGeom prst="ellipse">
+            <a:avLst/>
+          </a:prstGeom>
+          <a:noFill/>
+          <a:ln w="19050">
+            <a:solidFill>
+              <a:schemeClr val="tx1"/>
+            </a:solidFill>
+          </a:ln>
+        </p:spPr>
+        <p:style>
+          <a:lnRef idx="2">
+            <a:schemeClr val="accent1">
+              <a:shade val="50000"/>
+            </a:schemeClr>
+          </a:lnRef>
+          <a:fillRef idx="1">
+            <a:schemeClr val="accent1"/>
+          </a:fillRef>
+          <a:effectRef idx="0">
+            <a:schemeClr val="accent1"/>
+          </a:effectRef>
+          <a:fontRef idx="minor">
+            <a:schemeClr val="lt1"/>
+          </a:fontRef>
+        </p:style>
+        <p:txBody>
+          <a:bodyPr rot="0" spcFirstLastPara="0" vert="horz" wrap="square" lIns="91440" tIns="45720" rIns="91440" bIns="45720" numCol="1" spcCol="0" rtlCol="0" fromWordArt="0" anchor="ctr" anchorCtr="0" forceAA="0" compatLnSpc="1">
+            <a:prstTxWarp prst="textNoShape">
+              <a:avLst/>
+            </a:prstTxWarp>
+            <a:noAutofit/>
+          </a:bodyPr>
+          <a:lstStyle/>
+          <a:p>
+            <a:r>
+              <a:rPr lang="en-US" sz="1000" b="1" dirty="0" smtClean="0">
+                <a:solidFill>
+                  <a:prstClr val="black"/>
+                </a:solidFill>
+                <a:latin typeface="Times New Roman" panose="02020603050405020304" pitchFamily="18" charset="0"/>
+                <a:cs typeface="Times New Roman" panose="02020603050405020304" pitchFamily="18" charset="0"/>
+              </a:rPr>
+              <a:t>E</a:t>
+            </a:r>
+            <a:r>
+              <a:rPr lang="en-US" sz="1000" b="1" baseline="-25000" dirty="0" smtClean="0">
+                <a:solidFill>
+                  <a:prstClr val="black"/>
+                </a:solidFill>
+                <a:latin typeface="Times New Roman" panose="02020603050405020304" pitchFamily="18" charset="0"/>
+                <a:cs typeface="Times New Roman" panose="02020603050405020304" pitchFamily="18" charset="0"/>
+              </a:rPr>
+              <a:t>0</a:t>
+            </a:r>
+            <a:endParaRPr lang="en-US" b="1" dirty="0"/>
+          </a:p>
+        </p:txBody>
+      </p:sp>
+      <p:sp>
+        <p:nvSpPr>
+          <p:cNvPr id="8" name="Oval 7"/>
+          <p:cNvSpPr/>
+          <p:nvPr/>
+        </p:nvSpPr>
+        <p:spPr>
+          <a:xfrm>
+            <a:off x="1924804" y="6249670"/>
+            <a:ext cx="457200" cy="457200"/>
+          </a:xfrm>
+          <a:prstGeom prst="ellipse">
+            <a:avLst/>
+          </a:prstGeom>
+          <a:noFill/>
+          <a:ln w="19050">
+            <a:solidFill>
+              <a:schemeClr val="tx1"/>
+            </a:solidFill>
+          </a:ln>
+        </p:spPr>
+        <p:style>
+          <a:lnRef idx="2">
+            <a:schemeClr val="accent1">
+              <a:shade val="50000"/>
+            </a:schemeClr>
+          </a:lnRef>
+          <a:fillRef idx="1">
+            <a:schemeClr val="accent1"/>
+          </a:fillRef>
+          <a:effectRef idx="0">
+            <a:schemeClr val="accent1"/>
+          </a:effectRef>
+          <a:fontRef idx="minor">
+            <a:schemeClr val="lt1"/>
+          </a:fontRef>
+        </p:style>
+        <p:txBody>
+          <a:bodyPr rot="0" spcFirstLastPara="0" vert="horz" wrap="square" lIns="91440" tIns="45720" rIns="91440" bIns="45720" numCol="1" spcCol="0" rtlCol="0" fromWordArt="0" anchor="ctr" anchorCtr="0" forceAA="0" compatLnSpc="1">
+            <a:prstTxWarp prst="textNoShape">
+              <a:avLst/>
+            </a:prstTxWarp>
+            <a:noAutofit/>
+          </a:bodyPr>
+          <a:lstStyle/>
+          <a:p>
+            <a:r>
+              <a:rPr lang="en-US" sz="1000" b="1" dirty="0" smtClean="0">
+                <a:solidFill>
+                  <a:prstClr val="black"/>
+                </a:solidFill>
+                <a:latin typeface="Times New Roman" panose="02020603050405020304" pitchFamily="18" charset="0"/>
+                <a:cs typeface="Times New Roman" panose="02020603050405020304" pitchFamily="18" charset="0"/>
+              </a:rPr>
+              <a:t>B</a:t>
+            </a:r>
+            <a:r>
+              <a:rPr lang="en-US" sz="1000" b="1" baseline="-25000" dirty="0" smtClean="0">
+                <a:solidFill>
+                  <a:prstClr val="black"/>
+                </a:solidFill>
+                <a:latin typeface="Times New Roman" panose="02020603050405020304" pitchFamily="18" charset="0"/>
+                <a:cs typeface="Times New Roman" panose="02020603050405020304" pitchFamily="18" charset="0"/>
+              </a:rPr>
+              <a:t>0</a:t>
+            </a:r>
+            <a:endParaRPr lang="en-US" b="1" dirty="0"/>
+          </a:p>
+        </p:txBody>
+      </p:sp>
+      <p:sp>
+        <p:nvSpPr>
+          <p:cNvPr id="9" name="Oval 8"/>
+          <p:cNvSpPr/>
+          <p:nvPr/>
+        </p:nvSpPr>
+        <p:spPr>
+          <a:xfrm>
+            <a:off x="1630912" y="5438821"/>
+            <a:ext cx="457200" cy="457200"/>
+          </a:xfrm>
+          <a:prstGeom prst="ellipse">
+            <a:avLst/>
+          </a:prstGeom>
+          <a:noFill/>
+          <a:ln w="19050">
+            <a:solidFill>
+              <a:schemeClr val="tx1"/>
+            </a:solidFill>
+          </a:ln>
+        </p:spPr>
+        <p:style>
+          <a:lnRef idx="2">
+            <a:schemeClr val="accent1">
+              <a:shade val="50000"/>
+            </a:schemeClr>
+          </a:lnRef>
+          <a:fillRef idx="1">
+            <a:schemeClr val="accent1"/>
+          </a:fillRef>
+          <a:effectRef idx="0">
+            <a:schemeClr val="accent1"/>
+          </a:effectRef>
+          <a:fontRef idx="minor">
+            <a:schemeClr val="lt1"/>
+          </a:fontRef>
+        </p:style>
+        <p:txBody>
+          <a:bodyPr rot="0" spcFirstLastPara="0" vert="horz" wrap="square" lIns="91440" tIns="45720" rIns="91440" bIns="45720" numCol="1" spcCol="0" rtlCol="0" fromWordArt="0" anchor="ctr" anchorCtr="0" forceAA="0" compatLnSpc="1">
+            <a:prstTxWarp prst="textNoShape">
+              <a:avLst/>
+            </a:prstTxWarp>
+            <a:noAutofit/>
+          </a:bodyPr>
+          <a:lstStyle/>
+          <a:p>
+            <a:r>
+              <a:rPr lang="en-US" sz="1000" b="1" dirty="0" smtClean="0">
+                <a:solidFill>
+                  <a:schemeClr val="tx1"/>
+                </a:solidFill>
+                <a:latin typeface="Times New Roman" panose="02020603050405020304" pitchFamily="18" charset="0"/>
+                <a:cs typeface="Times New Roman" panose="02020603050405020304" pitchFamily="18" charset="0"/>
+              </a:rPr>
+              <a:t>B</a:t>
+            </a:r>
+            <a:r>
+              <a:rPr lang="en-US" sz="1000" b="1" baseline="-25000" dirty="0" smtClean="0">
+                <a:solidFill>
+                  <a:schemeClr val="tx1"/>
+                </a:solidFill>
+                <a:latin typeface="Times New Roman" panose="02020603050405020304" pitchFamily="18" charset="0"/>
+                <a:cs typeface="Times New Roman" panose="02020603050405020304" pitchFamily="18" charset="0"/>
+              </a:rPr>
+              <a:t>1</a:t>
+            </a:r>
+            <a:endParaRPr lang="en-US" sz="1000" b="1" baseline="-25000" dirty="0">
+              <a:solidFill>
+                <a:schemeClr val="tx1"/>
+              </a:solidFill>
+              <a:latin typeface="Times New Roman" panose="02020603050405020304" pitchFamily="18" charset="0"/>
+              <a:cs typeface="Times New Roman" panose="02020603050405020304" pitchFamily="18" charset="0"/>
+            </a:endParaRPr>
+          </a:p>
+        </p:txBody>
+      </p:sp>
+      <p:cxnSp>
+        <p:nvCxnSpPr>
+          <p:cNvPr id="10" name="Straight Connector 9"/>
+          <p:cNvCxnSpPr/>
+          <p:nvPr/>
+        </p:nvCxnSpPr>
+        <p:spPr>
+          <a:xfrm flipV="1">
+            <a:off x="1529844" y="5896021"/>
+            <a:ext cx="329668" cy="352380"/>
+          </a:xfrm>
+          <a:prstGeom prst="line">
+            <a:avLst/>
+          </a:prstGeom>
+          <a:ln w="19050">
+            <a:solidFill>
+              <a:schemeClr val="tx1"/>
+            </a:solidFill>
+          </a:ln>
+        </p:spPr>
+        <p:style>
+          <a:lnRef idx="1">
+            <a:schemeClr val="accent1"/>
+          </a:lnRef>
+          <a:fillRef idx="0">
+            <a:schemeClr val="accent1"/>
+          </a:fillRef>
+          <a:effectRef idx="0">
+            <a:schemeClr val="accent1"/>
+          </a:effectRef>
+          <a:fontRef idx="minor">
+            <a:schemeClr val="tx1"/>
+          </a:fontRef>
+        </p:style>
+      </p:cxnSp>
+      <p:cxnSp>
+        <p:nvCxnSpPr>
+          <p:cNvPr id="11" name="Straight Connector 10"/>
+          <p:cNvCxnSpPr>
+            <a:stCxn id="8" idx="0"/>
+            <a:endCxn id="9" idx="4"/>
+          </p:cNvCxnSpPr>
+          <p:nvPr/>
+        </p:nvCxnSpPr>
+        <p:spPr>
+          <a:xfrm flipH="1" flipV="1">
+            <a:off x="1859512" y="5896021"/>
+            <a:ext cx="293892" cy="353649"/>
+          </a:xfrm>
+          <a:prstGeom prst="line">
+            <a:avLst/>
+          </a:prstGeom>
+          <a:ln w="19050">
+            <a:solidFill>
+              <a:schemeClr val="tx1"/>
+            </a:solidFill>
+          </a:ln>
+        </p:spPr>
+        <p:style>
+          <a:lnRef idx="1">
+            <a:schemeClr val="accent1"/>
+          </a:lnRef>
+          <a:fillRef idx="0">
+            <a:schemeClr val="accent1"/>
+          </a:fillRef>
+          <a:effectRef idx="0">
+            <a:schemeClr val="accent1"/>
+          </a:effectRef>
+          <a:fontRef idx="minor">
+            <a:schemeClr val="tx1"/>
+          </a:fontRef>
+        </p:style>
+      </p:cxnSp>
+      <p:sp>
+        <p:nvSpPr>
+          <p:cNvPr id="12" name="Rectangle 11"/>
+          <p:cNvSpPr/>
+          <p:nvPr/>
+        </p:nvSpPr>
+        <p:spPr>
+          <a:xfrm>
+            <a:off x="66674" y="5372099"/>
+            <a:ext cx="4638675" cy="1409701"/>
+          </a:xfrm>
+          <a:prstGeom prst="rect">
+            <a:avLst/>
+          </a:prstGeom>
+          <a:noFill/>
+          <a:ln w="3175" cap="sq">
+            <a:solidFill>
+              <a:schemeClr val="tx1"/>
+            </a:solidFill>
+            <a:prstDash val="dash"/>
+          </a:ln>
+        </p:spPr>
+        <p:style>
+          <a:lnRef idx="2">
+            <a:schemeClr val="accent1">
+              <a:shade val="50000"/>
+            </a:schemeClr>
+          </a:lnRef>
+          <a:fillRef idx="1">
+            <a:schemeClr val="accent1"/>
+          </a:fillRef>
+          <a:effectRef idx="0">
+            <a:schemeClr val="accent1"/>
+          </a:effectRef>
+          <a:fontRef idx="minor">
+            <a:schemeClr val="lt1"/>
+          </a:fontRef>
+        </p:style>
+        <p:txBody>
+          <a:bodyPr rot="0" spcFirstLastPara="0" vert="horz" wrap="square" lIns="91440" tIns="45720" rIns="91440" bIns="45720" numCol="1" spcCol="0" rtlCol="0" fromWordArt="0" anchor="ctr" anchorCtr="0" forceAA="0" compatLnSpc="1">
+            <a:prstTxWarp prst="textNoShape">
+              <a:avLst/>
+            </a:prstTxWarp>
+            <a:noAutofit/>
+          </a:bodyPr>
+          <a:lstStyle/>
+          <a:p>
+            <a:endParaRPr lang="en-US"/>
+          </a:p>
+        </p:txBody>
+      </p:sp>
+      <p:sp>
+        <p:nvSpPr>
+          <p:cNvPr id="13" name="Oval 12"/>
+          <p:cNvSpPr/>
+          <p:nvPr/>
+        </p:nvSpPr>
+        <p:spPr>
+          <a:xfrm>
+            <a:off x="2488726" y="6249670"/>
+            <a:ext cx="457200" cy="457200"/>
+          </a:xfrm>
+          <a:prstGeom prst="ellipse">
+            <a:avLst/>
+          </a:prstGeom>
+          <a:noFill/>
+          <a:ln w="19050">
+            <a:solidFill>
+              <a:schemeClr val="tx1"/>
+            </a:solidFill>
+          </a:ln>
+        </p:spPr>
+        <p:style>
+          <a:lnRef idx="2">
+            <a:schemeClr val="accent1">
+              <a:shade val="50000"/>
+            </a:schemeClr>
+          </a:lnRef>
+          <a:fillRef idx="1">
+            <a:schemeClr val="accent1"/>
+          </a:fillRef>
+          <a:effectRef idx="0">
+            <a:schemeClr val="accent1"/>
+          </a:effectRef>
+          <a:fontRef idx="minor">
+            <a:schemeClr val="lt1"/>
+          </a:fontRef>
+        </p:style>
+        <p:txBody>
+          <a:bodyPr rot="0" spcFirstLastPara="0" vert="horz" wrap="square" lIns="91440" tIns="45720" rIns="91440" bIns="45720" numCol="1" spcCol="0" rtlCol="0" fromWordArt="0" anchor="ctr" anchorCtr="0" forceAA="0" compatLnSpc="1">
+            <a:prstTxWarp prst="textNoShape">
+              <a:avLst/>
+            </a:prstTxWarp>
+            <a:noAutofit/>
+          </a:bodyPr>
+          <a:lstStyle/>
+          <a:p>
+            <a:r>
+              <a:rPr lang="en-US" sz="1000" b="1" dirty="0" smtClean="0">
+                <a:solidFill>
+                  <a:prstClr val="black"/>
+                </a:solidFill>
+                <a:latin typeface="Times New Roman" panose="02020603050405020304" pitchFamily="18" charset="0"/>
+                <a:cs typeface="Times New Roman" panose="02020603050405020304" pitchFamily="18" charset="0"/>
+              </a:rPr>
+              <a:t>C</a:t>
+            </a:r>
+            <a:r>
+              <a:rPr lang="en-US" sz="1000" b="1" baseline="-25000" dirty="0" smtClean="0">
+                <a:solidFill>
+                  <a:prstClr val="black"/>
+                </a:solidFill>
+                <a:latin typeface="Times New Roman" panose="02020603050405020304" pitchFamily="18" charset="0"/>
+                <a:cs typeface="Times New Roman" panose="02020603050405020304" pitchFamily="18" charset="0"/>
+              </a:rPr>
+              <a:t>0</a:t>
+            </a:r>
+            <a:endParaRPr lang="en-US" b="1" dirty="0"/>
+          </a:p>
+        </p:txBody>
+      </p:sp>
+      <p:sp>
+        <p:nvSpPr>
+          <p:cNvPr id="14" name="Oval 13"/>
+          <p:cNvSpPr/>
+          <p:nvPr/>
+        </p:nvSpPr>
+        <p:spPr>
+          <a:xfrm>
+            <a:off x="3035239" y="6248401"/>
+            <a:ext cx="457200" cy="457200"/>
+          </a:xfrm>
+          <a:prstGeom prst="ellipse">
+            <a:avLst/>
+          </a:prstGeom>
+          <a:noFill/>
+          <a:ln w="19050">
+            <a:solidFill>
+              <a:schemeClr val="tx1"/>
+            </a:solidFill>
+          </a:ln>
+        </p:spPr>
+        <p:style>
+          <a:lnRef idx="2">
+            <a:schemeClr val="accent1">
+              <a:shade val="50000"/>
+            </a:schemeClr>
+          </a:lnRef>
+          <a:fillRef idx="1">
+            <a:schemeClr val="accent1"/>
+          </a:fillRef>
+          <a:effectRef idx="0">
+            <a:schemeClr val="accent1"/>
+          </a:effectRef>
+          <a:fontRef idx="minor">
+            <a:schemeClr val="lt1"/>
+          </a:fontRef>
+        </p:style>
+        <p:txBody>
+          <a:bodyPr rot="0" spcFirstLastPara="0" vert="horz" wrap="square" lIns="91440" tIns="45720" rIns="91440" bIns="45720" numCol="1" spcCol="0" rtlCol="0" fromWordArt="0" anchor="ctr" anchorCtr="0" forceAA="0" compatLnSpc="1">
+            <a:prstTxWarp prst="textNoShape">
+              <a:avLst/>
+            </a:prstTxWarp>
+            <a:noAutofit/>
+          </a:bodyPr>
+          <a:lstStyle/>
+          <a:p>
+            <a:r>
+              <a:rPr lang="en-US" sz="1000" b="1" dirty="0" smtClean="0">
+                <a:solidFill>
+                  <a:prstClr val="black"/>
+                </a:solidFill>
+                <a:latin typeface="Times New Roman" panose="02020603050405020304" pitchFamily="18" charset="0"/>
+                <a:cs typeface="Times New Roman" panose="02020603050405020304" pitchFamily="18" charset="0"/>
+              </a:rPr>
+              <a:t>F</a:t>
+            </a:r>
+            <a:r>
+              <a:rPr lang="en-US" sz="1000" b="1" baseline="-25000" dirty="0" smtClean="0">
+                <a:solidFill>
+                  <a:prstClr val="black"/>
+                </a:solidFill>
+                <a:latin typeface="Times New Roman" panose="02020603050405020304" pitchFamily="18" charset="0"/>
+                <a:cs typeface="Times New Roman" panose="02020603050405020304" pitchFamily="18" charset="0"/>
+              </a:rPr>
+              <a:t>0</a:t>
+            </a:r>
+            <a:endParaRPr lang="en-US" b="1" dirty="0"/>
+          </a:p>
+        </p:txBody>
+      </p:sp>
+      <p:sp>
+        <p:nvSpPr>
+          <p:cNvPr id="15" name="Oval 14"/>
+          <p:cNvSpPr/>
+          <p:nvPr/>
+        </p:nvSpPr>
+        <p:spPr>
+          <a:xfrm>
+            <a:off x="3569227" y="6248401"/>
+            <a:ext cx="457200" cy="457200"/>
+          </a:xfrm>
+          <a:prstGeom prst="ellipse">
+            <a:avLst/>
+          </a:prstGeom>
+          <a:noFill/>
+          <a:ln w="19050">
+            <a:solidFill>
+              <a:schemeClr val="tx1"/>
+            </a:solidFill>
+          </a:ln>
+        </p:spPr>
+        <p:style>
+          <a:lnRef idx="2">
+            <a:schemeClr val="accent1">
+              <a:shade val="50000"/>
+            </a:schemeClr>
+          </a:lnRef>
+          <a:fillRef idx="1">
+            <a:schemeClr val="accent1"/>
+          </a:fillRef>
+          <a:effectRef idx="0">
+            <a:schemeClr val="accent1"/>
+          </a:effectRef>
+          <a:fontRef idx="minor">
+            <a:schemeClr val="lt1"/>
+          </a:fontRef>
+        </p:style>
+        <p:txBody>
+          <a:bodyPr rot="0" spcFirstLastPara="0" vert="horz" wrap="square" lIns="91440" tIns="45720" rIns="91440" bIns="45720" numCol="1" spcCol="0" rtlCol="0" fromWordArt="0" anchor="ctr" anchorCtr="0" forceAA="0" compatLnSpc="1">
+            <a:prstTxWarp prst="textNoShape">
+              <a:avLst/>
+            </a:prstTxWarp>
+            <a:noAutofit/>
+          </a:bodyPr>
+          <a:lstStyle/>
+          <a:p>
+            <a:r>
+              <a:rPr lang="en-US" sz="1000" b="1" dirty="0" smtClean="0">
+                <a:solidFill>
+                  <a:prstClr val="black"/>
+                </a:solidFill>
+                <a:latin typeface="Times New Roman" panose="02020603050405020304" pitchFamily="18" charset="0"/>
+                <a:cs typeface="Times New Roman" panose="02020603050405020304" pitchFamily="18" charset="0"/>
+              </a:rPr>
+              <a:t>D</a:t>
+            </a:r>
+            <a:r>
+              <a:rPr lang="en-US" sz="1000" b="1" baseline="-25000" dirty="0" smtClean="0">
+                <a:solidFill>
+                  <a:prstClr val="black"/>
+                </a:solidFill>
+                <a:latin typeface="Times New Roman" panose="02020603050405020304" pitchFamily="18" charset="0"/>
+                <a:cs typeface="Times New Roman" panose="02020603050405020304" pitchFamily="18" charset="0"/>
+              </a:rPr>
+              <a:t>0</a:t>
+            </a:r>
+            <a:endParaRPr lang="en-US" b="1" dirty="0"/>
+          </a:p>
+        </p:txBody>
+      </p:sp>
+      <p:sp>
+        <p:nvSpPr>
+          <p:cNvPr id="16" name="Oval 15"/>
+          <p:cNvSpPr/>
+          <p:nvPr/>
+        </p:nvSpPr>
+        <p:spPr>
+          <a:xfrm>
+            <a:off x="4132467" y="6248401"/>
+            <a:ext cx="457200" cy="457200"/>
+          </a:xfrm>
+          <a:prstGeom prst="ellipse">
+            <a:avLst/>
+          </a:prstGeom>
+          <a:noFill/>
+          <a:ln w="19050">
+            <a:solidFill>
+              <a:schemeClr val="tx1"/>
+            </a:solidFill>
+          </a:ln>
+        </p:spPr>
+        <p:style>
+          <a:lnRef idx="2">
+            <a:schemeClr val="accent1">
+              <a:shade val="50000"/>
+            </a:schemeClr>
+          </a:lnRef>
+          <a:fillRef idx="1">
+            <a:schemeClr val="accent1"/>
+          </a:fillRef>
+          <a:effectRef idx="0">
+            <a:schemeClr val="accent1"/>
+          </a:effectRef>
+          <a:fontRef idx="minor">
+            <a:schemeClr val="lt1"/>
+          </a:fontRef>
+        </p:style>
+        <p:txBody>
+          <a:bodyPr rot="0" spcFirstLastPara="0" vert="horz" wrap="square" lIns="91440" tIns="45720" rIns="91440" bIns="45720" numCol="1" spcCol="0" rtlCol="0" fromWordArt="0" anchor="ctr" anchorCtr="0" forceAA="0" compatLnSpc="1">
+            <a:prstTxWarp prst="textNoShape">
+              <a:avLst/>
+            </a:prstTxWarp>
+            <a:noAutofit/>
+          </a:bodyPr>
+          <a:lstStyle/>
+          <a:p>
+            <a:r>
+              <a:rPr lang="en-US" sz="1000" b="1" dirty="0" smtClean="0">
+                <a:solidFill>
+                  <a:prstClr val="black"/>
+                </a:solidFill>
+                <a:latin typeface="Times New Roman" panose="02020603050405020304" pitchFamily="18" charset="0"/>
+                <a:cs typeface="Times New Roman" panose="02020603050405020304" pitchFamily="18" charset="0"/>
+              </a:rPr>
+              <a:t>A</a:t>
+            </a:r>
+            <a:r>
+              <a:rPr lang="en-US" sz="1000" b="1" baseline="-25000" dirty="0" smtClean="0">
+                <a:solidFill>
+                  <a:prstClr val="black"/>
+                </a:solidFill>
+                <a:latin typeface="Times New Roman" panose="02020603050405020304" pitchFamily="18" charset="0"/>
+                <a:cs typeface="Times New Roman" panose="02020603050405020304" pitchFamily="18" charset="0"/>
+              </a:rPr>
+              <a:t>0</a:t>
+            </a:r>
+            <a:endParaRPr lang="en-US" b="1" dirty="0"/>
+          </a:p>
+        </p:txBody>
+      </p:sp>
+      <p:cxnSp>
+        <p:nvCxnSpPr>
+          <p:cNvPr id="17" name="Straight Connector 16"/>
+          <p:cNvCxnSpPr/>
+          <p:nvPr/>
+        </p:nvCxnSpPr>
+        <p:spPr>
+          <a:xfrm flipV="1">
+            <a:off x="2675122" y="5894752"/>
+            <a:ext cx="329668" cy="352380"/>
+          </a:xfrm>
+          <a:prstGeom prst="line">
+            <a:avLst/>
+          </a:prstGeom>
+          <a:ln w="19050">
+            <a:solidFill>
+              <a:schemeClr val="tx1"/>
+            </a:solidFill>
+          </a:ln>
+        </p:spPr>
+        <p:style>
+          <a:lnRef idx="1">
+            <a:schemeClr val="accent1"/>
+          </a:lnRef>
+          <a:fillRef idx="0">
+            <a:schemeClr val="accent1"/>
+          </a:fillRef>
+          <a:effectRef idx="0">
+            <a:schemeClr val="accent1"/>
+          </a:effectRef>
+          <a:fontRef idx="minor">
+            <a:schemeClr val="tx1"/>
+          </a:fontRef>
+        </p:style>
+      </p:cxnSp>
+      <p:cxnSp>
+        <p:nvCxnSpPr>
+          <p:cNvPr id="18" name="Straight Connector 17"/>
+          <p:cNvCxnSpPr/>
+          <p:nvPr/>
+        </p:nvCxnSpPr>
+        <p:spPr>
+          <a:xfrm flipH="1" flipV="1">
+            <a:off x="3004790" y="5894752"/>
+            <a:ext cx="293892" cy="353649"/>
+          </a:xfrm>
+          <a:prstGeom prst="line">
+            <a:avLst/>
+          </a:prstGeom>
+          <a:ln w="19050">
+            <a:solidFill>
+              <a:schemeClr val="tx1"/>
+            </a:solidFill>
+          </a:ln>
+        </p:spPr>
+        <p:style>
+          <a:lnRef idx="1">
+            <a:schemeClr val="accent1"/>
+          </a:lnRef>
+          <a:fillRef idx="0">
+            <a:schemeClr val="accent1"/>
+          </a:fillRef>
+          <a:effectRef idx="0">
+            <a:schemeClr val="accent1"/>
+          </a:effectRef>
+          <a:fontRef idx="minor">
+            <a:schemeClr val="tx1"/>
+          </a:fontRef>
+        </p:style>
+      </p:cxnSp>
+      <p:cxnSp>
+        <p:nvCxnSpPr>
+          <p:cNvPr id="19" name="Straight Connector 18"/>
+          <p:cNvCxnSpPr/>
+          <p:nvPr/>
+        </p:nvCxnSpPr>
+        <p:spPr>
+          <a:xfrm flipV="1">
+            <a:off x="3772670" y="5894752"/>
+            <a:ext cx="329668" cy="352380"/>
+          </a:xfrm>
+          <a:prstGeom prst="line">
+            <a:avLst/>
+          </a:prstGeom>
+          <a:ln w="19050">
+            <a:solidFill>
+              <a:schemeClr val="tx1"/>
+            </a:solidFill>
+          </a:ln>
+        </p:spPr>
+        <p:style>
+          <a:lnRef idx="1">
+            <a:schemeClr val="accent1"/>
+          </a:lnRef>
+          <a:fillRef idx="0">
+            <a:schemeClr val="accent1"/>
+          </a:fillRef>
+          <a:effectRef idx="0">
+            <a:schemeClr val="accent1"/>
+          </a:effectRef>
+          <a:fontRef idx="minor">
+            <a:schemeClr val="tx1"/>
+          </a:fontRef>
+        </p:style>
+      </p:cxnSp>
+      <p:cxnSp>
+        <p:nvCxnSpPr>
+          <p:cNvPr id="20" name="Straight Connector 19"/>
+          <p:cNvCxnSpPr/>
+          <p:nvPr/>
+        </p:nvCxnSpPr>
+        <p:spPr>
+          <a:xfrm flipH="1" flipV="1">
+            <a:off x="4102338" y="5894752"/>
+            <a:ext cx="293892" cy="353649"/>
+          </a:xfrm>
+          <a:prstGeom prst="line">
+            <a:avLst/>
+          </a:prstGeom>
+          <a:ln w="19050">
+            <a:solidFill>
+              <a:schemeClr val="tx1"/>
+            </a:solidFill>
+          </a:ln>
+        </p:spPr>
+        <p:style>
+          <a:lnRef idx="1">
+            <a:schemeClr val="accent1"/>
+          </a:lnRef>
+          <a:fillRef idx="0">
+            <a:schemeClr val="accent1"/>
+          </a:fillRef>
+          <a:effectRef idx="0">
+            <a:schemeClr val="accent1"/>
+          </a:effectRef>
+          <a:fontRef idx="minor">
+            <a:schemeClr val="tx1"/>
+          </a:fontRef>
+        </p:style>
+      </p:cxnSp>
+      <p:sp>
+        <p:nvSpPr>
+          <p:cNvPr id="21" name="Oval 20"/>
+          <p:cNvSpPr/>
+          <p:nvPr/>
+        </p:nvSpPr>
+        <p:spPr>
+          <a:xfrm>
+            <a:off x="2781921" y="5437552"/>
+            <a:ext cx="457200" cy="457200"/>
+          </a:xfrm>
+          <a:prstGeom prst="ellipse">
+            <a:avLst/>
+          </a:prstGeom>
+          <a:solidFill>
+            <a:schemeClr val="bg2">
+              <a:lumMod val="90000"/>
+            </a:schemeClr>
+          </a:solidFill>
+          <a:ln w="19050">
+            <a:solidFill>
+              <a:schemeClr val="tx1"/>
+            </a:solidFill>
+          </a:ln>
+        </p:spPr>
+        <p:style>
+          <a:lnRef idx="2">
+            <a:schemeClr val="accent1">
+              <a:shade val="50000"/>
+            </a:schemeClr>
+          </a:lnRef>
+          <a:fillRef idx="1">
+            <a:schemeClr val="accent1"/>
+          </a:fillRef>
+          <a:effectRef idx="0">
+            <a:schemeClr val="accent1"/>
+          </a:effectRef>
+          <a:fontRef idx="minor">
+            <a:schemeClr val="lt1"/>
+          </a:fontRef>
+        </p:style>
+        <p:txBody>
+          <a:bodyPr rot="0" spcFirstLastPara="0" vert="horz" wrap="square" lIns="91440" tIns="45720" rIns="91440" bIns="45720" numCol="1" spcCol="0" rtlCol="0" fromWordArt="0" anchor="ctr" anchorCtr="0" forceAA="0" compatLnSpc="1">
+            <a:prstTxWarp prst="textNoShape">
+              <a:avLst/>
+            </a:prstTxWarp>
+            <a:noAutofit/>
+          </a:bodyPr>
+          <a:lstStyle/>
+          <a:p>
+            <a:r>
+              <a:rPr lang="en-US" sz="900" b="1" dirty="0" smtClean="0">
+                <a:solidFill>
+                  <a:schemeClr val="tx1"/>
+                </a:solidFill>
+                <a:latin typeface="Times New Roman" panose="02020603050405020304" pitchFamily="18" charset="0"/>
+                <a:cs typeface="Times New Roman" panose="02020603050405020304" pitchFamily="18" charset="0"/>
+              </a:rPr>
+              <a:t>A</a:t>
+            </a:r>
+            <a:r>
+              <a:rPr lang="en-US" sz="600" baseline="-25000" dirty="0" smtClean="0">
+                <a:solidFill>
+                  <a:schemeClr val="tx1"/>
+                </a:solidFill>
+                <a:latin typeface="Times New Roman" panose="02020603050405020304" pitchFamily="18" charset="0"/>
+                <a:cs typeface="Times New Roman" panose="02020603050405020304" pitchFamily="18" charset="0"/>
+              </a:rPr>
+              <a:t>10</a:t>
+            </a:r>
+            <a:endParaRPr lang="en-US" sz="600" baseline="-25000" dirty="0">
+              <a:solidFill>
+                <a:schemeClr val="tx1"/>
+              </a:solidFill>
+              <a:latin typeface="Times New Roman" panose="02020603050405020304" pitchFamily="18" charset="0"/>
+              <a:cs typeface="Times New Roman" panose="02020603050405020304" pitchFamily="18" charset="0"/>
+            </a:endParaRPr>
+          </a:p>
+        </p:txBody>
+      </p:sp>
+      <p:sp>
+        <p:nvSpPr>
+          <p:cNvPr id="22" name="Oval 21"/>
+          <p:cNvSpPr/>
+          <p:nvPr/>
+        </p:nvSpPr>
+        <p:spPr>
+          <a:xfrm>
+            <a:off x="3889821" y="5437552"/>
+            <a:ext cx="456579" cy="457200"/>
+          </a:xfrm>
+          <a:prstGeom prst="ellipse">
+            <a:avLst/>
+          </a:prstGeom>
+          <a:solidFill>
+            <a:schemeClr val="bg2">
+              <a:lumMod val="90000"/>
+            </a:schemeClr>
+          </a:solidFill>
+          <a:ln w="19050">
+            <a:solidFill>
+              <a:schemeClr val="tx1"/>
+            </a:solidFill>
+          </a:ln>
+        </p:spPr>
+        <p:style>
+          <a:lnRef idx="2">
+            <a:schemeClr val="accent1">
+              <a:shade val="50000"/>
+            </a:schemeClr>
+          </a:lnRef>
+          <a:fillRef idx="1">
+            <a:schemeClr val="accent1"/>
+          </a:fillRef>
+          <a:effectRef idx="0">
+            <a:schemeClr val="accent1"/>
+          </a:effectRef>
+          <a:fontRef idx="minor">
+            <a:schemeClr val="lt1"/>
+          </a:fontRef>
+        </p:style>
+        <p:txBody>
+          <a:bodyPr rot="0" spcFirstLastPara="0" vert="horz" wrap="square" lIns="91440" tIns="45720" rIns="91440" bIns="45720" numCol="1" spcCol="0" rtlCol="0" fromWordArt="0" anchor="ctr" anchorCtr="0" forceAA="0" compatLnSpc="1">
+            <a:prstTxWarp prst="textNoShape">
+              <a:avLst/>
+            </a:prstTxWarp>
+            <a:noAutofit/>
+          </a:bodyPr>
+          <a:lstStyle/>
+          <a:p>
+            <a:pPr lvl="0"/>
+            <a:r>
+              <a:rPr lang="en-US" sz="900" b="1" dirty="0" smtClean="0">
+                <a:solidFill>
+                  <a:prstClr val="black"/>
+                </a:solidFill>
+                <a:latin typeface="Times New Roman" panose="02020603050405020304" pitchFamily="18" charset="0"/>
+                <a:cs typeface="Times New Roman" panose="02020603050405020304" pitchFamily="18" charset="0"/>
+              </a:rPr>
+              <a:t>A</a:t>
+            </a:r>
+            <a:r>
+              <a:rPr lang="en-US" sz="600" baseline="-25000" dirty="0" smtClean="0">
+                <a:solidFill>
+                  <a:prstClr val="black"/>
+                </a:solidFill>
+                <a:latin typeface="Times New Roman" panose="02020603050405020304" pitchFamily="18" charset="0"/>
+                <a:cs typeface="Times New Roman" panose="02020603050405020304" pitchFamily="18" charset="0"/>
+              </a:rPr>
+              <a:t>11</a:t>
+            </a:r>
+            <a:endParaRPr lang="en-US" sz="600" baseline="-25000" dirty="0">
+              <a:solidFill>
+                <a:prstClr val="black"/>
+              </a:solidFill>
+              <a:latin typeface="Times New Roman" panose="02020603050405020304" pitchFamily="18" charset="0"/>
+              <a:cs typeface="Times New Roman" panose="02020603050405020304" pitchFamily="18" charset="0"/>
+            </a:endParaRPr>
+          </a:p>
+        </p:txBody>
+      </p:sp>
+    </p:spTree>
+    <p:extLst>
+      <p:ext uri="{BB962C8B-B14F-4D97-AF65-F5344CB8AC3E}">
+        <p14:creationId xmlns:p14="http://schemas.microsoft.com/office/powerpoint/2010/main" val="346455976"/>
+      </p:ext>
+    </p:extLst>
+  </p:cSld>
+  <p:clrMapOvr>
+    <a:masterClrMapping/>
+  </p:clrMapOvr>
+  <p:timing>
+    <p:tnLst>
+      <p:par>
+        <p:cTn id="1" dur="indefinite" restart="never" nodeType="tmRoot"/>
+      </p:par>
+    </p:tnLst>
+  </p:timing>
+</p:sld>
+</file>
+
+<file path=ppt/slides/slide34.xml><?xml version="1.0" encoding="utf-8"?>
+<p:sld xmlns:a="http://schemas.openxmlformats.org/drawingml/2006/main" xmlns:r="http://schemas.openxmlformats.org/officeDocument/2006/relationships" xmlns:p="http://schemas.openxmlformats.org/presentationml/2006/main">
+  <p:cSld>
+    <p:spTree>
+      <p:nvGrpSpPr>
+        <p:cNvPr id="1" name=""/>
+        <p:cNvGrpSpPr/>
+        <p:nvPr/>
+      </p:nvGrpSpPr>
+      <p:grpSpPr>
+        <a:xfrm>
+          <a:off x="0" y="0"/>
+          <a:ext cx="0" cy="0"/>
+          <a:chOff x="0" y="0"/>
+          <a:chExt cx="0" cy="0"/>
+        </a:xfrm>
+      </p:grpSpPr>
+      <p:sp>
+        <p:nvSpPr>
+          <p:cNvPr id="2" name="Oval 1"/>
+          <p:cNvSpPr/>
+          <p:nvPr/>
+        </p:nvSpPr>
+        <p:spPr>
+          <a:xfrm>
+            <a:off x="2478720" y="3838575"/>
+            <a:ext cx="455930" cy="455295"/>
+          </a:xfrm>
+          <a:prstGeom prst="ellipse">
+            <a:avLst/>
+          </a:prstGeom>
+          <a:ln w="19050">
+            <a:solidFill>
+              <a:schemeClr val="tx1"/>
+            </a:solidFill>
+          </a:ln>
+        </p:spPr>
+        <p:style>
+          <a:lnRef idx="2">
+            <a:schemeClr val="accent1"/>
+          </a:lnRef>
+          <a:fillRef idx="1">
+            <a:schemeClr val="lt1"/>
+          </a:fillRef>
+          <a:effectRef idx="0">
+            <a:schemeClr val="accent1"/>
+          </a:effectRef>
+          <a:fontRef idx="minor">
+            <a:schemeClr val="dk1"/>
+          </a:fontRef>
+        </p:style>
+        <p:txBody>
+          <a:bodyPr rot="0" spcFirstLastPara="0" vert="horz" wrap="square" lIns="91440" tIns="45720" rIns="91440" bIns="45720" numCol="1" spcCol="0" rtlCol="0" fromWordArt="0" anchor="ctr" anchorCtr="0" forceAA="0" compatLnSpc="1">
+            <a:prstTxWarp prst="textNoShape">
+              <a:avLst/>
+            </a:prstTxWarp>
+            <a:noAutofit/>
+          </a:bodyPr>
+          <a:lstStyle/>
+          <a:p>
+            <a:pPr marL="0" marR="0" algn="ctr">
+              <a:lnSpc>
+                <a:spcPct val="107000"/>
+              </a:lnSpc>
+              <a:spcBef>
+                <a:spcPts val="0"/>
+              </a:spcBef>
+              <a:spcAft>
+                <a:spcPts val="800"/>
+              </a:spcAft>
+            </a:pPr>
+            <a:r>
+              <a:rPr lang="en-US" sz="1000" b="1" dirty="0">
+                <a:effectLst/>
+                <a:latin typeface="Times New Roman" panose="02020603050405020304" pitchFamily="18" charset="0"/>
+                <a:ea typeface="Calibri" panose="020F0502020204030204" pitchFamily="34" charset="0"/>
+                <a:cs typeface="Times New Roman" panose="02020603050405020304" pitchFamily="18" charset="0"/>
+              </a:rPr>
+              <a:t>H</a:t>
+            </a:r>
+            <a:r>
+              <a:rPr lang="en-US" sz="900" b="1" baseline="-25000" dirty="0">
+                <a:effectLst/>
+                <a:latin typeface="Times New Roman" panose="02020603050405020304" pitchFamily="18" charset="0"/>
+                <a:ea typeface="Calibri" panose="020F0502020204030204" pitchFamily="34" charset="0"/>
+                <a:cs typeface="Times New Roman" panose="02020603050405020304" pitchFamily="18" charset="0"/>
+              </a:rPr>
+              <a:t>0</a:t>
+            </a:r>
+            <a:endParaRPr lang="en-US" sz="900" b="1" dirty="0">
+              <a:effectLst/>
+              <a:ea typeface="Calibri" panose="020F0502020204030204" pitchFamily="34" charset="0"/>
+              <a:cs typeface="Times New Roman" panose="02020603050405020304" pitchFamily="18" charset="0"/>
+            </a:endParaRPr>
+          </a:p>
+        </p:txBody>
+      </p:sp>
+      <p:sp>
+        <p:nvSpPr>
+          <p:cNvPr id="3" name="Oval 2"/>
+          <p:cNvSpPr/>
+          <p:nvPr/>
+        </p:nvSpPr>
+        <p:spPr>
+          <a:xfrm>
+            <a:off x="3016086" y="3855085"/>
+            <a:ext cx="457835" cy="455295"/>
+          </a:xfrm>
+          <a:prstGeom prst="ellipse">
+            <a:avLst/>
+          </a:prstGeom>
+          <a:ln w="19050">
+            <a:solidFill>
+              <a:schemeClr val="tx1"/>
+            </a:solidFill>
+          </a:ln>
+        </p:spPr>
+        <p:style>
+          <a:lnRef idx="2">
+            <a:schemeClr val="accent1"/>
+          </a:lnRef>
+          <a:fillRef idx="1">
+            <a:schemeClr val="lt1"/>
+          </a:fillRef>
+          <a:effectRef idx="0">
+            <a:schemeClr val="accent1"/>
+          </a:effectRef>
+          <a:fontRef idx="minor">
+            <a:schemeClr val="dk1"/>
+          </a:fontRef>
+        </p:style>
+        <p:txBody>
+          <a:bodyPr rot="0" spcFirstLastPara="0" vert="horz" wrap="square" lIns="91440" tIns="45720" rIns="91440" bIns="45720" numCol="1" spcCol="0" rtlCol="0" fromWordArt="0" anchor="ctr" anchorCtr="0" forceAA="0" compatLnSpc="1">
+            <a:prstTxWarp prst="textNoShape">
+              <a:avLst/>
+            </a:prstTxWarp>
+            <a:noAutofit/>
+          </a:bodyPr>
+          <a:lstStyle/>
+          <a:p>
+            <a:pPr marL="0" marR="0" algn="ctr">
+              <a:lnSpc>
+                <a:spcPct val="107000"/>
+              </a:lnSpc>
+              <a:spcBef>
+                <a:spcPts val="0"/>
+              </a:spcBef>
+              <a:spcAft>
+                <a:spcPts val="800"/>
+              </a:spcAft>
+            </a:pPr>
+            <a:r>
+              <a:rPr lang="en-US" sz="1000" b="1" dirty="0" smtClean="0">
+                <a:effectLst/>
+                <a:latin typeface="Times New Roman" panose="02020603050405020304" pitchFamily="18" charset="0"/>
+                <a:ea typeface="Calibri" panose="020F0502020204030204" pitchFamily="34" charset="0"/>
+                <a:cs typeface="Times New Roman" panose="02020603050405020304" pitchFamily="18" charset="0"/>
+              </a:rPr>
+              <a:t>G</a:t>
+            </a:r>
+            <a:r>
+              <a:rPr lang="en-US" sz="900" b="1" baseline="-25000" dirty="0" smtClean="0">
+                <a:effectLst/>
+                <a:latin typeface="Times New Roman" panose="02020603050405020304" pitchFamily="18" charset="0"/>
+                <a:ea typeface="Calibri" panose="020F0502020204030204" pitchFamily="34" charset="0"/>
+                <a:cs typeface="Times New Roman" panose="02020603050405020304" pitchFamily="18" charset="0"/>
+              </a:rPr>
+              <a:t>0</a:t>
+            </a:r>
+            <a:endParaRPr lang="en-US" sz="900" b="1" dirty="0">
+              <a:effectLst/>
+              <a:ea typeface="Calibri" panose="020F0502020204030204" pitchFamily="34" charset="0"/>
+              <a:cs typeface="Times New Roman" panose="02020603050405020304" pitchFamily="18" charset="0"/>
+            </a:endParaRPr>
+          </a:p>
+        </p:txBody>
+      </p:sp>
+      <p:sp>
+        <p:nvSpPr>
+          <p:cNvPr id="4" name="Oval 3"/>
+          <p:cNvSpPr/>
+          <p:nvPr/>
+        </p:nvSpPr>
+        <p:spPr>
+          <a:xfrm>
+            <a:off x="2768758" y="3183096"/>
+            <a:ext cx="452755" cy="454025"/>
+          </a:xfrm>
+          <a:prstGeom prst="ellipse">
+            <a:avLst/>
+          </a:prstGeom>
+          <a:ln w="19050">
+            <a:solidFill>
+              <a:schemeClr val="tx1"/>
+            </a:solidFill>
+          </a:ln>
+        </p:spPr>
+        <p:style>
+          <a:lnRef idx="2">
+            <a:schemeClr val="accent1"/>
+          </a:lnRef>
+          <a:fillRef idx="1">
+            <a:schemeClr val="lt1"/>
+          </a:fillRef>
+          <a:effectRef idx="0">
+            <a:schemeClr val="accent1"/>
+          </a:effectRef>
+          <a:fontRef idx="minor">
+            <a:schemeClr val="dk1"/>
+          </a:fontRef>
+        </p:style>
+        <p:txBody>
+          <a:bodyPr rot="0" spcFirstLastPara="0" vert="horz" wrap="square" lIns="91440" tIns="45720" rIns="91440" bIns="45720" numCol="1" spcCol="0" rtlCol="0" fromWordArt="0" anchor="ctr" anchorCtr="0" forceAA="0" compatLnSpc="1">
+            <a:prstTxWarp prst="textNoShape">
+              <a:avLst/>
+            </a:prstTxWarp>
+            <a:noAutofit/>
+          </a:bodyPr>
+          <a:lstStyle/>
+          <a:p>
+            <a:pPr marL="0" marR="0" algn="ctr">
+              <a:lnSpc>
+                <a:spcPct val="107000"/>
+              </a:lnSpc>
+              <a:spcBef>
+                <a:spcPts val="0"/>
+              </a:spcBef>
+              <a:spcAft>
+                <a:spcPts val="800"/>
+              </a:spcAft>
+            </a:pPr>
+            <a:r>
+              <a:rPr lang="en-US" sz="1000" b="1" dirty="0" smtClean="0">
+                <a:effectLst/>
+                <a:latin typeface="Times New Roman" panose="02020603050405020304" pitchFamily="18" charset="0"/>
+                <a:ea typeface="Calibri" panose="020F0502020204030204" pitchFamily="34" charset="0"/>
+                <a:cs typeface="Times New Roman" panose="02020603050405020304" pitchFamily="18" charset="0"/>
+              </a:rPr>
+              <a:t>G</a:t>
+            </a:r>
+            <a:r>
+              <a:rPr lang="en-US" sz="900" b="1" baseline="-25000" dirty="0" smtClean="0">
+                <a:effectLst/>
+                <a:latin typeface="Times New Roman" panose="02020603050405020304" pitchFamily="18" charset="0"/>
+                <a:ea typeface="Calibri" panose="020F0502020204030204" pitchFamily="34" charset="0"/>
+                <a:cs typeface="Times New Roman" panose="02020603050405020304" pitchFamily="18" charset="0"/>
+              </a:rPr>
+              <a:t>1</a:t>
+            </a:r>
+            <a:endParaRPr lang="en-US" sz="900" b="1" dirty="0">
+              <a:effectLst/>
+              <a:ea typeface="Calibri" panose="020F0502020204030204" pitchFamily="34" charset="0"/>
+              <a:cs typeface="Times New Roman" panose="02020603050405020304" pitchFamily="18" charset="0"/>
+            </a:endParaRPr>
+          </a:p>
+        </p:txBody>
+      </p:sp>
+      <p:cxnSp>
+        <p:nvCxnSpPr>
+          <p:cNvPr id="5" name="Straight Connector 4"/>
+          <p:cNvCxnSpPr>
+            <a:stCxn id="2" idx="0"/>
+            <a:endCxn id="4" idx="4"/>
+          </p:cNvCxnSpPr>
+          <p:nvPr/>
+        </p:nvCxnSpPr>
+        <p:spPr>
+          <a:xfrm flipV="1">
+            <a:off x="2706685" y="3637121"/>
+            <a:ext cx="288451" cy="201454"/>
+          </a:xfrm>
+          <a:prstGeom prst="line">
+            <a:avLst/>
+          </a:prstGeom>
+          <a:ln w="19050">
+            <a:solidFill>
+              <a:schemeClr val="tx1"/>
+            </a:solidFill>
+          </a:ln>
+        </p:spPr>
+        <p:style>
+          <a:lnRef idx="1">
+            <a:schemeClr val="accent1"/>
+          </a:lnRef>
+          <a:fillRef idx="0">
+            <a:schemeClr val="accent1"/>
+          </a:fillRef>
+          <a:effectRef idx="0">
+            <a:schemeClr val="accent1"/>
+          </a:effectRef>
+          <a:fontRef idx="minor">
+            <a:schemeClr val="tx1"/>
+          </a:fontRef>
+        </p:style>
+      </p:cxnSp>
+      <p:cxnSp>
+        <p:nvCxnSpPr>
+          <p:cNvPr id="6" name="Straight Connector 5"/>
+          <p:cNvCxnSpPr>
+            <a:stCxn id="3" idx="0"/>
+            <a:endCxn id="4" idx="4"/>
+          </p:cNvCxnSpPr>
+          <p:nvPr/>
+        </p:nvCxnSpPr>
+        <p:spPr>
+          <a:xfrm flipH="1" flipV="1">
+            <a:off x="2995136" y="3637121"/>
+            <a:ext cx="249868" cy="217964"/>
+          </a:xfrm>
+          <a:prstGeom prst="line">
+            <a:avLst/>
+          </a:prstGeom>
+          <a:ln w="19050">
+            <a:solidFill>
+              <a:schemeClr val="tx1"/>
+            </a:solidFill>
+          </a:ln>
+        </p:spPr>
+        <p:style>
+          <a:lnRef idx="1">
+            <a:schemeClr val="accent1"/>
+          </a:lnRef>
+          <a:fillRef idx="0">
+            <a:schemeClr val="accent1"/>
+          </a:fillRef>
+          <a:effectRef idx="0">
+            <a:schemeClr val="accent1"/>
+          </a:effectRef>
+          <a:fontRef idx="minor">
+            <a:schemeClr val="tx1"/>
+          </a:fontRef>
+        </p:style>
+      </p:cxnSp>
+      <p:sp>
+        <p:nvSpPr>
+          <p:cNvPr id="7" name="Oval 6"/>
+          <p:cNvSpPr/>
+          <p:nvPr/>
+        </p:nvSpPr>
+        <p:spPr>
+          <a:xfrm>
+            <a:off x="3555357" y="3848100"/>
+            <a:ext cx="450215" cy="455930"/>
+          </a:xfrm>
+          <a:prstGeom prst="ellipse">
+            <a:avLst/>
+          </a:prstGeom>
+          <a:ln w="19050">
+            <a:solidFill>
+              <a:schemeClr val="tx1"/>
+            </a:solidFill>
+          </a:ln>
+        </p:spPr>
+        <p:style>
+          <a:lnRef idx="2">
+            <a:schemeClr val="accent1"/>
+          </a:lnRef>
+          <a:fillRef idx="1">
+            <a:schemeClr val="lt1"/>
+          </a:fillRef>
+          <a:effectRef idx="0">
+            <a:schemeClr val="accent1"/>
+          </a:effectRef>
+          <a:fontRef idx="minor">
+            <a:schemeClr val="dk1"/>
+          </a:fontRef>
+        </p:style>
+        <p:txBody>
+          <a:bodyPr rot="0" spcFirstLastPara="0" vert="horz" wrap="square" lIns="91440" tIns="45720" rIns="91440" bIns="45720" numCol="1" spcCol="0" rtlCol="0" fromWordArt="0" anchor="ctr" anchorCtr="0" forceAA="0" compatLnSpc="1">
+            <a:prstTxWarp prst="textNoShape">
+              <a:avLst/>
+            </a:prstTxWarp>
+            <a:noAutofit/>
+          </a:bodyPr>
+          <a:lstStyle/>
+          <a:p>
+            <a:pPr marL="0" marR="0" algn="ctr">
+              <a:lnSpc>
+                <a:spcPct val="107000"/>
+              </a:lnSpc>
+              <a:spcBef>
+                <a:spcPts val="0"/>
+              </a:spcBef>
+              <a:spcAft>
+                <a:spcPts val="800"/>
+              </a:spcAft>
+            </a:pPr>
+            <a:r>
+              <a:rPr lang="en-US" sz="1000" b="1" dirty="0" smtClean="0">
+                <a:effectLst/>
+                <a:latin typeface="Times New Roman" panose="02020603050405020304" pitchFamily="18" charset="0"/>
+                <a:ea typeface="Calibri" panose="020F0502020204030204" pitchFamily="34" charset="0"/>
+                <a:cs typeface="Times New Roman" panose="02020603050405020304" pitchFamily="18" charset="0"/>
+              </a:rPr>
+              <a:t>E</a:t>
+            </a:r>
+            <a:r>
+              <a:rPr lang="en-US" sz="900" b="1" baseline="-25000" dirty="0" smtClean="0">
+                <a:effectLst/>
+                <a:latin typeface="Times New Roman" panose="02020603050405020304" pitchFamily="18" charset="0"/>
+                <a:ea typeface="Calibri" panose="020F0502020204030204" pitchFamily="34" charset="0"/>
+                <a:cs typeface="Times New Roman" panose="02020603050405020304" pitchFamily="18" charset="0"/>
+              </a:rPr>
+              <a:t>0</a:t>
+            </a:r>
+            <a:endParaRPr lang="en-US" sz="900" b="1" dirty="0">
+              <a:effectLst/>
+              <a:ea typeface="Calibri" panose="020F0502020204030204" pitchFamily="34" charset="0"/>
+              <a:cs typeface="Times New Roman" panose="02020603050405020304" pitchFamily="18" charset="0"/>
+            </a:endParaRPr>
+          </a:p>
+        </p:txBody>
+      </p:sp>
+      <p:sp>
+        <p:nvSpPr>
+          <p:cNvPr id="8" name="Oval 7"/>
+          <p:cNvSpPr/>
+          <p:nvPr/>
+        </p:nvSpPr>
+        <p:spPr>
+          <a:xfrm>
+            <a:off x="3816984" y="3170871"/>
+            <a:ext cx="452755" cy="461645"/>
+          </a:xfrm>
+          <a:prstGeom prst="ellipse">
+            <a:avLst/>
+          </a:prstGeom>
+          <a:ln w="19050">
+            <a:solidFill>
+              <a:schemeClr val="tx1"/>
+            </a:solidFill>
+          </a:ln>
+        </p:spPr>
+        <p:style>
+          <a:lnRef idx="2">
+            <a:schemeClr val="accent1"/>
+          </a:lnRef>
+          <a:fillRef idx="1">
+            <a:schemeClr val="lt1"/>
+          </a:fillRef>
+          <a:effectRef idx="0">
+            <a:schemeClr val="accent1"/>
+          </a:effectRef>
+          <a:fontRef idx="minor">
+            <a:schemeClr val="dk1"/>
+          </a:fontRef>
+        </p:style>
+        <p:txBody>
+          <a:bodyPr rot="0" spcFirstLastPara="0" vert="horz" wrap="square" lIns="91440" tIns="45720" rIns="91440" bIns="45720" numCol="1" spcCol="0" rtlCol="0" fromWordArt="0" anchor="ctr" anchorCtr="0" forceAA="0" compatLnSpc="1">
+            <a:prstTxWarp prst="textNoShape">
+              <a:avLst/>
+            </a:prstTxWarp>
+            <a:noAutofit/>
+          </a:bodyPr>
+          <a:lstStyle/>
+          <a:p>
+            <a:pPr marL="0" marR="0" algn="ctr">
+              <a:lnSpc>
+                <a:spcPct val="107000"/>
+              </a:lnSpc>
+              <a:spcBef>
+                <a:spcPts val="0"/>
+              </a:spcBef>
+              <a:spcAft>
+                <a:spcPts val="800"/>
+              </a:spcAft>
+            </a:pPr>
+            <a:r>
+              <a:rPr lang="en-US" sz="1000" b="1" dirty="0" smtClean="0">
+                <a:effectLst/>
+                <a:latin typeface="Times New Roman" panose="02020603050405020304" pitchFamily="18" charset="0"/>
+                <a:ea typeface="Calibri" panose="020F0502020204030204" pitchFamily="34" charset="0"/>
+                <a:cs typeface="Times New Roman" panose="02020603050405020304" pitchFamily="18" charset="0"/>
+              </a:rPr>
+              <a:t>B</a:t>
+            </a:r>
+            <a:r>
+              <a:rPr lang="en-US" sz="900" b="1" baseline="-25000" dirty="0" smtClean="0">
+                <a:effectLst/>
+                <a:latin typeface="Times New Roman" panose="02020603050405020304" pitchFamily="18" charset="0"/>
+                <a:ea typeface="Calibri" panose="020F0502020204030204" pitchFamily="34" charset="0"/>
+                <a:cs typeface="Times New Roman" panose="02020603050405020304" pitchFamily="18" charset="0"/>
+              </a:rPr>
+              <a:t>1</a:t>
+            </a:r>
+            <a:endParaRPr lang="en-US" sz="900" b="1" dirty="0">
+              <a:effectLst/>
+              <a:ea typeface="Calibri" panose="020F0502020204030204" pitchFamily="34" charset="0"/>
+              <a:cs typeface="Times New Roman" panose="02020603050405020304" pitchFamily="18" charset="0"/>
+            </a:endParaRPr>
+          </a:p>
+        </p:txBody>
+      </p:sp>
+      <p:cxnSp>
+        <p:nvCxnSpPr>
+          <p:cNvPr id="9" name="Straight Connector 8"/>
+          <p:cNvCxnSpPr/>
+          <p:nvPr/>
+        </p:nvCxnSpPr>
+        <p:spPr>
+          <a:xfrm flipV="1">
+            <a:off x="3717600" y="3630295"/>
+            <a:ext cx="342900" cy="224790"/>
+          </a:xfrm>
+          <a:prstGeom prst="line">
+            <a:avLst/>
+          </a:prstGeom>
+          <a:ln w="19050">
+            <a:solidFill>
+              <a:schemeClr val="tx1"/>
+            </a:solidFill>
+          </a:ln>
+        </p:spPr>
+        <p:style>
+          <a:lnRef idx="1">
+            <a:schemeClr val="accent1"/>
+          </a:lnRef>
+          <a:fillRef idx="0">
+            <a:schemeClr val="accent1"/>
+          </a:fillRef>
+          <a:effectRef idx="0">
+            <a:schemeClr val="accent1"/>
+          </a:effectRef>
+          <a:fontRef idx="minor">
+            <a:schemeClr val="tx1"/>
+          </a:fontRef>
+        </p:style>
+      </p:cxnSp>
+      <p:cxnSp>
+        <p:nvCxnSpPr>
+          <p:cNvPr id="10" name="Straight Connector 9"/>
+          <p:cNvCxnSpPr/>
+          <p:nvPr/>
+        </p:nvCxnSpPr>
+        <p:spPr>
+          <a:xfrm flipH="1" flipV="1">
+            <a:off x="4062729" y="3630612"/>
+            <a:ext cx="316865" cy="224790"/>
+          </a:xfrm>
+          <a:prstGeom prst="line">
+            <a:avLst/>
+          </a:prstGeom>
+          <a:ln w="19050">
+            <a:solidFill>
+              <a:schemeClr val="tx1"/>
+            </a:solidFill>
+          </a:ln>
+        </p:spPr>
+        <p:style>
+          <a:lnRef idx="1">
+            <a:schemeClr val="accent1"/>
+          </a:lnRef>
+          <a:fillRef idx="0">
+            <a:schemeClr val="accent1"/>
+          </a:fillRef>
+          <a:effectRef idx="0">
+            <a:schemeClr val="accent1"/>
+          </a:effectRef>
+          <a:fontRef idx="minor">
+            <a:schemeClr val="tx1"/>
+          </a:fontRef>
+        </p:style>
+      </p:cxnSp>
+      <p:cxnSp>
+        <p:nvCxnSpPr>
+          <p:cNvPr id="12" name="Straight Connector 11"/>
+          <p:cNvCxnSpPr>
+            <a:endCxn id="27" idx="4"/>
+          </p:cNvCxnSpPr>
+          <p:nvPr/>
+        </p:nvCxnSpPr>
+        <p:spPr>
+          <a:xfrm flipV="1">
+            <a:off x="2970854" y="2950366"/>
+            <a:ext cx="567531" cy="229556"/>
+          </a:xfrm>
+          <a:prstGeom prst="line">
+            <a:avLst/>
+          </a:prstGeom>
+          <a:ln w="19050">
+            <a:solidFill>
+              <a:schemeClr val="tx1"/>
+            </a:solidFill>
+          </a:ln>
+        </p:spPr>
+        <p:style>
+          <a:lnRef idx="1">
+            <a:schemeClr val="accent1"/>
+          </a:lnRef>
+          <a:fillRef idx="0">
+            <a:schemeClr val="accent1"/>
+          </a:fillRef>
+          <a:effectRef idx="0">
+            <a:schemeClr val="accent1"/>
+          </a:effectRef>
+          <a:fontRef idx="minor">
+            <a:schemeClr val="tx1"/>
+          </a:fontRef>
+        </p:style>
+      </p:cxnSp>
+      <p:cxnSp>
+        <p:nvCxnSpPr>
+          <p:cNvPr id="13" name="Straight Connector 12"/>
+          <p:cNvCxnSpPr>
+            <a:stCxn id="8" idx="0"/>
+            <a:endCxn id="27" idx="4"/>
+          </p:cNvCxnSpPr>
+          <p:nvPr/>
+        </p:nvCxnSpPr>
+        <p:spPr>
+          <a:xfrm flipH="1" flipV="1">
+            <a:off x="3538385" y="2950366"/>
+            <a:ext cx="504977" cy="220505"/>
+          </a:xfrm>
+          <a:prstGeom prst="line">
+            <a:avLst/>
+          </a:prstGeom>
+          <a:ln w="19050">
+            <a:solidFill>
+              <a:schemeClr val="tx1"/>
+            </a:solidFill>
+          </a:ln>
+        </p:spPr>
+        <p:style>
+          <a:lnRef idx="1">
+            <a:schemeClr val="accent1"/>
+          </a:lnRef>
+          <a:fillRef idx="0">
+            <a:schemeClr val="accent1"/>
+          </a:fillRef>
+          <a:effectRef idx="0">
+            <a:schemeClr val="accent1"/>
+          </a:effectRef>
+          <a:fontRef idx="minor">
+            <a:schemeClr val="tx1"/>
+          </a:fontRef>
+        </p:style>
+      </p:cxnSp>
+      <p:sp>
+        <p:nvSpPr>
+          <p:cNvPr id="14" name="Rectangle 13"/>
+          <p:cNvSpPr/>
+          <p:nvPr/>
+        </p:nvSpPr>
+        <p:spPr>
+          <a:xfrm>
+            <a:off x="2409826" y="2409825"/>
+            <a:ext cx="4476749" cy="1971675"/>
+          </a:xfrm>
+          <a:prstGeom prst="rect">
+            <a:avLst/>
+          </a:prstGeom>
+          <a:noFill/>
+          <a:ln w="3175" cap="sq">
+            <a:solidFill>
+              <a:schemeClr val="tx1"/>
+            </a:solidFill>
+            <a:prstDash val="dash"/>
+          </a:ln>
+        </p:spPr>
+        <p:style>
+          <a:lnRef idx="2">
+            <a:schemeClr val="accent1">
+              <a:shade val="50000"/>
+            </a:schemeClr>
+          </a:lnRef>
+          <a:fillRef idx="1">
+            <a:schemeClr val="accent1"/>
+          </a:fillRef>
+          <a:effectRef idx="0">
+            <a:schemeClr val="accent1"/>
+          </a:effectRef>
+          <a:fontRef idx="minor">
+            <a:schemeClr val="lt1"/>
+          </a:fontRef>
+        </p:style>
+        <p:txBody>
+          <a:bodyPr rot="0" spcFirstLastPara="0" vert="horz" wrap="square" lIns="91440" tIns="45720" rIns="91440" bIns="45720" numCol="1" spcCol="0" rtlCol="0" fromWordArt="0" anchor="ctr" anchorCtr="0" forceAA="0" compatLnSpc="1">
+            <a:prstTxWarp prst="textNoShape">
+              <a:avLst/>
+            </a:prstTxWarp>
+            <a:noAutofit/>
+          </a:bodyPr>
+          <a:lstStyle/>
+          <a:p>
+            <a:endParaRPr lang="en-US"/>
+          </a:p>
+        </p:txBody>
+      </p:sp>
+      <p:sp>
+        <p:nvSpPr>
+          <p:cNvPr id="15" name="Oval 14"/>
+          <p:cNvSpPr/>
+          <p:nvPr/>
+        </p:nvSpPr>
+        <p:spPr>
+          <a:xfrm>
+            <a:off x="4664677" y="3858895"/>
+            <a:ext cx="450850" cy="451485"/>
+          </a:xfrm>
+          <a:prstGeom prst="ellipse">
+            <a:avLst/>
+          </a:prstGeom>
+          <a:ln w="19050">
+            <a:solidFill>
+              <a:schemeClr val="tx1"/>
+            </a:solidFill>
+          </a:ln>
+        </p:spPr>
+        <p:style>
+          <a:lnRef idx="2">
+            <a:schemeClr val="accent1"/>
+          </a:lnRef>
+          <a:fillRef idx="1">
+            <a:schemeClr val="lt1"/>
+          </a:fillRef>
+          <a:effectRef idx="0">
+            <a:schemeClr val="accent1"/>
+          </a:effectRef>
+          <a:fontRef idx="minor">
+            <a:schemeClr val="dk1"/>
+          </a:fontRef>
+        </p:style>
+        <p:txBody>
+          <a:bodyPr rot="0" spcFirstLastPara="0" vert="horz" wrap="square" lIns="91440" tIns="45720" rIns="91440" bIns="45720" numCol="1" spcCol="0" rtlCol="0" fromWordArt="0" anchor="ctr" anchorCtr="0" forceAA="0" compatLnSpc="1">
+            <a:prstTxWarp prst="textNoShape">
+              <a:avLst/>
+            </a:prstTxWarp>
+            <a:noAutofit/>
+          </a:bodyPr>
+          <a:lstStyle/>
+          <a:p>
+            <a:pPr marL="0" marR="0" algn="ctr">
+              <a:lnSpc>
+                <a:spcPct val="107000"/>
+              </a:lnSpc>
+              <a:spcBef>
+                <a:spcPts val="0"/>
+              </a:spcBef>
+              <a:spcAft>
+                <a:spcPts val="800"/>
+              </a:spcAft>
+            </a:pPr>
+            <a:r>
+              <a:rPr lang="en-US" sz="1000" b="1" dirty="0" smtClean="0">
+                <a:effectLst/>
+                <a:latin typeface="Times New Roman" panose="02020603050405020304" pitchFamily="18" charset="0"/>
+                <a:ea typeface="Calibri" panose="020F0502020204030204" pitchFamily="34" charset="0"/>
+                <a:cs typeface="Times New Roman" panose="02020603050405020304" pitchFamily="18" charset="0"/>
+              </a:rPr>
+              <a:t>C</a:t>
+            </a:r>
+            <a:r>
+              <a:rPr lang="en-US" sz="900" b="1" baseline="-25000" dirty="0" smtClean="0">
+                <a:effectLst/>
+                <a:latin typeface="Times New Roman" panose="02020603050405020304" pitchFamily="18" charset="0"/>
+                <a:ea typeface="Calibri" panose="020F0502020204030204" pitchFamily="34" charset="0"/>
+                <a:cs typeface="Times New Roman" panose="02020603050405020304" pitchFamily="18" charset="0"/>
+              </a:rPr>
+              <a:t>0</a:t>
+            </a:r>
+            <a:endParaRPr lang="en-US" sz="900" b="1" dirty="0">
+              <a:effectLst/>
+              <a:ea typeface="Calibri" panose="020F0502020204030204" pitchFamily="34" charset="0"/>
+              <a:cs typeface="Times New Roman" panose="02020603050405020304" pitchFamily="18" charset="0"/>
+            </a:endParaRPr>
+          </a:p>
+        </p:txBody>
+      </p:sp>
+      <p:sp>
+        <p:nvSpPr>
+          <p:cNvPr id="16" name="Oval 15"/>
+          <p:cNvSpPr/>
+          <p:nvPr/>
+        </p:nvSpPr>
+        <p:spPr>
+          <a:xfrm>
+            <a:off x="5221911" y="3856990"/>
+            <a:ext cx="452755" cy="453390"/>
+          </a:xfrm>
+          <a:prstGeom prst="ellipse">
+            <a:avLst/>
+          </a:prstGeom>
+          <a:ln w="19050">
+            <a:solidFill>
+              <a:schemeClr val="tx1"/>
+            </a:solidFill>
+          </a:ln>
+        </p:spPr>
+        <p:style>
+          <a:lnRef idx="2">
+            <a:schemeClr val="accent1"/>
+          </a:lnRef>
+          <a:fillRef idx="1">
+            <a:schemeClr val="lt1"/>
+          </a:fillRef>
+          <a:effectRef idx="0">
+            <a:schemeClr val="accent1"/>
+          </a:effectRef>
+          <a:fontRef idx="minor">
+            <a:schemeClr val="dk1"/>
+          </a:fontRef>
+        </p:style>
+        <p:txBody>
+          <a:bodyPr rot="0" spcFirstLastPara="0" vert="horz" wrap="square" lIns="91440" tIns="45720" rIns="91440" bIns="45720" numCol="1" spcCol="0" rtlCol="0" fromWordArt="0" anchor="ctr" anchorCtr="0" forceAA="0" compatLnSpc="1">
+            <a:prstTxWarp prst="textNoShape">
+              <a:avLst/>
+            </a:prstTxWarp>
+            <a:noAutofit/>
+          </a:bodyPr>
+          <a:lstStyle/>
+          <a:p>
+            <a:pPr marL="0" marR="0" algn="ctr">
+              <a:lnSpc>
+                <a:spcPct val="107000"/>
+              </a:lnSpc>
+              <a:spcBef>
+                <a:spcPts val="0"/>
+              </a:spcBef>
+              <a:spcAft>
+                <a:spcPts val="800"/>
+              </a:spcAft>
+            </a:pPr>
+            <a:r>
+              <a:rPr lang="en-US" sz="1000" b="1" dirty="0">
+                <a:effectLst/>
+                <a:latin typeface="Times New Roman" panose="02020603050405020304" pitchFamily="18" charset="0"/>
+                <a:ea typeface="Calibri" panose="020F0502020204030204" pitchFamily="34" charset="0"/>
+                <a:cs typeface="Times New Roman" panose="02020603050405020304" pitchFamily="18" charset="0"/>
+              </a:rPr>
+              <a:t>F</a:t>
+            </a:r>
+            <a:r>
+              <a:rPr lang="en-US" sz="900" b="1" baseline="-25000" dirty="0">
+                <a:effectLst/>
+                <a:latin typeface="Times New Roman" panose="02020603050405020304" pitchFamily="18" charset="0"/>
+                <a:ea typeface="Calibri" panose="020F0502020204030204" pitchFamily="34" charset="0"/>
+                <a:cs typeface="Times New Roman" panose="02020603050405020304" pitchFamily="18" charset="0"/>
+              </a:rPr>
+              <a:t>0</a:t>
+            </a:r>
+            <a:endParaRPr lang="en-US" sz="900" b="1" dirty="0">
+              <a:effectLst/>
+              <a:ea typeface="Calibri" panose="020F0502020204030204" pitchFamily="34" charset="0"/>
+              <a:cs typeface="Times New Roman" panose="02020603050405020304" pitchFamily="18" charset="0"/>
+            </a:endParaRPr>
+          </a:p>
+        </p:txBody>
+      </p:sp>
+      <p:sp>
+        <p:nvSpPr>
+          <p:cNvPr id="17" name="Oval 16"/>
+          <p:cNvSpPr/>
+          <p:nvPr/>
+        </p:nvSpPr>
+        <p:spPr>
+          <a:xfrm>
+            <a:off x="4942661" y="3211036"/>
+            <a:ext cx="465455" cy="445135"/>
+          </a:xfrm>
+          <a:prstGeom prst="ellipse">
+            <a:avLst/>
+          </a:prstGeom>
+          <a:ln w="19050">
+            <a:solidFill>
+              <a:schemeClr val="tx1"/>
+            </a:solidFill>
+          </a:ln>
+        </p:spPr>
+        <p:style>
+          <a:lnRef idx="2">
+            <a:schemeClr val="accent1"/>
+          </a:lnRef>
+          <a:fillRef idx="1">
+            <a:schemeClr val="lt1"/>
+          </a:fillRef>
+          <a:effectRef idx="0">
+            <a:schemeClr val="accent1"/>
+          </a:effectRef>
+          <a:fontRef idx="minor">
+            <a:schemeClr val="dk1"/>
+          </a:fontRef>
+        </p:style>
+        <p:txBody>
+          <a:bodyPr rot="0" spcFirstLastPara="0" vert="horz" wrap="square" lIns="91440" tIns="45720" rIns="91440" bIns="45720" numCol="1" spcCol="0" rtlCol="0" fromWordArt="0" anchor="ctr" anchorCtr="0" forceAA="0" compatLnSpc="1">
+            <a:prstTxWarp prst="textNoShape">
+              <a:avLst/>
+            </a:prstTxWarp>
+            <a:noAutofit/>
+          </a:bodyPr>
+          <a:lstStyle/>
+          <a:p>
+            <a:pPr marL="0" marR="0" algn="ctr">
+              <a:lnSpc>
+                <a:spcPct val="107000"/>
+              </a:lnSpc>
+              <a:spcBef>
+                <a:spcPts val="0"/>
+              </a:spcBef>
+              <a:spcAft>
+                <a:spcPts val="800"/>
+              </a:spcAft>
+            </a:pPr>
+            <a:r>
+              <a:rPr lang="en-US" sz="800" b="1" dirty="0" smtClean="0">
+                <a:effectLst/>
+                <a:latin typeface="Times New Roman" panose="02020603050405020304" pitchFamily="18" charset="0"/>
+                <a:ea typeface="Calibri" panose="020F0502020204030204" pitchFamily="34" charset="0"/>
+                <a:cs typeface="Times New Roman" panose="02020603050405020304" pitchFamily="18" charset="0"/>
+              </a:rPr>
+              <a:t>A</a:t>
+            </a:r>
+            <a:r>
+              <a:rPr lang="en-US" sz="800" b="1" baseline="-25000" dirty="0" smtClean="0">
+                <a:effectLst/>
+                <a:latin typeface="Times New Roman" panose="02020603050405020304" pitchFamily="18" charset="0"/>
+                <a:ea typeface="Calibri" panose="020F0502020204030204" pitchFamily="34" charset="0"/>
+                <a:cs typeface="Times New Roman" panose="02020603050405020304" pitchFamily="18" charset="0"/>
+              </a:rPr>
+              <a:t>10</a:t>
+            </a:r>
+            <a:endParaRPr lang="en-US" sz="800" b="1" dirty="0">
+              <a:effectLst/>
+              <a:ea typeface="Calibri" panose="020F0502020204030204" pitchFamily="34" charset="0"/>
+              <a:cs typeface="Times New Roman" panose="02020603050405020304" pitchFamily="18" charset="0"/>
+            </a:endParaRPr>
+          </a:p>
+        </p:txBody>
+      </p:sp>
+      <p:sp>
+        <p:nvSpPr>
+          <p:cNvPr id="22" name="Oval 21"/>
+          <p:cNvSpPr/>
+          <p:nvPr/>
+        </p:nvSpPr>
+        <p:spPr>
+          <a:xfrm>
+            <a:off x="6359796" y="3856990"/>
+            <a:ext cx="457200" cy="453390"/>
+          </a:xfrm>
+          <a:prstGeom prst="ellipse">
+            <a:avLst/>
+          </a:prstGeom>
+          <a:ln w="19050">
+            <a:solidFill>
+              <a:schemeClr val="tx1"/>
+            </a:solidFill>
+          </a:ln>
+        </p:spPr>
+        <p:style>
+          <a:lnRef idx="2">
+            <a:schemeClr val="accent1"/>
+          </a:lnRef>
+          <a:fillRef idx="1">
+            <a:schemeClr val="lt1"/>
+          </a:fillRef>
+          <a:effectRef idx="0">
+            <a:schemeClr val="accent1"/>
+          </a:effectRef>
+          <a:fontRef idx="minor">
+            <a:schemeClr val="dk1"/>
+          </a:fontRef>
+        </p:style>
+        <p:txBody>
+          <a:bodyPr rot="0" spcFirstLastPara="0" vert="horz" wrap="square" lIns="91440" tIns="45720" rIns="91440" bIns="45720" numCol="1" spcCol="0" rtlCol="0" fromWordArt="0" anchor="ctr" anchorCtr="0" forceAA="0" compatLnSpc="1">
+            <a:prstTxWarp prst="textNoShape">
+              <a:avLst/>
+            </a:prstTxWarp>
+            <a:noAutofit/>
+          </a:bodyPr>
+          <a:lstStyle/>
+          <a:p>
+            <a:pPr marL="0" marR="0" algn="ctr">
+              <a:lnSpc>
+                <a:spcPct val="107000"/>
+              </a:lnSpc>
+              <a:spcBef>
+                <a:spcPts val="0"/>
+              </a:spcBef>
+              <a:spcAft>
+                <a:spcPts val="800"/>
+              </a:spcAft>
+            </a:pPr>
+            <a:r>
+              <a:rPr lang="en-US" sz="1000" b="1" dirty="0" smtClean="0">
+                <a:effectLst/>
+                <a:latin typeface="Times New Roman" panose="02020603050405020304" pitchFamily="18" charset="0"/>
+                <a:ea typeface="Calibri" panose="020F0502020204030204" pitchFamily="34" charset="0"/>
+                <a:cs typeface="Times New Roman" panose="02020603050405020304" pitchFamily="18" charset="0"/>
+              </a:rPr>
+              <a:t>A</a:t>
+            </a:r>
+            <a:r>
+              <a:rPr lang="en-US" sz="900" b="1" baseline="-25000" dirty="0" smtClean="0">
+                <a:effectLst/>
+                <a:latin typeface="Times New Roman" panose="02020603050405020304" pitchFamily="18" charset="0"/>
+                <a:ea typeface="Calibri" panose="020F0502020204030204" pitchFamily="34" charset="0"/>
+                <a:cs typeface="Times New Roman" panose="02020603050405020304" pitchFamily="18" charset="0"/>
+              </a:rPr>
+              <a:t>0</a:t>
+            </a:r>
+            <a:endParaRPr lang="en-US" sz="900" b="1" dirty="0">
+              <a:effectLst/>
+              <a:ea typeface="Calibri" panose="020F0502020204030204" pitchFamily="34" charset="0"/>
+              <a:cs typeface="Times New Roman" panose="02020603050405020304" pitchFamily="18" charset="0"/>
+            </a:endParaRPr>
+          </a:p>
+        </p:txBody>
+      </p:sp>
+      <p:sp>
+        <p:nvSpPr>
+          <p:cNvPr id="24" name="Oval 23"/>
+          <p:cNvSpPr/>
+          <p:nvPr/>
+        </p:nvSpPr>
+        <p:spPr>
+          <a:xfrm>
+            <a:off x="5750698" y="3849528"/>
+            <a:ext cx="456565" cy="451485"/>
+          </a:xfrm>
+          <a:prstGeom prst="ellipse">
+            <a:avLst/>
+          </a:prstGeom>
+          <a:ln w="19050">
+            <a:solidFill>
+              <a:schemeClr val="tx1"/>
+            </a:solidFill>
+          </a:ln>
+        </p:spPr>
+        <p:style>
+          <a:lnRef idx="2">
+            <a:schemeClr val="accent1"/>
+          </a:lnRef>
+          <a:fillRef idx="1">
+            <a:schemeClr val="lt1"/>
+          </a:fillRef>
+          <a:effectRef idx="0">
+            <a:schemeClr val="accent1"/>
+          </a:effectRef>
+          <a:fontRef idx="minor">
+            <a:schemeClr val="dk1"/>
+          </a:fontRef>
+        </p:style>
+        <p:txBody>
+          <a:bodyPr rot="0" spcFirstLastPara="0" vert="horz" wrap="square" lIns="91440" tIns="45720" rIns="91440" bIns="45720" numCol="1" spcCol="0" rtlCol="0" fromWordArt="0" anchor="ctr" anchorCtr="0" forceAA="0" compatLnSpc="1">
+            <a:prstTxWarp prst="textNoShape">
+              <a:avLst/>
+            </a:prstTxWarp>
+            <a:noAutofit/>
+          </a:bodyPr>
+          <a:lstStyle/>
+          <a:p>
+            <a:pPr marL="0" marR="0" algn="ctr">
+              <a:lnSpc>
+                <a:spcPct val="107000"/>
+              </a:lnSpc>
+              <a:spcBef>
+                <a:spcPts val="0"/>
+              </a:spcBef>
+              <a:spcAft>
+                <a:spcPts val="800"/>
+              </a:spcAft>
+            </a:pPr>
+            <a:r>
+              <a:rPr lang="en-US" sz="1000" b="1" dirty="0">
+                <a:effectLst/>
+                <a:latin typeface="Times New Roman" panose="02020603050405020304" pitchFamily="18" charset="0"/>
+                <a:ea typeface="Calibri" panose="020F0502020204030204" pitchFamily="34" charset="0"/>
+                <a:cs typeface="Times New Roman" panose="02020603050405020304" pitchFamily="18" charset="0"/>
+              </a:rPr>
+              <a:t>D</a:t>
+            </a:r>
+            <a:r>
+              <a:rPr lang="en-US" sz="900" b="1" baseline="-25000" dirty="0">
+                <a:effectLst/>
+                <a:latin typeface="Times New Roman" panose="02020603050405020304" pitchFamily="18" charset="0"/>
+                <a:ea typeface="Calibri" panose="020F0502020204030204" pitchFamily="34" charset="0"/>
+                <a:cs typeface="Times New Roman" panose="02020603050405020304" pitchFamily="18" charset="0"/>
+              </a:rPr>
+              <a:t>0</a:t>
+            </a:r>
+            <a:endParaRPr lang="en-US" sz="900" b="1" dirty="0">
+              <a:effectLst/>
+              <a:ea typeface="Calibri" panose="020F0502020204030204" pitchFamily="34" charset="0"/>
+              <a:cs typeface="Times New Roman" panose="02020603050405020304" pitchFamily="18" charset="0"/>
+            </a:endParaRPr>
+          </a:p>
+        </p:txBody>
+      </p:sp>
+      <p:sp>
+        <p:nvSpPr>
+          <p:cNvPr id="26" name="Oval 25"/>
+          <p:cNvSpPr/>
+          <p:nvPr/>
+        </p:nvSpPr>
+        <p:spPr>
+          <a:xfrm>
+            <a:off x="4109083" y="3839210"/>
+            <a:ext cx="452755" cy="461645"/>
+          </a:xfrm>
+          <a:prstGeom prst="ellipse">
+            <a:avLst/>
+          </a:prstGeom>
+          <a:ln w="19050">
+            <a:solidFill>
+              <a:schemeClr val="tx1"/>
+            </a:solidFill>
+          </a:ln>
+        </p:spPr>
+        <p:style>
+          <a:lnRef idx="2">
+            <a:schemeClr val="accent1"/>
+          </a:lnRef>
+          <a:fillRef idx="1">
+            <a:schemeClr val="lt1"/>
+          </a:fillRef>
+          <a:effectRef idx="0">
+            <a:schemeClr val="accent1"/>
+          </a:effectRef>
+          <a:fontRef idx="minor">
+            <a:schemeClr val="dk1"/>
+          </a:fontRef>
+        </p:style>
+        <p:txBody>
+          <a:bodyPr rot="0" spcFirstLastPara="0" vert="horz" wrap="square" lIns="91440" tIns="45720" rIns="91440" bIns="45720" numCol="1" spcCol="0" rtlCol="0" fromWordArt="0" anchor="ctr" anchorCtr="0" forceAA="0" compatLnSpc="1">
+            <a:prstTxWarp prst="textNoShape">
+              <a:avLst/>
+            </a:prstTxWarp>
+            <a:noAutofit/>
+          </a:bodyPr>
+          <a:lstStyle/>
+          <a:p>
+            <a:pPr marL="0" marR="0" algn="ctr">
+              <a:lnSpc>
+                <a:spcPct val="107000"/>
+              </a:lnSpc>
+              <a:spcBef>
+                <a:spcPts val="0"/>
+              </a:spcBef>
+              <a:spcAft>
+                <a:spcPts val="800"/>
+              </a:spcAft>
+            </a:pPr>
+            <a:r>
+              <a:rPr lang="en-US" sz="1000" b="1" dirty="0" smtClean="0">
+                <a:effectLst/>
+                <a:latin typeface="Times New Roman" panose="02020603050405020304" pitchFamily="18" charset="0"/>
+                <a:ea typeface="Calibri" panose="020F0502020204030204" pitchFamily="34" charset="0"/>
+                <a:cs typeface="Times New Roman" panose="02020603050405020304" pitchFamily="18" charset="0"/>
+              </a:rPr>
+              <a:t>B</a:t>
+            </a:r>
+            <a:r>
+              <a:rPr lang="en-US" sz="900" b="1" baseline="-25000" dirty="0" smtClean="0">
+                <a:effectLst/>
+                <a:latin typeface="Times New Roman" panose="02020603050405020304" pitchFamily="18" charset="0"/>
+                <a:ea typeface="Calibri" panose="020F0502020204030204" pitchFamily="34" charset="0"/>
+                <a:cs typeface="Times New Roman" panose="02020603050405020304" pitchFamily="18" charset="0"/>
+              </a:rPr>
+              <a:t>0</a:t>
+            </a:r>
+            <a:endParaRPr lang="en-US" sz="900" b="1" dirty="0">
+              <a:effectLst/>
+              <a:ea typeface="Calibri" panose="020F0502020204030204" pitchFamily="34" charset="0"/>
+              <a:cs typeface="Times New Roman" panose="02020603050405020304" pitchFamily="18" charset="0"/>
+            </a:endParaRPr>
+          </a:p>
+        </p:txBody>
+      </p:sp>
+      <p:sp>
+        <p:nvSpPr>
+          <p:cNvPr id="27" name="Oval 26"/>
+          <p:cNvSpPr/>
+          <p:nvPr/>
+        </p:nvSpPr>
+        <p:spPr>
+          <a:xfrm>
+            <a:off x="3312007" y="2496341"/>
+            <a:ext cx="452755" cy="454025"/>
+          </a:xfrm>
+          <a:prstGeom prst="ellipse">
+            <a:avLst/>
+          </a:prstGeom>
+          <a:solidFill>
+            <a:schemeClr val="bg2">
+              <a:lumMod val="90000"/>
+            </a:schemeClr>
+          </a:solidFill>
+          <a:ln w="19050">
+            <a:solidFill>
+              <a:schemeClr val="tx1"/>
+            </a:solidFill>
+          </a:ln>
+        </p:spPr>
+        <p:style>
+          <a:lnRef idx="2">
+            <a:schemeClr val="accent1"/>
+          </a:lnRef>
+          <a:fillRef idx="1">
+            <a:schemeClr val="lt1"/>
+          </a:fillRef>
+          <a:effectRef idx="0">
+            <a:schemeClr val="accent1"/>
+          </a:effectRef>
+          <a:fontRef idx="minor">
+            <a:schemeClr val="dk1"/>
+          </a:fontRef>
+        </p:style>
+        <p:txBody>
+          <a:bodyPr rot="0" spcFirstLastPara="0" vert="horz" wrap="square" lIns="91440" tIns="45720" rIns="91440" bIns="45720" numCol="1" spcCol="0" rtlCol="0" fromWordArt="0" anchor="ctr" anchorCtr="0" forceAA="0" compatLnSpc="1">
+            <a:prstTxWarp prst="textNoShape">
+              <a:avLst/>
+            </a:prstTxWarp>
+            <a:noAutofit/>
+          </a:bodyPr>
+          <a:lstStyle/>
+          <a:p>
+            <a:pPr marL="0" marR="0" algn="ctr">
+              <a:lnSpc>
+                <a:spcPct val="107000"/>
+              </a:lnSpc>
+              <a:spcBef>
+                <a:spcPts val="0"/>
+              </a:spcBef>
+              <a:spcAft>
+                <a:spcPts val="800"/>
+              </a:spcAft>
+            </a:pPr>
+            <a:r>
+              <a:rPr lang="en-US" sz="700" b="1" dirty="0" smtClean="0">
+                <a:effectLst/>
+                <a:latin typeface="Times New Roman" panose="02020603050405020304" pitchFamily="18" charset="0"/>
+                <a:ea typeface="Calibri" panose="020F0502020204030204" pitchFamily="34" charset="0"/>
+                <a:cs typeface="Times New Roman" panose="02020603050405020304" pitchFamily="18" charset="0"/>
+              </a:rPr>
+              <a:t>A</a:t>
+            </a:r>
+            <a:r>
+              <a:rPr lang="en-US" sz="700" b="1" baseline="-25000" dirty="0" smtClean="0">
+                <a:effectLst/>
+                <a:latin typeface="Times New Roman" panose="02020603050405020304" pitchFamily="18" charset="0"/>
+                <a:ea typeface="Calibri" panose="020F0502020204030204" pitchFamily="34" charset="0"/>
+                <a:cs typeface="Times New Roman" panose="02020603050405020304" pitchFamily="18" charset="0"/>
+              </a:rPr>
+              <a:t>20</a:t>
+            </a:r>
+            <a:endParaRPr lang="en-US" sz="700" b="1" dirty="0">
+              <a:effectLst/>
+              <a:ea typeface="Calibri" panose="020F0502020204030204" pitchFamily="34" charset="0"/>
+              <a:cs typeface="Times New Roman" panose="02020603050405020304" pitchFamily="18" charset="0"/>
+            </a:endParaRPr>
+          </a:p>
+        </p:txBody>
+      </p:sp>
+      <p:cxnSp>
+        <p:nvCxnSpPr>
+          <p:cNvPr id="41" name="Straight Connector 40"/>
+          <p:cNvCxnSpPr>
+            <a:stCxn id="15" idx="0"/>
+          </p:cNvCxnSpPr>
+          <p:nvPr/>
+        </p:nvCxnSpPr>
+        <p:spPr>
+          <a:xfrm flipV="1">
+            <a:off x="4890102" y="3652837"/>
+            <a:ext cx="284975" cy="206058"/>
+          </a:xfrm>
+          <a:prstGeom prst="line">
+            <a:avLst/>
+          </a:prstGeom>
+          <a:ln w="19050">
+            <a:solidFill>
+              <a:schemeClr val="tx1"/>
+            </a:solidFill>
+          </a:ln>
+        </p:spPr>
+        <p:style>
+          <a:lnRef idx="1">
+            <a:schemeClr val="accent1"/>
+          </a:lnRef>
+          <a:fillRef idx="0">
+            <a:schemeClr val="accent1"/>
+          </a:fillRef>
+          <a:effectRef idx="0">
+            <a:schemeClr val="accent1"/>
+          </a:effectRef>
+          <a:fontRef idx="minor">
+            <a:schemeClr val="tx1"/>
+          </a:fontRef>
+        </p:style>
+      </p:cxnSp>
+      <p:cxnSp>
+        <p:nvCxnSpPr>
+          <p:cNvPr id="42" name="Straight Connector 41"/>
+          <p:cNvCxnSpPr>
+            <a:stCxn id="16" idx="0"/>
+          </p:cNvCxnSpPr>
+          <p:nvPr/>
+        </p:nvCxnSpPr>
+        <p:spPr>
+          <a:xfrm flipH="1" flipV="1">
+            <a:off x="5177308" y="3653153"/>
+            <a:ext cx="270981" cy="203837"/>
+          </a:xfrm>
+          <a:prstGeom prst="line">
+            <a:avLst/>
+          </a:prstGeom>
+          <a:ln w="19050">
+            <a:solidFill>
+              <a:schemeClr val="tx1"/>
+            </a:solidFill>
+          </a:ln>
+        </p:spPr>
+        <p:style>
+          <a:lnRef idx="1">
+            <a:schemeClr val="accent1"/>
+          </a:lnRef>
+          <a:fillRef idx="0">
+            <a:schemeClr val="accent1"/>
+          </a:fillRef>
+          <a:effectRef idx="0">
+            <a:schemeClr val="accent1"/>
+          </a:effectRef>
+          <a:fontRef idx="minor">
+            <a:schemeClr val="tx1"/>
+          </a:fontRef>
+        </p:style>
+      </p:cxnSp>
+      <p:sp>
+        <p:nvSpPr>
+          <p:cNvPr id="30" name="Oval 29"/>
+          <p:cNvSpPr/>
+          <p:nvPr/>
+        </p:nvSpPr>
+        <p:spPr>
+          <a:xfrm>
+            <a:off x="6054996" y="3170871"/>
+            <a:ext cx="457200" cy="453390"/>
+          </a:xfrm>
+          <a:prstGeom prst="ellipse">
+            <a:avLst/>
+          </a:prstGeom>
+          <a:ln w="19050">
+            <a:solidFill>
+              <a:schemeClr val="tx1"/>
+            </a:solidFill>
+          </a:ln>
+        </p:spPr>
+        <p:style>
+          <a:lnRef idx="2">
+            <a:schemeClr val="accent1"/>
+          </a:lnRef>
+          <a:fillRef idx="1">
+            <a:schemeClr val="lt1"/>
+          </a:fillRef>
+          <a:effectRef idx="0">
+            <a:schemeClr val="accent1"/>
+          </a:effectRef>
+          <a:fontRef idx="minor">
+            <a:schemeClr val="dk1"/>
+          </a:fontRef>
+        </p:style>
+        <p:txBody>
+          <a:bodyPr rot="0" spcFirstLastPara="0" vert="horz" wrap="square" lIns="91440" tIns="45720" rIns="91440" bIns="45720" numCol="1" spcCol="0" rtlCol="0" fromWordArt="0" anchor="ctr" anchorCtr="0" forceAA="0" compatLnSpc="1">
+            <a:prstTxWarp prst="textNoShape">
+              <a:avLst/>
+            </a:prstTxWarp>
+            <a:noAutofit/>
+          </a:bodyPr>
+          <a:lstStyle/>
+          <a:p>
+            <a:pPr lvl="0" algn="ctr">
+              <a:lnSpc>
+                <a:spcPct val="107000"/>
+              </a:lnSpc>
+              <a:spcAft>
+                <a:spcPts val="800"/>
+              </a:spcAft>
+            </a:pPr>
+            <a:r>
+              <a:rPr lang="en-US" sz="800" b="1" dirty="0" smtClean="0">
+                <a:solidFill>
+                  <a:prstClr val="black"/>
+                </a:solidFill>
+                <a:latin typeface="Times New Roman" panose="02020603050405020304" pitchFamily="18" charset="0"/>
+                <a:ea typeface="Calibri" panose="020F0502020204030204" pitchFamily="34" charset="0"/>
+                <a:cs typeface="Times New Roman" panose="02020603050405020304" pitchFamily="18" charset="0"/>
+              </a:rPr>
+              <a:t>A</a:t>
+            </a:r>
+            <a:r>
+              <a:rPr lang="en-US" sz="800" b="1" baseline="-25000" dirty="0" smtClean="0">
+                <a:solidFill>
+                  <a:prstClr val="black"/>
+                </a:solidFill>
+                <a:latin typeface="Times New Roman" panose="02020603050405020304" pitchFamily="18" charset="0"/>
+                <a:ea typeface="Calibri" panose="020F0502020204030204" pitchFamily="34" charset="0"/>
+                <a:cs typeface="Times New Roman" panose="02020603050405020304" pitchFamily="18" charset="0"/>
+              </a:rPr>
+              <a:t>11</a:t>
+            </a:r>
+            <a:endParaRPr lang="en-US" sz="800" b="1" dirty="0">
+              <a:solidFill>
+                <a:prstClr val="black"/>
+              </a:solidFill>
+              <a:ea typeface="Calibri" panose="020F0502020204030204" pitchFamily="34" charset="0"/>
+              <a:cs typeface="Times New Roman" panose="02020603050405020304" pitchFamily="18" charset="0"/>
+            </a:endParaRPr>
+          </a:p>
+        </p:txBody>
+      </p:sp>
+      <p:cxnSp>
+        <p:nvCxnSpPr>
+          <p:cNvPr id="31" name="Straight Connector 30"/>
+          <p:cNvCxnSpPr>
+            <a:stCxn id="24" idx="0"/>
+          </p:cNvCxnSpPr>
+          <p:nvPr/>
+        </p:nvCxnSpPr>
+        <p:spPr>
+          <a:xfrm flipV="1">
+            <a:off x="5978981" y="3624261"/>
+            <a:ext cx="315962" cy="225267"/>
+          </a:xfrm>
+          <a:prstGeom prst="line">
+            <a:avLst/>
+          </a:prstGeom>
+          <a:ln w="19050">
+            <a:solidFill>
+              <a:schemeClr val="tx1"/>
+            </a:solidFill>
+          </a:ln>
+        </p:spPr>
+        <p:style>
+          <a:lnRef idx="1">
+            <a:schemeClr val="accent1"/>
+          </a:lnRef>
+          <a:fillRef idx="0">
+            <a:schemeClr val="accent1"/>
+          </a:fillRef>
+          <a:effectRef idx="0">
+            <a:schemeClr val="accent1"/>
+          </a:effectRef>
+          <a:fontRef idx="minor">
+            <a:schemeClr val="tx1"/>
+          </a:fontRef>
+        </p:style>
+      </p:cxnSp>
+      <p:cxnSp>
+        <p:nvCxnSpPr>
+          <p:cNvPr id="32" name="Straight Connector 31"/>
+          <p:cNvCxnSpPr>
+            <a:stCxn id="22" idx="0"/>
+          </p:cNvCxnSpPr>
+          <p:nvPr/>
+        </p:nvCxnSpPr>
+        <p:spPr>
+          <a:xfrm flipH="1" flipV="1">
+            <a:off x="6297175" y="3624578"/>
+            <a:ext cx="291221" cy="232412"/>
+          </a:xfrm>
+          <a:prstGeom prst="line">
+            <a:avLst/>
+          </a:prstGeom>
+          <a:ln w="19050">
+            <a:solidFill>
+              <a:schemeClr val="tx1"/>
+            </a:solidFill>
+          </a:ln>
+        </p:spPr>
+        <p:style>
+          <a:lnRef idx="1">
+            <a:schemeClr val="accent1"/>
+          </a:lnRef>
+          <a:fillRef idx="0">
+            <a:schemeClr val="accent1"/>
+          </a:fillRef>
+          <a:effectRef idx="0">
+            <a:schemeClr val="accent1"/>
+          </a:effectRef>
+          <a:fontRef idx="minor">
+            <a:schemeClr val="tx1"/>
+          </a:fontRef>
+        </p:style>
+      </p:cxnSp>
+      <p:sp>
+        <p:nvSpPr>
+          <p:cNvPr id="28" name="Oval 27"/>
+          <p:cNvSpPr/>
+          <p:nvPr/>
+        </p:nvSpPr>
+        <p:spPr>
+          <a:xfrm>
+            <a:off x="5502948" y="2496658"/>
+            <a:ext cx="457200" cy="453390"/>
+          </a:xfrm>
+          <a:prstGeom prst="ellipse">
+            <a:avLst/>
+          </a:prstGeom>
+          <a:solidFill>
+            <a:schemeClr val="bg2">
+              <a:lumMod val="90000"/>
+            </a:schemeClr>
+          </a:solidFill>
+          <a:ln w="19050">
+            <a:solidFill>
+              <a:schemeClr val="tx1"/>
+            </a:solidFill>
+          </a:ln>
+        </p:spPr>
+        <p:style>
+          <a:lnRef idx="2">
+            <a:schemeClr val="accent1"/>
+          </a:lnRef>
+          <a:fillRef idx="1">
+            <a:schemeClr val="lt1"/>
+          </a:fillRef>
+          <a:effectRef idx="0">
+            <a:schemeClr val="accent1"/>
+          </a:effectRef>
+          <a:fontRef idx="minor">
+            <a:schemeClr val="dk1"/>
+          </a:fontRef>
+        </p:style>
+        <p:txBody>
+          <a:bodyPr rot="0" spcFirstLastPara="0" vert="horz" wrap="square" lIns="91440" tIns="45720" rIns="91440" bIns="45720" numCol="1" spcCol="0" rtlCol="0" fromWordArt="0" anchor="ctr" anchorCtr="0" forceAA="0" compatLnSpc="1">
+            <a:prstTxWarp prst="textNoShape">
+              <a:avLst/>
+            </a:prstTxWarp>
+            <a:noAutofit/>
+          </a:bodyPr>
+          <a:lstStyle/>
+          <a:p>
+            <a:pPr algn="ctr">
+              <a:lnSpc>
+                <a:spcPct val="107000"/>
+              </a:lnSpc>
+              <a:spcAft>
+                <a:spcPts val="800"/>
+              </a:spcAft>
+            </a:pPr>
+            <a:r>
+              <a:rPr lang="en-US" sz="800" b="1" dirty="0" smtClean="0">
+                <a:latin typeface="Times New Roman" panose="02020603050405020304" pitchFamily="18" charset="0"/>
+                <a:ea typeface="Calibri" panose="020F0502020204030204" pitchFamily="34" charset="0"/>
+                <a:cs typeface="Times New Roman" panose="02020603050405020304" pitchFamily="18" charset="0"/>
+              </a:rPr>
+              <a:t>A</a:t>
+            </a:r>
+            <a:r>
+              <a:rPr lang="en-US" sz="800" b="1" baseline="-25000" dirty="0" smtClean="0">
+                <a:latin typeface="Times New Roman" panose="02020603050405020304" pitchFamily="18" charset="0"/>
+                <a:ea typeface="Calibri" panose="020F0502020204030204" pitchFamily="34" charset="0"/>
+                <a:cs typeface="Times New Roman" panose="02020603050405020304" pitchFamily="18" charset="0"/>
+              </a:rPr>
+              <a:t>21</a:t>
+            </a:r>
+            <a:endParaRPr lang="en-US" sz="800" b="1" dirty="0">
+              <a:ea typeface="Calibri" panose="020F0502020204030204" pitchFamily="34" charset="0"/>
+              <a:cs typeface="Times New Roman" panose="02020603050405020304" pitchFamily="18" charset="0"/>
+            </a:endParaRPr>
+          </a:p>
+        </p:txBody>
+      </p:sp>
+      <p:cxnSp>
+        <p:nvCxnSpPr>
+          <p:cNvPr id="29" name="Straight Connector 28"/>
+          <p:cNvCxnSpPr>
+            <a:endCxn id="28" idx="4"/>
+          </p:cNvCxnSpPr>
+          <p:nvPr/>
+        </p:nvCxnSpPr>
+        <p:spPr>
+          <a:xfrm flipV="1">
+            <a:off x="5171920" y="2950048"/>
+            <a:ext cx="559628" cy="260831"/>
+          </a:xfrm>
+          <a:prstGeom prst="line">
+            <a:avLst/>
+          </a:prstGeom>
+          <a:ln w="19050">
+            <a:solidFill>
+              <a:schemeClr val="tx1"/>
+            </a:solidFill>
+          </a:ln>
+        </p:spPr>
+        <p:style>
+          <a:lnRef idx="1">
+            <a:schemeClr val="accent1"/>
+          </a:lnRef>
+          <a:fillRef idx="0">
+            <a:schemeClr val="accent1"/>
+          </a:fillRef>
+          <a:effectRef idx="0">
+            <a:schemeClr val="accent1"/>
+          </a:effectRef>
+          <a:fontRef idx="minor">
+            <a:schemeClr val="tx1"/>
+          </a:fontRef>
+        </p:style>
+      </p:cxnSp>
+      <p:cxnSp>
+        <p:nvCxnSpPr>
+          <p:cNvPr id="33" name="Straight Connector 32"/>
+          <p:cNvCxnSpPr>
+            <a:endCxn id="28" idx="4"/>
+          </p:cNvCxnSpPr>
+          <p:nvPr/>
+        </p:nvCxnSpPr>
+        <p:spPr>
+          <a:xfrm flipH="1" flipV="1">
+            <a:off x="5731548" y="2950048"/>
+            <a:ext cx="541241" cy="220507"/>
+          </a:xfrm>
+          <a:prstGeom prst="line">
+            <a:avLst/>
+          </a:prstGeom>
+          <a:ln w="19050">
+            <a:solidFill>
+              <a:schemeClr val="tx1"/>
+            </a:solidFill>
+          </a:ln>
+        </p:spPr>
+        <p:style>
+          <a:lnRef idx="1">
+            <a:schemeClr val="accent1"/>
+          </a:lnRef>
+          <a:fillRef idx="0">
+            <a:schemeClr val="accent1"/>
+          </a:fillRef>
+          <a:effectRef idx="0">
+            <a:schemeClr val="accent1"/>
+          </a:effectRef>
+          <a:fontRef idx="minor">
+            <a:schemeClr val="tx1"/>
+          </a:fontRef>
+        </p:style>
+      </p:cxnSp>
+    </p:spTree>
+    <p:extLst>
+      <p:ext uri="{BB962C8B-B14F-4D97-AF65-F5344CB8AC3E}">
+        <p14:creationId xmlns:p14="http://schemas.microsoft.com/office/powerpoint/2010/main" val="3242104863"/>
+      </p:ext>
+    </p:extLst>
+  </p:cSld>
+  <p:clrMapOvr>
+    <a:masterClrMapping/>
+  </p:clrMapOvr>
+  <p:timing>
+    <p:tnLst>
+      <p:par>
+        <p:cTn id="1" dur="indefinite" restart="never" nodeType="tmRoot"/>
+      </p:par>
+    </p:tnLst>
+  </p:timing>
+</p:sld>
+</file>
+
+<file path=ppt/slides/slide35.xml><?xml version="1.0" encoding="utf-8"?>
+<p:sld xmlns:a="http://schemas.openxmlformats.org/drawingml/2006/main" xmlns:r="http://schemas.openxmlformats.org/officeDocument/2006/relationships" xmlns:p="http://schemas.openxmlformats.org/presentationml/2006/main">
+  <p:cSld>
+    <p:spTree>
+      <p:nvGrpSpPr>
+        <p:cNvPr id="1" name=""/>
+        <p:cNvGrpSpPr/>
+        <p:nvPr/>
+      </p:nvGrpSpPr>
+      <p:grpSpPr>
+        <a:xfrm>
+          <a:off x="0" y="0"/>
+          <a:ext cx="0" cy="0"/>
+          <a:chOff x="0" y="0"/>
+          <a:chExt cx="0" cy="0"/>
+        </a:xfrm>
+      </p:grpSpPr>
+      <p:sp>
+        <p:nvSpPr>
+          <p:cNvPr id="2" name="Oval 1"/>
+          <p:cNvSpPr/>
+          <p:nvPr/>
+        </p:nvSpPr>
+        <p:spPr>
+          <a:xfrm>
+            <a:off x="2478720" y="3838575"/>
+            <a:ext cx="455930" cy="455295"/>
+          </a:xfrm>
+          <a:prstGeom prst="ellipse">
+            <a:avLst/>
+          </a:prstGeom>
+          <a:ln w="19050">
+            <a:solidFill>
+              <a:schemeClr val="tx1"/>
+            </a:solidFill>
+          </a:ln>
+        </p:spPr>
+        <p:style>
+          <a:lnRef idx="2">
+            <a:schemeClr val="accent1"/>
+          </a:lnRef>
+          <a:fillRef idx="1">
+            <a:schemeClr val="lt1"/>
+          </a:fillRef>
+          <a:effectRef idx="0">
+            <a:schemeClr val="accent1"/>
+          </a:effectRef>
+          <a:fontRef idx="minor">
+            <a:schemeClr val="dk1"/>
+          </a:fontRef>
+        </p:style>
+        <p:txBody>
+          <a:bodyPr rot="0" spcFirstLastPara="0" vert="horz" wrap="square" lIns="91440" tIns="45720" rIns="91440" bIns="45720" numCol="1" spcCol="0" rtlCol="0" fromWordArt="0" anchor="ctr" anchorCtr="0" forceAA="0" compatLnSpc="1">
+            <a:prstTxWarp prst="textNoShape">
+              <a:avLst/>
+            </a:prstTxWarp>
+            <a:noAutofit/>
+          </a:bodyPr>
+          <a:lstStyle/>
+          <a:p>
+            <a:pPr marL="0" marR="0" algn="ctr">
+              <a:lnSpc>
+                <a:spcPct val="107000"/>
+              </a:lnSpc>
+              <a:spcBef>
+                <a:spcPts val="0"/>
+              </a:spcBef>
+              <a:spcAft>
+                <a:spcPts val="800"/>
+              </a:spcAft>
+            </a:pPr>
+            <a:r>
+              <a:rPr lang="en-US" sz="1000" b="1" dirty="0">
+                <a:effectLst/>
+                <a:latin typeface="Times New Roman" panose="02020603050405020304" pitchFamily="18" charset="0"/>
+                <a:ea typeface="Calibri" panose="020F0502020204030204" pitchFamily="34" charset="0"/>
+                <a:cs typeface="Times New Roman" panose="02020603050405020304" pitchFamily="18" charset="0"/>
+              </a:rPr>
+              <a:t>H</a:t>
+            </a:r>
+            <a:r>
+              <a:rPr lang="en-US" sz="900" b="1" baseline="-25000" dirty="0">
+                <a:effectLst/>
+                <a:latin typeface="Times New Roman" panose="02020603050405020304" pitchFamily="18" charset="0"/>
+                <a:ea typeface="Calibri" panose="020F0502020204030204" pitchFamily="34" charset="0"/>
+                <a:cs typeface="Times New Roman" panose="02020603050405020304" pitchFamily="18" charset="0"/>
+              </a:rPr>
+              <a:t>0</a:t>
+            </a:r>
+            <a:endParaRPr lang="en-US" sz="900" b="1" dirty="0">
+              <a:effectLst/>
+              <a:ea typeface="Calibri" panose="020F0502020204030204" pitchFamily="34" charset="0"/>
+              <a:cs typeface="Times New Roman" panose="02020603050405020304" pitchFamily="18" charset="0"/>
+            </a:endParaRPr>
+          </a:p>
+        </p:txBody>
+      </p:sp>
+      <p:sp>
+        <p:nvSpPr>
+          <p:cNvPr id="3" name="Oval 2"/>
+          <p:cNvSpPr/>
+          <p:nvPr/>
+        </p:nvSpPr>
+        <p:spPr>
+          <a:xfrm>
+            <a:off x="3016086" y="3855085"/>
+            <a:ext cx="457835" cy="455295"/>
+          </a:xfrm>
+          <a:prstGeom prst="ellipse">
+            <a:avLst/>
+          </a:prstGeom>
+          <a:ln w="19050">
+            <a:solidFill>
+              <a:schemeClr val="tx1"/>
+            </a:solidFill>
+          </a:ln>
+        </p:spPr>
+        <p:style>
+          <a:lnRef idx="2">
+            <a:schemeClr val="accent1"/>
+          </a:lnRef>
+          <a:fillRef idx="1">
+            <a:schemeClr val="lt1"/>
+          </a:fillRef>
+          <a:effectRef idx="0">
+            <a:schemeClr val="accent1"/>
+          </a:effectRef>
+          <a:fontRef idx="minor">
+            <a:schemeClr val="dk1"/>
+          </a:fontRef>
+        </p:style>
+        <p:txBody>
+          <a:bodyPr rot="0" spcFirstLastPara="0" vert="horz" wrap="square" lIns="91440" tIns="45720" rIns="91440" bIns="45720" numCol="1" spcCol="0" rtlCol="0" fromWordArt="0" anchor="ctr" anchorCtr="0" forceAA="0" compatLnSpc="1">
+            <a:prstTxWarp prst="textNoShape">
+              <a:avLst/>
+            </a:prstTxWarp>
+            <a:noAutofit/>
+          </a:bodyPr>
+          <a:lstStyle/>
+          <a:p>
+            <a:pPr marL="0" marR="0" algn="ctr">
+              <a:lnSpc>
+                <a:spcPct val="107000"/>
+              </a:lnSpc>
+              <a:spcBef>
+                <a:spcPts val="0"/>
+              </a:spcBef>
+              <a:spcAft>
+                <a:spcPts val="800"/>
+              </a:spcAft>
+            </a:pPr>
+            <a:r>
+              <a:rPr lang="en-US" sz="1000" b="1" dirty="0" smtClean="0">
+                <a:effectLst/>
+                <a:latin typeface="Times New Roman" panose="02020603050405020304" pitchFamily="18" charset="0"/>
+                <a:ea typeface="Calibri" panose="020F0502020204030204" pitchFamily="34" charset="0"/>
+                <a:cs typeface="Times New Roman" panose="02020603050405020304" pitchFamily="18" charset="0"/>
+              </a:rPr>
+              <a:t>G</a:t>
+            </a:r>
+            <a:r>
+              <a:rPr lang="en-US" sz="900" b="1" baseline="-25000" dirty="0" smtClean="0">
+                <a:effectLst/>
+                <a:latin typeface="Times New Roman" panose="02020603050405020304" pitchFamily="18" charset="0"/>
+                <a:ea typeface="Calibri" panose="020F0502020204030204" pitchFamily="34" charset="0"/>
+                <a:cs typeface="Times New Roman" panose="02020603050405020304" pitchFamily="18" charset="0"/>
+              </a:rPr>
+              <a:t>0</a:t>
+            </a:r>
+            <a:endParaRPr lang="en-US" sz="900" b="1" dirty="0">
+              <a:effectLst/>
+              <a:ea typeface="Calibri" panose="020F0502020204030204" pitchFamily="34" charset="0"/>
+              <a:cs typeface="Times New Roman" panose="02020603050405020304" pitchFamily="18" charset="0"/>
+            </a:endParaRPr>
+          </a:p>
+        </p:txBody>
+      </p:sp>
+      <p:sp>
+        <p:nvSpPr>
+          <p:cNvPr id="4" name="Oval 3"/>
+          <p:cNvSpPr/>
+          <p:nvPr/>
+        </p:nvSpPr>
+        <p:spPr>
+          <a:xfrm>
+            <a:off x="2768758" y="3183096"/>
+            <a:ext cx="452755" cy="454025"/>
+          </a:xfrm>
+          <a:prstGeom prst="ellipse">
+            <a:avLst/>
+          </a:prstGeom>
+          <a:ln w="19050">
+            <a:solidFill>
+              <a:schemeClr val="tx1"/>
+            </a:solidFill>
+          </a:ln>
+        </p:spPr>
+        <p:style>
+          <a:lnRef idx="2">
+            <a:schemeClr val="accent1"/>
+          </a:lnRef>
+          <a:fillRef idx="1">
+            <a:schemeClr val="lt1"/>
+          </a:fillRef>
+          <a:effectRef idx="0">
+            <a:schemeClr val="accent1"/>
+          </a:effectRef>
+          <a:fontRef idx="minor">
+            <a:schemeClr val="dk1"/>
+          </a:fontRef>
+        </p:style>
+        <p:txBody>
+          <a:bodyPr rot="0" spcFirstLastPara="0" vert="horz" wrap="square" lIns="91440" tIns="45720" rIns="91440" bIns="45720" numCol="1" spcCol="0" rtlCol="0" fromWordArt="0" anchor="ctr" anchorCtr="0" forceAA="0" compatLnSpc="1">
+            <a:prstTxWarp prst="textNoShape">
+              <a:avLst/>
+            </a:prstTxWarp>
+            <a:noAutofit/>
+          </a:bodyPr>
+          <a:lstStyle/>
+          <a:p>
+            <a:pPr marL="0" marR="0" algn="ctr">
+              <a:lnSpc>
+                <a:spcPct val="107000"/>
+              </a:lnSpc>
+              <a:spcBef>
+                <a:spcPts val="0"/>
+              </a:spcBef>
+              <a:spcAft>
+                <a:spcPts val="800"/>
+              </a:spcAft>
+            </a:pPr>
+            <a:r>
+              <a:rPr lang="en-US" sz="1000" b="1" dirty="0" smtClean="0">
+                <a:effectLst/>
+                <a:latin typeface="Times New Roman" panose="02020603050405020304" pitchFamily="18" charset="0"/>
+                <a:ea typeface="Calibri" panose="020F0502020204030204" pitchFamily="34" charset="0"/>
+                <a:cs typeface="Times New Roman" panose="02020603050405020304" pitchFamily="18" charset="0"/>
+              </a:rPr>
+              <a:t>G</a:t>
+            </a:r>
+            <a:r>
+              <a:rPr lang="en-US" sz="900" b="1" baseline="-25000" dirty="0" smtClean="0">
+                <a:effectLst/>
+                <a:latin typeface="Times New Roman" panose="02020603050405020304" pitchFamily="18" charset="0"/>
+                <a:ea typeface="Calibri" panose="020F0502020204030204" pitchFamily="34" charset="0"/>
+                <a:cs typeface="Times New Roman" panose="02020603050405020304" pitchFamily="18" charset="0"/>
+              </a:rPr>
+              <a:t>1</a:t>
+            </a:r>
+            <a:endParaRPr lang="en-US" sz="900" b="1" dirty="0">
+              <a:effectLst/>
+              <a:ea typeface="Calibri" panose="020F0502020204030204" pitchFamily="34" charset="0"/>
+              <a:cs typeface="Times New Roman" panose="02020603050405020304" pitchFamily="18" charset="0"/>
+            </a:endParaRPr>
+          </a:p>
+        </p:txBody>
+      </p:sp>
+      <p:cxnSp>
+        <p:nvCxnSpPr>
+          <p:cNvPr id="5" name="Straight Connector 4"/>
+          <p:cNvCxnSpPr>
+            <a:stCxn id="2" idx="0"/>
+            <a:endCxn id="4" idx="4"/>
+          </p:cNvCxnSpPr>
+          <p:nvPr/>
+        </p:nvCxnSpPr>
+        <p:spPr>
+          <a:xfrm flipV="1">
+            <a:off x="2706685" y="3637121"/>
+            <a:ext cx="288451" cy="201454"/>
+          </a:xfrm>
+          <a:prstGeom prst="line">
+            <a:avLst/>
+          </a:prstGeom>
+          <a:ln w="19050">
+            <a:solidFill>
+              <a:schemeClr val="tx1"/>
+            </a:solidFill>
+          </a:ln>
+        </p:spPr>
+        <p:style>
+          <a:lnRef idx="1">
+            <a:schemeClr val="accent1"/>
+          </a:lnRef>
+          <a:fillRef idx="0">
+            <a:schemeClr val="accent1"/>
+          </a:fillRef>
+          <a:effectRef idx="0">
+            <a:schemeClr val="accent1"/>
+          </a:effectRef>
+          <a:fontRef idx="minor">
+            <a:schemeClr val="tx1"/>
+          </a:fontRef>
+        </p:style>
+      </p:cxnSp>
+      <p:cxnSp>
+        <p:nvCxnSpPr>
+          <p:cNvPr id="6" name="Straight Connector 5"/>
+          <p:cNvCxnSpPr>
+            <a:stCxn id="3" idx="0"/>
+            <a:endCxn id="4" idx="4"/>
+          </p:cNvCxnSpPr>
+          <p:nvPr/>
+        </p:nvCxnSpPr>
+        <p:spPr>
+          <a:xfrm flipH="1" flipV="1">
+            <a:off x="2995136" y="3637121"/>
+            <a:ext cx="249868" cy="217964"/>
+          </a:xfrm>
+          <a:prstGeom prst="line">
+            <a:avLst/>
+          </a:prstGeom>
+          <a:ln w="19050">
+            <a:solidFill>
+              <a:schemeClr val="tx1"/>
+            </a:solidFill>
+          </a:ln>
+        </p:spPr>
+        <p:style>
+          <a:lnRef idx="1">
+            <a:schemeClr val="accent1"/>
+          </a:lnRef>
+          <a:fillRef idx="0">
+            <a:schemeClr val="accent1"/>
+          </a:fillRef>
+          <a:effectRef idx="0">
+            <a:schemeClr val="accent1"/>
+          </a:effectRef>
+          <a:fontRef idx="minor">
+            <a:schemeClr val="tx1"/>
+          </a:fontRef>
+        </p:style>
+      </p:cxnSp>
+      <p:sp>
+        <p:nvSpPr>
+          <p:cNvPr id="7" name="Oval 6"/>
+          <p:cNvSpPr/>
+          <p:nvPr/>
+        </p:nvSpPr>
+        <p:spPr>
+          <a:xfrm>
+            <a:off x="3555357" y="3848100"/>
+            <a:ext cx="450215" cy="455930"/>
+          </a:xfrm>
+          <a:prstGeom prst="ellipse">
+            <a:avLst/>
+          </a:prstGeom>
+          <a:ln w="19050">
+            <a:solidFill>
+              <a:schemeClr val="tx1"/>
+            </a:solidFill>
+          </a:ln>
+        </p:spPr>
+        <p:style>
+          <a:lnRef idx="2">
+            <a:schemeClr val="accent1"/>
+          </a:lnRef>
+          <a:fillRef idx="1">
+            <a:schemeClr val="lt1"/>
+          </a:fillRef>
+          <a:effectRef idx="0">
+            <a:schemeClr val="accent1"/>
+          </a:effectRef>
+          <a:fontRef idx="minor">
+            <a:schemeClr val="dk1"/>
+          </a:fontRef>
+        </p:style>
+        <p:txBody>
+          <a:bodyPr rot="0" spcFirstLastPara="0" vert="horz" wrap="square" lIns="91440" tIns="45720" rIns="91440" bIns="45720" numCol="1" spcCol="0" rtlCol="0" fromWordArt="0" anchor="ctr" anchorCtr="0" forceAA="0" compatLnSpc="1">
+            <a:prstTxWarp prst="textNoShape">
+              <a:avLst/>
+            </a:prstTxWarp>
+            <a:noAutofit/>
+          </a:bodyPr>
+          <a:lstStyle/>
+          <a:p>
+            <a:pPr marL="0" marR="0" algn="ctr">
+              <a:lnSpc>
+                <a:spcPct val="107000"/>
+              </a:lnSpc>
+              <a:spcBef>
+                <a:spcPts val="0"/>
+              </a:spcBef>
+              <a:spcAft>
+                <a:spcPts val="800"/>
+              </a:spcAft>
+            </a:pPr>
+            <a:r>
+              <a:rPr lang="en-US" sz="1000" b="1" dirty="0" smtClean="0">
+                <a:effectLst/>
+                <a:latin typeface="Times New Roman" panose="02020603050405020304" pitchFamily="18" charset="0"/>
+                <a:ea typeface="Calibri" panose="020F0502020204030204" pitchFamily="34" charset="0"/>
+                <a:cs typeface="Times New Roman" panose="02020603050405020304" pitchFamily="18" charset="0"/>
+              </a:rPr>
+              <a:t>E</a:t>
+            </a:r>
+            <a:r>
+              <a:rPr lang="en-US" sz="900" b="1" baseline="-25000" dirty="0" smtClean="0">
+                <a:effectLst/>
+                <a:latin typeface="Times New Roman" panose="02020603050405020304" pitchFamily="18" charset="0"/>
+                <a:ea typeface="Calibri" panose="020F0502020204030204" pitchFamily="34" charset="0"/>
+                <a:cs typeface="Times New Roman" panose="02020603050405020304" pitchFamily="18" charset="0"/>
+              </a:rPr>
+              <a:t>0</a:t>
+            </a:r>
+            <a:endParaRPr lang="en-US" sz="900" b="1" dirty="0">
+              <a:effectLst/>
+              <a:ea typeface="Calibri" panose="020F0502020204030204" pitchFamily="34" charset="0"/>
+              <a:cs typeface="Times New Roman" panose="02020603050405020304" pitchFamily="18" charset="0"/>
+            </a:endParaRPr>
+          </a:p>
+        </p:txBody>
+      </p:sp>
+      <p:sp>
+        <p:nvSpPr>
+          <p:cNvPr id="8" name="Oval 7"/>
+          <p:cNvSpPr/>
+          <p:nvPr/>
+        </p:nvSpPr>
+        <p:spPr>
+          <a:xfrm>
+            <a:off x="3816984" y="3170871"/>
+            <a:ext cx="452755" cy="461645"/>
+          </a:xfrm>
+          <a:prstGeom prst="ellipse">
+            <a:avLst/>
+          </a:prstGeom>
+          <a:ln w="19050">
+            <a:solidFill>
+              <a:schemeClr val="tx1"/>
+            </a:solidFill>
+          </a:ln>
+        </p:spPr>
+        <p:style>
+          <a:lnRef idx="2">
+            <a:schemeClr val="accent1"/>
+          </a:lnRef>
+          <a:fillRef idx="1">
+            <a:schemeClr val="lt1"/>
+          </a:fillRef>
+          <a:effectRef idx="0">
+            <a:schemeClr val="accent1"/>
+          </a:effectRef>
+          <a:fontRef idx="minor">
+            <a:schemeClr val="dk1"/>
+          </a:fontRef>
+        </p:style>
+        <p:txBody>
+          <a:bodyPr rot="0" spcFirstLastPara="0" vert="horz" wrap="square" lIns="91440" tIns="45720" rIns="91440" bIns="45720" numCol="1" spcCol="0" rtlCol="0" fromWordArt="0" anchor="ctr" anchorCtr="0" forceAA="0" compatLnSpc="1">
+            <a:prstTxWarp prst="textNoShape">
+              <a:avLst/>
+            </a:prstTxWarp>
+            <a:noAutofit/>
+          </a:bodyPr>
+          <a:lstStyle/>
+          <a:p>
+            <a:pPr marL="0" marR="0" algn="ctr">
+              <a:lnSpc>
+                <a:spcPct val="107000"/>
+              </a:lnSpc>
+              <a:spcBef>
+                <a:spcPts val="0"/>
+              </a:spcBef>
+              <a:spcAft>
+                <a:spcPts val="800"/>
+              </a:spcAft>
+            </a:pPr>
+            <a:r>
+              <a:rPr lang="en-US" sz="1000" b="1" dirty="0" smtClean="0">
+                <a:effectLst/>
+                <a:latin typeface="Times New Roman" panose="02020603050405020304" pitchFamily="18" charset="0"/>
+                <a:ea typeface="Calibri" panose="020F0502020204030204" pitchFamily="34" charset="0"/>
+                <a:cs typeface="Times New Roman" panose="02020603050405020304" pitchFamily="18" charset="0"/>
+              </a:rPr>
+              <a:t>B</a:t>
+            </a:r>
+            <a:r>
+              <a:rPr lang="en-US" sz="900" b="1" baseline="-25000" dirty="0" smtClean="0">
+                <a:effectLst/>
+                <a:latin typeface="Times New Roman" panose="02020603050405020304" pitchFamily="18" charset="0"/>
+                <a:ea typeface="Calibri" panose="020F0502020204030204" pitchFamily="34" charset="0"/>
+                <a:cs typeface="Times New Roman" panose="02020603050405020304" pitchFamily="18" charset="0"/>
+              </a:rPr>
+              <a:t>1</a:t>
+            </a:r>
+            <a:endParaRPr lang="en-US" sz="900" b="1" dirty="0">
+              <a:effectLst/>
+              <a:ea typeface="Calibri" panose="020F0502020204030204" pitchFamily="34" charset="0"/>
+              <a:cs typeface="Times New Roman" panose="02020603050405020304" pitchFamily="18" charset="0"/>
+            </a:endParaRPr>
+          </a:p>
+        </p:txBody>
+      </p:sp>
+      <p:cxnSp>
+        <p:nvCxnSpPr>
+          <p:cNvPr id="9" name="Straight Connector 8"/>
+          <p:cNvCxnSpPr/>
+          <p:nvPr/>
+        </p:nvCxnSpPr>
+        <p:spPr>
+          <a:xfrm flipV="1">
+            <a:off x="3717600" y="3630295"/>
+            <a:ext cx="342900" cy="224790"/>
+          </a:xfrm>
+          <a:prstGeom prst="line">
+            <a:avLst/>
+          </a:prstGeom>
+          <a:ln w="19050">
+            <a:solidFill>
+              <a:schemeClr val="tx1"/>
+            </a:solidFill>
+          </a:ln>
+        </p:spPr>
+        <p:style>
+          <a:lnRef idx="1">
+            <a:schemeClr val="accent1"/>
+          </a:lnRef>
+          <a:fillRef idx="0">
+            <a:schemeClr val="accent1"/>
+          </a:fillRef>
+          <a:effectRef idx="0">
+            <a:schemeClr val="accent1"/>
+          </a:effectRef>
+          <a:fontRef idx="minor">
+            <a:schemeClr val="tx1"/>
+          </a:fontRef>
+        </p:style>
+      </p:cxnSp>
+      <p:cxnSp>
+        <p:nvCxnSpPr>
+          <p:cNvPr id="10" name="Straight Connector 9"/>
+          <p:cNvCxnSpPr/>
+          <p:nvPr/>
+        </p:nvCxnSpPr>
+        <p:spPr>
+          <a:xfrm flipH="1" flipV="1">
+            <a:off x="4062729" y="3630612"/>
+            <a:ext cx="316865" cy="224790"/>
+          </a:xfrm>
+          <a:prstGeom prst="line">
+            <a:avLst/>
+          </a:prstGeom>
+          <a:ln w="19050">
+            <a:solidFill>
+              <a:schemeClr val="tx1"/>
+            </a:solidFill>
+          </a:ln>
+        </p:spPr>
+        <p:style>
+          <a:lnRef idx="1">
+            <a:schemeClr val="accent1"/>
+          </a:lnRef>
+          <a:fillRef idx="0">
+            <a:schemeClr val="accent1"/>
+          </a:fillRef>
+          <a:effectRef idx="0">
+            <a:schemeClr val="accent1"/>
+          </a:effectRef>
+          <a:fontRef idx="minor">
+            <a:schemeClr val="tx1"/>
+          </a:fontRef>
+        </p:style>
+      </p:cxnSp>
+      <p:cxnSp>
+        <p:nvCxnSpPr>
+          <p:cNvPr id="12" name="Straight Connector 11"/>
+          <p:cNvCxnSpPr>
+            <a:endCxn id="27" idx="4"/>
+          </p:cNvCxnSpPr>
+          <p:nvPr/>
+        </p:nvCxnSpPr>
+        <p:spPr>
+          <a:xfrm flipV="1">
+            <a:off x="2970854" y="2950366"/>
+            <a:ext cx="567531" cy="229556"/>
+          </a:xfrm>
+          <a:prstGeom prst="line">
+            <a:avLst/>
+          </a:prstGeom>
+          <a:ln w="19050">
+            <a:solidFill>
+              <a:schemeClr val="tx1"/>
+            </a:solidFill>
+          </a:ln>
+        </p:spPr>
+        <p:style>
+          <a:lnRef idx="1">
+            <a:schemeClr val="accent1"/>
+          </a:lnRef>
+          <a:fillRef idx="0">
+            <a:schemeClr val="accent1"/>
+          </a:fillRef>
+          <a:effectRef idx="0">
+            <a:schemeClr val="accent1"/>
+          </a:effectRef>
+          <a:fontRef idx="minor">
+            <a:schemeClr val="tx1"/>
+          </a:fontRef>
+        </p:style>
+      </p:cxnSp>
+      <p:cxnSp>
+        <p:nvCxnSpPr>
+          <p:cNvPr id="13" name="Straight Connector 12"/>
+          <p:cNvCxnSpPr>
+            <a:stCxn id="8" idx="0"/>
+            <a:endCxn id="27" idx="4"/>
+          </p:cNvCxnSpPr>
+          <p:nvPr/>
+        </p:nvCxnSpPr>
+        <p:spPr>
+          <a:xfrm flipH="1" flipV="1">
+            <a:off x="3538385" y="2950366"/>
+            <a:ext cx="504977" cy="220505"/>
+          </a:xfrm>
+          <a:prstGeom prst="line">
+            <a:avLst/>
+          </a:prstGeom>
+          <a:ln w="19050">
+            <a:solidFill>
+              <a:schemeClr val="tx1"/>
+            </a:solidFill>
+          </a:ln>
+        </p:spPr>
+        <p:style>
+          <a:lnRef idx="1">
+            <a:schemeClr val="accent1"/>
+          </a:lnRef>
+          <a:fillRef idx="0">
+            <a:schemeClr val="accent1"/>
+          </a:fillRef>
+          <a:effectRef idx="0">
+            <a:schemeClr val="accent1"/>
+          </a:effectRef>
+          <a:fontRef idx="minor">
+            <a:schemeClr val="tx1"/>
+          </a:fontRef>
+        </p:style>
+      </p:cxnSp>
+      <p:sp>
+        <p:nvSpPr>
+          <p:cNvPr id="14" name="Rectangle 13"/>
+          <p:cNvSpPr/>
+          <p:nvPr/>
+        </p:nvSpPr>
+        <p:spPr>
+          <a:xfrm>
+            <a:off x="2409826" y="1647825"/>
+            <a:ext cx="4495800" cy="2733676"/>
+          </a:xfrm>
+          <a:prstGeom prst="rect">
+            <a:avLst/>
+          </a:prstGeom>
+          <a:noFill/>
+          <a:ln w="3175" cap="sq">
+            <a:solidFill>
+              <a:schemeClr val="tx1"/>
+            </a:solidFill>
+            <a:prstDash val="dash"/>
+          </a:ln>
+        </p:spPr>
+        <p:style>
+          <a:lnRef idx="2">
+            <a:schemeClr val="accent1">
+              <a:shade val="50000"/>
+            </a:schemeClr>
+          </a:lnRef>
+          <a:fillRef idx="1">
+            <a:schemeClr val="accent1"/>
+          </a:fillRef>
+          <a:effectRef idx="0">
+            <a:schemeClr val="accent1"/>
+          </a:effectRef>
+          <a:fontRef idx="minor">
+            <a:schemeClr val="lt1"/>
+          </a:fontRef>
+        </p:style>
+        <p:txBody>
+          <a:bodyPr rot="0" spcFirstLastPara="0" vert="horz" wrap="square" lIns="91440" tIns="45720" rIns="91440" bIns="45720" numCol="1" spcCol="0" rtlCol="0" fromWordArt="0" anchor="ctr" anchorCtr="0" forceAA="0" compatLnSpc="1">
+            <a:prstTxWarp prst="textNoShape">
+              <a:avLst/>
+            </a:prstTxWarp>
+            <a:noAutofit/>
+          </a:bodyPr>
+          <a:lstStyle/>
+          <a:p>
+            <a:endParaRPr lang="en-US"/>
+          </a:p>
+        </p:txBody>
+      </p:sp>
+      <p:sp>
+        <p:nvSpPr>
+          <p:cNvPr id="15" name="Oval 14"/>
+          <p:cNvSpPr/>
+          <p:nvPr/>
+        </p:nvSpPr>
+        <p:spPr>
+          <a:xfrm>
+            <a:off x="4664677" y="3858895"/>
+            <a:ext cx="450850" cy="451485"/>
+          </a:xfrm>
+          <a:prstGeom prst="ellipse">
+            <a:avLst/>
+          </a:prstGeom>
+          <a:ln w="19050">
+            <a:solidFill>
+              <a:schemeClr val="tx1"/>
+            </a:solidFill>
+          </a:ln>
+        </p:spPr>
+        <p:style>
+          <a:lnRef idx="2">
+            <a:schemeClr val="accent1"/>
+          </a:lnRef>
+          <a:fillRef idx="1">
+            <a:schemeClr val="lt1"/>
+          </a:fillRef>
+          <a:effectRef idx="0">
+            <a:schemeClr val="accent1"/>
+          </a:effectRef>
+          <a:fontRef idx="minor">
+            <a:schemeClr val="dk1"/>
+          </a:fontRef>
+        </p:style>
+        <p:txBody>
+          <a:bodyPr rot="0" spcFirstLastPara="0" vert="horz" wrap="square" lIns="91440" tIns="45720" rIns="91440" bIns="45720" numCol="1" spcCol="0" rtlCol="0" fromWordArt="0" anchor="ctr" anchorCtr="0" forceAA="0" compatLnSpc="1">
+            <a:prstTxWarp prst="textNoShape">
+              <a:avLst/>
+            </a:prstTxWarp>
+            <a:noAutofit/>
+          </a:bodyPr>
+          <a:lstStyle/>
+          <a:p>
+            <a:pPr marL="0" marR="0" algn="ctr">
+              <a:lnSpc>
+                <a:spcPct val="107000"/>
+              </a:lnSpc>
+              <a:spcBef>
+                <a:spcPts val="0"/>
+              </a:spcBef>
+              <a:spcAft>
+                <a:spcPts val="800"/>
+              </a:spcAft>
+            </a:pPr>
+            <a:r>
+              <a:rPr lang="en-US" sz="1000" b="1" dirty="0" smtClean="0">
+                <a:effectLst/>
+                <a:latin typeface="Times New Roman" panose="02020603050405020304" pitchFamily="18" charset="0"/>
+                <a:ea typeface="Calibri" panose="020F0502020204030204" pitchFamily="34" charset="0"/>
+                <a:cs typeface="Times New Roman" panose="02020603050405020304" pitchFamily="18" charset="0"/>
+              </a:rPr>
+              <a:t>C</a:t>
+            </a:r>
+            <a:r>
+              <a:rPr lang="en-US" sz="900" b="1" baseline="-25000" dirty="0" smtClean="0">
+                <a:effectLst/>
+                <a:latin typeface="Times New Roman" panose="02020603050405020304" pitchFamily="18" charset="0"/>
+                <a:ea typeface="Calibri" panose="020F0502020204030204" pitchFamily="34" charset="0"/>
+                <a:cs typeface="Times New Roman" panose="02020603050405020304" pitchFamily="18" charset="0"/>
+              </a:rPr>
+              <a:t>0</a:t>
+            </a:r>
+            <a:endParaRPr lang="en-US" sz="900" b="1" dirty="0">
+              <a:effectLst/>
+              <a:ea typeface="Calibri" panose="020F0502020204030204" pitchFamily="34" charset="0"/>
+              <a:cs typeface="Times New Roman" panose="02020603050405020304" pitchFamily="18" charset="0"/>
+            </a:endParaRPr>
+          </a:p>
+        </p:txBody>
+      </p:sp>
+      <p:sp>
+        <p:nvSpPr>
+          <p:cNvPr id="16" name="Oval 15"/>
+          <p:cNvSpPr/>
+          <p:nvPr/>
+        </p:nvSpPr>
+        <p:spPr>
+          <a:xfrm>
+            <a:off x="5221911" y="3856990"/>
+            <a:ext cx="452755" cy="453390"/>
+          </a:xfrm>
+          <a:prstGeom prst="ellipse">
+            <a:avLst/>
+          </a:prstGeom>
+          <a:ln w="19050">
+            <a:solidFill>
+              <a:schemeClr val="tx1"/>
+            </a:solidFill>
+          </a:ln>
+        </p:spPr>
+        <p:style>
+          <a:lnRef idx="2">
+            <a:schemeClr val="accent1"/>
+          </a:lnRef>
+          <a:fillRef idx="1">
+            <a:schemeClr val="lt1"/>
+          </a:fillRef>
+          <a:effectRef idx="0">
+            <a:schemeClr val="accent1"/>
+          </a:effectRef>
+          <a:fontRef idx="minor">
+            <a:schemeClr val="dk1"/>
+          </a:fontRef>
+        </p:style>
+        <p:txBody>
+          <a:bodyPr rot="0" spcFirstLastPara="0" vert="horz" wrap="square" lIns="91440" tIns="45720" rIns="91440" bIns="45720" numCol="1" spcCol="0" rtlCol="0" fromWordArt="0" anchor="ctr" anchorCtr="0" forceAA="0" compatLnSpc="1">
+            <a:prstTxWarp prst="textNoShape">
+              <a:avLst/>
+            </a:prstTxWarp>
+            <a:noAutofit/>
+          </a:bodyPr>
+          <a:lstStyle/>
+          <a:p>
+            <a:pPr marL="0" marR="0" algn="ctr">
+              <a:lnSpc>
+                <a:spcPct val="107000"/>
+              </a:lnSpc>
+              <a:spcBef>
+                <a:spcPts val="0"/>
+              </a:spcBef>
+              <a:spcAft>
+                <a:spcPts val="800"/>
+              </a:spcAft>
+            </a:pPr>
+            <a:r>
+              <a:rPr lang="en-US" sz="1000" b="1" dirty="0">
+                <a:effectLst/>
+                <a:latin typeface="Times New Roman" panose="02020603050405020304" pitchFamily="18" charset="0"/>
+                <a:ea typeface="Calibri" panose="020F0502020204030204" pitchFamily="34" charset="0"/>
+                <a:cs typeface="Times New Roman" panose="02020603050405020304" pitchFamily="18" charset="0"/>
+              </a:rPr>
+              <a:t>F</a:t>
+            </a:r>
+            <a:r>
+              <a:rPr lang="en-US" sz="900" b="1" baseline="-25000" dirty="0">
+                <a:effectLst/>
+                <a:latin typeface="Times New Roman" panose="02020603050405020304" pitchFamily="18" charset="0"/>
+                <a:ea typeface="Calibri" panose="020F0502020204030204" pitchFamily="34" charset="0"/>
+                <a:cs typeface="Times New Roman" panose="02020603050405020304" pitchFamily="18" charset="0"/>
+              </a:rPr>
+              <a:t>0</a:t>
+            </a:r>
+            <a:endParaRPr lang="en-US" sz="900" b="1" dirty="0">
+              <a:effectLst/>
+              <a:ea typeface="Calibri" panose="020F0502020204030204" pitchFamily="34" charset="0"/>
+              <a:cs typeface="Times New Roman" panose="02020603050405020304" pitchFamily="18" charset="0"/>
+            </a:endParaRPr>
+          </a:p>
+        </p:txBody>
+      </p:sp>
+      <p:sp>
+        <p:nvSpPr>
+          <p:cNvPr id="17" name="Oval 16"/>
+          <p:cNvSpPr/>
+          <p:nvPr/>
+        </p:nvSpPr>
+        <p:spPr>
+          <a:xfrm>
+            <a:off x="4942661" y="3211036"/>
+            <a:ext cx="465455" cy="445135"/>
+          </a:xfrm>
+          <a:prstGeom prst="ellipse">
+            <a:avLst/>
+          </a:prstGeom>
+          <a:ln w="19050">
+            <a:solidFill>
+              <a:schemeClr val="tx1"/>
+            </a:solidFill>
+          </a:ln>
+        </p:spPr>
+        <p:style>
+          <a:lnRef idx="2">
+            <a:schemeClr val="accent1"/>
+          </a:lnRef>
+          <a:fillRef idx="1">
+            <a:schemeClr val="lt1"/>
+          </a:fillRef>
+          <a:effectRef idx="0">
+            <a:schemeClr val="accent1"/>
+          </a:effectRef>
+          <a:fontRef idx="minor">
+            <a:schemeClr val="dk1"/>
+          </a:fontRef>
+        </p:style>
+        <p:txBody>
+          <a:bodyPr rot="0" spcFirstLastPara="0" vert="horz" wrap="square" lIns="91440" tIns="45720" rIns="91440" bIns="45720" numCol="1" spcCol="0" rtlCol="0" fromWordArt="0" anchor="ctr" anchorCtr="0" forceAA="0" compatLnSpc="1">
+            <a:prstTxWarp prst="textNoShape">
+              <a:avLst/>
+            </a:prstTxWarp>
+            <a:noAutofit/>
+          </a:bodyPr>
+          <a:lstStyle/>
+          <a:p>
+            <a:pPr marL="0" marR="0" algn="ctr">
+              <a:lnSpc>
+                <a:spcPct val="107000"/>
+              </a:lnSpc>
+              <a:spcBef>
+                <a:spcPts val="0"/>
+              </a:spcBef>
+              <a:spcAft>
+                <a:spcPts val="800"/>
+              </a:spcAft>
+            </a:pPr>
+            <a:r>
+              <a:rPr lang="en-US" sz="800" b="1" dirty="0" smtClean="0">
+                <a:effectLst/>
+                <a:latin typeface="Times New Roman" panose="02020603050405020304" pitchFamily="18" charset="0"/>
+                <a:ea typeface="Calibri" panose="020F0502020204030204" pitchFamily="34" charset="0"/>
+                <a:cs typeface="Times New Roman" panose="02020603050405020304" pitchFamily="18" charset="0"/>
+              </a:rPr>
+              <a:t>A</a:t>
+            </a:r>
+            <a:r>
+              <a:rPr lang="en-US" sz="800" b="1" baseline="-25000" dirty="0" smtClean="0">
+                <a:effectLst/>
+                <a:latin typeface="Times New Roman" panose="02020603050405020304" pitchFamily="18" charset="0"/>
+                <a:ea typeface="Calibri" panose="020F0502020204030204" pitchFamily="34" charset="0"/>
+                <a:cs typeface="Times New Roman" panose="02020603050405020304" pitchFamily="18" charset="0"/>
+              </a:rPr>
+              <a:t>10</a:t>
+            </a:r>
+            <a:endParaRPr lang="en-US" sz="800" b="1" dirty="0">
+              <a:effectLst/>
+              <a:ea typeface="Calibri" panose="020F0502020204030204" pitchFamily="34" charset="0"/>
+              <a:cs typeface="Times New Roman" panose="02020603050405020304" pitchFamily="18" charset="0"/>
+            </a:endParaRPr>
+          </a:p>
+        </p:txBody>
+      </p:sp>
+      <p:sp>
+        <p:nvSpPr>
+          <p:cNvPr id="22" name="Oval 21"/>
+          <p:cNvSpPr/>
+          <p:nvPr/>
+        </p:nvSpPr>
+        <p:spPr>
+          <a:xfrm>
+            <a:off x="6359796" y="3856990"/>
+            <a:ext cx="457200" cy="453390"/>
+          </a:xfrm>
+          <a:prstGeom prst="ellipse">
+            <a:avLst/>
+          </a:prstGeom>
+          <a:ln w="19050">
+            <a:solidFill>
+              <a:schemeClr val="tx1"/>
+            </a:solidFill>
+          </a:ln>
+        </p:spPr>
+        <p:style>
+          <a:lnRef idx="2">
+            <a:schemeClr val="accent1"/>
+          </a:lnRef>
+          <a:fillRef idx="1">
+            <a:schemeClr val="lt1"/>
+          </a:fillRef>
+          <a:effectRef idx="0">
+            <a:schemeClr val="accent1"/>
+          </a:effectRef>
+          <a:fontRef idx="minor">
+            <a:schemeClr val="dk1"/>
+          </a:fontRef>
+        </p:style>
+        <p:txBody>
+          <a:bodyPr rot="0" spcFirstLastPara="0" vert="horz" wrap="square" lIns="91440" tIns="45720" rIns="91440" bIns="45720" numCol="1" spcCol="0" rtlCol="0" fromWordArt="0" anchor="ctr" anchorCtr="0" forceAA="0" compatLnSpc="1">
+            <a:prstTxWarp prst="textNoShape">
+              <a:avLst/>
+            </a:prstTxWarp>
+            <a:noAutofit/>
+          </a:bodyPr>
+          <a:lstStyle/>
+          <a:p>
+            <a:pPr marL="0" marR="0" algn="ctr">
+              <a:lnSpc>
+                <a:spcPct val="107000"/>
+              </a:lnSpc>
+              <a:spcBef>
+                <a:spcPts val="0"/>
+              </a:spcBef>
+              <a:spcAft>
+                <a:spcPts val="800"/>
+              </a:spcAft>
+            </a:pPr>
+            <a:r>
+              <a:rPr lang="en-US" sz="1000" b="1" dirty="0" smtClean="0">
+                <a:effectLst/>
+                <a:latin typeface="Times New Roman" panose="02020603050405020304" pitchFamily="18" charset="0"/>
+                <a:ea typeface="Calibri" panose="020F0502020204030204" pitchFamily="34" charset="0"/>
+                <a:cs typeface="Times New Roman" panose="02020603050405020304" pitchFamily="18" charset="0"/>
+              </a:rPr>
+              <a:t>A</a:t>
+            </a:r>
+            <a:r>
+              <a:rPr lang="en-US" sz="900" b="1" baseline="-25000" dirty="0" smtClean="0">
+                <a:effectLst/>
+                <a:latin typeface="Times New Roman" panose="02020603050405020304" pitchFamily="18" charset="0"/>
+                <a:ea typeface="Calibri" panose="020F0502020204030204" pitchFamily="34" charset="0"/>
+                <a:cs typeface="Times New Roman" panose="02020603050405020304" pitchFamily="18" charset="0"/>
+              </a:rPr>
+              <a:t>0</a:t>
+            </a:r>
+            <a:endParaRPr lang="en-US" sz="900" b="1" dirty="0">
+              <a:effectLst/>
+              <a:ea typeface="Calibri" panose="020F0502020204030204" pitchFamily="34" charset="0"/>
+              <a:cs typeface="Times New Roman" panose="02020603050405020304" pitchFamily="18" charset="0"/>
+            </a:endParaRPr>
+          </a:p>
+        </p:txBody>
+      </p:sp>
+      <p:sp>
+        <p:nvSpPr>
+          <p:cNvPr id="24" name="Oval 23"/>
+          <p:cNvSpPr/>
+          <p:nvPr/>
+        </p:nvSpPr>
+        <p:spPr>
+          <a:xfrm>
+            <a:off x="5750698" y="3849528"/>
+            <a:ext cx="456565" cy="451485"/>
+          </a:xfrm>
+          <a:prstGeom prst="ellipse">
+            <a:avLst/>
+          </a:prstGeom>
+          <a:ln w="19050">
+            <a:solidFill>
+              <a:schemeClr val="tx1"/>
+            </a:solidFill>
+          </a:ln>
+        </p:spPr>
+        <p:style>
+          <a:lnRef idx="2">
+            <a:schemeClr val="accent1"/>
+          </a:lnRef>
+          <a:fillRef idx="1">
+            <a:schemeClr val="lt1"/>
+          </a:fillRef>
+          <a:effectRef idx="0">
+            <a:schemeClr val="accent1"/>
+          </a:effectRef>
+          <a:fontRef idx="minor">
+            <a:schemeClr val="dk1"/>
+          </a:fontRef>
+        </p:style>
+        <p:txBody>
+          <a:bodyPr rot="0" spcFirstLastPara="0" vert="horz" wrap="square" lIns="91440" tIns="45720" rIns="91440" bIns="45720" numCol="1" spcCol="0" rtlCol="0" fromWordArt="0" anchor="ctr" anchorCtr="0" forceAA="0" compatLnSpc="1">
+            <a:prstTxWarp prst="textNoShape">
+              <a:avLst/>
+            </a:prstTxWarp>
+            <a:noAutofit/>
+          </a:bodyPr>
+          <a:lstStyle/>
+          <a:p>
+            <a:pPr marL="0" marR="0" algn="ctr">
+              <a:lnSpc>
+                <a:spcPct val="107000"/>
+              </a:lnSpc>
+              <a:spcBef>
+                <a:spcPts val="0"/>
+              </a:spcBef>
+              <a:spcAft>
+                <a:spcPts val="800"/>
+              </a:spcAft>
+            </a:pPr>
+            <a:r>
+              <a:rPr lang="en-US" sz="1000" b="1" dirty="0">
+                <a:effectLst/>
+                <a:latin typeface="Times New Roman" panose="02020603050405020304" pitchFamily="18" charset="0"/>
+                <a:ea typeface="Calibri" panose="020F0502020204030204" pitchFamily="34" charset="0"/>
+                <a:cs typeface="Times New Roman" panose="02020603050405020304" pitchFamily="18" charset="0"/>
+              </a:rPr>
+              <a:t>D</a:t>
+            </a:r>
+            <a:r>
+              <a:rPr lang="en-US" sz="900" b="1" baseline="-25000" dirty="0">
+                <a:effectLst/>
+                <a:latin typeface="Times New Roman" panose="02020603050405020304" pitchFamily="18" charset="0"/>
+                <a:ea typeface="Calibri" panose="020F0502020204030204" pitchFamily="34" charset="0"/>
+                <a:cs typeface="Times New Roman" panose="02020603050405020304" pitchFamily="18" charset="0"/>
+              </a:rPr>
+              <a:t>0</a:t>
+            </a:r>
+            <a:endParaRPr lang="en-US" sz="900" b="1" dirty="0">
+              <a:effectLst/>
+              <a:ea typeface="Calibri" panose="020F0502020204030204" pitchFamily="34" charset="0"/>
+              <a:cs typeface="Times New Roman" panose="02020603050405020304" pitchFamily="18" charset="0"/>
+            </a:endParaRPr>
+          </a:p>
+        </p:txBody>
+      </p:sp>
+      <p:sp>
+        <p:nvSpPr>
+          <p:cNvPr id="26" name="Oval 25"/>
+          <p:cNvSpPr/>
+          <p:nvPr/>
+        </p:nvSpPr>
+        <p:spPr>
+          <a:xfrm>
+            <a:off x="4109083" y="3839210"/>
+            <a:ext cx="452755" cy="461645"/>
+          </a:xfrm>
+          <a:prstGeom prst="ellipse">
+            <a:avLst/>
+          </a:prstGeom>
+          <a:ln w="19050">
+            <a:solidFill>
+              <a:schemeClr val="tx1"/>
+            </a:solidFill>
+          </a:ln>
+        </p:spPr>
+        <p:style>
+          <a:lnRef idx="2">
+            <a:schemeClr val="accent1"/>
+          </a:lnRef>
+          <a:fillRef idx="1">
+            <a:schemeClr val="lt1"/>
+          </a:fillRef>
+          <a:effectRef idx="0">
+            <a:schemeClr val="accent1"/>
+          </a:effectRef>
+          <a:fontRef idx="minor">
+            <a:schemeClr val="dk1"/>
+          </a:fontRef>
+        </p:style>
+        <p:txBody>
+          <a:bodyPr rot="0" spcFirstLastPara="0" vert="horz" wrap="square" lIns="91440" tIns="45720" rIns="91440" bIns="45720" numCol="1" spcCol="0" rtlCol="0" fromWordArt="0" anchor="ctr" anchorCtr="0" forceAA="0" compatLnSpc="1">
+            <a:prstTxWarp prst="textNoShape">
+              <a:avLst/>
+            </a:prstTxWarp>
+            <a:noAutofit/>
+          </a:bodyPr>
+          <a:lstStyle/>
+          <a:p>
+            <a:pPr marL="0" marR="0" algn="ctr">
+              <a:lnSpc>
+                <a:spcPct val="107000"/>
+              </a:lnSpc>
+              <a:spcBef>
+                <a:spcPts val="0"/>
+              </a:spcBef>
+              <a:spcAft>
+                <a:spcPts val="800"/>
+              </a:spcAft>
+            </a:pPr>
+            <a:r>
+              <a:rPr lang="en-US" sz="1000" b="1" dirty="0" smtClean="0">
+                <a:effectLst/>
+                <a:latin typeface="Times New Roman" panose="02020603050405020304" pitchFamily="18" charset="0"/>
+                <a:ea typeface="Calibri" panose="020F0502020204030204" pitchFamily="34" charset="0"/>
+                <a:cs typeface="Times New Roman" panose="02020603050405020304" pitchFamily="18" charset="0"/>
+              </a:rPr>
+              <a:t>B</a:t>
+            </a:r>
+            <a:r>
+              <a:rPr lang="en-US" sz="900" b="1" baseline="-25000" dirty="0" smtClean="0">
+                <a:effectLst/>
+                <a:latin typeface="Times New Roman" panose="02020603050405020304" pitchFamily="18" charset="0"/>
+                <a:ea typeface="Calibri" panose="020F0502020204030204" pitchFamily="34" charset="0"/>
+                <a:cs typeface="Times New Roman" panose="02020603050405020304" pitchFamily="18" charset="0"/>
+              </a:rPr>
+              <a:t>0</a:t>
+            </a:r>
+            <a:endParaRPr lang="en-US" sz="900" b="1" dirty="0">
+              <a:effectLst/>
+              <a:ea typeface="Calibri" panose="020F0502020204030204" pitchFamily="34" charset="0"/>
+              <a:cs typeface="Times New Roman" panose="02020603050405020304" pitchFamily="18" charset="0"/>
+            </a:endParaRPr>
+          </a:p>
+        </p:txBody>
+      </p:sp>
+      <p:sp>
+        <p:nvSpPr>
+          <p:cNvPr id="27" name="Oval 26"/>
+          <p:cNvSpPr/>
+          <p:nvPr/>
+        </p:nvSpPr>
+        <p:spPr>
+          <a:xfrm>
+            <a:off x="3312007" y="2496341"/>
+            <a:ext cx="452755" cy="454025"/>
+          </a:xfrm>
+          <a:prstGeom prst="ellipse">
+            <a:avLst/>
+          </a:prstGeom>
+          <a:noFill/>
+          <a:ln w="19050">
+            <a:solidFill>
+              <a:schemeClr val="tx1"/>
+            </a:solidFill>
+          </a:ln>
+        </p:spPr>
+        <p:style>
+          <a:lnRef idx="2">
+            <a:schemeClr val="accent1"/>
+          </a:lnRef>
+          <a:fillRef idx="1">
+            <a:schemeClr val="lt1"/>
+          </a:fillRef>
+          <a:effectRef idx="0">
+            <a:schemeClr val="accent1"/>
+          </a:effectRef>
+          <a:fontRef idx="minor">
+            <a:schemeClr val="dk1"/>
+          </a:fontRef>
+        </p:style>
+        <p:txBody>
+          <a:bodyPr rot="0" spcFirstLastPara="0" vert="horz" wrap="square" lIns="91440" tIns="45720" rIns="91440" bIns="45720" numCol="1" spcCol="0" rtlCol="0" fromWordArt="0" anchor="ctr" anchorCtr="0" forceAA="0" compatLnSpc="1">
+            <a:prstTxWarp prst="textNoShape">
+              <a:avLst/>
+            </a:prstTxWarp>
+            <a:noAutofit/>
+          </a:bodyPr>
+          <a:lstStyle/>
+          <a:p>
+            <a:pPr marL="0" marR="0" algn="ctr">
+              <a:lnSpc>
+                <a:spcPct val="107000"/>
+              </a:lnSpc>
+              <a:spcBef>
+                <a:spcPts val="0"/>
+              </a:spcBef>
+              <a:spcAft>
+                <a:spcPts val="800"/>
+              </a:spcAft>
+            </a:pPr>
+            <a:r>
+              <a:rPr lang="en-US" sz="700" b="1" dirty="0" smtClean="0">
+                <a:effectLst/>
+                <a:latin typeface="Times New Roman" panose="02020603050405020304" pitchFamily="18" charset="0"/>
+                <a:ea typeface="Calibri" panose="020F0502020204030204" pitchFamily="34" charset="0"/>
+                <a:cs typeface="Times New Roman" panose="02020603050405020304" pitchFamily="18" charset="0"/>
+              </a:rPr>
+              <a:t>A</a:t>
+            </a:r>
+            <a:r>
+              <a:rPr lang="en-US" sz="700" b="1" baseline="-25000" dirty="0" smtClean="0">
+                <a:effectLst/>
+                <a:latin typeface="Times New Roman" panose="02020603050405020304" pitchFamily="18" charset="0"/>
+                <a:ea typeface="Calibri" panose="020F0502020204030204" pitchFamily="34" charset="0"/>
+                <a:cs typeface="Times New Roman" panose="02020603050405020304" pitchFamily="18" charset="0"/>
+              </a:rPr>
+              <a:t>20</a:t>
+            </a:r>
+            <a:endParaRPr lang="en-US" sz="700" b="1" dirty="0">
+              <a:effectLst/>
+              <a:ea typeface="Calibri" panose="020F0502020204030204" pitchFamily="34" charset="0"/>
+              <a:cs typeface="Times New Roman" panose="02020603050405020304" pitchFamily="18" charset="0"/>
+            </a:endParaRPr>
+          </a:p>
+        </p:txBody>
+      </p:sp>
+      <p:cxnSp>
+        <p:nvCxnSpPr>
+          <p:cNvPr id="41" name="Straight Connector 40"/>
+          <p:cNvCxnSpPr>
+            <a:stCxn id="15" idx="0"/>
+          </p:cNvCxnSpPr>
+          <p:nvPr/>
+        </p:nvCxnSpPr>
+        <p:spPr>
+          <a:xfrm flipV="1">
+            <a:off x="4890102" y="3652837"/>
+            <a:ext cx="284975" cy="206058"/>
+          </a:xfrm>
+          <a:prstGeom prst="line">
+            <a:avLst/>
+          </a:prstGeom>
+          <a:ln w="19050">
+            <a:solidFill>
+              <a:schemeClr val="tx1"/>
+            </a:solidFill>
+          </a:ln>
+        </p:spPr>
+        <p:style>
+          <a:lnRef idx="1">
+            <a:schemeClr val="accent1"/>
+          </a:lnRef>
+          <a:fillRef idx="0">
+            <a:schemeClr val="accent1"/>
+          </a:fillRef>
+          <a:effectRef idx="0">
+            <a:schemeClr val="accent1"/>
+          </a:effectRef>
+          <a:fontRef idx="minor">
+            <a:schemeClr val="tx1"/>
+          </a:fontRef>
+        </p:style>
+      </p:cxnSp>
+      <p:cxnSp>
+        <p:nvCxnSpPr>
+          <p:cNvPr id="42" name="Straight Connector 41"/>
+          <p:cNvCxnSpPr>
+            <a:stCxn id="16" idx="0"/>
+          </p:cNvCxnSpPr>
+          <p:nvPr/>
+        </p:nvCxnSpPr>
+        <p:spPr>
+          <a:xfrm flipH="1" flipV="1">
+            <a:off x="5177308" y="3653153"/>
+            <a:ext cx="270981" cy="203837"/>
+          </a:xfrm>
+          <a:prstGeom prst="line">
+            <a:avLst/>
+          </a:prstGeom>
+          <a:ln w="19050">
+            <a:solidFill>
+              <a:schemeClr val="tx1"/>
+            </a:solidFill>
+          </a:ln>
+        </p:spPr>
+        <p:style>
+          <a:lnRef idx="1">
+            <a:schemeClr val="accent1"/>
+          </a:lnRef>
+          <a:fillRef idx="0">
+            <a:schemeClr val="accent1"/>
+          </a:fillRef>
+          <a:effectRef idx="0">
+            <a:schemeClr val="accent1"/>
+          </a:effectRef>
+          <a:fontRef idx="minor">
+            <a:schemeClr val="tx1"/>
+          </a:fontRef>
+        </p:style>
+      </p:cxnSp>
+      <p:sp>
+        <p:nvSpPr>
+          <p:cNvPr id="30" name="Oval 29"/>
+          <p:cNvSpPr/>
+          <p:nvPr/>
+        </p:nvSpPr>
+        <p:spPr>
+          <a:xfrm>
+            <a:off x="6054996" y="3170871"/>
+            <a:ext cx="457200" cy="453390"/>
+          </a:xfrm>
+          <a:prstGeom prst="ellipse">
+            <a:avLst/>
+          </a:prstGeom>
+          <a:ln w="19050">
+            <a:solidFill>
+              <a:schemeClr val="tx1"/>
+            </a:solidFill>
+          </a:ln>
+        </p:spPr>
+        <p:style>
+          <a:lnRef idx="2">
+            <a:schemeClr val="accent1"/>
+          </a:lnRef>
+          <a:fillRef idx="1">
+            <a:schemeClr val="lt1"/>
+          </a:fillRef>
+          <a:effectRef idx="0">
+            <a:schemeClr val="accent1"/>
+          </a:effectRef>
+          <a:fontRef idx="minor">
+            <a:schemeClr val="dk1"/>
+          </a:fontRef>
+        </p:style>
+        <p:txBody>
+          <a:bodyPr rot="0" spcFirstLastPara="0" vert="horz" wrap="square" lIns="91440" tIns="45720" rIns="91440" bIns="45720" numCol="1" spcCol="0" rtlCol="0" fromWordArt="0" anchor="ctr" anchorCtr="0" forceAA="0" compatLnSpc="1">
+            <a:prstTxWarp prst="textNoShape">
+              <a:avLst/>
+            </a:prstTxWarp>
+            <a:noAutofit/>
+          </a:bodyPr>
+          <a:lstStyle/>
+          <a:p>
+            <a:pPr lvl="0" algn="ctr">
+              <a:lnSpc>
+                <a:spcPct val="107000"/>
+              </a:lnSpc>
+              <a:spcAft>
+                <a:spcPts val="800"/>
+              </a:spcAft>
+            </a:pPr>
+            <a:r>
+              <a:rPr lang="en-US" sz="800" b="1" dirty="0" smtClean="0">
+                <a:solidFill>
+                  <a:prstClr val="black"/>
+                </a:solidFill>
+                <a:latin typeface="Times New Roman" panose="02020603050405020304" pitchFamily="18" charset="0"/>
+                <a:ea typeface="Calibri" panose="020F0502020204030204" pitchFamily="34" charset="0"/>
+                <a:cs typeface="Times New Roman" panose="02020603050405020304" pitchFamily="18" charset="0"/>
+              </a:rPr>
+              <a:t>A</a:t>
+            </a:r>
+            <a:r>
+              <a:rPr lang="en-US" sz="800" b="1" baseline="-25000" dirty="0" smtClean="0">
+                <a:solidFill>
+                  <a:prstClr val="black"/>
+                </a:solidFill>
+                <a:latin typeface="Times New Roman" panose="02020603050405020304" pitchFamily="18" charset="0"/>
+                <a:ea typeface="Calibri" panose="020F0502020204030204" pitchFamily="34" charset="0"/>
+                <a:cs typeface="Times New Roman" panose="02020603050405020304" pitchFamily="18" charset="0"/>
+              </a:rPr>
+              <a:t>11</a:t>
+            </a:r>
+            <a:endParaRPr lang="en-US" sz="800" b="1" dirty="0">
+              <a:solidFill>
+                <a:prstClr val="black"/>
+              </a:solidFill>
+              <a:ea typeface="Calibri" panose="020F0502020204030204" pitchFamily="34" charset="0"/>
+              <a:cs typeface="Times New Roman" panose="02020603050405020304" pitchFamily="18" charset="0"/>
+            </a:endParaRPr>
+          </a:p>
+        </p:txBody>
+      </p:sp>
+      <p:cxnSp>
+        <p:nvCxnSpPr>
+          <p:cNvPr id="31" name="Straight Connector 30"/>
+          <p:cNvCxnSpPr>
+            <a:stCxn id="24" idx="0"/>
+          </p:cNvCxnSpPr>
+          <p:nvPr/>
+        </p:nvCxnSpPr>
+        <p:spPr>
+          <a:xfrm flipV="1">
+            <a:off x="5978981" y="3624261"/>
+            <a:ext cx="315962" cy="225267"/>
+          </a:xfrm>
+          <a:prstGeom prst="line">
+            <a:avLst/>
+          </a:prstGeom>
+          <a:ln w="19050">
+            <a:solidFill>
+              <a:schemeClr val="tx1"/>
+            </a:solidFill>
+          </a:ln>
+        </p:spPr>
+        <p:style>
+          <a:lnRef idx="1">
+            <a:schemeClr val="accent1"/>
+          </a:lnRef>
+          <a:fillRef idx="0">
+            <a:schemeClr val="accent1"/>
+          </a:fillRef>
+          <a:effectRef idx="0">
+            <a:schemeClr val="accent1"/>
+          </a:effectRef>
+          <a:fontRef idx="minor">
+            <a:schemeClr val="tx1"/>
+          </a:fontRef>
+        </p:style>
+      </p:cxnSp>
+      <p:cxnSp>
+        <p:nvCxnSpPr>
+          <p:cNvPr id="32" name="Straight Connector 31"/>
+          <p:cNvCxnSpPr>
+            <a:stCxn id="22" idx="0"/>
+          </p:cNvCxnSpPr>
+          <p:nvPr/>
+        </p:nvCxnSpPr>
+        <p:spPr>
+          <a:xfrm flipH="1" flipV="1">
+            <a:off x="6297175" y="3624578"/>
+            <a:ext cx="291221" cy="232412"/>
+          </a:xfrm>
+          <a:prstGeom prst="line">
+            <a:avLst/>
+          </a:prstGeom>
+          <a:ln w="19050">
+            <a:solidFill>
+              <a:schemeClr val="tx1"/>
+            </a:solidFill>
+          </a:ln>
+        </p:spPr>
+        <p:style>
+          <a:lnRef idx="1">
+            <a:schemeClr val="accent1"/>
+          </a:lnRef>
+          <a:fillRef idx="0">
+            <a:schemeClr val="accent1"/>
+          </a:fillRef>
+          <a:effectRef idx="0">
+            <a:schemeClr val="accent1"/>
+          </a:effectRef>
+          <a:fontRef idx="minor">
+            <a:schemeClr val="tx1"/>
+          </a:fontRef>
+        </p:style>
+      </p:cxnSp>
+      <p:sp>
+        <p:nvSpPr>
+          <p:cNvPr id="28" name="Oval 27"/>
+          <p:cNvSpPr/>
+          <p:nvPr/>
+        </p:nvSpPr>
+        <p:spPr>
+          <a:xfrm>
+            <a:off x="5502948" y="2496658"/>
+            <a:ext cx="457200" cy="453390"/>
+          </a:xfrm>
+          <a:prstGeom prst="ellipse">
+            <a:avLst/>
+          </a:prstGeom>
+          <a:noFill/>
+          <a:ln w="19050">
+            <a:solidFill>
+              <a:schemeClr val="tx1"/>
+            </a:solidFill>
+          </a:ln>
+        </p:spPr>
+        <p:style>
+          <a:lnRef idx="2">
+            <a:schemeClr val="accent1"/>
+          </a:lnRef>
+          <a:fillRef idx="1">
+            <a:schemeClr val="lt1"/>
+          </a:fillRef>
+          <a:effectRef idx="0">
+            <a:schemeClr val="accent1"/>
+          </a:effectRef>
+          <a:fontRef idx="minor">
+            <a:schemeClr val="dk1"/>
+          </a:fontRef>
+        </p:style>
+        <p:txBody>
+          <a:bodyPr rot="0" spcFirstLastPara="0" vert="horz" wrap="square" lIns="91440" tIns="45720" rIns="91440" bIns="45720" numCol="1" spcCol="0" rtlCol="0" fromWordArt="0" anchor="ctr" anchorCtr="0" forceAA="0" compatLnSpc="1">
+            <a:prstTxWarp prst="textNoShape">
+              <a:avLst/>
+            </a:prstTxWarp>
+            <a:noAutofit/>
+          </a:bodyPr>
+          <a:lstStyle/>
+          <a:p>
+            <a:pPr algn="ctr">
+              <a:lnSpc>
+                <a:spcPct val="107000"/>
+              </a:lnSpc>
+              <a:spcAft>
+                <a:spcPts val="800"/>
+              </a:spcAft>
+            </a:pPr>
+            <a:r>
+              <a:rPr lang="en-US" sz="800" b="1" dirty="0" smtClean="0">
+                <a:latin typeface="Times New Roman" panose="02020603050405020304" pitchFamily="18" charset="0"/>
+                <a:ea typeface="Calibri" panose="020F0502020204030204" pitchFamily="34" charset="0"/>
+                <a:cs typeface="Times New Roman" panose="02020603050405020304" pitchFamily="18" charset="0"/>
+              </a:rPr>
+              <a:t>A</a:t>
+            </a:r>
+            <a:r>
+              <a:rPr lang="en-US" sz="800" b="1" baseline="-25000" dirty="0" smtClean="0">
+                <a:latin typeface="Times New Roman" panose="02020603050405020304" pitchFamily="18" charset="0"/>
+                <a:ea typeface="Calibri" panose="020F0502020204030204" pitchFamily="34" charset="0"/>
+                <a:cs typeface="Times New Roman" panose="02020603050405020304" pitchFamily="18" charset="0"/>
+              </a:rPr>
+              <a:t>21</a:t>
+            </a:r>
+            <a:endParaRPr lang="en-US" sz="800" b="1" dirty="0">
+              <a:ea typeface="Calibri" panose="020F0502020204030204" pitchFamily="34" charset="0"/>
+              <a:cs typeface="Times New Roman" panose="02020603050405020304" pitchFamily="18" charset="0"/>
+            </a:endParaRPr>
+          </a:p>
+        </p:txBody>
+      </p:sp>
+      <p:cxnSp>
+        <p:nvCxnSpPr>
+          <p:cNvPr id="29" name="Straight Connector 28"/>
+          <p:cNvCxnSpPr>
+            <a:endCxn id="28" idx="4"/>
+          </p:cNvCxnSpPr>
+          <p:nvPr/>
+        </p:nvCxnSpPr>
+        <p:spPr>
+          <a:xfrm flipV="1">
+            <a:off x="5171920" y="2950048"/>
+            <a:ext cx="559628" cy="260831"/>
+          </a:xfrm>
+          <a:prstGeom prst="line">
+            <a:avLst/>
+          </a:prstGeom>
+          <a:ln w="19050">
+            <a:solidFill>
+              <a:schemeClr val="tx1"/>
+            </a:solidFill>
+          </a:ln>
+        </p:spPr>
+        <p:style>
+          <a:lnRef idx="1">
+            <a:schemeClr val="accent1"/>
+          </a:lnRef>
+          <a:fillRef idx="0">
+            <a:schemeClr val="accent1"/>
+          </a:fillRef>
+          <a:effectRef idx="0">
+            <a:schemeClr val="accent1"/>
+          </a:effectRef>
+          <a:fontRef idx="minor">
+            <a:schemeClr val="tx1"/>
+          </a:fontRef>
+        </p:style>
+      </p:cxnSp>
+      <p:cxnSp>
+        <p:nvCxnSpPr>
+          <p:cNvPr id="33" name="Straight Connector 32"/>
+          <p:cNvCxnSpPr>
+            <a:endCxn id="28" idx="4"/>
+          </p:cNvCxnSpPr>
+          <p:nvPr/>
+        </p:nvCxnSpPr>
+        <p:spPr>
+          <a:xfrm flipH="1" flipV="1">
+            <a:off x="5731548" y="2950048"/>
+            <a:ext cx="541241" cy="220507"/>
+          </a:xfrm>
+          <a:prstGeom prst="line">
+            <a:avLst/>
+          </a:prstGeom>
+          <a:ln w="19050">
+            <a:solidFill>
+              <a:schemeClr val="tx1"/>
+            </a:solidFill>
+          </a:ln>
+        </p:spPr>
+        <p:style>
+          <a:lnRef idx="1">
+            <a:schemeClr val="accent1"/>
+          </a:lnRef>
+          <a:fillRef idx="0">
+            <a:schemeClr val="accent1"/>
+          </a:fillRef>
+          <a:effectRef idx="0">
+            <a:schemeClr val="accent1"/>
+          </a:effectRef>
+          <a:fontRef idx="minor">
+            <a:schemeClr val="tx1"/>
+          </a:fontRef>
+        </p:style>
+      </p:cxnSp>
+      <p:sp>
+        <p:nvSpPr>
+          <p:cNvPr id="34" name="Oval 33"/>
+          <p:cNvSpPr/>
+          <p:nvPr/>
+        </p:nvSpPr>
+        <p:spPr>
+          <a:xfrm>
+            <a:off x="4429125" y="1733551"/>
+            <a:ext cx="457200" cy="453390"/>
+          </a:xfrm>
+          <a:prstGeom prst="ellipse">
+            <a:avLst/>
+          </a:prstGeom>
+          <a:solidFill>
+            <a:schemeClr val="bg2">
+              <a:lumMod val="90000"/>
+            </a:schemeClr>
+          </a:solidFill>
+          <a:ln w="19050">
+            <a:solidFill>
+              <a:schemeClr val="tx1"/>
+            </a:solidFill>
+          </a:ln>
+        </p:spPr>
+        <p:style>
+          <a:lnRef idx="2">
+            <a:schemeClr val="accent1"/>
+          </a:lnRef>
+          <a:fillRef idx="1">
+            <a:schemeClr val="lt1"/>
+          </a:fillRef>
+          <a:effectRef idx="0">
+            <a:schemeClr val="accent1"/>
+          </a:effectRef>
+          <a:fontRef idx="minor">
+            <a:schemeClr val="dk1"/>
+          </a:fontRef>
+        </p:style>
+        <p:txBody>
+          <a:bodyPr rot="0" spcFirstLastPara="0" vert="horz" wrap="square" lIns="91440" tIns="45720" rIns="91440" bIns="45720" numCol="1" spcCol="0" rtlCol="0" fromWordArt="0" anchor="ctr" anchorCtr="0" forceAA="0" compatLnSpc="1">
+            <a:prstTxWarp prst="textNoShape">
+              <a:avLst/>
+            </a:prstTxWarp>
+            <a:noAutofit/>
+          </a:bodyPr>
+          <a:lstStyle/>
+          <a:p>
+            <a:pPr algn="ctr">
+              <a:lnSpc>
+                <a:spcPct val="107000"/>
+              </a:lnSpc>
+              <a:spcAft>
+                <a:spcPts val="800"/>
+              </a:spcAft>
+            </a:pPr>
+            <a:r>
+              <a:rPr lang="en-US" sz="900" b="1" dirty="0" smtClean="0">
+                <a:latin typeface="Times New Roman" panose="02020603050405020304" pitchFamily="18" charset="0"/>
+                <a:ea typeface="Calibri" panose="020F0502020204030204" pitchFamily="34" charset="0"/>
+                <a:cs typeface="Times New Roman" panose="02020603050405020304" pitchFamily="18" charset="0"/>
+              </a:rPr>
+              <a:t>A</a:t>
+            </a:r>
+            <a:r>
+              <a:rPr lang="en-US" sz="900" b="1" baseline="-25000" dirty="0" smtClean="0">
+                <a:latin typeface="Times New Roman" panose="02020603050405020304" pitchFamily="18" charset="0"/>
+                <a:ea typeface="Calibri" panose="020F0502020204030204" pitchFamily="34" charset="0"/>
+                <a:cs typeface="Times New Roman" panose="02020603050405020304" pitchFamily="18" charset="0"/>
+              </a:rPr>
+              <a:t>3</a:t>
+            </a:r>
+            <a:endParaRPr lang="en-US" sz="900" b="1" dirty="0">
+              <a:ea typeface="Calibri" panose="020F0502020204030204" pitchFamily="34" charset="0"/>
+              <a:cs typeface="Times New Roman" panose="02020603050405020304" pitchFamily="18" charset="0"/>
+            </a:endParaRPr>
+          </a:p>
+        </p:txBody>
+      </p:sp>
+      <p:cxnSp>
+        <p:nvCxnSpPr>
+          <p:cNvPr id="35" name="Straight Connector 34"/>
+          <p:cNvCxnSpPr>
+            <a:endCxn id="34" idx="4"/>
+          </p:cNvCxnSpPr>
+          <p:nvPr/>
+        </p:nvCxnSpPr>
+        <p:spPr>
+          <a:xfrm flipV="1">
+            <a:off x="3523771" y="2186941"/>
+            <a:ext cx="1133954" cy="308610"/>
+          </a:xfrm>
+          <a:prstGeom prst="line">
+            <a:avLst/>
+          </a:prstGeom>
+          <a:ln w="19050">
+            <a:solidFill>
+              <a:schemeClr val="tx1"/>
+            </a:solidFill>
+          </a:ln>
+        </p:spPr>
+        <p:style>
+          <a:lnRef idx="1">
+            <a:schemeClr val="accent1"/>
+          </a:lnRef>
+          <a:fillRef idx="0">
+            <a:schemeClr val="accent1"/>
+          </a:fillRef>
+          <a:effectRef idx="0">
+            <a:schemeClr val="accent1"/>
+          </a:effectRef>
+          <a:fontRef idx="minor">
+            <a:schemeClr val="tx1"/>
+          </a:fontRef>
+        </p:style>
+      </p:cxnSp>
+      <p:cxnSp>
+        <p:nvCxnSpPr>
+          <p:cNvPr id="36" name="Straight Connector 35"/>
+          <p:cNvCxnSpPr>
+            <a:stCxn id="28" idx="0"/>
+            <a:endCxn id="34" idx="4"/>
+          </p:cNvCxnSpPr>
+          <p:nvPr/>
+        </p:nvCxnSpPr>
+        <p:spPr>
+          <a:xfrm flipH="1" flipV="1">
+            <a:off x="4657725" y="2186941"/>
+            <a:ext cx="1073823" cy="309717"/>
+          </a:xfrm>
+          <a:prstGeom prst="line">
+            <a:avLst/>
+          </a:prstGeom>
+          <a:ln w="19050">
+            <a:solidFill>
+              <a:schemeClr val="tx1"/>
+            </a:solidFill>
+          </a:ln>
+        </p:spPr>
+        <p:style>
+          <a:lnRef idx="1">
+            <a:schemeClr val="accent1"/>
+          </a:lnRef>
+          <a:fillRef idx="0">
+            <a:schemeClr val="accent1"/>
+          </a:fillRef>
+          <a:effectRef idx="0">
+            <a:schemeClr val="accent1"/>
+          </a:effectRef>
+          <a:fontRef idx="minor">
+            <a:schemeClr val="tx1"/>
+          </a:fontRef>
+        </p:style>
+      </p:cxnSp>
+    </p:spTree>
+    <p:extLst>
+      <p:ext uri="{BB962C8B-B14F-4D97-AF65-F5344CB8AC3E}">
+        <p14:creationId xmlns:p14="http://schemas.microsoft.com/office/powerpoint/2010/main" val="70184392"/>
       </p:ext>
     </p:extLst>
   </p:cSld>
